--- a/Lectures/M2-IntroToDesignAndArchitecture.pptx
+++ b/Lectures/M2-IntroToDesignAndArchitecture.pptx
@@ -297,14 +297,14 @@
               <ma14:placeholderFlag xmlns:ma14="http://schemas.microsoft.com/office/mac/drawingml/2011/main" val="1"/>
             </a:ext>
             <a:ext uri="{909E8E84-426E-40dd-AFC4-6F175D3DCCD1}">
-              <a14:hiddenFill xmlns:a14="http://schemas.microsoft.com/office/drawing/2010/main" xmlns="">
+              <a14:hiddenFill xmlns="" xmlns:a14="http://schemas.microsoft.com/office/drawing/2010/main">
                 <a:solidFill>
                   <a:schemeClr val="accent1"/>
                 </a:solidFill>
               </a14:hiddenFill>
             </a:ext>
             <a:ext uri="{91240B29-F687-4f45-9708-019B960494DF}">
-              <a14:hiddenLine xmlns:a14="http://schemas.microsoft.com/office/drawing/2010/main" xmlns="" w="9525">
+              <a14:hiddenLine xmlns="" xmlns:a14="http://schemas.microsoft.com/office/drawing/2010/main" w="9525">
                 <a:solidFill>
                   <a:schemeClr val="tx1"/>
                 </a:solidFill>
@@ -314,7 +314,7 @@
               </a14:hiddenLine>
             </a:ext>
             <a:ext uri="{AF507438-7753-43e0-B8FC-AC1667EBCBE1}">
-              <a14:hiddenEffects xmlns:a14="http://schemas.microsoft.com/office/drawing/2010/main" xmlns="">
+              <a14:hiddenEffects xmlns="" xmlns:a14="http://schemas.microsoft.com/office/drawing/2010/main">
                 <a:effectLst>
                   <a:outerShdw blurRad="63500" dist="38099" dir="2700000" algn="ctr" rotWithShape="0">
                     <a:schemeClr val="bg2">
@@ -370,14 +370,14 @@
               <ma14:placeholderFlag xmlns:ma14="http://schemas.microsoft.com/office/mac/drawingml/2011/main" val="1"/>
             </a:ext>
             <a:ext uri="{909E8E84-426E-40dd-AFC4-6F175D3DCCD1}">
-              <a14:hiddenFill xmlns:a14="http://schemas.microsoft.com/office/drawing/2010/main" xmlns="">
+              <a14:hiddenFill xmlns="" xmlns:a14="http://schemas.microsoft.com/office/drawing/2010/main">
                 <a:solidFill>
                   <a:schemeClr val="accent1"/>
                 </a:solidFill>
               </a14:hiddenFill>
             </a:ext>
             <a:ext uri="{91240B29-F687-4f45-9708-019B960494DF}">
-              <a14:hiddenLine xmlns:a14="http://schemas.microsoft.com/office/drawing/2010/main" xmlns="" w="9525">
+              <a14:hiddenLine xmlns="" xmlns:a14="http://schemas.microsoft.com/office/drawing/2010/main" w="9525">
                 <a:solidFill>
                   <a:schemeClr val="tx1"/>
                 </a:solidFill>
@@ -387,7 +387,7 @@
               </a14:hiddenLine>
             </a:ext>
             <a:ext uri="{AF507438-7753-43e0-B8FC-AC1667EBCBE1}">
-              <a14:hiddenEffects xmlns:a14="http://schemas.microsoft.com/office/drawing/2010/main" xmlns="">
+              <a14:hiddenEffects xmlns="" xmlns:a14="http://schemas.microsoft.com/office/drawing/2010/main">
                 <a:effectLst>
                   <a:outerShdw blurRad="63500" dist="38099" dir="2700000" algn="ctr" rotWithShape="0">
                     <a:schemeClr val="bg2">
@@ -443,14 +443,14 @@
               <ma14:placeholderFlag xmlns:ma14="http://schemas.microsoft.com/office/mac/drawingml/2011/main" val="1"/>
             </a:ext>
             <a:ext uri="{909E8E84-426E-40dd-AFC4-6F175D3DCCD1}">
-              <a14:hiddenFill xmlns:a14="http://schemas.microsoft.com/office/drawing/2010/main" xmlns="">
+              <a14:hiddenFill xmlns="" xmlns:a14="http://schemas.microsoft.com/office/drawing/2010/main">
                 <a:solidFill>
                   <a:schemeClr val="accent1"/>
                 </a:solidFill>
               </a14:hiddenFill>
             </a:ext>
             <a:ext uri="{91240B29-F687-4f45-9708-019B960494DF}">
-              <a14:hiddenLine xmlns:a14="http://schemas.microsoft.com/office/drawing/2010/main" xmlns="" w="9525">
+              <a14:hiddenLine xmlns="" xmlns:a14="http://schemas.microsoft.com/office/drawing/2010/main" w="9525">
                 <a:solidFill>
                   <a:schemeClr val="tx1"/>
                 </a:solidFill>
@@ -460,7 +460,7 @@
               </a14:hiddenLine>
             </a:ext>
             <a:ext uri="{AF507438-7753-43e0-B8FC-AC1667EBCBE1}">
-              <a14:hiddenEffects xmlns:a14="http://schemas.microsoft.com/office/drawing/2010/main" xmlns="">
+              <a14:hiddenEffects xmlns="" xmlns:a14="http://schemas.microsoft.com/office/drawing/2010/main">
                 <a:effectLst>
                   <a:outerShdw blurRad="63500" dist="38099" dir="2700000" algn="ctr" rotWithShape="0">
                     <a:schemeClr val="bg2">
@@ -516,14 +516,14 @@
               <ma14:placeholderFlag xmlns:ma14="http://schemas.microsoft.com/office/mac/drawingml/2011/main" val="1"/>
             </a:ext>
             <a:ext uri="{909E8E84-426E-40dd-AFC4-6F175D3DCCD1}">
-              <a14:hiddenFill xmlns:a14="http://schemas.microsoft.com/office/drawing/2010/main" xmlns="">
+              <a14:hiddenFill xmlns="" xmlns:a14="http://schemas.microsoft.com/office/drawing/2010/main">
                 <a:solidFill>
                   <a:schemeClr val="accent1"/>
                 </a:solidFill>
               </a14:hiddenFill>
             </a:ext>
             <a:ext uri="{91240B29-F687-4f45-9708-019B960494DF}">
-              <a14:hiddenLine xmlns:a14="http://schemas.microsoft.com/office/drawing/2010/main" xmlns="" w="9525">
+              <a14:hiddenLine xmlns="" xmlns:a14="http://schemas.microsoft.com/office/drawing/2010/main" w="9525">
                 <a:solidFill>
                   <a:schemeClr val="tx1"/>
                 </a:solidFill>
@@ -533,7 +533,7 @@
               </a14:hiddenLine>
             </a:ext>
             <a:ext uri="{AF507438-7753-43e0-B8FC-AC1667EBCBE1}">
-              <a14:hiddenEffects xmlns:a14="http://schemas.microsoft.com/office/drawing/2010/main" xmlns="">
+              <a14:hiddenEffects xmlns="" xmlns:a14="http://schemas.microsoft.com/office/drawing/2010/main">
                 <a:effectLst>
                   <a:outerShdw blurRad="63500" dist="38099" dir="2700000" algn="ctr" rotWithShape="0">
                     <a:schemeClr val="bg2">
@@ -630,14 +630,14 @@
               <ma14:placeholderFlag xmlns:ma14="http://schemas.microsoft.com/office/mac/drawingml/2011/main" val="1"/>
             </a:ext>
             <a:ext uri="{909E8E84-426E-40dd-AFC4-6F175D3DCCD1}">
-              <a14:hiddenFill xmlns:a14="http://schemas.microsoft.com/office/drawing/2010/main" xmlns="">
+              <a14:hiddenFill xmlns="" xmlns:a14="http://schemas.microsoft.com/office/drawing/2010/main">
                 <a:solidFill>
                   <a:schemeClr val="accent1"/>
                 </a:solidFill>
               </a14:hiddenFill>
             </a:ext>
             <a:ext uri="{91240B29-F687-4f45-9708-019B960494DF}">
-              <a14:hiddenLine xmlns:a14="http://schemas.microsoft.com/office/drawing/2010/main" xmlns="" w="9525">
+              <a14:hiddenLine xmlns="" xmlns:a14="http://schemas.microsoft.com/office/drawing/2010/main" w="9525">
                 <a:solidFill>
                   <a:schemeClr val="tx1"/>
                 </a:solidFill>
@@ -647,7 +647,7 @@
               </a14:hiddenLine>
             </a:ext>
             <a:ext uri="{AF507438-7753-43e0-B8FC-AC1667EBCBE1}">
-              <a14:hiddenEffects xmlns:a14="http://schemas.microsoft.com/office/drawing/2010/main" xmlns="">
+              <a14:hiddenEffects xmlns="" xmlns:a14="http://schemas.microsoft.com/office/drawing/2010/main">
                 <a:effectLst>
                   <a:outerShdw blurRad="63500" dist="38099" dir="2700000" algn="ctr" rotWithShape="0">
                     <a:schemeClr val="bg2">
@@ -703,14 +703,14 @@
               <ma14:placeholderFlag xmlns:ma14="http://schemas.microsoft.com/office/mac/drawingml/2011/main" val="1"/>
             </a:ext>
             <a:ext uri="{909E8E84-426E-40dd-AFC4-6F175D3DCCD1}">
-              <a14:hiddenFill xmlns:a14="http://schemas.microsoft.com/office/drawing/2010/main" xmlns="">
+              <a14:hiddenFill xmlns="" xmlns:a14="http://schemas.microsoft.com/office/drawing/2010/main">
                 <a:solidFill>
                   <a:schemeClr val="accent1"/>
                 </a:solidFill>
               </a14:hiddenFill>
             </a:ext>
             <a:ext uri="{91240B29-F687-4f45-9708-019B960494DF}">
-              <a14:hiddenLine xmlns:a14="http://schemas.microsoft.com/office/drawing/2010/main" xmlns="" w="9525">
+              <a14:hiddenLine xmlns="" xmlns:a14="http://schemas.microsoft.com/office/drawing/2010/main" w="9525">
                 <a:solidFill>
                   <a:schemeClr val="tx1"/>
                 </a:solidFill>
@@ -720,7 +720,7 @@
               </a14:hiddenLine>
             </a:ext>
             <a:ext uri="{AF507438-7753-43e0-B8FC-AC1667EBCBE1}">
-              <a14:hiddenEffects xmlns:a14="http://schemas.microsoft.com/office/drawing/2010/main" xmlns="">
+              <a14:hiddenEffects xmlns="" xmlns:a14="http://schemas.microsoft.com/office/drawing/2010/main">
                 <a:effectLst>
                   <a:outerShdw blurRad="63500" dist="38099" dir="2700000" algn="ctr" rotWithShape="0">
                     <a:schemeClr val="bg2">
@@ -778,7 +778,7 @@
           <a:effectLst/>
           <a:extLst>
             <a:ext uri="{AF507438-7753-43e0-B8FC-AC1667EBCBE1}">
-              <a14:hiddenEffects xmlns:a14="http://schemas.microsoft.com/office/drawing/2010/main" xmlns="">
+              <a14:hiddenEffects xmlns="" xmlns:a14="http://schemas.microsoft.com/office/drawing/2010/main">
                 <a:effectLst>
                   <a:outerShdw blurRad="63500" dist="38099" dir="2700000" algn="ctr" rotWithShape="0">
                     <a:srgbClr val="000000">
@@ -789,7 +789,7 @@
               </a14:hiddenEffects>
             </a:ext>
             <a:ext uri="{53640926-AAD7-44d8-BBD7-CCE9431645EC}">
-              <a14:shadowObscured xmlns:a14="http://schemas.microsoft.com/office/drawing/2010/main" xmlns="" val="1"/>
+              <a14:shadowObscured xmlns="" xmlns:a14="http://schemas.microsoft.com/office/drawing/2010/main" val="1"/>
             </a:ext>
           </a:extLst>
         </p:spPr>
@@ -822,14 +822,14 @@
               <ma14:placeholderFlag xmlns:ma14="http://schemas.microsoft.com/office/mac/drawingml/2011/main" val="1"/>
             </a:ext>
             <a:ext uri="{909E8E84-426E-40dd-AFC4-6F175D3DCCD1}">
-              <a14:hiddenFill xmlns:a14="http://schemas.microsoft.com/office/drawing/2010/main" xmlns="">
+              <a14:hiddenFill xmlns="" xmlns:a14="http://schemas.microsoft.com/office/drawing/2010/main">
                 <a:solidFill>
                   <a:schemeClr val="accent1"/>
                 </a:solidFill>
               </a14:hiddenFill>
             </a:ext>
             <a:ext uri="{91240B29-F687-4f45-9708-019B960494DF}">
-              <a14:hiddenLine xmlns:a14="http://schemas.microsoft.com/office/drawing/2010/main" xmlns="" w="9525">
+              <a14:hiddenLine xmlns="" xmlns:a14="http://schemas.microsoft.com/office/drawing/2010/main" w="9525">
                 <a:solidFill>
                   <a:schemeClr val="tx1"/>
                 </a:solidFill>
@@ -839,7 +839,7 @@
               </a14:hiddenLine>
             </a:ext>
             <a:ext uri="{AF507438-7753-43e0-B8FC-AC1667EBCBE1}">
-              <a14:hiddenEffects xmlns:a14="http://schemas.microsoft.com/office/drawing/2010/main" xmlns="">
+              <a14:hiddenEffects xmlns="" xmlns:a14="http://schemas.microsoft.com/office/drawing/2010/main">
                 <a:effectLst>
                   <a:outerShdw blurRad="63500" dist="38099" dir="2700000" algn="ctr" rotWithShape="0">
                     <a:schemeClr val="bg2">
@@ -923,14 +923,14 @@
               <ma14:placeholderFlag xmlns:ma14="http://schemas.microsoft.com/office/mac/drawingml/2011/main" val="1"/>
             </a:ext>
             <a:ext uri="{909E8E84-426E-40dd-AFC4-6F175D3DCCD1}">
-              <a14:hiddenFill xmlns:a14="http://schemas.microsoft.com/office/drawing/2010/main" xmlns="">
+              <a14:hiddenFill xmlns="" xmlns:a14="http://schemas.microsoft.com/office/drawing/2010/main">
                 <a:solidFill>
                   <a:schemeClr val="accent1"/>
                 </a:solidFill>
               </a14:hiddenFill>
             </a:ext>
             <a:ext uri="{91240B29-F687-4f45-9708-019B960494DF}">
-              <a14:hiddenLine xmlns:a14="http://schemas.microsoft.com/office/drawing/2010/main" xmlns="" w="9525">
+              <a14:hiddenLine xmlns="" xmlns:a14="http://schemas.microsoft.com/office/drawing/2010/main" w="9525">
                 <a:solidFill>
                   <a:schemeClr val="tx1"/>
                 </a:solidFill>
@@ -940,7 +940,7 @@
               </a14:hiddenLine>
             </a:ext>
             <a:ext uri="{AF507438-7753-43e0-B8FC-AC1667EBCBE1}">
-              <a14:hiddenEffects xmlns:a14="http://schemas.microsoft.com/office/drawing/2010/main" xmlns="">
+              <a14:hiddenEffects xmlns="" xmlns:a14="http://schemas.microsoft.com/office/drawing/2010/main">
                 <a:effectLst>
                   <a:outerShdw blurRad="63500" dist="38099" dir="2700000" algn="ctr" rotWithShape="0">
                     <a:schemeClr val="bg2">
@@ -996,14 +996,14 @@
               <ma14:placeholderFlag xmlns:ma14="http://schemas.microsoft.com/office/mac/drawingml/2011/main" val="1"/>
             </a:ext>
             <a:ext uri="{909E8E84-426E-40dd-AFC4-6F175D3DCCD1}">
-              <a14:hiddenFill xmlns:a14="http://schemas.microsoft.com/office/drawing/2010/main" xmlns="">
+              <a14:hiddenFill xmlns="" xmlns:a14="http://schemas.microsoft.com/office/drawing/2010/main">
                 <a:solidFill>
                   <a:schemeClr val="accent1"/>
                 </a:solidFill>
               </a14:hiddenFill>
             </a:ext>
             <a:ext uri="{91240B29-F687-4f45-9708-019B960494DF}">
-              <a14:hiddenLine xmlns:a14="http://schemas.microsoft.com/office/drawing/2010/main" xmlns="" w="9525">
+              <a14:hiddenLine xmlns="" xmlns:a14="http://schemas.microsoft.com/office/drawing/2010/main" w="9525">
                 <a:solidFill>
                   <a:schemeClr val="tx1"/>
                 </a:solidFill>
@@ -1013,7 +1013,7 @@
               </a14:hiddenLine>
             </a:ext>
             <a:ext uri="{AF507438-7753-43e0-B8FC-AC1667EBCBE1}">
-              <a14:hiddenEffects xmlns:a14="http://schemas.microsoft.com/office/drawing/2010/main" xmlns="">
+              <a14:hiddenEffects xmlns="" xmlns:a14="http://schemas.microsoft.com/office/drawing/2010/main">
                 <a:effectLst>
                   <a:outerShdw blurRad="63500" dist="38099" dir="2700000" algn="ctr" rotWithShape="0">
                     <a:schemeClr val="bg2">
@@ -1367,14 +1367,14 @@
               <ma14:placeholderFlag xmlns:ma14="http://schemas.microsoft.com/office/mac/drawingml/2011/main" val="1"/>
             </a:ext>
             <a:ext uri="{909E8E84-426E-40dd-AFC4-6F175D3DCCD1}">
-              <a14:hiddenFill xmlns:a14="http://schemas.microsoft.com/office/drawing/2010/main" xmlns="">
+              <a14:hiddenFill xmlns="" xmlns:a14="http://schemas.microsoft.com/office/drawing/2010/main">
                 <a:solidFill>
                   <a:schemeClr val="accent1"/>
                 </a:solidFill>
               </a14:hiddenFill>
             </a:ext>
             <a:ext uri="{91240B29-F687-4f45-9708-019B960494DF}">
-              <a14:hiddenLine xmlns:a14="http://schemas.microsoft.com/office/drawing/2010/main" xmlns="" w="9525">
+              <a14:hiddenLine xmlns="" xmlns:a14="http://schemas.microsoft.com/office/drawing/2010/main" w="9525">
                 <a:solidFill>
                   <a:schemeClr val="tx1"/>
                 </a:solidFill>
@@ -1384,7 +1384,7 @@
               </a14:hiddenLine>
             </a:ext>
             <a:ext uri="{AF507438-7753-43e0-B8FC-AC1667EBCBE1}">
-              <a14:hiddenEffects xmlns:a14="http://schemas.microsoft.com/office/drawing/2010/main" xmlns="">
+              <a14:hiddenEffects xmlns="" xmlns:a14="http://schemas.microsoft.com/office/drawing/2010/main">
                 <a:effectLst>
                   <a:outerShdw blurRad="63500" dist="38099" dir="2700000" algn="ctr" rotWithShape="0">
                     <a:schemeClr val="bg2">
@@ -1609,14 +1609,14 @@
               <ma14:placeholderFlag xmlns:ma14="http://schemas.microsoft.com/office/mac/drawingml/2011/main" val="1"/>
             </a:ext>
             <a:ext uri="{909E8E84-426E-40dd-AFC4-6F175D3DCCD1}">
-              <a14:hiddenFill xmlns:a14="http://schemas.microsoft.com/office/drawing/2010/main" xmlns="">
+              <a14:hiddenFill xmlns="" xmlns:a14="http://schemas.microsoft.com/office/drawing/2010/main">
                 <a:solidFill>
                   <a:schemeClr val="accent1"/>
                 </a:solidFill>
               </a14:hiddenFill>
             </a:ext>
             <a:ext uri="{91240B29-F687-4f45-9708-019B960494DF}">
-              <a14:hiddenLine xmlns:a14="http://schemas.microsoft.com/office/drawing/2010/main" xmlns="" w="9525">
+              <a14:hiddenLine xmlns="" xmlns:a14="http://schemas.microsoft.com/office/drawing/2010/main" w="9525">
                 <a:solidFill>
                   <a:schemeClr val="tx1"/>
                 </a:solidFill>
@@ -1626,7 +1626,7 @@
               </a14:hiddenLine>
             </a:ext>
             <a:ext uri="{AF507438-7753-43e0-B8FC-AC1667EBCBE1}">
-              <a14:hiddenEffects xmlns:a14="http://schemas.microsoft.com/office/drawing/2010/main" xmlns="">
+              <a14:hiddenEffects xmlns="" xmlns:a14="http://schemas.microsoft.com/office/drawing/2010/main">
                 <a:effectLst>
                   <a:outerShdw blurRad="63500" dist="38099" dir="2700000" algn="ctr" rotWithShape="0">
                     <a:schemeClr val="bg2">
@@ -1851,14 +1851,14 @@
               <ma14:placeholderFlag xmlns:ma14="http://schemas.microsoft.com/office/mac/drawingml/2011/main" val="1"/>
             </a:ext>
             <a:ext uri="{909E8E84-426E-40dd-AFC4-6F175D3DCCD1}">
-              <a14:hiddenFill xmlns:a14="http://schemas.microsoft.com/office/drawing/2010/main" xmlns="">
+              <a14:hiddenFill xmlns="" xmlns:a14="http://schemas.microsoft.com/office/drawing/2010/main">
                 <a:solidFill>
                   <a:schemeClr val="accent1"/>
                 </a:solidFill>
               </a14:hiddenFill>
             </a:ext>
             <a:ext uri="{91240B29-F687-4f45-9708-019B960494DF}">
-              <a14:hiddenLine xmlns:a14="http://schemas.microsoft.com/office/drawing/2010/main" xmlns="" w="9525">
+              <a14:hiddenLine xmlns="" xmlns:a14="http://schemas.microsoft.com/office/drawing/2010/main" w="9525">
                 <a:solidFill>
                   <a:schemeClr val="tx1"/>
                 </a:solidFill>
@@ -1868,7 +1868,7 @@
               </a14:hiddenLine>
             </a:ext>
             <a:ext uri="{AF507438-7753-43e0-B8FC-AC1667EBCBE1}">
-              <a14:hiddenEffects xmlns:a14="http://schemas.microsoft.com/office/drawing/2010/main" xmlns="">
+              <a14:hiddenEffects xmlns="" xmlns:a14="http://schemas.microsoft.com/office/drawing/2010/main">
                 <a:effectLst>
                   <a:outerShdw blurRad="63500" dist="38099" dir="2700000" algn="ctr" rotWithShape="0">
                     <a:schemeClr val="bg2">
@@ -2093,14 +2093,14 @@
               <ma14:placeholderFlag xmlns:ma14="http://schemas.microsoft.com/office/mac/drawingml/2011/main" val="1"/>
             </a:ext>
             <a:ext uri="{909E8E84-426E-40dd-AFC4-6F175D3DCCD1}">
-              <a14:hiddenFill xmlns:a14="http://schemas.microsoft.com/office/drawing/2010/main" xmlns="">
+              <a14:hiddenFill xmlns="" xmlns:a14="http://schemas.microsoft.com/office/drawing/2010/main">
                 <a:solidFill>
                   <a:schemeClr val="accent1"/>
                 </a:solidFill>
               </a14:hiddenFill>
             </a:ext>
             <a:ext uri="{91240B29-F687-4f45-9708-019B960494DF}">
-              <a14:hiddenLine xmlns:a14="http://schemas.microsoft.com/office/drawing/2010/main" xmlns="" w="9525">
+              <a14:hiddenLine xmlns="" xmlns:a14="http://schemas.microsoft.com/office/drawing/2010/main" w="9525">
                 <a:solidFill>
                   <a:schemeClr val="tx1"/>
                 </a:solidFill>
@@ -2110,7 +2110,7 @@
               </a14:hiddenLine>
             </a:ext>
             <a:ext uri="{AF507438-7753-43e0-B8FC-AC1667EBCBE1}">
-              <a14:hiddenEffects xmlns:a14="http://schemas.microsoft.com/office/drawing/2010/main" xmlns="">
+              <a14:hiddenEffects xmlns="" xmlns:a14="http://schemas.microsoft.com/office/drawing/2010/main">
                 <a:effectLst>
                   <a:outerShdw blurRad="63500" dist="38099" dir="2700000" algn="ctr" rotWithShape="0">
                     <a:schemeClr val="bg2">
@@ -2335,14 +2335,14 @@
               <ma14:placeholderFlag xmlns:ma14="http://schemas.microsoft.com/office/mac/drawingml/2011/main" val="1"/>
             </a:ext>
             <a:ext uri="{909E8E84-426E-40dd-AFC4-6F175D3DCCD1}">
-              <a14:hiddenFill xmlns:a14="http://schemas.microsoft.com/office/drawing/2010/main" xmlns="">
+              <a14:hiddenFill xmlns="" xmlns:a14="http://schemas.microsoft.com/office/drawing/2010/main">
                 <a:solidFill>
                   <a:schemeClr val="accent1"/>
                 </a:solidFill>
               </a14:hiddenFill>
             </a:ext>
             <a:ext uri="{91240B29-F687-4f45-9708-019B960494DF}">
-              <a14:hiddenLine xmlns:a14="http://schemas.microsoft.com/office/drawing/2010/main" xmlns="" w="9525">
+              <a14:hiddenLine xmlns="" xmlns:a14="http://schemas.microsoft.com/office/drawing/2010/main" w="9525">
                 <a:solidFill>
                   <a:schemeClr val="tx1"/>
                 </a:solidFill>
@@ -2352,7 +2352,7 @@
               </a14:hiddenLine>
             </a:ext>
             <a:ext uri="{AF507438-7753-43e0-B8FC-AC1667EBCBE1}">
-              <a14:hiddenEffects xmlns:a14="http://schemas.microsoft.com/office/drawing/2010/main" xmlns="">
+              <a14:hiddenEffects xmlns="" xmlns:a14="http://schemas.microsoft.com/office/drawing/2010/main">
                 <a:effectLst>
                   <a:outerShdw blurRad="63500" dist="38099" dir="2700000" algn="ctr" rotWithShape="0">
                     <a:schemeClr val="bg2">
@@ -2577,14 +2577,14 @@
               <ma14:placeholderFlag xmlns:ma14="http://schemas.microsoft.com/office/mac/drawingml/2011/main" val="1"/>
             </a:ext>
             <a:ext uri="{909E8E84-426E-40dd-AFC4-6F175D3DCCD1}">
-              <a14:hiddenFill xmlns:a14="http://schemas.microsoft.com/office/drawing/2010/main" xmlns="">
+              <a14:hiddenFill xmlns="" xmlns:a14="http://schemas.microsoft.com/office/drawing/2010/main">
                 <a:solidFill>
                   <a:schemeClr val="accent1"/>
                 </a:solidFill>
               </a14:hiddenFill>
             </a:ext>
             <a:ext uri="{91240B29-F687-4f45-9708-019B960494DF}">
-              <a14:hiddenLine xmlns:a14="http://schemas.microsoft.com/office/drawing/2010/main" xmlns="" w="9525">
+              <a14:hiddenLine xmlns="" xmlns:a14="http://schemas.microsoft.com/office/drawing/2010/main" w="9525">
                 <a:solidFill>
                   <a:schemeClr val="tx1"/>
                 </a:solidFill>
@@ -2594,7 +2594,7 @@
               </a14:hiddenLine>
             </a:ext>
             <a:ext uri="{AF507438-7753-43e0-B8FC-AC1667EBCBE1}">
-              <a14:hiddenEffects xmlns:a14="http://schemas.microsoft.com/office/drawing/2010/main" xmlns="">
+              <a14:hiddenEffects xmlns="" xmlns:a14="http://schemas.microsoft.com/office/drawing/2010/main">
                 <a:effectLst>
                   <a:outerShdw blurRad="63500" dist="38099" dir="2700000" algn="ctr" rotWithShape="0">
                     <a:schemeClr val="bg2">
@@ -3043,14 +3043,14 @@
               <ma14:placeholderFlag xmlns:ma14="http://schemas.microsoft.com/office/mac/drawingml/2011/main" val="1"/>
             </a:ext>
             <a:ext uri="{909E8E84-426E-40dd-AFC4-6F175D3DCCD1}">
-              <a14:hiddenFill xmlns:a14="http://schemas.microsoft.com/office/drawing/2010/main" xmlns="">
+              <a14:hiddenFill xmlns="" xmlns:a14="http://schemas.microsoft.com/office/drawing/2010/main">
                 <a:solidFill>
                   <a:schemeClr val="accent1"/>
                 </a:solidFill>
               </a14:hiddenFill>
             </a:ext>
             <a:ext uri="{91240B29-F687-4f45-9708-019B960494DF}">
-              <a14:hiddenLine xmlns:a14="http://schemas.microsoft.com/office/drawing/2010/main" xmlns="" w="9525">
+              <a14:hiddenLine xmlns="" xmlns:a14="http://schemas.microsoft.com/office/drawing/2010/main" w="9525">
                 <a:solidFill>
                   <a:schemeClr val="tx1"/>
                 </a:solidFill>
@@ -3060,7 +3060,7 @@
               </a14:hiddenLine>
             </a:ext>
             <a:ext uri="{AF507438-7753-43e0-B8FC-AC1667EBCBE1}">
-              <a14:hiddenEffects xmlns:a14="http://schemas.microsoft.com/office/drawing/2010/main" xmlns="">
+              <a14:hiddenEffects xmlns="" xmlns:a14="http://schemas.microsoft.com/office/drawing/2010/main">
                 <a:effectLst>
                   <a:outerShdw blurRad="63500" dist="38099" dir="2700000" algn="ctr" rotWithShape="0">
                     <a:schemeClr val="bg2">
@@ -3733,14 +3733,14 @@
               <ma14:placeholderFlag xmlns:ma14="http://schemas.microsoft.com/office/mac/drawingml/2011/main" val="1"/>
             </a:ext>
             <a:ext uri="{909E8E84-426E-40dd-AFC4-6F175D3DCCD1}">
-              <a14:hiddenFill xmlns:a14="http://schemas.microsoft.com/office/drawing/2010/main" xmlns="">
+              <a14:hiddenFill xmlns="" xmlns:a14="http://schemas.microsoft.com/office/drawing/2010/main">
                 <a:solidFill>
                   <a:schemeClr val="accent1"/>
                 </a:solidFill>
               </a14:hiddenFill>
             </a:ext>
             <a:ext uri="{91240B29-F687-4f45-9708-019B960494DF}">
-              <a14:hiddenLine xmlns:a14="http://schemas.microsoft.com/office/drawing/2010/main" xmlns="" w="9525">
+              <a14:hiddenLine xmlns="" xmlns:a14="http://schemas.microsoft.com/office/drawing/2010/main" w="9525">
                 <a:solidFill>
                   <a:schemeClr val="tx1"/>
                 </a:solidFill>
@@ -3750,7 +3750,7 @@
               </a14:hiddenLine>
             </a:ext>
             <a:ext uri="{AF507438-7753-43e0-B8FC-AC1667EBCBE1}">
-              <a14:hiddenEffects xmlns:a14="http://schemas.microsoft.com/office/drawing/2010/main" xmlns="">
+              <a14:hiddenEffects xmlns="" xmlns:a14="http://schemas.microsoft.com/office/drawing/2010/main">
                 <a:effectLst>
                   <a:outerShdw blurRad="63500" dist="38099" dir="2700000" algn="ctr" rotWithShape="0">
                     <a:schemeClr val="bg2">
@@ -5319,14 +5319,14 @@
               <ma14:placeholderFlag xmlns:ma14="http://schemas.microsoft.com/office/mac/drawingml/2011/main" val="1"/>
             </a:ext>
             <a:ext uri="{909E8E84-426E-40dd-AFC4-6F175D3DCCD1}">
-              <a14:hiddenFill xmlns:a14="http://schemas.microsoft.com/office/drawing/2010/main" xmlns="">
+              <a14:hiddenFill xmlns="" xmlns:a14="http://schemas.microsoft.com/office/drawing/2010/main">
                 <a:solidFill>
                   <a:schemeClr val="accent1"/>
                 </a:solidFill>
               </a14:hiddenFill>
             </a:ext>
             <a:ext uri="{91240B29-F687-4f45-9708-019B960494DF}">
-              <a14:hiddenLine xmlns:a14="http://schemas.microsoft.com/office/drawing/2010/main" xmlns="" w="9525">
+              <a14:hiddenLine xmlns="" xmlns:a14="http://schemas.microsoft.com/office/drawing/2010/main" w="9525">
                 <a:solidFill>
                   <a:schemeClr val="tx1"/>
                 </a:solidFill>
@@ -5336,7 +5336,7 @@
               </a14:hiddenLine>
             </a:ext>
             <a:ext uri="{AF507438-7753-43e0-B8FC-AC1667EBCBE1}">
-              <a14:hiddenEffects xmlns:a14="http://schemas.microsoft.com/office/drawing/2010/main" xmlns="">
+              <a14:hiddenEffects xmlns="" xmlns:a14="http://schemas.microsoft.com/office/drawing/2010/main">
                 <a:effectLst>
                   <a:outerShdw blurRad="63500" dist="38099" dir="2700000" algn="ctr" rotWithShape="0">
                     <a:schemeClr val="bg2">
@@ -5561,14 +5561,14 @@
               <ma14:placeholderFlag xmlns:ma14="http://schemas.microsoft.com/office/mac/drawingml/2011/main" val="1"/>
             </a:ext>
             <a:ext uri="{909E8E84-426E-40dd-AFC4-6F175D3DCCD1}">
-              <a14:hiddenFill xmlns:a14="http://schemas.microsoft.com/office/drawing/2010/main" xmlns="">
+              <a14:hiddenFill xmlns="" xmlns:a14="http://schemas.microsoft.com/office/drawing/2010/main">
                 <a:solidFill>
                   <a:schemeClr val="accent1"/>
                 </a:solidFill>
               </a14:hiddenFill>
             </a:ext>
             <a:ext uri="{91240B29-F687-4f45-9708-019B960494DF}">
-              <a14:hiddenLine xmlns:a14="http://schemas.microsoft.com/office/drawing/2010/main" xmlns="" w="9525">
+              <a14:hiddenLine xmlns="" xmlns:a14="http://schemas.microsoft.com/office/drawing/2010/main" w="9525">
                 <a:solidFill>
                   <a:schemeClr val="tx1"/>
                 </a:solidFill>
@@ -5578,7 +5578,7 @@
               </a14:hiddenLine>
             </a:ext>
             <a:ext uri="{AF507438-7753-43e0-B8FC-AC1667EBCBE1}">
-              <a14:hiddenEffects xmlns:a14="http://schemas.microsoft.com/office/drawing/2010/main" xmlns="">
+              <a14:hiddenEffects xmlns="" xmlns:a14="http://schemas.microsoft.com/office/drawing/2010/main">
                 <a:effectLst>
                   <a:outerShdw blurRad="63500" dist="38099" dir="2700000" algn="ctr" rotWithShape="0">
                     <a:schemeClr val="bg2">
@@ -5803,14 +5803,14 @@
               <ma14:placeholderFlag xmlns:ma14="http://schemas.microsoft.com/office/mac/drawingml/2011/main" val="1"/>
             </a:ext>
             <a:ext uri="{909E8E84-426E-40dd-AFC4-6F175D3DCCD1}">
-              <a14:hiddenFill xmlns:a14="http://schemas.microsoft.com/office/drawing/2010/main" xmlns="">
+              <a14:hiddenFill xmlns="" xmlns:a14="http://schemas.microsoft.com/office/drawing/2010/main">
                 <a:solidFill>
                   <a:schemeClr val="accent1"/>
                 </a:solidFill>
               </a14:hiddenFill>
             </a:ext>
             <a:ext uri="{91240B29-F687-4f45-9708-019B960494DF}">
-              <a14:hiddenLine xmlns:a14="http://schemas.microsoft.com/office/drawing/2010/main" xmlns="" w="9525">
+              <a14:hiddenLine xmlns="" xmlns:a14="http://schemas.microsoft.com/office/drawing/2010/main" w="9525">
                 <a:solidFill>
                   <a:schemeClr val="tx1"/>
                 </a:solidFill>
@@ -5820,7 +5820,7 @@
               </a14:hiddenLine>
             </a:ext>
             <a:ext uri="{AF507438-7753-43e0-B8FC-AC1667EBCBE1}">
-              <a14:hiddenEffects xmlns:a14="http://schemas.microsoft.com/office/drawing/2010/main" xmlns="">
+              <a14:hiddenEffects xmlns="" xmlns:a14="http://schemas.microsoft.com/office/drawing/2010/main">
                 <a:effectLst>
                   <a:outerShdw blurRad="63500" dist="38099" dir="2700000" algn="ctr" rotWithShape="0">
                     <a:schemeClr val="bg2">
@@ -6045,14 +6045,14 @@
               <ma14:placeholderFlag xmlns:ma14="http://schemas.microsoft.com/office/mac/drawingml/2011/main" val="1"/>
             </a:ext>
             <a:ext uri="{909E8E84-426E-40dd-AFC4-6F175D3DCCD1}">
-              <a14:hiddenFill xmlns:a14="http://schemas.microsoft.com/office/drawing/2010/main" xmlns="">
+              <a14:hiddenFill xmlns="" xmlns:a14="http://schemas.microsoft.com/office/drawing/2010/main">
                 <a:solidFill>
                   <a:schemeClr val="accent1"/>
                 </a:solidFill>
               </a14:hiddenFill>
             </a:ext>
             <a:ext uri="{91240B29-F687-4f45-9708-019B960494DF}">
-              <a14:hiddenLine xmlns:a14="http://schemas.microsoft.com/office/drawing/2010/main" xmlns="" w="9525">
+              <a14:hiddenLine xmlns="" xmlns:a14="http://schemas.microsoft.com/office/drawing/2010/main" w="9525">
                 <a:solidFill>
                   <a:schemeClr val="tx1"/>
                 </a:solidFill>
@@ -6062,7 +6062,7 @@
               </a14:hiddenLine>
             </a:ext>
             <a:ext uri="{AF507438-7753-43e0-B8FC-AC1667EBCBE1}">
-              <a14:hiddenEffects xmlns:a14="http://schemas.microsoft.com/office/drawing/2010/main" xmlns="">
+              <a14:hiddenEffects xmlns="" xmlns:a14="http://schemas.microsoft.com/office/drawing/2010/main">
                 <a:effectLst>
                   <a:outerShdw blurRad="63500" dist="38099" dir="2700000" algn="ctr" rotWithShape="0">
                     <a:schemeClr val="bg2">
@@ -6287,14 +6287,14 @@
               <ma14:placeholderFlag xmlns:ma14="http://schemas.microsoft.com/office/mac/drawingml/2011/main" val="1"/>
             </a:ext>
             <a:ext uri="{909E8E84-426E-40dd-AFC4-6F175D3DCCD1}">
-              <a14:hiddenFill xmlns:a14="http://schemas.microsoft.com/office/drawing/2010/main" xmlns="">
+              <a14:hiddenFill xmlns="" xmlns:a14="http://schemas.microsoft.com/office/drawing/2010/main">
                 <a:solidFill>
                   <a:schemeClr val="accent1"/>
                 </a:solidFill>
               </a14:hiddenFill>
             </a:ext>
             <a:ext uri="{91240B29-F687-4f45-9708-019B960494DF}">
-              <a14:hiddenLine xmlns:a14="http://schemas.microsoft.com/office/drawing/2010/main" xmlns="" w="9525">
+              <a14:hiddenLine xmlns="" xmlns:a14="http://schemas.microsoft.com/office/drawing/2010/main" w="9525">
                 <a:solidFill>
                   <a:schemeClr val="tx1"/>
                 </a:solidFill>
@@ -6304,7 +6304,7 @@
               </a14:hiddenLine>
             </a:ext>
             <a:ext uri="{AF507438-7753-43e0-B8FC-AC1667EBCBE1}">
-              <a14:hiddenEffects xmlns:a14="http://schemas.microsoft.com/office/drawing/2010/main" xmlns="">
+              <a14:hiddenEffects xmlns="" xmlns:a14="http://schemas.microsoft.com/office/drawing/2010/main">
                 <a:effectLst>
                   <a:outerShdw blurRad="63500" dist="38099" dir="2700000" algn="ctr" rotWithShape="0">
                     <a:schemeClr val="bg2">
@@ -6529,14 +6529,14 @@
               <ma14:placeholderFlag xmlns:ma14="http://schemas.microsoft.com/office/mac/drawingml/2011/main" val="1"/>
             </a:ext>
             <a:ext uri="{909E8E84-426E-40dd-AFC4-6F175D3DCCD1}">
-              <a14:hiddenFill xmlns:a14="http://schemas.microsoft.com/office/drawing/2010/main" xmlns="">
+              <a14:hiddenFill xmlns="" xmlns:a14="http://schemas.microsoft.com/office/drawing/2010/main">
                 <a:solidFill>
                   <a:schemeClr val="accent1"/>
                 </a:solidFill>
               </a14:hiddenFill>
             </a:ext>
             <a:ext uri="{91240B29-F687-4f45-9708-019B960494DF}">
-              <a14:hiddenLine xmlns:a14="http://schemas.microsoft.com/office/drawing/2010/main" xmlns="" w="9525">
+              <a14:hiddenLine xmlns="" xmlns:a14="http://schemas.microsoft.com/office/drawing/2010/main" w="9525">
                 <a:solidFill>
                   <a:schemeClr val="tx1"/>
                 </a:solidFill>
@@ -6546,7 +6546,7 @@
               </a14:hiddenLine>
             </a:ext>
             <a:ext uri="{AF507438-7753-43e0-B8FC-AC1667EBCBE1}">
-              <a14:hiddenEffects xmlns:a14="http://schemas.microsoft.com/office/drawing/2010/main" xmlns="">
+              <a14:hiddenEffects xmlns="" xmlns:a14="http://schemas.microsoft.com/office/drawing/2010/main">
                 <a:effectLst>
                   <a:outerShdw blurRad="63500" dist="38099" dir="2700000" algn="ctr" rotWithShape="0">
                     <a:schemeClr val="bg2">
@@ -6771,14 +6771,14 @@
               <ma14:placeholderFlag xmlns:ma14="http://schemas.microsoft.com/office/mac/drawingml/2011/main" val="1"/>
             </a:ext>
             <a:ext uri="{909E8E84-426E-40dd-AFC4-6F175D3DCCD1}">
-              <a14:hiddenFill xmlns:a14="http://schemas.microsoft.com/office/drawing/2010/main" xmlns="">
+              <a14:hiddenFill xmlns="" xmlns:a14="http://schemas.microsoft.com/office/drawing/2010/main">
                 <a:solidFill>
                   <a:schemeClr val="accent1"/>
                 </a:solidFill>
               </a14:hiddenFill>
             </a:ext>
             <a:ext uri="{91240B29-F687-4f45-9708-019B960494DF}">
-              <a14:hiddenLine xmlns:a14="http://schemas.microsoft.com/office/drawing/2010/main" xmlns="" w="9525">
+              <a14:hiddenLine xmlns="" xmlns:a14="http://schemas.microsoft.com/office/drawing/2010/main" w="9525">
                 <a:solidFill>
                   <a:schemeClr val="tx1"/>
                 </a:solidFill>
@@ -6788,7 +6788,7 @@
               </a14:hiddenLine>
             </a:ext>
             <a:ext uri="{AF507438-7753-43e0-B8FC-AC1667EBCBE1}">
-              <a14:hiddenEffects xmlns:a14="http://schemas.microsoft.com/office/drawing/2010/main" xmlns="">
+              <a14:hiddenEffects xmlns="" xmlns:a14="http://schemas.microsoft.com/office/drawing/2010/main">
                 <a:effectLst>
                   <a:outerShdw blurRad="63500" dist="38099" dir="2700000" algn="ctr" rotWithShape="0">
                     <a:schemeClr val="bg2">
@@ -7054,7 +7054,7 @@
               <a:effectLst/>
               <a:extLst>
                 <a:ext uri="{91240B29-F687-4f45-9708-019B960494DF}">
-                  <a14:hiddenLine xmlns:a14="http://schemas.microsoft.com/office/drawing/2010/main" xmlns="" w="9525">
+                  <a14:hiddenLine xmlns="" xmlns:a14="http://schemas.microsoft.com/office/drawing/2010/main" w="9525">
                     <a:solidFill>
                       <a:schemeClr val="tx1"/>
                     </a:solidFill>
@@ -7064,7 +7064,7 @@
                   </a14:hiddenLine>
                 </a:ext>
                 <a:ext uri="{AF507438-7753-43e0-B8FC-AC1667EBCBE1}">
-                  <a14:hiddenEffects xmlns:a14="http://schemas.microsoft.com/office/drawing/2010/main" xmlns="">
+                  <a14:hiddenEffects xmlns="" xmlns:a14="http://schemas.microsoft.com/office/drawing/2010/main">
                     <a:effectLst>
                       <a:outerShdw blurRad="63500" dist="38099" dir="2700000" algn="ctr" rotWithShape="0">
                         <a:schemeClr val="bg2">
@@ -7133,12 +7133,12 @@
                 <a:effectLst/>
                 <a:extLst>
                   <a:ext uri="{909E8E84-426E-40dd-AFC4-6F175D3DCCD1}">
-                    <a14:hiddenFill xmlns:a14="http://schemas.microsoft.com/office/drawing/2010/main" xmlns="">
+                    <a14:hiddenFill xmlns="" xmlns:a14="http://schemas.microsoft.com/office/drawing/2010/main">
                       <a:noFill/>
                     </a14:hiddenFill>
                   </a:ext>
                   <a:ext uri="{AF507438-7753-43e0-B8FC-AC1667EBCBE1}">
-                    <a14:hiddenEffects xmlns:a14="http://schemas.microsoft.com/office/drawing/2010/main" xmlns="">
+                    <a14:hiddenEffects xmlns="" xmlns:a14="http://schemas.microsoft.com/office/drawing/2010/main">
                       <a:effectLst>
                         <a:outerShdw blurRad="63500" dist="38099" dir="2700000" algn="ctr" rotWithShape="0">
                           <a:schemeClr val="bg2">
@@ -7191,12 +7191,12 @@
                 <a:effectLst/>
                 <a:extLst>
                   <a:ext uri="{909E8E84-426E-40dd-AFC4-6F175D3DCCD1}">
-                    <a14:hiddenFill xmlns:a14="http://schemas.microsoft.com/office/drawing/2010/main" xmlns="">
+                    <a14:hiddenFill xmlns="" xmlns:a14="http://schemas.microsoft.com/office/drawing/2010/main">
                       <a:noFill/>
                     </a14:hiddenFill>
                   </a:ext>
                   <a:ext uri="{AF507438-7753-43e0-B8FC-AC1667EBCBE1}">
-                    <a14:hiddenEffects xmlns:a14="http://schemas.microsoft.com/office/drawing/2010/main" xmlns="">
+                    <a14:hiddenEffects xmlns="" xmlns:a14="http://schemas.microsoft.com/office/drawing/2010/main">
                       <a:effectLst>
                         <a:outerShdw blurRad="63500" dist="38099" dir="2700000" algn="ctr" rotWithShape="0">
                           <a:schemeClr val="bg2">
@@ -7249,12 +7249,12 @@
                 <a:effectLst/>
                 <a:extLst>
                   <a:ext uri="{909E8E84-426E-40dd-AFC4-6F175D3DCCD1}">
-                    <a14:hiddenFill xmlns:a14="http://schemas.microsoft.com/office/drawing/2010/main" xmlns="">
+                    <a14:hiddenFill xmlns="" xmlns:a14="http://schemas.microsoft.com/office/drawing/2010/main">
                       <a:noFill/>
                     </a14:hiddenFill>
                   </a:ext>
                   <a:ext uri="{AF507438-7753-43e0-B8FC-AC1667EBCBE1}">
-                    <a14:hiddenEffects xmlns:a14="http://schemas.microsoft.com/office/drawing/2010/main" xmlns="">
+                    <a14:hiddenEffects xmlns="" xmlns:a14="http://schemas.microsoft.com/office/drawing/2010/main">
                       <a:effectLst>
                         <a:outerShdw blurRad="63500" dist="38099" dir="2700000" algn="ctr" rotWithShape="0">
                           <a:schemeClr val="bg2">
@@ -7307,12 +7307,12 @@
                 <a:effectLst/>
                 <a:extLst>
                   <a:ext uri="{909E8E84-426E-40dd-AFC4-6F175D3DCCD1}">
-                    <a14:hiddenFill xmlns:a14="http://schemas.microsoft.com/office/drawing/2010/main" xmlns="">
+                    <a14:hiddenFill xmlns="" xmlns:a14="http://schemas.microsoft.com/office/drawing/2010/main">
                       <a:noFill/>
                     </a14:hiddenFill>
                   </a:ext>
                   <a:ext uri="{AF507438-7753-43e0-B8FC-AC1667EBCBE1}">
-                    <a14:hiddenEffects xmlns:a14="http://schemas.microsoft.com/office/drawing/2010/main" xmlns="">
+                    <a14:hiddenEffects xmlns="" xmlns:a14="http://schemas.microsoft.com/office/drawing/2010/main">
                       <a:effectLst>
                         <a:outerShdw blurRad="63500" dist="38099" dir="2700000" algn="ctr" rotWithShape="0">
                           <a:schemeClr val="bg2">
@@ -7365,12 +7365,12 @@
                 <a:effectLst/>
                 <a:extLst>
                   <a:ext uri="{909E8E84-426E-40dd-AFC4-6F175D3DCCD1}">
-                    <a14:hiddenFill xmlns:a14="http://schemas.microsoft.com/office/drawing/2010/main" xmlns="">
+                    <a14:hiddenFill xmlns="" xmlns:a14="http://schemas.microsoft.com/office/drawing/2010/main">
                       <a:noFill/>
                     </a14:hiddenFill>
                   </a:ext>
                   <a:ext uri="{AF507438-7753-43e0-B8FC-AC1667EBCBE1}">
-                    <a14:hiddenEffects xmlns:a14="http://schemas.microsoft.com/office/drawing/2010/main" xmlns="">
+                    <a14:hiddenEffects xmlns="" xmlns:a14="http://schemas.microsoft.com/office/drawing/2010/main">
                       <a:effectLst>
                         <a:outerShdw blurRad="63500" dist="38099" dir="2700000" algn="ctr" rotWithShape="0">
                           <a:schemeClr val="bg2">
@@ -7423,12 +7423,12 @@
                 <a:effectLst/>
                 <a:extLst>
                   <a:ext uri="{909E8E84-426E-40dd-AFC4-6F175D3DCCD1}">
-                    <a14:hiddenFill xmlns:a14="http://schemas.microsoft.com/office/drawing/2010/main" xmlns="">
+                    <a14:hiddenFill xmlns="" xmlns:a14="http://schemas.microsoft.com/office/drawing/2010/main">
                       <a:noFill/>
                     </a14:hiddenFill>
                   </a:ext>
                   <a:ext uri="{AF507438-7753-43e0-B8FC-AC1667EBCBE1}">
-                    <a14:hiddenEffects xmlns:a14="http://schemas.microsoft.com/office/drawing/2010/main" xmlns="">
+                    <a14:hiddenEffects xmlns="" xmlns:a14="http://schemas.microsoft.com/office/drawing/2010/main">
                       <a:effectLst>
                         <a:outerShdw blurRad="63500" dist="38099" dir="2700000" algn="ctr" rotWithShape="0">
                           <a:schemeClr val="bg2">
@@ -7481,12 +7481,12 @@
                 <a:effectLst/>
                 <a:extLst>
                   <a:ext uri="{909E8E84-426E-40dd-AFC4-6F175D3DCCD1}">
-                    <a14:hiddenFill xmlns:a14="http://schemas.microsoft.com/office/drawing/2010/main" xmlns="">
+                    <a14:hiddenFill xmlns="" xmlns:a14="http://schemas.microsoft.com/office/drawing/2010/main">
                       <a:noFill/>
                     </a14:hiddenFill>
                   </a:ext>
                   <a:ext uri="{AF507438-7753-43e0-B8FC-AC1667EBCBE1}">
-                    <a14:hiddenEffects xmlns:a14="http://schemas.microsoft.com/office/drawing/2010/main" xmlns="">
+                    <a14:hiddenEffects xmlns="" xmlns:a14="http://schemas.microsoft.com/office/drawing/2010/main">
                       <a:effectLst>
                         <a:outerShdw blurRad="63500" dist="38099" dir="2700000" algn="ctr" rotWithShape="0">
                           <a:schemeClr val="bg2">
@@ -7539,12 +7539,12 @@
                 <a:effectLst/>
                 <a:extLst>
                   <a:ext uri="{909E8E84-426E-40dd-AFC4-6F175D3DCCD1}">
-                    <a14:hiddenFill xmlns:a14="http://schemas.microsoft.com/office/drawing/2010/main" xmlns="">
+                    <a14:hiddenFill xmlns="" xmlns:a14="http://schemas.microsoft.com/office/drawing/2010/main">
                       <a:noFill/>
                     </a14:hiddenFill>
                   </a:ext>
                   <a:ext uri="{AF507438-7753-43e0-B8FC-AC1667EBCBE1}">
-                    <a14:hiddenEffects xmlns:a14="http://schemas.microsoft.com/office/drawing/2010/main" xmlns="">
+                    <a14:hiddenEffects xmlns="" xmlns:a14="http://schemas.microsoft.com/office/drawing/2010/main">
                       <a:effectLst>
                         <a:outerShdw blurRad="63500" dist="38099" dir="2700000" algn="ctr" rotWithShape="0">
                           <a:schemeClr val="bg2">
@@ -7597,12 +7597,12 @@
                 <a:effectLst/>
                 <a:extLst>
                   <a:ext uri="{909E8E84-426E-40dd-AFC4-6F175D3DCCD1}">
-                    <a14:hiddenFill xmlns:a14="http://schemas.microsoft.com/office/drawing/2010/main" xmlns="">
+                    <a14:hiddenFill xmlns="" xmlns:a14="http://schemas.microsoft.com/office/drawing/2010/main">
                       <a:noFill/>
                     </a14:hiddenFill>
                   </a:ext>
                   <a:ext uri="{AF507438-7753-43e0-B8FC-AC1667EBCBE1}">
-                    <a14:hiddenEffects xmlns:a14="http://schemas.microsoft.com/office/drawing/2010/main" xmlns="">
+                    <a14:hiddenEffects xmlns="" xmlns:a14="http://schemas.microsoft.com/office/drawing/2010/main">
                       <a:effectLst>
                         <a:outerShdw blurRad="63500" dist="38099" dir="2700000" algn="ctr" rotWithShape="0">
                           <a:schemeClr val="bg2">
@@ -7655,12 +7655,12 @@
                 <a:effectLst/>
                 <a:extLst>
                   <a:ext uri="{909E8E84-426E-40dd-AFC4-6F175D3DCCD1}">
-                    <a14:hiddenFill xmlns:a14="http://schemas.microsoft.com/office/drawing/2010/main" xmlns="">
+                    <a14:hiddenFill xmlns="" xmlns:a14="http://schemas.microsoft.com/office/drawing/2010/main">
                       <a:noFill/>
                     </a14:hiddenFill>
                   </a:ext>
                   <a:ext uri="{AF507438-7753-43e0-B8FC-AC1667EBCBE1}">
-                    <a14:hiddenEffects xmlns:a14="http://schemas.microsoft.com/office/drawing/2010/main" xmlns="">
+                    <a14:hiddenEffects xmlns="" xmlns:a14="http://schemas.microsoft.com/office/drawing/2010/main">
                       <a:effectLst>
                         <a:outerShdw blurRad="63500" dist="38099" dir="2700000" algn="ctr" rotWithShape="0">
                           <a:schemeClr val="bg2">
@@ -7713,12 +7713,12 @@
                 <a:effectLst/>
                 <a:extLst>
                   <a:ext uri="{909E8E84-426E-40dd-AFC4-6F175D3DCCD1}">
-                    <a14:hiddenFill xmlns:a14="http://schemas.microsoft.com/office/drawing/2010/main" xmlns="">
+                    <a14:hiddenFill xmlns="" xmlns:a14="http://schemas.microsoft.com/office/drawing/2010/main">
                       <a:noFill/>
                     </a14:hiddenFill>
                   </a:ext>
                   <a:ext uri="{AF507438-7753-43e0-B8FC-AC1667EBCBE1}">
-                    <a14:hiddenEffects xmlns:a14="http://schemas.microsoft.com/office/drawing/2010/main" xmlns="">
+                    <a14:hiddenEffects xmlns="" xmlns:a14="http://schemas.microsoft.com/office/drawing/2010/main">
                       <a:effectLst>
                         <a:outerShdw blurRad="63500" dist="38099" dir="2700000" algn="ctr" rotWithShape="0">
                           <a:schemeClr val="bg2">
@@ -7771,12 +7771,12 @@
                 <a:effectLst/>
                 <a:extLst>
                   <a:ext uri="{909E8E84-426E-40dd-AFC4-6F175D3DCCD1}">
-                    <a14:hiddenFill xmlns:a14="http://schemas.microsoft.com/office/drawing/2010/main" xmlns="">
+                    <a14:hiddenFill xmlns="" xmlns:a14="http://schemas.microsoft.com/office/drawing/2010/main">
                       <a:noFill/>
                     </a14:hiddenFill>
                   </a:ext>
                   <a:ext uri="{AF507438-7753-43e0-B8FC-AC1667EBCBE1}">
-                    <a14:hiddenEffects xmlns:a14="http://schemas.microsoft.com/office/drawing/2010/main" xmlns="">
+                    <a14:hiddenEffects xmlns="" xmlns:a14="http://schemas.microsoft.com/office/drawing/2010/main">
                       <a:effectLst>
                         <a:outerShdw blurRad="63500" dist="38099" dir="2700000" algn="ctr" rotWithShape="0">
                           <a:schemeClr val="bg2">
@@ -7829,12 +7829,12 @@
                 <a:effectLst/>
                 <a:extLst>
                   <a:ext uri="{909E8E84-426E-40dd-AFC4-6F175D3DCCD1}">
-                    <a14:hiddenFill xmlns:a14="http://schemas.microsoft.com/office/drawing/2010/main" xmlns="">
+                    <a14:hiddenFill xmlns="" xmlns:a14="http://schemas.microsoft.com/office/drawing/2010/main">
                       <a:noFill/>
                     </a14:hiddenFill>
                   </a:ext>
                   <a:ext uri="{AF507438-7753-43e0-B8FC-AC1667EBCBE1}">
-                    <a14:hiddenEffects xmlns:a14="http://schemas.microsoft.com/office/drawing/2010/main" xmlns="">
+                    <a14:hiddenEffects xmlns="" xmlns:a14="http://schemas.microsoft.com/office/drawing/2010/main">
                       <a:effectLst>
                         <a:outerShdw blurRad="63500" dist="38099" dir="2700000" algn="ctr" rotWithShape="0">
                           <a:schemeClr val="bg2">
@@ -7887,12 +7887,12 @@
                 <a:effectLst/>
                 <a:extLst>
                   <a:ext uri="{909E8E84-426E-40dd-AFC4-6F175D3DCCD1}">
-                    <a14:hiddenFill xmlns:a14="http://schemas.microsoft.com/office/drawing/2010/main" xmlns="">
+                    <a14:hiddenFill xmlns="" xmlns:a14="http://schemas.microsoft.com/office/drawing/2010/main">
                       <a:noFill/>
                     </a14:hiddenFill>
                   </a:ext>
                   <a:ext uri="{AF507438-7753-43e0-B8FC-AC1667EBCBE1}">
-                    <a14:hiddenEffects xmlns:a14="http://schemas.microsoft.com/office/drawing/2010/main" xmlns="">
+                    <a14:hiddenEffects xmlns="" xmlns:a14="http://schemas.microsoft.com/office/drawing/2010/main">
                       <a:effectLst>
                         <a:outerShdw blurRad="63500" dist="38099" dir="2700000" algn="ctr" rotWithShape="0">
                           <a:schemeClr val="bg2">
@@ -7945,12 +7945,12 @@
                 <a:effectLst/>
                 <a:extLst>
                   <a:ext uri="{909E8E84-426E-40dd-AFC4-6F175D3DCCD1}">
-                    <a14:hiddenFill xmlns:a14="http://schemas.microsoft.com/office/drawing/2010/main" xmlns="">
+                    <a14:hiddenFill xmlns="" xmlns:a14="http://schemas.microsoft.com/office/drawing/2010/main">
                       <a:noFill/>
                     </a14:hiddenFill>
                   </a:ext>
                   <a:ext uri="{AF507438-7753-43e0-B8FC-AC1667EBCBE1}">
-                    <a14:hiddenEffects xmlns:a14="http://schemas.microsoft.com/office/drawing/2010/main" xmlns="">
+                    <a14:hiddenEffects xmlns="" xmlns:a14="http://schemas.microsoft.com/office/drawing/2010/main">
                       <a:effectLst>
                         <a:outerShdw blurRad="63500" dist="38099" dir="2700000" algn="ctr" rotWithShape="0">
                           <a:schemeClr val="bg2">
@@ -8003,12 +8003,12 @@
                 <a:effectLst/>
                 <a:extLst>
                   <a:ext uri="{909E8E84-426E-40dd-AFC4-6F175D3DCCD1}">
-                    <a14:hiddenFill xmlns:a14="http://schemas.microsoft.com/office/drawing/2010/main" xmlns="">
+                    <a14:hiddenFill xmlns="" xmlns:a14="http://schemas.microsoft.com/office/drawing/2010/main">
                       <a:noFill/>
                     </a14:hiddenFill>
                   </a:ext>
                   <a:ext uri="{AF507438-7753-43e0-B8FC-AC1667EBCBE1}">
-                    <a14:hiddenEffects xmlns:a14="http://schemas.microsoft.com/office/drawing/2010/main" xmlns="">
+                    <a14:hiddenEffects xmlns="" xmlns:a14="http://schemas.microsoft.com/office/drawing/2010/main">
                       <a:effectLst>
                         <a:outerShdw blurRad="63500" dist="38099" dir="2700000" algn="ctr" rotWithShape="0">
                           <a:schemeClr val="bg2">
@@ -8061,12 +8061,12 @@
                 <a:effectLst/>
                 <a:extLst>
                   <a:ext uri="{909E8E84-426E-40dd-AFC4-6F175D3DCCD1}">
-                    <a14:hiddenFill xmlns:a14="http://schemas.microsoft.com/office/drawing/2010/main" xmlns="">
+                    <a14:hiddenFill xmlns="" xmlns:a14="http://schemas.microsoft.com/office/drawing/2010/main">
                       <a:noFill/>
                     </a14:hiddenFill>
                   </a:ext>
                   <a:ext uri="{AF507438-7753-43e0-B8FC-AC1667EBCBE1}">
-                    <a14:hiddenEffects xmlns:a14="http://schemas.microsoft.com/office/drawing/2010/main" xmlns="">
+                    <a14:hiddenEffects xmlns="" xmlns:a14="http://schemas.microsoft.com/office/drawing/2010/main">
                       <a:effectLst>
                         <a:outerShdw blurRad="63500" dist="38099" dir="2700000" algn="ctr" rotWithShape="0">
                           <a:schemeClr val="bg2">
@@ -8119,12 +8119,12 @@
                 <a:effectLst/>
                 <a:extLst>
                   <a:ext uri="{909E8E84-426E-40dd-AFC4-6F175D3DCCD1}">
-                    <a14:hiddenFill xmlns:a14="http://schemas.microsoft.com/office/drawing/2010/main" xmlns="">
+                    <a14:hiddenFill xmlns="" xmlns:a14="http://schemas.microsoft.com/office/drawing/2010/main">
                       <a:noFill/>
                     </a14:hiddenFill>
                   </a:ext>
                   <a:ext uri="{AF507438-7753-43e0-B8FC-AC1667EBCBE1}">
-                    <a14:hiddenEffects xmlns:a14="http://schemas.microsoft.com/office/drawing/2010/main" xmlns="">
+                    <a14:hiddenEffects xmlns="" xmlns:a14="http://schemas.microsoft.com/office/drawing/2010/main">
                       <a:effectLst>
                         <a:outerShdw blurRad="63500" dist="38099" dir="2700000" algn="ctr" rotWithShape="0">
                           <a:schemeClr val="bg2">
@@ -8177,12 +8177,12 @@
                 <a:effectLst/>
                 <a:extLst>
                   <a:ext uri="{909E8E84-426E-40dd-AFC4-6F175D3DCCD1}">
-                    <a14:hiddenFill xmlns:a14="http://schemas.microsoft.com/office/drawing/2010/main" xmlns="">
+                    <a14:hiddenFill xmlns="" xmlns:a14="http://schemas.microsoft.com/office/drawing/2010/main">
                       <a:noFill/>
                     </a14:hiddenFill>
                   </a:ext>
                   <a:ext uri="{AF507438-7753-43e0-B8FC-AC1667EBCBE1}">
-                    <a14:hiddenEffects xmlns:a14="http://schemas.microsoft.com/office/drawing/2010/main" xmlns="">
+                    <a14:hiddenEffects xmlns="" xmlns:a14="http://schemas.microsoft.com/office/drawing/2010/main">
                       <a:effectLst>
                         <a:outerShdw blurRad="63500" dist="38099" dir="2700000" algn="ctr" rotWithShape="0">
                           <a:schemeClr val="bg2">
@@ -8235,12 +8235,12 @@
                 <a:effectLst/>
                 <a:extLst>
                   <a:ext uri="{909E8E84-426E-40dd-AFC4-6F175D3DCCD1}">
-                    <a14:hiddenFill xmlns:a14="http://schemas.microsoft.com/office/drawing/2010/main" xmlns="">
+                    <a14:hiddenFill xmlns="" xmlns:a14="http://schemas.microsoft.com/office/drawing/2010/main">
                       <a:noFill/>
                     </a14:hiddenFill>
                   </a:ext>
                   <a:ext uri="{AF507438-7753-43e0-B8FC-AC1667EBCBE1}">
-                    <a14:hiddenEffects xmlns:a14="http://schemas.microsoft.com/office/drawing/2010/main" xmlns="">
+                    <a14:hiddenEffects xmlns="" xmlns:a14="http://schemas.microsoft.com/office/drawing/2010/main">
                       <a:effectLst>
                         <a:outerShdw blurRad="63500" dist="38099" dir="2700000" algn="ctr" rotWithShape="0">
                           <a:schemeClr val="bg2">
@@ -8293,12 +8293,12 @@
                 <a:effectLst/>
                 <a:extLst>
                   <a:ext uri="{909E8E84-426E-40dd-AFC4-6F175D3DCCD1}">
-                    <a14:hiddenFill xmlns:a14="http://schemas.microsoft.com/office/drawing/2010/main" xmlns="">
+                    <a14:hiddenFill xmlns="" xmlns:a14="http://schemas.microsoft.com/office/drawing/2010/main">
                       <a:noFill/>
                     </a14:hiddenFill>
                   </a:ext>
                   <a:ext uri="{AF507438-7753-43e0-B8FC-AC1667EBCBE1}">
-                    <a14:hiddenEffects xmlns:a14="http://schemas.microsoft.com/office/drawing/2010/main" xmlns="">
+                    <a14:hiddenEffects xmlns="" xmlns:a14="http://schemas.microsoft.com/office/drawing/2010/main">
                       <a:effectLst>
                         <a:outerShdw blurRad="63500" dist="38099" dir="2700000" algn="ctr" rotWithShape="0">
                           <a:schemeClr val="bg2">
@@ -8351,12 +8351,12 @@
                 <a:effectLst/>
                 <a:extLst>
                   <a:ext uri="{909E8E84-426E-40dd-AFC4-6F175D3DCCD1}">
-                    <a14:hiddenFill xmlns:a14="http://schemas.microsoft.com/office/drawing/2010/main" xmlns="">
+                    <a14:hiddenFill xmlns="" xmlns:a14="http://schemas.microsoft.com/office/drawing/2010/main">
                       <a:noFill/>
                     </a14:hiddenFill>
                   </a:ext>
                   <a:ext uri="{AF507438-7753-43e0-B8FC-AC1667EBCBE1}">
-                    <a14:hiddenEffects xmlns:a14="http://schemas.microsoft.com/office/drawing/2010/main" xmlns="">
+                    <a14:hiddenEffects xmlns="" xmlns:a14="http://schemas.microsoft.com/office/drawing/2010/main">
                       <a:effectLst>
                         <a:outerShdw blurRad="63500" dist="38099" dir="2700000" algn="ctr" rotWithShape="0">
                           <a:schemeClr val="bg2">
@@ -8409,12 +8409,12 @@
                 <a:effectLst/>
                 <a:extLst>
                   <a:ext uri="{909E8E84-426E-40dd-AFC4-6F175D3DCCD1}">
-                    <a14:hiddenFill xmlns:a14="http://schemas.microsoft.com/office/drawing/2010/main" xmlns="">
+                    <a14:hiddenFill xmlns="" xmlns:a14="http://schemas.microsoft.com/office/drawing/2010/main">
                       <a:noFill/>
                     </a14:hiddenFill>
                   </a:ext>
                   <a:ext uri="{AF507438-7753-43e0-B8FC-AC1667EBCBE1}">
-                    <a14:hiddenEffects xmlns:a14="http://schemas.microsoft.com/office/drawing/2010/main" xmlns="">
+                    <a14:hiddenEffects xmlns="" xmlns:a14="http://schemas.microsoft.com/office/drawing/2010/main">
                       <a:effectLst>
                         <a:outerShdw blurRad="63500" dist="38099" dir="2700000" algn="ctr" rotWithShape="0">
                           <a:schemeClr val="bg2">
@@ -8467,12 +8467,12 @@
                 <a:effectLst/>
                 <a:extLst>
                   <a:ext uri="{909E8E84-426E-40dd-AFC4-6F175D3DCCD1}">
-                    <a14:hiddenFill xmlns:a14="http://schemas.microsoft.com/office/drawing/2010/main" xmlns="">
+                    <a14:hiddenFill xmlns="" xmlns:a14="http://schemas.microsoft.com/office/drawing/2010/main">
                       <a:noFill/>
                     </a14:hiddenFill>
                   </a:ext>
                   <a:ext uri="{AF507438-7753-43e0-B8FC-AC1667EBCBE1}">
-                    <a14:hiddenEffects xmlns:a14="http://schemas.microsoft.com/office/drawing/2010/main" xmlns="">
+                    <a14:hiddenEffects xmlns="" xmlns:a14="http://schemas.microsoft.com/office/drawing/2010/main">
                       <a:effectLst>
                         <a:outerShdw blurRad="63500" dist="38099" dir="2700000" algn="ctr" rotWithShape="0">
                           <a:schemeClr val="bg2">
@@ -8525,12 +8525,12 @@
                 <a:effectLst/>
                 <a:extLst>
                   <a:ext uri="{909E8E84-426E-40dd-AFC4-6F175D3DCCD1}">
-                    <a14:hiddenFill xmlns:a14="http://schemas.microsoft.com/office/drawing/2010/main" xmlns="">
+                    <a14:hiddenFill xmlns="" xmlns:a14="http://schemas.microsoft.com/office/drawing/2010/main">
                       <a:noFill/>
                     </a14:hiddenFill>
                   </a:ext>
                   <a:ext uri="{AF507438-7753-43e0-B8FC-AC1667EBCBE1}">
-                    <a14:hiddenEffects xmlns:a14="http://schemas.microsoft.com/office/drawing/2010/main" xmlns="">
+                    <a14:hiddenEffects xmlns="" xmlns:a14="http://schemas.microsoft.com/office/drawing/2010/main">
                       <a:effectLst>
                         <a:outerShdw blurRad="63500" dist="38099" dir="2700000" algn="ctr" rotWithShape="0">
                           <a:schemeClr val="bg2">
@@ -8583,12 +8583,12 @@
                 <a:effectLst/>
                 <a:extLst>
                   <a:ext uri="{909E8E84-426E-40dd-AFC4-6F175D3DCCD1}">
-                    <a14:hiddenFill xmlns:a14="http://schemas.microsoft.com/office/drawing/2010/main" xmlns="">
+                    <a14:hiddenFill xmlns="" xmlns:a14="http://schemas.microsoft.com/office/drawing/2010/main">
                       <a:noFill/>
                     </a14:hiddenFill>
                   </a:ext>
                   <a:ext uri="{AF507438-7753-43e0-B8FC-AC1667EBCBE1}">
-                    <a14:hiddenEffects xmlns:a14="http://schemas.microsoft.com/office/drawing/2010/main" xmlns="">
+                    <a14:hiddenEffects xmlns="" xmlns:a14="http://schemas.microsoft.com/office/drawing/2010/main">
                       <a:effectLst>
                         <a:outerShdw blurRad="63500" dist="38099" dir="2700000" algn="ctr" rotWithShape="0">
                           <a:schemeClr val="bg2">
@@ -8641,12 +8641,12 @@
                 <a:effectLst/>
                 <a:extLst>
                   <a:ext uri="{909E8E84-426E-40dd-AFC4-6F175D3DCCD1}">
-                    <a14:hiddenFill xmlns:a14="http://schemas.microsoft.com/office/drawing/2010/main" xmlns="">
+                    <a14:hiddenFill xmlns="" xmlns:a14="http://schemas.microsoft.com/office/drawing/2010/main">
                       <a:noFill/>
                     </a14:hiddenFill>
                   </a:ext>
                   <a:ext uri="{AF507438-7753-43e0-B8FC-AC1667EBCBE1}">
-                    <a14:hiddenEffects xmlns:a14="http://schemas.microsoft.com/office/drawing/2010/main" xmlns="">
+                    <a14:hiddenEffects xmlns="" xmlns:a14="http://schemas.microsoft.com/office/drawing/2010/main">
                       <a:effectLst>
                         <a:outerShdw blurRad="63500" dist="38099" dir="2700000" algn="ctr" rotWithShape="0">
                           <a:schemeClr val="bg2">
@@ -8699,12 +8699,12 @@
                 <a:effectLst/>
                 <a:extLst>
                   <a:ext uri="{909E8E84-426E-40dd-AFC4-6F175D3DCCD1}">
-                    <a14:hiddenFill xmlns:a14="http://schemas.microsoft.com/office/drawing/2010/main" xmlns="">
+                    <a14:hiddenFill xmlns="" xmlns:a14="http://schemas.microsoft.com/office/drawing/2010/main">
                       <a:noFill/>
                     </a14:hiddenFill>
                   </a:ext>
                   <a:ext uri="{AF507438-7753-43e0-B8FC-AC1667EBCBE1}">
-                    <a14:hiddenEffects xmlns:a14="http://schemas.microsoft.com/office/drawing/2010/main" xmlns="">
+                    <a14:hiddenEffects xmlns="" xmlns:a14="http://schemas.microsoft.com/office/drawing/2010/main">
                       <a:effectLst>
                         <a:outerShdw blurRad="63500" dist="38099" dir="2700000" algn="ctr" rotWithShape="0">
                           <a:schemeClr val="bg2">
@@ -8757,12 +8757,12 @@
                 <a:effectLst/>
                 <a:extLst>
                   <a:ext uri="{909E8E84-426E-40dd-AFC4-6F175D3DCCD1}">
-                    <a14:hiddenFill xmlns:a14="http://schemas.microsoft.com/office/drawing/2010/main" xmlns="">
+                    <a14:hiddenFill xmlns="" xmlns:a14="http://schemas.microsoft.com/office/drawing/2010/main">
                       <a:noFill/>
                     </a14:hiddenFill>
                   </a:ext>
                   <a:ext uri="{AF507438-7753-43e0-B8FC-AC1667EBCBE1}">
-                    <a14:hiddenEffects xmlns:a14="http://schemas.microsoft.com/office/drawing/2010/main" xmlns="">
+                    <a14:hiddenEffects xmlns="" xmlns:a14="http://schemas.microsoft.com/office/drawing/2010/main">
                       <a:effectLst>
                         <a:outerShdw blurRad="63500" dist="38099" dir="2700000" algn="ctr" rotWithShape="0">
                           <a:schemeClr val="bg2">
@@ -8815,12 +8815,12 @@
                 <a:effectLst/>
                 <a:extLst>
                   <a:ext uri="{909E8E84-426E-40dd-AFC4-6F175D3DCCD1}">
-                    <a14:hiddenFill xmlns:a14="http://schemas.microsoft.com/office/drawing/2010/main" xmlns="">
+                    <a14:hiddenFill xmlns="" xmlns:a14="http://schemas.microsoft.com/office/drawing/2010/main">
                       <a:noFill/>
                     </a14:hiddenFill>
                   </a:ext>
                   <a:ext uri="{AF507438-7753-43e0-B8FC-AC1667EBCBE1}">
-                    <a14:hiddenEffects xmlns:a14="http://schemas.microsoft.com/office/drawing/2010/main" xmlns="">
+                    <a14:hiddenEffects xmlns="" xmlns:a14="http://schemas.microsoft.com/office/drawing/2010/main">
                       <a:effectLst>
                         <a:outerShdw blurRad="63500" dist="38099" dir="2700000" algn="ctr" rotWithShape="0">
                           <a:schemeClr val="bg2">
@@ -8873,12 +8873,12 @@
                 <a:effectLst/>
                 <a:extLst>
                   <a:ext uri="{909E8E84-426E-40dd-AFC4-6F175D3DCCD1}">
-                    <a14:hiddenFill xmlns:a14="http://schemas.microsoft.com/office/drawing/2010/main" xmlns="">
+                    <a14:hiddenFill xmlns="" xmlns:a14="http://schemas.microsoft.com/office/drawing/2010/main">
                       <a:noFill/>
                     </a14:hiddenFill>
                   </a:ext>
                   <a:ext uri="{AF507438-7753-43e0-B8FC-AC1667EBCBE1}">
-                    <a14:hiddenEffects xmlns:a14="http://schemas.microsoft.com/office/drawing/2010/main" xmlns="">
+                    <a14:hiddenEffects xmlns="" xmlns:a14="http://schemas.microsoft.com/office/drawing/2010/main">
                       <a:effectLst>
                         <a:outerShdw blurRad="63500" dist="38099" dir="2700000" algn="ctr" rotWithShape="0">
                           <a:schemeClr val="bg2">
@@ -8931,12 +8931,12 @@
                 <a:effectLst/>
                 <a:extLst>
                   <a:ext uri="{909E8E84-426E-40dd-AFC4-6F175D3DCCD1}">
-                    <a14:hiddenFill xmlns:a14="http://schemas.microsoft.com/office/drawing/2010/main" xmlns="">
+                    <a14:hiddenFill xmlns="" xmlns:a14="http://schemas.microsoft.com/office/drawing/2010/main">
                       <a:noFill/>
                     </a14:hiddenFill>
                   </a:ext>
                   <a:ext uri="{AF507438-7753-43e0-B8FC-AC1667EBCBE1}">
-                    <a14:hiddenEffects xmlns:a14="http://schemas.microsoft.com/office/drawing/2010/main" xmlns="">
+                    <a14:hiddenEffects xmlns="" xmlns:a14="http://schemas.microsoft.com/office/drawing/2010/main">
                       <a:effectLst>
                         <a:outerShdw blurRad="63500" dist="38099" dir="2700000" algn="ctr" rotWithShape="0">
                           <a:schemeClr val="bg2">
@@ -8989,12 +8989,12 @@
                 <a:effectLst/>
                 <a:extLst>
                   <a:ext uri="{909E8E84-426E-40dd-AFC4-6F175D3DCCD1}">
-                    <a14:hiddenFill xmlns:a14="http://schemas.microsoft.com/office/drawing/2010/main" xmlns="">
+                    <a14:hiddenFill xmlns="" xmlns:a14="http://schemas.microsoft.com/office/drawing/2010/main">
                       <a:noFill/>
                     </a14:hiddenFill>
                   </a:ext>
                   <a:ext uri="{AF507438-7753-43e0-B8FC-AC1667EBCBE1}">
-                    <a14:hiddenEffects xmlns:a14="http://schemas.microsoft.com/office/drawing/2010/main" xmlns="">
+                    <a14:hiddenEffects xmlns="" xmlns:a14="http://schemas.microsoft.com/office/drawing/2010/main">
                       <a:effectLst>
                         <a:outerShdw blurRad="63500" dist="38099" dir="2700000" algn="ctr" rotWithShape="0">
                           <a:schemeClr val="bg2">
@@ -9047,12 +9047,12 @@
                 <a:effectLst/>
                 <a:extLst>
                   <a:ext uri="{909E8E84-426E-40dd-AFC4-6F175D3DCCD1}">
-                    <a14:hiddenFill xmlns:a14="http://schemas.microsoft.com/office/drawing/2010/main" xmlns="">
+                    <a14:hiddenFill xmlns="" xmlns:a14="http://schemas.microsoft.com/office/drawing/2010/main">
                       <a:noFill/>
                     </a14:hiddenFill>
                   </a:ext>
                   <a:ext uri="{AF507438-7753-43e0-B8FC-AC1667EBCBE1}">
-                    <a14:hiddenEffects xmlns:a14="http://schemas.microsoft.com/office/drawing/2010/main" xmlns="">
+                    <a14:hiddenEffects xmlns="" xmlns:a14="http://schemas.microsoft.com/office/drawing/2010/main">
                       <a:effectLst>
                         <a:outerShdw blurRad="63500" dist="38099" dir="2700000" algn="ctr" rotWithShape="0">
                           <a:schemeClr val="bg2">
@@ -9105,12 +9105,12 @@
                 <a:effectLst/>
                 <a:extLst>
                   <a:ext uri="{909E8E84-426E-40dd-AFC4-6F175D3DCCD1}">
-                    <a14:hiddenFill xmlns:a14="http://schemas.microsoft.com/office/drawing/2010/main" xmlns="">
+                    <a14:hiddenFill xmlns="" xmlns:a14="http://schemas.microsoft.com/office/drawing/2010/main">
                       <a:noFill/>
                     </a14:hiddenFill>
                   </a:ext>
                   <a:ext uri="{AF507438-7753-43e0-B8FC-AC1667EBCBE1}">
-                    <a14:hiddenEffects xmlns:a14="http://schemas.microsoft.com/office/drawing/2010/main" xmlns="">
+                    <a14:hiddenEffects xmlns="" xmlns:a14="http://schemas.microsoft.com/office/drawing/2010/main">
                       <a:effectLst>
                         <a:outerShdw blurRad="63500" dist="38099" dir="2700000" algn="ctr" rotWithShape="0">
                           <a:schemeClr val="bg2">
@@ -9163,12 +9163,12 @@
                 <a:effectLst/>
                 <a:extLst>
                   <a:ext uri="{909E8E84-426E-40dd-AFC4-6F175D3DCCD1}">
-                    <a14:hiddenFill xmlns:a14="http://schemas.microsoft.com/office/drawing/2010/main" xmlns="">
+                    <a14:hiddenFill xmlns="" xmlns:a14="http://schemas.microsoft.com/office/drawing/2010/main">
                       <a:noFill/>
                     </a14:hiddenFill>
                   </a:ext>
                   <a:ext uri="{AF507438-7753-43e0-B8FC-AC1667EBCBE1}">
-                    <a14:hiddenEffects xmlns:a14="http://schemas.microsoft.com/office/drawing/2010/main" xmlns="">
+                    <a14:hiddenEffects xmlns="" xmlns:a14="http://schemas.microsoft.com/office/drawing/2010/main">
                       <a:effectLst>
                         <a:outerShdw blurRad="63500" dist="38099" dir="2700000" algn="ctr" rotWithShape="0">
                           <a:schemeClr val="bg2">
@@ -9221,12 +9221,12 @@
                 <a:effectLst/>
                 <a:extLst>
                   <a:ext uri="{909E8E84-426E-40dd-AFC4-6F175D3DCCD1}">
-                    <a14:hiddenFill xmlns:a14="http://schemas.microsoft.com/office/drawing/2010/main" xmlns="">
+                    <a14:hiddenFill xmlns="" xmlns:a14="http://schemas.microsoft.com/office/drawing/2010/main">
                       <a:noFill/>
                     </a14:hiddenFill>
                   </a:ext>
                   <a:ext uri="{AF507438-7753-43e0-B8FC-AC1667EBCBE1}">
-                    <a14:hiddenEffects xmlns:a14="http://schemas.microsoft.com/office/drawing/2010/main" xmlns="">
+                    <a14:hiddenEffects xmlns="" xmlns:a14="http://schemas.microsoft.com/office/drawing/2010/main">
                       <a:effectLst>
                         <a:outerShdw blurRad="63500" dist="38099" dir="2700000" algn="ctr" rotWithShape="0">
                           <a:schemeClr val="bg2">
@@ -9279,12 +9279,12 @@
                 <a:effectLst/>
                 <a:extLst>
                   <a:ext uri="{909E8E84-426E-40dd-AFC4-6F175D3DCCD1}">
-                    <a14:hiddenFill xmlns:a14="http://schemas.microsoft.com/office/drawing/2010/main" xmlns="">
+                    <a14:hiddenFill xmlns="" xmlns:a14="http://schemas.microsoft.com/office/drawing/2010/main">
                       <a:noFill/>
                     </a14:hiddenFill>
                   </a:ext>
                   <a:ext uri="{AF507438-7753-43e0-B8FC-AC1667EBCBE1}">
-                    <a14:hiddenEffects xmlns:a14="http://schemas.microsoft.com/office/drawing/2010/main" xmlns="">
+                    <a14:hiddenEffects xmlns="" xmlns:a14="http://schemas.microsoft.com/office/drawing/2010/main">
                       <a:effectLst>
                         <a:outerShdw blurRad="63500" dist="38099" dir="2700000" algn="ctr" rotWithShape="0">
                           <a:schemeClr val="bg2">
@@ -9337,12 +9337,12 @@
                 <a:effectLst/>
                 <a:extLst>
                   <a:ext uri="{909E8E84-426E-40dd-AFC4-6F175D3DCCD1}">
-                    <a14:hiddenFill xmlns:a14="http://schemas.microsoft.com/office/drawing/2010/main" xmlns="">
+                    <a14:hiddenFill xmlns="" xmlns:a14="http://schemas.microsoft.com/office/drawing/2010/main">
                       <a:noFill/>
                     </a14:hiddenFill>
                   </a:ext>
                   <a:ext uri="{AF507438-7753-43e0-B8FC-AC1667EBCBE1}">
-                    <a14:hiddenEffects xmlns:a14="http://schemas.microsoft.com/office/drawing/2010/main" xmlns="">
+                    <a14:hiddenEffects xmlns="" xmlns:a14="http://schemas.microsoft.com/office/drawing/2010/main">
                       <a:effectLst>
                         <a:outerShdw blurRad="63500" dist="38099" dir="2700000" algn="ctr" rotWithShape="0">
                           <a:schemeClr val="bg2">
@@ -9395,12 +9395,12 @@
                 <a:effectLst/>
                 <a:extLst>
                   <a:ext uri="{909E8E84-426E-40dd-AFC4-6F175D3DCCD1}">
-                    <a14:hiddenFill xmlns:a14="http://schemas.microsoft.com/office/drawing/2010/main" xmlns="">
+                    <a14:hiddenFill xmlns="" xmlns:a14="http://schemas.microsoft.com/office/drawing/2010/main">
                       <a:noFill/>
                     </a14:hiddenFill>
                   </a:ext>
                   <a:ext uri="{AF507438-7753-43e0-B8FC-AC1667EBCBE1}">
-                    <a14:hiddenEffects xmlns:a14="http://schemas.microsoft.com/office/drawing/2010/main" xmlns="">
+                    <a14:hiddenEffects xmlns="" xmlns:a14="http://schemas.microsoft.com/office/drawing/2010/main">
                       <a:effectLst>
                         <a:outerShdw blurRad="63500" dist="38099" dir="2700000" algn="ctr" rotWithShape="0">
                           <a:schemeClr val="bg2">
@@ -9453,12 +9453,12 @@
                 <a:effectLst/>
                 <a:extLst>
                   <a:ext uri="{909E8E84-426E-40dd-AFC4-6F175D3DCCD1}">
-                    <a14:hiddenFill xmlns:a14="http://schemas.microsoft.com/office/drawing/2010/main" xmlns="">
+                    <a14:hiddenFill xmlns="" xmlns:a14="http://schemas.microsoft.com/office/drawing/2010/main">
                       <a:noFill/>
                     </a14:hiddenFill>
                   </a:ext>
                   <a:ext uri="{AF507438-7753-43e0-B8FC-AC1667EBCBE1}">
-                    <a14:hiddenEffects xmlns:a14="http://schemas.microsoft.com/office/drawing/2010/main" xmlns="">
+                    <a14:hiddenEffects xmlns="" xmlns:a14="http://schemas.microsoft.com/office/drawing/2010/main">
                       <a:effectLst>
                         <a:outerShdw blurRad="63500" dist="38099" dir="2700000" algn="ctr" rotWithShape="0">
                           <a:schemeClr val="bg2">
@@ -9511,12 +9511,12 @@
                 <a:effectLst/>
                 <a:extLst>
                   <a:ext uri="{909E8E84-426E-40dd-AFC4-6F175D3DCCD1}">
-                    <a14:hiddenFill xmlns:a14="http://schemas.microsoft.com/office/drawing/2010/main" xmlns="">
+                    <a14:hiddenFill xmlns="" xmlns:a14="http://schemas.microsoft.com/office/drawing/2010/main">
                       <a:noFill/>
                     </a14:hiddenFill>
                   </a:ext>
                   <a:ext uri="{AF507438-7753-43e0-B8FC-AC1667EBCBE1}">
-                    <a14:hiddenEffects xmlns:a14="http://schemas.microsoft.com/office/drawing/2010/main" xmlns="">
+                    <a14:hiddenEffects xmlns="" xmlns:a14="http://schemas.microsoft.com/office/drawing/2010/main">
                       <a:effectLst>
                         <a:outerShdw blurRad="63500" dist="38099" dir="2700000" algn="ctr" rotWithShape="0">
                           <a:schemeClr val="bg2">
@@ -9569,12 +9569,12 @@
                 <a:effectLst/>
                 <a:extLst>
                   <a:ext uri="{909E8E84-426E-40dd-AFC4-6F175D3DCCD1}">
-                    <a14:hiddenFill xmlns:a14="http://schemas.microsoft.com/office/drawing/2010/main" xmlns="">
+                    <a14:hiddenFill xmlns="" xmlns:a14="http://schemas.microsoft.com/office/drawing/2010/main">
                       <a:noFill/>
                     </a14:hiddenFill>
                   </a:ext>
                   <a:ext uri="{AF507438-7753-43e0-B8FC-AC1667EBCBE1}">
-                    <a14:hiddenEffects xmlns:a14="http://schemas.microsoft.com/office/drawing/2010/main" xmlns="">
+                    <a14:hiddenEffects xmlns="" xmlns:a14="http://schemas.microsoft.com/office/drawing/2010/main">
                       <a:effectLst>
                         <a:outerShdw blurRad="63500" dist="38099" dir="2700000" algn="ctr" rotWithShape="0">
                           <a:schemeClr val="bg2">
@@ -9627,12 +9627,12 @@
                 <a:effectLst/>
                 <a:extLst>
                   <a:ext uri="{909E8E84-426E-40dd-AFC4-6F175D3DCCD1}">
-                    <a14:hiddenFill xmlns:a14="http://schemas.microsoft.com/office/drawing/2010/main" xmlns="">
+                    <a14:hiddenFill xmlns="" xmlns:a14="http://schemas.microsoft.com/office/drawing/2010/main">
                       <a:noFill/>
                     </a14:hiddenFill>
                   </a:ext>
                   <a:ext uri="{AF507438-7753-43e0-B8FC-AC1667EBCBE1}">
-                    <a14:hiddenEffects xmlns:a14="http://schemas.microsoft.com/office/drawing/2010/main" xmlns="">
+                    <a14:hiddenEffects xmlns="" xmlns:a14="http://schemas.microsoft.com/office/drawing/2010/main">
                       <a:effectLst>
                         <a:outerShdw blurRad="63500" dist="38099" dir="2700000" algn="ctr" rotWithShape="0">
                           <a:schemeClr val="bg2">
@@ -9685,12 +9685,12 @@
                 <a:effectLst/>
                 <a:extLst>
                   <a:ext uri="{909E8E84-426E-40dd-AFC4-6F175D3DCCD1}">
-                    <a14:hiddenFill xmlns:a14="http://schemas.microsoft.com/office/drawing/2010/main" xmlns="">
+                    <a14:hiddenFill xmlns="" xmlns:a14="http://schemas.microsoft.com/office/drawing/2010/main">
                       <a:noFill/>
                     </a14:hiddenFill>
                   </a:ext>
                   <a:ext uri="{AF507438-7753-43e0-B8FC-AC1667EBCBE1}">
-                    <a14:hiddenEffects xmlns:a14="http://schemas.microsoft.com/office/drawing/2010/main" xmlns="">
+                    <a14:hiddenEffects xmlns="" xmlns:a14="http://schemas.microsoft.com/office/drawing/2010/main">
                       <a:effectLst>
                         <a:outerShdw blurRad="63500" dist="38099" dir="2700000" algn="ctr" rotWithShape="0">
                           <a:schemeClr val="bg2">
@@ -9743,12 +9743,12 @@
                 <a:effectLst/>
                 <a:extLst>
                   <a:ext uri="{909E8E84-426E-40dd-AFC4-6F175D3DCCD1}">
-                    <a14:hiddenFill xmlns:a14="http://schemas.microsoft.com/office/drawing/2010/main" xmlns="">
+                    <a14:hiddenFill xmlns="" xmlns:a14="http://schemas.microsoft.com/office/drawing/2010/main">
                       <a:noFill/>
                     </a14:hiddenFill>
                   </a:ext>
                   <a:ext uri="{AF507438-7753-43e0-B8FC-AC1667EBCBE1}">
-                    <a14:hiddenEffects xmlns:a14="http://schemas.microsoft.com/office/drawing/2010/main" xmlns="">
+                    <a14:hiddenEffects xmlns="" xmlns:a14="http://schemas.microsoft.com/office/drawing/2010/main">
                       <a:effectLst>
                         <a:outerShdw blurRad="63500" dist="38099" dir="2700000" algn="ctr" rotWithShape="0">
                           <a:schemeClr val="bg2">
@@ -9801,12 +9801,12 @@
                 <a:effectLst/>
                 <a:extLst>
                   <a:ext uri="{909E8E84-426E-40dd-AFC4-6F175D3DCCD1}">
-                    <a14:hiddenFill xmlns:a14="http://schemas.microsoft.com/office/drawing/2010/main" xmlns="">
+                    <a14:hiddenFill xmlns="" xmlns:a14="http://schemas.microsoft.com/office/drawing/2010/main">
                       <a:noFill/>
                     </a14:hiddenFill>
                   </a:ext>
                   <a:ext uri="{AF507438-7753-43e0-B8FC-AC1667EBCBE1}">
-                    <a14:hiddenEffects xmlns:a14="http://schemas.microsoft.com/office/drawing/2010/main" xmlns="">
+                    <a14:hiddenEffects xmlns="" xmlns:a14="http://schemas.microsoft.com/office/drawing/2010/main">
                       <a:effectLst>
                         <a:outerShdw blurRad="63500" dist="38099" dir="2700000" algn="ctr" rotWithShape="0">
                           <a:schemeClr val="bg2">
@@ -9859,12 +9859,12 @@
                 <a:effectLst/>
                 <a:extLst>
                   <a:ext uri="{909E8E84-426E-40dd-AFC4-6F175D3DCCD1}">
-                    <a14:hiddenFill xmlns:a14="http://schemas.microsoft.com/office/drawing/2010/main" xmlns="">
+                    <a14:hiddenFill xmlns="" xmlns:a14="http://schemas.microsoft.com/office/drawing/2010/main">
                       <a:noFill/>
                     </a14:hiddenFill>
                   </a:ext>
                   <a:ext uri="{AF507438-7753-43e0-B8FC-AC1667EBCBE1}">
-                    <a14:hiddenEffects xmlns:a14="http://schemas.microsoft.com/office/drawing/2010/main" xmlns="">
+                    <a14:hiddenEffects xmlns="" xmlns:a14="http://schemas.microsoft.com/office/drawing/2010/main">
                       <a:effectLst>
                         <a:outerShdw blurRad="63500" dist="38099" dir="2700000" algn="ctr" rotWithShape="0">
                           <a:schemeClr val="bg2">
@@ -9917,12 +9917,12 @@
                 <a:effectLst/>
                 <a:extLst>
                   <a:ext uri="{909E8E84-426E-40dd-AFC4-6F175D3DCCD1}">
-                    <a14:hiddenFill xmlns:a14="http://schemas.microsoft.com/office/drawing/2010/main" xmlns="">
+                    <a14:hiddenFill xmlns="" xmlns:a14="http://schemas.microsoft.com/office/drawing/2010/main">
                       <a:noFill/>
                     </a14:hiddenFill>
                   </a:ext>
                   <a:ext uri="{AF507438-7753-43e0-B8FC-AC1667EBCBE1}">
-                    <a14:hiddenEffects xmlns:a14="http://schemas.microsoft.com/office/drawing/2010/main" xmlns="">
+                    <a14:hiddenEffects xmlns="" xmlns:a14="http://schemas.microsoft.com/office/drawing/2010/main">
                       <a:effectLst>
                         <a:outerShdw blurRad="63500" dist="38099" dir="2700000" algn="ctr" rotWithShape="0">
                           <a:schemeClr val="bg2">
@@ -9975,12 +9975,12 @@
                 <a:effectLst/>
                 <a:extLst>
                   <a:ext uri="{909E8E84-426E-40dd-AFC4-6F175D3DCCD1}">
-                    <a14:hiddenFill xmlns:a14="http://schemas.microsoft.com/office/drawing/2010/main" xmlns="">
+                    <a14:hiddenFill xmlns="" xmlns:a14="http://schemas.microsoft.com/office/drawing/2010/main">
                       <a:noFill/>
                     </a14:hiddenFill>
                   </a:ext>
                   <a:ext uri="{AF507438-7753-43e0-B8FC-AC1667EBCBE1}">
-                    <a14:hiddenEffects xmlns:a14="http://schemas.microsoft.com/office/drawing/2010/main" xmlns="">
+                    <a14:hiddenEffects xmlns="" xmlns:a14="http://schemas.microsoft.com/office/drawing/2010/main">
                       <a:effectLst>
                         <a:outerShdw blurRad="63500" dist="38099" dir="2700000" algn="ctr" rotWithShape="0">
                           <a:schemeClr val="bg2">
@@ -10033,12 +10033,12 @@
                 <a:effectLst/>
                 <a:extLst>
                   <a:ext uri="{909E8E84-426E-40dd-AFC4-6F175D3DCCD1}">
-                    <a14:hiddenFill xmlns:a14="http://schemas.microsoft.com/office/drawing/2010/main" xmlns="">
+                    <a14:hiddenFill xmlns="" xmlns:a14="http://schemas.microsoft.com/office/drawing/2010/main">
                       <a:noFill/>
                     </a14:hiddenFill>
                   </a:ext>
                   <a:ext uri="{AF507438-7753-43e0-B8FC-AC1667EBCBE1}">
-                    <a14:hiddenEffects xmlns:a14="http://schemas.microsoft.com/office/drawing/2010/main" xmlns="">
+                    <a14:hiddenEffects xmlns="" xmlns:a14="http://schemas.microsoft.com/office/drawing/2010/main">
                       <a:effectLst>
                         <a:outerShdw blurRad="63500" dist="38099" dir="2700000" algn="ctr" rotWithShape="0">
                           <a:schemeClr val="bg2">
@@ -10087,12 +10087,12 @@
               <a:effectLst/>
               <a:extLst>
                 <a:ext uri="{909E8E84-426E-40dd-AFC4-6F175D3DCCD1}">
-                  <a14:hiddenFill xmlns:a14="http://schemas.microsoft.com/office/drawing/2010/main" xmlns="">
+                  <a14:hiddenFill xmlns="" xmlns:a14="http://schemas.microsoft.com/office/drawing/2010/main">
                     <a:noFill/>
                   </a14:hiddenFill>
                 </a:ext>
                 <a:ext uri="{AF507438-7753-43e0-B8FC-AC1667EBCBE1}">
-                  <a14:hiddenEffects xmlns:a14="http://schemas.microsoft.com/office/drawing/2010/main" xmlns="">
+                  <a14:hiddenEffects xmlns="" xmlns:a14="http://schemas.microsoft.com/office/drawing/2010/main">
                     <a:effectLst>
                       <a:outerShdw blurRad="63500" dist="38099" dir="2700000" algn="ctr" rotWithShape="0">
                         <a:schemeClr val="bg2">
@@ -10157,12 +10157,12 @@
               <a:effectLst/>
               <a:extLst>
                 <a:ext uri="{909E8E84-426E-40dd-AFC4-6F175D3DCCD1}">
-                  <a14:hiddenFill xmlns:a14="http://schemas.microsoft.com/office/drawing/2010/main" xmlns="">
+                  <a14:hiddenFill xmlns="" xmlns:a14="http://schemas.microsoft.com/office/drawing/2010/main">
                     <a:noFill/>
                   </a14:hiddenFill>
                 </a:ext>
                 <a:ext uri="{AF507438-7753-43e0-B8FC-AC1667EBCBE1}">
-                  <a14:hiddenEffects xmlns:a14="http://schemas.microsoft.com/office/drawing/2010/main" xmlns="">
+                  <a14:hiddenEffects xmlns="" xmlns:a14="http://schemas.microsoft.com/office/drawing/2010/main">
                     <a:effectLst>
                       <a:outerShdw blurRad="63500" dist="38099" dir="2700000" algn="ctr" rotWithShape="0">
                         <a:schemeClr val="bg2">
@@ -10210,12 +10210,12 @@
               <a:effectLst/>
               <a:extLst>
                 <a:ext uri="{909E8E84-426E-40dd-AFC4-6F175D3DCCD1}">
-                  <a14:hiddenFill xmlns:a14="http://schemas.microsoft.com/office/drawing/2010/main" xmlns="">
+                  <a14:hiddenFill xmlns="" xmlns:a14="http://schemas.microsoft.com/office/drawing/2010/main">
                     <a:noFill/>
                   </a14:hiddenFill>
                 </a:ext>
                 <a:ext uri="{AF507438-7753-43e0-B8FC-AC1667EBCBE1}">
-                  <a14:hiddenEffects xmlns:a14="http://schemas.microsoft.com/office/drawing/2010/main" xmlns="">
+                  <a14:hiddenEffects xmlns="" xmlns:a14="http://schemas.microsoft.com/office/drawing/2010/main">
                     <a:effectLst>
                       <a:outerShdw blurRad="63500" dist="38099" dir="2700000" algn="ctr" rotWithShape="0">
                         <a:schemeClr val="bg2">
@@ -10263,12 +10263,12 @@
               <a:effectLst/>
               <a:extLst>
                 <a:ext uri="{909E8E84-426E-40dd-AFC4-6F175D3DCCD1}">
-                  <a14:hiddenFill xmlns:a14="http://schemas.microsoft.com/office/drawing/2010/main" xmlns="">
+                  <a14:hiddenFill xmlns="" xmlns:a14="http://schemas.microsoft.com/office/drawing/2010/main">
                     <a:noFill/>
                   </a14:hiddenFill>
                 </a:ext>
                 <a:ext uri="{AF507438-7753-43e0-B8FC-AC1667EBCBE1}">
-                  <a14:hiddenEffects xmlns:a14="http://schemas.microsoft.com/office/drawing/2010/main" xmlns="">
+                  <a14:hiddenEffects xmlns="" xmlns:a14="http://schemas.microsoft.com/office/drawing/2010/main">
                     <a:effectLst>
                       <a:outerShdw blurRad="63500" dist="38099" dir="2700000" algn="ctr" rotWithShape="0">
                         <a:schemeClr val="bg2">
@@ -10396,14 +10396,14 @@
               <a:effectLst/>
               <a:extLst>
                 <a:ext uri="{909E8E84-426E-40dd-AFC4-6F175D3DCCD1}">
-                  <a14:hiddenFill xmlns:a14="http://schemas.microsoft.com/office/drawing/2010/main" xmlns="">
+                  <a14:hiddenFill xmlns="" xmlns:a14="http://schemas.microsoft.com/office/drawing/2010/main">
                     <a:solidFill>
                       <a:schemeClr val="accent1"/>
                     </a:solidFill>
                   </a14:hiddenFill>
                 </a:ext>
                 <a:ext uri="{AF507438-7753-43e0-B8FC-AC1667EBCBE1}">
-                  <a14:hiddenEffects xmlns:a14="http://schemas.microsoft.com/office/drawing/2010/main" xmlns="">
+                  <a14:hiddenEffects xmlns="" xmlns:a14="http://schemas.microsoft.com/office/drawing/2010/main">
                     <a:effectLst>
                       <a:outerShdw blurRad="63500" dist="38099" dir="2700000" algn="ctr" rotWithShape="0">
                         <a:schemeClr val="bg2">
@@ -10468,12 +10468,12 @@
               <a:effectLst/>
               <a:extLst>
                 <a:ext uri="{909E8E84-426E-40dd-AFC4-6F175D3DCCD1}">
-                  <a14:hiddenFill xmlns:a14="http://schemas.microsoft.com/office/drawing/2010/main" xmlns="">
+                  <a14:hiddenFill xmlns="" xmlns:a14="http://schemas.microsoft.com/office/drawing/2010/main">
                     <a:noFill/>
                   </a14:hiddenFill>
                 </a:ext>
                 <a:ext uri="{AF507438-7753-43e0-B8FC-AC1667EBCBE1}">
-                  <a14:hiddenEffects xmlns:a14="http://schemas.microsoft.com/office/drawing/2010/main" xmlns="">
+                  <a14:hiddenEffects xmlns="" xmlns:a14="http://schemas.microsoft.com/office/drawing/2010/main">
                     <a:effectLst>
                       <a:outerShdw blurRad="63500" dist="38099" dir="2700000" algn="ctr" rotWithShape="0">
                         <a:schemeClr val="bg2">
@@ -10521,12 +10521,12 @@
               <a:effectLst/>
               <a:extLst>
                 <a:ext uri="{909E8E84-426E-40dd-AFC4-6F175D3DCCD1}">
-                  <a14:hiddenFill xmlns:a14="http://schemas.microsoft.com/office/drawing/2010/main" xmlns="">
+                  <a14:hiddenFill xmlns="" xmlns:a14="http://schemas.microsoft.com/office/drawing/2010/main">
                     <a:noFill/>
                   </a14:hiddenFill>
                 </a:ext>
                 <a:ext uri="{AF507438-7753-43e0-B8FC-AC1667EBCBE1}">
-                  <a14:hiddenEffects xmlns:a14="http://schemas.microsoft.com/office/drawing/2010/main" xmlns="">
+                  <a14:hiddenEffects xmlns="" xmlns:a14="http://schemas.microsoft.com/office/drawing/2010/main">
                     <a:effectLst>
                       <a:outerShdw blurRad="63500" dist="38099" dir="2700000" algn="ctr" rotWithShape="0">
                         <a:schemeClr val="bg2">
@@ -10654,14 +10654,14 @@
               <a:effectLst/>
               <a:extLst>
                 <a:ext uri="{909E8E84-426E-40dd-AFC4-6F175D3DCCD1}">
-                  <a14:hiddenFill xmlns:a14="http://schemas.microsoft.com/office/drawing/2010/main" xmlns="">
+                  <a14:hiddenFill xmlns="" xmlns:a14="http://schemas.microsoft.com/office/drawing/2010/main">
                     <a:solidFill>
                       <a:schemeClr val="accent1"/>
                     </a:solidFill>
                   </a14:hiddenFill>
                 </a:ext>
                 <a:ext uri="{AF507438-7753-43e0-B8FC-AC1667EBCBE1}">
-                  <a14:hiddenEffects xmlns:a14="http://schemas.microsoft.com/office/drawing/2010/main" xmlns="">
+                  <a14:hiddenEffects xmlns="" xmlns:a14="http://schemas.microsoft.com/office/drawing/2010/main">
                     <a:effectLst>
                       <a:outerShdw blurRad="63500" dist="38099" dir="2700000" algn="ctr" rotWithShape="0">
                         <a:schemeClr val="bg2">
@@ -10773,14 +10773,14 @@
               <ma14:placeholderFlag xmlns:ma14="http://schemas.microsoft.com/office/mac/drawingml/2011/main" val="1"/>
             </a:ext>
             <a:ext uri="{909E8E84-426E-40dd-AFC4-6F175D3DCCD1}">
-              <a14:hiddenFill xmlns:a14="http://schemas.microsoft.com/office/drawing/2010/main" xmlns="">
+              <a14:hiddenFill xmlns="" xmlns:a14="http://schemas.microsoft.com/office/drawing/2010/main">
                 <a:solidFill>
                   <a:schemeClr val="accent1"/>
                 </a:solidFill>
               </a14:hiddenFill>
             </a:ext>
             <a:ext uri="{91240B29-F687-4f45-9708-019B960494DF}">
-              <a14:hiddenLine xmlns:a14="http://schemas.microsoft.com/office/drawing/2010/main" xmlns="" w="9525">
+              <a14:hiddenLine xmlns="" xmlns:a14="http://schemas.microsoft.com/office/drawing/2010/main" w="9525">
                 <a:solidFill>
                   <a:schemeClr val="tx1"/>
                 </a:solidFill>
@@ -10790,7 +10790,7 @@
               </a14:hiddenLine>
             </a:ext>
             <a:ext uri="{AF507438-7753-43e0-B8FC-AC1667EBCBE1}">
-              <a14:hiddenEffects xmlns:a14="http://schemas.microsoft.com/office/drawing/2010/main" xmlns="">
+              <a14:hiddenEffects xmlns="" xmlns:a14="http://schemas.microsoft.com/office/drawing/2010/main">
                 <a:effectLst>
                   <a:outerShdw blurRad="63500" dist="38099" dir="2700000" algn="ctr" rotWithShape="0">
                     <a:schemeClr val="bg2">
@@ -10869,175 +10869,6 @@
           </a:p>
         </p:txBody>
       </p:sp>
-      <p:pic>
-        <p:nvPicPr>
-          <p:cNvPr id="4168" name="Picture 72" descr="sergLogo"/>
-          <p:cNvPicPr>
-            <a:picLocks noChangeAspect="1" noChangeArrowheads="1"/>
-          </p:cNvPicPr>
-          <p:nvPr userDrawn="1"/>
-        </p:nvPicPr>
-        <p:blipFill>
-          <a:blip r:embed="rId2">
-            <a:extLst>
-              <a:ext uri="{28A0092B-C50C-407E-A947-70E740481C1C}">
-                <a14:useLocalDpi xmlns:a14="http://schemas.microsoft.com/office/drawing/2010/main" val="0"/>
-              </a:ext>
-            </a:extLst>
-          </a:blip>
-          <a:srcRect/>
-          <a:stretch>
-            <a:fillRect/>
-          </a:stretch>
-        </p:blipFill>
-        <p:spPr bwMode="auto">
-          <a:xfrm>
-            <a:off x="76200" y="6324600"/>
-            <a:ext cx="1143000" cy="476250"/>
-          </a:xfrm>
-          <a:prstGeom prst="rect">
-            <a:avLst/>
-          </a:prstGeom>
-          <a:noFill/>
-          <a:extLst>
-            <a:ext uri="{909E8E84-426E-40dd-AFC4-6F175D3DCCD1}">
-              <a14:hiddenFill xmlns:a14="http://schemas.microsoft.com/office/drawing/2010/main" xmlns="">
-                <a:solidFill>
-                  <a:srgbClr val="FFFFFF"/>
-                </a:solidFill>
-              </a14:hiddenFill>
-            </a:ext>
-          </a:extLst>
-        </p:spPr>
-      </p:pic>
-      <p:sp>
-        <p:nvSpPr>
-          <p:cNvPr id="4170" name="Text Box 74"/>
-          <p:cNvSpPr txBox="1">
-            <a:spLocks noChangeArrowheads="1"/>
-          </p:cNvSpPr>
-          <p:nvPr userDrawn="1"/>
-        </p:nvSpPr>
-        <p:spPr bwMode="auto">
-          <a:xfrm>
-            <a:off x="1219200" y="6324600"/>
-            <a:ext cx="5943600" cy="457200"/>
-          </a:xfrm>
-          <a:prstGeom prst="rect">
-            <a:avLst/>
-          </a:prstGeom>
-          <a:noFill/>
-          <a:ln>
-            <a:noFill/>
-          </a:ln>
-          <a:effectLst/>
-          <a:extLst>
-            <a:ext uri="{909E8E84-426E-40dd-AFC4-6F175D3DCCD1}">
-              <a14:hiddenFill xmlns:a14="http://schemas.microsoft.com/office/drawing/2010/main" xmlns="">
-                <a:solidFill>
-                  <a:schemeClr val="accent1"/>
-                </a:solidFill>
-              </a14:hiddenFill>
-            </a:ext>
-            <a:ext uri="{91240B29-F687-4f45-9708-019B960494DF}">
-              <a14:hiddenLine xmlns:a14="http://schemas.microsoft.com/office/drawing/2010/main" xmlns="" w="9525">
-                <a:solidFill>
-                  <a:schemeClr val="tx1"/>
-                </a:solidFill>
-                <a:miter lim="800000"/>
-                <a:headEnd/>
-                <a:tailEnd/>
-              </a14:hiddenLine>
-            </a:ext>
-            <a:ext uri="{AF507438-7753-43e0-B8FC-AC1667EBCBE1}">
-              <a14:hiddenEffects xmlns:a14="http://schemas.microsoft.com/office/drawing/2010/main" xmlns="">
-                <a:effectLst>
-                  <a:outerShdw blurRad="63500" dist="38099" dir="2700000" algn="ctr" rotWithShape="0">
-                    <a:schemeClr val="bg2">
-                      <a:alpha val="74998"/>
-                    </a:schemeClr>
-                  </a:outerShdw>
-                </a:effectLst>
-              </a14:hiddenEffects>
-            </a:ext>
-          </a:extLst>
-        </p:spPr>
-        <p:txBody>
-          <a:bodyPr>
-            <a:spAutoFit/>
-          </a:bodyPr>
-          <a:lstStyle/>
-          <a:p>
-            <a:pPr>
-              <a:spcBef>
-                <a:spcPct val="50000"/>
-              </a:spcBef>
-            </a:pPr>
-            <a:r>
-              <a:rPr lang="en-US" sz="1200" b="1"/>
-              <a:t>© Drexel University Software Engineering Research Group (SERG)</a:t>
-            </a:r>
-            <a:br>
-              <a:rPr lang="en-US" sz="1200" b="1"/>
-            </a:br>
-            <a:r>
-              <a:rPr lang="en-US" sz="1200" b="1"/>
-              <a:t>http://serg.cs.drexel.edu</a:t>
-            </a:r>
-          </a:p>
-        </p:txBody>
-      </p:sp>
-      <p:pic>
-        <p:nvPicPr>
-          <p:cNvPr id="4171" name="Picture 75" descr="dragonHead"/>
-          <p:cNvPicPr>
-            <a:picLocks noChangeAspect="1" noChangeArrowheads="1"/>
-          </p:cNvPicPr>
-          <p:nvPr userDrawn="1"/>
-        </p:nvPicPr>
-        <p:blipFill>
-          <a:blip r:embed="rId3">
-            <a:clrChange>
-              <a:clrFrom>
-                <a:srgbClr val="FFFFFF"/>
-              </a:clrFrom>
-              <a:clrTo>
-                <a:srgbClr val="FFFFFF">
-                  <a:alpha val="0"/>
-                </a:srgbClr>
-              </a:clrTo>
-            </a:clrChange>
-            <a:extLst>
-              <a:ext uri="{28A0092B-C50C-407E-A947-70E740481C1C}">
-                <a14:useLocalDpi xmlns:a14="http://schemas.microsoft.com/office/drawing/2010/main" val="0"/>
-              </a:ext>
-            </a:extLst>
-          </a:blip>
-          <a:srcRect/>
-          <a:stretch>
-            <a:fillRect/>
-          </a:stretch>
-        </p:blipFill>
-        <p:spPr bwMode="auto">
-          <a:xfrm>
-            <a:off x="2895600" y="358775"/>
-            <a:ext cx="3017838" cy="936625"/>
-          </a:xfrm>
-          <a:prstGeom prst="rect">
-            <a:avLst/>
-          </a:prstGeom>
-          <a:noFill/>
-          <a:extLst>
-            <a:ext uri="{909E8E84-426E-40dd-AFC4-6F175D3DCCD1}">
-              <a14:hiddenFill xmlns:a14="http://schemas.microsoft.com/office/drawing/2010/main" xmlns="">
-                <a:solidFill>
-                  <a:srgbClr val="FFFFFF"/>
-                </a:solidFill>
-              </a14:hiddenFill>
-            </a:ext>
-          </a:extLst>
-        </p:spPr>
-      </p:pic>
     </p:spTree>
   </p:cSld>
   <p:clrMapOvr>
@@ -13462,12 +13293,12 @@
                 <a:effectLst/>
                 <a:extLst>
                   <a:ext uri="{909E8E84-426E-40dd-AFC4-6F175D3DCCD1}">
-                    <a14:hiddenFill xmlns:a14="http://schemas.microsoft.com/office/drawing/2010/main" xmlns="">
+                    <a14:hiddenFill xmlns="" xmlns:a14="http://schemas.microsoft.com/office/drawing/2010/main">
                       <a:noFill/>
                     </a14:hiddenFill>
                   </a:ext>
                   <a:ext uri="{AF507438-7753-43e0-B8FC-AC1667EBCBE1}">
-                    <a14:hiddenEffects xmlns:a14="http://schemas.microsoft.com/office/drawing/2010/main" xmlns="">
+                    <a14:hiddenEffects xmlns="" xmlns:a14="http://schemas.microsoft.com/office/drawing/2010/main">
                       <a:effectLst>
                         <a:outerShdw blurRad="63500" dist="38099" dir="2700000" algn="ctr" rotWithShape="0">
                           <a:schemeClr val="bg2">
@@ -13520,12 +13351,12 @@
                 <a:effectLst/>
                 <a:extLst>
                   <a:ext uri="{909E8E84-426E-40dd-AFC4-6F175D3DCCD1}">
-                    <a14:hiddenFill xmlns:a14="http://schemas.microsoft.com/office/drawing/2010/main" xmlns="">
+                    <a14:hiddenFill xmlns="" xmlns:a14="http://schemas.microsoft.com/office/drawing/2010/main">
                       <a:noFill/>
                     </a14:hiddenFill>
                   </a:ext>
                   <a:ext uri="{AF507438-7753-43e0-B8FC-AC1667EBCBE1}">
-                    <a14:hiddenEffects xmlns:a14="http://schemas.microsoft.com/office/drawing/2010/main" xmlns="">
+                    <a14:hiddenEffects xmlns="" xmlns:a14="http://schemas.microsoft.com/office/drawing/2010/main">
                       <a:effectLst>
                         <a:outerShdw blurRad="63500" dist="38099" dir="2700000" algn="ctr" rotWithShape="0">
                           <a:schemeClr val="bg2">
@@ -13578,12 +13409,12 @@
                 <a:effectLst/>
                 <a:extLst>
                   <a:ext uri="{909E8E84-426E-40dd-AFC4-6F175D3DCCD1}">
-                    <a14:hiddenFill xmlns:a14="http://schemas.microsoft.com/office/drawing/2010/main" xmlns="">
+                    <a14:hiddenFill xmlns="" xmlns:a14="http://schemas.microsoft.com/office/drawing/2010/main">
                       <a:noFill/>
                     </a14:hiddenFill>
                   </a:ext>
                   <a:ext uri="{AF507438-7753-43e0-B8FC-AC1667EBCBE1}">
-                    <a14:hiddenEffects xmlns:a14="http://schemas.microsoft.com/office/drawing/2010/main" xmlns="">
+                    <a14:hiddenEffects xmlns="" xmlns:a14="http://schemas.microsoft.com/office/drawing/2010/main">
                       <a:effectLst>
                         <a:outerShdw blurRad="63500" dist="38099" dir="2700000" algn="ctr" rotWithShape="0">
                           <a:schemeClr val="bg2">
@@ -13636,12 +13467,12 @@
                 <a:effectLst/>
                 <a:extLst>
                   <a:ext uri="{909E8E84-426E-40dd-AFC4-6F175D3DCCD1}">
-                    <a14:hiddenFill xmlns:a14="http://schemas.microsoft.com/office/drawing/2010/main" xmlns="">
+                    <a14:hiddenFill xmlns="" xmlns:a14="http://schemas.microsoft.com/office/drawing/2010/main">
                       <a:noFill/>
                     </a14:hiddenFill>
                   </a:ext>
                   <a:ext uri="{AF507438-7753-43e0-B8FC-AC1667EBCBE1}">
-                    <a14:hiddenEffects xmlns:a14="http://schemas.microsoft.com/office/drawing/2010/main" xmlns="">
+                    <a14:hiddenEffects xmlns="" xmlns:a14="http://schemas.microsoft.com/office/drawing/2010/main">
                       <a:effectLst>
                         <a:outerShdw blurRad="63500" dist="38099" dir="2700000" algn="ctr" rotWithShape="0">
                           <a:schemeClr val="bg2">
@@ -13694,12 +13525,12 @@
                 <a:effectLst/>
                 <a:extLst>
                   <a:ext uri="{909E8E84-426E-40dd-AFC4-6F175D3DCCD1}">
-                    <a14:hiddenFill xmlns:a14="http://schemas.microsoft.com/office/drawing/2010/main" xmlns="">
+                    <a14:hiddenFill xmlns="" xmlns:a14="http://schemas.microsoft.com/office/drawing/2010/main">
                       <a:noFill/>
                     </a14:hiddenFill>
                   </a:ext>
                   <a:ext uri="{AF507438-7753-43e0-B8FC-AC1667EBCBE1}">
-                    <a14:hiddenEffects xmlns:a14="http://schemas.microsoft.com/office/drawing/2010/main" xmlns="">
+                    <a14:hiddenEffects xmlns="" xmlns:a14="http://schemas.microsoft.com/office/drawing/2010/main">
                       <a:effectLst>
                         <a:outerShdw blurRad="63500" dist="38099" dir="2700000" algn="ctr" rotWithShape="0">
                           <a:schemeClr val="bg2">
@@ -13752,12 +13583,12 @@
                 <a:effectLst/>
                 <a:extLst>
                   <a:ext uri="{909E8E84-426E-40dd-AFC4-6F175D3DCCD1}">
-                    <a14:hiddenFill xmlns:a14="http://schemas.microsoft.com/office/drawing/2010/main" xmlns="">
+                    <a14:hiddenFill xmlns="" xmlns:a14="http://schemas.microsoft.com/office/drawing/2010/main">
                       <a:noFill/>
                     </a14:hiddenFill>
                   </a:ext>
                   <a:ext uri="{AF507438-7753-43e0-B8FC-AC1667EBCBE1}">
-                    <a14:hiddenEffects xmlns:a14="http://schemas.microsoft.com/office/drawing/2010/main" xmlns="">
+                    <a14:hiddenEffects xmlns="" xmlns:a14="http://schemas.microsoft.com/office/drawing/2010/main">
                       <a:effectLst>
                         <a:outerShdw blurRad="63500" dist="38099" dir="2700000" algn="ctr" rotWithShape="0">
                           <a:schemeClr val="bg2">
@@ -13810,12 +13641,12 @@
                 <a:effectLst/>
                 <a:extLst>
                   <a:ext uri="{909E8E84-426E-40dd-AFC4-6F175D3DCCD1}">
-                    <a14:hiddenFill xmlns:a14="http://schemas.microsoft.com/office/drawing/2010/main" xmlns="">
+                    <a14:hiddenFill xmlns="" xmlns:a14="http://schemas.microsoft.com/office/drawing/2010/main">
                       <a:noFill/>
                     </a14:hiddenFill>
                   </a:ext>
                   <a:ext uri="{AF507438-7753-43e0-B8FC-AC1667EBCBE1}">
-                    <a14:hiddenEffects xmlns:a14="http://schemas.microsoft.com/office/drawing/2010/main" xmlns="">
+                    <a14:hiddenEffects xmlns="" xmlns:a14="http://schemas.microsoft.com/office/drawing/2010/main">
                       <a:effectLst>
                         <a:outerShdw blurRad="63500" dist="38099" dir="2700000" algn="ctr" rotWithShape="0">
                           <a:schemeClr val="bg2">
@@ -13868,12 +13699,12 @@
                 <a:effectLst/>
                 <a:extLst>
                   <a:ext uri="{909E8E84-426E-40dd-AFC4-6F175D3DCCD1}">
-                    <a14:hiddenFill xmlns:a14="http://schemas.microsoft.com/office/drawing/2010/main" xmlns="">
+                    <a14:hiddenFill xmlns="" xmlns:a14="http://schemas.microsoft.com/office/drawing/2010/main">
                       <a:noFill/>
                     </a14:hiddenFill>
                   </a:ext>
                   <a:ext uri="{AF507438-7753-43e0-B8FC-AC1667EBCBE1}">
-                    <a14:hiddenEffects xmlns:a14="http://schemas.microsoft.com/office/drawing/2010/main" xmlns="">
+                    <a14:hiddenEffects xmlns="" xmlns:a14="http://schemas.microsoft.com/office/drawing/2010/main">
                       <a:effectLst>
                         <a:outerShdw blurRad="63500" dist="38099" dir="2700000" algn="ctr" rotWithShape="0">
                           <a:schemeClr val="bg2">
@@ -13926,12 +13757,12 @@
                 <a:effectLst/>
                 <a:extLst>
                   <a:ext uri="{909E8E84-426E-40dd-AFC4-6F175D3DCCD1}">
-                    <a14:hiddenFill xmlns:a14="http://schemas.microsoft.com/office/drawing/2010/main" xmlns="">
+                    <a14:hiddenFill xmlns="" xmlns:a14="http://schemas.microsoft.com/office/drawing/2010/main">
                       <a:noFill/>
                     </a14:hiddenFill>
                   </a:ext>
                   <a:ext uri="{AF507438-7753-43e0-B8FC-AC1667EBCBE1}">
-                    <a14:hiddenEffects xmlns:a14="http://schemas.microsoft.com/office/drawing/2010/main" xmlns="">
+                    <a14:hiddenEffects xmlns="" xmlns:a14="http://schemas.microsoft.com/office/drawing/2010/main">
                       <a:effectLst>
                         <a:outerShdw blurRad="63500" dist="38099" dir="2700000" algn="ctr" rotWithShape="0">
                           <a:schemeClr val="bg2">
@@ -13984,12 +13815,12 @@
                 <a:effectLst/>
                 <a:extLst>
                   <a:ext uri="{909E8E84-426E-40dd-AFC4-6F175D3DCCD1}">
-                    <a14:hiddenFill xmlns:a14="http://schemas.microsoft.com/office/drawing/2010/main" xmlns="">
+                    <a14:hiddenFill xmlns="" xmlns:a14="http://schemas.microsoft.com/office/drawing/2010/main">
                       <a:noFill/>
                     </a14:hiddenFill>
                   </a:ext>
                   <a:ext uri="{AF507438-7753-43e0-B8FC-AC1667EBCBE1}">
-                    <a14:hiddenEffects xmlns:a14="http://schemas.microsoft.com/office/drawing/2010/main" xmlns="">
+                    <a14:hiddenEffects xmlns="" xmlns:a14="http://schemas.microsoft.com/office/drawing/2010/main">
                       <a:effectLst>
                         <a:outerShdw blurRad="63500" dist="38099" dir="2700000" algn="ctr" rotWithShape="0">
                           <a:schemeClr val="bg2">
@@ -14042,12 +13873,12 @@
                 <a:effectLst/>
                 <a:extLst>
                   <a:ext uri="{909E8E84-426E-40dd-AFC4-6F175D3DCCD1}">
-                    <a14:hiddenFill xmlns:a14="http://schemas.microsoft.com/office/drawing/2010/main" xmlns="">
+                    <a14:hiddenFill xmlns="" xmlns:a14="http://schemas.microsoft.com/office/drawing/2010/main">
                       <a:noFill/>
                     </a14:hiddenFill>
                   </a:ext>
                   <a:ext uri="{AF507438-7753-43e0-B8FC-AC1667EBCBE1}">
-                    <a14:hiddenEffects xmlns:a14="http://schemas.microsoft.com/office/drawing/2010/main" xmlns="">
+                    <a14:hiddenEffects xmlns="" xmlns:a14="http://schemas.microsoft.com/office/drawing/2010/main">
                       <a:effectLst>
                         <a:outerShdw blurRad="63500" dist="38099" dir="2700000" algn="ctr" rotWithShape="0">
                           <a:schemeClr val="bg2">
@@ -14100,12 +13931,12 @@
                 <a:effectLst/>
                 <a:extLst>
                   <a:ext uri="{909E8E84-426E-40dd-AFC4-6F175D3DCCD1}">
-                    <a14:hiddenFill xmlns:a14="http://schemas.microsoft.com/office/drawing/2010/main" xmlns="">
+                    <a14:hiddenFill xmlns="" xmlns:a14="http://schemas.microsoft.com/office/drawing/2010/main">
                       <a:noFill/>
                     </a14:hiddenFill>
                   </a:ext>
                   <a:ext uri="{AF507438-7753-43e0-B8FC-AC1667EBCBE1}">
-                    <a14:hiddenEffects xmlns:a14="http://schemas.microsoft.com/office/drawing/2010/main" xmlns="">
+                    <a14:hiddenEffects xmlns="" xmlns:a14="http://schemas.microsoft.com/office/drawing/2010/main">
                       <a:effectLst>
                         <a:outerShdw blurRad="63500" dist="38099" dir="2700000" algn="ctr" rotWithShape="0">
                           <a:schemeClr val="bg2">
@@ -14158,12 +13989,12 @@
                 <a:effectLst/>
                 <a:extLst>
                   <a:ext uri="{909E8E84-426E-40dd-AFC4-6F175D3DCCD1}">
-                    <a14:hiddenFill xmlns:a14="http://schemas.microsoft.com/office/drawing/2010/main" xmlns="">
+                    <a14:hiddenFill xmlns="" xmlns:a14="http://schemas.microsoft.com/office/drawing/2010/main">
                       <a:noFill/>
                     </a14:hiddenFill>
                   </a:ext>
                   <a:ext uri="{AF507438-7753-43e0-B8FC-AC1667EBCBE1}">
-                    <a14:hiddenEffects xmlns:a14="http://schemas.microsoft.com/office/drawing/2010/main" xmlns="">
+                    <a14:hiddenEffects xmlns="" xmlns:a14="http://schemas.microsoft.com/office/drawing/2010/main">
                       <a:effectLst>
                         <a:outerShdw blurRad="63500" dist="38099" dir="2700000" algn="ctr" rotWithShape="0">
                           <a:schemeClr val="bg2">
@@ -14216,12 +14047,12 @@
                 <a:effectLst/>
                 <a:extLst>
                   <a:ext uri="{909E8E84-426E-40dd-AFC4-6F175D3DCCD1}">
-                    <a14:hiddenFill xmlns:a14="http://schemas.microsoft.com/office/drawing/2010/main" xmlns="">
+                    <a14:hiddenFill xmlns="" xmlns:a14="http://schemas.microsoft.com/office/drawing/2010/main">
                       <a:noFill/>
                     </a14:hiddenFill>
                   </a:ext>
                   <a:ext uri="{AF507438-7753-43e0-B8FC-AC1667EBCBE1}">
-                    <a14:hiddenEffects xmlns:a14="http://schemas.microsoft.com/office/drawing/2010/main" xmlns="">
+                    <a14:hiddenEffects xmlns="" xmlns:a14="http://schemas.microsoft.com/office/drawing/2010/main">
                       <a:effectLst>
                         <a:outerShdw blurRad="63500" dist="38099" dir="2700000" algn="ctr" rotWithShape="0">
                           <a:schemeClr val="bg2">
@@ -14274,12 +14105,12 @@
                 <a:effectLst/>
                 <a:extLst>
                   <a:ext uri="{909E8E84-426E-40dd-AFC4-6F175D3DCCD1}">
-                    <a14:hiddenFill xmlns:a14="http://schemas.microsoft.com/office/drawing/2010/main" xmlns="">
+                    <a14:hiddenFill xmlns="" xmlns:a14="http://schemas.microsoft.com/office/drawing/2010/main">
                       <a:noFill/>
                     </a14:hiddenFill>
                   </a:ext>
                   <a:ext uri="{AF507438-7753-43e0-B8FC-AC1667EBCBE1}">
-                    <a14:hiddenEffects xmlns:a14="http://schemas.microsoft.com/office/drawing/2010/main" xmlns="">
+                    <a14:hiddenEffects xmlns="" xmlns:a14="http://schemas.microsoft.com/office/drawing/2010/main">
                       <a:effectLst>
                         <a:outerShdw blurRad="63500" dist="38099" dir="2700000" algn="ctr" rotWithShape="0">
                           <a:schemeClr val="bg2">
@@ -14332,12 +14163,12 @@
                 <a:effectLst/>
                 <a:extLst>
                   <a:ext uri="{909E8E84-426E-40dd-AFC4-6F175D3DCCD1}">
-                    <a14:hiddenFill xmlns:a14="http://schemas.microsoft.com/office/drawing/2010/main" xmlns="">
+                    <a14:hiddenFill xmlns="" xmlns:a14="http://schemas.microsoft.com/office/drawing/2010/main">
                       <a:noFill/>
                     </a14:hiddenFill>
                   </a:ext>
                   <a:ext uri="{AF507438-7753-43e0-B8FC-AC1667EBCBE1}">
-                    <a14:hiddenEffects xmlns:a14="http://schemas.microsoft.com/office/drawing/2010/main" xmlns="">
+                    <a14:hiddenEffects xmlns="" xmlns:a14="http://schemas.microsoft.com/office/drawing/2010/main">
                       <a:effectLst>
                         <a:outerShdw blurRad="63500" dist="38099" dir="2700000" algn="ctr" rotWithShape="0">
                           <a:schemeClr val="bg2">
@@ -14390,12 +14221,12 @@
                 <a:effectLst/>
                 <a:extLst>
                   <a:ext uri="{909E8E84-426E-40dd-AFC4-6F175D3DCCD1}">
-                    <a14:hiddenFill xmlns:a14="http://schemas.microsoft.com/office/drawing/2010/main" xmlns="">
+                    <a14:hiddenFill xmlns="" xmlns:a14="http://schemas.microsoft.com/office/drawing/2010/main">
                       <a:noFill/>
                     </a14:hiddenFill>
                   </a:ext>
                   <a:ext uri="{AF507438-7753-43e0-B8FC-AC1667EBCBE1}">
-                    <a14:hiddenEffects xmlns:a14="http://schemas.microsoft.com/office/drawing/2010/main" xmlns="">
+                    <a14:hiddenEffects xmlns="" xmlns:a14="http://schemas.microsoft.com/office/drawing/2010/main">
                       <a:effectLst>
                         <a:outerShdw blurRad="63500" dist="38099" dir="2700000" algn="ctr" rotWithShape="0">
                           <a:schemeClr val="bg2">
@@ -14448,12 +14279,12 @@
                 <a:effectLst/>
                 <a:extLst>
                   <a:ext uri="{909E8E84-426E-40dd-AFC4-6F175D3DCCD1}">
-                    <a14:hiddenFill xmlns:a14="http://schemas.microsoft.com/office/drawing/2010/main" xmlns="">
+                    <a14:hiddenFill xmlns="" xmlns:a14="http://schemas.microsoft.com/office/drawing/2010/main">
                       <a:noFill/>
                     </a14:hiddenFill>
                   </a:ext>
                   <a:ext uri="{AF507438-7753-43e0-B8FC-AC1667EBCBE1}">
-                    <a14:hiddenEffects xmlns:a14="http://schemas.microsoft.com/office/drawing/2010/main" xmlns="">
+                    <a14:hiddenEffects xmlns="" xmlns:a14="http://schemas.microsoft.com/office/drawing/2010/main">
                       <a:effectLst>
                         <a:outerShdw blurRad="63500" dist="38099" dir="2700000" algn="ctr" rotWithShape="0">
                           <a:schemeClr val="bg2">
@@ -14506,12 +14337,12 @@
                 <a:effectLst/>
                 <a:extLst>
                   <a:ext uri="{909E8E84-426E-40dd-AFC4-6F175D3DCCD1}">
-                    <a14:hiddenFill xmlns:a14="http://schemas.microsoft.com/office/drawing/2010/main" xmlns="">
+                    <a14:hiddenFill xmlns="" xmlns:a14="http://schemas.microsoft.com/office/drawing/2010/main">
                       <a:noFill/>
                     </a14:hiddenFill>
                   </a:ext>
                   <a:ext uri="{AF507438-7753-43e0-B8FC-AC1667EBCBE1}">
-                    <a14:hiddenEffects xmlns:a14="http://schemas.microsoft.com/office/drawing/2010/main" xmlns="">
+                    <a14:hiddenEffects xmlns="" xmlns:a14="http://schemas.microsoft.com/office/drawing/2010/main">
                       <a:effectLst>
                         <a:outerShdw blurRad="63500" dist="38099" dir="2700000" algn="ctr" rotWithShape="0">
                           <a:schemeClr val="bg2">
@@ -14564,12 +14395,12 @@
                 <a:effectLst/>
                 <a:extLst>
                   <a:ext uri="{909E8E84-426E-40dd-AFC4-6F175D3DCCD1}">
-                    <a14:hiddenFill xmlns:a14="http://schemas.microsoft.com/office/drawing/2010/main" xmlns="">
+                    <a14:hiddenFill xmlns="" xmlns:a14="http://schemas.microsoft.com/office/drawing/2010/main">
                       <a:noFill/>
                     </a14:hiddenFill>
                   </a:ext>
                   <a:ext uri="{AF507438-7753-43e0-B8FC-AC1667EBCBE1}">
-                    <a14:hiddenEffects xmlns:a14="http://schemas.microsoft.com/office/drawing/2010/main" xmlns="">
+                    <a14:hiddenEffects xmlns="" xmlns:a14="http://schemas.microsoft.com/office/drawing/2010/main">
                       <a:effectLst>
                         <a:outerShdw blurRad="63500" dist="38099" dir="2700000" algn="ctr" rotWithShape="0">
                           <a:schemeClr val="bg2">
@@ -14622,12 +14453,12 @@
                 <a:effectLst/>
                 <a:extLst>
                   <a:ext uri="{909E8E84-426E-40dd-AFC4-6F175D3DCCD1}">
-                    <a14:hiddenFill xmlns:a14="http://schemas.microsoft.com/office/drawing/2010/main" xmlns="">
+                    <a14:hiddenFill xmlns="" xmlns:a14="http://schemas.microsoft.com/office/drawing/2010/main">
                       <a:noFill/>
                     </a14:hiddenFill>
                   </a:ext>
                   <a:ext uri="{AF507438-7753-43e0-B8FC-AC1667EBCBE1}">
-                    <a14:hiddenEffects xmlns:a14="http://schemas.microsoft.com/office/drawing/2010/main" xmlns="">
+                    <a14:hiddenEffects xmlns="" xmlns:a14="http://schemas.microsoft.com/office/drawing/2010/main">
                       <a:effectLst>
                         <a:outerShdw blurRad="63500" dist="38099" dir="2700000" algn="ctr" rotWithShape="0">
                           <a:schemeClr val="bg2">
@@ -14680,12 +14511,12 @@
                 <a:effectLst/>
                 <a:extLst>
                   <a:ext uri="{909E8E84-426E-40dd-AFC4-6F175D3DCCD1}">
-                    <a14:hiddenFill xmlns:a14="http://schemas.microsoft.com/office/drawing/2010/main" xmlns="">
+                    <a14:hiddenFill xmlns="" xmlns:a14="http://schemas.microsoft.com/office/drawing/2010/main">
                       <a:noFill/>
                     </a14:hiddenFill>
                   </a:ext>
                   <a:ext uri="{AF507438-7753-43e0-B8FC-AC1667EBCBE1}">
-                    <a14:hiddenEffects xmlns:a14="http://schemas.microsoft.com/office/drawing/2010/main" xmlns="">
+                    <a14:hiddenEffects xmlns="" xmlns:a14="http://schemas.microsoft.com/office/drawing/2010/main">
                       <a:effectLst>
                         <a:outerShdw blurRad="63500" dist="38099" dir="2700000" algn="ctr" rotWithShape="0">
                           <a:schemeClr val="bg2">
@@ -14755,12 +14586,12 @@
                 <a:effectLst/>
                 <a:extLst>
                   <a:ext uri="{909E8E84-426E-40dd-AFC4-6F175D3DCCD1}">
-                    <a14:hiddenFill xmlns:a14="http://schemas.microsoft.com/office/drawing/2010/main" xmlns="">
+                    <a14:hiddenFill xmlns="" xmlns:a14="http://schemas.microsoft.com/office/drawing/2010/main">
                       <a:noFill/>
                     </a14:hiddenFill>
                   </a:ext>
                   <a:ext uri="{AF507438-7753-43e0-B8FC-AC1667EBCBE1}">
-                    <a14:hiddenEffects xmlns:a14="http://schemas.microsoft.com/office/drawing/2010/main" xmlns="">
+                    <a14:hiddenEffects xmlns="" xmlns:a14="http://schemas.microsoft.com/office/drawing/2010/main">
                       <a:effectLst>
                         <a:outerShdw blurRad="63500" dist="38099" dir="2700000" algn="ctr" rotWithShape="0">
                           <a:schemeClr val="bg2">
@@ -14813,12 +14644,12 @@
                 <a:effectLst/>
                 <a:extLst>
                   <a:ext uri="{909E8E84-426E-40dd-AFC4-6F175D3DCCD1}">
-                    <a14:hiddenFill xmlns:a14="http://schemas.microsoft.com/office/drawing/2010/main" xmlns="">
+                    <a14:hiddenFill xmlns="" xmlns:a14="http://schemas.microsoft.com/office/drawing/2010/main">
                       <a:noFill/>
                     </a14:hiddenFill>
                   </a:ext>
                   <a:ext uri="{AF507438-7753-43e0-B8FC-AC1667EBCBE1}">
-                    <a14:hiddenEffects xmlns:a14="http://schemas.microsoft.com/office/drawing/2010/main" xmlns="">
+                    <a14:hiddenEffects xmlns="" xmlns:a14="http://schemas.microsoft.com/office/drawing/2010/main">
                       <a:effectLst>
                         <a:outerShdw blurRad="63500" dist="38099" dir="2700000" algn="ctr" rotWithShape="0">
                           <a:schemeClr val="bg2">
@@ -14871,12 +14702,12 @@
                 <a:effectLst/>
                 <a:extLst>
                   <a:ext uri="{909E8E84-426E-40dd-AFC4-6F175D3DCCD1}">
-                    <a14:hiddenFill xmlns:a14="http://schemas.microsoft.com/office/drawing/2010/main" xmlns="">
+                    <a14:hiddenFill xmlns="" xmlns:a14="http://schemas.microsoft.com/office/drawing/2010/main">
                       <a:noFill/>
                     </a14:hiddenFill>
                   </a:ext>
                   <a:ext uri="{AF507438-7753-43e0-B8FC-AC1667EBCBE1}">
-                    <a14:hiddenEffects xmlns:a14="http://schemas.microsoft.com/office/drawing/2010/main" xmlns="">
+                    <a14:hiddenEffects xmlns="" xmlns:a14="http://schemas.microsoft.com/office/drawing/2010/main">
                       <a:effectLst>
                         <a:outerShdw blurRad="63500" dist="38099" dir="2700000" algn="ctr" rotWithShape="0">
                           <a:schemeClr val="bg2">
@@ -14929,12 +14760,12 @@
                 <a:effectLst/>
                 <a:extLst>
                   <a:ext uri="{909E8E84-426E-40dd-AFC4-6F175D3DCCD1}">
-                    <a14:hiddenFill xmlns:a14="http://schemas.microsoft.com/office/drawing/2010/main" xmlns="">
+                    <a14:hiddenFill xmlns="" xmlns:a14="http://schemas.microsoft.com/office/drawing/2010/main">
                       <a:noFill/>
                     </a14:hiddenFill>
                   </a:ext>
                   <a:ext uri="{AF507438-7753-43e0-B8FC-AC1667EBCBE1}">
-                    <a14:hiddenEffects xmlns:a14="http://schemas.microsoft.com/office/drawing/2010/main" xmlns="">
+                    <a14:hiddenEffects xmlns="" xmlns:a14="http://schemas.microsoft.com/office/drawing/2010/main">
                       <a:effectLst>
                         <a:outerShdw blurRad="63500" dist="38099" dir="2700000" algn="ctr" rotWithShape="0">
                           <a:schemeClr val="bg2">
@@ -14987,12 +14818,12 @@
                 <a:effectLst/>
                 <a:extLst>
                   <a:ext uri="{909E8E84-426E-40dd-AFC4-6F175D3DCCD1}">
-                    <a14:hiddenFill xmlns:a14="http://schemas.microsoft.com/office/drawing/2010/main" xmlns="">
+                    <a14:hiddenFill xmlns="" xmlns:a14="http://schemas.microsoft.com/office/drawing/2010/main">
                       <a:noFill/>
                     </a14:hiddenFill>
                   </a:ext>
                   <a:ext uri="{AF507438-7753-43e0-B8FC-AC1667EBCBE1}">
-                    <a14:hiddenEffects xmlns:a14="http://schemas.microsoft.com/office/drawing/2010/main" xmlns="">
+                    <a14:hiddenEffects xmlns="" xmlns:a14="http://schemas.microsoft.com/office/drawing/2010/main">
                       <a:effectLst>
                         <a:outerShdw blurRad="63500" dist="38099" dir="2700000" algn="ctr" rotWithShape="0">
                           <a:schemeClr val="bg2">
@@ -15045,12 +14876,12 @@
                 <a:effectLst/>
                 <a:extLst>
                   <a:ext uri="{909E8E84-426E-40dd-AFC4-6F175D3DCCD1}">
-                    <a14:hiddenFill xmlns:a14="http://schemas.microsoft.com/office/drawing/2010/main" xmlns="">
+                    <a14:hiddenFill xmlns="" xmlns:a14="http://schemas.microsoft.com/office/drawing/2010/main">
                       <a:noFill/>
                     </a14:hiddenFill>
                   </a:ext>
                   <a:ext uri="{AF507438-7753-43e0-B8FC-AC1667EBCBE1}">
-                    <a14:hiddenEffects xmlns:a14="http://schemas.microsoft.com/office/drawing/2010/main" xmlns="">
+                    <a14:hiddenEffects xmlns="" xmlns:a14="http://schemas.microsoft.com/office/drawing/2010/main">
                       <a:effectLst>
                         <a:outerShdw blurRad="63500" dist="38099" dir="2700000" algn="ctr" rotWithShape="0">
                           <a:schemeClr val="bg2">
@@ -15103,12 +14934,12 @@
                 <a:effectLst/>
                 <a:extLst>
                   <a:ext uri="{909E8E84-426E-40dd-AFC4-6F175D3DCCD1}">
-                    <a14:hiddenFill xmlns:a14="http://schemas.microsoft.com/office/drawing/2010/main" xmlns="">
+                    <a14:hiddenFill xmlns="" xmlns:a14="http://schemas.microsoft.com/office/drawing/2010/main">
                       <a:noFill/>
                     </a14:hiddenFill>
                   </a:ext>
                   <a:ext uri="{AF507438-7753-43e0-B8FC-AC1667EBCBE1}">
-                    <a14:hiddenEffects xmlns:a14="http://schemas.microsoft.com/office/drawing/2010/main" xmlns="">
+                    <a14:hiddenEffects xmlns="" xmlns:a14="http://schemas.microsoft.com/office/drawing/2010/main">
                       <a:effectLst>
                         <a:outerShdw blurRad="63500" dist="38099" dir="2700000" algn="ctr" rotWithShape="0">
                           <a:schemeClr val="bg2">
@@ -15161,12 +14992,12 @@
                 <a:effectLst/>
                 <a:extLst>
                   <a:ext uri="{909E8E84-426E-40dd-AFC4-6F175D3DCCD1}">
-                    <a14:hiddenFill xmlns:a14="http://schemas.microsoft.com/office/drawing/2010/main" xmlns="">
+                    <a14:hiddenFill xmlns="" xmlns:a14="http://schemas.microsoft.com/office/drawing/2010/main">
                       <a:noFill/>
                     </a14:hiddenFill>
                   </a:ext>
                   <a:ext uri="{AF507438-7753-43e0-B8FC-AC1667EBCBE1}">
-                    <a14:hiddenEffects xmlns:a14="http://schemas.microsoft.com/office/drawing/2010/main" xmlns="">
+                    <a14:hiddenEffects xmlns="" xmlns:a14="http://schemas.microsoft.com/office/drawing/2010/main">
                       <a:effectLst>
                         <a:outerShdw blurRad="63500" dist="38099" dir="2700000" algn="ctr" rotWithShape="0">
                           <a:schemeClr val="bg2">
@@ -15219,12 +15050,12 @@
                 <a:effectLst/>
                 <a:extLst>
                   <a:ext uri="{909E8E84-426E-40dd-AFC4-6F175D3DCCD1}">
-                    <a14:hiddenFill xmlns:a14="http://schemas.microsoft.com/office/drawing/2010/main" xmlns="">
+                    <a14:hiddenFill xmlns="" xmlns:a14="http://schemas.microsoft.com/office/drawing/2010/main">
                       <a:noFill/>
                     </a14:hiddenFill>
                   </a:ext>
                   <a:ext uri="{AF507438-7753-43e0-B8FC-AC1667EBCBE1}">
-                    <a14:hiddenEffects xmlns:a14="http://schemas.microsoft.com/office/drawing/2010/main" xmlns="">
+                    <a14:hiddenEffects xmlns="" xmlns:a14="http://schemas.microsoft.com/office/drawing/2010/main">
                       <a:effectLst>
                         <a:outerShdw blurRad="63500" dist="38099" dir="2700000" algn="ctr" rotWithShape="0">
                           <a:schemeClr val="bg2">
@@ -15277,12 +15108,12 @@
                 <a:effectLst/>
                 <a:extLst>
                   <a:ext uri="{909E8E84-426E-40dd-AFC4-6F175D3DCCD1}">
-                    <a14:hiddenFill xmlns:a14="http://schemas.microsoft.com/office/drawing/2010/main" xmlns="">
+                    <a14:hiddenFill xmlns="" xmlns:a14="http://schemas.microsoft.com/office/drawing/2010/main">
                       <a:noFill/>
                     </a14:hiddenFill>
                   </a:ext>
                   <a:ext uri="{AF507438-7753-43e0-B8FC-AC1667EBCBE1}">
-                    <a14:hiddenEffects xmlns:a14="http://schemas.microsoft.com/office/drawing/2010/main" xmlns="">
+                    <a14:hiddenEffects xmlns="" xmlns:a14="http://schemas.microsoft.com/office/drawing/2010/main">
                       <a:effectLst>
                         <a:outerShdw blurRad="63500" dist="38099" dir="2700000" algn="ctr" rotWithShape="0">
                           <a:schemeClr val="bg2">
@@ -15335,12 +15166,12 @@
                 <a:effectLst/>
                 <a:extLst>
                   <a:ext uri="{909E8E84-426E-40dd-AFC4-6F175D3DCCD1}">
-                    <a14:hiddenFill xmlns:a14="http://schemas.microsoft.com/office/drawing/2010/main" xmlns="">
+                    <a14:hiddenFill xmlns="" xmlns:a14="http://schemas.microsoft.com/office/drawing/2010/main">
                       <a:noFill/>
                     </a14:hiddenFill>
                   </a:ext>
                   <a:ext uri="{AF507438-7753-43e0-B8FC-AC1667EBCBE1}">
-                    <a14:hiddenEffects xmlns:a14="http://schemas.microsoft.com/office/drawing/2010/main" xmlns="">
+                    <a14:hiddenEffects xmlns="" xmlns:a14="http://schemas.microsoft.com/office/drawing/2010/main">
                       <a:effectLst>
                         <a:outerShdw blurRad="63500" dist="38099" dir="2700000" algn="ctr" rotWithShape="0">
                           <a:schemeClr val="bg2">
@@ -15393,12 +15224,12 @@
                 <a:effectLst/>
                 <a:extLst>
                   <a:ext uri="{909E8E84-426E-40dd-AFC4-6F175D3DCCD1}">
-                    <a14:hiddenFill xmlns:a14="http://schemas.microsoft.com/office/drawing/2010/main" xmlns="">
+                    <a14:hiddenFill xmlns="" xmlns:a14="http://schemas.microsoft.com/office/drawing/2010/main">
                       <a:noFill/>
                     </a14:hiddenFill>
                   </a:ext>
                   <a:ext uri="{AF507438-7753-43e0-B8FC-AC1667EBCBE1}">
-                    <a14:hiddenEffects xmlns:a14="http://schemas.microsoft.com/office/drawing/2010/main" xmlns="">
+                    <a14:hiddenEffects xmlns="" xmlns:a14="http://schemas.microsoft.com/office/drawing/2010/main">
                       <a:effectLst>
                         <a:outerShdw blurRad="63500" dist="38099" dir="2700000" algn="ctr" rotWithShape="0">
                           <a:schemeClr val="bg2">
@@ -15451,12 +15282,12 @@
                 <a:effectLst/>
                 <a:extLst>
                   <a:ext uri="{909E8E84-426E-40dd-AFC4-6F175D3DCCD1}">
-                    <a14:hiddenFill xmlns:a14="http://schemas.microsoft.com/office/drawing/2010/main" xmlns="">
+                    <a14:hiddenFill xmlns="" xmlns:a14="http://schemas.microsoft.com/office/drawing/2010/main">
                       <a:noFill/>
                     </a14:hiddenFill>
                   </a:ext>
                   <a:ext uri="{AF507438-7753-43e0-B8FC-AC1667EBCBE1}">
-                    <a14:hiddenEffects xmlns:a14="http://schemas.microsoft.com/office/drawing/2010/main" xmlns="">
+                    <a14:hiddenEffects xmlns="" xmlns:a14="http://schemas.microsoft.com/office/drawing/2010/main">
                       <a:effectLst>
                         <a:outerShdw blurRad="63500" dist="38099" dir="2700000" algn="ctr" rotWithShape="0">
                           <a:schemeClr val="bg2">
@@ -15509,12 +15340,12 @@
                 <a:effectLst/>
                 <a:extLst>
                   <a:ext uri="{909E8E84-426E-40dd-AFC4-6F175D3DCCD1}">
-                    <a14:hiddenFill xmlns:a14="http://schemas.microsoft.com/office/drawing/2010/main" xmlns="">
+                    <a14:hiddenFill xmlns="" xmlns:a14="http://schemas.microsoft.com/office/drawing/2010/main">
                       <a:noFill/>
                     </a14:hiddenFill>
                   </a:ext>
                   <a:ext uri="{AF507438-7753-43e0-B8FC-AC1667EBCBE1}">
-                    <a14:hiddenEffects xmlns:a14="http://schemas.microsoft.com/office/drawing/2010/main" xmlns="">
+                    <a14:hiddenEffects xmlns="" xmlns:a14="http://schemas.microsoft.com/office/drawing/2010/main">
                       <a:effectLst>
                         <a:outerShdw blurRad="63500" dist="38099" dir="2700000" algn="ctr" rotWithShape="0">
                           <a:schemeClr val="bg2">
@@ -15567,12 +15398,12 @@
                 <a:effectLst/>
                 <a:extLst>
                   <a:ext uri="{909E8E84-426E-40dd-AFC4-6F175D3DCCD1}">
-                    <a14:hiddenFill xmlns:a14="http://schemas.microsoft.com/office/drawing/2010/main" xmlns="">
+                    <a14:hiddenFill xmlns="" xmlns:a14="http://schemas.microsoft.com/office/drawing/2010/main">
                       <a:noFill/>
                     </a14:hiddenFill>
                   </a:ext>
                   <a:ext uri="{AF507438-7753-43e0-B8FC-AC1667EBCBE1}">
-                    <a14:hiddenEffects xmlns:a14="http://schemas.microsoft.com/office/drawing/2010/main" xmlns="">
+                    <a14:hiddenEffects xmlns="" xmlns:a14="http://schemas.microsoft.com/office/drawing/2010/main">
                       <a:effectLst>
                         <a:outerShdw blurRad="63500" dist="38099" dir="2700000" algn="ctr" rotWithShape="0">
                           <a:schemeClr val="bg2">
@@ -15625,12 +15456,12 @@
                 <a:effectLst/>
                 <a:extLst>
                   <a:ext uri="{909E8E84-426E-40dd-AFC4-6F175D3DCCD1}">
-                    <a14:hiddenFill xmlns:a14="http://schemas.microsoft.com/office/drawing/2010/main" xmlns="">
+                    <a14:hiddenFill xmlns="" xmlns:a14="http://schemas.microsoft.com/office/drawing/2010/main">
                       <a:noFill/>
                     </a14:hiddenFill>
                   </a:ext>
                   <a:ext uri="{AF507438-7753-43e0-B8FC-AC1667EBCBE1}">
-                    <a14:hiddenEffects xmlns:a14="http://schemas.microsoft.com/office/drawing/2010/main" xmlns="">
+                    <a14:hiddenEffects xmlns="" xmlns:a14="http://schemas.microsoft.com/office/drawing/2010/main">
                       <a:effectLst>
                         <a:outerShdw blurRad="63500" dist="38099" dir="2700000" algn="ctr" rotWithShape="0">
                           <a:schemeClr val="bg2">
@@ -15683,12 +15514,12 @@
                 <a:effectLst/>
                 <a:extLst>
                   <a:ext uri="{909E8E84-426E-40dd-AFC4-6F175D3DCCD1}">
-                    <a14:hiddenFill xmlns:a14="http://schemas.microsoft.com/office/drawing/2010/main" xmlns="">
+                    <a14:hiddenFill xmlns="" xmlns:a14="http://schemas.microsoft.com/office/drawing/2010/main">
                       <a:noFill/>
                     </a14:hiddenFill>
                   </a:ext>
                   <a:ext uri="{AF507438-7753-43e0-B8FC-AC1667EBCBE1}">
-                    <a14:hiddenEffects xmlns:a14="http://schemas.microsoft.com/office/drawing/2010/main" xmlns="">
+                    <a14:hiddenEffects xmlns="" xmlns:a14="http://schemas.microsoft.com/office/drawing/2010/main">
                       <a:effectLst>
                         <a:outerShdw blurRad="63500" dist="38099" dir="2700000" algn="ctr" rotWithShape="0">
                           <a:schemeClr val="bg2">
@@ -15741,12 +15572,12 @@
                 <a:effectLst/>
                 <a:extLst>
                   <a:ext uri="{909E8E84-426E-40dd-AFC4-6F175D3DCCD1}">
-                    <a14:hiddenFill xmlns:a14="http://schemas.microsoft.com/office/drawing/2010/main" xmlns="">
+                    <a14:hiddenFill xmlns="" xmlns:a14="http://schemas.microsoft.com/office/drawing/2010/main">
                       <a:noFill/>
                     </a14:hiddenFill>
                   </a:ext>
                   <a:ext uri="{AF507438-7753-43e0-B8FC-AC1667EBCBE1}">
-                    <a14:hiddenEffects xmlns:a14="http://schemas.microsoft.com/office/drawing/2010/main" xmlns="">
+                    <a14:hiddenEffects xmlns="" xmlns:a14="http://schemas.microsoft.com/office/drawing/2010/main">
                       <a:effectLst>
                         <a:outerShdw blurRad="63500" dist="38099" dir="2700000" algn="ctr" rotWithShape="0">
                           <a:schemeClr val="bg2">
@@ -15799,12 +15630,12 @@
                 <a:effectLst/>
                 <a:extLst>
                   <a:ext uri="{909E8E84-426E-40dd-AFC4-6F175D3DCCD1}">
-                    <a14:hiddenFill xmlns:a14="http://schemas.microsoft.com/office/drawing/2010/main" xmlns="">
+                    <a14:hiddenFill xmlns="" xmlns:a14="http://schemas.microsoft.com/office/drawing/2010/main">
                       <a:noFill/>
                     </a14:hiddenFill>
                   </a:ext>
                   <a:ext uri="{AF507438-7753-43e0-B8FC-AC1667EBCBE1}">
-                    <a14:hiddenEffects xmlns:a14="http://schemas.microsoft.com/office/drawing/2010/main" xmlns="">
+                    <a14:hiddenEffects xmlns="" xmlns:a14="http://schemas.microsoft.com/office/drawing/2010/main">
                       <a:effectLst>
                         <a:outerShdw blurRad="63500" dist="38099" dir="2700000" algn="ctr" rotWithShape="0">
                           <a:schemeClr val="bg2">
@@ -15857,12 +15688,12 @@
                 <a:effectLst/>
                 <a:extLst>
                   <a:ext uri="{909E8E84-426E-40dd-AFC4-6F175D3DCCD1}">
-                    <a14:hiddenFill xmlns:a14="http://schemas.microsoft.com/office/drawing/2010/main" xmlns="">
+                    <a14:hiddenFill xmlns="" xmlns:a14="http://schemas.microsoft.com/office/drawing/2010/main">
                       <a:noFill/>
                     </a14:hiddenFill>
                   </a:ext>
                   <a:ext uri="{AF507438-7753-43e0-B8FC-AC1667EBCBE1}">
-                    <a14:hiddenEffects xmlns:a14="http://schemas.microsoft.com/office/drawing/2010/main" xmlns="">
+                    <a14:hiddenEffects xmlns="" xmlns:a14="http://schemas.microsoft.com/office/drawing/2010/main">
                       <a:effectLst>
                         <a:outerShdw blurRad="63500" dist="38099" dir="2700000" algn="ctr" rotWithShape="0">
                           <a:schemeClr val="bg2">
@@ -15915,12 +15746,12 @@
                 <a:effectLst/>
                 <a:extLst>
                   <a:ext uri="{909E8E84-426E-40dd-AFC4-6F175D3DCCD1}">
-                    <a14:hiddenFill xmlns:a14="http://schemas.microsoft.com/office/drawing/2010/main" xmlns="">
+                    <a14:hiddenFill xmlns="" xmlns:a14="http://schemas.microsoft.com/office/drawing/2010/main">
                       <a:noFill/>
                     </a14:hiddenFill>
                   </a:ext>
                   <a:ext uri="{AF507438-7753-43e0-B8FC-AC1667EBCBE1}">
-                    <a14:hiddenEffects xmlns:a14="http://schemas.microsoft.com/office/drawing/2010/main" xmlns="">
+                    <a14:hiddenEffects xmlns="" xmlns:a14="http://schemas.microsoft.com/office/drawing/2010/main">
                       <a:effectLst>
                         <a:outerShdw blurRad="63500" dist="38099" dir="2700000" algn="ctr" rotWithShape="0">
                           <a:schemeClr val="bg2">
@@ -15973,12 +15804,12 @@
                 <a:effectLst/>
                 <a:extLst>
                   <a:ext uri="{909E8E84-426E-40dd-AFC4-6F175D3DCCD1}">
-                    <a14:hiddenFill xmlns:a14="http://schemas.microsoft.com/office/drawing/2010/main" xmlns="">
+                    <a14:hiddenFill xmlns="" xmlns:a14="http://schemas.microsoft.com/office/drawing/2010/main">
                       <a:noFill/>
                     </a14:hiddenFill>
                   </a:ext>
                   <a:ext uri="{AF507438-7753-43e0-B8FC-AC1667EBCBE1}">
-                    <a14:hiddenEffects xmlns:a14="http://schemas.microsoft.com/office/drawing/2010/main" xmlns="">
+                    <a14:hiddenEffects xmlns="" xmlns:a14="http://schemas.microsoft.com/office/drawing/2010/main">
                       <a:effectLst>
                         <a:outerShdw blurRad="63500" dist="38099" dir="2700000" algn="ctr" rotWithShape="0">
                           <a:schemeClr val="bg2">
@@ -16031,12 +15862,12 @@
                 <a:effectLst/>
                 <a:extLst>
                   <a:ext uri="{909E8E84-426E-40dd-AFC4-6F175D3DCCD1}">
-                    <a14:hiddenFill xmlns:a14="http://schemas.microsoft.com/office/drawing/2010/main" xmlns="">
+                    <a14:hiddenFill xmlns="" xmlns:a14="http://schemas.microsoft.com/office/drawing/2010/main">
                       <a:noFill/>
                     </a14:hiddenFill>
                   </a:ext>
                   <a:ext uri="{AF507438-7753-43e0-B8FC-AC1667EBCBE1}">
-                    <a14:hiddenEffects xmlns:a14="http://schemas.microsoft.com/office/drawing/2010/main" xmlns="">
+                    <a14:hiddenEffects xmlns="" xmlns:a14="http://schemas.microsoft.com/office/drawing/2010/main">
                       <a:effectLst>
                         <a:outerShdw blurRad="63500" dist="38099" dir="2700000" algn="ctr" rotWithShape="0">
                           <a:schemeClr val="bg2">
@@ -16089,12 +15920,12 @@
                 <a:effectLst/>
                 <a:extLst>
                   <a:ext uri="{909E8E84-426E-40dd-AFC4-6F175D3DCCD1}">
-                    <a14:hiddenFill xmlns:a14="http://schemas.microsoft.com/office/drawing/2010/main" xmlns="">
+                    <a14:hiddenFill xmlns="" xmlns:a14="http://schemas.microsoft.com/office/drawing/2010/main">
                       <a:noFill/>
                     </a14:hiddenFill>
                   </a:ext>
                   <a:ext uri="{AF507438-7753-43e0-B8FC-AC1667EBCBE1}">
-                    <a14:hiddenEffects xmlns:a14="http://schemas.microsoft.com/office/drawing/2010/main" xmlns="">
+                    <a14:hiddenEffects xmlns="" xmlns:a14="http://schemas.microsoft.com/office/drawing/2010/main">
                       <a:effectLst>
                         <a:outerShdw blurRad="63500" dist="38099" dir="2700000" algn="ctr" rotWithShape="0">
                           <a:schemeClr val="bg2">
@@ -16147,12 +15978,12 @@
                 <a:effectLst/>
                 <a:extLst>
                   <a:ext uri="{909E8E84-426E-40dd-AFC4-6F175D3DCCD1}">
-                    <a14:hiddenFill xmlns:a14="http://schemas.microsoft.com/office/drawing/2010/main" xmlns="">
+                    <a14:hiddenFill xmlns="" xmlns:a14="http://schemas.microsoft.com/office/drawing/2010/main">
                       <a:noFill/>
                     </a14:hiddenFill>
                   </a:ext>
                   <a:ext uri="{AF507438-7753-43e0-B8FC-AC1667EBCBE1}">
-                    <a14:hiddenEffects xmlns:a14="http://schemas.microsoft.com/office/drawing/2010/main" xmlns="">
+                    <a14:hiddenEffects xmlns="" xmlns:a14="http://schemas.microsoft.com/office/drawing/2010/main">
                       <a:effectLst>
                         <a:outerShdw blurRad="63500" dist="38099" dir="2700000" algn="ctr" rotWithShape="0">
                           <a:schemeClr val="bg2">
@@ -16205,12 +16036,12 @@
                 <a:effectLst/>
                 <a:extLst>
                   <a:ext uri="{909E8E84-426E-40dd-AFC4-6F175D3DCCD1}">
-                    <a14:hiddenFill xmlns:a14="http://schemas.microsoft.com/office/drawing/2010/main" xmlns="">
+                    <a14:hiddenFill xmlns="" xmlns:a14="http://schemas.microsoft.com/office/drawing/2010/main">
                       <a:noFill/>
                     </a14:hiddenFill>
                   </a:ext>
                   <a:ext uri="{AF507438-7753-43e0-B8FC-AC1667EBCBE1}">
-                    <a14:hiddenEffects xmlns:a14="http://schemas.microsoft.com/office/drawing/2010/main" xmlns="">
+                    <a14:hiddenEffects xmlns="" xmlns:a14="http://schemas.microsoft.com/office/drawing/2010/main">
                       <a:effectLst>
                         <a:outerShdw blurRad="63500" dist="38099" dir="2700000" algn="ctr" rotWithShape="0">
                           <a:schemeClr val="bg2">
@@ -16263,12 +16094,12 @@
                 <a:effectLst/>
                 <a:extLst>
                   <a:ext uri="{909E8E84-426E-40dd-AFC4-6F175D3DCCD1}">
-                    <a14:hiddenFill xmlns:a14="http://schemas.microsoft.com/office/drawing/2010/main" xmlns="">
+                    <a14:hiddenFill xmlns="" xmlns:a14="http://schemas.microsoft.com/office/drawing/2010/main">
                       <a:noFill/>
                     </a14:hiddenFill>
                   </a:ext>
                   <a:ext uri="{AF507438-7753-43e0-B8FC-AC1667EBCBE1}">
-                    <a14:hiddenEffects xmlns:a14="http://schemas.microsoft.com/office/drawing/2010/main" xmlns="">
+                    <a14:hiddenEffects xmlns="" xmlns:a14="http://schemas.microsoft.com/office/drawing/2010/main">
                       <a:effectLst>
                         <a:outerShdw blurRad="63500" dist="38099" dir="2700000" algn="ctr" rotWithShape="0">
                           <a:schemeClr val="bg2">
@@ -16321,12 +16152,12 @@
                 <a:effectLst/>
                 <a:extLst>
                   <a:ext uri="{909E8E84-426E-40dd-AFC4-6F175D3DCCD1}">
-                    <a14:hiddenFill xmlns:a14="http://schemas.microsoft.com/office/drawing/2010/main" xmlns="">
+                    <a14:hiddenFill xmlns="" xmlns:a14="http://schemas.microsoft.com/office/drawing/2010/main">
                       <a:noFill/>
                     </a14:hiddenFill>
                   </a:ext>
                   <a:ext uri="{AF507438-7753-43e0-B8FC-AC1667EBCBE1}">
-                    <a14:hiddenEffects xmlns:a14="http://schemas.microsoft.com/office/drawing/2010/main" xmlns="">
+                    <a14:hiddenEffects xmlns="" xmlns:a14="http://schemas.microsoft.com/office/drawing/2010/main">
                       <a:effectLst>
                         <a:outerShdw blurRad="63500" dist="38099" dir="2700000" algn="ctr" rotWithShape="0">
                           <a:schemeClr val="bg2">
@@ -16379,12 +16210,12 @@
                 <a:effectLst/>
                 <a:extLst>
                   <a:ext uri="{909E8E84-426E-40dd-AFC4-6F175D3DCCD1}">
-                    <a14:hiddenFill xmlns:a14="http://schemas.microsoft.com/office/drawing/2010/main" xmlns="">
+                    <a14:hiddenFill xmlns="" xmlns:a14="http://schemas.microsoft.com/office/drawing/2010/main">
                       <a:noFill/>
                     </a14:hiddenFill>
                   </a:ext>
                   <a:ext uri="{AF507438-7753-43e0-B8FC-AC1667EBCBE1}">
-                    <a14:hiddenEffects xmlns:a14="http://schemas.microsoft.com/office/drawing/2010/main" xmlns="">
+                    <a14:hiddenEffects xmlns="" xmlns:a14="http://schemas.microsoft.com/office/drawing/2010/main">
                       <a:effectLst>
                         <a:outerShdw blurRad="63500" dist="38099" dir="2700000" algn="ctr" rotWithShape="0">
                           <a:schemeClr val="bg2">
@@ -16436,7 +16267,7 @@
             <a:effectLst/>
             <a:extLst>
               <a:ext uri="{91240B29-F687-4f45-9708-019B960494DF}">
-                <a14:hiddenLine xmlns:a14="http://schemas.microsoft.com/office/drawing/2010/main" xmlns="" w="9525">
+                <a14:hiddenLine xmlns="" xmlns:a14="http://schemas.microsoft.com/office/drawing/2010/main" w="9525">
                   <a:solidFill>
                     <a:schemeClr val="tx1"/>
                   </a:solidFill>
@@ -16446,7 +16277,7 @@
                 </a14:hiddenLine>
               </a:ext>
               <a:ext uri="{AF507438-7753-43e0-B8FC-AC1667EBCBE1}">
-                <a14:hiddenEffects xmlns:a14="http://schemas.microsoft.com/office/drawing/2010/main" xmlns="">
+                <a14:hiddenEffects xmlns="" xmlns:a14="http://schemas.microsoft.com/office/drawing/2010/main">
                   <a:effectLst>
                     <a:outerShdw blurRad="63500" dist="38099" dir="2700000" algn="ctr" rotWithShape="0">
                       <a:schemeClr val="bg2">
@@ -16494,12 +16325,12 @@
             <a:effectLst/>
             <a:extLst>
               <a:ext uri="{909E8E84-426E-40dd-AFC4-6F175D3DCCD1}">
-                <a14:hiddenFill xmlns:a14="http://schemas.microsoft.com/office/drawing/2010/main" xmlns="">
+                <a14:hiddenFill xmlns="" xmlns:a14="http://schemas.microsoft.com/office/drawing/2010/main">
                   <a:noFill/>
                 </a14:hiddenFill>
               </a:ext>
               <a:ext uri="{AF507438-7753-43e0-B8FC-AC1667EBCBE1}">
-                <a14:hiddenEffects xmlns:a14="http://schemas.microsoft.com/office/drawing/2010/main" xmlns="">
+                <a14:hiddenEffects xmlns="" xmlns:a14="http://schemas.microsoft.com/office/drawing/2010/main">
                   <a:effectLst>
                     <a:outerShdw blurRad="63500" dist="38099" dir="2700000" algn="ctr" rotWithShape="0">
                       <a:schemeClr val="bg2">
@@ -16563,12 +16394,12 @@
               <a:effectLst/>
               <a:extLst>
                 <a:ext uri="{909E8E84-426E-40dd-AFC4-6F175D3DCCD1}">
-                  <a14:hiddenFill xmlns:a14="http://schemas.microsoft.com/office/drawing/2010/main" xmlns="">
+                  <a14:hiddenFill xmlns="" xmlns:a14="http://schemas.microsoft.com/office/drawing/2010/main">
                     <a:noFill/>
                   </a14:hiddenFill>
                 </a:ext>
                 <a:ext uri="{AF507438-7753-43e0-B8FC-AC1667EBCBE1}">
-                  <a14:hiddenEffects xmlns:a14="http://schemas.microsoft.com/office/drawing/2010/main" xmlns="">
+                  <a14:hiddenEffects xmlns="" xmlns:a14="http://schemas.microsoft.com/office/drawing/2010/main">
                     <a:effectLst>
                       <a:outerShdw blurRad="63500" dist="38099" dir="2700000" algn="ctr" rotWithShape="0">
                         <a:schemeClr val="bg2">
@@ -16616,12 +16447,12 @@
               <a:effectLst/>
               <a:extLst>
                 <a:ext uri="{909E8E84-426E-40dd-AFC4-6F175D3DCCD1}">
-                  <a14:hiddenFill xmlns:a14="http://schemas.microsoft.com/office/drawing/2010/main" xmlns="">
+                  <a14:hiddenFill xmlns="" xmlns:a14="http://schemas.microsoft.com/office/drawing/2010/main">
                     <a:noFill/>
                   </a14:hiddenFill>
                 </a:ext>
                 <a:ext uri="{AF507438-7753-43e0-B8FC-AC1667EBCBE1}">
-                  <a14:hiddenEffects xmlns:a14="http://schemas.microsoft.com/office/drawing/2010/main" xmlns="">
+                  <a14:hiddenEffects xmlns="" xmlns:a14="http://schemas.microsoft.com/office/drawing/2010/main">
                     <a:effectLst>
                       <a:outerShdw blurRad="63500" dist="38099" dir="2700000" algn="ctr" rotWithShape="0">
                         <a:schemeClr val="bg2">
@@ -16749,14 +16580,14 @@
               <a:effectLst/>
               <a:extLst>
                 <a:ext uri="{909E8E84-426E-40dd-AFC4-6F175D3DCCD1}">
-                  <a14:hiddenFill xmlns:a14="http://schemas.microsoft.com/office/drawing/2010/main" xmlns="">
+                  <a14:hiddenFill xmlns="" xmlns:a14="http://schemas.microsoft.com/office/drawing/2010/main">
                     <a:solidFill>
                       <a:schemeClr val="accent1"/>
                     </a:solidFill>
                   </a14:hiddenFill>
                 </a:ext>
                 <a:ext uri="{AF507438-7753-43e0-B8FC-AC1667EBCBE1}">
-                  <a14:hiddenEffects xmlns:a14="http://schemas.microsoft.com/office/drawing/2010/main" xmlns="">
+                  <a14:hiddenEffects xmlns="" xmlns:a14="http://schemas.microsoft.com/office/drawing/2010/main">
                     <a:effectLst>
                       <a:outerShdw blurRad="63500" dist="38099" dir="2700000" algn="ctr" rotWithShape="0">
                         <a:schemeClr val="bg2">
@@ -16806,14 +16637,14 @@
               <ma14:placeholderFlag xmlns:ma14="http://schemas.microsoft.com/office/mac/drawingml/2011/main" val="1"/>
             </a:ext>
             <a:ext uri="{909E8E84-426E-40dd-AFC4-6F175D3DCCD1}">
-              <a14:hiddenFill xmlns:a14="http://schemas.microsoft.com/office/drawing/2010/main" xmlns="">
+              <a14:hiddenFill xmlns="" xmlns:a14="http://schemas.microsoft.com/office/drawing/2010/main">
                 <a:solidFill>
                   <a:schemeClr val="accent1"/>
                 </a:solidFill>
               </a14:hiddenFill>
             </a:ext>
             <a:ext uri="{91240B29-F687-4f45-9708-019B960494DF}">
-              <a14:hiddenLine xmlns:a14="http://schemas.microsoft.com/office/drawing/2010/main" xmlns="" w="9525">
+              <a14:hiddenLine xmlns="" xmlns:a14="http://schemas.microsoft.com/office/drawing/2010/main" w="9525">
                 <a:solidFill>
                   <a:schemeClr val="tx1"/>
                 </a:solidFill>
@@ -16823,7 +16654,7 @@
               </a14:hiddenLine>
             </a:ext>
             <a:ext uri="{AF507438-7753-43e0-B8FC-AC1667EBCBE1}">
-              <a14:hiddenEffects xmlns:a14="http://schemas.microsoft.com/office/drawing/2010/main" xmlns="">
+              <a14:hiddenEffects xmlns="" xmlns:a14="http://schemas.microsoft.com/office/drawing/2010/main">
                 <a:effectLst>
                   <a:outerShdw blurRad="63500" dist="38099" dir="2700000" algn="ctr" rotWithShape="0">
                     <a:schemeClr val="bg2">
@@ -16879,14 +16710,14 @@
               <ma14:placeholderFlag xmlns:ma14="http://schemas.microsoft.com/office/mac/drawingml/2011/main" val="1"/>
             </a:ext>
             <a:ext uri="{909E8E84-426E-40dd-AFC4-6F175D3DCCD1}">
-              <a14:hiddenFill xmlns:a14="http://schemas.microsoft.com/office/drawing/2010/main" xmlns="">
+              <a14:hiddenFill xmlns="" xmlns:a14="http://schemas.microsoft.com/office/drawing/2010/main">
                 <a:solidFill>
                   <a:schemeClr val="accent1"/>
                 </a:solidFill>
               </a14:hiddenFill>
             </a:ext>
             <a:ext uri="{91240B29-F687-4f45-9708-019B960494DF}">
-              <a14:hiddenLine xmlns:a14="http://schemas.microsoft.com/office/drawing/2010/main" xmlns="" w="9525">
+              <a14:hiddenLine xmlns="" xmlns:a14="http://schemas.microsoft.com/office/drawing/2010/main" w="9525">
                 <a:solidFill>
                   <a:schemeClr val="tx1"/>
                 </a:solidFill>
@@ -16896,7 +16727,7 @@
               </a14:hiddenLine>
             </a:ext>
             <a:ext uri="{AF507438-7753-43e0-B8FC-AC1667EBCBE1}">
-              <a14:hiddenEffects xmlns:a14="http://schemas.microsoft.com/office/drawing/2010/main" xmlns="">
+              <a14:hiddenEffects xmlns="" xmlns:a14="http://schemas.microsoft.com/office/drawing/2010/main">
                 <a:effectLst>
                   <a:outerShdw blurRad="63500" dist="38099" dir="2700000" algn="ctr" rotWithShape="0">
                     <a:schemeClr val="bg2">
@@ -16980,14 +16811,14 @@
               <ma14:placeholderFlag xmlns:ma14="http://schemas.microsoft.com/office/mac/drawingml/2011/main" val="1"/>
             </a:ext>
             <a:ext uri="{909E8E84-426E-40dd-AFC4-6F175D3DCCD1}">
-              <a14:hiddenFill xmlns:a14="http://schemas.microsoft.com/office/drawing/2010/main" xmlns="">
+              <a14:hiddenFill xmlns="" xmlns:a14="http://schemas.microsoft.com/office/drawing/2010/main">
                 <a:solidFill>
                   <a:schemeClr val="accent1"/>
                 </a:solidFill>
               </a14:hiddenFill>
             </a:ext>
             <a:ext uri="{91240B29-F687-4f45-9708-019B960494DF}">
-              <a14:hiddenLine xmlns:a14="http://schemas.microsoft.com/office/drawing/2010/main" xmlns="" w="9525">
+              <a14:hiddenLine xmlns="" xmlns:a14="http://schemas.microsoft.com/office/drawing/2010/main" w="9525">
                 <a:solidFill>
                   <a:schemeClr val="tx1"/>
                 </a:solidFill>
@@ -16997,7 +16828,7 @@
               </a14:hiddenLine>
             </a:ext>
             <a:ext uri="{AF507438-7753-43e0-B8FC-AC1667EBCBE1}">
-              <a14:hiddenEffects xmlns:a14="http://schemas.microsoft.com/office/drawing/2010/main" xmlns="">
+              <a14:hiddenEffects xmlns="" xmlns:a14="http://schemas.microsoft.com/office/drawing/2010/main">
                 <a:effectLst>
                   <a:outerShdw blurRad="63500" dist="38099" dir="2700000" algn="ctr" rotWithShape="0">
                     <a:schemeClr val="bg2">
@@ -17053,14 +16884,14 @@
               <ma14:placeholderFlag xmlns:ma14="http://schemas.microsoft.com/office/mac/drawingml/2011/main" val="1"/>
             </a:ext>
             <a:ext uri="{909E8E84-426E-40dd-AFC4-6F175D3DCCD1}">
-              <a14:hiddenFill xmlns:a14="http://schemas.microsoft.com/office/drawing/2010/main" xmlns="">
+              <a14:hiddenFill xmlns="" xmlns:a14="http://schemas.microsoft.com/office/drawing/2010/main">
                 <a:solidFill>
                   <a:schemeClr val="accent1"/>
                 </a:solidFill>
               </a14:hiddenFill>
             </a:ext>
             <a:ext uri="{91240B29-F687-4f45-9708-019B960494DF}">
-              <a14:hiddenLine xmlns:a14="http://schemas.microsoft.com/office/drawing/2010/main" xmlns="" w="9525">
+              <a14:hiddenLine xmlns="" xmlns:a14="http://schemas.microsoft.com/office/drawing/2010/main" w="9525">
                 <a:solidFill>
                   <a:schemeClr val="tx1"/>
                 </a:solidFill>
@@ -17070,7 +16901,7 @@
               </a14:hiddenLine>
             </a:ext>
             <a:ext uri="{AF507438-7753-43e0-B8FC-AC1667EBCBE1}">
-              <a14:hiddenEffects xmlns:a14="http://schemas.microsoft.com/office/drawing/2010/main" xmlns="">
+              <a14:hiddenEffects xmlns="" xmlns:a14="http://schemas.microsoft.com/office/drawing/2010/main">
                 <a:effectLst>
                   <a:outerShdw blurRad="63500" dist="38099" dir="2700000" algn="ctr" rotWithShape="0">
                     <a:schemeClr val="bg2">
@@ -17103,124 +16934,6 @@
           </a:p>
         </p:txBody>
       </p:sp>
-      <p:sp>
-        <p:nvSpPr>
-          <p:cNvPr id="3145" name="Text Box 1097"/>
-          <p:cNvSpPr txBox="1">
-            <a:spLocks noChangeArrowheads="1"/>
-          </p:cNvSpPr>
-          <p:nvPr userDrawn="1"/>
-        </p:nvSpPr>
-        <p:spPr bwMode="auto">
-          <a:xfrm>
-            <a:off x="1219200" y="6324600"/>
-            <a:ext cx="5943600" cy="457200"/>
-          </a:xfrm>
-          <a:prstGeom prst="rect">
-            <a:avLst/>
-          </a:prstGeom>
-          <a:noFill/>
-          <a:ln>
-            <a:noFill/>
-          </a:ln>
-          <a:effectLst/>
-          <a:extLst>
-            <a:ext uri="{909E8E84-426E-40dd-AFC4-6F175D3DCCD1}">
-              <a14:hiddenFill xmlns:a14="http://schemas.microsoft.com/office/drawing/2010/main" xmlns="">
-                <a:solidFill>
-                  <a:schemeClr val="accent1"/>
-                </a:solidFill>
-              </a14:hiddenFill>
-            </a:ext>
-            <a:ext uri="{91240B29-F687-4f45-9708-019B960494DF}">
-              <a14:hiddenLine xmlns:a14="http://schemas.microsoft.com/office/drawing/2010/main" xmlns="" w="9525">
-                <a:solidFill>
-                  <a:schemeClr val="tx1"/>
-                </a:solidFill>
-                <a:miter lim="800000"/>
-                <a:headEnd/>
-                <a:tailEnd/>
-              </a14:hiddenLine>
-            </a:ext>
-            <a:ext uri="{AF507438-7753-43e0-B8FC-AC1667EBCBE1}">
-              <a14:hiddenEffects xmlns:a14="http://schemas.microsoft.com/office/drawing/2010/main" xmlns="">
-                <a:effectLst>
-                  <a:outerShdw blurRad="63500" dist="38099" dir="2700000" algn="ctr" rotWithShape="0">
-                    <a:schemeClr val="bg2">
-                      <a:alpha val="74998"/>
-                    </a:schemeClr>
-                  </a:outerShdw>
-                </a:effectLst>
-              </a14:hiddenEffects>
-            </a:ext>
-          </a:extLst>
-        </p:spPr>
-        <p:txBody>
-          <a:bodyPr>
-            <a:spAutoFit/>
-          </a:bodyPr>
-          <a:lstStyle/>
-          <a:p>
-            <a:pPr>
-              <a:spcBef>
-                <a:spcPct val="50000"/>
-              </a:spcBef>
-            </a:pPr>
-            <a:r>
-              <a:rPr lang="en-US" sz="1200" b="1"/>
-              <a:t>© Drexel University Software Engineering Research Group (SERG)</a:t>
-            </a:r>
-            <a:br>
-              <a:rPr lang="en-US" sz="1200" b="1"/>
-            </a:br>
-            <a:r>
-              <a:rPr lang="en-US" sz="1200" b="1"/>
-              <a:t>http://serg.cs.drexel.edu</a:t>
-            </a:r>
-          </a:p>
-        </p:txBody>
-      </p:sp>
-      <p:pic>
-        <p:nvPicPr>
-          <p:cNvPr id="3148" name="Picture 1100" descr="sergLogo"/>
-          <p:cNvPicPr>
-            <a:picLocks noChangeAspect="1" noChangeArrowheads="1"/>
-          </p:cNvPicPr>
-          <p:nvPr userDrawn="1"/>
-        </p:nvPicPr>
-        <p:blipFill>
-          <a:blip r:embed="rId14">
-            <a:extLst>
-              <a:ext uri="{28A0092B-C50C-407E-A947-70E740481C1C}">
-                <a14:useLocalDpi xmlns:a14="http://schemas.microsoft.com/office/drawing/2010/main" val="0"/>
-              </a:ext>
-            </a:extLst>
-          </a:blip>
-          <a:srcRect/>
-          <a:stretch>
-            <a:fillRect/>
-          </a:stretch>
-        </p:blipFill>
-        <p:spPr bwMode="auto">
-          <a:xfrm>
-            <a:off x="76200" y="6324600"/>
-            <a:ext cx="1143000" cy="476250"/>
-          </a:xfrm>
-          <a:prstGeom prst="rect">
-            <a:avLst/>
-          </a:prstGeom>
-          <a:noFill/>
-          <a:extLst>
-            <a:ext uri="{909E8E84-426E-40dd-AFC4-6F175D3DCCD1}">
-              <a14:hiddenFill xmlns:a14="http://schemas.microsoft.com/office/drawing/2010/main" xmlns="">
-                <a:solidFill>
-                  <a:srgbClr val="FFFFFF"/>
-                </a:solidFill>
-              </a14:hiddenFill>
-            </a:ext>
-          </a:extLst>
-        </p:spPr>
-      </p:pic>
     </p:spTree>
   </p:cSld>
   <p:clrMap bg1="lt1" tx1="dk1" bg2="lt2" tx2="dk2" accent1="accent1" accent2="accent2" accent3="accent3" accent4="accent4" accent5="accent5" accent6="accent6" hlink="hlink" folHlink="folHlink"/>
@@ -17393,7 +17106,7 @@
         <a:buSzPct val="110000"/>
         <a:buFont typeface="Wingdings" charset="0"/>
         <a:buBlip>
-          <a:blip r:embed="rId15"/>
+          <a:blip r:embed="rId14"/>
         </a:buBlip>
         <a:defRPr sz="3200">
           <a:solidFill>
@@ -18188,7 +17901,7 @@
           <a:effectLst/>
           <a:extLst>
             <a:ext uri="{AF507438-7753-43e0-B8FC-AC1667EBCBE1}">
-              <a14:hiddenEffects xmlns:a14="http://schemas.microsoft.com/office/drawing/2010/main" xmlns="">
+              <a14:hiddenEffects xmlns="" xmlns:a14="http://schemas.microsoft.com/office/drawing/2010/main">
                 <a:effectLst>
                   <a:outerShdw blurRad="63500" dist="38099" dir="2700000" algn="ctr" rotWithShape="0">
                     <a:schemeClr val="bg2">
@@ -18242,7 +17955,7 @@
           <a:effectLst/>
           <a:extLst>
             <a:ext uri="{AF507438-7753-43e0-B8FC-AC1667EBCBE1}">
-              <a14:hiddenEffects xmlns:a14="http://schemas.microsoft.com/office/drawing/2010/main" xmlns="">
+              <a14:hiddenEffects xmlns="" xmlns:a14="http://schemas.microsoft.com/office/drawing/2010/main">
                 <a:effectLst>
                   <a:outerShdw blurRad="63500" dist="38099" dir="2700000" algn="ctr" rotWithShape="0">
                     <a:schemeClr val="bg2">
@@ -18296,7 +18009,7 @@
           <a:effectLst/>
           <a:extLst>
             <a:ext uri="{AF507438-7753-43e0-B8FC-AC1667EBCBE1}">
-              <a14:hiddenEffects xmlns:a14="http://schemas.microsoft.com/office/drawing/2010/main" xmlns="">
+              <a14:hiddenEffects xmlns="" xmlns:a14="http://schemas.microsoft.com/office/drawing/2010/main">
                 <a:effectLst>
                   <a:outerShdw blurRad="63500" dist="38099" dir="2700000" algn="ctr" rotWithShape="0">
                     <a:schemeClr val="bg2">
@@ -18350,7 +18063,7 @@
           <a:effectLst/>
           <a:extLst>
             <a:ext uri="{AF507438-7753-43e0-B8FC-AC1667EBCBE1}">
-              <a14:hiddenEffects xmlns:a14="http://schemas.microsoft.com/office/drawing/2010/main" xmlns="">
+              <a14:hiddenEffects xmlns="" xmlns:a14="http://schemas.microsoft.com/office/drawing/2010/main">
                 <a:effectLst>
                   <a:outerShdw blurRad="63500" dist="38099" dir="2700000" algn="ctr" rotWithShape="0">
                     <a:schemeClr val="bg2">
@@ -18404,7 +18117,7 @@
           <a:effectLst/>
           <a:extLst>
             <a:ext uri="{AF507438-7753-43e0-B8FC-AC1667EBCBE1}">
-              <a14:hiddenEffects xmlns:a14="http://schemas.microsoft.com/office/drawing/2010/main" xmlns="">
+              <a14:hiddenEffects xmlns="" xmlns:a14="http://schemas.microsoft.com/office/drawing/2010/main">
                 <a:effectLst>
                   <a:outerShdw blurRad="63500" dist="38099" dir="2700000" algn="ctr" rotWithShape="0">
                     <a:schemeClr val="bg2">
@@ -18458,7 +18171,7 @@
           <a:effectLst/>
           <a:extLst>
             <a:ext uri="{AF507438-7753-43e0-B8FC-AC1667EBCBE1}">
-              <a14:hiddenEffects xmlns:a14="http://schemas.microsoft.com/office/drawing/2010/main" xmlns="">
+              <a14:hiddenEffects xmlns="" xmlns:a14="http://schemas.microsoft.com/office/drawing/2010/main">
                 <a:effectLst>
                   <a:outerShdw blurRad="63500" dist="38099" dir="2700000" algn="ctr" rotWithShape="0">
                     <a:schemeClr val="bg2">
@@ -18512,7 +18225,7 @@
           <a:effectLst/>
           <a:extLst>
             <a:ext uri="{AF507438-7753-43e0-B8FC-AC1667EBCBE1}">
-              <a14:hiddenEffects xmlns:a14="http://schemas.microsoft.com/office/drawing/2010/main" xmlns="">
+              <a14:hiddenEffects xmlns="" xmlns:a14="http://schemas.microsoft.com/office/drawing/2010/main">
                 <a:effectLst>
                   <a:outerShdw blurRad="63500" dist="38099" dir="2700000" algn="ctr" rotWithShape="0">
                     <a:schemeClr val="bg2">
@@ -18566,7 +18279,7 @@
           <a:effectLst/>
           <a:extLst>
             <a:ext uri="{AF507438-7753-43e0-B8FC-AC1667EBCBE1}">
-              <a14:hiddenEffects xmlns:a14="http://schemas.microsoft.com/office/drawing/2010/main" xmlns="">
+              <a14:hiddenEffects xmlns="" xmlns:a14="http://schemas.microsoft.com/office/drawing/2010/main">
                 <a:effectLst>
                   <a:outerShdw blurRad="63500" dist="38099" dir="2700000" algn="ctr" rotWithShape="0">
                     <a:schemeClr val="bg2">
@@ -18620,7 +18333,7 @@
           <a:effectLst/>
           <a:extLst>
             <a:ext uri="{AF507438-7753-43e0-B8FC-AC1667EBCBE1}">
-              <a14:hiddenEffects xmlns:a14="http://schemas.microsoft.com/office/drawing/2010/main" xmlns="">
+              <a14:hiddenEffects xmlns="" xmlns:a14="http://schemas.microsoft.com/office/drawing/2010/main">
                 <a:effectLst>
                   <a:outerShdw blurRad="63500" dist="38099" dir="2700000" algn="ctr" rotWithShape="0">
                     <a:schemeClr val="bg2">
@@ -18706,14 +18419,14 @@
           <a:effectLst/>
           <a:extLst>
             <a:ext uri="{909E8E84-426E-40dd-AFC4-6F175D3DCCD1}">
-              <a14:hiddenFill xmlns:a14="http://schemas.microsoft.com/office/drawing/2010/main" xmlns="">
+              <a14:hiddenFill xmlns="" xmlns:a14="http://schemas.microsoft.com/office/drawing/2010/main">
                 <a:solidFill>
                   <a:schemeClr val="accent1"/>
                 </a:solidFill>
               </a14:hiddenFill>
             </a:ext>
             <a:ext uri="{AF507438-7753-43e0-B8FC-AC1667EBCBE1}">
-              <a14:hiddenEffects xmlns:a14="http://schemas.microsoft.com/office/drawing/2010/main" xmlns="">
+              <a14:hiddenEffects xmlns="" xmlns:a14="http://schemas.microsoft.com/office/drawing/2010/main">
                 <a:effectLst>
                   <a:outerShdw blurRad="63500" dist="38099" dir="2700000" algn="ctr" rotWithShape="0">
                     <a:schemeClr val="bg2">
@@ -18795,14 +18508,14 @@
           <a:effectLst/>
           <a:extLst>
             <a:ext uri="{909E8E84-426E-40dd-AFC4-6F175D3DCCD1}">
-              <a14:hiddenFill xmlns:a14="http://schemas.microsoft.com/office/drawing/2010/main" xmlns="">
+              <a14:hiddenFill xmlns="" xmlns:a14="http://schemas.microsoft.com/office/drawing/2010/main">
                 <a:solidFill>
                   <a:schemeClr val="accent1"/>
                 </a:solidFill>
               </a14:hiddenFill>
             </a:ext>
             <a:ext uri="{AF507438-7753-43e0-B8FC-AC1667EBCBE1}">
-              <a14:hiddenEffects xmlns:a14="http://schemas.microsoft.com/office/drawing/2010/main" xmlns="">
+              <a14:hiddenEffects xmlns="" xmlns:a14="http://schemas.microsoft.com/office/drawing/2010/main">
                 <a:effectLst>
                   <a:outerShdw blurRad="63500" dist="38099" dir="2700000" algn="ctr" rotWithShape="0">
                     <a:schemeClr val="bg2">
@@ -18884,14 +18597,14 @@
           <a:effectLst/>
           <a:extLst>
             <a:ext uri="{909E8E84-426E-40dd-AFC4-6F175D3DCCD1}">
-              <a14:hiddenFill xmlns:a14="http://schemas.microsoft.com/office/drawing/2010/main" xmlns="">
+              <a14:hiddenFill xmlns="" xmlns:a14="http://schemas.microsoft.com/office/drawing/2010/main">
                 <a:solidFill>
                   <a:schemeClr val="accent1"/>
                 </a:solidFill>
               </a14:hiddenFill>
             </a:ext>
             <a:ext uri="{AF507438-7753-43e0-B8FC-AC1667EBCBE1}">
-              <a14:hiddenEffects xmlns:a14="http://schemas.microsoft.com/office/drawing/2010/main" xmlns="">
+              <a14:hiddenEffects xmlns="" xmlns:a14="http://schemas.microsoft.com/office/drawing/2010/main">
                 <a:effectLst>
                   <a:outerShdw blurRad="63500" dist="38099" dir="2700000" algn="ctr" rotWithShape="0">
                     <a:schemeClr val="bg2">
@@ -18973,14 +18686,14 @@
           <a:effectLst/>
           <a:extLst>
             <a:ext uri="{909E8E84-426E-40dd-AFC4-6F175D3DCCD1}">
-              <a14:hiddenFill xmlns:a14="http://schemas.microsoft.com/office/drawing/2010/main" xmlns="">
+              <a14:hiddenFill xmlns="" xmlns:a14="http://schemas.microsoft.com/office/drawing/2010/main">
                 <a:solidFill>
                   <a:schemeClr val="accent1"/>
                 </a:solidFill>
               </a14:hiddenFill>
             </a:ext>
             <a:ext uri="{AF507438-7753-43e0-B8FC-AC1667EBCBE1}">
-              <a14:hiddenEffects xmlns:a14="http://schemas.microsoft.com/office/drawing/2010/main" xmlns="">
+              <a14:hiddenEffects xmlns="" xmlns:a14="http://schemas.microsoft.com/office/drawing/2010/main">
                 <a:effectLst>
                   <a:outerShdw blurRad="63500" dist="38099" dir="2700000" algn="ctr" rotWithShape="0">
                     <a:schemeClr val="bg2">
@@ -19062,14 +18775,14 @@
           <a:effectLst/>
           <a:extLst>
             <a:ext uri="{909E8E84-426E-40dd-AFC4-6F175D3DCCD1}">
-              <a14:hiddenFill xmlns:a14="http://schemas.microsoft.com/office/drawing/2010/main" xmlns="">
+              <a14:hiddenFill xmlns="" xmlns:a14="http://schemas.microsoft.com/office/drawing/2010/main">
                 <a:solidFill>
                   <a:schemeClr val="accent1"/>
                 </a:solidFill>
               </a14:hiddenFill>
             </a:ext>
             <a:ext uri="{AF507438-7753-43e0-B8FC-AC1667EBCBE1}">
-              <a14:hiddenEffects xmlns:a14="http://schemas.microsoft.com/office/drawing/2010/main" xmlns="">
+              <a14:hiddenEffects xmlns="" xmlns:a14="http://schemas.microsoft.com/office/drawing/2010/main">
                 <a:effectLst>
                   <a:outerShdw blurRad="63500" dist="38099" dir="2700000" algn="ctr" rotWithShape="0">
                     <a:schemeClr val="bg2">
@@ -19151,14 +18864,14 @@
           <a:effectLst/>
           <a:extLst>
             <a:ext uri="{909E8E84-426E-40dd-AFC4-6F175D3DCCD1}">
-              <a14:hiddenFill xmlns:a14="http://schemas.microsoft.com/office/drawing/2010/main" xmlns="">
+              <a14:hiddenFill xmlns="" xmlns:a14="http://schemas.microsoft.com/office/drawing/2010/main">
                 <a:solidFill>
                   <a:schemeClr val="accent1"/>
                 </a:solidFill>
               </a14:hiddenFill>
             </a:ext>
             <a:ext uri="{AF507438-7753-43e0-B8FC-AC1667EBCBE1}">
-              <a14:hiddenEffects xmlns:a14="http://schemas.microsoft.com/office/drawing/2010/main" xmlns="">
+              <a14:hiddenEffects xmlns="" xmlns:a14="http://schemas.microsoft.com/office/drawing/2010/main">
                 <a:effectLst>
                   <a:outerShdw blurRad="63500" dist="38099" dir="2700000" algn="ctr" rotWithShape="0">
                     <a:schemeClr val="bg2">
@@ -19240,14 +18953,14 @@
           <a:effectLst/>
           <a:extLst>
             <a:ext uri="{909E8E84-426E-40dd-AFC4-6F175D3DCCD1}">
-              <a14:hiddenFill xmlns:a14="http://schemas.microsoft.com/office/drawing/2010/main" xmlns="">
+              <a14:hiddenFill xmlns="" xmlns:a14="http://schemas.microsoft.com/office/drawing/2010/main">
                 <a:solidFill>
                   <a:schemeClr val="accent1"/>
                 </a:solidFill>
               </a14:hiddenFill>
             </a:ext>
             <a:ext uri="{AF507438-7753-43e0-B8FC-AC1667EBCBE1}">
-              <a14:hiddenEffects xmlns:a14="http://schemas.microsoft.com/office/drawing/2010/main" xmlns="">
+              <a14:hiddenEffects xmlns="" xmlns:a14="http://schemas.microsoft.com/office/drawing/2010/main">
                 <a:effectLst>
                   <a:outerShdw blurRad="63500" dist="38099" dir="2700000" algn="ctr" rotWithShape="0">
                     <a:schemeClr val="bg2">
@@ -19329,14 +19042,14 @@
           <a:effectLst/>
           <a:extLst>
             <a:ext uri="{909E8E84-426E-40dd-AFC4-6F175D3DCCD1}">
-              <a14:hiddenFill xmlns:a14="http://schemas.microsoft.com/office/drawing/2010/main" xmlns="">
+              <a14:hiddenFill xmlns="" xmlns:a14="http://schemas.microsoft.com/office/drawing/2010/main">
                 <a:solidFill>
                   <a:schemeClr val="accent1"/>
                 </a:solidFill>
               </a14:hiddenFill>
             </a:ext>
             <a:ext uri="{AF507438-7753-43e0-B8FC-AC1667EBCBE1}">
-              <a14:hiddenEffects xmlns:a14="http://schemas.microsoft.com/office/drawing/2010/main" xmlns="">
+              <a14:hiddenEffects xmlns="" xmlns:a14="http://schemas.microsoft.com/office/drawing/2010/main">
                 <a:effectLst>
                   <a:outerShdw blurRad="63500" dist="38099" dir="2700000" algn="ctr" rotWithShape="0">
                     <a:schemeClr val="bg2">
@@ -19485,7 +19198,7 @@
           <a:effectLst/>
           <a:extLst>
             <a:ext uri="{AF507438-7753-43e0-B8FC-AC1667EBCBE1}">
-              <a14:hiddenEffects xmlns:a14="http://schemas.microsoft.com/office/drawing/2010/main" xmlns="">
+              <a14:hiddenEffects xmlns="" xmlns:a14="http://schemas.microsoft.com/office/drawing/2010/main">
                 <a:effectLst>
                   <a:outerShdw blurRad="63500" dist="38099" dir="2700000" algn="ctr" rotWithShape="0">
                     <a:schemeClr val="bg2">
@@ -19539,7 +19252,7 @@
           <a:effectLst/>
           <a:extLst>
             <a:ext uri="{AF507438-7753-43e0-B8FC-AC1667EBCBE1}">
-              <a14:hiddenEffects xmlns:a14="http://schemas.microsoft.com/office/drawing/2010/main" xmlns="">
+              <a14:hiddenEffects xmlns="" xmlns:a14="http://schemas.microsoft.com/office/drawing/2010/main">
                 <a:effectLst>
                   <a:outerShdw blurRad="63500" dist="38099" dir="2700000" algn="ctr" rotWithShape="0">
                     <a:schemeClr val="bg2">
@@ -19593,7 +19306,7 @@
           <a:effectLst/>
           <a:extLst>
             <a:ext uri="{AF507438-7753-43e0-B8FC-AC1667EBCBE1}">
-              <a14:hiddenEffects xmlns:a14="http://schemas.microsoft.com/office/drawing/2010/main" xmlns="">
+              <a14:hiddenEffects xmlns="" xmlns:a14="http://schemas.microsoft.com/office/drawing/2010/main">
                 <a:effectLst>
                   <a:outerShdw blurRad="63500" dist="38099" dir="2700000" algn="ctr" rotWithShape="0">
                     <a:schemeClr val="bg2">
@@ -19647,7 +19360,7 @@
           <a:effectLst/>
           <a:extLst>
             <a:ext uri="{AF507438-7753-43e0-B8FC-AC1667EBCBE1}">
-              <a14:hiddenEffects xmlns:a14="http://schemas.microsoft.com/office/drawing/2010/main" xmlns="">
+              <a14:hiddenEffects xmlns="" xmlns:a14="http://schemas.microsoft.com/office/drawing/2010/main">
                 <a:effectLst>
                   <a:outerShdw blurRad="63500" dist="38099" dir="2700000" algn="ctr" rotWithShape="0">
                     <a:schemeClr val="bg2">
@@ -19701,7 +19414,7 @@
           <a:effectLst/>
           <a:extLst>
             <a:ext uri="{AF507438-7753-43e0-B8FC-AC1667EBCBE1}">
-              <a14:hiddenEffects xmlns:a14="http://schemas.microsoft.com/office/drawing/2010/main" xmlns="">
+              <a14:hiddenEffects xmlns="" xmlns:a14="http://schemas.microsoft.com/office/drawing/2010/main">
                 <a:effectLst>
                   <a:outerShdw blurRad="63500" dist="38099" dir="2700000" algn="ctr" rotWithShape="0">
                     <a:schemeClr val="bg2">
@@ -19755,7 +19468,7 @@
           <a:effectLst/>
           <a:extLst>
             <a:ext uri="{AF507438-7753-43e0-B8FC-AC1667EBCBE1}">
-              <a14:hiddenEffects xmlns:a14="http://schemas.microsoft.com/office/drawing/2010/main" xmlns="">
+              <a14:hiddenEffects xmlns="" xmlns:a14="http://schemas.microsoft.com/office/drawing/2010/main">
                 <a:effectLst>
                   <a:outerShdw blurRad="63500" dist="38099" dir="2700000" algn="ctr" rotWithShape="0">
                     <a:schemeClr val="bg2">
@@ -19809,7 +19522,7 @@
           <a:effectLst/>
           <a:extLst>
             <a:ext uri="{AF507438-7753-43e0-B8FC-AC1667EBCBE1}">
-              <a14:hiddenEffects xmlns:a14="http://schemas.microsoft.com/office/drawing/2010/main" xmlns="">
+              <a14:hiddenEffects xmlns="" xmlns:a14="http://schemas.microsoft.com/office/drawing/2010/main">
                 <a:effectLst>
                   <a:outerShdw blurRad="63500" dist="38099" dir="2700000" algn="ctr" rotWithShape="0">
                     <a:schemeClr val="bg2">
@@ -19863,7 +19576,7 @@
           <a:effectLst/>
           <a:extLst>
             <a:ext uri="{AF507438-7753-43e0-B8FC-AC1667EBCBE1}">
-              <a14:hiddenEffects xmlns:a14="http://schemas.microsoft.com/office/drawing/2010/main" xmlns="">
+              <a14:hiddenEffects xmlns="" xmlns:a14="http://schemas.microsoft.com/office/drawing/2010/main">
                 <a:effectLst>
                   <a:outerShdw blurRad="63500" dist="38099" dir="2700000" algn="ctr" rotWithShape="0">
                     <a:schemeClr val="bg2">
@@ -19917,7 +19630,7 @@
           <a:effectLst/>
           <a:extLst>
             <a:ext uri="{AF507438-7753-43e0-B8FC-AC1667EBCBE1}">
-              <a14:hiddenEffects xmlns:a14="http://schemas.microsoft.com/office/drawing/2010/main" xmlns="">
+              <a14:hiddenEffects xmlns="" xmlns:a14="http://schemas.microsoft.com/office/drawing/2010/main">
                 <a:effectLst>
                   <a:outerShdw blurRad="63500" dist="38099" dir="2700000" algn="ctr" rotWithShape="0">
                     <a:schemeClr val="bg2">
@@ -20003,14 +19716,14 @@
           <a:effectLst/>
           <a:extLst>
             <a:ext uri="{909E8E84-426E-40dd-AFC4-6F175D3DCCD1}">
-              <a14:hiddenFill xmlns:a14="http://schemas.microsoft.com/office/drawing/2010/main" xmlns="">
+              <a14:hiddenFill xmlns="" xmlns:a14="http://schemas.microsoft.com/office/drawing/2010/main">
                 <a:solidFill>
                   <a:schemeClr val="accent1"/>
                 </a:solidFill>
               </a14:hiddenFill>
             </a:ext>
             <a:ext uri="{AF507438-7753-43e0-B8FC-AC1667EBCBE1}">
-              <a14:hiddenEffects xmlns:a14="http://schemas.microsoft.com/office/drawing/2010/main" xmlns="">
+              <a14:hiddenEffects xmlns="" xmlns:a14="http://schemas.microsoft.com/office/drawing/2010/main">
                 <a:effectLst>
                   <a:outerShdw blurRad="63500" dist="38099" dir="2700000" algn="ctr" rotWithShape="0">
                     <a:schemeClr val="bg2">
@@ -20092,14 +19805,14 @@
           <a:effectLst/>
           <a:extLst>
             <a:ext uri="{909E8E84-426E-40dd-AFC4-6F175D3DCCD1}">
-              <a14:hiddenFill xmlns:a14="http://schemas.microsoft.com/office/drawing/2010/main" xmlns="">
+              <a14:hiddenFill xmlns="" xmlns:a14="http://schemas.microsoft.com/office/drawing/2010/main">
                 <a:solidFill>
                   <a:schemeClr val="accent1"/>
                 </a:solidFill>
               </a14:hiddenFill>
             </a:ext>
             <a:ext uri="{AF507438-7753-43e0-B8FC-AC1667EBCBE1}">
-              <a14:hiddenEffects xmlns:a14="http://schemas.microsoft.com/office/drawing/2010/main" xmlns="">
+              <a14:hiddenEffects xmlns="" xmlns:a14="http://schemas.microsoft.com/office/drawing/2010/main">
                 <a:effectLst>
                   <a:outerShdw blurRad="63500" dist="38099" dir="2700000" algn="ctr" rotWithShape="0">
                     <a:schemeClr val="bg2">
@@ -20181,14 +19894,14 @@
           <a:effectLst/>
           <a:extLst>
             <a:ext uri="{909E8E84-426E-40dd-AFC4-6F175D3DCCD1}">
-              <a14:hiddenFill xmlns:a14="http://schemas.microsoft.com/office/drawing/2010/main" xmlns="">
+              <a14:hiddenFill xmlns="" xmlns:a14="http://schemas.microsoft.com/office/drawing/2010/main">
                 <a:solidFill>
                   <a:schemeClr val="accent1"/>
                 </a:solidFill>
               </a14:hiddenFill>
             </a:ext>
             <a:ext uri="{AF507438-7753-43e0-B8FC-AC1667EBCBE1}">
-              <a14:hiddenEffects xmlns:a14="http://schemas.microsoft.com/office/drawing/2010/main" xmlns="">
+              <a14:hiddenEffects xmlns="" xmlns:a14="http://schemas.microsoft.com/office/drawing/2010/main">
                 <a:effectLst>
                   <a:outerShdw blurRad="63500" dist="38099" dir="2700000" algn="ctr" rotWithShape="0">
                     <a:schemeClr val="bg2">
@@ -20270,14 +19983,14 @@
           <a:effectLst/>
           <a:extLst>
             <a:ext uri="{909E8E84-426E-40dd-AFC4-6F175D3DCCD1}">
-              <a14:hiddenFill xmlns:a14="http://schemas.microsoft.com/office/drawing/2010/main" xmlns="">
+              <a14:hiddenFill xmlns="" xmlns:a14="http://schemas.microsoft.com/office/drawing/2010/main">
                 <a:solidFill>
                   <a:schemeClr val="accent1"/>
                 </a:solidFill>
               </a14:hiddenFill>
             </a:ext>
             <a:ext uri="{AF507438-7753-43e0-B8FC-AC1667EBCBE1}">
-              <a14:hiddenEffects xmlns:a14="http://schemas.microsoft.com/office/drawing/2010/main" xmlns="">
+              <a14:hiddenEffects xmlns="" xmlns:a14="http://schemas.microsoft.com/office/drawing/2010/main">
                 <a:effectLst>
                   <a:outerShdw blurRad="63500" dist="38099" dir="2700000" algn="ctr" rotWithShape="0">
                     <a:schemeClr val="bg2">
@@ -20359,14 +20072,14 @@
           <a:effectLst/>
           <a:extLst>
             <a:ext uri="{909E8E84-426E-40dd-AFC4-6F175D3DCCD1}">
-              <a14:hiddenFill xmlns:a14="http://schemas.microsoft.com/office/drawing/2010/main" xmlns="">
+              <a14:hiddenFill xmlns="" xmlns:a14="http://schemas.microsoft.com/office/drawing/2010/main">
                 <a:solidFill>
                   <a:schemeClr val="accent1"/>
                 </a:solidFill>
               </a14:hiddenFill>
             </a:ext>
             <a:ext uri="{AF507438-7753-43e0-B8FC-AC1667EBCBE1}">
-              <a14:hiddenEffects xmlns:a14="http://schemas.microsoft.com/office/drawing/2010/main" xmlns="">
+              <a14:hiddenEffects xmlns="" xmlns:a14="http://schemas.microsoft.com/office/drawing/2010/main">
                 <a:effectLst>
                   <a:outerShdw blurRad="63500" dist="38099" dir="2700000" algn="ctr" rotWithShape="0">
                     <a:schemeClr val="bg2">
@@ -20448,14 +20161,14 @@
           <a:effectLst/>
           <a:extLst>
             <a:ext uri="{909E8E84-426E-40dd-AFC4-6F175D3DCCD1}">
-              <a14:hiddenFill xmlns:a14="http://schemas.microsoft.com/office/drawing/2010/main" xmlns="">
+              <a14:hiddenFill xmlns="" xmlns:a14="http://schemas.microsoft.com/office/drawing/2010/main">
                 <a:solidFill>
                   <a:schemeClr val="accent1"/>
                 </a:solidFill>
               </a14:hiddenFill>
             </a:ext>
             <a:ext uri="{AF507438-7753-43e0-B8FC-AC1667EBCBE1}">
-              <a14:hiddenEffects xmlns:a14="http://schemas.microsoft.com/office/drawing/2010/main" xmlns="">
+              <a14:hiddenEffects xmlns="" xmlns:a14="http://schemas.microsoft.com/office/drawing/2010/main">
                 <a:effectLst>
                   <a:outerShdw blurRad="63500" dist="38099" dir="2700000" algn="ctr" rotWithShape="0">
                     <a:schemeClr val="bg2">
@@ -20537,14 +20250,14 @@
           <a:effectLst/>
           <a:extLst>
             <a:ext uri="{909E8E84-426E-40dd-AFC4-6F175D3DCCD1}">
-              <a14:hiddenFill xmlns:a14="http://schemas.microsoft.com/office/drawing/2010/main" xmlns="">
+              <a14:hiddenFill xmlns="" xmlns:a14="http://schemas.microsoft.com/office/drawing/2010/main">
                 <a:solidFill>
                   <a:schemeClr val="accent1"/>
                 </a:solidFill>
               </a14:hiddenFill>
             </a:ext>
             <a:ext uri="{AF507438-7753-43e0-B8FC-AC1667EBCBE1}">
-              <a14:hiddenEffects xmlns:a14="http://schemas.microsoft.com/office/drawing/2010/main" xmlns="">
+              <a14:hiddenEffects xmlns="" xmlns:a14="http://schemas.microsoft.com/office/drawing/2010/main">
                 <a:effectLst>
                   <a:outerShdw blurRad="63500" dist="38099" dir="2700000" algn="ctr" rotWithShape="0">
                     <a:schemeClr val="bg2">
@@ -20626,14 +20339,14 @@
           <a:effectLst/>
           <a:extLst>
             <a:ext uri="{909E8E84-426E-40dd-AFC4-6F175D3DCCD1}">
-              <a14:hiddenFill xmlns:a14="http://schemas.microsoft.com/office/drawing/2010/main" xmlns="">
+              <a14:hiddenFill xmlns="" xmlns:a14="http://schemas.microsoft.com/office/drawing/2010/main">
                 <a:solidFill>
                   <a:schemeClr val="accent1"/>
                 </a:solidFill>
               </a14:hiddenFill>
             </a:ext>
             <a:ext uri="{AF507438-7753-43e0-B8FC-AC1667EBCBE1}">
-              <a14:hiddenEffects xmlns:a14="http://schemas.microsoft.com/office/drawing/2010/main" xmlns="">
+              <a14:hiddenEffects xmlns="" xmlns:a14="http://schemas.microsoft.com/office/drawing/2010/main">
                 <a:effectLst>
                   <a:outerShdw blurRad="63500" dist="38099" dir="2700000" algn="ctr" rotWithShape="0">
                     <a:schemeClr val="bg2">
@@ -20676,14 +20389,14 @@
           <a:effectLst/>
           <a:extLst>
             <a:ext uri="{909E8E84-426E-40dd-AFC4-6F175D3DCCD1}">
-              <a14:hiddenFill xmlns:a14="http://schemas.microsoft.com/office/drawing/2010/main" xmlns="">
+              <a14:hiddenFill xmlns="" xmlns:a14="http://schemas.microsoft.com/office/drawing/2010/main">
                 <a:solidFill>
                   <a:schemeClr val="accent1"/>
                 </a:solidFill>
               </a14:hiddenFill>
             </a:ext>
             <a:ext uri="{91240B29-F687-4f45-9708-019B960494DF}">
-              <a14:hiddenLine xmlns:a14="http://schemas.microsoft.com/office/drawing/2010/main" xmlns="" w="9525">
+              <a14:hiddenLine xmlns="" xmlns:a14="http://schemas.microsoft.com/office/drawing/2010/main" w="9525">
                 <a:solidFill>
                   <a:schemeClr val="tx1"/>
                 </a:solidFill>
@@ -20693,7 +20406,7 @@
               </a14:hiddenLine>
             </a:ext>
             <a:ext uri="{AF507438-7753-43e0-B8FC-AC1667EBCBE1}">
-              <a14:hiddenEffects xmlns:a14="http://schemas.microsoft.com/office/drawing/2010/main" xmlns="">
+              <a14:hiddenEffects xmlns="" xmlns:a14="http://schemas.microsoft.com/office/drawing/2010/main">
                 <a:effectLst>
                   <a:outerShdw blurRad="63500" dist="38099" dir="2700000" algn="ctr" rotWithShape="0">
                     <a:schemeClr val="bg2">
@@ -20766,14 +20479,14 @@
           <a:effectLst/>
           <a:extLst>
             <a:ext uri="{909E8E84-426E-40dd-AFC4-6F175D3DCCD1}">
-              <a14:hiddenFill xmlns:a14="http://schemas.microsoft.com/office/drawing/2010/main" xmlns="">
+              <a14:hiddenFill xmlns="" xmlns:a14="http://schemas.microsoft.com/office/drawing/2010/main">
                 <a:solidFill>
                   <a:schemeClr val="accent1"/>
                 </a:solidFill>
               </a14:hiddenFill>
             </a:ext>
             <a:ext uri="{91240B29-F687-4f45-9708-019B960494DF}">
-              <a14:hiddenLine xmlns:a14="http://schemas.microsoft.com/office/drawing/2010/main" xmlns="" w="9525">
+              <a14:hiddenLine xmlns="" xmlns:a14="http://schemas.microsoft.com/office/drawing/2010/main" w="9525">
                 <a:solidFill>
                   <a:schemeClr val="tx1"/>
                 </a:solidFill>
@@ -20783,7 +20496,7 @@
               </a14:hiddenLine>
             </a:ext>
             <a:ext uri="{AF507438-7753-43e0-B8FC-AC1667EBCBE1}">
-              <a14:hiddenEffects xmlns:a14="http://schemas.microsoft.com/office/drawing/2010/main" xmlns="">
+              <a14:hiddenEffects xmlns="" xmlns:a14="http://schemas.microsoft.com/office/drawing/2010/main">
                 <a:effectLst>
                   <a:outerShdw blurRad="63500" dist="38099" dir="2700000" algn="ctr" rotWithShape="0">
                     <a:schemeClr val="bg2">
@@ -20862,12 +20575,12 @@
           <a:effectLst/>
           <a:extLst>
             <a:ext uri="{909E8E84-426E-40dd-AFC4-6F175D3DCCD1}">
-              <a14:hiddenFill xmlns:a14="http://schemas.microsoft.com/office/drawing/2010/main" xmlns="">
+              <a14:hiddenFill xmlns="" xmlns:a14="http://schemas.microsoft.com/office/drawing/2010/main">
                 <a:noFill/>
               </a14:hiddenFill>
             </a:ext>
             <a:ext uri="{AF507438-7753-43e0-B8FC-AC1667EBCBE1}">
-              <a14:hiddenEffects xmlns:a14="http://schemas.microsoft.com/office/drawing/2010/main" xmlns="">
+              <a14:hiddenEffects xmlns="" xmlns:a14="http://schemas.microsoft.com/office/drawing/2010/main">
                 <a:effectLst>
                   <a:outerShdw blurRad="63500" dist="38099" dir="2700000" algn="ctr" rotWithShape="0">
                     <a:schemeClr val="bg2">
@@ -21106,14 +20819,14 @@
           <a:effectLst/>
           <a:extLst>
             <a:ext uri="{909E8E84-426E-40dd-AFC4-6F175D3DCCD1}">
-              <a14:hiddenFill xmlns:a14="http://schemas.microsoft.com/office/drawing/2010/main" xmlns="">
+              <a14:hiddenFill xmlns="" xmlns:a14="http://schemas.microsoft.com/office/drawing/2010/main">
                 <a:solidFill>
                   <a:schemeClr val="accent1"/>
                 </a:solidFill>
               </a14:hiddenFill>
             </a:ext>
             <a:ext uri="{91240B29-F687-4f45-9708-019B960494DF}">
-              <a14:hiddenLine xmlns:a14="http://schemas.microsoft.com/office/drawing/2010/main" xmlns="" w="9525">
+              <a14:hiddenLine xmlns="" xmlns:a14="http://schemas.microsoft.com/office/drawing/2010/main" w="9525">
                 <a:solidFill>
                   <a:schemeClr val="tx1"/>
                 </a:solidFill>
@@ -21123,7 +20836,7 @@
               </a14:hiddenLine>
             </a:ext>
             <a:ext uri="{AF507438-7753-43e0-B8FC-AC1667EBCBE1}">
-              <a14:hiddenEffects xmlns:a14="http://schemas.microsoft.com/office/drawing/2010/main" xmlns="">
+              <a14:hiddenEffects xmlns="" xmlns:a14="http://schemas.microsoft.com/office/drawing/2010/main">
                 <a:effectLst>
                   <a:outerShdw blurRad="63500" dist="38099" dir="2700000" algn="ctr" rotWithShape="0">
                     <a:schemeClr val="bg2">
@@ -21340,14 +21053,14 @@
               <ma14:placeholderFlag xmlns:ma14="http://schemas.microsoft.com/office/mac/drawingml/2011/main" val="1"/>
             </a:ext>
             <a:ext uri="{909E8E84-426E-40dd-AFC4-6F175D3DCCD1}">
-              <a14:hiddenFill xmlns:a14="http://schemas.microsoft.com/office/drawing/2010/main" xmlns="">
+              <a14:hiddenFill xmlns="" xmlns:a14="http://schemas.microsoft.com/office/drawing/2010/main">
                 <a:solidFill>
                   <a:schemeClr val="accent1"/>
                 </a:solidFill>
               </a14:hiddenFill>
             </a:ext>
             <a:ext uri="{91240B29-F687-4f45-9708-019B960494DF}">
-              <a14:hiddenLine xmlns:a14="http://schemas.microsoft.com/office/drawing/2010/main" xmlns="" w="9525">
+              <a14:hiddenLine xmlns="" xmlns:a14="http://schemas.microsoft.com/office/drawing/2010/main" w="9525">
                 <a:solidFill>
                   <a:schemeClr val="tx1"/>
                 </a:solidFill>
@@ -21357,7 +21070,7 @@
               </a14:hiddenLine>
             </a:ext>
             <a:ext uri="{AF507438-7753-43e0-B8FC-AC1667EBCBE1}">
-              <a14:hiddenEffects xmlns:a14="http://schemas.microsoft.com/office/drawing/2010/main" xmlns="">
+              <a14:hiddenEffects xmlns="" xmlns:a14="http://schemas.microsoft.com/office/drawing/2010/main">
                 <a:effectLst>
                   <a:outerShdw blurRad="63500" dist="38099" dir="2700000" algn="ctr" rotWithShape="0">
                     <a:schemeClr val="bg2">
@@ -21665,14 +21378,14 @@
               <ma14:placeholderFlag xmlns:ma14="http://schemas.microsoft.com/office/mac/drawingml/2011/main" val="1"/>
             </a:ext>
             <a:ext uri="{909E8E84-426E-40dd-AFC4-6F175D3DCCD1}">
-              <a14:hiddenFill xmlns:a14="http://schemas.microsoft.com/office/drawing/2010/main" xmlns="">
+              <a14:hiddenFill xmlns="" xmlns:a14="http://schemas.microsoft.com/office/drawing/2010/main">
                 <a:solidFill>
                   <a:schemeClr val="accent1"/>
                 </a:solidFill>
               </a14:hiddenFill>
             </a:ext>
             <a:ext uri="{91240B29-F687-4f45-9708-019B960494DF}">
-              <a14:hiddenLine xmlns:a14="http://schemas.microsoft.com/office/drawing/2010/main" xmlns="" w="9525">
+              <a14:hiddenLine xmlns="" xmlns:a14="http://schemas.microsoft.com/office/drawing/2010/main" w="9525">
                 <a:solidFill>
                   <a:schemeClr val="tx1"/>
                 </a:solidFill>
@@ -21682,7 +21395,7 @@
               </a14:hiddenLine>
             </a:ext>
             <a:ext uri="{AF507438-7753-43e0-B8FC-AC1667EBCBE1}">
-              <a14:hiddenEffects xmlns:a14="http://schemas.microsoft.com/office/drawing/2010/main" xmlns="">
+              <a14:hiddenEffects xmlns="" xmlns:a14="http://schemas.microsoft.com/office/drawing/2010/main">
                 <a:effectLst>
                   <a:outerShdw blurRad="63500" dist="38099" dir="2700000" algn="ctr" rotWithShape="0">
                     <a:schemeClr val="bg2">
@@ -22050,14 +21763,14 @@
               <ma14:placeholderFlag xmlns:ma14="http://schemas.microsoft.com/office/mac/drawingml/2011/main" val="1"/>
             </a:ext>
             <a:ext uri="{909E8E84-426E-40dd-AFC4-6F175D3DCCD1}">
-              <a14:hiddenFill xmlns:a14="http://schemas.microsoft.com/office/drawing/2010/main" xmlns="">
+              <a14:hiddenFill xmlns="" xmlns:a14="http://schemas.microsoft.com/office/drawing/2010/main">
                 <a:solidFill>
                   <a:schemeClr val="accent1"/>
                 </a:solidFill>
               </a14:hiddenFill>
             </a:ext>
             <a:ext uri="{91240B29-F687-4f45-9708-019B960494DF}">
-              <a14:hiddenLine xmlns:a14="http://schemas.microsoft.com/office/drawing/2010/main" xmlns="" w="9525">
+              <a14:hiddenLine xmlns="" xmlns:a14="http://schemas.microsoft.com/office/drawing/2010/main" w="9525">
                 <a:solidFill>
                   <a:schemeClr val="tx1"/>
                 </a:solidFill>
@@ -22067,7 +21780,7 @@
               </a14:hiddenLine>
             </a:ext>
             <a:ext uri="{AF507438-7753-43e0-B8FC-AC1667EBCBE1}">
-              <a14:hiddenEffects xmlns:a14="http://schemas.microsoft.com/office/drawing/2010/main" xmlns="">
+              <a14:hiddenEffects xmlns="" xmlns:a14="http://schemas.microsoft.com/office/drawing/2010/main">
                 <a:effectLst>
                   <a:outerShdw blurRad="63500" dist="38099" dir="2700000" algn="ctr" rotWithShape="0">
                     <a:schemeClr val="bg2">
@@ -22354,14 +22067,14 @@
               <ma14:placeholderFlag xmlns:ma14="http://schemas.microsoft.com/office/mac/drawingml/2011/main" val="1"/>
             </a:ext>
             <a:ext uri="{909E8E84-426E-40dd-AFC4-6F175D3DCCD1}">
-              <a14:hiddenFill xmlns:a14="http://schemas.microsoft.com/office/drawing/2010/main" xmlns="">
+              <a14:hiddenFill xmlns="" xmlns:a14="http://schemas.microsoft.com/office/drawing/2010/main">
                 <a:solidFill>
                   <a:schemeClr val="accent1"/>
                 </a:solidFill>
               </a14:hiddenFill>
             </a:ext>
             <a:ext uri="{91240B29-F687-4f45-9708-019B960494DF}">
-              <a14:hiddenLine xmlns:a14="http://schemas.microsoft.com/office/drawing/2010/main" xmlns="" w="9525">
+              <a14:hiddenLine xmlns="" xmlns:a14="http://schemas.microsoft.com/office/drawing/2010/main" w="9525">
                 <a:solidFill>
                   <a:schemeClr val="tx1"/>
                 </a:solidFill>
@@ -22371,7 +22084,7 @@
               </a14:hiddenLine>
             </a:ext>
             <a:ext uri="{AF507438-7753-43e0-B8FC-AC1667EBCBE1}">
-              <a14:hiddenEffects xmlns:a14="http://schemas.microsoft.com/office/drawing/2010/main" xmlns="">
+              <a14:hiddenEffects xmlns="" xmlns:a14="http://schemas.microsoft.com/office/drawing/2010/main">
                 <a:effectLst>
                   <a:outerShdw blurRad="63500" dist="38099" dir="2700000" algn="ctr" rotWithShape="0">
                     <a:schemeClr val="bg2">
@@ -22517,14 +22230,14 @@
               <ma14:placeholderFlag xmlns:ma14="http://schemas.microsoft.com/office/mac/drawingml/2011/main" val="1"/>
             </a:ext>
             <a:ext uri="{909E8E84-426E-40dd-AFC4-6F175D3DCCD1}">
-              <a14:hiddenFill xmlns:a14="http://schemas.microsoft.com/office/drawing/2010/main" xmlns="">
+              <a14:hiddenFill xmlns="" xmlns:a14="http://schemas.microsoft.com/office/drawing/2010/main">
                 <a:solidFill>
                   <a:schemeClr val="accent1"/>
                 </a:solidFill>
               </a14:hiddenFill>
             </a:ext>
             <a:ext uri="{91240B29-F687-4f45-9708-019B960494DF}">
-              <a14:hiddenLine xmlns:a14="http://schemas.microsoft.com/office/drawing/2010/main" xmlns="" w="9525">
+              <a14:hiddenLine xmlns="" xmlns:a14="http://schemas.microsoft.com/office/drawing/2010/main" w="9525">
                 <a:solidFill>
                   <a:schemeClr val="tx1"/>
                 </a:solidFill>
@@ -22534,7 +22247,7 @@
               </a14:hiddenLine>
             </a:ext>
             <a:ext uri="{AF507438-7753-43e0-B8FC-AC1667EBCBE1}">
-              <a14:hiddenEffects xmlns:a14="http://schemas.microsoft.com/office/drawing/2010/main" xmlns="">
+              <a14:hiddenEffects xmlns="" xmlns:a14="http://schemas.microsoft.com/office/drawing/2010/main">
                 <a:effectLst>
                   <a:outerShdw blurRad="63500" dist="38099" dir="2700000" algn="ctr" rotWithShape="0">
                     <a:schemeClr val="bg2">
@@ -22859,14 +22572,14 @@
               <ma14:placeholderFlag xmlns:ma14="http://schemas.microsoft.com/office/mac/drawingml/2011/main" val="1"/>
             </a:ext>
             <a:ext uri="{909E8E84-426E-40dd-AFC4-6F175D3DCCD1}">
-              <a14:hiddenFill xmlns:a14="http://schemas.microsoft.com/office/drawing/2010/main" xmlns="">
+              <a14:hiddenFill xmlns="" xmlns:a14="http://schemas.microsoft.com/office/drawing/2010/main">
                 <a:solidFill>
                   <a:schemeClr val="accent1"/>
                 </a:solidFill>
               </a14:hiddenFill>
             </a:ext>
             <a:ext uri="{91240B29-F687-4f45-9708-019B960494DF}">
-              <a14:hiddenLine xmlns:a14="http://schemas.microsoft.com/office/drawing/2010/main" xmlns="" w="9525">
+              <a14:hiddenLine xmlns="" xmlns:a14="http://schemas.microsoft.com/office/drawing/2010/main" w="9525">
                 <a:solidFill>
                   <a:schemeClr val="tx1"/>
                 </a:solidFill>
@@ -22876,7 +22589,7 @@
               </a14:hiddenLine>
             </a:ext>
             <a:ext uri="{AF507438-7753-43e0-B8FC-AC1667EBCBE1}">
-              <a14:hiddenEffects xmlns:a14="http://schemas.microsoft.com/office/drawing/2010/main" xmlns="">
+              <a14:hiddenEffects xmlns="" xmlns:a14="http://schemas.microsoft.com/office/drawing/2010/main">
                 <a:effectLst>
                   <a:outerShdw blurRad="63500" dist="38099" dir="2700000" algn="ctr" rotWithShape="0">
                     <a:schemeClr val="bg2">
@@ -23236,7 +22949,7 @@
           <a:effectLst/>
           <a:extLst>
             <a:ext uri="{AF507438-7753-43e0-B8FC-AC1667EBCBE1}">
-              <a14:hiddenEffects xmlns:a14="http://schemas.microsoft.com/office/drawing/2010/main" xmlns="">
+              <a14:hiddenEffects xmlns="" xmlns:a14="http://schemas.microsoft.com/office/drawing/2010/main">
                 <a:effectLst>
                   <a:outerShdw blurRad="63500" dist="38099" dir="2700000" algn="ctr" rotWithShape="0">
                     <a:schemeClr val="bg2">
@@ -23290,7 +23003,7 @@
           <a:effectLst/>
           <a:extLst>
             <a:ext uri="{AF507438-7753-43e0-B8FC-AC1667EBCBE1}">
-              <a14:hiddenEffects xmlns:a14="http://schemas.microsoft.com/office/drawing/2010/main" xmlns="">
+              <a14:hiddenEffects xmlns="" xmlns:a14="http://schemas.microsoft.com/office/drawing/2010/main">
                 <a:effectLst>
                   <a:outerShdw blurRad="63500" dist="38099" dir="2700000" algn="ctr" rotWithShape="0">
                     <a:schemeClr val="bg2">
@@ -23344,7 +23057,7 @@
           <a:effectLst/>
           <a:extLst>
             <a:ext uri="{AF507438-7753-43e0-B8FC-AC1667EBCBE1}">
-              <a14:hiddenEffects xmlns:a14="http://schemas.microsoft.com/office/drawing/2010/main" xmlns="">
+              <a14:hiddenEffects xmlns="" xmlns:a14="http://schemas.microsoft.com/office/drawing/2010/main">
                 <a:effectLst>
                   <a:outerShdw blurRad="63500" dist="38099" dir="2700000" algn="ctr" rotWithShape="0">
                     <a:schemeClr val="bg2">
@@ -23398,7 +23111,7 @@
           <a:effectLst/>
           <a:extLst>
             <a:ext uri="{AF507438-7753-43e0-B8FC-AC1667EBCBE1}">
-              <a14:hiddenEffects xmlns:a14="http://schemas.microsoft.com/office/drawing/2010/main" xmlns="">
+              <a14:hiddenEffects xmlns="" xmlns:a14="http://schemas.microsoft.com/office/drawing/2010/main">
                 <a:effectLst>
                   <a:outerShdw blurRad="63500" dist="38099" dir="2700000" algn="ctr" rotWithShape="0">
                     <a:schemeClr val="bg2">
@@ -23452,7 +23165,7 @@
           <a:effectLst/>
           <a:extLst>
             <a:ext uri="{AF507438-7753-43e0-B8FC-AC1667EBCBE1}">
-              <a14:hiddenEffects xmlns:a14="http://schemas.microsoft.com/office/drawing/2010/main" xmlns="">
+              <a14:hiddenEffects xmlns="" xmlns:a14="http://schemas.microsoft.com/office/drawing/2010/main">
                 <a:effectLst>
                   <a:outerShdw blurRad="63500" dist="38099" dir="2700000" algn="ctr" rotWithShape="0">
                     <a:schemeClr val="bg2">
@@ -23513,14 +23226,14 @@
           <a:effectLst/>
           <a:extLst>
             <a:ext uri="{909E8E84-426E-40dd-AFC4-6F175D3DCCD1}">
-              <a14:hiddenFill xmlns:a14="http://schemas.microsoft.com/office/drawing/2010/main" xmlns="">
+              <a14:hiddenFill xmlns="" xmlns:a14="http://schemas.microsoft.com/office/drawing/2010/main">
                 <a:solidFill>
                   <a:schemeClr val="accent1"/>
                 </a:solidFill>
               </a14:hiddenFill>
             </a:ext>
             <a:ext uri="{91240B29-F687-4f45-9708-019B960494DF}">
-              <a14:hiddenLine xmlns:a14="http://schemas.microsoft.com/office/drawing/2010/main" xmlns="" w="9525">
+              <a14:hiddenLine xmlns="" xmlns:a14="http://schemas.microsoft.com/office/drawing/2010/main" w="9525">
                 <a:solidFill>
                   <a:schemeClr val="tx1"/>
                 </a:solidFill>
@@ -23530,7 +23243,7 @@
               </a14:hiddenLine>
             </a:ext>
             <a:ext uri="{AF507438-7753-43e0-B8FC-AC1667EBCBE1}">
-              <a14:hiddenEffects xmlns:a14="http://schemas.microsoft.com/office/drawing/2010/main" xmlns="">
+              <a14:hiddenEffects xmlns="" xmlns:a14="http://schemas.microsoft.com/office/drawing/2010/main">
                 <a:effectLst>
                   <a:outerShdw blurRad="63500" dist="38099" dir="2700000" algn="ctr" rotWithShape="0">
                     <a:schemeClr val="bg2">
@@ -23625,14 +23338,14 @@
               <ma14:placeholderFlag xmlns:ma14="http://schemas.microsoft.com/office/mac/drawingml/2011/main" val="1"/>
             </a:ext>
             <a:ext uri="{909E8E84-426E-40dd-AFC4-6F175D3DCCD1}">
-              <a14:hiddenFill xmlns:a14="http://schemas.microsoft.com/office/drawing/2010/main" xmlns="">
+              <a14:hiddenFill xmlns="" xmlns:a14="http://schemas.microsoft.com/office/drawing/2010/main">
                 <a:solidFill>
                   <a:schemeClr val="accent1"/>
                 </a:solidFill>
               </a14:hiddenFill>
             </a:ext>
             <a:ext uri="{91240B29-F687-4f45-9708-019B960494DF}">
-              <a14:hiddenLine xmlns:a14="http://schemas.microsoft.com/office/drawing/2010/main" xmlns="" w="9525">
+              <a14:hiddenLine xmlns="" xmlns:a14="http://schemas.microsoft.com/office/drawing/2010/main" w="9525">
                 <a:solidFill>
                   <a:schemeClr val="tx1"/>
                 </a:solidFill>
@@ -23642,7 +23355,7 @@
               </a14:hiddenLine>
             </a:ext>
             <a:ext uri="{AF507438-7753-43e0-B8FC-AC1667EBCBE1}">
-              <a14:hiddenEffects xmlns:a14="http://schemas.microsoft.com/office/drawing/2010/main" xmlns="">
+              <a14:hiddenEffects xmlns="" xmlns:a14="http://schemas.microsoft.com/office/drawing/2010/main">
                 <a:effectLst>
                   <a:outerShdw blurRad="63500" dist="38099" dir="2700000" algn="ctr" rotWithShape="0">
                     <a:schemeClr val="bg2">
@@ -23906,14 +23619,14 @@
               <ma14:placeholderFlag xmlns:ma14="http://schemas.microsoft.com/office/mac/drawingml/2011/main" val="1"/>
             </a:ext>
             <a:ext uri="{909E8E84-426E-40dd-AFC4-6F175D3DCCD1}">
-              <a14:hiddenFill xmlns:a14="http://schemas.microsoft.com/office/drawing/2010/main" xmlns="">
+              <a14:hiddenFill xmlns="" xmlns:a14="http://schemas.microsoft.com/office/drawing/2010/main">
                 <a:solidFill>
                   <a:schemeClr val="accent1"/>
                 </a:solidFill>
               </a14:hiddenFill>
             </a:ext>
             <a:ext uri="{91240B29-F687-4f45-9708-019B960494DF}">
-              <a14:hiddenLine xmlns:a14="http://schemas.microsoft.com/office/drawing/2010/main" xmlns="" w="9525">
+              <a14:hiddenLine xmlns="" xmlns:a14="http://schemas.microsoft.com/office/drawing/2010/main" w="9525">
                 <a:solidFill>
                   <a:schemeClr val="tx1"/>
                 </a:solidFill>
@@ -23923,7 +23636,7 @@
               </a14:hiddenLine>
             </a:ext>
             <a:ext uri="{AF507438-7753-43e0-B8FC-AC1667EBCBE1}">
-              <a14:hiddenEffects xmlns:a14="http://schemas.microsoft.com/office/drawing/2010/main" xmlns="">
+              <a14:hiddenEffects xmlns="" xmlns:a14="http://schemas.microsoft.com/office/drawing/2010/main">
                 <a:effectLst>
                   <a:outerShdw blurRad="63500" dist="38099" dir="2700000" algn="ctr" rotWithShape="0">
                     <a:schemeClr val="bg2">
@@ -24272,14 +23985,14 @@
               <ma14:placeholderFlag xmlns:ma14="http://schemas.microsoft.com/office/mac/drawingml/2011/main" val="1"/>
             </a:ext>
             <a:ext uri="{909E8E84-426E-40dd-AFC4-6F175D3DCCD1}">
-              <a14:hiddenFill xmlns:a14="http://schemas.microsoft.com/office/drawing/2010/main" xmlns="">
+              <a14:hiddenFill xmlns="" xmlns:a14="http://schemas.microsoft.com/office/drawing/2010/main">
                 <a:solidFill>
                   <a:schemeClr val="accent1"/>
                 </a:solidFill>
               </a14:hiddenFill>
             </a:ext>
             <a:ext uri="{91240B29-F687-4f45-9708-019B960494DF}">
-              <a14:hiddenLine xmlns:a14="http://schemas.microsoft.com/office/drawing/2010/main" xmlns="" w="9525">
+              <a14:hiddenLine xmlns="" xmlns:a14="http://schemas.microsoft.com/office/drawing/2010/main" w="9525">
                 <a:solidFill>
                   <a:schemeClr val="tx1"/>
                 </a:solidFill>
@@ -24289,7 +24002,7 @@
               </a14:hiddenLine>
             </a:ext>
             <a:ext uri="{AF507438-7753-43e0-B8FC-AC1667EBCBE1}">
-              <a14:hiddenEffects xmlns:a14="http://schemas.microsoft.com/office/drawing/2010/main" xmlns="">
+              <a14:hiddenEffects xmlns="" xmlns:a14="http://schemas.microsoft.com/office/drawing/2010/main">
                 <a:effectLst>
                   <a:outerShdw blurRad="63500" dist="38099" dir="2700000" algn="ctr" rotWithShape="0">
                     <a:schemeClr val="bg2">
@@ -24536,14 +24249,14 @@
               <ma14:placeholderFlag xmlns:ma14="http://schemas.microsoft.com/office/mac/drawingml/2011/main" val="1"/>
             </a:ext>
             <a:ext uri="{909E8E84-426E-40dd-AFC4-6F175D3DCCD1}">
-              <a14:hiddenFill xmlns:a14="http://schemas.microsoft.com/office/drawing/2010/main" xmlns="">
+              <a14:hiddenFill xmlns="" xmlns:a14="http://schemas.microsoft.com/office/drawing/2010/main">
                 <a:solidFill>
                   <a:schemeClr val="accent1"/>
                 </a:solidFill>
               </a14:hiddenFill>
             </a:ext>
             <a:ext uri="{91240B29-F687-4f45-9708-019B960494DF}">
-              <a14:hiddenLine xmlns:a14="http://schemas.microsoft.com/office/drawing/2010/main" xmlns="" w="9525">
+              <a14:hiddenLine xmlns="" xmlns:a14="http://schemas.microsoft.com/office/drawing/2010/main" w="9525">
                 <a:solidFill>
                   <a:schemeClr val="tx1"/>
                 </a:solidFill>
@@ -24553,7 +24266,7 @@
               </a14:hiddenLine>
             </a:ext>
             <a:ext uri="{AF507438-7753-43e0-B8FC-AC1667EBCBE1}">
-              <a14:hiddenEffects xmlns:a14="http://schemas.microsoft.com/office/drawing/2010/main" xmlns="">
+              <a14:hiddenEffects xmlns="" xmlns:a14="http://schemas.microsoft.com/office/drawing/2010/main">
                 <a:effectLst>
                   <a:outerShdw blurRad="63500" dist="38099" dir="2700000" algn="ctr" rotWithShape="0">
                     <a:schemeClr val="bg2">
@@ -24992,14 +24705,14 @@
               <ma14:placeholderFlag xmlns:ma14="http://schemas.microsoft.com/office/mac/drawingml/2011/main" val="1"/>
             </a:ext>
             <a:ext uri="{909E8E84-426E-40dd-AFC4-6F175D3DCCD1}">
-              <a14:hiddenFill xmlns:a14="http://schemas.microsoft.com/office/drawing/2010/main" xmlns="">
+              <a14:hiddenFill xmlns="" xmlns:a14="http://schemas.microsoft.com/office/drawing/2010/main">
                 <a:solidFill>
                   <a:schemeClr val="accent1"/>
                 </a:solidFill>
               </a14:hiddenFill>
             </a:ext>
             <a:ext uri="{91240B29-F687-4f45-9708-019B960494DF}">
-              <a14:hiddenLine xmlns:a14="http://schemas.microsoft.com/office/drawing/2010/main" xmlns="" w="9525">
+              <a14:hiddenLine xmlns="" xmlns:a14="http://schemas.microsoft.com/office/drawing/2010/main" w="9525">
                 <a:solidFill>
                   <a:schemeClr val="tx1"/>
                 </a:solidFill>
@@ -25009,7 +24722,7 @@
               </a14:hiddenLine>
             </a:ext>
             <a:ext uri="{AF507438-7753-43e0-B8FC-AC1667EBCBE1}">
-              <a14:hiddenEffects xmlns:a14="http://schemas.microsoft.com/office/drawing/2010/main" xmlns="">
+              <a14:hiddenEffects xmlns="" xmlns:a14="http://schemas.microsoft.com/office/drawing/2010/main">
                 <a:effectLst>
                   <a:outerShdw blurRad="63500" dist="38099" dir="2700000" algn="ctr" rotWithShape="0">
                     <a:schemeClr val="bg2">
@@ -25408,14 +25121,14 @@
               <ma14:placeholderFlag xmlns:ma14="http://schemas.microsoft.com/office/mac/drawingml/2011/main" val="1"/>
             </a:ext>
             <a:ext uri="{909E8E84-426E-40dd-AFC4-6F175D3DCCD1}">
-              <a14:hiddenFill xmlns:a14="http://schemas.microsoft.com/office/drawing/2010/main" xmlns="">
+              <a14:hiddenFill xmlns="" xmlns:a14="http://schemas.microsoft.com/office/drawing/2010/main">
                 <a:solidFill>
                   <a:schemeClr val="accent1"/>
                 </a:solidFill>
               </a14:hiddenFill>
             </a:ext>
             <a:ext uri="{91240B29-F687-4f45-9708-019B960494DF}">
-              <a14:hiddenLine xmlns:a14="http://schemas.microsoft.com/office/drawing/2010/main" xmlns="" w="9525">
+              <a14:hiddenLine xmlns="" xmlns:a14="http://schemas.microsoft.com/office/drawing/2010/main" w="9525">
                 <a:solidFill>
                   <a:schemeClr val="tx1"/>
                 </a:solidFill>
@@ -25425,7 +25138,7 @@
               </a14:hiddenLine>
             </a:ext>
             <a:ext uri="{AF507438-7753-43e0-B8FC-AC1667EBCBE1}">
-              <a14:hiddenEffects xmlns:a14="http://schemas.microsoft.com/office/drawing/2010/main" xmlns="">
+              <a14:hiddenEffects xmlns="" xmlns:a14="http://schemas.microsoft.com/office/drawing/2010/main">
                 <a:effectLst>
                   <a:outerShdw blurRad="63500" dist="38099" dir="2700000" algn="ctr" rotWithShape="0">
                     <a:schemeClr val="bg2">
@@ -25763,14 +25476,14 @@
               <ma14:placeholderFlag xmlns:ma14="http://schemas.microsoft.com/office/mac/drawingml/2011/main" val="1"/>
             </a:ext>
             <a:ext uri="{909E8E84-426E-40dd-AFC4-6F175D3DCCD1}">
-              <a14:hiddenFill xmlns:a14="http://schemas.microsoft.com/office/drawing/2010/main" xmlns="">
+              <a14:hiddenFill xmlns="" xmlns:a14="http://schemas.microsoft.com/office/drawing/2010/main">
                 <a:solidFill>
                   <a:schemeClr val="accent1"/>
                 </a:solidFill>
               </a14:hiddenFill>
             </a:ext>
             <a:ext uri="{91240B29-F687-4f45-9708-019B960494DF}">
-              <a14:hiddenLine xmlns:a14="http://schemas.microsoft.com/office/drawing/2010/main" xmlns="" w="9525">
+              <a14:hiddenLine xmlns="" xmlns:a14="http://schemas.microsoft.com/office/drawing/2010/main" w="9525">
                 <a:solidFill>
                   <a:schemeClr val="tx1"/>
                 </a:solidFill>
@@ -25780,7 +25493,7 @@
               </a14:hiddenLine>
             </a:ext>
             <a:ext uri="{AF507438-7753-43e0-B8FC-AC1667EBCBE1}">
-              <a14:hiddenEffects xmlns:a14="http://schemas.microsoft.com/office/drawing/2010/main" xmlns="">
+              <a14:hiddenEffects xmlns="" xmlns:a14="http://schemas.microsoft.com/office/drawing/2010/main">
                 <a:effectLst>
                   <a:outerShdw blurRad="63500" dist="38099" dir="2700000" algn="ctr" rotWithShape="0">
                     <a:schemeClr val="bg2">
@@ -26143,14 +25856,14 @@
               <ma14:placeholderFlag xmlns:ma14="http://schemas.microsoft.com/office/mac/drawingml/2011/main" val="1"/>
             </a:ext>
             <a:ext uri="{909E8E84-426E-40dd-AFC4-6F175D3DCCD1}">
-              <a14:hiddenFill xmlns:a14="http://schemas.microsoft.com/office/drawing/2010/main" xmlns="">
+              <a14:hiddenFill xmlns="" xmlns:a14="http://schemas.microsoft.com/office/drawing/2010/main">
                 <a:solidFill>
                   <a:schemeClr val="accent1"/>
                 </a:solidFill>
               </a14:hiddenFill>
             </a:ext>
             <a:ext uri="{91240B29-F687-4f45-9708-019B960494DF}">
-              <a14:hiddenLine xmlns:a14="http://schemas.microsoft.com/office/drawing/2010/main" xmlns="" w="9525">
+              <a14:hiddenLine xmlns="" xmlns:a14="http://schemas.microsoft.com/office/drawing/2010/main" w="9525">
                 <a:solidFill>
                   <a:schemeClr val="tx1"/>
                 </a:solidFill>
@@ -26160,7 +25873,7 @@
               </a14:hiddenLine>
             </a:ext>
             <a:ext uri="{AF507438-7753-43e0-B8FC-AC1667EBCBE1}">
-              <a14:hiddenEffects xmlns:a14="http://schemas.microsoft.com/office/drawing/2010/main" xmlns="">
+              <a14:hiddenEffects xmlns="" xmlns:a14="http://schemas.microsoft.com/office/drawing/2010/main">
                 <a:effectLst>
                   <a:outerShdw blurRad="63500" dist="38099" dir="2700000" algn="ctr" rotWithShape="0">
                     <a:schemeClr val="bg2">
@@ -26468,14 +26181,14 @@
               <ma14:placeholderFlag xmlns:ma14="http://schemas.microsoft.com/office/mac/drawingml/2011/main" val="1"/>
             </a:ext>
             <a:ext uri="{909E8E84-426E-40dd-AFC4-6F175D3DCCD1}">
-              <a14:hiddenFill xmlns:a14="http://schemas.microsoft.com/office/drawing/2010/main" xmlns="">
+              <a14:hiddenFill xmlns="" xmlns:a14="http://schemas.microsoft.com/office/drawing/2010/main">
                 <a:solidFill>
                   <a:schemeClr val="accent1"/>
                 </a:solidFill>
               </a14:hiddenFill>
             </a:ext>
             <a:ext uri="{91240B29-F687-4f45-9708-019B960494DF}">
-              <a14:hiddenLine xmlns:a14="http://schemas.microsoft.com/office/drawing/2010/main" xmlns="" w="9525">
+              <a14:hiddenLine xmlns="" xmlns:a14="http://schemas.microsoft.com/office/drawing/2010/main" w="9525">
                 <a:solidFill>
                   <a:schemeClr val="tx1"/>
                 </a:solidFill>
@@ -26485,7 +26198,7 @@
               </a14:hiddenLine>
             </a:ext>
             <a:ext uri="{AF507438-7753-43e0-B8FC-AC1667EBCBE1}">
-              <a14:hiddenEffects xmlns:a14="http://schemas.microsoft.com/office/drawing/2010/main" xmlns="">
+              <a14:hiddenEffects xmlns="" xmlns:a14="http://schemas.microsoft.com/office/drawing/2010/main">
                 <a:effectLst>
                   <a:outerShdw blurRad="63500" dist="38099" dir="2700000" algn="ctr" rotWithShape="0">
                     <a:schemeClr val="bg2">
@@ -27564,14 +27277,14 @@
           <a:effectLst/>
           <a:extLst>
             <a:ext uri="{909E8E84-426E-40dd-AFC4-6F175D3DCCD1}">
-              <a14:hiddenFill xmlns:a14="http://schemas.microsoft.com/office/drawing/2010/main" xmlns="">
+              <a14:hiddenFill xmlns="" xmlns:a14="http://schemas.microsoft.com/office/drawing/2010/main">
                 <a:solidFill>
                   <a:schemeClr val="accent1"/>
                 </a:solidFill>
               </a14:hiddenFill>
             </a:ext>
             <a:ext uri="{91240B29-F687-4f45-9708-019B960494DF}">
-              <a14:hiddenLine xmlns:a14="http://schemas.microsoft.com/office/drawing/2010/main" xmlns="" w="9525">
+              <a14:hiddenLine xmlns="" xmlns:a14="http://schemas.microsoft.com/office/drawing/2010/main" w="9525">
                 <a:solidFill>
                   <a:schemeClr val="tx1"/>
                 </a:solidFill>
@@ -27581,7 +27294,7 @@
               </a14:hiddenLine>
             </a:ext>
             <a:ext uri="{AF507438-7753-43e0-B8FC-AC1667EBCBE1}">
-              <a14:hiddenEffects xmlns:a14="http://schemas.microsoft.com/office/drawing/2010/main" xmlns="">
+              <a14:hiddenEffects xmlns="" xmlns:a14="http://schemas.microsoft.com/office/drawing/2010/main">
                 <a:effectLst>
                   <a:outerShdw blurRad="63500" dist="38099" dir="2700000" algn="ctr" rotWithShape="0">
                     <a:schemeClr val="bg2">
@@ -27669,14 +27382,14 @@
               <ma14:placeholderFlag xmlns:ma14="http://schemas.microsoft.com/office/mac/drawingml/2011/main" val="1"/>
             </a:ext>
             <a:ext uri="{909E8E84-426E-40dd-AFC4-6F175D3DCCD1}">
-              <a14:hiddenFill xmlns:a14="http://schemas.microsoft.com/office/drawing/2010/main" xmlns="">
+              <a14:hiddenFill xmlns="" xmlns:a14="http://schemas.microsoft.com/office/drawing/2010/main">
                 <a:solidFill>
                   <a:schemeClr val="accent1"/>
                 </a:solidFill>
               </a14:hiddenFill>
             </a:ext>
             <a:ext uri="{91240B29-F687-4f45-9708-019B960494DF}">
-              <a14:hiddenLine xmlns:a14="http://schemas.microsoft.com/office/drawing/2010/main" xmlns="" w="9525">
+              <a14:hiddenLine xmlns="" xmlns:a14="http://schemas.microsoft.com/office/drawing/2010/main" w="9525">
                 <a:solidFill>
                   <a:schemeClr val="tx1"/>
                 </a:solidFill>
@@ -27686,7 +27399,7 @@
               </a14:hiddenLine>
             </a:ext>
             <a:ext uri="{AF507438-7753-43e0-B8FC-AC1667EBCBE1}">
-              <a14:hiddenEffects xmlns:a14="http://schemas.microsoft.com/office/drawing/2010/main" xmlns="">
+              <a14:hiddenEffects xmlns="" xmlns:a14="http://schemas.microsoft.com/office/drawing/2010/main">
                 <a:effectLst>
                   <a:outerShdw blurRad="63500" dist="38099" dir="2700000" algn="ctr" rotWithShape="0">
                     <a:schemeClr val="bg2">
@@ -33502,7 +33215,7 @@
           <a:noFill/>
           <a:extLst>
             <a:ext uri="{909E8E84-426E-40dd-AFC4-6F175D3DCCD1}">
-              <a14:hiddenFill xmlns:a14="http://schemas.microsoft.com/office/drawing/2010/main" xmlns="">
+              <a14:hiddenFill xmlns="" xmlns:a14="http://schemas.microsoft.com/office/drawing/2010/main">
                 <a:solidFill>
                   <a:srgbClr val="FFFFFF"/>
                 </a:solidFill>
@@ -33553,7 +33266,7 @@
           <a:noFill/>
           <a:extLst>
             <a:ext uri="{909E8E84-426E-40dd-AFC4-6F175D3DCCD1}">
-              <a14:hiddenFill xmlns:a14="http://schemas.microsoft.com/office/drawing/2010/main" xmlns="">
+              <a14:hiddenFill xmlns="" xmlns:a14="http://schemas.microsoft.com/office/drawing/2010/main">
                 <a:solidFill>
                   <a:srgbClr val="FFFFFF"/>
                 </a:solidFill>
@@ -33585,14 +33298,14 @@
           <a:effectLst/>
           <a:extLst>
             <a:ext uri="{909E8E84-426E-40dd-AFC4-6F175D3DCCD1}">
-              <a14:hiddenFill xmlns:a14="http://schemas.microsoft.com/office/drawing/2010/main" xmlns="">
+              <a14:hiddenFill xmlns="" xmlns:a14="http://schemas.microsoft.com/office/drawing/2010/main">
                 <a:solidFill>
                   <a:schemeClr val="accent1"/>
                 </a:solidFill>
               </a14:hiddenFill>
             </a:ext>
             <a:ext uri="{91240B29-F687-4f45-9708-019B960494DF}">
-              <a14:hiddenLine xmlns:a14="http://schemas.microsoft.com/office/drawing/2010/main" xmlns="" w="9525">
+              <a14:hiddenLine xmlns="" xmlns:a14="http://schemas.microsoft.com/office/drawing/2010/main" w="9525">
                 <a:solidFill>
                   <a:schemeClr val="tx1"/>
                 </a:solidFill>
@@ -33602,7 +33315,7 @@
               </a14:hiddenLine>
             </a:ext>
             <a:ext uri="{AF507438-7753-43e0-B8FC-AC1667EBCBE1}">
-              <a14:hiddenEffects xmlns:a14="http://schemas.microsoft.com/office/drawing/2010/main" xmlns="">
+              <a14:hiddenEffects xmlns="" xmlns:a14="http://schemas.microsoft.com/office/drawing/2010/main">
                 <a:effectLst>
                   <a:outerShdw blurRad="63500" dist="38099" dir="2700000" algn="ctr" rotWithShape="0">
                     <a:schemeClr val="bg2">
@@ -33652,14 +33365,14 @@
           <a:effectLst/>
           <a:extLst>
             <a:ext uri="{909E8E84-426E-40dd-AFC4-6F175D3DCCD1}">
-              <a14:hiddenFill xmlns:a14="http://schemas.microsoft.com/office/drawing/2010/main" xmlns="">
+              <a14:hiddenFill xmlns="" xmlns:a14="http://schemas.microsoft.com/office/drawing/2010/main">
                 <a:solidFill>
                   <a:schemeClr val="accent1"/>
                 </a:solidFill>
               </a14:hiddenFill>
             </a:ext>
             <a:ext uri="{91240B29-F687-4f45-9708-019B960494DF}">
-              <a14:hiddenLine xmlns:a14="http://schemas.microsoft.com/office/drawing/2010/main" xmlns="" w="9525">
+              <a14:hiddenLine xmlns="" xmlns:a14="http://schemas.microsoft.com/office/drawing/2010/main" w="9525">
                 <a:solidFill>
                   <a:schemeClr val="tx1"/>
                 </a:solidFill>
@@ -33669,7 +33382,7 @@
               </a14:hiddenLine>
             </a:ext>
             <a:ext uri="{AF507438-7753-43e0-B8FC-AC1667EBCBE1}">
-              <a14:hiddenEffects xmlns:a14="http://schemas.microsoft.com/office/drawing/2010/main" xmlns="">
+              <a14:hiddenEffects xmlns="" xmlns:a14="http://schemas.microsoft.com/office/drawing/2010/main">
                 <a:effectLst>
                   <a:outerShdw blurRad="63500" dist="38099" dir="2700000" algn="ctr" rotWithShape="0">
                     <a:schemeClr val="bg2">
@@ -33718,14 +33431,14 @@
           <a:effectLst/>
           <a:extLst>
             <a:ext uri="{909E8E84-426E-40dd-AFC4-6F175D3DCCD1}">
-              <a14:hiddenFill xmlns:a14="http://schemas.microsoft.com/office/drawing/2010/main" xmlns="">
+              <a14:hiddenFill xmlns="" xmlns:a14="http://schemas.microsoft.com/office/drawing/2010/main">
                 <a:solidFill>
                   <a:schemeClr val="accent1"/>
                 </a:solidFill>
               </a14:hiddenFill>
             </a:ext>
             <a:ext uri="{91240B29-F687-4f45-9708-019B960494DF}">
-              <a14:hiddenLine xmlns:a14="http://schemas.microsoft.com/office/drawing/2010/main" xmlns="" w="9525">
+              <a14:hiddenLine xmlns="" xmlns:a14="http://schemas.microsoft.com/office/drawing/2010/main" w="9525">
                 <a:solidFill>
                   <a:schemeClr val="tx1"/>
                 </a:solidFill>
@@ -33735,7 +33448,7 @@
               </a14:hiddenLine>
             </a:ext>
             <a:ext uri="{AF507438-7753-43e0-B8FC-AC1667EBCBE1}">
-              <a14:hiddenEffects xmlns:a14="http://schemas.microsoft.com/office/drawing/2010/main" xmlns="">
+              <a14:hiddenEffects xmlns="" xmlns:a14="http://schemas.microsoft.com/office/drawing/2010/main">
                 <a:effectLst>
                   <a:outerShdw blurRad="63500" dist="38099" dir="2700000" algn="ctr" rotWithShape="0">
                     <a:schemeClr val="bg2">
@@ -33892,14 +33605,14 @@
           <a:effectLst/>
           <a:extLst>
             <a:ext uri="{909E8E84-426E-40dd-AFC4-6F175D3DCCD1}">
-              <a14:hiddenFill xmlns:a14="http://schemas.microsoft.com/office/drawing/2010/main" xmlns="">
+              <a14:hiddenFill xmlns="" xmlns:a14="http://schemas.microsoft.com/office/drawing/2010/main">
                 <a:solidFill>
                   <a:schemeClr val="accent1"/>
                 </a:solidFill>
               </a14:hiddenFill>
             </a:ext>
             <a:ext uri="{AF507438-7753-43e0-B8FC-AC1667EBCBE1}">
-              <a14:hiddenEffects xmlns:a14="http://schemas.microsoft.com/office/drawing/2010/main" xmlns="">
+              <a14:hiddenEffects xmlns="" xmlns:a14="http://schemas.microsoft.com/office/drawing/2010/main">
                 <a:effectLst>
                   <a:outerShdw blurRad="63500" dist="38099" dir="2700000" algn="ctr" rotWithShape="0">
                     <a:schemeClr val="bg2">
@@ -33959,14 +33672,14 @@
           <a:effectLst/>
           <a:extLst>
             <a:ext uri="{909E8E84-426E-40dd-AFC4-6F175D3DCCD1}">
-              <a14:hiddenFill xmlns:a14="http://schemas.microsoft.com/office/drawing/2010/main" xmlns="">
+              <a14:hiddenFill xmlns="" xmlns:a14="http://schemas.microsoft.com/office/drawing/2010/main">
                 <a:solidFill>
                   <a:schemeClr val="accent1"/>
                 </a:solidFill>
               </a14:hiddenFill>
             </a:ext>
             <a:ext uri="{91240B29-F687-4f45-9708-019B960494DF}">
-              <a14:hiddenLine xmlns:a14="http://schemas.microsoft.com/office/drawing/2010/main" xmlns="" w="9525">
+              <a14:hiddenLine xmlns="" xmlns:a14="http://schemas.microsoft.com/office/drawing/2010/main" w="9525">
                 <a:solidFill>
                   <a:schemeClr val="tx1"/>
                 </a:solidFill>
@@ -33976,7 +33689,7 @@
               </a14:hiddenLine>
             </a:ext>
             <a:ext uri="{AF507438-7753-43e0-B8FC-AC1667EBCBE1}">
-              <a14:hiddenEffects xmlns:a14="http://schemas.microsoft.com/office/drawing/2010/main" xmlns="">
+              <a14:hiddenEffects xmlns="" xmlns:a14="http://schemas.microsoft.com/office/drawing/2010/main">
                 <a:effectLst>
                   <a:outerShdw blurRad="63500" dist="38099" dir="2700000" algn="ctr" rotWithShape="0">
                     <a:schemeClr val="bg2">
@@ -34055,14 +33768,14 @@
           <a:effectLst/>
           <a:extLst>
             <a:ext uri="{909E8E84-426E-40dd-AFC4-6F175D3DCCD1}">
-              <a14:hiddenFill xmlns:a14="http://schemas.microsoft.com/office/drawing/2010/main" xmlns="">
+              <a14:hiddenFill xmlns="" xmlns:a14="http://schemas.microsoft.com/office/drawing/2010/main">
                 <a:solidFill>
                   <a:schemeClr val="accent1"/>
                 </a:solidFill>
               </a14:hiddenFill>
             </a:ext>
             <a:ext uri="{AF507438-7753-43e0-B8FC-AC1667EBCBE1}">
-              <a14:hiddenEffects xmlns:a14="http://schemas.microsoft.com/office/drawing/2010/main" xmlns="">
+              <a14:hiddenEffects xmlns="" xmlns:a14="http://schemas.microsoft.com/office/drawing/2010/main">
                 <a:effectLst>
                   <a:outerShdw blurRad="63500" dist="38099" dir="2700000" algn="ctr" rotWithShape="0">
                     <a:schemeClr val="bg2">
@@ -34105,14 +33818,14 @@
           <a:effectLst/>
           <a:extLst>
             <a:ext uri="{909E8E84-426E-40dd-AFC4-6F175D3DCCD1}">
-              <a14:hiddenFill xmlns:a14="http://schemas.microsoft.com/office/drawing/2010/main" xmlns="">
+              <a14:hiddenFill xmlns="" xmlns:a14="http://schemas.microsoft.com/office/drawing/2010/main">
                 <a:solidFill>
                   <a:schemeClr val="accent1"/>
                 </a:solidFill>
               </a14:hiddenFill>
             </a:ext>
             <a:ext uri="{91240B29-F687-4f45-9708-019B960494DF}">
-              <a14:hiddenLine xmlns:a14="http://schemas.microsoft.com/office/drawing/2010/main" xmlns="" w="9525">
+              <a14:hiddenLine xmlns="" xmlns:a14="http://schemas.microsoft.com/office/drawing/2010/main" w="9525">
                 <a:solidFill>
                   <a:schemeClr val="tx1"/>
                 </a:solidFill>
@@ -34122,7 +33835,7 @@
               </a14:hiddenLine>
             </a:ext>
             <a:ext uri="{AF507438-7753-43e0-B8FC-AC1667EBCBE1}">
-              <a14:hiddenEffects xmlns:a14="http://schemas.microsoft.com/office/drawing/2010/main" xmlns="">
+              <a14:hiddenEffects xmlns="" xmlns:a14="http://schemas.microsoft.com/office/drawing/2010/main">
                 <a:effectLst>
                   <a:outerShdw blurRad="63500" dist="38099" dir="2700000" algn="ctr" rotWithShape="0">
                     <a:schemeClr val="bg2">
@@ -34238,14 +33951,14 @@
           <a:effectLst/>
           <a:extLst>
             <a:ext uri="{909E8E84-426E-40dd-AFC4-6F175D3DCCD1}">
-              <a14:hiddenFill xmlns:a14="http://schemas.microsoft.com/office/drawing/2010/main" xmlns="">
+              <a14:hiddenFill xmlns="" xmlns:a14="http://schemas.microsoft.com/office/drawing/2010/main">
                 <a:solidFill>
                   <a:schemeClr val="accent1"/>
                 </a:solidFill>
               </a14:hiddenFill>
             </a:ext>
             <a:ext uri="{AF507438-7753-43e0-B8FC-AC1667EBCBE1}">
-              <a14:hiddenEffects xmlns:a14="http://schemas.microsoft.com/office/drawing/2010/main" xmlns="">
+              <a14:hiddenEffects xmlns="" xmlns:a14="http://schemas.microsoft.com/office/drawing/2010/main">
                 <a:effectLst>
                   <a:outerShdw blurRad="63500" dist="38099" dir="2700000" algn="ctr" rotWithShape="0">
                     <a:schemeClr val="bg2">
@@ -34288,14 +34001,14 @@
           <a:effectLst/>
           <a:extLst>
             <a:ext uri="{909E8E84-426E-40dd-AFC4-6F175D3DCCD1}">
-              <a14:hiddenFill xmlns:a14="http://schemas.microsoft.com/office/drawing/2010/main" xmlns="">
+              <a14:hiddenFill xmlns="" xmlns:a14="http://schemas.microsoft.com/office/drawing/2010/main">
                 <a:solidFill>
                   <a:schemeClr val="accent1"/>
                 </a:solidFill>
               </a14:hiddenFill>
             </a:ext>
             <a:ext uri="{91240B29-F687-4f45-9708-019B960494DF}">
-              <a14:hiddenLine xmlns:a14="http://schemas.microsoft.com/office/drawing/2010/main" xmlns="" w="9525">
+              <a14:hiddenLine xmlns="" xmlns:a14="http://schemas.microsoft.com/office/drawing/2010/main" w="9525">
                 <a:solidFill>
                   <a:schemeClr val="tx1"/>
                 </a:solidFill>
@@ -34305,7 +34018,7 @@
               </a14:hiddenLine>
             </a:ext>
             <a:ext uri="{AF507438-7753-43e0-B8FC-AC1667EBCBE1}">
-              <a14:hiddenEffects xmlns:a14="http://schemas.microsoft.com/office/drawing/2010/main" xmlns="">
+              <a14:hiddenEffects xmlns="" xmlns:a14="http://schemas.microsoft.com/office/drawing/2010/main">
                 <a:effectLst>
                   <a:outerShdw blurRad="63500" dist="38099" dir="2700000" algn="ctr" rotWithShape="0">
                     <a:schemeClr val="bg2">
@@ -34418,14 +34131,14 @@
           <a:effectLst/>
           <a:extLst>
             <a:ext uri="{909E8E84-426E-40dd-AFC4-6F175D3DCCD1}">
-              <a14:hiddenFill xmlns:a14="http://schemas.microsoft.com/office/drawing/2010/main" xmlns="">
+              <a14:hiddenFill xmlns="" xmlns:a14="http://schemas.microsoft.com/office/drawing/2010/main">
                 <a:solidFill>
                   <a:schemeClr val="accent1"/>
                 </a:solidFill>
               </a14:hiddenFill>
             </a:ext>
             <a:ext uri="{AF507438-7753-43e0-B8FC-AC1667EBCBE1}">
-              <a14:hiddenEffects xmlns:a14="http://schemas.microsoft.com/office/drawing/2010/main" xmlns="">
+              <a14:hiddenEffects xmlns="" xmlns:a14="http://schemas.microsoft.com/office/drawing/2010/main">
                 <a:effectLst>
                   <a:outerShdw blurRad="63500" dist="38099" dir="2700000" algn="ctr" rotWithShape="0">
                     <a:schemeClr val="bg2">
@@ -34515,14 +34228,14 @@
           <a:effectLst/>
           <a:extLst>
             <a:ext uri="{909E8E84-426E-40dd-AFC4-6F175D3DCCD1}">
-              <a14:hiddenFill xmlns:a14="http://schemas.microsoft.com/office/drawing/2010/main" xmlns="">
+              <a14:hiddenFill xmlns="" xmlns:a14="http://schemas.microsoft.com/office/drawing/2010/main">
                 <a:solidFill>
                   <a:schemeClr val="accent1"/>
                 </a:solidFill>
               </a14:hiddenFill>
             </a:ext>
             <a:ext uri="{91240B29-F687-4f45-9708-019B960494DF}">
-              <a14:hiddenLine xmlns:a14="http://schemas.microsoft.com/office/drawing/2010/main" xmlns="" w="9525">
+              <a14:hiddenLine xmlns="" xmlns:a14="http://schemas.microsoft.com/office/drawing/2010/main" w="9525">
                 <a:solidFill>
                   <a:schemeClr val="tx1"/>
                 </a:solidFill>
@@ -34532,7 +34245,7 @@
               </a14:hiddenLine>
             </a:ext>
             <a:ext uri="{AF507438-7753-43e0-B8FC-AC1667EBCBE1}">
-              <a14:hiddenEffects xmlns:a14="http://schemas.microsoft.com/office/drawing/2010/main" xmlns="">
+              <a14:hiddenEffects xmlns="" xmlns:a14="http://schemas.microsoft.com/office/drawing/2010/main">
                 <a:effectLst>
                   <a:outerShdw blurRad="63500" dist="38099" dir="2700000" algn="ctr" rotWithShape="0">
                     <a:schemeClr val="bg2">
@@ -34895,14 +34608,14 @@
               <a:effectLst/>
               <a:extLst>
                 <a:ext uri="{909E8E84-426E-40dd-AFC4-6F175D3DCCD1}">
-                  <a14:hiddenFill xmlns:a14="http://schemas.microsoft.com/office/drawing/2010/main" xmlns="">
+                  <a14:hiddenFill xmlns="" xmlns:a14="http://schemas.microsoft.com/office/drawing/2010/main">
                     <a:solidFill>
                       <a:schemeClr val="accent1"/>
                     </a:solidFill>
                   </a14:hiddenFill>
                 </a:ext>
                 <a:ext uri="{AF507438-7753-43e0-B8FC-AC1667EBCBE1}">
-                  <a14:hiddenEffects xmlns:a14="http://schemas.microsoft.com/office/drawing/2010/main" xmlns="">
+                  <a14:hiddenEffects xmlns="" xmlns:a14="http://schemas.microsoft.com/office/drawing/2010/main">
                     <a:effectLst>
                       <a:outerShdw blurRad="63500" dist="38099" dir="2700000" algn="ctr" rotWithShape="0">
                         <a:schemeClr val="bg2">
@@ -34984,14 +34697,14 @@
               <a:effectLst/>
               <a:extLst>
                 <a:ext uri="{909E8E84-426E-40dd-AFC4-6F175D3DCCD1}">
-                  <a14:hiddenFill xmlns:a14="http://schemas.microsoft.com/office/drawing/2010/main" xmlns="">
+                  <a14:hiddenFill xmlns="" xmlns:a14="http://schemas.microsoft.com/office/drawing/2010/main">
                     <a:solidFill>
                       <a:schemeClr val="accent1"/>
                     </a:solidFill>
                   </a14:hiddenFill>
                 </a:ext>
                 <a:ext uri="{AF507438-7753-43e0-B8FC-AC1667EBCBE1}">
-                  <a14:hiddenEffects xmlns:a14="http://schemas.microsoft.com/office/drawing/2010/main" xmlns="">
+                  <a14:hiddenEffects xmlns="" xmlns:a14="http://schemas.microsoft.com/office/drawing/2010/main">
                     <a:effectLst>
                       <a:outerShdw blurRad="63500" dist="38099" dir="2700000" algn="ctr" rotWithShape="0">
                         <a:schemeClr val="bg2">
@@ -35073,14 +34786,14 @@
               <a:effectLst/>
               <a:extLst>
                 <a:ext uri="{909E8E84-426E-40dd-AFC4-6F175D3DCCD1}">
-                  <a14:hiddenFill xmlns:a14="http://schemas.microsoft.com/office/drawing/2010/main" xmlns="">
+                  <a14:hiddenFill xmlns="" xmlns:a14="http://schemas.microsoft.com/office/drawing/2010/main">
                     <a:solidFill>
                       <a:schemeClr val="accent1"/>
                     </a:solidFill>
                   </a14:hiddenFill>
                 </a:ext>
                 <a:ext uri="{AF507438-7753-43e0-B8FC-AC1667EBCBE1}">
-                  <a14:hiddenEffects xmlns:a14="http://schemas.microsoft.com/office/drawing/2010/main" xmlns="">
+                  <a14:hiddenEffects xmlns="" xmlns:a14="http://schemas.microsoft.com/office/drawing/2010/main">
                     <a:effectLst>
                       <a:outerShdw blurRad="63500" dist="38099" dir="2700000" algn="ctr" rotWithShape="0">
                         <a:schemeClr val="bg2">
@@ -35162,14 +34875,14 @@
               <a:effectLst/>
               <a:extLst>
                 <a:ext uri="{909E8E84-426E-40dd-AFC4-6F175D3DCCD1}">
-                  <a14:hiddenFill xmlns:a14="http://schemas.microsoft.com/office/drawing/2010/main" xmlns="">
+                  <a14:hiddenFill xmlns="" xmlns:a14="http://schemas.microsoft.com/office/drawing/2010/main">
                     <a:solidFill>
                       <a:schemeClr val="accent1"/>
                     </a:solidFill>
                   </a14:hiddenFill>
                 </a:ext>
                 <a:ext uri="{AF507438-7753-43e0-B8FC-AC1667EBCBE1}">
-                  <a14:hiddenEffects xmlns:a14="http://schemas.microsoft.com/office/drawing/2010/main" xmlns="">
+                  <a14:hiddenEffects xmlns="" xmlns:a14="http://schemas.microsoft.com/office/drawing/2010/main">
                     <a:effectLst>
                       <a:outerShdw blurRad="63500" dist="38099" dir="2700000" algn="ctr" rotWithShape="0">
                         <a:schemeClr val="bg2">
@@ -35251,14 +34964,14 @@
               <a:effectLst/>
               <a:extLst>
                 <a:ext uri="{909E8E84-426E-40dd-AFC4-6F175D3DCCD1}">
-                  <a14:hiddenFill xmlns:a14="http://schemas.microsoft.com/office/drawing/2010/main" xmlns="">
+                  <a14:hiddenFill xmlns="" xmlns:a14="http://schemas.microsoft.com/office/drawing/2010/main">
                     <a:solidFill>
                       <a:schemeClr val="accent1"/>
                     </a:solidFill>
                   </a14:hiddenFill>
                 </a:ext>
                 <a:ext uri="{AF507438-7753-43e0-B8FC-AC1667EBCBE1}">
-                  <a14:hiddenEffects xmlns:a14="http://schemas.microsoft.com/office/drawing/2010/main" xmlns="">
+                  <a14:hiddenEffects xmlns="" xmlns:a14="http://schemas.microsoft.com/office/drawing/2010/main">
                     <a:effectLst>
                       <a:outerShdw blurRad="63500" dist="38099" dir="2700000" algn="ctr" rotWithShape="0">
                         <a:schemeClr val="bg2">
@@ -35340,14 +35053,14 @@
               <a:effectLst/>
               <a:extLst>
                 <a:ext uri="{909E8E84-426E-40dd-AFC4-6F175D3DCCD1}">
-                  <a14:hiddenFill xmlns:a14="http://schemas.microsoft.com/office/drawing/2010/main" xmlns="">
+                  <a14:hiddenFill xmlns="" xmlns:a14="http://schemas.microsoft.com/office/drawing/2010/main">
                     <a:solidFill>
                       <a:schemeClr val="accent1"/>
                     </a:solidFill>
                   </a14:hiddenFill>
                 </a:ext>
                 <a:ext uri="{AF507438-7753-43e0-B8FC-AC1667EBCBE1}">
-                  <a14:hiddenEffects xmlns:a14="http://schemas.microsoft.com/office/drawing/2010/main" xmlns="">
+                  <a14:hiddenEffects xmlns="" xmlns:a14="http://schemas.microsoft.com/office/drawing/2010/main">
                     <a:effectLst>
                       <a:outerShdw blurRad="63500" dist="38099" dir="2700000" algn="ctr" rotWithShape="0">
                         <a:schemeClr val="bg2">
@@ -35429,14 +35142,14 @@
               <a:effectLst/>
               <a:extLst>
                 <a:ext uri="{909E8E84-426E-40dd-AFC4-6F175D3DCCD1}">
-                  <a14:hiddenFill xmlns:a14="http://schemas.microsoft.com/office/drawing/2010/main" xmlns="">
+                  <a14:hiddenFill xmlns="" xmlns:a14="http://schemas.microsoft.com/office/drawing/2010/main">
                     <a:solidFill>
                       <a:schemeClr val="accent1"/>
                     </a:solidFill>
                   </a14:hiddenFill>
                 </a:ext>
                 <a:ext uri="{AF507438-7753-43e0-B8FC-AC1667EBCBE1}">
-                  <a14:hiddenEffects xmlns:a14="http://schemas.microsoft.com/office/drawing/2010/main" xmlns="">
+                  <a14:hiddenEffects xmlns="" xmlns:a14="http://schemas.microsoft.com/office/drawing/2010/main">
                     <a:effectLst>
                       <a:outerShdw blurRad="63500" dist="38099" dir="2700000" algn="ctr" rotWithShape="0">
                         <a:schemeClr val="bg2">
@@ -35518,14 +35231,14 @@
               <a:effectLst/>
               <a:extLst>
                 <a:ext uri="{909E8E84-426E-40dd-AFC4-6F175D3DCCD1}">
-                  <a14:hiddenFill xmlns:a14="http://schemas.microsoft.com/office/drawing/2010/main" xmlns="">
+                  <a14:hiddenFill xmlns="" xmlns:a14="http://schemas.microsoft.com/office/drawing/2010/main">
                     <a:solidFill>
                       <a:schemeClr val="accent1"/>
                     </a:solidFill>
                   </a14:hiddenFill>
                 </a:ext>
                 <a:ext uri="{AF507438-7753-43e0-B8FC-AC1667EBCBE1}">
-                  <a14:hiddenEffects xmlns:a14="http://schemas.microsoft.com/office/drawing/2010/main" xmlns="">
+                  <a14:hiddenEffects xmlns="" xmlns:a14="http://schemas.microsoft.com/office/drawing/2010/main">
                     <a:effectLst>
                       <a:outerShdw blurRad="63500" dist="38099" dir="2700000" algn="ctr" rotWithShape="0">
                         <a:schemeClr val="bg2">
@@ -35607,14 +35320,14 @@
               <a:effectLst/>
               <a:extLst>
                 <a:ext uri="{909E8E84-426E-40dd-AFC4-6F175D3DCCD1}">
-                  <a14:hiddenFill xmlns:a14="http://schemas.microsoft.com/office/drawing/2010/main" xmlns="">
+                  <a14:hiddenFill xmlns="" xmlns:a14="http://schemas.microsoft.com/office/drawing/2010/main">
                     <a:solidFill>
                       <a:schemeClr val="accent1"/>
                     </a:solidFill>
                   </a14:hiddenFill>
                 </a:ext>
                 <a:ext uri="{AF507438-7753-43e0-B8FC-AC1667EBCBE1}">
-                  <a14:hiddenEffects xmlns:a14="http://schemas.microsoft.com/office/drawing/2010/main" xmlns="">
+                  <a14:hiddenEffects xmlns="" xmlns:a14="http://schemas.microsoft.com/office/drawing/2010/main">
                     <a:effectLst>
                       <a:outerShdw blurRad="63500" dist="38099" dir="2700000" algn="ctr" rotWithShape="0">
                         <a:schemeClr val="bg2">
@@ -35696,14 +35409,14 @@
               <a:effectLst/>
               <a:extLst>
                 <a:ext uri="{909E8E84-426E-40dd-AFC4-6F175D3DCCD1}">
-                  <a14:hiddenFill xmlns:a14="http://schemas.microsoft.com/office/drawing/2010/main" xmlns="">
+                  <a14:hiddenFill xmlns="" xmlns:a14="http://schemas.microsoft.com/office/drawing/2010/main">
                     <a:solidFill>
                       <a:schemeClr val="accent1"/>
                     </a:solidFill>
                   </a14:hiddenFill>
                 </a:ext>
                 <a:ext uri="{AF507438-7753-43e0-B8FC-AC1667EBCBE1}">
-                  <a14:hiddenEffects xmlns:a14="http://schemas.microsoft.com/office/drawing/2010/main" xmlns="">
+                  <a14:hiddenEffects xmlns="" xmlns:a14="http://schemas.microsoft.com/office/drawing/2010/main">
                     <a:effectLst>
                       <a:outerShdw blurRad="63500" dist="38099" dir="2700000" algn="ctr" rotWithShape="0">
                         <a:schemeClr val="bg2">
@@ -35785,14 +35498,14 @@
               <a:effectLst/>
               <a:extLst>
                 <a:ext uri="{909E8E84-426E-40dd-AFC4-6F175D3DCCD1}">
-                  <a14:hiddenFill xmlns:a14="http://schemas.microsoft.com/office/drawing/2010/main" xmlns="">
+                  <a14:hiddenFill xmlns="" xmlns:a14="http://schemas.microsoft.com/office/drawing/2010/main">
                     <a:solidFill>
                       <a:schemeClr val="accent1"/>
                     </a:solidFill>
                   </a14:hiddenFill>
                 </a:ext>
                 <a:ext uri="{AF507438-7753-43e0-B8FC-AC1667EBCBE1}">
-                  <a14:hiddenEffects xmlns:a14="http://schemas.microsoft.com/office/drawing/2010/main" xmlns="">
+                  <a14:hiddenEffects xmlns="" xmlns:a14="http://schemas.microsoft.com/office/drawing/2010/main">
                     <a:effectLst>
                       <a:outerShdw blurRad="63500" dist="38099" dir="2700000" algn="ctr" rotWithShape="0">
                         <a:schemeClr val="bg2">
@@ -35874,14 +35587,14 @@
               <a:effectLst/>
               <a:extLst>
                 <a:ext uri="{909E8E84-426E-40dd-AFC4-6F175D3DCCD1}">
-                  <a14:hiddenFill xmlns:a14="http://schemas.microsoft.com/office/drawing/2010/main" xmlns="">
+                  <a14:hiddenFill xmlns="" xmlns:a14="http://schemas.microsoft.com/office/drawing/2010/main">
                     <a:solidFill>
                       <a:schemeClr val="accent1"/>
                     </a:solidFill>
                   </a14:hiddenFill>
                 </a:ext>
                 <a:ext uri="{AF507438-7753-43e0-B8FC-AC1667EBCBE1}">
-                  <a14:hiddenEffects xmlns:a14="http://schemas.microsoft.com/office/drawing/2010/main" xmlns="">
+                  <a14:hiddenEffects xmlns="" xmlns:a14="http://schemas.microsoft.com/office/drawing/2010/main">
                     <a:effectLst>
                       <a:outerShdw blurRad="63500" dist="38099" dir="2700000" algn="ctr" rotWithShape="0">
                         <a:schemeClr val="bg2">
@@ -35963,14 +35676,14 @@
               <a:effectLst/>
               <a:extLst>
                 <a:ext uri="{909E8E84-426E-40dd-AFC4-6F175D3DCCD1}">
-                  <a14:hiddenFill xmlns:a14="http://schemas.microsoft.com/office/drawing/2010/main" xmlns="">
+                  <a14:hiddenFill xmlns="" xmlns:a14="http://schemas.microsoft.com/office/drawing/2010/main">
                     <a:solidFill>
                       <a:schemeClr val="accent1"/>
                     </a:solidFill>
                   </a14:hiddenFill>
                 </a:ext>
                 <a:ext uri="{AF507438-7753-43e0-B8FC-AC1667EBCBE1}">
-                  <a14:hiddenEffects xmlns:a14="http://schemas.microsoft.com/office/drawing/2010/main" xmlns="">
+                  <a14:hiddenEffects xmlns="" xmlns:a14="http://schemas.microsoft.com/office/drawing/2010/main">
                     <a:effectLst>
                       <a:outerShdw blurRad="63500" dist="38099" dir="2700000" algn="ctr" rotWithShape="0">
                         <a:schemeClr val="bg2">
@@ -36052,14 +35765,14 @@
               <a:effectLst/>
               <a:extLst>
                 <a:ext uri="{909E8E84-426E-40dd-AFC4-6F175D3DCCD1}">
-                  <a14:hiddenFill xmlns:a14="http://schemas.microsoft.com/office/drawing/2010/main" xmlns="">
+                  <a14:hiddenFill xmlns="" xmlns:a14="http://schemas.microsoft.com/office/drawing/2010/main">
                     <a:solidFill>
                       <a:schemeClr val="accent1"/>
                     </a:solidFill>
                   </a14:hiddenFill>
                 </a:ext>
                 <a:ext uri="{AF507438-7753-43e0-B8FC-AC1667EBCBE1}">
-                  <a14:hiddenEffects xmlns:a14="http://schemas.microsoft.com/office/drawing/2010/main" xmlns="">
+                  <a14:hiddenEffects xmlns="" xmlns:a14="http://schemas.microsoft.com/office/drawing/2010/main">
                     <a:effectLst>
                       <a:outerShdw blurRad="63500" dist="38099" dir="2700000" algn="ctr" rotWithShape="0">
                         <a:schemeClr val="bg2">
@@ -36141,14 +35854,14 @@
               <a:effectLst/>
               <a:extLst>
                 <a:ext uri="{909E8E84-426E-40dd-AFC4-6F175D3DCCD1}">
-                  <a14:hiddenFill xmlns:a14="http://schemas.microsoft.com/office/drawing/2010/main" xmlns="">
+                  <a14:hiddenFill xmlns="" xmlns:a14="http://schemas.microsoft.com/office/drawing/2010/main">
                     <a:solidFill>
                       <a:schemeClr val="accent1"/>
                     </a:solidFill>
                   </a14:hiddenFill>
                 </a:ext>
                 <a:ext uri="{AF507438-7753-43e0-B8FC-AC1667EBCBE1}">
-                  <a14:hiddenEffects xmlns:a14="http://schemas.microsoft.com/office/drawing/2010/main" xmlns="">
+                  <a14:hiddenEffects xmlns="" xmlns:a14="http://schemas.microsoft.com/office/drawing/2010/main">
                     <a:effectLst>
                       <a:outerShdw blurRad="63500" dist="38099" dir="2700000" algn="ctr" rotWithShape="0">
                         <a:schemeClr val="bg2">
@@ -36230,14 +35943,14 @@
               <a:effectLst/>
               <a:extLst>
                 <a:ext uri="{909E8E84-426E-40dd-AFC4-6F175D3DCCD1}">
-                  <a14:hiddenFill xmlns:a14="http://schemas.microsoft.com/office/drawing/2010/main" xmlns="">
+                  <a14:hiddenFill xmlns="" xmlns:a14="http://schemas.microsoft.com/office/drawing/2010/main">
                     <a:solidFill>
                       <a:schemeClr val="accent1"/>
                     </a:solidFill>
                   </a14:hiddenFill>
                 </a:ext>
                 <a:ext uri="{AF507438-7753-43e0-B8FC-AC1667EBCBE1}">
-                  <a14:hiddenEffects xmlns:a14="http://schemas.microsoft.com/office/drawing/2010/main" xmlns="">
+                  <a14:hiddenEffects xmlns="" xmlns:a14="http://schemas.microsoft.com/office/drawing/2010/main">
                     <a:effectLst>
                       <a:outerShdw blurRad="63500" dist="38099" dir="2700000" algn="ctr" rotWithShape="0">
                         <a:schemeClr val="bg2">
@@ -36319,14 +36032,14 @@
               <a:effectLst/>
               <a:extLst>
                 <a:ext uri="{909E8E84-426E-40dd-AFC4-6F175D3DCCD1}">
-                  <a14:hiddenFill xmlns:a14="http://schemas.microsoft.com/office/drawing/2010/main" xmlns="">
+                  <a14:hiddenFill xmlns="" xmlns:a14="http://schemas.microsoft.com/office/drawing/2010/main">
                     <a:solidFill>
                       <a:schemeClr val="accent1"/>
                     </a:solidFill>
                   </a14:hiddenFill>
                 </a:ext>
                 <a:ext uri="{AF507438-7753-43e0-B8FC-AC1667EBCBE1}">
-                  <a14:hiddenEffects xmlns:a14="http://schemas.microsoft.com/office/drawing/2010/main" xmlns="">
+                  <a14:hiddenEffects xmlns="" xmlns:a14="http://schemas.microsoft.com/office/drawing/2010/main">
                     <a:effectLst>
                       <a:outerShdw blurRad="63500" dist="38099" dir="2700000" algn="ctr" rotWithShape="0">
                         <a:schemeClr val="bg2">
@@ -36408,14 +36121,14 @@
               <a:effectLst/>
               <a:extLst>
                 <a:ext uri="{909E8E84-426E-40dd-AFC4-6F175D3DCCD1}">
-                  <a14:hiddenFill xmlns:a14="http://schemas.microsoft.com/office/drawing/2010/main" xmlns="">
+                  <a14:hiddenFill xmlns="" xmlns:a14="http://schemas.microsoft.com/office/drawing/2010/main">
                     <a:solidFill>
                       <a:schemeClr val="accent1"/>
                     </a:solidFill>
                   </a14:hiddenFill>
                 </a:ext>
                 <a:ext uri="{AF507438-7753-43e0-B8FC-AC1667EBCBE1}">
-                  <a14:hiddenEffects xmlns:a14="http://schemas.microsoft.com/office/drawing/2010/main" xmlns="">
+                  <a14:hiddenEffects xmlns="" xmlns:a14="http://schemas.microsoft.com/office/drawing/2010/main">
                     <a:effectLst>
                       <a:outerShdw blurRad="63500" dist="38099" dir="2700000" algn="ctr" rotWithShape="0">
                         <a:schemeClr val="bg2">
@@ -36497,14 +36210,14 @@
               <a:effectLst/>
               <a:extLst>
                 <a:ext uri="{909E8E84-426E-40dd-AFC4-6F175D3DCCD1}">
-                  <a14:hiddenFill xmlns:a14="http://schemas.microsoft.com/office/drawing/2010/main" xmlns="">
+                  <a14:hiddenFill xmlns="" xmlns:a14="http://schemas.microsoft.com/office/drawing/2010/main">
                     <a:solidFill>
                       <a:schemeClr val="accent1"/>
                     </a:solidFill>
                   </a14:hiddenFill>
                 </a:ext>
                 <a:ext uri="{AF507438-7753-43e0-B8FC-AC1667EBCBE1}">
-                  <a14:hiddenEffects xmlns:a14="http://schemas.microsoft.com/office/drawing/2010/main" xmlns="">
+                  <a14:hiddenEffects xmlns="" xmlns:a14="http://schemas.microsoft.com/office/drawing/2010/main">
                     <a:effectLst>
                       <a:outerShdw blurRad="63500" dist="38099" dir="2700000" algn="ctr" rotWithShape="0">
                         <a:schemeClr val="bg2">
@@ -36586,14 +36299,14 @@
               <a:effectLst/>
               <a:extLst>
                 <a:ext uri="{909E8E84-426E-40dd-AFC4-6F175D3DCCD1}">
-                  <a14:hiddenFill xmlns:a14="http://schemas.microsoft.com/office/drawing/2010/main" xmlns="">
+                  <a14:hiddenFill xmlns="" xmlns:a14="http://schemas.microsoft.com/office/drawing/2010/main">
                     <a:solidFill>
                       <a:schemeClr val="accent1"/>
                     </a:solidFill>
                   </a14:hiddenFill>
                 </a:ext>
                 <a:ext uri="{AF507438-7753-43e0-B8FC-AC1667EBCBE1}">
-                  <a14:hiddenEffects xmlns:a14="http://schemas.microsoft.com/office/drawing/2010/main" xmlns="">
+                  <a14:hiddenEffects xmlns="" xmlns:a14="http://schemas.microsoft.com/office/drawing/2010/main">
                     <a:effectLst>
                       <a:outerShdw blurRad="63500" dist="38099" dir="2700000" algn="ctr" rotWithShape="0">
                         <a:schemeClr val="bg2">
@@ -36675,14 +36388,14 @@
               <a:effectLst/>
               <a:extLst>
                 <a:ext uri="{909E8E84-426E-40dd-AFC4-6F175D3DCCD1}">
-                  <a14:hiddenFill xmlns:a14="http://schemas.microsoft.com/office/drawing/2010/main" xmlns="">
+                  <a14:hiddenFill xmlns="" xmlns:a14="http://schemas.microsoft.com/office/drawing/2010/main">
                     <a:solidFill>
                       <a:schemeClr val="accent1"/>
                     </a:solidFill>
                   </a14:hiddenFill>
                 </a:ext>
                 <a:ext uri="{AF507438-7753-43e0-B8FC-AC1667EBCBE1}">
-                  <a14:hiddenEffects xmlns:a14="http://schemas.microsoft.com/office/drawing/2010/main" xmlns="">
+                  <a14:hiddenEffects xmlns="" xmlns:a14="http://schemas.microsoft.com/office/drawing/2010/main">
                     <a:effectLst>
                       <a:outerShdw blurRad="63500" dist="38099" dir="2700000" algn="ctr" rotWithShape="0">
                         <a:schemeClr val="bg2">
@@ -36764,14 +36477,14 @@
               <a:effectLst/>
               <a:extLst>
                 <a:ext uri="{909E8E84-426E-40dd-AFC4-6F175D3DCCD1}">
-                  <a14:hiddenFill xmlns:a14="http://schemas.microsoft.com/office/drawing/2010/main" xmlns="">
+                  <a14:hiddenFill xmlns="" xmlns:a14="http://schemas.microsoft.com/office/drawing/2010/main">
                     <a:solidFill>
                       <a:schemeClr val="accent1"/>
                     </a:solidFill>
                   </a14:hiddenFill>
                 </a:ext>
                 <a:ext uri="{AF507438-7753-43e0-B8FC-AC1667EBCBE1}">
-                  <a14:hiddenEffects xmlns:a14="http://schemas.microsoft.com/office/drawing/2010/main" xmlns="">
+                  <a14:hiddenEffects xmlns="" xmlns:a14="http://schemas.microsoft.com/office/drawing/2010/main">
                     <a:effectLst>
                       <a:outerShdw blurRad="63500" dist="38099" dir="2700000" algn="ctr" rotWithShape="0">
                         <a:schemeClr val="bg2">
@@ -36853,14 +36566,14 @@
               <a:effectLst/>
               <a:extLst>
                 <a:ext uri="{909E8E84-426E-40dd-AFC4-6F175D3DCCD1}">
-                  <a14:hiddenFill xmlns:a14="http://schemas.microsoft.com/office/drawing/2010/main" xmlns="">
+                  <a14:hiddenFill xmlns="" xmlns:a14="http://schemas.microsoft.com/office/drawing/2010/main">
                     <a:solidFill>
                       <a:schemeClr val="accent1"/>
                     </a:solidFill>
                   </a14:hiddenFill>
                 </a:ext>
                 <a:ext uri="{AF507438-7753-43e0-B8FC-AC1667EBCBE1}">
-                  <a14:hiddenEffects xmlns:a14="http://schemas.microsoft.com/office/drawing/2010/main" xmlns="">
+                  <a14:hiddenEffects xmlns="" xmlns:a14="http://schemas.microsoft.com/office/drawing/2010/main">
                     <a:effectLst>
                       <a:outerShdw blurRad="63500" dist="38099" dir="2700000" algn="ctr" rotWithShape="0">
                         <a:schemeClr val="bg2">
@@ -36909,12 +36622,12 @@
             <a:effectLst/>
             <a:extLst>
               <a:ext uri="{909E8E84-426E-40dd-AFC4-6F175D3DCCD1}">
-                <a14:hiddenFill xmlns:a14="http://schemas.microsoft.com/office/drawing/2010/main" xmlns="">
+                <a14:hiddenFill xmlns="" xmlns:a14="http://schemas.microsoft.com/office/drawing/2010/main">
                   <a:noFill/>
                 </a14:hiddenFill>
               </a:ext>
               <a:ext uri="{AF507438-7753-43e0-B8FC-AC1667EBCBE1}">
-                <a14:hiddenEffects xmlns:a14="http://schemas.microsoft.com/office/drawing/2010/main" xmlns="">
+                <a14:hiddenEffects xmlns="" xmlns:a14="http://schemas.microsoft.com/office/drawing/2010/main">
                   <a:effectLst>
                     <a:outerShdw blurRad="63500" dist="38099" dir="2700000" algn="ctr" rotWithShape="0">
                       <a:schemeClr val="bg2">
@@ -36962,12 +36675,12 @@
             <a:effectLst/>
             <a:extLst>
               <a:ext uri="{909E8E84-426E-40dd-AFC4-6F175D3DCCD1}">
-                <a14:hiddenFill xmlns:a14="http://schemas.microsoft.com/office/drawing/2010/main" xmlns="">
+                <a14:hiddenFill xmlns="" xmlns:a14="http://schemas.microsoft.com/office/drawing/2010/main">
                   <a:noFill/>
                 </a14:hiddenFill>
               </a:ext>
               <a:ext uri="{AF507438-7753-43e0-B8FC-AC1667EBCBE1}">
-                <a14:hiddenEffects xmlns:a14="http://schemas.microsoft.com/office/drawing/2010/main" xmlns="">
+                <a14:hiddenEffects xmlns="" xmlns:a14="http://schemas.microsoft.com/office/drawing/2010/main">
                   <a:effectLst>
                     <a:outerShdw blurRad="63500" dist="38099" dir="2700000" algn="ctr" rotWithShape="0">
                       <a:schemeClr val="bg2">
@@ -37015,12 +36728,12 @@
             <a:effectLst/>
             <a:extLst>
               <a:ext uri="{909E8E84-426E-40dd-AFC4-6F175D3DCCD1}">
-                <a14:hiddenFill xmlns:a14="http://schemas.microsoft.com/office/drawing/2010/main" xmlns="">
+                <a14:hiddenFill xmlns="" xmlns:a14="http://schemas.microsoft.com/office/drawing/2010/main">
                   <a:noFill/>
                 </a14:hiddenFill>
               </a:ext>
               <a:ext uri="{AF507438-7753-43e0-B8FC-AC1667EBCBE1}">
-                <a14:hiddenEffects xmlns:a14="http://schemas.microsoft.com/office/drawing/2010/main" xmlns="">
+                <a14:hiddenEffects xmlns="" xmlns:a14="http://schemas.microsoft.com/office/drawing/2010/main">
                   <a:effectLst>
                     <a:outerShdw blurRad="63500" dist="38099" dir="2700000" algn="ctr" rotWithShape="0">
                       <a:schemeClr val="bg2">
@@ -37420,14 +37133,14 @@
           <a:effectLst/>
           <a:extLst>
             <a:ext uri="{909E8E84-426E-40dd-AFC4-6F175D3DCCD1}">
-              <a14:hiddenFill xmlns:a14="http://schemas.microsoft.com/office/drawing/2010/main" xmlns="">
+              <a14:hiddenFill xmlns="" xmlns:a14="http://schemas.microsoft.com/office/drawing/2010/main">
                 <a:solidFill>
                   <a:schemeClr val="accent1"/>
                 </a:solidFill>
               </a14:hiddenFill>
             </a:ext>
             <a:ext uri="{91240B29-F687-4f45-9708-019B960494DF}">
-              <a14:hiddenLine xmlns:a14="http://schemas.microsoft.com/office/drawing/2010/main" xmlns="" w="9525">
+              <a14:hiddenLine xmlns="" xmlns:a14="http://schemas.microsoft.com/office/drawing/2010/main" w="9525">
                 <a:solidFill>
                   <a:schemeClr val="tx1"/>
                 </a:solidFill>
@@ -37437,7 +37150,7 @@
               </a14:hiddenLine>
             </a:ext>
             <a:ext uri="{AF507438-7753-43e0-B8FC-AC1667EBCBE1}">
-              <a14:hiddenEffects xmlns:a14="http://schemas.microsoft.com/office/drawing/2010/main" xmlns="">
+              <a14:hiddenEffects xmlns="" xmlns:a14="http://schemas.microsoft.com/office/drawing/2010/main">
                 <a:effectLst>
                   <a:outerShdw blurRad="63500" dist="38099" dir="2700000" algn="ctr" rotWithShape="0">
                     <a:schemeClr val="bg2">
@@ -37849,14 +37562,14 @@
           <a:effectLst/>
           <a:extLst>
             <a:ext uri="{909E8E84-426E-40dd-AFC4-6F175D3DCCD1}">
-              <a14:hiddenFill xmlns:a14="http://schemas.microsoft.com/office/drawing/2010/main" xmlns="">
+              <a14:hiddenFill xmlns="" xmlns:a14="http://schemas.microsoft.com/office/drawing/2010/main">
                 <a:solidFill>
                   <a:schemeClr val="accent1"/>
                 </a:solidFill>
               </a14:hiddenFill>
             </a:ext>
             <a:ext uri="{91240B29-F687-4f45-9708-019B960494DF}">
-              <a14:hiddenLine xmlns:a14="http://schemas.microsoft.com/office/drawing/2010/main" xmlns="" w="9525">
+              <a14:hiddenLine xmlns="" xmlns:a14="http://schemas.microsoft.com/office/drawing/2010/main" w="9525">
                 <a:solidFill>
                   <a:schemeClr val="tx1"/>
                 </a:solidFill>
@@ -37866,7 +37579,7 @@
               </a14:hiddenLine>
             </a:ext>
             <a:ext uri="{AF507438-7753-43e0-B8FC-AC1667EBCBE1}">
-              <a14:hiddenEffects xmlns:a14="http://schemas.microsoft.com/office/drawing/2010/main" xmlns="">
+              <a14:hiddenEffects xmlns="" xmlns:a14="http://schemas.microsoft.com/office/drawing/2010/main">
                 <a:effectLst>
                   <a:outerShdw blurRad="63500" dist="38099" dir="2700000" algn="ctr" rotWithShape="0">
                     <a:schemeClr val="bg2">
@@ -38278,14 +37991,14 @@
           <a:effectLst/>
           <a:extLst>
             <a:ext uri="{909E8E84-426E-40dd-AFC4-6F175D3DCCD1}">
-              <a14:hiddenFill xmlns:a14="http://schemas.microsoft.com/office/drawing/2010/main" xmlns="">
+              <a14:hiddenFill xmlns="" xmlns:a14="http://schemas.microsoft.com/office/drawing/2010/main">
                 <a:solidFill>
                   <a:schemeClr val="accent1"/>
                 </a:solidFill>
               </a14:hiddenFill>
             </a:ext>
             <a:ext uri="{91240B29-F687-4f45-9708-019B960494DF}">
-              <a14:hiddenLine xmlns:a14="http://schemas.microsoft.com/office/drawing/2010/main" xmlns="" w="9525">
+              <a14:hiddenLine xmlns="" xmlns:a14="http://schemas.microsoft.com/office/drawing/2010/main" w="9525">
                 <a:solidFill>
                   <a:schemeClr val="tx1"/>
                 </a:solidFill>
@@ -38295,7 +38008,7 @@
               </a14:hiddenLine>
             </a:ext>
             <a:ext uri="{AF507438-7753-43e0-B8FC-AC1667EBCBE1}">
-              <a14:hiddenEffects xmlns:a14="http://schemas.microsoft.com/office/drawing/2010/main" xmlns="">
+              <a14:hiddenEffects xmlns="" xmlns:a14="http://schemas.microsoft.com/office/drawing/2010/main">
                 <a:effectLst>
                   <a:outerShdw blurRad="63500" dist="38099" dir="2700000" algn="ctr" rotWithShape="0">
                     <a:schemeClr val="bg2">
@@ -38351,14 +38064,14 @@
           <a:effectLst/>
           <a:extLst>
             <a:ext uri="{909E8E84-426E-40dd-AFC4-6F175D3DCCD1}">
-              <a14:hiddenFill xmlns:a14="http://schemas.microsoft.com/office/drawing/2010/main" xmlns="">
+              <a14:hiddenFill xmlns="" xmlns:a14="http://schemas.microsoft.com/office/drawing/2010/main">
                 <a:solidFill>
                   <a:schemeClr val="accent1"/>
                 </a:solidFill>
               </a14:hiddenFill>
             </a:ext>
             <a:ext uri="{91240B29-F687-4f45-9708-019B960494DF}">
-              <a14:hiddenLine xmlns:a14="http://schemas.microsoft.com/office/drawing/2010/main" xmlns="" w="9525">
+              <a14:hiddenLine xmlns="" xmlns:a14="http://schemas.microsoft.com/office/drawing/2010/main" w="9525">
                 <a:solidFill>
                   <a:schemeClr val="tx1"/>
                 </a:solidFill>
@@ -38368,7 +38081,7 @@
               </a14:hiddenLine>
             </a:ext>
             <a:ext uri="{AF507438-7753-43e0-B8FC-AC1667EBCBE1}">
-              <a14:hiddenEffects xmlns:a14="http://schemas.microsoft.com/office/drawing/2010/main" xmlns="">
+              <a14:hiddenEffects xmlns="" xmlns:a14="http://schemas.microsoft.com/office/drawing/2010/main">
                 <a:effectLst>
                   <a:outerShdw blurRad="63500" dist="38099" dir="2700000" algn="ctr" rotWithShape="0">
                     <a:schemeClr val="bg2">
@@ -38416,14 +38129,14 @@
           <a:effectLst/>
           <a:extLst>
             <a:ext uri="{909E8E84-426E-40dd-AFC4-6F175D3DCCD1}">
-              <a14:hiddenFill xmlns:a14="http://schemas.microsoft.com/office/drawing/2010/main" xmlns="">
+              <a14:hiddenFill xmlns="" xmlns:a14="http://schemas.microsoft.com/office/drawing/2010/main">
                 <a:solidFill>
                   <a:schemeClr val="accent1"/>
                 </a:solidFill>
               </a14:hiddenFill>
             </a:ext>
             <a:ext uri="{91240B29-F687-4f45-9708-019B960494DF}">
-              <a14:hiddenLine xmlns:a14="http://schemas.microsoft.com/office/drawing/2010/main" xmlns="" w="9525">
+              <a14:hiddenLine xmlns="" xmlns:a14="http://schemas.microsoft.com/office/drawing/2010/main" w="9525">
                 <a:solidFill>
                   <a:schemeClr val="tx1"/>
                 </a:solidFill>
@@ -38433,7 +38146,7 @@
               </a14:hiddenLine>
             </a:ext>
             <a:ext uri="{AF507438-7753-43e0-B8FC-AC1667EBCBE1}">
-              <a14:hiddenEffects xmlns:a14="http://schemas.microsoft.com/office/drawing/2010/main" xmlns="">
+              <a14:hiddenEffects xmlns="" xmlns:a14="http://schemas.microsoft.com/office/drawing/2010/main">
                 <a:effectLst>
                   <a:outerShdw blurRad="63500" dist="38099" dir="2700000" algn="ctr" rotWithShape="0">
                     <a:schemeClr val="bg2">
@@ -38481,14 +38194,14 @@
           <a:effectLst/>
           <a:extLst>
             <a:ext uri="{909E8E84-426E-40dd-AFC4-6F175D3DCCD1}">
-              <a14:hiddenFill xmlns:a14="http://schemas.microsoft.com/office/drawing/2010/main" xmlns="">
+              <a14:hiddenFill xmlns="" xmlns:a14="http://schemas.microsoft.com/office/drawing/2010/main">
                 <a:solidFill>
                   <a:schemeClr val="accent1"/>
                 </a:solidFill>
               </a14:hiddenFill>
             </a:ext>
             <a:ext uri="{91240B29-F687-4f45-9708-019B960494DF}">
-              <a14:hiddenLine xmlns:a14="http://schemas.microsoft.com/office/drawing/2010/main" xmlns="" w="9525">
+              <a14:hiddenLine xmlns="" xmlns:a14="http://schemas.microsoft.com/office/drawing/2010/main" w="9525">
                 <a:solidFill>
                   <a:schemeClr val="tx1"/>
                 </a:solidFill>
@@ -38498,7 +38211,7 @@
               </a14:hiddenLine>
             </a:ext>
             <a:ext uri="{AF507438-7753-43e0-B8FC-AC1667EBCBE1}">
-              <a14:hiddenEffects xmlns:a14="http://schemas.microsoft.com/office/drawing/2010/main" xmlns="">
+              <a14:hiddenEffects xmlns="" xmlns:a14="http://schemas.microsoft.com/office/drawing/2010/main">
                 <a:effectLst>
                   <a:outerShdw blurRad="63500" dist="38099" dir="2700000" algn="ctr" rotWithShape="0">
                     <a:schemeClr val="bg2">
@@ -38634,7 +38347,7 @@
           <a:noFill/>
           <a:extLst>
             <a:ext uri="{909E8E84-426E-40dd-AFC4-6F175D3DCCD1}">
-              <a14:hiddenFill xmlns:a14="http://schemas.microsoft.com/office/drawing/2010/main" xmlns="">
+              <a14:hiddenFill xmlns="" xmlns:a14="http://schemas.microsoft.com/office/drawing/2010/main">
                 <a:solidFill>
                   <a:srgbClr val="FFFFFF"/>
                 </a:solidFill>
@@ -38675,7 +38388,7 @@
           <a:noFill/>
           <a:extLst>
             <a:ext uri="{909E8E84-426E-40dd-AFC4-6F175D3DCCD1}">
-              <a14:hiddenFill xmlns:a14="http://schemas.microsoft.com/office/drawing/2010/main" xmlns="">
+              <a14:hiddenFill xmlns="" xmlns:a14="http://schemas.microsoft.com/office/drawing/2010/main">
                 <a:solidFill>
                   <a:srgbClr val="FFFFFF"/>
                 </a:solidFill>
@@ -38716,7 +38429,7 @@
           <a:noFill/>
           <a:extLst>
             <a:ext uri="{909E8E84-426E-40dd-AFC4-6F175D3DCCD1}">
-              <a14:hiddenFill xmlns:a14="http://schemas.microsoft.com/office/drawing/2010/main" xmlns="">
+              <a14:hiddenFill xmlns="" xmlns:a14="http://schemas.microsoft.com/office/drawing/2010/main">
                 <a:solidFill>
                   <a:srgbClr val="FFFFFF"/>
                 </a:solidFill>
@@ -38748,14 +38461,14 @@
           <a:effectLst/>
           <a:extLst>
             <a:ext uri="{909E8E84-426E-40dd-AFC4-6F175D3DCCD1}">
-              <a14:hiddenFill xmlns:a14="http://schemas.microsoft.com/office/drawing/2010/main" xmlns="">
+              <a14:hiddenFill xmlns="" xmlns:a14="http://schemas.microsoft.com/office/drawing/2010/main">
                 <a:solidFill>
                   <a:schemeClr val="accent1"/>
                 </a:solidFill>
               </a14:hiddenFill>
             </a:ext>
             <a:ext uri="{91240B29-F687-4f45-9708-019B960494DF}">
-              <a14:hiddenLine xmlns:a14="http://schemas.microsoft.com/office/drawing/2010/main" xmlns="" w="9525">
+              <a14:hiddenLine xmlns="" xmlns:a14="http://schemas.microsoft.com/office/drawing/2010/main" w="9525">
                 <a:solidFill>
                   <a:schemeClr val="tx1"/>
                 </a:solidFill>
@@ -38765,7 +38478,7 @@
               </a14:hiddenLine>
             </a:ext>
             <a:ext uri="{AF507438-7753-43e0-B8FC-AC1667EBCBE1}">
-              <a14:hiddenEffects xmlns:a14="http://schemas.microsoft.com/office/drawing/2010/main" xmlns="">
+              <a14:hiddenEffects xmlns="" xmlns:a14="http://schemas.microsoft.com/office/drawing/2010/main">
                 <a:effectLst>
                   <a:outerShdw blurRad="63500" dist="38099" dir="2700000" algn="ctr" rotWithShape="0">
                     <a:schemeClr val="bg2">
@@ -38898,7 +38611,7 @@
           <a:effectLst/>
           <a:extLst>
             <a:ext uri="{91240B29-F687-4f45-9708-019B960494DF}">
-              <a14:hiddenLine xmlns:a14="http://schemas.microsoft.com/office/drawing/2010/main" xmlns="" w="9525">
+              <a14:hiddenLine xmlns="" xmlns:a14="http://schemas.microsoft.com/office/drawing/2010/main" w="9525">
                 <a:solidFill>
                   <a:schemeClr val="tx1"/>
                 </a:solidFill>
@@ -38908,7 +38621,7 @@
               </a14:hiddenLine>
             </a:ext>
             <a:ext uri="{AF507438-7753-43e0-B8FC-AC1667EBCBE1}">
-              <a14:hiddenEffects xmlns:a14="http://schemas.microsoft.com/office/drawing/2010/main" xmlns="">
+              <a14:hiddenEffects xmlns="" xmlns:a14="http://schemas.microsoft.com/office/drawing/2010/main">
                 <a:effectLst>
                   <a:outerShdw blurRad="63500" dist="38099" dir="2700000" algn="ctr" rotWithShape="0">
                     <a:schemeClr val="bg2">
@@ -38960,12 +38673,12 @@
           <a:effectLst/>
           <a:extLst>
             <a:ext uri="{909E8E84-426E-40dd-AFC4-6F175D3DCCD1}">
-              <a14:hiddenFill xmlns:a14="http://schemas.microsoft.com/office/drawing/2010/main" xmlns="">
+              <a14:hiddenFill xmlns="" xmlns:a14="http://schemas.microsoft.com/office/drawing/2010/main">
                 <a:noFill/>
               </a14:hiddenFill>
             </a:ext>
             <a:ext uri="{AF507438-7753-43e0-B8FC-AC1667EBCBE1}">
-              <a14:hiddenEffects xmlns:a14="http://schemas.microsoft.com/office/drawing/2010/main" xmlns="">
+              <a14:hiddenEffects xmlns="" xmlns:a14="http://schemas.microsoft.com/office/drawing/2010/main">
                 <a:effectLst>
                   <a:outerShdw blurRad="63500" dist="38099" dir="2700000" algn="ctr" rotWithShape="0">
                     <a:schemeClr val="bg2">
@@ -39013,12 +38726,12 @@
           <a:effectLst/>
           <a:extLst>
             <a:ext uri="{909E8E84-426E-40dd-AFC4-6F175D3DCCD1}">
-              <a14:hiddenFill xmlns:a14="http://schemas.microsoft.com/office/drawing/2010/main" xmlns="">
+              <a14:hiddenFill xmlns="" xmlns:a14="http://schemas.microsoft.com/office/drawing/2010/main">
                 <a:noFill/>
               </a14:hiddenFill>
             </a:ext>
             <a:ext uri="{AF507438-7753-43e0-B8FC-AC1667EBCBE1}">
-              <a14:hiddenEffects xmlns:a14="http://schemas.microsoft.com/office/drawing/2010/main" xmlns="">
+              <a14:hiddenEffects xmlns="" xmlns:a14="http://schemas.microsoft.com/office/drawing/2010/main">
                 <a:effectLst>
                   <a:outerShdw blurRad="63500" dist="38099" dir="2700000" algn="ctr" rotWithShape="0">
                     <a:schemeClr val="bg2">
@@ -39961,14 +39674,14 @@
               <ma14:placeholderFlag xmlns:ma14="http://schemas.microsoft.com/office/mac/drawingml/2011/main" val="1"/>
             </a:ext>
             <a:ext uri="{909E8E84-426E-40dd-AFC4-6F175D3DCCD1}">
-              <a14:hiddenFill xmlns:a14="http://schemas.microsoft.com/office/drawing/2010/main" xmlns="">
+              <a14:hiddenFill xmlns="" xmlns:a14="http://schemas.microsoft.com/office/drawing/2010/main">
                 <a:solidFill>
                   <a:schemeClr val="accent1"/>
                 </a:solidFill>
               </a14:hiddenFill>
             </a:ext>
             <a:ext uri="{91240B29-F687-4f45-9708-019B960494DF}">
-              <a14:hiddenLine xmlns:a14="http://schemas.microsoft.com/office/drawing/2010/main" xmlns="" w="9525">
+              <a14:hiddenLine xmlns="" xmlns:a14="http://schemas.microsoft.com/office/drawing/2010/main" w="9525">
                 <a:solidFill>
                   <a:schemeClr val="tx1"/>
                 </a:solidFill>
@@ -39978,7 +39691,7 @@
               </a14:hiddenLine>
             </a:ext>
             <a:ext uri="{AF507438-7753-43e0-B8FC-AC1667EBCBE1}">
-              <a14:hiddenEffects xmlns:a14="http://schemas.microsoft.com/office/drawing/2010/main" xmlns="">
+              <a14:hiddenEffects xmlns="" xmlns:a14="http://schemas.microsoft.com/office/drawing/2010/main">
                 <a:effectLst>
                   <a:outerShdw blurRad="63500" dist="38099" dir="2700000" algn="ctr" rotWithShape="0">
                     <a:schemeClr val="bg2">
@@ -40743,14 +40456,14 @@
           <a:effectLst/>
           <a:extLst>
             <a:ext uri="{909E8E84-426E-40dd-AFC4-6F175D3DCCD1}">
-              <a14:hiddenFill xmlns:a14="http://schemas.microsoft.com/office/drawing/2010/main" xmlns="">
+              <a14:hiddenFill xmlns="" xmlns:a14="http://schemas.microsoft.com/office/drawing/2010/main">
                 <a:solidFill>
                   <a:schemeClr val="accent1"/>
                 </a:solidFill>
               </a14:hiddenFill>
             </a:ext>
             <a:ext uri="{AF507438-7753-43e0-B8FC-AC1667EBCBE1}">
-              <a14:hiddenEffects xmlns:a14="http://schemas.microsoft.com/office/drawing/2010/main" xmlns="">
+              <a14:hiddenEffects xmlns="" xmlns:a14="http://schemas.microsoft.com/office/drawing/2010/main">
                 <a:effectLst>
                   <a:outerShdw blurRad="63500" dist="38099" dir="2700000" algn="ctr" rotWithShape="0">
                     <a:schemeClr val="bg2">
@@ -40810,14 +40523,14 @@
           <a:effectLst/>
           <a:extLst>
             <a:ext uri="{909E8E84-426E-40dd-AFC4-6F175D3DCCD1}">
-              <a14:hiddenFill xmlns:a14="http://schemas.microsoft.com/office/drawing/2010/main" xmlns="">
+              <a14:hiddenFill xmlns="" xmlns:a14="http://schemas.microsoft.com/office/drawing/2010/main">
                 <a:solidFill>
                   <a:schemeClr val="accent1"/>
                 </a:solidFill>
               </a14:hiddenFill>
             </a:ext>
             <a:ext uri="{91240B29-F687-4f45-9708-019B960494DF}">
-              <a14:hiddenLine xmlns:a14="http://schemas.microsoft.com/office/drawing/2010/main" xmlns="" w="9525">
+              <a14:hiddenLine xmlns="" xmlns:a14="http://schemas.microsoft.com/office/drawing/2010/main" w="9525">
                 <a:solidFill>
                   <a:schemeClr val="tx1"/>
                 </a:solidFill>
@@ -40827,7 +40540,7 @@
               </a14:hiddenLine>
             </a:ext>
             <a:ext uri="{AF507438-7753-43e0-B8FC-AC1667EBCBE1}">
-              <a14:hiddenEffects xmlns:a14="http://schemas.microsoft.com/office/drawing/2010/main" xmlns="">
+              <a14:hiddenEffects xmlns="" xmlns:a14="http://schemas.microsoft.com/office/drawing/2010/main">
                 <a:effectLst>
                   <a:outerShdw blurRad="63500" dist="38099" dir="2700000" algn="ctr" rotWithShape="0">
                     <a:schemeClr val="bg2">
@@ -40906,14 +40619,14 @@
           <a:effectLst/>
           <a:extLst>
             <a:ext uri="{909E8E84-426E-40dd-AFC4-6F175D3DCCD1}">
-              <a14:hiddenFill xmlns:a14="http://schemas.microsoft.com/office/drawing/2010/main" xmlns="">
+              <a14:hiddenFill xmlns="" xmlns:a14="http://schemas.microsoft.com/office/drawing/2010/main">
                 <a:solidFill>
                   <a:schemeClr val="accent1"/>
                 </a:solidFill>
               </a14:hiddenFill>
             </a:ext>
             <a:ext uri="{AF507438-7753-43e0-B8FC-AC1667EBCBE1}">
-              <a14:hiddenEffects xmlns:a14="http://schemas.microsoft.com/office/drawing/2010/main" xmlns="">
+              <a14:hiddenEffects xmlns="" xmlns:a14="http://schemas.microsoft.com/office/drawing/2010/main">
                 <a:effectLst>
                   <a:outerShdw blurRad="63500" dist="38099" dir="2700000" algn="ctr" rotWithShape="0">
                     <a:schemeClr val="bg2">
@@ -40956,14 +40669,14 @@
           <a:effectLst/>
           <a:extLst>
             <a:ext uri="{909E8E84-426E-40dd-AFC4-6F175D3DCCD1}">
-              <a14:hiddenFill xmlns:a14="http://schemas.microsoft.com/office/drawing/2010/main" xmlns="">
+              <a14:hiddenFill xmlns="" xmlns:a14="http://schemas.microsoft.com/office/drawing/2010/main">
                 <a:solidFill>
                   <a:schemeClr val="accent1"/>
                 </a:solidFill>
               </a14:hiddenFill>
             </a:ext>
             <a:ext uri="{91240B29-F687-4f45-9708-019B960494DF}">
-              <a14:hiddenLine xmlns:a14="http://schemas.microsoft.com/office/drawing/2010/main" xmlns="" w="9525">
+              <a14:hiddenLine xmlns="" xmlns:a14="http://schemas.microsoft.com/office/drawing/2010/main" w="9525">
                 <a:solidFill>
                   <a:schemeClr val="tx1"/>
                 </a:solidFill>
@@ -40973,7 +40686,7 @@
               </a14:hiddenLine>
             </a:ext>
             <a:ext uri="{AF507438-7753-43e0-B8FC-AC1667EBCBE1}">
-              <a14:hiddenEffects xmlns:a14="http://schemas.microsoft.com/office/drawing/2010/main" xmlns="">
+              <a14:hiddenEffects xmlns="" xmlns:a14="http://schemas.microsoft.com/office/drawing/2010/main">
                 <a:effectLst>
                   <a:outerShdw blurRad="63500" dist="38099" dir="2700000" algn="ctr" rotWithShape="0">
                     <a:schemeClr val="bg2">
@@ -41089,14 +40802,14 @@
           <a:effectLst/>
           <a:extLst>
             <a:ext uri="{909E8E84-426E-40dd-AFC4-6F175D3DCCD1}">
-              <a14:hiddenFill xmlns:a14="http://schemas.microsoft.com/office/drawing/2010/main" xmlns="">
+              <a14:hiddenFill xmlns="" xmlns:a14="http://schemas.microsoft.com/office/drawing/2010/main">
                 <a:solidFill>
                   <a:schemeClr val="accent1"/>
                 </a:solidFill>
               </a14:hiddenFill>
             </a:ext>
             <a:ext uri="{AF507438-7753-43e0-B8FC-AC1667EBCBE1}">
-              <a14:hiddenEffects xmlns:a14="http://schemas.microsoft.com/office/drawing/2010/main" xmlns="">
+              <a14:hiddenEffects xmlns="" xmlns:a14="http://schemas.microsoft.com/office/drawing/2010/main">
                 <a:effectLst>
                   <a:outerShdw blurRad="63500" dist="38099" dir="2700000" algn="ctr" rotWithShape="0">
                     <a:schemeClr val="bg2">
@@ -41139,14 +40852,14 @@
           <a:effectLst/>
           <a:extLst>
             <a:ext uri="{909E8E84-426E-40dd-AFC4-6F175D3DCCD1}">
-              <a14:hiddenFill xmlns:a14="http://schemas.microsoft.com/office/drawing/2010/main" xmlns="">
+              <a14:hiddenFill xmlns="" xmlns:a14="http://schemas.microsoft.com/office/drawing/2010/main">
                 <a:solidFill>
                   <a:schemeClr val="accent1"/>
                 </a:solidFill>
               </a14:hiddenFill>
             </a:ext>
             <a:ext uri="{91240B29-F687-4f45-9708-019B960494DF}">
-              <a14:hiddenLine xmlns:a14="http://schemas.microsoft.com/office/drawing/2010/main" xmlns="" w="9525">
+              <a14:hiddenLine xmlns="" xmlns:a14="http://schemas.microsoft.com/office/drawing/2010/main" w="9525">
                 <a:solidFill>
                   <a:schemeClr val="tx1"/>
                 </a:solidFill>
@@ -41156,7 +40869,7 @@
               </a14:hiddenLine>
             </a:ext>
             <a:ext uri="{AF507438-7753-43e0-B8FC-AC1667EBCBE1}">
-              <a14:hiddenEffects xmlns:a14="http://schemas.microsoft.com/office/drawing/2010/main" xmlns="">
+              <a14:hiddenEffects xmlns="" xmlns:a14="http://schemas.microsoft.com/office/drawing/2010/main">
                 <a:effectLst>
                   <a:outerShdw blurRad="63500" dist="38099" dir="2700000" algn="ctr" rotWithShape="0">
                     <a:schemeClr val="bg2">
@@ -41252,14 +40965,14 @@
           <a:effectLst/>
           <a:extLst>
             <a:ext uri="{909E8E84-426E-40dd-AFC4-6F175D3DCCD1}">
-              <a14:hiddenFill xmlns:a14="http://schemas.microsoft.com/office/drawing/2010/main" xmlns="">
+              <a14:hiddenFill xmlns="" xmlns:a14="http://schemas.microsoft.com/office/drawing/2010/main">
                 <a:solidFill>
                   <a:schemeClr val="accent1"/>
                 </a:solidFill>
               </a14:hiddenFill>
             </a:ext>
             <a:ext uri="{AF507438-7753-43e0-B8FC-AC1667EBCBE1}">
-              <a14:hiddenEffects xmlns:a14="http://schemas.microsoft.com/office/drawing/2010/main" xmlns="">
+              <a14:hiddenEffects xmlns="" xmlns:a14="http://schemas.microsoft.com/office/drawing/2010/main">
                 <a:effectLst>
                   <a:outerShdw blurRad="63500" dist="38099" dir="2700000" algn="ctr" rotWithShape="0">
                     <a:schemeClr val="bg2">
@@ -41349,14 +41062,14 @@
           <a:effectLst/>
           <a:extLst>
             <a:ext uri="{909E8E84-426E-40dd-AFC4-6F175D3DCCD1}">
-              <a14:hiddenFill xmlns:a14="http://schemas.microsoft.com/office/drawing/2010/main" xmlns="">
+              <a14:hiddenFill xmlns="" xmlns:a14="http://schemas.microsoft.com/office/drawing/2010/main">
                 <a:solidFill>
                   <a:schemeClr val="accent1"/>
                 </a:solidFill>
               </a14:hiddenFill>
             </a:ext>
             <a:ext uri="{91240B29-F687-4f45-9708-019B960494DF}">
-              <a14:hiddenLine xmlns:a14="http://schemas.microsoft.com/office/drawing/2010/main" xmlns="" w="9525">
+              <a14:hiddenLine xmlns="" xmlns:a14="http://schemas.microsoft.com/office/drawing/2010/main" w="9525">
                 <a:solidFill>
                   <a:schemeClr val="tx1"/>
                 </a:solidFill>
@@ -41366,7 +41079,7 @@
               </a14:hiddenLine>
             </a:ext>
             <a:ext uri="{AF507438-7753-43e0-B8FC-AC1667EBCBE1}">
-              <a14:hiddenEffects xmlns:a14="http://schemas.microsoft.com/office/drawing/2010/main" xmlns="">
+              <a14:hiddenEffects xmlns="" xmlns:a14="http://schemas.microsoft.com/office/drawing/2010/main">
                 <a:effectLst>
                   <a:outerShdw blurRad="63500" dist="38099" dir="2700000" algn="ctr" rotWithShape="0">
                     <a:schemeClr val="bg2">
@@ -41446,7 +41159,7 @@
           <a:noFill/>
           <a:extLst>
             <a:ext uri="{909E8E84-426E-40dd-AFC4-6F175D3DCCD1}">
-              <a14:hiddenFill xmlns:a14="http://schemas.microsoft.com/office/drawing/2010/main" xmlns="">
+              <a14:hiddenFill xmlns="" xmlns:a14="http://schemas.microsoft.com/office/drawing/2010/main">
                 <a:solidFill>
                   <a:srgbClr val="FFFFFF"/>
                 </a:solidFill>
@@ -41483,12 +41196,12 @@
           <a:effectLst/>
           <a:extLst>
             <a:ext uri="{909E8E84-426E-40dd-AFC4-6F175D3DCCD1}">
-              <a14:hiddenFill xmlns:a14="http://schemas.microsoft.com/office/drawing/2010/main" xmlns="">
+              <a14:hiddenFill xmlns="" xmlns:a14="http://schemas.microsoft.com/office/drawing/2010/main">
                 <a:noFill/>
               </a14:hiddenFill>
             </a:ext>
             <a:ext uri="{AF507438-7753-43e0-B8FC-AC1667EBCBE1}">
-              <a14:hiddenEffects xmlns:a14="http://schemas.microsoft.com/office/drawing/2010/main" xmlns="">
+              <a14:hiddenEffects xmlns="" xmlns:a14="http://schemas.microsoft.com/office/drawing/2010/main">
                 <a:effectLst>
                   <a:outerShdw blurRad="63500" dist="38099" dir="2700000" algn="ctr" rotWithShape="0">
                     <a:schemeClr val="bg2">
@@ -41531,14 +41244,14 @@
           <a:effectLst/>
           <a:extLst>
             <a:ext uri="{909E8E84-426E-40dd-AFC4-6F175D3DCCD1}">
-              <a14:hiddenFill xmlns:a14="http://schemas.microsoft.com/office/drawing/2010/main" xmlns="">
+              <a14:hiddenFill xmlns="" xmlns:a14="http://schemas.microsoft.com/office/drawing/2010/main">
                 <a:solidFill>
                   <a:schemeClr val="accent1"/>
                 </a:solidFill>
               </a14:hiddenFill>
             </a:ext>
             <a:ext uri="{91240B29-F687-4f45-9708-019B960494DF}">
-              <a14:hiddenLine xmlns:a14="http://schemas.microsoft.com/office/drawing/2010/main" xmlns="" w="9525">
+              <a14:hiddenLine xmlns="" xmlns:a14="http://schemas.microsoft.com/office/drawing/2010/main" w="9525">
                 <a:solidFill>
                   <a:schemeClr val="tx1"/>
                 </a:solidFill>
@@ -41548,7 +41261,7 @@
               </a14:hiddenLine>
             </a:ext>
             <a:ext uri="{AF507438-7753-43e0-B8FC-AC1667EBCBE1}">
-              <a14:hiddenEffects xmlns:a14="http://schemas.microsoft.com/office/drawing/2010/main" xmlns="">
+              <a14:hiddenEffects xmlns="" xmlns:a14="http://schemas.microsoft.com/office/drawing/2010/main">
                 <a:effectLst>
                   <a:outerShdw blurRad="63500" dist="38099" dir="2700000" algn="ctr" rotWithShape="0">
                     <a:schemeClr val="bg2">
@@ -43092,7 +42805,7 @@
           <a:effectLst/>
           <a:extLst>
             <a:ext uri="{AF507438-7753-43e0-B8FC-AC1667EBCBE1}">
-              <a14:hiddenEffects xmlns:a14="http://schemas.microsoft.com/office/drawing/2010/main" xmlns="">
+              <a14:hiddenEffects xmlns="" xmlns:a14="http://schemas.microsoft.com/office/drawing/2010/main">
                 <a:effectLst>
                   <a:outerShdw blurRad="63500" dist="38099" dir="2700000" algn="ctr" rotWithShape="0">
                     <a:schemeClr val="bg2">
@@ -43173,7 +42886,7 @@
           <a:effectLst/>
           <a:extLst>
             <a:ext uri="{AF507438-7753-43e0-B8FC-AC1667EBCBE1}">
-              <a14:hiddenEffects xmlns:a14="http://schemas.microsoft.com/office/drawing/2010/main" xmlns="">
+              <a14:hiddenEffects xmlns="" xmlns:a14="http://schemas.microsoft.com/office/drawing/2010/main">
                 <a:effectLst>
                   <a:outerShdw blurRad="63500" dist="38099" dir="2700000" algn="ctr" rotWithShape="0">
                     <a:schemeClr val="bg2">
@@ -43254,7 +42967,7 @@
           <a:effectLst/>
           <a:extLst>
             <a:ext uri="{AF507438-7753-43e0-B8FC-AC1667EBCBE1}">
-              <a14:hiddenEffects xmlns:a14="http://schemas.microsoft.com/office/drawing/2010/main" xmlns="">
+              <a14:hiddenEffects xmlns="" xmlns:a14="http://schemas.microsoft.com/office/drawing/2010/main">
                 <a:effectLst>
                   <a:outerShdw blurRad="63500" dist="38099" dir="2700000" algn="ctr" rotWithShape="0">
                     <a:schemeClr val="bg2">
@@ -43335,7 +43048,7 @@
           <a:effectLst/>
           <a:extLst>
             <a:ext uri="{AF507438-7753-43e0-B8FC-AC1667EBCBE1}">
-              <a14:hiddenEffects xmlns:a14="http://schemas.microsoft.com/office/drawing/2010/main" xmlns="">
+              <a14:hiddenEffects xmlns="" xmlns:a14="http://schemas.microsoft.com/office/drawing/2010/main">
                 <a:effectLst>
                   <a:outerShdw blurRad="63500" dist="38099" dir="2700000" algn="ctr" rotWithShape="0">
                     <a:schemeClr val="bg2">
@@ -43419,7 +43132,7 @@
           <a:effectLst/>
           <a:extLst>
             <a:ext uri="{AF507438-7753-43e0-B8FC-AC1667EBCBE1}">
-              <a14:hiddenEffects xmlns:a14="http://schemas.microsoft.com/office/drawing/2010/main" xmlns="">
+              <a14:hiddenEffects xmlns="" xmlns:a14="http://schemas.microsoft.com/office/drawing/2010/main">
                 <a:effectLst>
                   <a:outerShdw blurRad="63500" dist="38099" dir="2700000" algn="ctr" rotWithShape="0">
                     <a:schemeClr val="bg2">
@@ -43464,7 +43177,7 @@
           <a:effectLst/>
           <a:extLst>
             <a:ext uri="{AF507438-7753-43e0-B8FC-AC1667EBCBE1}">
-              <a14:hiddenEffects xmlns:a14="http://schemas.microsoft.com/office/drawing/2010/main" xmlns="">
+              <a14:hiddenEffects xmlns="" xmlns:a14="http://schemas.microsoft.com/office/drawing/2010/main">
                 <a:effectLst>
                   <a:outerShdw blurRad="63500" dist="38099" dir="2700000" algn="ctr" rotWithShape="0">
                     <a:schemeClr val="bg2">
@@ -43506,7 +43219,7 @@
           <a:effectLst/>
           <a:extLst>
             <a:ext uri="{AF507438-7753-43e0-B8FC-AC1667EBCBE1}">
-              <a14:hiddenEffects xmlns:a14="http://schemas.microsoft.com/office/drawing/2010/main" xmlns="">
+              <a14:hiddenEffects xmlns="" xmlns:a14="http://schemas.microsoft.com/office/drawing/2010/main">
                 <a:effectLst>
                   <a:outerShdw blurRad="63500" dist="38099" dir="2700000" algn="ctr" rotWithShape="0">
                     <a:schemeClr val="bg2">
@@ -43587,7 +43300,7 @@
           <a:effectLst/>
           <a:extLst>
             <a:ext uri="{AF507438-7753-43e0-B8FC-AC1667EBCBE1}">
-              <a14:hiddenEffects xmlns:a14="http://schemas.microsoft.com/office/drawing/2010/main" xmlns="">
+              <a14:hiddenEffects xmlns="" xmlns:a14="http://schemas.microsoft.com/office/drawing/2010/main">
                 <a:effectLst>
                   <a:outerShdw blurRad="63500" dist="38099" dir="2700000" algn="ctr" rotWithShape="0">
                     <a:schemeClr val="bg2">
@@ -43668,7 +43381,7 @@
           <a:effectLst/>
           <a:extLst>
             <a:ext uri="{AF507438-7753-43e0-B8FC-AC1667EBCBE1}">
-              <a14:hiddenEffects xmlns:a14="http://schemas.microsoft.com/office/drawing/2010/main" xmlns="">
+              <a14:hiddenEffects xmlns="" xmlns:a14="http://schemas.microsoft.com/office/drawing/2010/main">
                 <a:effectLst>
                   <a:outerShdw blurRad="63500" dist="38099" dir="2700000" algn="ctr" rotWithShape="0">
                     <a:schemeClr val="bg2">
@@ -43749,7 +43462,7 @@
           <a:effectLst/>
           <a:extLst>
             <a:ext uri="{AF507438-7753-43e0-B8FC-AC1667EBCBE1}">
-              <a14:hiddenEffects xmlns:a14="http://schemas.microsoft.com/office/drawing/2010/main" xmlns="">
+              <a14:hiddenEffects xmlns="" xmlns:a14="http://schemas.microsoft.com/office/drawing/2010/main">
                 <a:effectLst>
                   <a:outerShdw blurRad="63500" dist="38099" dir="2700000" algn="ctr" rotWithShape="0">
                     <a:schemeClr val="bg2">
@@ -43833,7 +43546,7 @@
           <a:effectLst/>
           <a:extLst>
             <a:ext uri="{AF507438-7753-43e0-B8FC-AC1667EBCBE1}">
-              <a14:hiddenEffects xmlns:a14="http://schemas.microsoft.com/office/drawing/2010/main" xmlns="">
+              <a14:hiddenEffects xmlns="" xmlns:a14="http://schemas.microsoft.com/office/drawing/2010/main">
                 <a:effectLst>
                   <a:outerShdw blurRad="63500" dist="38099" dir="2700000" algn="ctr" rotWithShape="0">
                     <a:schemeClr val="bg2">
@@ -43878,7 +43591,7 @@
           <a:effectLst/>
           <a:extLst>
             <a:ext uri="{AF507438-7753-43e0-B8FC-AC1667EBCBE1}">
-              <a14:hiddenEffects xmlns:a14="http://schemas.microsoft.com/office/drawing/2010/main" xmlns="">
+              <a14:hiddenEffects xmlns="" xmlns:a14="http://schemas.microsoft.com/office/drawing/2010/main">
                 <a:effectLst>
                   <a:outerShdw blurRad="63500" dist="38099" dir="2700000" algn="ctr" rotWithShape="0">
                     <a:schemeClr val="bg2">
@@ -43922,7 +43635,7 @@
           <a:effectLst/>
           <a:extLst>
             <a:ext uri="{AF507438-7753-43e0-B8FC-AC1667EBCBE1}">
-              <a14:hiddenEffects xmlns:a14="http://schemas.microsoft.com/office/drawing/2010/main" xmlns="">
+              <a14:hiddenEffects xmlns="" xmlns:a14="http://schemas.microsoft.com/office/drawing/2010/main">
                 <a:effectLst>
                   <a:outerShdw blurRad="63500" dist="38099" dir="2700000" algn="ctr" rotWithShape="0">
                     <a:schemeClr val="bg2">
@@ -43967,7 +43680,7 @@
           <a:effectLst/>
           <a:extLst>
             <a:ext uri="{AF507438-7753-43e0-B8FC-AC1667EBCBE1}">
-              <a14:hiddenEffects xmlns:a14="http://schemas.microsoft.com/office/drawing/2010/main" xmlns="">
+              <a14:hiddenEffects xmlns="" xmlns:a14="http://schemas.microsoft.com/office/drawing/2010/main">
                 <a:effectLst>
                   <a:outerShdw blurRad="63500" dist="38099" dir="2700000" algn="ctr" rotWithShape="0">
                     <a:schemeClr val="bg2">
@@ -44011,7 +43724,7 @@
           <a:effectLst/>
           <a:extLst>
             <a:ext uri="{AF507438-7753-43e0-B8FC-AC1667EBCBE1}">
-              <a14:hiddenEffects xmlns:a14="http://schemas.microsoft.com/office/drawing/2010/main" xmlns="">
+              <a14:hiddenEffects xmlns="" xmlns:a14="http://schemas.microsoft.com/office/drawing/2010/main">
                 <a:effectLst>
                   <a:outerShdw blurRad="63500" dist="38099" dir="2700000" algn="ctr" rotWithShape="0">
                     <a:schemeClr val="bg2">
@@ -44268,7 +43981,7 @@
           <a:noFill/>
           <a:extLst>
             <a:ext uri="{909E8E84-426E-40dd-AFC4-6F175D3DCCD1}">
-              <a14:hiddenFill xmlns:a14="http://schemas.microsoft.com/office/drawing/2010/main" xmlns="">
+              <a14:hiddenFill xmlns="" xmlns:a14="http://schemas.microsoft.com/office/drawing/2010/main">
                 <a:solidFill>
                   <a:srgbClr val="FFFFFF"/>
                 </a:solidFill>
@@ -44487,7 +44200,7 @@
           <a:noFill/>
           <a:extLst>
             <a:ext uri="{909E8E84-426E-40dd-AFC4-6F175D3DCCD1}">
-              <a14:hiddenFill xmlns:a14="http://schemas.microsoft.com/office/drawing/2010/main" xmlns="">
+              <a14:hiddenFill xmlns="" xmlns:a14="http://schemas.microsoft.com/office/drawing/2010/main">
                 <a:solidFill>
                   <a:srgbClr val="FFFFFF"/>
                 </a:solidFill>
@@ -44519,14 +44232,14 @@
           <a:effectLst/>
           <a:extLst>
             <a:ext uri="{909E8E84-426E-40dd-AFC4-6F175D3DCCD1}">
-              <a14:hiddenFill xmlns:a14="http://schemas.microsoft.com/office/drawing/2010/main" xmlns="">
+              <a14:hiddenFill xmlns="" xmlns:a14="http://schemas.microsoft.com/office/drawing/2010/main">
                 <a:solidFill>
                   <a:schemeClr val="accent1"/>
                 </a:solidFill>
               </a14:hiddenFill>
             </a:ext>
             <a:ext uri="{91240B29-F687-4f45-9708-019B960494DF}">
-              <a14:hiddenLine xmlns:a14="http://schemas.microsoft.com/office/drawing/2010/main" xmlns="" w="9525">
+              <a14:hiddenLine xmlns="" xmlns:a14="http://schemas.microsoft.com/office/drawing/2010/main" w="9525">
                 <a:solidFill>
                   <a:schemeClr val="tx1"/>
                 </a:solidFill>
@@ -44536,7 +44249,7 @@
               </a14:hiddenLine>
             </a:ext>
             <a:ext uri="{AF507438-7753-43e0-B8FC-AC1667EBCBE1}">
-              <a14:hiddenEffects xmlns:a14="http://schemas.microsoft.com/office/drawing/2010/main" xmlns="">
+              <a14:hiddenEffects xmlns="" xmlns:a14="http://schemas.microsoft.com/office/drawing/2010/main">
                 <a:effectLst>
                   <a:outerShdw blurRad="63500" dist="38099" dir="2700000" algn="ctr" rotWithShape="0">
                     <a:schemeClr val="bg2">
@@ -44640,7 +44353,7 @@
           <a:noFill/>
           <a:extLst>
             <a:ext uri="{909E8E84-426E-40dd-AFC4-6F175D3DCCD1}">
-              <a14:hiddenFill xmlns:a14="http://schemas.microsoft.com/office/drawing/2010/main" xmlns="">
+              <a14:hiddenFill xmlns="" xmlns:a14="http://schemas.microsoft.com/office/drawing/2010/main">
                 <a:solidFill>
                   <a:srgbClr val="FFFFFF"/>
                 </a:solidFill>
@@ -44689,7 +44402,7 @@
           </a:ln>
           <a:extLst>
             <a:ext uri="{909E8E84-426E-40dd-AFC4-6F175D3DCCD1}">
-              <a14:hiddenFill xmlns:a14="http://schemas.microsoft.com/office/drawing/2010/main" xmlns="">
+              <a14:hiddenFill xmlns="" xmlns:a14="http://schemas.microsoft.com/office/drawing/2010/main">
                 <a:solidFill>
                   <a:srgbClr val="FFFFFF"/>
                 </a:solidFill>
@@ -44721,14 +44434,14 @@
           <a:effectLst/>
           <a:extLst>
             <a:ext uri="{909E8E84-426E-40dd-AFC4-6F175D3DCCD1}">
-              <a14:hiddenFill xmlns:a14="http://schemas.microsoft.com/office/drawing/2010/main" xmlns="">
+              <a14:hiddenFill xmlns="" xmlns:a14="http://schemas.microsoft.com/office/drawing/2010/main">
                 <a:solidFill>
                   <a:schemeClr val="accent1"/>
                 </a:solidFill>
               </a14:hiddenFill>
             </a:ext>
             <a:ext uri="{91240B29-F687-4f45-9708-019B960494DF}">
-              <a14:hiddenLine xmlns:a14="http://schemas.microsoft.com/office/drawing/2010/main" xmlns="" w="9525">
+              <a14:hiddenLine xmlns="" xmlns:a14="http://schemas.microsoft.com/office/drawing/2010/main" w="9525">
                 <a:solidFill>
                   <a:schemeClr val="tx1"/>
                 </a:solidFill>
@@ -44738,7 +44451,7 @@
               </a14:hiddenLine>
             </a:ext>
             <a:ext uri="{AF507438-7753-43e0-B8FC-AC1667EBCBE1}">
-              <a14:hiddenEffects xmlns:a14="http://schemas.microsoft.com/office/drawing/2010/main" xmlns="">
+              <a14:hiddenEffects xmlns="" xmlns:a14="http://schemas.microsoft.com/office/drawing/2010/main">
                 <a:effectLst>
                   <a:outerShdw blurRad="63500" dist="38099" dir="2700000" algn="ctr" rotWithShape="0">
                     <a:schemeClr val="bg2">
@@ -44793,7 +44506,7 @@
           <a:effectLst/>
           <a:extLst>
             <a:ext uri="{AF507438-7753-43e0-B8FC-AC1667EBCBE1}">
-              <a14:hiddenEffects xmlns:a14="http://schemas.microsoft.com/office/drawing/2010/main" xmlns="">
+              <a14:hiddenEffects xmlns="" xmlns:a14="http://schemas.microsoft.com/office/drawing/2010/main">
                 <a:effectLst>
                   <a:outerShdw blurRad="63500" dist="38099" dir="2700000" algn="ctr" rotWithShape="0">
                     <a:schemeClr val="bg2">
@@ -44852,12 +44565,12 @@
           <a:effectLst/>
           <a:extLst>
             <a:ext uri="{909E8E84-426E-40dd-AFC4-6F175D3DCCD1}">
-              <a14:hiddenFill xmlns:a14="http://schemas.microsoft.com/office/drawing/2010/main" xmlns="">
+              <a14:hiddenFill xmlns="" xmlns:a14="http://schemas.microsoft.com/office/drawing/2010/main">
                 <a:noFill/>
               </a14:hiddenFill>
             </a:ext>
             <a:ext uri="{AF507438-7753-43e0-B8FC-AC1667EBCBE1}">
-              <a14:hiddenEffects xmlns:a14="http://schemas.microsoft.com/office/drawing/2010/main" xmlns="">
+              <a14:hiddenEffects xmlns="" xmlns:a14="http://schemas.microsoft.com/office/drawing/2010/main">
                 <a:effectLst>
                   <a:outerShdw blurRad="63500" dist="38099" dir="2700000" algn="ctr" rotWithShape="0">
                     <a:schemeClr val="bg2">
@@ -44905,12 +44618,12 @@
           <a:effectLst/>
           <a:extLst>
             <a:ext uri="{909E8E84-426E-40dd-AFC4-6F175D3DCCD1}">
-              <a14:hiddenFill xmlns:a14="http://schemas.microsoft.com/office/drawing/2010/main" xmlns="">
+              <a14:hiddenFill xmlns="" xmlns:a14="http://schemas.microsoft.com/office/drawing/2010/main">
                 <a:noFill/>
               </a14:hiddenFill>
             </a:ext>
             <a:ext uri="{AF507438-7753-43e0-B8FC-AC1667EBCBE1}">
-              <a14:hiddenEffects xmlns:a14="http://schemas.microsoft.com/office/drawing/2010/main" xmlns="">
+              <a14:hiddenEffects xmlns="" xmlns:a14="http://schemas.microsoft.com/office/drawing/2010/main">
                 <a:effectLst>
                   <a:outerShdw blurRad="63500" dist="38099" dir="2700000" algn="ctr" rotWithShape="0">
                     <a:schemeClr val="bg2">
@@ -44953,14 +44666,14 @@
           <a:effectLst/>
           <a:extLst>
             <a:ext uri="{909E8E84-426E-40dd-AFC4-6F175D3DCCD1}">
-              <a14:hiddenFill xmlns:a14="http://schemas.microsoft.com/office/drawing/2010/main" xmlns="">
+              <a14:hiddenFill xmlns="" xmlns:a14="http://schemas.microsoft.com/office/drawing/2010/main">
                 <a:solidFill>
                   <a:schemeClr val="accent1"/>
                 </a:solidFill>
               </a14:hiddenFill>
             </a:ext>
             <a:ext uri="{91240B29-F687-4f45-9708-019B960494DF}">
-              <a14:hiddenLine xmlns:a14="http://schemas.microsoft.com/office/drawing/2010/main" xmlns="" w="9525">
+              <a14:hiddenLine xmlns="" xmlns:a14="http://schemas.microsoft.com/office/drawing/2010/main" w="9525">
                 <a:solidFill>
                   <a:schemeClr val="tx1"/>
                 </a:solidFill>
@@ -44970,7 +44683,7 @@
               </a14:hiddenLine>
             </a:ext>
             <a:ext uri="{AF507438-7753-43e0-B8FC-AC1667EBCBE1}">
-              <a14:hiddenEffects xmlns:a14="http://schemas.microsoft.com/office/drawing/2010/main" xmlns="">
+              <a14:hiddenEffects xmlns="" xmlns:a14="http://schemas.microsoft.com/office/drawing/2010/main">
                 <a:effectLst>
                   <a:outerShdw blurRad="63500" dist="38099" dir="2700000" algn="ctr" rotWithShape="0">
                     <a:schemeClr val="bg2">
@@ -45147,7 +44860,7 @@
           <a:noFill/>
           <a:extLst>
             <a:ext uri="{909E8E84-426E-40dd-AFC4-6F175D3DCCD1}">
-              <a14:hiddenFill xmlns:a14="http://schemas.microsoft.com/office/drawing/2010/main" xmlns="">
+              <a14:hiddenFill xmlns="" xmlns:a14="http://schemas.microsoft.com/office/drawing/2010/main">
                 <a:solidFill>
                   <a:srgbClr val="FFFFFF"/>
                 </a:solidFill>
@@ -45179,14 +44892,14 @@
           <a:effectLst/>
           <a:extLst>
             <a:ext uri="{909E8E84-426E-40dd-AFC4-6F175D3DCCD1}">
-              <a14:hiddenFill xmlns:a14="http://schemas.microsoft.com/office/drawing/2010/main" xmlns="">
+              <a14:hiddenFill xmlns="" xmlns:a14="http://schemas.microsoft.com/office/drawing/2010/main">
                 <a:solidFill>
                   <a:schemeClr val="accent1"/>
                 </a:solidFill>
               </a14:hiddenFill>
             </a:ext>
             <a:ext uri="{91240B29-F687-4f45-9708-019B960494DF}">
-              <a14:hiddenLine xmlns:a14="http://schemas.microsoft.com/office/drawing/2010/main" xmlns="" w="9525">
+              <a14:hiddenLine xmlns="" xmlns:a14="http://schemas.microsoft.com/office/drawing/2010/main" w="9525">
                 <a:solidFill>
                   <a:schemeClr val="tx1"/>
                 </a:solidFill>
@@ -45196,7 +44909,7 @@
               </a14:hiddenLine>
             </a:ext>
             <a:ext uri="{AF507438-7753-43e0-B8FC-AC1667EBCBE1}">
-              <a14:hiddenEffects xmlns:a14="http://schemas.microsoft.com/office/drawing/2010/main" xmlns="">
+              <a14:hiddenEffects xmlns="" xmlns:a14="http://schemas.microsoft.com/office/drawing/2010/main">
                 <a:effectLst>
                   <a:outerShdw blurRad="63500" dist="38099" dir="2700000" algn="ctr" rotWithShape="0">
                     <a:schemeClr val="bg2">
@@ -45524,7 +45237,7 @@
           <a:noFill/>
           <a:extLst>
             <a:ext uri="{909E8E84-426E-40dd-AFC4-6F175D3DCCD1}">
-              <a14:hiddenFill xmlns:a14="http://schemas.microsoft.com/office/drawing/2010/main" xmlns="">
+              <a14:hiddenFill xmlns="" xmlns:a14="http://schemas.microsoft.com/office/drawing/2010/main">
                 <a:solidFill>
                   <a:srgbClr val="FFFFFF"/>
                 </a:solidFill>
@@ -45701,7 +45414,7 @@
           <a:noFill/>
           <a:extLst>
             <a:ext uri="{909E8E84-426E-40dd-AFC4-6F175D3DCCD1}">
-              <a14:hiddenFill xmlns:a14="http://schemas.microsoft.com/office/drawing/2010/main" xmlns="">
+              <a14:hiddenFill xmlns="" xmlns:a14="http://schemas.microsoft.com/office/drawing/2010/main">
                 <a:solidFill>
                   <a:srgbClr val="FFFFFF"/>
                 </a:solidFill>
@@ -45733,14 +45446,14 @@
           <a:effectLst/>
           <a:extLst>
             <a:ext uri="{909E8E84-426E-40dd-AFC4-6F175D3DCCD1}">
-              <a14:hiddenFill xmlns:a14="http://schemas.microsoft.com/office/drawing/2010/main" xmlns="">
+              <a14:hiddenFill xmlns="" xmlns:a14="http://schemas.microsoft.com/office/drawing/2010/main">
                 <a:solidFill>
                   <a:schemeClr val="accent1"/>
                 </a:solidFill>
               </a14:hiddenFill>
             </a:ext>
             <a:ext uri="{91240B29-F687-4f45-9708-019B960494DF}">
-              <a14:hiddenLine xmlns:a14="http://schemas.microsoft.com/office/drawing/2010/main" xmlns="" w="9525">
+              <a14:hiddenLine xmlns="" xmlns:a14="http://schemas.microsoft.com/office/drawing/2010/main" w="9525">
                 <a:solidFill>
                   <a:schemeClr val="tx1"/>
                 </a:solidFill>
@@ -45750,7 +45463,7 @@
               </a14:hiddenLine>
             </a:ext>
             <a:ext uri="{AF507438-7753-43e0-B8FC-AC1667EBCBE1}">
-              <a14:hiddenEffects xmlns:a14="http://schemas.microsoft.com/office/drawing/2010/main" xmlns="">
+              <a14:hiddenEffects xmlns="" xmlns:a14="http://schemas.microsoft.com/office/drawing/2010/main">
                 <a:effectLst>
                   <a:outerShdw blurRad="63500" dist="38099" dir="2700000" algn="ctr" rotWithShape="0">
                     <a:schemeClr val="bg2">
@@ -46529,7 +46242,7 @@
           </a:ln>
           <a:extLst>
             <a:ext uri="{909E8E84-426E-40dd-AFC4-6F175D3DCCD1}">
-              <a14:hiddenFill xmlns:a14="http://schemas.microsoft.com/office/drawing/2010/main" xmlns="">
+              <a14:hiddenFill xmlns="" xmlns:a14="http://schemas.microsoft.com/office/drawing/2010/main">
                 <a:solidFill>
                   <a:srgbClr val="FFFFFF"/>
                 </a:solidFill>
@@ -46561,14 +46274,14 @@
           <a:effectLst/>
           <a:extLst>
             <a:ext uri="{909E8E84-426E-40dd-AFC4-6F175D3DCCD1}">
-              <a14:hiddenFill xmlns:a14="http://schemas.microsoft.com/office/drawing/2010/main" xmlns="">
+              <a14:hiddenFill xmlns="" xmlns:a14="http://schemas.microsoft.com/office/drawing/2010/main">
                 <a:solidFill>
                   <a:schemeClr val="accent1"/>
                 </a:solidFill>
               </a14:hiddenFill>
             </a:ext>
             <a:ext uri="{91240B29-F687-4f45-9708-019B960494DF}">
-              <a14:hiddenLine xmlns:a14="http://schemas.microsoft.com/office/drawing/2010/main" xmlns="" w="9525">
+              <a14:hiddenLine xmlns="" xmlns:a14="http://schemas.microsoft.com/office/drawing/2010/main" w="9525">
                 <a:solidFill>
                   <a:schemeClr val="tx1"/>
                 </a:solidFill>
@@ -46578,7 +46291,7 @@
               </a14:hiddenLine>
             </a:ext>
             <a:ext uri="{AF507438-7753-43e0-B8FC-AC1667EBCBE1}">
-              <a14:hiddenEffects xmlns:a14="http://schemas.microsoft.com/office/drawing/2010/main" xmlns="">
+              <a14:hiddenEffects xmlns="" xmlns:a14="http://schemas.microsoft.com/office/drawing/2010/main">
                 <a:effectLst>
                   <a:outerShdw blurRad="63500" dist="38099" dir="2700000" algn="ctr" rotWithShape="0">
                     <a:schemeClr val="bg2">
@@ -46760,14 +46473,14 @@
           <a:effectLst/>
           <a:extLst>
             <a:ext uri="{909E8E84-426E-40dd-AFC4-6F175D3DCCD1}">
-              <a14:hiddenFill xmlns:a14="http://schemas.microsoft.com/office/drawing/2010/main" xmlns="">
+              <a14:hiddenFill xmlns="" xmlns:a14="http://schemas.microsoft.com/office/drawing/2010/main">
                 <a:solidFill>
                   <a:schemeClr val="accent1"/>
                 </a:solidFill>
               </a14:hiddenFill>
             </a:ext>
             <a:ext uri="{91240B29-F687-4f45-9708-019B960494DF}">
-              <a14:hiddenLine xmlns:a14="http://schemas.microsoft.com/office/drawing/2010/main" xmlns="" w="9525">
+              <a14:hiddenLine xmlns="" xmlns:a14="http://schemas.microsoft.com/office/drawing/2010/main" w="9525">
                 <a:solidFill>
                   <a:schemeClr val="tx1"/>
                 </a:solidFill>
@@ -46777,7 +46490,7 @@
               </a14:hiddenLine>
             </a:ext>
             <a:ext uri="{AF507438-7753-43e0-B8FC-AC1667EBCBE1}">
-              <a14:hiddenEffects xmlns:a14="http://schemas.microsoft.com/office/drawing/2010/main" xmlns="">
+              <a14:hiddenEffects xmlns="" xmlns:a14="http://schemas.microsoft.com/office/drawing/2010/main">
                 <a:effectLst>
                   <a:outerShdw blurRad="63500" dist="38099" dir="2700000" algn="ctr" rotWithShape="0">
                     <a:schemeClr val="bg2">
@@ -46830,12 +46543,12 @@
           <a:effectLst/>
           <a:extLst>
             <a:ext uri="{909E8E84-426E-40dd-AFC4-6F175D3DCCD1}">
-              <a14:hiddenFill xmlns:a14="http://schemas.microsoft.com/office/drawing/2010/main" xmlns="">
+              <a14:hiddenFill xmlns="" xmlns:a14="http://schemas.microsoft.com/office/drawing/2010/main">
                 <a:noFill/>
               </a14:hiddenFill>
             </a:ext>
             <a:ext uri="{AF507438-7753-43e0-B8FC-AC1667EBCBE1}">
-              <a14:hiddenEffects xmlns:a14="http://schemas.microsoft.com/office/drawing/2010/main" xmlns="">
+              <a14:hiddenEffects xmlns="" xmlns:a14="http://schemas.microsoft.com/office/drawing/2010/main">
                 <a:effectLst>
                   <a:outerShdw blurRad="63500" dist="38099" dir="2700000" algn="ctr" rotWithShape="0">
                     <a:schemeClr val="bg2">
@@ -46883,12 +46596,12 @@
           <a:effectLst/>
           <a:extLst>
             <a:ext uri="{909E8E84-426E-40dd-AFC4-6F175D3DCCD1}">
-              <a14:hiddenFill xmlns:a14="http://schemas.microsoft.com/office/drawing/2010/main" xmlns="">
+              <a14:hiddenFill xmlns="" xmlns:a14="http://schemas.microsoft.com/office/drawing/2010/main">
                 <a:noFill/>
               </a14:hiddenFill>
             </a:ext>
             <a:ext uri="{AF507438-7753-43e0-B8FC-AC1667EBCBE1}">
-              <a14:hiddenEffects xmlns:a14="http://schemas.microsoft.com/office/drawing/2010/main" xmlns="">
+              <a14:hiddenEffects xmlns="" xmlns:a14="http://schemas.microsoft.com/office/drawing/2010/main">
                 <a:effectLst>
                   <a:outerShdw blurRad="63500" dist="38099" dir="2700000" algn="ctr" rotWithShape="0">
                     <a:schemeClr val="bg2">
@@ -46931,14 +46644,14 @@
           <a:effectLst/>
           <a:extLst>
             <a:ext uri="{909E8E84-426E-40dd-AFC4-6F175D3DCCD1}">
-              <a14:hiddenFill xmlns:a14="http://schemas.microsoft.com/office/drawing/2010/main" xmlns="">
+              <a14:hiddenFill xmlns="" xmlns:a14="http://schemas.microsoft.com/office/drawing/2010/main">
                 <a:solidFill>
                   <a:schemeClr val="accent1"/>
                 </a:solidFill>
               </a14:hiddenFill>
             </a:ext>
             <a:ext uri="{91240B29-F687-4f45-9708-019B960494DF}">
-              <a14:hiddenLine xmlns:a14="http://schemas.microsoft.com/office/drawing/2010/main" xmlns="" w="9525">
+              <a14:hiddenLine xmlns="" xmlns:a14="http://schemas.microsoft.com/office/drawing/2010/main" w="9525">
                 <a:solidFill>
                   <a:schemeClr val="tx1"/>
                 </a:solidFill>
@@ -46948,7 +46661,7 @@
               </a14:hiddenLine>
             </a:ext>
             <a:ext uri="{AF507438-7753-43e0-B8FC-AC1667EBCBE1}">
-              <a14:hiddenEffects xmlns:a14="http://schemas.microsoft.com/office/drawing/2010/main" xmlns="">
+              <a14:hiddenEffects xmlns="" xmlns:a14="http://schemas.microsoft.com/office/drawing/2010/main">
                 <a:effectLst>
                   <a:outerShdw blurRad="63500" dist="38099" dir="2700000" algn="ctr" rotWithShape="0">
                     <a:schemeClr val="bg2">
@@ -47058,14 +46771,14 @@
           <a:effectLst/>
           <a:extLst>
             <a:ext uri="{909E8E84-426E-40dd-AFC4-6F175D3DCCD1}">
-              <a14:hiddenFill xmlns:a14="http://schemas.microsoft.com/office/drawing/2010/main" xmlns="">
+              <a14:hiddenFill xmlns="" xmlns:a14="http://schemas.microsoft.com/office/drawing/2010/main">
                 <a:solidFill>
                   <a:schemeClr val="accent1"/>
                 </a:solidFill>
               </a14:hiddenFill>
             </a:ext>
             <a:ext uri="{91240B29-F687-4f45-9708-019B960494DF}">
-              <a14:hiddenLine xmlns:a14="http://schemas.microsoft.com/office/drawing/2010/main" xmlns="" w="9525">
+              <a14:hiddenLine xmlns="" xmlns:a14="http://schemas.microsoft.com/office/drawing/2010/main" w="9525">
                 <a:solidFill>
                   <a:schemeClr val="tx1"/>
                 </a:solidFill>
@@ -47075,7 +46788,7 @@
               </a14:hiddenLine>
             </a:ext>
             <a:ext uri="{AF507438-7753-43e0-B8FC-AC1667EBCBE1}">
-              <a14:hiddenEffects xmlns:a14="http://schemas.microsoft.com/office/drawing/2010/main" xmlns="">
+              <a14:hiddenEffects xmlns="" xmlns:a14="http://schemas.microsoft.com/office/drawing/2010/main">
                 <a:effectLst>
                   <a:outerShdw blurRad="63500" dist="38099" dir="2700000" algn="ctr" rotWithShape="0">
                     <a:schemeClr val="bg2">
@@ -47128,12 +46841,12 @@
           <a:effectLst/>
           <a:extLst>
             <a:ext uri="{909E8E84-426E-40dd-AFC4-6F175D3DCCD1}">
-              <a14:hiddenFill xmlns:a14="http://schemas.microsoft.com/office/drawing/2010/main" xmlns="">
+              <a14:hiddenFill xmlns="" xmlns:a14="http://schemas.microsoft.com/office/drawing/2010/main">
                 <a:noFill/>
               </a14:hiddenFill>
             </a:ext>
             <a:ext uri="{AF507438-7753-43e0-B8FC-AC1667EBCBE1}">
-              <a14:hiddenEffects xmlns:a14="http://schemas.microsoft.com/office/drawing/2010/main" xmlns="">
+              <a14:hiddenEffects xmlns="" xmlns:a14="http://schemas.microsoft.com/office/drawing/2010/main">
                 <a:effectLst>
                   <a:outerShdw blurRad="63500" dist="38099" dir="2700000" algn="ctr" rotWithShape="0">
                     <a:schemeClr val="bg2">
@@ -47181,12 +46894,12 @@
           <a:effectLst/>
           <a:extLst>
             <a:ext uri="{909E8E84-426E-40dd-AFC4-6F175D3DCCD1}">
-              <a14:hiddenFill xmlns:a14="http://schemas.microsoft.com/office/drawing/2010/main" xmlns="">
+              <a14:hiddenFill xmlns="" xmlns:a14="http://schemas.microsoft.com/office/drawing/2010/main">
                 <a:noFill/>
               </a14:hiddenFill>
             </a:ext>
             <a:ext uri="{AF507438-7753-43e0-B8FC-AC1667EBCBE1}">
-              <a14:hiddenEffects xmlns:a14="http://schemas.microsoft.com/office/drawing/2010/main" xmlns="">
+              <a14:hiddenEffects xmlns="" xmlns:a14="http://schemas.microsoft.com/office/drawing/2010/main">
                 <a:effectLst>
                   <a:outerShdw blurRad="63500" dist="38099" dir="2700000" algn="ctr" rotWithShape="0">
                     <a:schemeClr val="bg2">
@@ -47229,14 +46942,14 @@
           <a:effectLst/>
           <a:extLst>
             <a:ext uri="{909E8E84-426E-40dd-AFC4-6F175D3DCCD1}">
-              <a14:hiddenFill xmlns:a14="http://schemas.microsoft.com/office/drawing/2010/main" xmlns="">
+              <a14:hiddenFill xmlns="" xmlns:a14="http://schemas.microsoft.com/office/drawing/2010/main">
                 <a:solidFill>
                   <a:schemeClr val="accent1"/>
                 </a:solidFill>
               </a14:hiddenFill>
             </a:ext>
             <a:ext uri="{91240B29-F687-4f45-9708-019B960494DF}">
-              <a14:hiddenLine xmlns:a14="http://schemas.microsoft.com/office/drawing/2010/main" xmlns="" w="9525">
+              <a14:hiddenLine xmlns="" xmlns:a14="http://schemas.microsoft.com/office/drawing/2010/main" w="9525">
                 <a:solidFill>
                   <a:schemeClr val="tx1"/>
                 </a:solidFill>
@@ -47246,7 +46959,7 @@
               </a14:hiddenLine>
             </a:ext>
             <a:ext uri="{AF507438-7753-43e0-B8FC-AC1667EBCBE1}">
-              <a14:hiddenEffects xmlns:a14="http://schemas.microsoft.com/office/drawing/2010/main" xmlns="">
+              <a14:hiddenEffects xmlns="" xmlns:a14="http://schemas.microsoft.com/office/drawing/2010/main">
                 <a:effectLst>
                   <a:outerShdw blurRad="63500" dist="38099" dir="2700000" algn="ctr" rotWithShape="0">
                     <a:schemeClr val="bg2">
@@ -47356,14 +47069,14 @@
           <a:effectLst/>
           <a:extLst>
             <a:ext uri="{909E8E84-426E-40dd-AFC4-6F175D3DCCD1}">
-              <a14:hiddenFill xmlns:a14="http://schemas.microsoft.com/office/drawing/2010/main" xmlns="">
+              <a14:hiddenFill xmlns="" xmlns:a14="http://schemas.microsoft.com/office/drawing/2010/main">
                 <a:solidFill>
                   <a:schemeClr val="accent1"/>
                 </a:solidFill>
               </a14:hiddenFill>
             </a:ext>
             <a:ext uri="{91240B29-F687-4f45-9708-019B960494DF}">
-              <a14:hiddenLine xmlns:a14="http://schemas.microsoft.com/office/drawing/2010/main" xmlns="" w="9525">
+              <a14:hiddenLine xmlns="" xmlns:a14="http://schemas.microsoft.com/office/drawing/2010/main" w="9525">
                 <a:solidFill>
                   <a:schemeClr val="tx1"/>
                 </a:solidFill>
@@ -47373,7 +47086,7 @@
               </a14:hiddenLine>
             </a:ext>
             <a:ext uri="{AF507438-7753-43e0-B8FC-AC1667EBCBE1}">
-              <a14:hiddenEffects xmlns:a14="http://schemas.microsoft.com/office/drawing/2010/main" xmlns="">
+              <a14:hiddenEffects xmlns="" xmlns:a14="http://schemas.microsoft.com/office/drawing/2010/main">
                 <a:effectLst>
                   <a:outerShdw blurRad="63500" dist="38099" dir="2700000" algn="ctr" rotWithShape="0">
                     <a:schemeClr val="bg2">
@@ -47426,12 +47139,12 @@
           <a:effectLst/>
           <a:extLst>
             <a:ext uri="{909E8E84-426E-40dd-AFC4-6F175D3DCCD1}">
-              <a14:hiddenFill xmlns:a14="http://schemas.microsoft.com/office/drawing/2010/main" xmlns="">
+              <a14:hiddenFill xmlns="" xmlns:a14="http://schemas.microsoft.com/office/drawing/2010/main">
                 <a:noFill/>
               </a14:hiddenFill>
             </a:ext>
             <a:ext uri="{AF507438-7753-43e0-B8FC-AC1667EBCBE1}">
-              <a14:hiddenEffects xmlns:a14="http://schemas.microsoft.com/office/drawing/2010/main" xmlns="">
+              <a14:hiddenEffects xmlns="" xmlns:a14="http://schemas.microsoft.com/office/drawing/2010/main">
                 <a:effectLst>
                   <a:outerShdw blurRad="63500" dist="38099" dir="2700000" algn="ctr" rotWithShape="0">
                     <a:schemeClr val="bg2">
@@ -47479,12 +47192,12 @@
           <a:effectLst/>
           <a:extLst>
             <a:ext uri="{909E8E84-426E-40dd-AFC4-6F175D3DCCD1}">
-              <a14:hiddenFill xmlns:a14="http://schemas.microsoft.com/office/drawing/2010/main" xmlns="">
+              <a14:hiddenFill xmlns="" xmlns:a14="http://schemas.microsoft.com/office/drawing/2010/main">
                 <a:noFill/>
               </a14:hiddenFill>
             </a:ext>
             <a:ext uri="{AF507438-7753-43e0-B8FC-AC1667EBCBE1}">
-              <a14:hiddenEffects xmlns:a14="http://schemas.microsoft.com/office/drawing/2010/main" xmlns="">
+              <a14:hiddenEffects xmlns="" xmlns:a14="http://schemas.microsoft.com/office/drawing/2010/main">
                 <a:effectLst>
                   <a:outerShdw blurRad="63500" dist="38099" dir="2700000" algn="ctr" rotWithShape="0">
                     <a:schemeClr val="bg2">
@@ -47527,14 +47240,14 @@
           <a:effectLst/>
           <a:extLst>
             <a:ext uri="{909E8E84-426E-40dd-AFC4-6F175D3DCCD1}">
-              <a14:hiddenFill xmlns:a14="http://schemas.microsoft.com/office/drawing/2010/main" xmlns="">
+              <a14:hiddenFill xmlns="" xmlns:a14="http://schemas.microsoft.com/office/drawing/2010/main">
                 <a:solidFill>
                   <a:schemeClr val="accent1"/>
                 </a:solidFill>
               </a14:hiddenFill>
             </a:ext>
             <a:ext uri="{91240B29-F687-4f45-9708-019B960494DF}">
-              <a14:hiddenLine xmlns:a14="http://schemas.microsoft.com/office/drawing/2010/main" xmlns="" w="9525">
+              <a14:hiddenLine xmlns="" xmlns:a14="http://schemas.microsoft.com/office/drawing/2010/main" w="9525">
                 <a:solidFill>
                   <a:schemeClr val="tx1"/>
                 </a:solidFill>
@@ -47544,7 +47257,7 @@
               </a14:hiddenLine>
             </a:ext>
             <a:ext uri="{AF507438-7753-43e0-B8FC-AC1667EBCBE1}">
-              <a14:hiddenEffects xmlns:a14="http://schemas.microsoft.com/office/drawing/2010/main" xmlns="">
+              <a14:hiddenEffects xmlns="" xmlns:a14="http://schemas.microsoft.com/office/drawing/2010/main">
                 <a:effectLst>
                   <a:outerShdw blurRad="63500" dist="38099" dir="2700000" algn="ctr" rotWithShape="0">
                     <a:schemeClr val="bg2">
@@ -47635,14 +47348,14 @@
           <a:effectLst/>
           <a:extLst>
             <a:ext uri="{909E8E84-426E-40dd-AFC4-6F175D3DCCD1}">
-              <a14:hiddenFill xmlns:a14="http://schemas.microsoft.com/office/drawing/2010/main" xmlns="">
+              <a14:hiddenFill xmlns="" xmlns:a14="http://schemas.microsoft.com/office/drawing/2010/main">
                 <a:solidFill>
                   <a:schemeClr val="accent1"/>
                 </a:solidFill>
               </a14:hiddenFill>
             </a:ext>
             <a:ext uri="{91240B29-F687-4f45-9708-019B960494DF}">
-              <a14:hiddenLine xmlns:a14="http://schemas.microsoft.com/office/drawing/2010/main" xmlns="" w="9525">
+              <a14:hiddenLine xmlns="" xmlns:a14="http://schemas.microsoft.com/office/drawing/2010/main" w="9525">
                 <a:solidFill>
                   <a:schemeClr val="tx1"/>
                 </a:solidFill>
@@ -47652,7 +47365,7 @@
               </a14:hiddenLine>
             </a:ext>
             <a:ext uri="{AF507438-7753-43e0-B8FC-AC1667EBCBE1}">
-              <a14:hiddenEffects xmlns:a14="http://schemas.microsoft.com/office/drawing/2010/main" xmlns="">
+              <a14:hiddenEffects xmlns="" xmlns:a14="http://schemas.microsoft.com/office/drawing/2010/main">
                 <a:effectLst>
                   <a:outerShdw blurRad="63500" dist="38099" dir="2700000" algn="ctr" rotWithShape="0">
                     <a:schemeClr val="bg2">
@@ -47705,12 +47418,12 @@
           <a:effectLst/>
           <a:extLst>
             <a:ext uri="{909E8E84-426E-40dd-AFC4-6F175D3DCCD1}">
-              <a14:hiddenFill xmlns:a14="http://schemas.microsoft.com/office/drawing/2010/main" xmlns="">
+              <a14:hiddenFill xmlns="" xmlns:a14="http://schemas.microsoft.com/office/drawing/2010/main">
                 <a:noFill/>
               </a14:hiddenFill>
             </a:ext>
             <a:ext uri="{AF507438-7753-43e0-B8FC-AC1667EBCBE1}">
-              <a14:hiddenEffects xmlns:a14="http://schemas.microsoft.com/office/drawing/2010/main" xmlns="">
+              <a14:hiddenEffects xmlns="" xmlns:a14="http://schemas.microsoft.com/office/drawing/2010/main">
                 <a:effectLst>
                   <a:outerShdw blurRad="63500" dist="38099" dir="2700000" algn="ctr" rotWithShape="0">
                     <a:schemeClr val="bg2">
@@ -47758,12 +47471,12 @@
           <a:effectLst/>
           <a:extLst>
             <a:ext uri="{909E8E84-426E-40dd-AFC4-6F175D3DCCD1}">
-              <a14:hiddenFill xmlns:a14="http://schemas.microsoft.com/office/drawing/2010/main" xmlns="">
+              <a14:hiddenFill xmlns="" xmlns:a14="http://schemas.microsoft.com/office/drawing/2010/main">
                 <a:noFill/>
               </a14:hiddenFill>
             </a:ext>
             <a:ext uri="{AF507438-7753-43e0-B8FC-AC1667EBCBE1}">
-              <a14:hiddenEffects xmlns:a14="http://schemas.microsoft.com/office/drawing/2010/main" xmlns="">
+              <a14:hiddenEffects xmlns="" xmlns:a14="http://schemas.microsoft.com/office/drawing/2010/main">
                 <a:effectLst>
                   <a:outerShdw blurRad="63500" dist="38099" dir="2700000" algn="ctr" rotWithShape="0">
                     <a:schemeClr val="bg2">
@@ -47806,14 +47519,14 @@
           <a:effectLst/>
           <a:extLst>
             <a:ext uri="{909E8E84-426E-40dd-AFC4-6F175D3DCCD1}">
-              <a14:hiddenFill xmlns:a14="http://schemas.microsoft.com/office/drawing/2010/main" xmlns="">
+              <a14:hiddenFill xmlns="" xmlns:a14="http://schemas.microsoft.com/office/drawing/2010/main">
                 <a:solidFill>
                   <a:schemeClr val="accent1"/>
                 </a:solidFill>
               </a14:hiddenFill>
             </a:ext>
             <a:ext uri="{91240B29-F687-4f45-9708-019B960494DF}">
-              <a14:hiddenLine xmlns:a14="http://schemas.microsoft.com/office/drawing/2010/main" xmlns="" w="9525">
+              <a14:hiddenLine xmlns="" xmlns:a14="http://schemas.microsoft.com/office/drawing/2010/main" w="9525">
                 <a:solidFill>
                   <a:schemeClr val="tx1"/>
                 </a:solidFill>
@@ -47823,7 +47536,7 @@
               </a14:hiddenLine>
             </a:ext>
             <a:ext uri="{AF507438-7753-43e0-B8FC-AC1667EBCBE1}">
-              <a14:hiddenEffects xmlns:a14="http://schemas.microsoft.com/office/drawing/2010/main" xmlns="">
+              <a14:hiddenEffects xmlns="" xmlns:a14="http://schemas.microsoft.com/office/drawing/2010/main">
                 <a:effectLst>
                   <a:outerShdw blurRad="63500" dist="38099" dir="2700000" algn="ctr" rotWithShape="0">
                     <a:schemeClr val="bg2">
@@ -47878,7 +47591,7 @@
           <a:effectLst/>
           <a:extLst>
             <a:ext uri="{AF507438-7753-43e0-B8FC-AC1667EBCBE1}">
-              <a14:hiddenEffects xmlns:a14="http://schemas.microsoft.com/office/drawing/2010/main" xmlns="">
+              <a14:hiddenEffects xmlns="" xmlns:a14="http://schemas.microsoft.com/office/drawing/2010/main">
                 <a:effectLst>
                   <a:outerShdw blurRad="63500" dist="38099" dir="2700000" algn="ctr" rotWithShape="0">
                     <a:schemeClr val="bg2">
@@ -47968,14 +47681,14 @@
           <a:effectLst/>
           <a:extLst>
             <a:ext uri="{909E8E84-426E-40dd-AFC4-6F175D3DCCD1}">
-              <a14:hiddenFill xmlns:a14="http://schemas.microsoft.com/office/drawing/2010/main" xmlns="">
+              <a14:hiddenFill xmlns="" xmlns:a14="http://schemas.microsoft.com/office/drawing/2010/main">
                 <a:solidFill>
                   <a:schemeClr val="accent1"/>
                 </a:solidFill>
               </a14:hiddenFill>
             </a:ext>
             <a:ext uri="{AF507438-7753-43e0-B8FC-AC1667EBCBE1}">
-              <a14:hiddenEffects xmlns:a14="http://schemas.microsoft.com/office/drawing/2010/main" xmlns="">
+              <a14:hiddenEffects xmlns="" xmlns:a14="http://schemas.microsoft.com/office/drawing/2010/main">
                 <a:effectLst>
                   <a:outerShdw blurRad="63500" dist="38099" dir="2700000" algn="ctr" rotWithShape="0">
                     <a:schemeClr val="bg2">
@@ -48023,12 +47736,12 @@
           <a:effectLst/>
           <a:extLst>
             <a:ext uri="{909E8E84-426E-40dd-AFC4-6F175D3DCCD1}">
-              <a14:hiddenFill xmlns:a14="http://schemas.microsoft.com/office/drawing/2010/main" xmlns="">
+              <a14:hiddenFill xmlns="" xmlns:a14="http://schemas.microsoft.com/office/drawing/2010/main">
                 <a:noFill/>
               </a14:hiddenFill>
             </a:ext>
             <a:ext uri="{AF507438-7753-43e0-B8FC-AC1667EBCBE1}">
-              <a14:hiddenEffects xmlns:a14="http://schemas.microsoft.com/office/drawing/2010/main" xmlns="">
+              <a14:hiddenEffects xmlns="" xmlns:a14="http://schemas.microsoft.com/office/drawing/2010/main">
                 <a:effectLst>
                   <a:outerShdw blurRad="63500" dist="38099" dir="2700000" algn="ctr" rotWithShape="0">
                     <a:schemeClr val="bg2">
@@ -48071,14 +47784,14 @@
           <a:effectLst/>
           <a:extLst>
             <a:ext uri="{909E8E84-426E-40dd-AFC4-6F175D3DCCD1}">
-              <a14:hiddenFill xmlns:a14="http://schemas.microsoft.com/office/drawing/2010/main" xmlns="">
+              <a14:hiddenFill xmlns="" xmlns:a14="http://schemas.microsoft.com/office/drawing/2010/main">
                 <a:solidFill>
                   <a:schemeClr val="accent1"/>
                 </a:solidFill>
               </a14:hiddenFill>
             </a:ext>
             <a:ext uri="{91240B29-F687-4f45-9708-019B960494DF}">
-              <a14:hiddenLine xmlns:a14="http://schemas.microsoft.com/office/drawing/2010/main" xmlns="" w="9525">
+              <a14:hiddenLine xmlns="" xmlns:a14="http://schemas.microsoft.com/office/drawing/2010/main" w="9525">
                 <a:solidFill>
                   <a:schemeClr val="tx1"/>
                 </a:solidFill>
@@ -48088,7 +47801,7 @@
               </a14:hiddenLine>
             </a:ext>
             <a:ext uri="{AF507438-7753-43e0-B8FC-AC1667EBCBE1}">
-              <a14:hiddenEffects xmlns:a14="http://schemas.microsoft.com/office/drawing/2010/main" xmlns="">
+              <a14:hiddenEffects xmlns="" xmlns:a14="http://schemas.microsoft.com/office/drawing/2010/main">
                 <a:effectLst>
                   <a:outerShdw blurRad="63500" dist="38099" dir="2700000" algn="ctr" rotWithShape="0">
                     <a:schemeClr val="bg2">
@@ -48141,14 +47854,14 @@
           <a:effectLst/>
           <a:extLst>
             <a:ext uri="{909E8E84-426E-40dd-AFC4-6F175D3DCCD1}">
-              <a14:hiddenFill xmlns:a14="http://schemas.microsoft.com/office/drawing/2010/main" xmlns="">
+              <a14:hiddenFill xmlns="" xmlns:a14="http://schemas.microsoft.com/office/drawing/2010/main">
                 <a:solidFill>
                   <a:schemeClr val="accent1"/>
                 </a:solidFill>
               </a14:hiddenFill>
             </a:ext>
             <a:ext uri="{91240B29-F687-4f45-9708-019B960494DF}">
-              <a14:hiddenLine xmlns:a14="http://schemas.microsoft.com/office/drawing/2010/main" xmlns="" w="9525">
+              <a14:hiddenLine xmlns="" xmlns:a14="http://schemas.microsoft.com/office/drawing/2010/main" w="9525">
                 <a:solidFill>
                   <a:schemeClr val="tx1"/>
                 </a:solidFill>
@@ -48158,7 +47871,7 @@
               </a14:hiddenLine>
             </a:ext>
             <a:ext uri="{AF507438-7753-43e0-B8FC-AC1667EBCBE1}">
-              <a14:hiddenEffects xmlns:a14="http://schemas.microsoft.com/office/drawing/2010/main" xmlns="">
+              <a14:hiddenEffects xmlns="" xmlns:a14="http://schemas.microsoft.com/office/drawing/2010/main">
                 <a:effectLst>
                   <a:outerShdw blurRad="63500" dist="38099" dir="2700000" algn="ctr" rotWithShape="0">
                     <a:schemeClr val="bg2">
@@ -48211,14 +47924,14 @@
           <a:effectLst/>
           <a:extLst>
             <a:ext uri="{909E8E84-426E-40dd-AFC4-6F175D3DCCD1}">
-              <a14:hiddenFill xmlns:a14="http://schemas.microsoft.com/office/drawing/2010/main" xmlns="">
+              <a14:hiddenFill xmlns="" xmlns:a14="http://schemas.microsoft.com/office/drawing/2010/main">
                 <a:solidFill>
                   <a:schemeClr val="accent1"/>
                 </a:solidFill>
               </a14:hiddenFill>
             </a:ext>
             <a:ext uri="{91240B29-F687-4f45-9708-019B960494DF}">
-              <a14:hiddenLine xmlns:a14="http://schemas.microsoft.com/office/drawing/2010/main" xmlns="" w="9525">
+              <a14:hiddenLine xmlns="" xmlns:a14="http://schemas.microsoft.com/office/drawing/2010/main" w="9525">
                 <a:solidFill>
                   <a:schemeClr val="tx1"/>
                 </a:solidFill>
@@ -48228,7 +47941,7 @@
               </a14:hiddenLine>
             </a:ext>
             <a:ext uri="{AF507438-7753-43e0-B8FC-AC1667EBCBE1}">
-              <a14:hiddenEffects xmlns:a14="http://schemas.microsoft.com/office/drawing/2010/main" xmlns="">
+              <a14:hiddenEffects xmlns="" xmlns:a14="http://schemas.microsoft.com/office/drawing/2010/main">
                 <a:effectLst>
                   <a:outerShdw blurRad="63500" dist="38099" dir="2700000" algn="ctr" rotWithShape="0">
                     <a:schemeClr val="bg2">
@@ -48445,14 +48158,14 @@
           <a:effectLst/>
           <a:extLst>
             <a:ext uri="{909E8E84-426E-40dd-AFC4-6F175D3DCCD1}">
-              <a14:hiddenFill xmlns:a14="http://schemas.microsoft.com/office/drawing/2010/main" xmlns="">
+              <a14:hiddenFill xmlns="" xmlns:a14="http://schemas.microsoft.com/office/drawing/2010/main">
                 <a:solidFill>
                   <a:schemeClr val="accent1"/>
                 </a:solidFill>
               </a14:hiddenFill>
             </a:ext>
             <a:ext uri="{91240B29-F687-4f45-9708-019B960494DF}">
-              <a14:hiddenLine xmlns:a14="http://schemas.microsoft.com/office/drawing/2010/main" xmlns="" w="9525">
+              <a14:hiddenLine xmlns="" xmlns:a14="http://schemas.microsoft.com/office/drawing/2010/main" w="9525">
                 <a:solidFill>
                   <a:schemeClr val="tx1"/>
                 </a:solidFill>
@@ -48462,7 +48175,7 @@
               </a14:hiddenLine>
             </a:ext>
             <a:ext uri="{AF507438-7753-43e0-B8FC-AC1667EBCBE1}">
-              <a14:hiddenEffects xmlns:a14="http://schemas.microsoft.com/office/drawing/2010/main" xmlns="">
+              <a14:hiddenEffects xmlns="" xmlns:a14="http://schemas.microsoft.com/office/drawing/2010/main">
                 <a:effectLst>
                   <a:outerShdw blurRad="63500" dist="38099" dir="2700000" algn="ctr" rotWithShape="0">
                     <a:schemeClr val="bg2">
@@ -48723,14 +48436,14 @@
           <a:effectLst/>
           <a:extLst>
             <a:ext uri="{909E8E84-426E-40dd-AFC4-6F175D3DCCD1}">
-              <a14:hiddenFill xmlns:a14="http://schemas.microsoft.com/office/drawing/2010/main" xmlns="">
+              <a14:hiddenFill xmlns="" xmlns:a14="http://schemas.microsoft.com/office/drawing/2010/main">
                 <a:solidFill>
                   <a:schemeClr val="accent1"/>
                 </a:solidFill>
               </a14:hiddenFill>
             </a:ext>
             <a:ext uri="{91240B29-F687-4f45-9708-019B960494DF}">
-              <a14:hiddenLine xmlns:a14="http://schemas.microsoft.com/office/drawing/2010/main" xmlns="" w="9525">
+              <a14:hiddenLine xmlns="" xmlns:a14="http://schemas.microsoft.com/office/drawing/2010/main" w="9525">
                 <a:solidFill>
                   <a:schemeClr val="tx1"/>
                 </a:solidFill>
@@ -48740,7 +48453,7 @@
               </a14:hiddenLine>
             </a:ext>
             <a:ext uri="{AF507438-7753-43e0-B8FC-AC1667EBCBE1}">
-              <a14:hiddenEffects xmlns:a14="http://schemas.microsoft.com/office/drawing/2010/main" xmlns="">
+              <a14:hiddenEffects xmlns="" xmlns:a14="http://schemas.microsoft.com/office/drawing/2010/main">
                 <a:effectLst>
                   <a:outerShdw blurRad="63500" dist="38099" dir="2700000" algn="ctr" rotWithShape="0">
                     <a:schemeClr val="bg2">
@@ -48878,7 +48591,7 @@
           <a:effectLst/>
           <a:extLst>
             <a:ext uri="{AF507438-7753-43e0-B8FC-AC1667EBCBE1}">
-              <a14:hiddenEffects xmlns:a14="http://schemas.microsoft.com/office/drawing/2010/main" xmlns="">
+              <a14:hiddenEffects xmlns="" xmlns:a14="http://schemas.microsoft.com/office/drawing/2010/main">
                 <a:effectLst>
                   <a:outerShdw blurRad="63500" dist="38099" dir="2700000" algn="ctr" rotWithShape="0">
                     <a:schemeClr val="bg2">
@@ -48931,7 +48644,7 @@
           <a:effectLst/>
           <a:extLst>
             <a:ext uri="{AF507438-7753-43e0-B8FC-AC1667EBCBE1}">
-              <a14:hiddenEffects xmlns:a14="http://schemas.microsoft.com/office/drawing/2010/main" xmlns="">
+              <a14:hiddenEffects xmlns="" xmlns:a14="http://schemas.microsoft.com/office/drawing/2010/main">
                 <a:effectLst>
                   <a:outerShdw blurRad="63500" dist="38099" dir="2700000" algn="ctr" rotWithShape="0">
                     <a:schemeClr val="bg2">
@@ -48985,7 +48698,7 @@
           <a:effectLst/>
           <a:extLst>
             <a:ext uri="{AF507438-7753-43e0-B8FC-AC1667EBCBE1}">
-              <a14:hiddenEffects xmlns:a14="http://schemas.microsoft.com/office/drawing/2010/main" xmlns="">
+              <a14:hiddenEffects xmlns="" xmlns:a14="http://schemas.microsoft.com/office/drawing/2010/main">
                 <a:effectLst>
                   <a:outerShdw blurRad="63500" dist="38099" dir="2700000" algn="ctr" rotWithShape="0">
                     <a:schemeClr val="bg2">
@@ -49038,7 +48751,7 @@
           <a:effectLst/>
           <a:extLst>
             <a:ext uri="{AF507438-7753-43e0-B8FC-AC1667EBCBE1}">
-              <a14:hiddenEffects xmlns:a14="http://schemas.microsoft.com/office/drawing/2010/main" xmlns="">
+              <a14:hiddenEffects xmlns="" xmlns:a14="http://schemas.microsoft.com/office/drawing/2010/main">
                 <a:effectLst>
                   <a:outerShdw blurRad="63500" dist="38099" dir="2700000" algn="ctr" rotWithShape="0">
                     <a:schemeClr val="bg2">
@@ -49099,7 +48812,7 @@
           <a:effectLst/>
           <a:extLst>
             <a:ext uri="{AF507438-7753-43e0-B8FC-AC1667EBCBE1}">
-              <a14:hiddenEffects xmlns:a14="http://schemas.microsoft.com/office/drawing/2010/main" xmlns="">
+              <a14:hiddenEffects xmlns="" xmlns:a14="http://schemas.microsoft.com/office/drawing/2010/main">
                 <a:effectLst>
                   <a:outerShdw blurRad="63500" dist="38099" dir="2700000" algn="ctr" rotWithShape="0">
                     <a:schemeClr val="bg2">
@@ -49160,14 +48873,14 @@
           <a:effectLst/>
           <a:extLst>
             <a:ext uri="{909E8E84-426E-40dd-AFC4-6F175D3DCCD1}">
-              <a14:hiddenFill xmlns:a14="http://schemas.microsoft.com/office/drawing/2010/main" xmlns="">
+              <a14:hiddenFill xmlns="" xmlns:a14="http://schemas.microsoft.com/office/drawing/2010/main">
                 <a:solidFill>
                   <a:schemeClr val="accent1"/>
                 </a:solidFill>
               </a14:hiddenFill>
             </a:ext>
             <a:ext uri="{91240B29-F687-4f45-9708-019B960494DF}">
-              <a14:hiddenLine xmlns:a14="http://schemas.microsoft.com/office/drawing/2010/main" xmlns="" w="9525">
+              <a14:hiddenLine xmlns="" xmlns:a14="http://schemas.microsoft.com/office/drawing/2010/main" w="9525">
                 <a:solidFill>
                   <a:schemeClr val="tx1"/>
                 </a:solidFill>
@@ -49177,7 +48890,7 @@
               </a14:hiddenLine>
             </a:ext>
             <a:ext uri="{AF507438-7753-43e0-B8FC-AC1667EBCBE1}">
-              <a14:hiddenEffects xmlns:a14="http://schemas.microsoft.com/office/drawing/2010/main" xmlns="">
+              <a14:hiddenEffects xmlns="" xmlns:a14="http://schemas.microsoft.com/office/drawing/2010/main">
                 <a:effectLst>
                   <a:outerShdw blurRad="63500" dist="38099" dir="2700000" algn="ctr" rotWithShape="0">
                     <a:schemeClr val="bg2">
@@ -49230,14 +48943,14 @@
           <a:effectLst/>
           <a:extLst>
             <a:ext uri="{909E8E84-426E-40dd-AFC4-6F175D3DCCD1}">
-              <a14:hiddenFill xmlns:a14="http://schemas.microsoft.com/office/drawing/2010/main" xmlns="">
+              <a14:hiddenFill xmlns="" xmlns:a14="http://schemas.microsoft.com/office/drawing/2010/main">
                 <a:solidFill>
                   <a:schemeClr val="accent1"/>
                 </a:solidFill>
               </a14:hiddenFill>
             </a:ext>
             <a:ext uri="{91240B29-F687-4f45-9708-019B960494DF}">
-              <a14:hiddenLine xmlns:a14="http://schemas.microsoft.com/office/drawing/2010/main" xmlns="" w="9525">
+              <a14:hiddenLine xmlns="" xmlns:a14="http://schemas.microsoft.com/office/drawing/2010/main" w="9525">
                 <a:solidFill>
                   <a:schemeClr val="tx1"/>
                 </a:solidFill>
@@ -49247,7 +48960,7 @@
               </a14:hiddenLine>
             </a:ext>
             <a:ext uri="{AF507438-7753-43e0-B8FC-AC1667EBCBE1}">
-              <a14:hiddenEffects xmlns:a14="http://schemas.microsoft.com/office/drawing/2010/main" xmlns="">
+              <a14:hiddenEffects xmlns="" xmlns:a14="http://schemas.microsoft.com/office/drawing/2010/main">
                 <a:effectLst>
                   <a:outerShdw blurRad="63500" dist="38099" dir="2700000" algn="ctr" rotWithShape="0">
                     <a:schemeClr val="bg2">
@@ -49300,14 +49013,14 @@
           <a:effectLst/>
           <a:extLst>
             <a:ext uri="{909E8E84-426E-40dd-AFC4-6F175D3DCCD1}">
-              <a14:hiddenFill xmlns:a14="http://schemas.microsoft.com/office/drawing/2010/main" xmlns="">
+              <a14:hiddenFill xmlns="" xmlns:a14="http://schemas.microsoft.com/office/drawing/2010/main">
                 <a:solidFill>
                   <a:schemeClr val="accent1"/>
                 </a:solidFill>
               </a14:hiddenFill>
             </a:ext>
             <a:ext uri="{91240B29-F687-4f45-9708-019B960494DF}">
-              <a14:hiddenLine xmlns:a14="http://schemas.microsoft.com/office/drawing/2010/main" xmlns="" w="9525">
+              <a14:hiddenLine xmlns="" xmlns:a14="http://schemas.microsoft.com/office/drawing/2010/main" w="9525">
                 <a:solidFill>
                   <a:schemeClr val="tx1"/>
                 </a:solidFill>
@@ -49317,7 +49030,7 @@
               </a14:hiddenLine>
             </a:ext>
             <a:ext uri="{AF507438-7753-43e0-B8FC-AC1667EBCBE1}">
-              <a14:hiddenEffects xmlns:a14="http://schemas.microsoft.com/office/drawing/2010/main" xmlns="">
+              <a14:hiddenEffects xmlns="" xmlns:a14="http://schemas.microsoft.com/office/drawing/2010/main">
                 <a:effectLst>
                   <a:outerShdw blurRad="63500" dist="38099" dir="2700000" algn="ctr" rotWithShape="0">
                     <a:schemeClr val="bg2">
@@ -49415,14 +49128,14 @@
           <a:effectLst/>
           <a:extLst>
             <a:ext uri="{909E8E84-426E-40dd-AFC4-6F175D3DCCD1}">
-              <a14:hiddenFill xmlns:a14="http://schemas.microsoft.com/office/drawing/2010/main" xmlns="">
+              <a14:hiddenFill xmlns="" xmlns:a14="http://schemas.microsoft.com/office/drawing/2010/main">
                 <a:solidFill>
                   <a:schemeClr val="accent1"/>
                 </a:solidFill>
               </a14:hiddenFill>
             </a:ext>
             <a:ext uri="{91240B29-F687-4f45-9708-019B960494DF}">
-              <a14:hiddenLine xmlns:a14="http://schemas.microsoft.com/office/drawing/2010/main" xmlns="" w="9525">
+              <a14:hiddenLine xmlns="" xmlns:a14="http://schemas.microsoft.com/office/drawing/2010/main" w="9525">
                 <a:solidFill>
                   <a:schemeClr val="tx1"/>
                 </a:solidFill>
@@ -49432,7 +49145,7 @@
               </a14:hiddenLine>
             </a:ext>
             <a:ext uri="{AF507438-7753-43e0-B8FC-AC1667EBCBE1}">
-              <a14:hiddenEffects xmlns:a14="http://schemas.microsoft.com/office/drawing/2010/main" xmlns="">
+              <a14:hiddenEffects xmlns="" xmlns:a14="http://schemas.microsoft.com/office/drawing/2010/main">
                 <a:effectLst>
                   <a:outerShdw blurRad="63500" dist="38099" dir="2700000" algn="ctr" rotWithShape="0">
                     <a:schemeClr val="bg2">
@@ -49496,14 +49209,14 @@
           <a:effectLst/>
           <a:extLst>
             <a:ext uri="{909E8E84-426E-40dd-AFC4-6F175D3DCCD1}">
-              <a14:hiddenFill xmlns:a14="http://schemas.microsoft.com/office/drawing/2010/main" xmlns="">
+              <a14:hiddenFill xmlns="" xmlns:a14="http://schemas.microsoft.com/office/drawing/2010/main">
                 <a:solidFill>
                   <a:schemeClr val="accent1"/>
                 </a:solidFill>
               </a14:hiddenFill>
             </a:ext>
             <a:ext uri="{91240B29-F687-4f45-9708-019B960494DF}">
-              <a14:hiddenLine xmlns:a14="http://schemas.microsoft.com/office/drawing/2010/main" xmlns="" w="9525">
+              <a14:hiddenLine xmlns="" xmlns:a14="http://schemas.microsoft.com/office/drawing/2010/main" w="9525">
                 <a:solidFill>
                   <a:schemeClr val="tx1"/>
                 </a:solidFill>
@@ -49513,7 +49226,7 @@
               </a14:hiddenLine>
             </a:ext>
             <a:ext uri="{AF507438-7753-43e0-B8FC-AC1667EBCBE1}">
-              <a14:hiddenEffects xmlns:a14="http://schemas.microsoft.com/office/drawing/2010/main" xmlns="">
+              <a14:hiddenEffects xmlns="" xmlns:a14="http://schemas.microsoft.com/office/drawing/2010/main">
                 <a:effectLst>
                   <a:outerShdw blurRad="63500" dist="38099" dir="2700000" algn="ctr" rotWithShape="0">
                     <a:schemeClr val="bg2">
@@ -49575,7 +49288,7 @@
           <a:noFill/>
           <a:extLst>
             <a:ext uri="{909E8E84-426E-40dd-AFC4-6F175D3DCCD1}">
-              <a14:hiddenFill xmlns:a14="http://schemas.microsoft.com/office/drawing/2010/main" xmlns="">
+              <a14:hiddenFill xmlns="" xmlns:a14="http://schemas.microsoft.com/office/drawing/2010/main">
                 <a:solidFill>
                   <a:srgbClr val="FFFFFF"/>
                 </a:solidFill>
@@ -49705,7 +49418,7 @@
           <a:noFill/>
           <a:extLst>
             <a:ext uri="{909E8E84-426E-40dd-AFC4-6F175D3DCCD1}">
-              <a14:hiddenFill xmlns:a14="http://schemas.microsoft.com/office/drawing/2010/main" xmlns="">
+              <a14:hiddenFill xmlns="" xmlns:a14="http://schemas.microsoft.com/office/drawing/2010/main">
                 <a:solidFill>
                   <a:srgbClr val="FFFFFF"/>
                 </a:solidFill>
@@ -49737,14 +49450,14 @@
           <a:effectLst/>
           <a:extLst>
             <a:ext uri="{909E8E84-426E-40dd-AFC4-6F175D3DCCD1}">
-              <a14:hiddenFill xmlns:a14="http://schemas.microsoft.com/office/drawing/2010/main" xmlns="">
+              <a14:hiddenFill xmlns="" xmlns:a14="http://schemas.microsoft.com/office/drawing/2010/main">
                 <a:solidFill>
                   <a:schemeClr val="accent1"/>
                 </a:solidFill>
               </a14:hiddenFill>
             </a:ext>
             <a:ext uri="{91240B29-F687-4f45-9708-019B960494DF}">
-              <a14:hiddenLine xmlns:a14="http://schemas.microsoft.com/office/drawing/2010/main" xmlns="" w="9525">
+              <a14:hiddenLine xmlns="" xmlns:a14="http://schemas.microsoft.com/office/drawing/2010/main" w="9525">
                 <a:solidFill>
                   <a:schemeClr val="tx1"/>
                 </a:solidFill>
@@ -49754,7 +49467,7 @@
               </a14:hiddenLine>
             </a:ext>
             <a:ext uri="{AF507438-7753-43e0-B8FC-AC1667EBCBE1}">
-              <a14:hiddenEffects xmlns:a14="http://schemas.microsoft.com/office/drawing/2010/main" xmlns="">
+              <a14:hiddenEffects xmlns="" xmlns:a14="http://schemas.microsoft.com/office/drawing/2010/main">
                 <a:effectLst>
                   <a:outerShdw blurRad="63500" dist="38099" dir="2700000" algn="ctr" rotWithShape="0">
                     <a:schemeClr val="bg2">
@@ -50027,14 +49740,14 @@
           <a:effectLst/>
           <a:extLst>
             <a:ext uri="{909E8E84-426E-40dd-AFC4-6F175D3DCCD1}">
-              <a14:hiddenFill xmlns:a14="http://schemas.microsoft.com/office/drawing/2010/main" xmlns="">
+              <a14:hiddenFill xmlns="" xmlns:a14="http://schemas.microsoft.com/office/drawing/2010/main">
                 <a:solidFill>
                   <a:schemeClr val="accent1"/>
                 </a:solidFill>
               </a14:hiddenFill>
             </a:ext>
             <a:ext uri="{91240B29-F687-4f45-9708-019B960494DF}">
-              <a14:hiddenLine xmlns:a14="http://schemas.microsoft.com/office/drawing/2010/main" xmlns="" w="9525">
+              <a14:hiddenLine xmlns="" xmlns:a14="http://schemas.microsoft.com/office/drawing/2010/main" w="9525">
                 <a:solidFill>
                   <a:schemeClr val="tx1"/>
                 </a:solidFill>
@@ -50044,7 +49757,7 @@
               </a14:hiddenLine>
             </a:ext>
             <a:ext uri="{AF507438-7753-43e0-B8FC-AC1667EBCBE1}">
-              <a14:hiddenEffects xmlns:a14="http://schemas.microsoft.com/office/drawing/2010/main" xmlns="">
+              <a14:hiddenEffects xmlns="" xmlns:a14="http://schemas.microsoft.com/office/drawing/2010/main">
                 <a:effectLst>
                   <a:outerShdw blurRad="63500" dist="38099" dir="2700000" algn="ctr" rotWithShape="0">
                     <a:schemeClr val="bg2">
@@ -51259,7 +50972,7 @@
         <a:effectLst/>
         <a:extLst>
           <a:ext uri="{AF507438-7753-43e0-B8FC-AC1667EBCBE1}">
-            <a14:hiddenEffects xmlns:a14="http://schemas.microsoft.com/office/drawing/2010/main" xmlns="">
+            <a14:hiddenEffects xmlns="" xmlns:a14="http://schemas.microsoft.com/office/drawing/2010/main">
               <a:effectLst>
                 <a:outerShdw blurRad="63500" dist="38099" dir="2700000" algn="ctr" rotWithShape="0">
                   <a:schemeClr val="bg2">
@@ -51335,7 +51048,7 @@
         <a:effectLst/>
         <a:extLst>
           <a:ext uri="{AF507438-7753-43e0-B8FC-AC1667EBCBE1}">
-            <a14:hiddenEffects xmlns:a14="http://schemas.microsoft.com/office/drawing/2010/main" xmlns="">
+            <a14:hiddenEffects xmlns="" xmlns:a14="http://schemas.microsoft.com/office/drawing/2010/main">
               <a:effectLst>
                 <a:outerShdw blurRad="63500" dist="38099" dir="2700000" algn="ctr" rotWithShape="0">
                   <a:schemeClr val="bg2">

--- a/Lectures/M2-IntroToDesignAndArchitecture.pptx
+++ b/Lectures/M2-IntroToDesignAndArchitecture.pptx
@@ -297,14 +297,14 @@
               <ma14:placeholderFlag xmlns:ma14="http://schemas.microsoft.com/office/mac/drawingml/2011/main" val="1"/>
             </a:ext>
             <a:ext uri="{909E8E84-426E-40dd-AFC4-6F175D3DCCD1}">
-              <a14:hiddenFill xmlns="" xmlns:a14="http://schemas.microsoft.com/office/drawing/2010/main">
+              <a14:hiddenFill xmlns:a14="http://schemas.microsoft.com/office/drawing/2010/main" xmlns="">
                 <a:solidFill>
                   <a:schemeClr val="accent1"/>
                 </a:solidFill>
               </a14:hiddenFill>
             </a:ext>
             <a:ext uri="{91240B29-F687-4f45-9708-019B960494DF}">
-              <a14:hiddenLine xmlns="" xmlns:a14="http://schemas.microsoft.com/office/drawing/2010/main" w="9525">
+              <a14:hiddenLine xmlns:a14="http://schemas.microsoft.com/office/drawing/2010/main" xmlns="" w="9525">
                 <a:solidFill>
                   <a:schemeClr val="tx1"/>
                 </a:solidFill>
@@ -314,7 +314,7 @@
               </a14:hiddenLine>
             </a:ext>
             <a:ext uri="{AF507438-7753-43e0-B8FC-AC1667EBCBE1}">
-              <a14:hiddenEffects xmlns="" xmlns:a14="http://schemas.microsoft.com/office/drawing/2010/main">
+              <a14:hiddenEffects xmlns:a14="http://schemas.microsoft.com/office/drawing/2010/main" xmlns="">
                 <a:effectLst>
                   <a:outerShdw blurRad="63500" dist="38099" dir="2700000" algn="ctr" rotWithShape="0">
                     <a:schemeClr val="bg2">
@@ -370,14 +370,14 @@
               <ma14:placeholderFlag xmlns:ma14="http://schemas.microsoft.com/office/mac/drawingml/2011/main" val="1"/>
             </a:ext>
             <a:ext uri="{909E8E84-426E-40dd-AFC4-6F175D3DCCD1}">
-              <a14:hiddenFill xmlns="" xmlns:a14="http://schemas.microsoft.com/office/drawing/2010/main">
+              <a14:hiddenFill xmlns:a14="http://schemas.microsoft.com/office/drawing/2010/main" xmlns="">
                 <a:solidFill>
                   <a:schemeClr val="accent1"/>
                 </a:solidFill>
               </a14:hiddenFill>
             </a:ext>
             <a:ext uri="{91240B29-F687-4f45-9708-019B960494DF}">
-              <a14:hiddenLine xmlns="" xmlns:a14="http://schemas.microsoft.com/office/drawing/2010/main" w="9525">
+              <a14:hiddenLine xmlns:a14="http://schemas.microsoft.com/office/drawing/2010/main" xmlns="" w="9525">
                 <a:solidFill>
                   <a:schemeClr val="tx1"/>
                 </a:solidFill>
@@ -387,7 +387,7 @@
               </a14:hiddenLine>
             </a:ext>
             <a:ext uri="{AF507438-7753-43e0-B8FC-AC1667EBCBE1}">
-              <a14:hiddenEffects xmlns="" xmlns:a14="http://schemas.microsoft.com/office/drawing/2010/main">
+              <a14:hiddenEffects xmlns:a14="http://schemas.microsoft.com/office/drawing/2010/main" xmlns="">
                 <a:effectLst>
                   <a:outerShdw blurRad="63500" dist="38099" dir="2700000" algn="ctr" rotWithShape="0">
                     <a:schemeClr val="bg2">
@@ -443,14 +443,14 @@
               <ma14:placeholderFlag xmlns:ma14="http://schemas.microsoft.com/office/mac/drawingml/2011/main" val="1"/>
             </a:ext>
             <a:ext uri="{909E8E84-426E-40dd-AFC4-6F175D3DCCD1}">
-              <a14:hiddenFill xmlns="" xmlns:a14="http://schemas.microsoft.com/office/drawing/2010/main">
+              <a14:hiddenFill xmlns:a14="http://schemas.microsoft.com/office/drawing/2010/main" xmlns="">
                 <a:solidFill>
                   <a:schemeClr val="accent1"/>
                 </a:solidFill>
               </a14:hiddenFill>
             </a:ext>
             <a:ext uri="{91240B29-F687-4f45-9708-019B960494DF}">
-              <a14:hiddenLine xmlns="" xmlns:a14="http://schemas.microsoft.com/office/drawing/2010/main" w="9525">
+              <a14:hiddenLine xmlns:a14="http://schemas.microsoft.com/office/drawing/2010/main" xmlns="" w="9525">
                 <a:solidFill>
                   <a:schemeClr val="tx1"/>
                 </a:solidFill>
@@ -460,7 +460,7 @@
               </a14:hiddenLine>
             </a:ext>
             <a:ext uri="{AF507438-7753-43e0-B8FC-AC1667EBCBE1}">
-              <a14:hiddenEffects xmlns="" xmlns:a14="http://schemas.microsoft.com/office/drawing/2010/main">
+              <a14:hiddenEffects xmlns:a14="http://schemas.microsoft.com/office/drawing/2010/main" xmlns="">
                 <a:effectLst>
                   <a:outerShdw blurRad="63500" dist="38099" dir="2700000" algn="ctr" rotWithShape="0">
                     <a:schemeClr val="bg2">
@@ -516,14 +516,14 @@
               <ma14:placeholderFlag xmlns:ma14="http://schemas.microsoft.com/office/mac/drawingml/2011/main" val="1"/>
             </a:ext>
             <a:ext uri="{909E8E84-426E-40dd-AFC4-6F175D3DCCD1}">
-              <a14:hiddenFill xmlns="" xmlns:a14="http://schemas.microsoft.com/office/drawing/2010/main">
+              <a14:hiddenFill xmlns:a14="http://schemas.microsoft.com/office/drawing/2010/main" xmlns="">
                 <a:solidFill>
                   <a:schemeClr val="accent1"/>
                 </a:solidFill>
               </a14:hiddenFill>
             </a:ext>
             <a:ext uri="{91240B29-F687-4f45-9708-019B960494DF}">
-              <a14:hiddenLine xmlns="" xmlns:a14="http://schemas.microsoft.com/office/drawing/2010/main" w="9525">
+              <a14:hiddenLine xmlns:a14="http://schemas.microsoft.com/office/drawing/2010/main" xmlns="" w="9525">
                 <a:solidFill>
                   <a:schemeClr val="tx1"/>
                 </a:solidFill>
@@ -533,7 +533,7 @@
               </a14:hiddenLine>
             </a:ext>
             <a:ext uri="{AF507438-7753-43e0-B8FC-AC1667EBCBE1}">
-              <a14:hiddenEffects xmlns="" xmlns:a14="http://schemas.microsoft.com/office/drawing/2010/main">
+              <a14:hiddenEffects xmlns:a14="http://schemas.microsoft.com/office/drawing/2010/main" xmlns="">
                 <a:effectLst>
                   <a:outerShdw blurRad="63500" dist="38099" dir="2700000" algn="ctr" rotWithShape="0">
                     <a:schemeClr val="bg2">
@@ -630,14 +630,14 @@
               <ma14:placeholderFlag xmlns:ma14="http://schemas.microsoft.com/office/mac/drawingml/2011/main" val="1"/>
             </a:ext>
             <a:ext uri="{909E8E84-426E-40dd-AFC4-6F175D3DCCD1}">
-              <a14:hiddenFill xmlns="" xmlns:a14="http://schemas.microsoft.com/office/drawing/2010/main">
+              <a14:hiddenFill xmlns:a14="http://schemas.microsoft.com/office/drawing/2010/main" xmlns="">
                 <a:solidFill>
                   <a:schemeClr val="accent1"/>
                 </a:solidFill>
               </a14:hiddenFill>
             </a:ext>
             <a:ext uri="{91240B29-F687-4f45-9708-019B960494DF}">
-              <a14:hiddenLine xmlns="" xmlns:a14="http://schemas.microsoft.com/office/drawing/2010/main" w="9525">
+              <a14:hiddenLine xmlns:a14="http://schemas.microsoft.com/office/drawing/2010/main" xmlns="" w="9525">
                 <a:solidFill>
                   <a:schemeClr val="tx1"/>
                 </a:solidFill>
@@ -647,7 +647,7 @@
               </a14:hiddenLine>
             </a:ext>
             <a:ext uri="{AF507438-7753-43e0-B8FC-AC1667EBCBE1}">
-              <a14:hiddenEffects xmlns="" xmlns:a14="http://schemas.microsoft.com/office/drawing/2010/main">
+              <a14:hiddenEffects xmlns:a14="http://schemas.microsoft.com/office/drawing/2010/main" xmlns="">
                 <a:effectLst>
                   <a:outerShdw blurRad="63500" dist="38099" dir="2700000" algn="ctr" rotWithShape="0">
                     <a:schemeClr val="bg2">
@@ -703,14 +703,14 @@
               <ma14:placeholderFlag xmlns:ma14="http://schemas.microsoft.com/office/mac/drawingml/2011/main" val="1"/>
             </a:ext>
             <a:ext uri="{909E8E84-426E-40dd-AFC4-6F175D3DCCD1}">
-              <a14:hiddenFill xmlns="" xmlns:a14="http://schemas.microsoft.com/office/drawing/2010/main">
+              <a14:hiddenFill xmlns:a14="http://schemas.microsoft.com/office/drawing/2010/main" xmlns="">
                 <a:solidFill>
                   <a:schemeClr val="accent1"/>
                 </a:solidFill>
               </a14:hiddenFill>
             </a:ext>
             <a:ext uri="{91240B29-F687-4f45-9708-019B960494DF}">
-              <a14:hiddenLine xmlns="" xmlns:a14="http://schemas.microsoft.com/office/drawing/2010/main" w="9525">
+              <a14:hiddenLine xmlns:a14="http://schemas.microsoft.com/office/drawing/2010/main" xmlns="" w="9525">
                 <a:solidFill>
                   <a:schemeClr val="tx1"/>
                 </a:solidFill>
@@ -720,7 +720,7 @@
               </a14:hiddenLine>
             </a:ext>
             <a:ext uri="{AF507438-7753-43e0-B8FC-AC1667EBCBE1}">
-              <a14:hiddenEffects xmlns="" xmlns:a14="http://schemas.microsoft.com/office/drawing/2010/main">
+              <a14:hiddenEffects xmlns:a14="http://schemas.microsoft.com/office/drawing/2010/main" xmlns="">
                 <a:effectLst>
                   <a:outerShdw blurRad="63500" dist="38099" dir="2700000" algn="ctr" rotWithShape="0">
                     <a:schemeClr val="bg2">
@@ -778,7 +778,7 @@
           <a:effectLst/>
           <a:extLst>
             <a:ext uri="{AF507438-7753-43e0-B8FC-AC1667EBCBE1}">
-              <a14:hiddenEffects xmlns="" xmlns:a14="http://schemas.microsoft.com/office/drawing/2010/main">
+              <a14:hiddenEffects xmlns:a14="http://schemas.microsoft.com/office/drawing/2010/main" xmlns="">
                 <a:effectLst>
                   <a:outerShdw blurRad="63500" dist="38099" dir="2700000" algn="ctr" rotWithShape="0">
                     <a:srgbClr val="000000">
@@ -789,7 +789,7 @@
               </a14:hiddenEffects>
             </a:ext>
             <a:ext uri="{53640926-AAD7-44d8-BBD7-CCE9431645EC}">
-              <a14:shadowObscured xmlns="" xmlns:a14="http://schemas.microsoft.com/office/drawing/2010/main" val="1"/>
+              <a14:shadowObscured xmlns:a14="http://schemas.microsoft.com/office/drawing/2010/main" xmlns="" val="1"/>
             </a:ext>
           </a:extLst>
         </p:spPr>
@@ -822,14 +822,14 @@
               <ma14:placeholderFlag xmlns:ma14="http://schemas.microsoft.com/office/mac/drawingml/2011/main" val="1"/>
             </a:ext>
             <a:ext uri="{909E8E84-426E-40dd-AFC4-6F175D3DCCD1}">
-              <a14:hiddenFill xmlns="" xmlns:a14="http://schemas.microsoft.com/office/drawing/2010/main">
+              <a14:hiddenFill xmlns:a14="http://schemas.microsoft.com/office/drawing/2010/main" xmlns="">
                 <a:solidFill>
                   <a:schemeClr val="accent1"/>
                 </a:solidFill>
               </a14:hiddenFill>
             </a:ext>
             <a:ext uri="{91240B29-F687-4f45-9708-019B960494DF}">
-              <a14:hiddenLine xmlns="" xmlns:a14="http://schemas.microsoft.com/office/drawing/2010/main" w="9525">
+              <a14:hiddenLine xmlns:a14="http://schemas.microsoft.com/office/drawing/2010/main" xmlns="" w="9525">
                 <a:solidFill>
                   <a:schemeClr val="tx1"/>
                 </a:solidFill>
@@ -839,7 +839,7 @@
               </a14:hiddenLine>
             </a:ext>
             <a:ext uri="{AF507438-7753-43e0-B8FC-AC1667EBCBE1}">
-              <a14:hiddenEffects xmlns="" xmlns:a14="http://schemas.microsoft.com/office/drawing/2010/main">
+              <a14:hiddenEffects xmlns:a14="http://schemas.microsoft.com/office/drawing/2010/main" xmlns="">
                 <a:effectLst>
                   <a:outerShdw blurRad="63500" dist="38099" dir="2700000" algn="ctr" rotWithShape="0">
                     <a:schemeClr val="bg2">
@@ -923,14 +923,14 @@
               <ma14:placeholderFlag xmlns:ma14="http://schemas.microsoft.com/office/mac/drawingml/2011/main" val="1"/>
             </a:ext>
             <a:ext uri="{909E8E84-426E-40dd-AFC4-6F175D3DCCD1}">
-              <a14:hiddenFill xmlns="" xmlns:a14="http://schemas.microsoft.com/office/drawing/2010/main">
+              <a14:hiddenFill xmlns:a14="http://schemas.microsoft.com/office/drawing/2010/main" xmlns="">
                 <a:solidFill>
                   <a:schemeClr val="accent1"/>
                 </a:solidFill>
               </a14:hiddenFill>
             </a:ext>
             <a:ext uri="{91240B29-F687-4f45-9708-019B960494DF}">
-              <a14:hiddenLine xmlns="" xmlns:a14="http://schemas.microsoft.com/office/drawing/2010/main" w="9525">
+              <a14:hiddenLine xmlns:a14="http://schemas.microsoft.com/office/drawing/2010/main" xmlns="" w="9525">
                 <a:solidFill>
                   <a:schemeClr val="tx1"/>
                 </a:solidFill>
@@ -940,7 +940,7 @@
               </a14:hiddenLine>
             </a:ext>
             <a:ext uri="{AF507438-7753-43e0-B8FC-AC1667EBCBE1}">
-              <a14:hiddenEffects xmlns="" xmlns:a14="http://schemas.microsoft.com/office/drawing/2010/main">
+              <a14:hiddenEffects xmlns:a14="http://schemas.microsoft.com/office/drawing/2010/main" xmlns="">
                 <a:effectLst>
                   <a:outerShdw blurRad="63500" dist="38099" dir="2700000" algn="ctr" rotWithShape="0">
                     <a:schemeClr val="bg2">
@@ -996,14 +996,14 @@
               <ma14:placeholderFlag xmlns:ma14="http://schemas.microsoft.com/office/mac/drawingml/2011/main" val="1"/>
             </a:ext>
             <a:ext uri="{909E8E84-426E-40dd-AFC4-6F175D3DCCD1}">
-              <a14:hiddenFill xmlns="" xmlns:a14="http://schemas.microsoft.com/office/drawing/2010/main">
+              <a14:hiddenFill xmlns:a14="http://schemas.microsoft.com/office/drawing/2010/main" xmlns="">
                 <a:solidFill>
                   <a:schemeClr val="accent1"/>
                 </a:solidFill>
               </a14:hiddenFill>
             </a:ext>
             <a:ext uri="{91240B29-F687-4f45-9708-019B960494DF}">
-              <a14:hiddenLine xmlns="" xmlns:a14="http://schemas.microsoft.com/office/drawing/2010/main" w="9525">
+              <a14:hiddenLine xmlns:a14="http://schemas.microsoft.com/office/drawing/2010/main" xmlns="" w="9525">
                 <a:solidFill>
                   <a:schemeClr val="tx1"/>
                 </a:solidFill>
@@ -1013,7 +1013,7 @@
               </a14:hiddenLine>
             </a:ext>
             <a:ext uri="{AF507438-7753-43e0-B8FC-AC1667EBCBE1}">
-              <a14:hiddenEffects xmlns="" xmlns:a14="http://schemas.microsoft.com/office/drawing/2010/main">
+              <a14:hiddenEffects xmlns:a14="http://schemas.microsoft.com/office/drawing/2010/main" xmlns="">
                 <a:effectLst>
                   <a:outerShdw blurRad="63500" dist="38099" dir="2700000" algn="ctr" rotWithShape="0">
                     <a:schemeClr val="bg2">
@@ -1367,14 +1367,14 @@
               <ma14:placeholderFlag xmlns:ma14="http://schemas.microsoft.com/office/mac/drawingml/2011/main" val="1"/>
             </a:ext>
             <a:ext uri="{909E8E84-426E-40dd-AFC4-6F175D3DCCD1}">
-              <a14:hiddenFill xmlns="" xmlns:a14="http://schemas.microsoft.com/office/drawing/2010/main">
+              <a14:hiddenFill xmlns:a14="http://schemas.microsoft.com/office/drawing/2010/main" xmlns="">
                 <a:solidFill>
                   <a:schemeClr val="accent1"/>
                 </a:solidFill>
               </a14:hiddenFill>
             </a:ext>
             <a:ext uri="{91240B29-F687-4f45-9708-019B960494DF}">
-              <a14:hiddenLine xmlns="" xmlns:a14="http://schemas.microsoft.com/office/drawing/2010/main" w="9525">
+              <a14:hiddenLine xmlns:a14="http://schemas.microsoft.com/office/drawing/2010/main" xmlns="" w="9525">
                 <a:solidFill>
                   <a:schemeClr val="tx1"/>
                 </a:solidFill>
@@ -1384,7 +1384,7 @@
               </a14:hiddenLine>
             </a:ext>
             <a:ext uri="{AF507438-7753-43e0-B8FC-AC1667EBCBE1}">
-              <a14:hiddenEffects xmlns="" xmlns:a14="http://schemas.microsoft.com/office/drawing/2010/main">
+              <a14:hiddenEffects xmlns:a14="http://schemas.microsoft.com/office/drawing/2010/main" xmlns="">
                 <a:effectLst>
                   <a:outerShdw blurRad="63500" dist="38099" dir="2700000" algn="ctr" rotWithShape="0">
                     <a:schemeClr val="bg2">
@@ -1609,14 +1609,14 @@
               <ma14:placeholderFlag xmlns:ma14="http://schemas.microsoft.com/office/mac/drawingml/2011/main" val="1"/>
             </a:ext>
             <a:ext uri="{909E8E84-426E-40dd-AFC4-6F175D3DCCD1}">
-              <a14:hiddenFill xmlns="" xmlns:a14="http://schemas.microsoft.com/office/drawing/2010/main">
+              <a14:hiddenFill xmlns:a14="http://schemas.microsoft.com/office/drawing/2010/main" xmlns="">
                 <a:solidFill>
                   <a:schemeClr val="accent1"/>
                 </a:solidFill>
               </a14:hiddenFill>
             </a:ext>
             <a:ext uri="{91240B29-F687-4f45-9708-019B960494DF}">
-              <a14:hiddenLine xmlns="" xmlns:a14="http://schemas.microsoft.com/office/drawing/2010/main" w="9525">
+              <a14:hiddenLine xmlns:a14="http://schemas.microsoft.com/office/drawing/2010/main" xmlns="" w="9525">
                 <a:solidFill>
                   <a:schemeClr val="tx1"/>
                 </a:solidFill>
@@ -1626,7 +1626,7 @@
               </a14:hiddenLine>
             </a:ext>
             <a:ext uri="{AF507438-7753-43e0-B8FC-AC1667EBCBE1}">
-              <a14:hiddenEffects xmlns="" xmlns:a14="http://schemas.microsoft.com/office/drawing/2010/main">
+              <a14:hiddenEffects xmlns:a14="http://schemas.microsoft.com/office/drawing/2010/main" xmlns="">
                 <a:effectLst>
                   <a:outerShdw blurRad="63500" dist="38099" dir="2700000" algn="ctr" rotWithShape="0">
                     <a:schemeClr val="bg2">
@@ -1851,14 +1851,14 @@
               <ma14:placeholderFlag xmlns:ma14="http://schemas.microsoft.com/office/mac/drawingml/2011/main" val="1"/>
             </a:ext>
             <a:ext uri="{909E8E84-426E-40dd-AFC4-6F175D3DCCD1}">
-              <a14:hiddenFill xmlns="" xmlns:a14="http://schemas.microsoft.com/office/drawing/2010/main">
+              <a14:hiddenFill xmlns:a14="http://schemas.microsoft.com/office/drawing/2010/main" xmlns="">
                 <a:solidFill>
                   <a:schemeClr val="accent1"/>
                 </a:solidFill>
               </a14:hiddenFill>
             </a:ext>
             <a:ext uri="{91240B29-F687-4f45-9708-019B960494DF}">
-              <a14:hiddenLine xmlns="" xmlns:a14="http://schemas.microsoft.com/office/drawing/2010/main" w="9525">
+              <a14:hiddenLine xmlns:a14="http://schemas.microsoft.com/office/drawing/2010/main" xmlns="" w="9525">
                 <a:solidFill>
                   <a:schemeClr val="tx1"/>
                 </a:solidFill>
@@ -1868,7 +1868,7 @@
               </a14:hiddenLine>
             </a:ext>
             <a:ext uri="{AF507438-7753-43e0-B8FC-AC1667EBCBE1}">
-              <a14:hiddenEffects xmlns="" xmlns:a14="http://schemas.microsoft.com/office/drawing/2010/main">
+              <a14:hiddenEffects xmlns:a14="http://schemas.microsoft.com/office/drawing/2010/main" xmlns="">
                 <a:effectLst>
                   <a:outerShdw blurRad="63500" dist="38099" dir="2700000" algn="ctr" rotWithShape="0">
                     <a:schemeClr val="bg2">
@@ -2093,14 +2093,14 @@
               <ma14:placeholderFlag xmlns:ma14="http://schemas.microsoft.com/office/mac/drawingml/2011/main" val="1"/>
             </a:ext>
             <a:ext uri="{909E8E84-426E-40dd-AFC4-6F175D3DCCD1}">
-              <a14:hiddenFill xmlns="" xmlns:a14="http://schemas.microsoft.com/office/drawing/2010/main">
+              <a14:hiddenFill xmlns:a14="http://schemas.microsoft.com/office/drawing/2010/main" xmlns="">
                 <a:solidFill>
                   <a:schemeClr val="accent1"/>
                 </a:solidFill>
               </a14:hiddenFill>
             </a:ext>
             <a:ext uri="{91240B29-F687-4f45-9708-019B960494DF}">
-              <a14:hiddenLine xmlns="" xmlns:a14="http://schemas.microsoft.com/office/drawing/2010/main" w="9525">
+              <a14:hiddenLine xmlns:a14="http://schemas.microsoft.com/office/drawing/2010/main" xmlns="" w="9525">
                 <a:solidFill>
                   <a:schemeClr val="tx1"/>
                 </a:solidFill>
@@ -2110,7 +2110,7 @@
               </a14:hiddenLine>
             </a:ext>
             <a:ext uri="{AF507438-7753-43e0-B8FC-AC1667EBCBE1}">
-              <a14:hiddenEffects xmlns="" xmlns:a14="http://schemas.microsoft.com/office/drawing/2010/main">
+              <a14:hiddenEffects xmlns:a14="http://schemas.microsoft.com/office/drawing/2010/main" xmlns="">
                 <a:effectLst>
                   <a:outerShdw blurRad="63500" dist="38099" dir="2700000" algn="ctr" rotWithShape="0">
                     <a:schemeClr val="bg2">
@@ -2335,14 +2335,14 @@
               <ma14:placeholderFlag xmlns:ma14="http://schemas.microsoft.com/office/mac/drawingml/2011/main" val="1"/>
             </a:ext>
             <a:ext uri="{909E8E84-426E-40dd-AFC4-6F175D3DCCD1}">
-              <a14:hiddenFill xmlns="" xmlns:a14="http://schemas.microsoft.com/office/drawing/2010/main">
+              <a14:hiddenFill xmlns:a14="http://schemas.microsoft.com/office/drawing/2010/main" xmlns="">
                 <a:solidFill>
                   <a:schemeClr val="accent1"/>
                 </a:solidFill>
               </a14:hiddenFill>
             </a:ext>
             <a:ext uri="{91240B29-F687-4f45-9708-019B960494DF}">
-              <a14:hiddenLine xmlns="" xmlns:a14="http://schemas.microsoft.com/office/drawing/2010/main" w="9525">
+              <a14:hiddenLine xmlns:a14="http://schemas.microsoft.com/office/drawing/2010/main" xmlns="" w="9525">
                 <a:solidFill>
                   <a:schemeClr val="tx1"/>
                 </a:solidFill>
@@ -2352,7 +2352,7 @@
               </a14:hiddenLine>
             </a:ext>
             <a:ext uri="{AF507438-7753-43e0-B8FC-AC1667EBCBE1}">
-              <a14:hiddenEffects xmlns="" xmlns:a14="http://schemas.microsoft.com/office/drawing/2010/main">
+              <a14:hiddenEffects xmlns:a14="http://schemas.microsoft.com/office/drawing/2010/main" xmlns="">
                 <a:effectLst>
                   <a:outerShdw blurRad="63500" dist="38099" dir="2700000" algn="ctr" rotWithShape="0">
                     <a:schemeClr val="bg2">
@@ -2577,14 +2577,14 @@
               <ma14:placeholderFlag xmlns:ma14="http://schemas.microsoft.com/office/mac/drawingml/2011/main" val="1"/>
             </a:ext>
             <a:ext uri="{909E8E84-426E-40dd-AFC4-6F175D3DCCD1}">
-              <a14:hiddenFill xmlns="" xmlns:a14="http://schemas.microsoft.com/office/drawing/2010/main">
+              <a14:hiddenFill xmlns:a14="http://schemas.microsoft.com/office/drawing/2010/main" xmlns="">
                 <a:solidFill>
                   <a:schemeClr val="accent1"/>
                 </a:solidFill>
               </a14:hiddenFill>
             </a:ext>
             <a:ext uri="{91240B29-F687-4f45-9708-019B960494DF}">
-              <a14:hiddenLine xmlns="" xmlns:a14="http://schemas.microsoft.com/office/drawing/2010/main" w="9525">
+              <a14:hiddenLine xmlns:a14="http://schemas.microsoft.com/office/drawing/2010/main" xmlns="" w="9525">
                 <a:solidFill>
                   <a:schemeClr val="tx1"/>
                 </a:solidFill>
@@ -2594,7 +2594,7 @@
               </a14:hiddenLine>
             </a:ext>
             <a:ext uri="{AF507438-7753-43e0-B8FC-AC1667EBCBE1}">
-              <a14:hiddenEffects xmlns="" xmlns:a14="http://schemas.microsoft.com/office/drawing/2010/main">
+              <a14:hiddenEffects xmlns:a14="http://schemas.microsoft.com/office/drawing/2010/main" xmlns="">
                 <a:effectLst>
                   <a:outerShdw blurRad="63500" dist="38099" dir="2700000" algn="ctr" rotWithShape="0">
                     <a:schemeClr val="bg2">
@@ -3043,14 +3043,14 @@
               <ma14:placeholderFlag xmlns:ma14="http://schemas.microsoft.com/office/mac/drawingml/2011/main" val="1"/>
             </a:ext>
             <a:ext uri="{909E8E84-426E-40dd-AFC4-6F175D3DCCD1}">
-              <a14:hiddenFill xmlns="" xmlns:a14="http://schemas.microsoft.com/office/drawing/2010/main">
+              <a14:hiddenFill xmlns:a14="http://schemas.microsoft.com/office/drawing/2010/main" xmlns="">
                 <a:solidFill>
                   <a:schemeClr val="accent1"/>
                 </a:solidFill>
               </a14:hiddenFill>
             </a:ext>
             <a:ext uri="{91240B29-F687-4f45-9708-019B960494DF}">
-              <a14:hiddenLine xmlns="" xmlns:a14="http://schemas.microsoft.com/office/drawing/2010/main" w="9525">
+              <a14:hiddenLine xmlns:a14="http://schemas.microsoft.com/office/drawing/2010/main" xmlns="" w="9525">
                 <a:solidFill>
                   <a:schemeClr val="tx1"/>
                 </a:solidFill>
@@ -3060,7 +3060,7 @@
               </a14:hiddenLine>
             </a:ext>
             <a:ext uri="{AF507438-7753-43e0-B8FC-AC1667EBCBE1}">
-              <a14:hiddenEffects xmlns="" xmlns:a14="http://schemas.microsoft.com/office/drawing/2010/main">
+              <a14:hiddenEffects xmlns:a14="http://schemas.microsoft.com/office/drawing/2010/main" xmlns="">
                 <a:effectLst>
                   <a:outerShdw blurRad="63500" dist="38099" dir="2700000" algn="ctr" rotWithShape="0">
                     <a:schemeClr val="bg2">
@@ -3733,14 +3733,14 @@
               <ma14:placeholderFlag xmlns:ma14="http://schemas.microsoft.com/office/mac/drawingml/2011/main" val="1"/>
             </a:ext>
             <a:ext uri="{909E8E84-426E-40dd-AFC4-6F175D3DCCD1}">
-              <a14:hiddenFill xmlns="" xmlns:a14="http://schemas.microsoft.com/office/drawing/2010/main">
+              <a14:hiddenFill xmlns:a14="http://schemas.microsoft.com/office/drawing/2010/main" xmlns="">
                 <a:solidFill>
                   <a:schemeClr val="accent1"/>
                 </a:solidFill>
               </a14:hiddenFill>
             </a:ext>
             <a:ext uri="{91240B29-F687-4f45-9708-019B960494DF}">
-              <a14:hiddenLine xmlns="" xmlns:a14="http://schemas.microsoft.com/office/drawing/2010/main" w="9525">
+              <a14:hiddenLine xmlns:a14="http://schemas.microsoft.com/office/drawing/2010/main" xmlns="" w="9525">
                 <a:solidFill>
                   <a:schemeClr val="tx1"/>
                 </a:solidFill>
@@ -3750,7 +3750,7 @@
               </a14:hiddenLine>
             </a:ext>
             <a:ext uri="{AF507438-7753-43e0-B8FC-AC1667EBCBE1}">
-              <a14:hiddenEffects xmlns="" xmlns:a14="http://schemas.microsoft.com/office/drawing/2010/main">
+              <a14:hiddenEffects xmlns:a14="http://schemas.microsoft.com/office/drawing/2010/main" xmlns="">
                 <a:effectLst>
                   <a:outerShdw blurRad="63500" dist="38099" dir="2700000" algn="ctr" rotWithShape="0">
                     <a:schemeClr val="bg2">
@@ -5319,14 +5319,14 @@
               <ma14:placeholderFlag xmlns:ma14="http://schemas.microsoft.com/office/mac/drawingml/2011/main" val="1"/>
             </a:ext>
             <a:ext uri="{909E8E84-426E-40dd-AFC4-6F175D3DCCD1}">
-              <a14:hiddenFill xmlns="" xmlns:a14="http://schemas.microsoft.com/office/drawing/2010/main">
+              <a14:hiddenFill xmlns:a14="http://schemas.microsoft.com/office/drawing/2010/main" xmlns="">
                 <a:solidFill>
                   <a:schemeClr val="accent1"/>
                 </a:solidFill>
               </a14:hiddenFill>
             </a:ext>
             <a:ext uri="{91240B29-F687-4f45-9708-019B960494DF}">
-              <a14:hiddenLine xmlns="" xmlns:a14="http://schemas.microsoft.com/office/drawing/2010/main" w="9525">
+              <a14:hiddenLine xmlns:a14="http://schemas.microsoft.com/office/drawing/2010/main" xmlns="" w="9525">
                 <a:solidFill>
                   <a:schemeClr val="tx1"/>
                 </a:solidFill>
@@ -5336,7 +5336,7 @@
               </a14:hiddenLine>
             </a:ext>
             <a:ext uri="{AF507438-7753-43e0-B8FC-AC1667EBCBE1}">
-              <a14:hiddenEffects xmlns="" xmlns:a14="http://schemas.microsoft.com/office/drawing/2010/main">
+              <a14:hiddenEffects xmlns:a14="http://schemas.microsoft.com/office/drawing/2010/main" xmlns="">
                 <a:effectLst>
                   <a:outerShdw blurRad="63500" dist="38099" dir="2700000" algn="ctr" rotWithShape="0">
                     <a:schemeClr val="bg2">
@@ -5561,14 +5561,14 @@
               <ma14:placeholderFlag xmlns:ma14="http://schemas.microsoft.com/office/mac/drawingml/2011/main" val="1"/>
             </a:ext>
             <a:ext uri="{909E8E84-426E-40dd-AFC4-6F175D3DCCD1}">
-              <a14:hiddenFill xmlns="" xmlns:a14="http://schemas.microsoft.com/office/drawing/2010/main">
+              <a14:hiddenFill xmlns:a14="http://schemas.microsoft.com/office/drawing/2010/main" xmlns="">
                 <a:solidFill>
                   <a:schemeClr val="accent1"/>
                 </a:solidFill>
               </a14:hiddenFill>
             </a:ext>
             <a:ext uri="{91240B29-F687-4f45-9708-019B960494DF}">
-              <a14:hiddenLine xmlns="" xmlns:a14="http://schemas.microsoft.com/office/drawing/2010/main" w="9525">
+              <a14:hiddenLine xmlns:a14="http://schemas.microsoft.com/office/drawing/2010/main" xmlns="" w="9525">
                 <a:solidFill>
                   <a:schemeClr val="tx1"/>
                 </a:solidFill>
@@ -5578,7 +5578,7 @@
               </a14:hiddenLine>
             </a:ext>
             <a:ext uri="{AF507438-7753-43e0-B8FC-AC1667EBCBE1}">
-              <a14:hiddenEffects xmlns="" xmlns:a14="http://schemas.microsoft.com/office/drawing/2010/main">
+              <a14:hiddenEffects xmlns:a14="http://schemas.microsoft.com/office/drawing/2010/main" xmlns="">
                 <a:effectLst>
                   <a:outerShdw blurRad="63500" dist="38099" dir="2700000" algn="ctr" rotWithShape="0">
                     <a:schemeClr val="bg2">
@@ -5803,14 +5803,14 @@
               <ma14:placeholderFlag xmlns:ma14="http://schemas.microsoft.com/office/mac/drawingml/2011/main" val="1"/>
             </a:ext>
             <a:ext uri="{909E8E84-426E-40dd-AFC4-6F175D3DCCD1}">
-              <a14:hiddenFill xmlns="" xmlns:a14="http://schemas.microsoft.com/office/drawing/2010/main">
+              <a14:hiddenFill xmlns:a14="http://schemas.microsoft.com/office/drawing/2010/main" xmlns="">
                 <a:solidFill>
                   <a:schemeClr val="accent1"/>
                 </a:solidFill>
               </a14:hiddenFill>
             </a:ext>
             <a:ext uri="{91240B29-F687-4f45-9708-019B960494DF}">
-              <a14:hiddenLine xmlns="" xmlns:a14="http://schemas.microsoft.com/office/drawing/2010/main" w="9525">
+              <a14:hiddenLine xmlns:a14="http://schemas.microsoft.com/office/drawing/2010/main" xmlns="" w="9525">
                 <a:solidFill>
                   <a:schemeClr val="tx1"/>
                 </a:solidFill>
@@ -5820,7 +5820,7 @@
               </a14:hiddenLine>
             </a:ext>
             <a:ext uri="{AF507438-7753-43e0-B8FC-AC1667EBCBE1}">
-              <a14:hiddenEffects xmlns="" xmlns:a14="http://schemas.microsoft.com/office/drawing/2010/main">
+              <a14:hiddenEffects xmlns:a14="http://schemas.microsoft.com/office/drawing/2010/main" xmlns="">
                 <a:effectLst>
                   <a:outerShdw blurRad="63500" dist="38099" dir="2700000" algn="ctr" rotWithShape="0">
                     <a:schemeClr val="bg2">
@@ -6045,14 +6045,14 @@
               <ma14:placeholderFlag xmlns:ma14="http://schemas.microsoft.com/office/mac/drawingml/2011/main" val="1"/>
             </a:ext>
             <a:ext uri="{909E8E84-426E-40dd-AFC4-6F175D3DCCD1}">
-              <a14:hiddenFill xmlns="" xmlns:a14="http://schemas.microsoft.com/office/drawing/2010/main">
+              <a14:hiddenFill xmlns:a14="http://schemas.microsoft.com/office/drawing/2010/main" xmlns="">
                 <a:solidFill>
                   <a:schemeClr val="accent1"/>
                 </a:solidFill>
               </a14:hiddenFill>
             </a:ext>
             <a:ext uri="{91240B29-F687-4f45-9708-019B960494DF}">
-              <a14:hiddenLine xmlns="" xmlns:a14="http://schemas.microsoft.com/office/drawing/2010/main" w="9525">
+              <a14:hiddenLine xmlns:a14="http://schemas.microsoft.com/office/drawing/2010/main" xmlns="" w="9525">
                 <a:solidFill>
                   <a:schemeClr val="tx1"/>
                 </a:solidFill>
@@ -6062,7 +6062,7 @@
               </a14:hiddenLine>
             </a:ext>
             <a:ext uri="{AF507438-7753-43e0-B8FC-AC1667EBCBE1}">
-              <a14:hiddenEffects xmlns="" xmlns:a14="http://schemas.microsoft.com/office/drawing/2010/main">
+              <a14:hiddenEffects xmlns:a14="http://schemas.microsoft.com/office/drawing/2010/main" xmlns="">
                 <a:effectLst>
                   <a:outerShdw blurRad="63500" dist="38099" dir="2700000" algn="ctr" rotWithShape="0">
                     <a:schemeClr val="bg2">
@@ -6287,14 +6287,14 @@
               <ma14:placeholderFlag xmlns:ma14="http://schemas.microsoft.com/office/mac/drawingml/2011/main" val="1"/>
             </a:ext>
             <a:ext uri="{909E8E84-426E-40dd-AFC4-6F175D3DCCD1}">
-              <a14:hiddenFill xmlns="" xmlns:a14="http://schemas.microsoft.com/office/drawing/2010/main">
+              <a14:hiddenFill xmlns:a14="http://schemas.microsoft.com/office/drawing/2010/main" xmlns="">
                 <a:solidFill>
                   <a:schemeClr val="accent1"/>
                 </a:solidFill>
               </a14:hiddenFill>
             </a:ext>
             <a:ext uri="{91240B29-F687-4f45-9708-019B960494DF}">
-              <a14:hiddenLine xmlns="" xmlns:a14="http://schemas.microsoft.com/office/drawing/2010/main" w="9525">
+              <a14:hiddenLine xmlns:a14="http://schemas.microsoft.com/office/drawing/2010/main" xmlns="" w="9525">
                 <a:solidFill>
                   <a:schemeClr val="tx1"/>
                 </a:solidFill>
@@ -6304,7 +6304,7 @@
               </a14:hiddenLine>
             </a:ext>
             <a:ext uri="{AF507438-7753-43e0-B8FC-AC1667EBCBE1}">
-              <a14:hiddenEffects xmlns="" xmlns:a14="http://schemas.microsoft.com/office/drawing/2010/main">
+              <a14:hiddenEffects xmlns:a14="http://schemas.microsoft.com/office/drawing/2010/main" xmlns="">
                 <a:effectLst>
                   <a:outerShdw blurRad="63500" dist="38099" dir="2700000" algn="ctr" rotWithShape="0">
                     <a:schemeClr val="bg2">
@@ -6529,14 +6529,14 @@
               <ma14:placeholderFlag xmlns:ma14="http://schemas.microsoft.com/office/mac/drawingml/2011/main" val="1"/>
             </a:ext>
             <a:ext uri="{909E8E84-426E-40dd-AFC4-6F175D3DCCD1}">
-              <a14:hiddenFill xmlns="" xmlns:a14="http://schemas.microsoft.com/office/drawing/2010/main">
+              <a14:hiddenFill xmlns:a14="http://schemas.microsoft.com/office/drawing/2010/main" xmlns="">
                 <a:solidFill>
                   <a:schemeClr val="accent1"/>
                 </a:solidFill>
               </a14:hiddenFill>
             </a:ext>
             <a:ext uri="{91240B29-F687-4f45-9708-019B960494DF}">
-              <a14:hiddenLine xmlns="" xmlns:a14="http://schemas.microsoft.com/office/drawing/2010/main" w="9525">
+              <a14:hiddenLine xmlns:a14="http://schemas.microsoft.com/office/drawing/2010/main" xmlns="" w="9525">
                 <a:solidFill>
                   <a:schemeClr val="tx1"/>
                 </a:solidFill>
@@ -6546,7 +6546,7 @@
               </a14:hiddenLine>
             </a:ext>
             <a:ext uri="{AF507438-7753-43e0-B8FC-AC1667EBCBE1}">
-              <a14:hiddenEffects xmlns="" xmlns:a14="http://schemas.microsoft.com/office/drawing/2010/main">
+              <a14:hiddenEffects xmlns:a14="http://schemas.microsoft.com/office/drawing/2010/main" xmlns="">
                 <a:effectLst>
                   <a:outerShdw blurRad="63500" dist="38099" dir="2700000" algn="ctr" rotWithShape="0">
                     <a:schemeClr val="bg2">
@@ -6771,14 +6771,14 @@
               <ma14:placeholderFlag xmlns:ma14="http://schemas.microsoft.com/office/mac/drawingml/2011/main" val="1"/>
             </a:ext>
             <a:ext uri="{909E8E84-426E-40dd-AFC4-6F175D3DCCD1}">
-              <a14:hiddenFill xmlns="" xmlns:a14="http://schemas.microsoft.com/office/drawing/2010/main">
+              <a14:hiddenFill xmlns:a14="http://schemas.microsoft.com/office/drawing/2010/main" xmlns="">
                 <a:solidFill>
                   <a:schemeClr val="accent1"/>
                 </a:solidFill>
               </a14:hiddenFill>
             </a:ext>
             <a:ext uri="{91240B29-F687-4f45-9708-019B960494DF}">
-              <a14:hiddenLine xmlns="" xmlns:a14="http://schemas.microsoft.com/office/drawing/2010/main" w="9525">
+              <a14:hiddenLine xmlns:a14="http://schemas.microsoft.com/office/drawing/2010/main" xmlns="" w="9525">
                 <a:solidFill>
                   <a:schemeClr val="tx1"/>
                 </a:solidFill>
@@ -6788,7 +6788,7 @@
               </a14:hiddenLine>
             </a:ext>
             <a:ext uri="{AF507438-7753-43e0-B8FC-AC1667EBCBE1}">
-              <a14:hiddenEffects xmlns="" xmlns:a14="http://schemas.microsoft.com/office/drawing/2010/main">
+              <a14:hiddenEffects xmlns:a14="http://schemas.microsoft.com/office/drawing/2010/main" xmlns="">
                 <a:effectLst>
                   <a:outerShdw blurRad="63500" dist="38099" dir="2700000" algn="ctr" rotWithShape="0">
                     <a:schemeClr val="bg2">
@@ -7054,7 +7054,7 @@
               <a:effectLst/>
               <a:extLst>
                 <a:ext uri="{91240B29-F687-4f45-9708-019B960494DF}">
-                  <a14:hiddenLine xmlns="" xmlns:a14="http://schemas.microsoft.com/office/drawing/2010/main" w="9525">
+                  <a14:hiddenLine xmlns:a14="http://schemas.microsoft.com/office/drawing/2010/main" xmlns="" w="9525">
                     <a:solidFill>
                       <a:schemeClr val="tx1"/>
                     </a:solidFill>
@@ -7064,7 +7064,7 @@
                   </a14:hiddenLine>
                 </a:ext>
                 <a:ext uri="{AF507438-7753-43e0-B8FC-AC1667EBCBE1}">
-                  <a14:hiddenEffects xmlns="" xmlns:a14="http://schemas.microsoft.com/office/drawing/2010/main">
+                  <a14:hiddenEffects xmlns:a14="http://schemas.microsoft.com/office/drawing/2010/main" xmlns="">
                     <a:effectLst>
                       <a:outerShdw blurRad="63500" dist="38099" dir="2700000" algn="ctr" rotWithShape="0">
                         <a:schemeClr val="bg2">
@@ -7133,12 +7133,12 @@
                 <a:effectLst/>
                 <a:extLst>
                   <a:ext uri="{909E8E84-426E-40dd-AFC4-6F175D3DCCD1}">
-                    <a14:hiddenFill xmlns="" xmlns:a14="http://schemas.microsoft.com/office/drawing/2010/main">
+                    <a14:hiddenFill xmlns:a14="http://schemas.microsoft.com/office/drawing/2010/main" xmlns="">
                       <a:noFill/>
                     </a14:hiddenFill>
                   </a:ext>
                   <a:ext uri="{AF507438-7753-43e0-B8FC-AC1667EBCBE1}">
-                    <a14:hiddenEffects xmlns="" xmlns:a14="http://schemas.microsoft.com/office/drawing/2010/main">
+                    <a14:hiddenEffects xmlns:a14="http://schemas.microsoft.com/office/drawing/2010/main" xmlns="">
                       <a:effectLst>
                         <a:outerShdw blurRad="63500" dist="38099" dir="2700000" algn="ctr" rotWithShape="0">
                           <a:schemeClr val="bg2">
@@ -7191,12 +7191,12 @@
                 <a:effectLst/>
                 <a:extLst>
                   <a:ext uri="{909E8E84-426E-40dd-AFC4-6F175D3DCCD1}">
-                    <a14:hiddenFill xmlns="" xmlns:a14="http://schemas.microsoft.com/office/drawing/2010/main">
+                    <a14:hiddenFill xmlns:a14="http://schemas.microsoft.com/office/drawing/2010/main" xmlns="">
                       <a:noFill/>
                     </a14:hiddenFill>
                   </a:ext>
                   <a:ext uri="{AF507438-7753-43e0-B8FC-AC1667EBCBE1}">
-                    <a14:hiddenEffects xmlns="" xmlns:a14="http://schemas.microsoft.com/office/drawing/2010/main">
+                    <a14:hiddenEffects xmlns:a14="http://schemas.microsoft.com/office/drawing/2010/main" xmlns="">
                       <a:effectLst>
                         <a:outerShdw blurRad="63500" dist="38099" dir="2700000" algn="ctr" rotWithShape="0">
                           <a:schemeClr val="bg2">
@@ -7249,12 +7249,12 @@
                 <a:effectLst/>
                 <a:extLst>
                   <a:ext uri="{909E8E84-426E-40dd-AFC4-6F175D3DCCD1}">
-                    <a14:hiddenFill xmlns="" xmlns:a14="http://schemas.microsoft.com/office/drawing/2010/main">
+                    <a14:hiddenFill xmlns:a14="http://schemas.microsoft.com/office/drawing/2010/main" xmlns="">
                       <a:noFill/>
                     </a14:hiddenFill>
                   </a:ext>
                   <a:ext uri="{AF507438-7753-43e0-B8FC-AC1667EBCBE1}">
-                    <a14:hiddenEffects xmlns="" xmlns:a14="http://schemas.microsoft.com/office/drawing/2010/main">
+                    <a14:hiddenEffects xmlns:a14="http://schemas.microsoft.com/office/drawing/2010/main" xmlns="">
                       <a:effectLst>
                         <a:outerShdw blurRad="63500" dist="38099" dir="2700000" algn="ctr" rotWithShape="0">
                           <a:schemeClr val="bg2">
@@ -7307,12 +7307,12 @@
                 <a:effectLst/>
                 <a:extLst>
                   <a:ext uri="{909E8E84-426E-40dd-AFC4-6F175D3DCCD1}">
-                    <a14:hiddenFill xmlns="" xmlns:a14="http://schemas.microsoft.com/office/drawing/2010/main">
+                    <a14:hiddenFill xmlns:a14="http://schemas.microsoft.com/office/drawing/2010/main" xmlns="">
                       <a:noFill/>
                     </a14:hiddenFill>
                   </a:ext>
                   <a:ext uri="{AF507438-7753-43e0-B8FC-AC1667EBCBE1}">
-                    <a14:hiddenEffects xmlns="" xmlns:a14="http://schemas.microsoft.com/office/drawing/2010/main">
+                    <a14:hiddenEffects xmlns:a14="http://schemas.microsoft.com/office/drawing/2010/main" xmlns="">
                       <a:effectLst>
                         <a:outerShdw blurRad="63500" dist="38099" dir="2700000" algn="ctr" rotWithShape="0">
                           <a:schemeClr val="bg2">
@@ -7365,12 +7365,12 @@
                 <a:effectLst/>
                 <a:extLst>
                   <a:ext uri="{909E8E84-426E-40dd-AFC4-6F175D3DCCD1}">
-                    <a14:hiddenFill xmlns="" xmlns:a14="http://schemas.microsoft.com/office/drawing/2010/main">
+                    <a14:hiddenFill xmlns:a14="http://schemas.microsoft.com/office/drawing/2010/main" xmlns="">
                       <a:noFill/>
                     </a14:hiddenFill>
                   </a:ext>
                   <a:ext uri="{AF507438-7753-43e0-B8FC-AC1667EBCBE1}">
-                    <a14:hiddenEffects xmlns="" xmlns:a14="http://schemas.microsoft.com/office/drawing/2010/main">
+                    <a14:hiddenEffects xmlns:a14="http://schemas.microsoft.com/office/drawing/2010/main" xmlns="">
                       <a:effectLst>
                         <a:outerShdw blurRad="63500" dist="38099" dir="2700000" algn="ctr" rotWithShape="0">
                           <a:schemeClr val="bg2">
@@ -7423,12 +7423,12 @@
                 <a:effectLst/>
                 <a:extLst>
                   <a:ext uri="{909E8E84-426E-40dd-AFC4-6F175D3DCCD1}">
-                    <a14:hiddenFill xmlns="" xmlns:a14="http://schemas.microsoft.com/office/drawing/2010/main">
+                    <a14:hiddenFill xmlns:a14="http://schemas.microsoft.com/office/drawing/2010/main" xmlns="">
                       <a:noFill/>
                     </a14:hiddenFill>
                   </a:ext>
                   <a:ext uri="{AF507438-7753-43e0-B8FC-AC1667EBCBE1}">
-                    <a14:hiddenEffects xmlns="" xmlns:a14="http://schemas.microsoft.com/office/drawing/2010/main">
+                    <a14:hiddenEffects xmlns:a14="http://schemas.microsoft.com/office/drawing/2010/main" xmlns="">
                       <a:effectLst>
                         <a:outerShdw blurRad="63500" dist="38099" dir="2700000" algn="ctr" rotWithShape="0">
                           <a:schemeClr val="bg2">
@@ -7481,12 +7481,12 @@
                 <a:effectLst/>
                 <a:extLst>
                   <a:ext uri="{909E8E84-426E-40dd-AFC4-6F175D3DCCD1}">
-                    <a14:hiddenFill xmlns="" xmlns:a14="http://schemas.microsoft.com/office/drawing/2010/main">
+                    <a14:hiddenFill xmlns:a14="http://schemas.microsoft.com/office/drawing/2010/main" xmlns="">
                       <a:noFill/>
                     </a14:hiddenFill>
                   </a:ext>
                   <a:ext uri="{AF507438-7753-43e0-B8FC-AC1667EBCBE1}">
-                    <a14:hiddenEffects xmlns="" xmlns:a14="http://schemas.microsoft.com/office/drawing/2010/main">
+                    <a14:hiddenEffects xmlns:a14="http://schemas.microsoft.com/office/drawing/2010/main" xmlns="">
                       <a:effectLst>
                         <a:outerShdw blurRad="63500" dist="38099" dir="2700000" algn="ctr" rotWithShape="0">
                           <a:schemeClr val="bg2">
@@ -7539,12 +7539,12 @@
                 <a:effectLst/>
                 <a:extLst>
                   <a:ext uri="{909E8E84-426E-40dd-AFC4-6F175D3DCCD1}">
-                    <a14:hiddenFill xmlns="" xmlns:a14="http://schemas.microsoft.com/office/drawing/2010/main">
+                    <a14:hiddenFill xmlns:a14="http://schemas.microsoft.com/office/drawing/2010/main" xmlns="">
                       <a:noFill/>
                     </a14:hiddenFill>
                   </a:ext>
                   <a:ext uri="{AF507438-7753-43e0-B8FC-AC1667EBCBE1}">
-                    <a14:hiddenEffects xmlns="" xmlns:a14="http://schemas.microsoft.com/office/drawing/2010/main">
+                    <a14:hiddenEffects xmlns:a14="http://schemas.microsoft.com/office/drawing/2010/main" xmlns="">
                       <a:effectLst>
                         <a:outerShdw blurRad="63500" dist="38099" dir="2700000" algn="ctr" rotWithShape="0">
                           <a:schemeClr val="bg2">
@@ -7597,12 +7597,12 @@
                 <a:effectLst/>
                 <a:extLst>
                   <a:ext uri="{909E8E84-426E-40dd-AFC4-6F175D3DCCD1}">
-                    <a14:hiddenFill xmlns="" xmlns:a14="http://schemas.microsoft.com/office/drawing/2010/main">
+                    <a14:hiddenFill xmlns:a14="http://schemas.microsoft.com/office/drawing/2010/main" xmlns="">
                       <a:noFill/>
                     </a14:hiddenFill>
                   </a:ext>
                   <a:ext uri="{AF507438-7753-43e0-B8FC-AC1667EBCBE1}">
-                    <a14:hiddenEffects xmlns="" xmlns:a14="http://schemas.microsoft.com/office/drawing/2010/main">
+                    <a14:hiddenEffects xmlns:a14="http://schemas.microsoft.com/office/drawing/2010/main" xmlns="">
                       <a:effectLst>
                         <a:outerShdw blurRad="63500" dist="38099" dir="2700000" algn="ctr" rotWithShape="0">
                           <a:schemeClr val="bg2">
@@ -7655,12 +7655,12 @@
                 <a:effectLst/>
                 <a:extLst>
                   <a:ext uri="{909E8E84-426E-40dd-AFC4-6F175D3DCCD1}">
-                    <a14:hiddenFill xmlns="" xmlns:a14="http://schemas.microsoft.com/office/drawing/2010/main">
+                    <a14:hiddenFill xmlns:a14="http://schemas.microsoft.com/office/drawing/2010/main" xmlns="">
                       <a:noFill/>
                     </a14:hiddenFill>
                   </a:ext>
                   <a:ext uri="{AF507438-7753-43e0-B8FC-AC1667EBCBE1}">
-                    <a14:hiddenEffects xmlns="" xmlns:a14="http://schemas.microsoft.com/office/drawing/2010/main">
+                    <a14:hiddenEffects xmlns:a14="http://schemas.microsoft.com/office/drawing/2010/main" xmlns="">
                       <a:effectLst>
                         <a:outerShdw blurRad="63500" dist="38099" dir="2700000" algn="ctr" rotWithShape="0">
                           <a:schemeClr val="bg2">
@@ -7713,12 +7713,12 @@
                 <a:effectLst/>
                 <a:extLst>
                   <a:ext uri="{909E8E84-426E-40dd-AFC4-6F175D3DCCD1}">
-                    <a14:hiddenFill xmlns="" xmlns:a14="http://schemas.microsoft.com/office/drawing/2010/main">
+                    <a14:hiddenFill xmlns:a14="http://schemas.microsoft.com/office/drawing/2010/main" xmlns="">
                       <a:noFill/>
                     </a14:hiddenFill>
                   </a:ext>
                   <a:ext uri="{AF507438-7753-43e0-B8FC-AC1667EBCBE1}">
-                    <a14:hiddenEffects xmlns="" xmlns:a14="http://schemas.microsoft.com/office/drawing/2010/main">
+                    <a14:hiddenEffects xmlns:a14="http://schemas.microsoft.com/office/drawing/2010/main" xmlns="">
                       <a:effectLst>
                         <a:outerShdw blurRad="63500" dist="38099" dir="2700000" algn="ctr" rotWithShape="0">
                           <a:schemeClr val="bg2">
@@ -7771,12 +7771,12 @@
                 <a:effectLst/>
                 <a:extLst>
                   <a:ext uri="{909E8E84-426E-40dd-AFC4-6F175D3DCCD1}">
-                    <a14:hiddenFill xmlns="" xmlns:a14="http://schemas.microsoft.com/office/drawing/2010/main">
+                    <a14:hiddenFill xmlns:a14="http://schemas.microsoft.com/office/drawing/2010/main" xmlns="">
                       <a:noFill/>
                     </a14:hiddenFill>
                   </a:ext>
                   <a:ext uri="{AF507438-7753-43e0-B8FC-AC1667EBCBE1}">
-                    <a14:hiddenEffects xmlns="" xmlns:a14="http://schemas.microsoft.com/office/drawing/2010/main">
+                    <a14:hiddenEffects xmlns:a14="http://schemas.microsoft.com/office/drawing/2010/main" xmlns="">
                       <a:effectLst>
                         <a:outerShdw blurRad="63500" dist="38099" dir="2700000" algn="ctr" rotWithShape="0">
                           <a:schemeClr val="bg2">
@@ -7829,12 +7829,12 @@
                 <a:effectLst/>
                 <a:extLst>
                   <a:ext uri="{909E8E84-426E-40dd-AFC4-6F175D3DCCD1}">
-                    <a14:hiddenFill xmlns="" xmlns:a14="http://schemas.microsoft.com/office/drawing/2010/main">
+                    <a14:hiddenFill xmlns:a14="http://schemas.microsoft.com/office/drawing/2010/main" xmlns="">
                       <a:noFill/>
                     </a14:hiddenFill>
                   </a:ext>
                   <a:ext uri="{AF507438-7753-43e0-B8FC-AC1667EBCBE1}">
-                    <a14:hiddenEffects xmlns="" xmlns:a14="http://schemas.microsoft.com/office/drawing/2010/main">
+                    <a14:hiddenEffects xmlns:a14="http://schemas.microsoft.com/office/drawing/2010/main" xmlns="">
                       <a:effectLst>
                         <a:outerShdw blurRad="63500" dist="38099" dir="2700000" algn="ctr" rotWithShape="0">
                           <a:schemeClr val="bg2">
@@ -7887,12 +7887,12 @@
                 <a:effectLst/>
                 <a:extLst>
                   <a:ext uri="{909E8E84-426E-40dd-AFC4-6F175D3DCCD1}">
-                    <a14:hiddenFill xmlns="" xmlns:a14="http://schemas.microsoft.com/office/drawing/2010/main">
+                    <a14:hiddenFill xmlns:a14="http://schemas.microsoft.com/office/drawing/2010/main" xmlns="">
                       <a:noFill/>
                     </a14:hiddenFill>
                   </a:ext>
                   <a:ext uri="{AF507438-7753-43e0-B8FC-AC1667EBCBE1}">
-                    <a14:hiddenEffects xmlns="" xmlns:a14="http://schemas.microsoft.com/office/drawing/2010/main">
+                    <a14:hiddenEffects xmlns:a14="http://schemas.microsoft.com/office/drawing/2010/main" xmlns="">
                       <a:effectLst>
                         <a:outerShdw blurRad="63500" dist="38099" dir="2700000" algn="ctr" rotWithShape="0">
                           <a:schemeClr val="bg2">
@@ -7945,12 +7945,12 @@
                 <a:effectLst/>
                 <a:extLst>
                   <a:ext uri="{909E8E84-426E-40dd-AFC4-6F175D3DCCD1}">
-                    <a14:hiddenFill xmlns="" xmlns:a14="http://schemas.microsoft.com/office/drawing/2010/main">
+                    <a14:hiddenFill xmlns:a14="http://schemas.microsoft.com/office/drawing/2010/main" xmlns="">
                       <a:noFill/>
                     </a14:hiddenFill>
                   </a:ext>
                   <a:ext uri="{AF507438-7753-43e0-B8FC-AC1667EBCBE1}">
-                    <a14:hiddenEffects xmlns="" xmlns:a14="http://schemas.microsoft.com/office/drawing/2010/main">
+                    <a14:hiddenEffects xmlns:a14="http://schemas.microsoft.com/office/drawing/2010/main" xmlns="">
                       <a:effectLst>
                         <a:outerShdw blurRad="63500" dist="38099" dir="2700000" algn="ctr" rotWithShape="0">
                           <a:schemeClr val="bg2">
@@ -8003,12 +8003,12 @@
                 <a:effectLst/>
                 <a:extLst>
                   <a:ext uri="{909E8E84-426E-40dd-AFC4-6F175D3DCCD1}">
-                    <a14:hiddenFill xmlns="" xmlns:a14="http://schemas.microsoft.com/office/drawing/2010/main">
+                    <a14:hiddenFill xmlns:a14="http://schemas.microsoft.com/office/drawing/2010/main" xmlns="">
                       <a:noFill/>
                     </a14:hiddenFill>
                   </a:ext>
                   <a:ext uri="{AF507438-7753-43e0-B8FC-AC1667EBCBE1}">
-                    <a14:hiddenEffects xmlns="" xmlns:a14="http://schemas.microsoft.com/office/drawing/2010/main">
+                    <a14:hiddenEffects xmlns:a14="http://schemas.microsoft.com/office/drawing/2010/main" xmlns="">
                       <a:effectLst>
                         <a:outerShdw blurRad="63500" dist="38099" dir="2700000" algn="ctr" rotWithShape="0">
                           <a:schemeClr val="bg2">
@@ -8061,12 +8061,12 @@
                 <a:effectLst/>
                 <a:extLst>
                   <a:ext uri="{909E8E84-426E-40dd-AFC4-6F175D3DCCD1}">
-                    <a14:hiddenFill xmlns="" xmlns:a14="http://schemas.microsoft.com/office/drawing/2010/main">
+                    <a14:hiddenFill xmlns:a14="http://schemas.microsoft.com/office/drawing/2010/main" xmlns="">
                       <a:noFill/>
                     </a14:hiddenFill>
                   </a:ext>
                   <a:ext uri="{AF507438-7753-43e0-B8FC-AC1667EBCBE1}">
-                    <a14:hiddenEffects xmlns="" xmlns:a14="http://schemas.microsoft.com/office/drawing/2010/main">
+                    <a14:hiddenEffects xmlns:a14="http://schemas.microsoft.com/office/drawing/2010/main" xmlns="">
                       <a:effectLst>
                         <a:outerShdw blurRad="63500" dist="38099" dir="2700000" algn="ctr" rotWithShape="0">
                           <a:schemeClr val="bg2">
@@ -8119,12 +8119,12 @@
                 <a:effectLst/>
                 <a:extLst>
                   <a:ext uri="{909E8E84-426E-40dd-AFC4-6F175D3DCCD1}">
-                    <a14:hiddenFill xmlns="" xmlns:a14="http://schemas.microsoft.com/office/drawing/2010/main">
+                    <a14:hiddenFill xmlns:a14="http://schemas.microsoft.com/office/drawing/2010/main" xmlns="">
                       <a:noFill/>
                     </a14:hiddenFill>
                   </a:ext>
                   <a:ext uri="{AF507438-7753-43e0-B8FC-AC1667EBCBE1}">
-                    <a14:hiddenEffects xmlns="" xmlns:a14="http://schemas.microsoft.com/office/drawing/2010/main">
+                    <a14:hiddenEffects xmlns:a14="http://schemas.microsoft.com/office/drawing/2010/main" xmlns="">
                       <a:effectLst>
                         <a:outerShdw blurRad="63500" dist="38099" dir="2700000" algn="ctr" rotWithShape="0">
                           <a:schemeClr val="bg2">
@@ -8177,12 +8177,12 @@
                 <a:effectLst/>
                 <a:extLst>
                   <a:ext uri="{909E8E84-426E-40dd-AFC4-6F175D3DCCD1}">
-                    <a14:hiddenFill xmlns="" xmlns:a14="http://schemas.microsoft.com/office/drawing/2010/main">
+                    <a14:hiddenFill xmlns:a14="http://schemas.microsoft.com/office/drawing/2010/main" xmlns="">
                       <a:noFill/>
                     </a14:hiddenFill>
                   </a:ext>
                   <a:ext uri="{AF507438-7753-43e0-B8FC-AC1667EBCBE1}">
-                    <a14:hiddenEffects xmlns="" xmlns:a14="http://schemas.microsoft.com/office/drawing/2010/main">
+                    <a14:hiddenEffects xmlns:a14="http://schemas.microsoft.com/office/drawing/2010/main" xmlns="">
                       <a:effectLst>
                         <a:outerShdw blurRad="63500" dist="38099" dir="2700000" algn="ctr" rotWithShape="0">
                           <a:schemeClr val="bg2">
@@ -8235,12 +8235,12 @@
                 <a:effectLst/>
                 <a:extLst>
                   <a:ext uri="{909E8E84-426E-40dd-AFC4-6F175D3DCCD1}">
-                    <a14:hiddenFill xmlns="" xmlns:a14="http://schemas.microsoft.com/office/drawing/2010/main">
+                    <a14:hiddenFill xmlns:a14="http://schemas.microsoft.com/office/drawing/2010/main" xmlns="">
                       <a:noFill/>
                     </a14:hiddenFill>
                   </a:ext>
                   <a:ext uri="{AF507438-7753-43e0-B8FC-AC1667EBCBE1}">
-                    <a14:hiddenEffects xmlns="" xmlns:a14="http://schemas.microsoft.com/office/drawing/2010/main">
+                    <a14:hiddenEffects xmlns:a14="http://schemas.microsoft.com/office/drawing/2010/main" xmlns="">
                       <a:effectLst>
                         <a:outerShdw blurRad="63500" dist="38099" dir="2700000" algn="ctr" rotWithShape="0">
                           <a:schemeClr val="bg2">
@@ -8293,12 +8293,12 @@
                 <a:effectLst/>
                 <a:extLst>
                   <a:ext uri="{909E8E84-426E-40dd-AFC4-6F175D3DCCD1}">
-                    <a14:hiddenFill xmlns="" xmlns:a14="http://schemas.microsoft.com/office/drawing/2010/main">
+                    <a14:hiddenFill xmlns:a14="http://schemas.microsoft.com/office/drawing/2010/main" xmlns="">
                       <a:noFill/>
                     </a14:hiddenFill>
                   </a:ext>
                   <a:ext uri="{AF507438-7753-43e0-B8FC-AC1667EBCBE1}">
-                    <a14:hiddenEffects xmlns="" xmlns:a14="http://schemas.microsoft.com/office/drawing/2010/main">
+                    <a14:hiddenEffects xmlns:a14="http://schemas.microsoft.com/office/drawing/2010/main" xmlns="">
                       <a:effectLst>
                         <a:outerShdw blurRad="63500" dist="38099" dir="2700000" algn="ctr" rotWithShape="0">
                           <a:schemeClr val="bg2">
@@ -8351,12 +8351,12 @@
                 <a:effectLst/>
                 <a:extLst>
                   <a:ext uri="{909E8E84-426E-40dd-AFC4-6F175D3DCCD1}">
-                    <a14:hiddenFill xmlns="" xmlns:a14="http://schemas.microsoft.com/office/drawing/2010/main">
+                    <a14:hiddenFill xmlns:a14="http://schemas.microsoft.com/office/drawing/2010/main" xmlns="">
                       <a:noFill/>
                     </a14:hiddenFill>
                   </a:ext>
                   <a:ext uri="{AF507438-7753-43e0-B8FC-AC1667EBCBE1}">
-                    <a14:hiddenEffects xmlns="" xmlns:a14="http://schemas.microsoft.com/office/drawing/2010/main">
+                    <a14:hiddenEffects xmlns:a14="http://schemas.microsoft.com/office/drawing/2010/main" xmlns="">
                       <a:effectLst>
                         <a:outerShdw blurRad="63500" dist="38099" dir="2700000" algn="ctr" rotWithShape="0">
                           <a:schemeClr val="bg2">
@@ -8409,12 +8409,12 @@
                 <a:effectLst/>
                 <a:extLst>
                   <a:ext uri="{909E8E84-426E-40dd-AFC4-6F175D3DCCD1}">
-                    <a14:hiddenFill xmlns="" xmlns:a14="http://schemas.microsoft.com/office/drawing/2010/main">
+                    <a14:hiddenFill xmlns:a14="http://schemas.microsoft.com/office/drawing/2010/main" xmlns="">
                       <a:noFill/>
                     </a14:hiddenFill>
                   </a:ext>
                   <a:ext uri="{AF507438-7753-43e0-B8FC-AC1667EBCBE1}">
-                    <a14:hiddenEffects xmlns="" xmlns:a14="http://schemas.microsoft.com/office/drawing/2010/main">
+                    <a14:hiddenEffects xmlns:a14="http://schemas.microsoft.com/office/drawing/2010/main" xmlns="">
                       <a:effectLst>
                         <a:outerShdw blurRad="63500" dist="38099" dir="2700000" algn="ctr" rotWithShape="0">
                           <a:schemeClr val="bg2">
@@ -8467,12 +8467,12 @@
                 <a:effectLst/>
                 <a:extLst>
                   <a:ext uri="{909E8E84-426E-40dd-AFC4-6F175D3DCCD1}">
-                    <a14:hiddenFill xmlns="" xmlns:a14="http://schemas.microsoft.com/office/drawing/2010/main">
+                    <a14:hiddenFill xmlns:a14="http://schemas.microsoft.com/office/drawing/2010/main" xmlns="">
                       <a:noFill/>
                     </a14:hiddenFill>
                   </a:ext>
                   <a:ext uri="{AF507438-7753-43e0-B8FC-AC1667EBCBE1}">
-                    <a14:hiddenEffects xmlns="" xmlns:a14="http://schemas.microsoft.com/office/drawing/2010/main">
+                    <a14:hiddenEffects xmlns:a14="http://schemas.microsoft.com/office/drawing/2010/main" xmlns="">
                       <a:effectLst>
                         <a:outerShdw blurRad="63500" dist="38099" dir="2700000" algn="ctr" rotWithShape="0">
                           <a:schemeClr val="bg2">
@@ -8525,12 +8525,12 @@
                 <a:effectLst/>
                 <a:extLst>
                   <a:ext uri="{909E8E84-426E-40dd-AFC4-6F175D3DCCD1}">
-                    <a14:hiddenFill xmlns="" xmlns:a14="http://schemas.microsoft.com/office/drawing/2010/main">
+                    <a14:hiddenFill xmlns:a14="http://schemas.microsoft.com/office/drawing/2010/main" xmlns="">
                       <a:noFill/>
                     </a14:hiddenFill>
                   </a:ext>
                   <a:ext uri="{AF507438-7753-43e0-B8FC-AC1667EBCBE1}">
-                    <a14:hiddenEffects xmlns="" xmlns:a14="http://schemas.microsoft.com/office/drawing/2010/main">
+                    <a14:hiddenEffects xmlns:a14="http://schemas.microsoft.com/office/drawing/2010/main" xmlns="">
                       <a:effectLst>
                         <a:outerShdw blurRad="63500" dist="38099" dir="2700000" algn="ctr" rotWithShape="0">
                           <a:schemeClr val="bg2">
@@ -8583,12 +8583,12 @@
                 <a:effectLst/>
                 <a:extLst>
                   <a:ext uri="{909E8E84-426E-40dd-AFC4-6F175D3DCCD1}">
-                    <a14:hiddenFill xmlns="" xmlns:a14="http://schemas.microsoft.com/office/drawing/2010/main">
+                    <a14:hiddenFill xmlns:a14="http://schemas.microsoft.com/office/drawing/2010/main" xmlns="">
                       <a:noFill/>
                     </a14:hiddenFill>
                   </a:ext>
                   <a:ext uri="{AF507438-7753-43e0-B8FC-AC1667EBCBE1}">
-                    <a14:hiddenEffects xmlns="" xmlns:a14="http://schemas.microsoft.com/office/drawing/2010/main">
+                    <a14:hiddenEffects xmlns:a14="http://schemas.microsoft.com/office/drawing/2010/main" xmlns="">
                       <a:effectLst>
                         <a:outerShdw blurRad="63500" dist="38099" dir="2700000" algn="ctr" rotWithShape="0">
                           <a:schemeClr val="bg2">
@@ -8641,12 +8641,12 @@
                 <a:effectLst/>
                 <a:extLst>
                   <a:ext uri="{909E8E84-426E-40dd-AFC4-6F175D3DCCD1}">
-                    <a14:hiddenFill xmlns="" xmlns:a14="http://schemas.microsoft.com/office/drawing/2010/main">
+                    <a14:hiddenFill xmlns:a14="http://schemas.microsoft.com/office/drawing/2010/main" xmlns="">
                       <a:noFill/>
                     </a14:hiddenFill>
                   </a:ext>
                   <a:ext uri="{AF507438-7753-43e0-B8FC-AC1667EBCBE1}">
-                    <a14:hiddenEffects xmlns="" xmlns:a14="http://schemas.microsoft.com/office/drawing/2010/main">
+                    <a14:hiddenEffects xmlns:a14="http://schemas.microsoft.com/office/drawing/2010/main" xmlns="">
                       <a:effectLst>
                         <a:outerShdw blurRad="63500" dist="38099" dir="2700000" algn="ctr" rotWithShape="0">
                           <a:schemeClr val="bg2">
@@ -8699,12 +8699,12 @@
                 <a:effectLst/>
                 <a:extLst>
                   <a:ext uri="{909E8E84-426E-40dd-AFC4-6F175D3DCCD1}">
-                    <a14:hiddenFill xmlns="" xmlns:a14="http://schemas.microsoft.com/office/drawing/2010/main">
+                    <a14:hiddenFill xmlns:a14="http://schemas.microsoft.com/office/drawing/2010/main" xmlns="">
                       <a:noFill/>
                     </a14:hiddenFill>
                   </a:ext>
                   <a:ext uri="{AF507438-7753-43e0-B8FC-AC1667EBCBE1}">
-                    <a14:hiddenEffects xmlns="" xmlns:a14="http://schemas.microsoft.com/office/drawing/2010/main">
+                    <a14:hiddenEffects xmlns:a14="http://schemas.microsoft.com/office/drawing/2010/main" xmlns="">
                       <a:effectLst>
                         <a:outerShdw blurRad="63500" dist="38099" dir="2700000" algn="ctr" rotWithShape="0">
                           <a:schemeClr val="bg2">
@@ -8757,12 +8757,12 @@
                 <a:effectLst/>
                 <a:extLst>
                   <a:ext uri="{909E8E84-426E-40dd-AFC4-6F175D3DCCD1}">
-                    <a14:hiddenFill xmlns="" xmlns:a14="http://schemas.microsoft.com/office/drawing/2010/main">
+                    <a14:hiddenFill xmlns:a14="http://schemas.microsoft.com/office/drawing/2010/main" xmlns="">
                       <a:noFill/>
                     </a14:hiddenFill>
                   </a:ext>
                   <a:ext uri="{AF507438-7753-43e0-B8FC-AC1667EBCBE1}">
-                    <a14:hiddenEffects xmlns="" xmlns:a14="http://schemas.microsoft.com/office/drawing/2010/main">
+                    <a14:hiddenEffects xmlns:a14="http://schemas.microsoft.com/office/drawing/2010/main" xmlns="">
                       <a:effectLst>
                         <a:outerShdw blurRad="63500" dist="38099" dir="2700000" algn="ctr" rotWithShape="0">
                           <a:schemeClr val="bg2">
@@ -8815,12 +8815,12 @@
                 <a:effectLst/>
                 <a:extLst>
                   <a:ext uri="{909E8E84-426E-40dd-AFC4-6F175D3DCCD1}">
-                    <a14:hiddenFill xmlns="" xmlns:a14="http://schemas.microsoft.com/office/drawing/2010/main">
+                    <a14:hiddenFill xmlns:a14="http://schemas.microsoft.com/office/drawing/2010/main" xmlns="">
                       <a:noFill/>
                     </a14:hiddenFill>
                   </a:ext>
                   <a:ext uri="{AF507438-7753-43e0-B8FC-AC1667EBCBE1}">
-                    <a14:hiddenEffects xmlns="" xmlns:a14="http://schemas.microsoft.com/office/drawing/2010/main">
+                    <a14:hiddenEffects xmlns:a14="http://schemas.microsoft.com/office/drawing/2010/main" xmlns="">
                       <a:effectLst>
                         <a:outerShdw blurRad="63500" dist="38099" dir="2700000" algn="ctr" rotWithShape="0">
                           <a:schemeClr val="bg2">
@@ -8873,12 +8873,12 @@
                 <a:effectLst/>
                 <a:extLst>
                   <a:ext uri="{909E8E84-426E-40dd-AFC4-6F175D3DCCD1}">
-                    <a14:hiddenFill xmlns="" xmlns:a14="http://schemas.microsoft.com/office/drawing/2010/main">
+                    <a14:hiddenFill xmlns:a14="http://schemas.microsoft.com/office/drawing/2010/main" xmlns="">
                       <a:noFill/>
                     </a14:hiddenFill>
                   </a:ext>
                   <a:ext uri="{AF507438-7753-43e0-B8FC-AC1667EBCBE1}">
-                    <a14:hiddenEffects xmlns="" xmlns:a14="http://schemas.microsoft.com/office/drawing/2010/main">
+                    <a14:hiddenEffects xmlns:a14="http://schemas.microsoft.com/office/drawing/2010/main" xmlns="">
                       <a:effectLst>
                         <a:outerShdw blurRad="63500" dist="38099" dir="2700000" algn="ctr" rotWithShape="0">
                           <a:schemeClr val="bg2">
@@ -8931,12 +8931,12 @@
                 <a:effectLst/>
                 <a:extLst>
                   <a:ext uri="{909E8E84-426E-40dd-AFC4-6F175D3DCCD1}">
-                    <a14:hiddenFill xmlns="" xmlns:a14="http://schemas.microsoft.com/office/drawing/2010/main">
+                    <a14:hiddenFill xmlns:a14="http://schemas.microsoft.com/office/drawing/2010/main" xmlns="">
                       <a:noFill/>
                     </a14:hiddenFill>
                   </a:ext>
                   <a:ext uri="{AF507438-7753-43e0-B8FC-AC1667EBCBE1}">
-                    <a14:hiddenEffects xmlns="" xmlns:a14="http://schemas.microsoft.com/office/drawing/2010/main">
+                    <a14:hiddenEffects xmlns:a14="http://schemas.microsoft.com/office/drawing/2010/main" xmlns="">
                       <a:effectLst>
                         <a:outerShdw blurRad="63500" dist="38099" dir="2700000" algn="ctr" rotWithShape="0">
                           <a:schemeClr val="bg2">
@@ -8989,12 +8989,12 @@
                 <a:effectLst/>
                 <a:extLst>
                   <a:ext uri="{909E8E84-426E-40dd-AFC4-6F175D3DCCD1}">
-                    <a14:hiddenFill xmlns="" xmlns:a14="http://schemas.microsoft.com/office/drawing/2010/main">
+                    <a14:hiddenFill xmlns:a14="http://schemas.microsoft.com/office/drawing/2010/main" xmlns="">
                       <a:noFill/>
                     </a14:hiddenFill>
                   </a:ext>
                   <a:ext uri="{AF507438-7753-43e0-B8FC-AC1667EBCBE1}">
-                    <a14:hiddenEffects xmlns="" xmlns:a14="http://schemas.microsoft.com/office/drawing/2010/main">
+                    <a14:hiddenEffects xmlns:a14="http://schemas.microsoft.com/office/drawing/2010/main" xmlns="">
                       <a:effectLst>
                         <a:outerShdw blurRad="63500" dist="38099" dir="2700000" algn="ctr" rotWithShape="0">
                           <a:schemeClr val="bg2">
@@ -9047,12 +9047,12 @@
                 <a:effectLst/>
                 <a:extLst>
                   <a:ext uri="{909E8E84-426E-40dd-AFC4-6F175D3DCCD1}">
-                    <a14:hiddenFill xmlns="" xmlns:a14="http://schemas.microsoft.com/office/drawing/2010/main">
+                    <a14:hiddenFill xmlns:a14="http://schemas.microsoft.com/office/drawing/2010/main" xmlns="">
                       <a:noFill/>
                     </a14:hiddenFill>
                   </a:ext>
                   <a:ext uri="{AF507438-7753-43e0-B8FC-AC1667EBCBE1}">
-                    <a14:hiddenEffects xmlns="" xmlns:a14="http://schemas.microsoft.com/office/drawing/2010/main">
+                    <a14:hiddenEffects xmlns:a14="http://schemas.microsoft.com/office/drawing/2010/main" xmlns="">
                       <a:effectLst>
                         <a:outerShdw blurRad="63500" dist="38099" dir="2700000" algn="ctr" rotWithShape="0">
                           <a:schemeClr val="bg2">
@@ -9105,12 +9105,12 @@
                 <a:effectLst/>
                 <a:extLst>
                   <a:ext uri="{909E8E84-426E-40dd-AFC4-6F175D3DCCD1}">
-                    <a14:hiddenFill xmlns="" xmlns:a14="http://schemas.microsoft.com/office/drawing/2010/main">
+                    <a14:hiddenFill xmlns:a14="http://schemas.microsoft.com/office/drawing/2010/main" xmlns="">
                       <a:noFill/>
                     </a14:hiddenFill>
                   </a:ext>
                   <a:ext uri="{AF507438-7753-43e0-B8FC-AC1667EBCBE1}">
-                    <a14:hiddenEffects xmlns="" xmlns:a14="http://schemas.microsoft.com/office/drawing/2010/main">
+                    <a14:hiddenEffects xmlns:a14="http://schemas.microsoft.com/office/drawing/2010/main" xmlns="">
                       <a:effectLst>
                         <a:outerShdw blurRad="63500" dist="38099" dir="2700000" algn="ctr" rotWithShape="0">
                           <a:schemeClr val="bg2">
@@ -9163,12 +9163,12 @@
                 <a:effectLst/>
                 <a:extLst>
                   <a:ext uri="{909E8E84-426E-40dd-AFC4-6F175D3DCCD1}">
-                    <a14:hiddenFill xmlns="" xmlns:a14="http://schemas.microsoft.com/office/drawing/2010/main">
+                    <a14:hiddenFill xmlns:a14="http://schemas.microsoft.com/office/drawing/2010/main" xmlns="">
                       <a:noFill/>
                     </a14:hiddenFill>
                   </a:ext>
                   <a:ext uri="{AF507438-7753-43e0-B8FC-AC1667EBCBE1}">
-                    <a14:hiddenEffects xmlns="" xmlns:a14="http://schemas.microsoft.com/office/drawing/2010/main">
+                    <a14:hiddenEffects xmlns:a14="http://schemas.microsoft.com/office/drawing/2010/main" xmlns="">
                       <a:effectLst>
                         <a:outerShdw blurRad="63500" dist="38099" dir="2700000" algn="ctr" rotWithShape="0">
                           <a:schemeClr val="bg2">
@@ -9221,12 +9221,12 @@
                 <a:effectLst/>
                 <a:extLst>
                   <a:ext uri="{909E8E84-426E-40dd-AFC4-6F175D3DCCD1}">
-                    <a14:hiddenFill xmlns="" xmlns:a14="http://schemas.microsoft.com/office/drawing/2010/main">
+                    <a14:hiddenFill xmlns:a14="http://schemas.microsoft.com/office/drawing/2010/main" xmlns="">
                       <a:noFill/>
                     </a14:hiddenFill>
                   </a:ext>
                   <a:ext uri="{AF507438-7753-43e0-B8FC-AC1667EBCBE1}">
-                    <a14:hiddenEffects xmlns="" xmlns:a14="http://schemas.microsoft.com/office/drawing/2010/main">
+                    <a14:hiddenEffects xmlns:a14="http://schemas.microsoft.com/office/drawing/2010/main" xmlns="">
                       <a:effectLst>
                         <a:outerShdw blurRad="63500" dist="38099" dir="2700000" algn="ctr" rotWithShape="0">
                           <a:schemeClr val="bg2">
@@ -9279,12 +9279,12 @@
                 <a:effectLst/>
                 <a:extLst>
                   <a:ext uri="{909E8E84-426E-40dd-AFC4-6F175D3DCCD1}">
-                    <a14:hiddenFill xmlns="" xmlns:a14="http://schemas.microsoft.com/office/drawing/2010/main">
+                    <a14:hiddenFill xmlns:a14="http://schemas.microsoft.com/office/drawing/2010/main" xmlns="">
                       <a:noFill/>
                     </a14:hiddenFill>
                   </a:ext>
                   <a:ext uri="{AF507438-7753-43e0-B8FC-AC1667EBCBE1}">
-                    <a14:hiddenEffects xmlns="" xmlns:a14="http://schemas.microsoft.com/office/drawing/2010/main">
+                    <a14:hiddenEffects xmlns:a14="http://schemas.microsoft.com/office/drawing/2010/main" xmlns="">
                       <a:effectLst>
                         <a:outerShdw blurRad="63500" dist="38099" dir="2700000" algn="ctr" rotWithShape="0">
                           <a:schemeClr val="bg2">
@@ -9337,12 +9337,12 @@
                 <a:effectLst/>
                 <a:extLst>
                   <a:ext uri="{909E8E84-426E-40dd-AFC4-6F175D3DCCD1}">
-                    <a14:hiddenFill xmlns="" xmlns:a14="http://schemas.microsoft.com/office/drawing/2010/main">
+                    <a14:hiddenFill xmlns:a14="http://schemas.microsoft.com/office/drawing/2010/main" xmlns="">
                       <a:noFill/>
                     </a14:hiddenFill>
                   </a:ext>
                   <a:ext uri="{AF507438-7753-43e0-B8FC-AC1667EBCBE1}">
-                    <a14:hiddenEffects xmlns="" xmlns:a14="http://schemas.microsoft.com/office/drawing/2010/main">
+                    <a14:hiddenEffects xmlns:a14="http://schemas.microsoft.com/office/drawing/2010/main" xmlns="">
                       <a:effectLst>
                         <a:outerShdw blurRad="63500" dist="38099" dir="2700000" algn="ctr" rotWithShape="0">
                           <a:schemeClr val="bg2">
@@ -9395,12 +9395,12 @@
                 <a:effectLst/>
                 <a:extLst>
                   <a:ext uri="{909E8E84-426E-40dd-AFC4-6F175D3DCCD1}">
-                    <a14:hiddenFill xmlns="" xmlns:a14="http://schemas.microsoft.com/office/drawing/2010/main">
+                    <a14:hiddenFill xmlns:a14="http://schemas.microsoft.com/office/drawing/2010/main" xmlns="">
                       <a:noFill/>
                     </a14:hiddenFill>
                   </a:ext>
                   <a:ext uri="{AF507438-7753-43e0-B8FC-AC1667EBCBE1}">
-                    <a14:hiddenEffects xmlns="" xmlns:a14="http://schemas.microsoft.com/office/drawing/2010/main">
+                    <a14:hiddenEffects xmlns:a14="http://schemas.microsoft.com/office/drawing/2010/main" xmlns="">
                       <a:effectLst>
                         <a:outerShdw blurRad="63500" dist="38099" dir="2700000" algn="ctr" rotWithShape="0">
                           <a:schemeClr val="bg2">
@@ -9453,12 +9453,12 @@
                 <a:effectLst/>
                 <a:extLst>
                   <a:ext uri="{909E8E84-426E-40dd-AFC4-6F175D3DCCD1}">
-                    <a14:hiddenFill xmlns="" xmlns:a14="http://schemas.microsoft.com/office/drawing/2010/main">
+                    <a14:hiddenFill xmlns:a14="http://schemas.microsoft.com/office/drawing/2010/main" xmlns="">
                       <a:noFill/>
                     </a14:hiddenFill>
                   </a:ext>
                   <a:ext uri="{AF507438-7753-43e0-B8FC-AC1667EBCBE1}">
-                    <a14:hiddenEffects xmlns="" xmlns:a14="http://schemas.microsoft.com/office/drawing/2010/main">
+                    <a14:hiddenEffects xmlns:a14="http://schemas.microsoft.com/office/drawing/2010/main" xmlns="">
                       <a:effectLst>
                         <a:outerShdw blurRad="63500" dist="38099" dir="2700000" algn="ctr" rotWithShape="0">
                           <a:schemeClr val="bg2">
@@ -9511,12 +9511,12 @@
                 <a:effectLst/>
                 <a:extLst>
                   <a:ext uri="{909E8E84-426E-40dd-AFC4-6F175D3DCCD1}">
-                    <a14:hiddenFill xmlns="" xmlns:a14="http://schemas.microsoft.com/office/drawing/2010/main">
+                    <a14:hiddenFill xmlns:a14="http://schemas.microsoft.com/office/drawing/2010/main" xmlns="">
                       <a:noFill/>
                     </a14:hiddenFill>
                   </a:ext>
                   <a:ext uri="{AF507438-7753-43e0-B8FC-AC1667EBCBE1}">
-                    <a14:hiddenEffects xmlns="" xmlns:a14="http://schemas.microsoft.com/office/drawing/2010/main">
+                    <a14:hiddenEffects xmlns:a14="http://schemas.microsoft.com/office/drawing/2010/main" xmlns="">
                       <a:effectLst>
                         <a:outerShdw blurRad="63500" dist="38099" dir="2700000" algn="ctr" rotWithShape="0">
                           <a:schemeClr val="bg2">
@@ -9569,12 +9569,12 @@
                 <a:effectLst/>
                 <a:extLst>
                   <a:ext uri="{909E8E84-426E-40dd-AFC4-6F175D3DCCD1}">
-                    <a14:hiddenFill xmlns="" xmlns:a14="http://schemas.microsoft.com/office/drawing/2010/main">
+                    <a14:hiddenFill xmlns:a14="http://schemas.microsoft.com/office/drawing/2010/main" xmlns="">
                       <a:noFill/>
                     </a14:hiddenFill>
                   </a:ext>
                   <a:ext uri="{AF507438-7753-43e0-B8FC-AC1667EBCBE1}">
-                    <a14:hiddenEffects xmlns="" xmlns:a14="http://schemas.microsoft.com/office/drawing/2010/main">
+                    <a14:hiddenEffects xmlns:a14="http://schemas.microsoft.com/office/drawing/2010/main" xmlns="">
                       <a:effectLst>
                         <a:outerShdw blurRad="63500" dist="38099" dir="2700000" algn="ctr" rotWithShape="0">
                           <a:schemeClr val="bg2">
@@ -9627,12 +9627,12 @@
                 <a:effectLst/>
                 <a:extLst>
                   <a:ext uri="{909E8E84-426E-40dd-AFC4-6F175D3DCCD1}">
-                    <a14:hiddenFill xmlns="" xmlns:a14="http://schemas.microsoft.com/office/drawing/2010/main">
+                    <a14:hiddenFill xmlns:a14="http://schemas.microsoft.com/office/drawing/2010/main" xmlns="">
                       <a:noFill/>
                     </a14:hiddenFill>
                   </a:ext>
                   <a:ext uri="{AF507438-7753-43e0-B8FC-AC1667EBCBE1}">
-                    <a14:hiddenEffects xmlns="" xmlns:a14="http://schemas.microsoft.com/office/drawing/2010/main">
+                    <a14:hiddenEffects xmlns:a14="http://schemas.microsoft.com/office/drawing/2010/main" xmlns="">
                       <a:effectLst>
                         <a:outerShdw blurRad="63500" dist="38099" dir="2700000" algn="ctr" rotWithShape="0">
                           <a:schemeClr val="bg2">
@@ -9685,12 +9685,12 @@
                 <a:effectLst/>
                 <a:extLst>
                   <a:ext uri="{909E8E84-426E-40dd-AFC4-6F175D3DCCD1}">
-                    <a14:hiddenFill xmlns="" xmlns:a14="http://schemas.microsoft.com/office/drawing/2010/main">
+                    <a14:hiddenFill xmlns:a14="http://schemas.microsoft.com/office/drawing/2010/main" xmlns="">
                       <a:noFill/>
                     </a14:hiddenFill>
                   </a:ext>
                   <a:ext uri="{AF507438-7753-43e0-B8FC-AC1667EBCBE1}">
-                    <a14:hiddenEffects xmlns="" xmlns:a14="http://schemas.microsoft.com/office/drawing/2010/main">
+                    <a14:hiddenEffects xmlns:a14="http://schemas.microsoft.com/office/drawing/2010/main" xmlns="">
                       <a:effectLst>
                         <a:outerShdw blurRad="63500" dist="38099" dir="2700000" algn="ctr" rotWithShape="0">
                           <a:schemeClr val="bg2">
@@ -9743,12 +9743,12 @@
                 <a:effectLst/>
                 <a:extLst>
                   <a:ext uri="{909E8E84-426E-40dd-AFC4-6F175D3DCCD1}">
-                    <a14:hiddenFill xmlns="" xmlns:a14="http://schemas.microsoft.com/office/drawing/2010/main">
+                    <a14:hiddenFill xmlns:a14="http://schemas.microsoft.com/office/drawing/2010/main" xmlns="">
                       <a:noFill/>
                     </a14:hiddenFill>
                   </a:ext>
                   <a:ext uri="{AF507438-7753-43e0-B8FC-AC1667EBCBE1}">
-                    <a14:hiddenEffects xmlns="" xmlns:a14="http://schemas.microsoft.com/office/drawing/2010/main">
+                    <a14:hiddenEffects xmlns:a14="http://schemas.microsoft.com/office/drawing/2010/main" xmlns="">
                       <a:effectLst>
                         <a:outerShdw blurRad="63500" dist="38099" dir="2700000" algn="ctr" rotWithShape="0">
                           <a:schemeClr val="bg2">
@@ -9801,12 +9801,12 @@
                 <a:effectLst/>
                 <a:extLst>
                   <a:ext uri="{909E8E84-426E-40dd-AFC4-6F175D3DCCD1}">
-                    <a14:hiddenFill xmlns="" xmlns:a14="http://schemas.microsoft.com/office/drawing/2010/main">
+                    <a14:hiddenFill xmlns:a14="http://schemas.microsoft.com/office/drawing/2010/main" xmlns="">
                       <a:noFill/>
                     </a14:hiddenFill>
                   </a:ext>
                   <a:ext uri="{AF507438-7753-43e0-B8FC-AC1667EBCBE1}">
-                    <a14:hiddenEffects xmlns="" xmlns:a14="http://schemas.microsoft.com/office/drawing/2010/main">
+                    <a14:hiddenEffects xmlns:a14="http://schemas.microsoft.com/office/drawing/2010/main" xmlns="">
                       <a:effectLst>
                         <a:outerShdw blurRad="63500" dist="38099" dir="2700000" algn="ctr" rotWithShape="0">
                           <a:schemeClr val="bg2">
@@ -9859,12 +9859,12 @@
                 <a:effectLst/>
                 <a:extLst>
                   <a:ext uri="{909E8E84-426E-40dd-AFC4-6F175D3DCCD1}">
-                    <a14:hiddenFill xmlns="" xmlns:a14="http://schemas.microsoft.com/office/drawing/2010/main">
+                    <a14:hiddenFill xmlns:a14="http://schemas.microsoft.com/office/drawing/2010/main" xmlns="">
                       <a:noFill/>
                     </a14:hiddenFill>
                   </a:ext>
                   <a:ext uri="{AF507438-7753-43e0-B8FC-AC1667EBCBE1}">
-                    <a14:hiddenEffects xmlns="" xmlns:a14="http://schemas.microsoft.com/office/drawing/2010/main">
+                    <a14:hiddenEffects xmlns:a14="http://schemas.microsoft.com/office/drawing/2010/main" xmlns="">
                       <a:effectLst>
                         <a:outerShdw blurRad="63500" dist="38099" dir="2700000" algn="ctr" rotWithShape="0">
                           <a:schemeClr val="bg2">
@@ -9917,12 +9917,12 @@
                 <a:effectLst/>
                 <a:extLst>
                   <a:ext uri="{909E8E84-426E-40dd-AFC4-6F175D3DCCD1}">
-                    <a14:hiddenFill xmlns="" xmlns:a14="http://schemas.microsoft.com/office/drawing/2010/main">
+                    <a14:hiddenFill xmlns:a14="http://schemas.microsoft.com/office/drawing/2010/main" xmlns="">
                       <a:noFill/>
                     </a14:hiddenFill>
                   </a:ext>
                   <a:ext uri="{AF507438-7753-43e0-B8FC-AC1667EBCBE1}">
-                    <a14:hiddenEffects xmlns="" xmlns:a14="http://schemas.microsoft.com/office/drawing/2010/main">
+                    <a14:hiddenEffects xmlns:a14="http://schemas.microsoft.com/office/drawing/2010/main" xmlns="">
                       <a:effectLst>
                         <a:outerShdw blurRad="63500" dist="38099" dir="2700000" algn="ctr" rotWithShape="0">
                           <a:schemeClr val="bg2">
@@ -9975,12 +9975,12 @@
                 <a:effectLst/>
                 <a:extLst>
                   <a:ext uri="{909E8E84-426E-40dd-AFC4-6F175D3DCCD1}">
-                    <a14:hiddenFill xmlns="" xmlns:a14="http://schemas.microsoft.com/office/drawing/2010/main">
+                    <a14:hiddenFill xmlns:a14="http://schemas.microsoft.com/office/drawing/2010/main" xmlns="">
                       <a:noFill/>
                     </a14:hiddenFill>
                   </a:ext>
                   <a:ext uri="{AF507438-7753-43e0-B8FC-AC1667EBCBE1}">
-                    <a14:hiddenEffects xmlns="" xmlns:a14="http://schemas.microsoft.com/office/drawing/2010/main">
+                    <a14:hiddenEffects xmlns:a14="http://schemas.microsoft.com/office/drawing/2010/main" xmlns="">
                       <a:effectLst>
                         <a:outerShdw blurRad="63500" dist="38099" dir="2700000" algn="ctr" rotWithShape="0">
                           <a:schemeClr val="bg2">
@@ -10033,12 +10033,12 @@
                 <a:effectLst/>
                 <a:extLst>
                   <a:ext uri="{909E8E84-426E-40dd-AFC4-6F175D3DCCD1}">
-                    <a14:hiddenFill xmlns="" xmlns:a14="http://schemas.microsoft.com/office/drawing/2010/main">
+                    <a14:hiddenFill xmlns:a14="http://schemas.microsoft.com/office/drawing/2010/main" xmlns="">
                       <a:noFill/>
                     </a14:hiddenFill>
                   </a:ext>
                   <a:ext uri="{AF507438-7753-43e0-B8FC-AC1667EBCBE1}">
-                    <a14:hiddenEffects xmlns="" xmlns:a14="http://schemas.microsoft.com/office/drawing/2010/main">
+                    <a14:hiddenEffects xmlns:a14="http://schemas.microsoft.com/office/drawing/2010/main" xmlns="">
                       <a:effectLst>
                         <a:outerShdw blurRad="63500" dist="38099" dir="2700000" algn="ctr" rotWithShape="0">
                           <a:schemeClr val="bg2">
@@ -10087,12 +10087,12 @@
               <a:effectLst/>
               <a:extLst>
                 <a:ext uri="{909E8E84-426E-40dd-AFC4-6F175D3DCCD1}">
-                  <a14:hiddenFill xmlns="" xmlns:a14="http://schemas.microsoft.com/office/drawing/2010/main">
+                  <a14:hiddenFill xmlns:a14="http://schemas.microsoft.com/office/drawing/2010/main" xmlns="">
                     <a:noFill/>
                   </a14:hiddenFill>
                 </a:ext>
                 <a:ext uri="{AF507438-7753-43e0-B8FC-AC1667EBCBE1}">
-                  <a14:hiddenEffects xmlns="" xmlns:a14="http://schemas.microsoft.com/office/drawing/2010/main">
+                  <a14:hiddenEffects xmlns:a14="http://schemas.microsoft.com/office/drawing/2010/main" xmlns="">
                     <a:effectLst>
                       <a:outerShdw blurRad="63500" dist="38099" dir="2700000" algn="ctr" rotWithShape="0">
                         <a:schemeClr val="bg2">
@@ -10157,12 +10157,12 @@
               <a:effectLst/>
               <a:extLst>
                 <a:ext uri="{909E8E84-426E-40dd-AFC4-6F175D3DCCD1}">
-                  <a14:hiddenFill xmlns="" xmlns:a14="http://schemas.microsoft.com/office/drawing/2010/main">
+                  <a14:hiddenFill xmlns:a14="http://schemas.microsoft.com/office/drawing/2010/main" xmlns="">
                     <a:noFill/>
                   </a14:hiddenFill>
                 </a:ext>
                 <a:ext uri="{AF507438-7753-43e0-B8FC-AC1667EBCBE1}">
-                  <a14:hiddenEffects xmlns="" xmlns:a14="http://schemas.microsoft.com/office/drawing/2010/main">
+                  <a14:hiddenEffects xmlns:a14="http://schemas.microsoft.com/office/drawing/2010/main" xmlns="">
                     <a:effectLst>
                       <a:outerShdw blurRad="63500" dist="38099" dir="2700000" algn="ctr" rotWithShape="0">
                         <a:schemeClr val="bg2">
@@ -10210,12 +10210,12 @@
               <a:effectLst/>
               <a:extLst>
                 <a:ext uri="{909E8E84-426E-40dd-AFC4-6F175D3DCCD1}">
-                  <a14:hiddenFill xmlns="" xmlns:a14="http://schemas.microsoft.com/office/drawing/2010/main">
+                  <a14:hiddenFill xmlns:a14="http://schemas.microsoft.com/office/drawing/2010/main" xmlns="">
                     <a:noFill/>
                   </a14:hiddenFill>
                 </a:ext>
                 <a:ext uri="{AF507438-7753-43e0-B8FC-AC1667EBCBE1}">
-                  <a14:hiddenEffects xmlns="" xmlns:a14="http://schemas.microsoft.com/office/drawing/2010/main">
+                  <a14:hiddenEffects xmlns:a14="http://schemas.microsoft.com/office/drawing/2010/main" xmlns="">
                     <a:effectLst>
                       <a:outerShdw blurRad="63500" dist="38099" dir="2700000" algn="ctr" rotWithShape="0">
                         <a:schemeClr val="bg2">
@@ -10263,12 +10263,12 @@
               <a:effectLst/>
               <a:extLst>
                 <a:ext uri="{909E8E84-426E-40dd-AFC4-6F175D3DCCD1}">
-                  <a14:hiddenFill xmlns="" xmlns:a14="http://schemas.microsoft.com/office/drawing/2010/main">
+                  <a14:hiddenFill xmlns:a14="http://schemas.microsoft.com/office/drawing/2010/main" xmlns="">
                     <a:noFill/>
                   </a14:hiddenFill>
                 </a:ext>
                 <a:ext uri="{AF507438-7753-43e0-B8FC-AC1667EBCBE1}">
-                  <a14:hiddenEffects xmlns="" xmlns:a14="http://schemas.microsoft.com/office/drawing/2010/main">
+                  <a14:hiddenEffects xmlns:a14="http://schemas.microsoft.com/office/drawing/2010/main" xmlns="">
                     <a:effectLst>
                       <a:outerShdw blurRad="63500" dist="38099" dir="2700000" algn="ctr" rotWithShape="0">
                         <a:schemeClr val="bg2">
@@ -10396,14 +10396,14 @@
               <a:effectLst/>
               <a:extLst>
                 <a:ext uri="{909E8E84-426E-40dd-AFC4-6F175D3DCCD1}">
-                  <a14:hiddenFill xmlns="" xmlns:a14="http://schemas.microsoft.com/office/drawing/2010/main">
+                  <a14:hiddenFill xmlns:a14="http://schemas.microsoft.com/office/drawing/2010/main" xmlns="">
                     <a:solidFill>
                       <a:schemeClr val="accent1"/>
                     </a:solidFill>
                   </a14:hiddenFill>
                 </a:ext>
                 <a:ext uri="{AF507438-7753-43e0-B8FC-AC1667EBCBE1}">
-                  <a14:hiddenEffects xmlns="" xmlns:a14="http://schemas.microsoft.com/office/drawing/2010/main">
+                  <a14:hiddenEffects xmlns:a14="http://schemas.microsoft.com/office/drawing/2010/main" xmlns="">
                     <a:effectLst>
                       <a:outerShdw blurRad="63500" dist="38099" dir="2700000" algn="ctr" rotWithShape="0">
                         <a:schemeClr val="bg2">
@@ -10468,12 +10468,12 @@
               <a:effectLst/>
               <a:extLst>
                 <a:ext uri="{909E8E84-426E-40dd-AFC4-6F175D3DCCD1}">
-                  <a14:hiddenFill xmlns="" xmlns:a14="http://schemas.microsoft.com/office/drawing/2010/main">
+                  <a14:hiddenFill xmlns:a14="http://schemas.microsoft.com/office/drawing/2010/main" xmlns="">
                     <a:noFill/>
                   </a14:hiddenFill>
                 </a:ext>
                 <a:ext uri="{AF507438-7753-43e0-B8FC-AC1667EBCBE1}">
-                  <a14:hiddenEffects xmlns="" xmlns:a14="http://schemas.microsoft.com/office/drawing/2010/main">
+                  <a14:hiddenEffects xmlns:a14="http://schemas.microsoft.com/office/drawing/2010/main" xmlns="">
                     <a:effectLst>
                       <a:outerShdw blurRad="63500" dist="38099" dir="2700000" algn="ctr" rotWithShape="0">
                         <a:schemeClr val="bg2">
@@ -10521,12 +10521,12 @@
               <a:effectLst/>
               <a:extLst>
                 <a:ext uri="{909E8E84-426E-40dd-AFC4-6F175D3DCCD1}">
-                  <a14:hiddenFill xmlns="" xmlns:a14="http://schemas.microsoft.com/office/drawing/2010/main">
+                  <a14:hiddenFill xmlns:a14="http://schemas.microsoft.com/office/drawing/2010/main" xmlns="">
                     <a:noFill/>
                   </a14:hiddenFill>
                 </a:ext>
                 <a:ext uri="{AF507438-7753-43e0-B8FC-AC1667EBCBE1}">
-                  <a14:hiddenEffects xmlns="" xmlns:a14="http://schemas.microsoft.com/office/drawing/2010/main">
+                  <a14:hiddenEffects xmlns:a14="http://schemas.microsoft.com/office/drawing/2010/main" xmlns="">
                     <a:effectLst>
                       <a:outerShdw blurRad="63500" dist="38099" dir="2700000" algn="ctr" rotWithShape="0">
                         <a:schemeClr val="bg2">
@@ -10654,14 +10654,14 @@
               <a:effectLst/>
               <a:extLst>
                 <a:ext uri="{909E8E84-426E-40dd-AFC4-6F175D3DCCD1}">
-                  <a14:hiddenFill xmlns="" xmlns:a14="http://schemas.microsoft.com/office/drawing/2010/main">
+                  <a14:hiddenFill xmlns:a14="http://schemas.microsoft.com/office/drawing/2010/main" xmlns="">
                     <a:solidFill>
                       <a:schemeClr val="accent1"/>
                     </a:solidFill>
                   </a14:hiddenFill>
                 </a:ext>
                 <a:ext uri="{AF507438-7753-43e0-B8FC-AC1667EBCBE1}">
-                  <a14:hiddenEffects xmlns="" xmlns:a14="http://schemas.microsoft.com/office/drawing/2010/main">
+                  <a14:hiddenEffects xmlns:a14="http://schemas.microsoft.com/office/drawing/2010/main" xmlns="">
                     <a:effectLst>
                       <a:outerShdw blurRad="63500" dist="38099" dir="2700000" algn="ctr" rotWithShape="0">
                         <a:schemeClr val="bg2">
@@ -10773,14 +10773,14 @@
               <ma14:placeholderFlag xmlns:ma14="http://schemas.microsoft.com/office/mac/drawingml/2011/main" val="1"/>
             </a:ext>
             <a:ext uri="{909E8E84-426E-40dd-AFC4-6F175D3DCCD1}">
-              <a14:hiddenFill xmlns="" xmlns:a14="http://schemas.microsoft.com/office/drawing/2010/main">
+              <a14:hiddenFill xmlns:a14="http://schemas.microsoft.com/office/drawing/2010/main" xmlns="">
                 <a:solidFill>
                   <a:schemeClr val="accent1"/>
                 </a:solidFill>
               </a14:hiddenFill>
             </a:ext>
             <a:ext uri="{91240B29-F687-4f45-9708-019B960494DF}">
-              <a14:hiddenLine xmlns="" xmlns:a14="http://schemas.microsoft.com/office/drawing/2010/main" w="9525">
+              <a14:hiddenLine xmlns:a14="http://schemas.microsoft.com/office/drawing/2010/main" xmlns="" w="9525">
                 <a:solidFill>
                   <a:schemeClr val="tx1"/>
                 </a:solidFill>
@@ -10790,7 +10790,7 @@
               </a14:hiddenLine>
             </a:ext>
             <a:ext uri="{AF507438-7753-43e0-B8FC-AC1667EBCBE1}">
-              <a14:hiddenEffects xmlns="" xmlns:a14="http://schemas.microsoft.com/office/drawing/2010/main">
+              <a14:hiddenEffects xmlns:a14="http://schemas.microsoft.com/office/drawing/2010/main" xmlns="">
                 <a:effectLst>
                   <a:outerShdw blurRad="63500" dist="38099" dir="2700000" algn="ctr" rotWithShape="0">
                     <a:schemeClr val="bg2">
@@ -13293,12 +13293,12 @@
                 <a:effectLst/>
                 <a:extLst>
                   <a:ext uri="{909E8E84-426E-40dd-AFC4-6F175D3DCCD1}">
-                    <a14:hiddenFill xmlns="" xmlns:a14="http://schemas.microsoft.com/office/drawing/2010/main">
+                    <a14:hiddenFill xmlns:a14="http://schemas.microsoft.com/office/drawing/2010/main" xmlns="">
                       <a:noFill/>
                     </a14:hiddenFill>
                   </a:ext>
                   <a:ext uri="{AF507438-7753-43e0-B8FC-AC1667EBCBE1}">
-                    <a14:hiddenEffects xmlns="" xmlns:a14="http://schemas.microsoft.com/office/drawing/2010/main">
+                    <a14:hiddenEffects xmlns:a14="http://schemas.microsoft.com/office/drawing/2010/main" xmlns="">
                       <a:effectLst>
                         <a:outerShdw blurRad="63500" dist="38099" dir="2700000" algn="ctr" rotWithShape="0">
                           <a:schemeClr val="bg2">
@@ -13351,12 +13351,12 @@
                 <a:effectLst/>
                 <a:extLst>
                   <a:ext uri="{909E8E84-426E-40dd-AFC4-6F175D3DCCD1}">
-                    <a14:hiddenFill xmlns="" xmlns:a14="http://schemas.microsoft.com/office/drawing/2010/main">
+                    <a14:hiddenFill xmlns:a14="http://schemas.microsoft.com/office/drawing/2010/main" xmlns="">
                       <a:noFill/>
                     </a14:hiddenFill>
                   </a:ext>
                   <a:ext uri="{AF507438-7753-43e0-B8FC-AC1667EBCBE1}">
-                    <a14:hiddenEffects xmlns="" xmlns:a14="http://schemas.microsoft.com/office/drawing/2010/main">
+                    <a14:hiddenEffects xmlns:a14="http://schemas.microsoft.com/office/drawing/2010/main" xmlns="">
                       <a:effectLst>
                         <a:outerShdw blurRad="63500" dist="38099" dir="2700000" algn="ctr" rotWithShape="0">
                           <a:schemeClr val="bg2">
@@ -13409,12 +13409,12 @@
                 <a:effectLst/>
                 <a:extLst>
                   <a:ext uri="{909E8E84-426E-40dd-AFC4-6F175D3DCCD1}">
-                    <a14:hiddenFill xmlns="" xmlns:a14="http://schemas.microsoft.com/office/drawing/2010/main">
+                    <a14:hiddenFill xmlns:a14="http://schemas.microsoft.com/office/drawing/2010/main" xmlns="">
                       <a:noFill/>
                     </a14:hiddenFill>
                   </a:ext>
                   <a:ext uri="{AF507438-7753-43e0-B8FC-AC1667EBCBE1}">
-                    <a14:hiddenEffects xmlns="" xmlns:a14="http://schemas.microsoft.com/office/drawing/2010/main">
+                    <a14:hiddenEffects xmlns:a14="http://schemas.microsoft.com/office/drawing/2010/main" xmlns="">
                       <a:effectLst>
                         <a:outerShdw blurRad="63500" dist="38099" dir="2700000" algn="ctr" rotWithShape="0">
                           <a:schemeClr val="bg2">
@@ -13467,12 +13467,12 @@
                 <a:effectLst/>
                 <a:extLst>
                   <a:ext uri="{909E8E84-426E-40dd-AFC4-6F175D3DCCD1}">
-                    <a14:hiddenFill xmlns="" xmlns:a14="http://schemas.microsoft.com/office/drawing/2010/main">
+                    <a14:hiddenFill xmlns:a14="http://schemas.microsoft.com/office/drawing/2010/main" xmlns="">
                       <a:noFill/>
                     </a14:hiddenFill>
                   </a:ext>
                   <a:ext uri="{AF507438-7753-43e0-B8FC-AC1667EBCBE1}">
-                    <a14:hiddenEffects xmlns="" xmlns:a14="http://schemas.microsoft.com/office/drawing/2010/main">
+                    <a14:hiddenEffects xmlns:a14="http://schemas.microsoft.com/office/drawing/2010/main" xmlns="">
                       <a:effectLst>
                         <a:outerShdw blurRad="63500" dist="38099" dir="2700000" algn="ctr" rotWithShape="0">
                           <a:schemeClr val="bg2">
@@ -13525,12 +13525,12 @@
                 <a:effectLst/>
                 <a:extLst>
                   <a:ext uri="{909E8E84-426E-40dd-AFC4-6F175D3DCCD1}">
-                    <a14:hiddenFill xmlns="" xmlns:a14="http://schemas.microsoft.com/office/drawing/2010/main">
+                    <a14:hiddenFill xmlns:a14="http://schemas.microsoft.com/office/drawing/2010/main" xmlns="">
                       <a:noFill/>
                     </a14:hiddenFill>
                   </a:ext>
                   <a:ext uri="{AF507438-7753-43e0-B8FC-AC1667EBCBE1}">
-                    <a14:hiddenEffects xmlns="" xmlns:a14="http://schemas.microsoft.com/office/drawing/2010/main">
+                    <a14:hiddenEffects xmlns:a14="http://schemas.microsoft.com/office/drawing/2010/main" xmlns="">
                       <a:effectLst>
                         <a:outerShdw blurRad="63500" dist="38099" dir="2700000" algn="ctr" rotWithShape="0">
                           <a:schemeClr val="bg2">
@@ -13583,12 +13583,12 @@
                 <a:effectLst/>
                 <a:extLst>
                   <a:ext uri="{909E8E84-426E-40dd-AFC4-6F175D3DCCD1}">
-                    <a14:hiddenFill xmlns="" xmlns:a14="http://schemas.microsoft.com/office/drawing/2010/main">
+                    <a14:hiddenFill xmlns:a14="http://schemas.microsoft.com/office/drawing/2010/main" xmlns="">
                       <a:noFill/>
                     </a14:hiddenFill>
                   </a:ext>
                   <a:ext uri="{AF507438-7753-43e0-B8FC-AC1667EBCBE1}">
-                    <a14:hiddenEffects xmlns="" xmlns:a14="http://schemas.microsoft.com/office/drawing/2010/main">
+                    <a14:hiddenEffects xmlns:a14="http://schemas.microsoft.com/office/drawing/2010/main" xmlns="">
                       <a:effectLst>
                         <a:outerShdw blurRad="63500" dist="38099" dir="2700000" algn="ctr" rotWithShape="0">
                           <a:schemeClr val="bg2">
@@ -13641,12 +13641,12 @@
                 <a:effectLst/>
                 <a:extLst>
                   <a:ext uri="{909E8E84-426E-40dd-AFC4-6F175D3DCCD1}">
-                    <a14:hiddenFill xmlns="" xmlns:a14="http://schemas.microsoft.com/office/drawing/2010/main">
+                    <a14:hiddenFill xmlns:a14="http://schemas.microsoft.com/office/drawing/2010/main" xmlns="">
                       <a:noFill/>
                     </a14:hiddenFill>
                   </a:ext>
                   <a:ext uri="{AF507438-7753-43e0-B8FC-AC1667EBCBE1}">
-                    <a14:hiddenEffects xmlns="" xmlns:a14="http://schemas.microsoft.com/office/drawing/2010/main">
+                    <a14:hiddenEffects xmlns:a14="http://schemas.microsoft.com/office/drawing/2010/main" xmlns="">
                       <a:effectLst>
                         <a:outerShdw blurRad="63500" dist="38099" dir="2700000" algn="ctr" rotWithShape="0">
                           <a:schemeClr val="bg2">
@@ -13699,12 +13699,12 @@
                 <a:effectLst/>
                 <a:extLst>
                   <a:ext uri="{909E8E84-426E-40dd-AFC4-6F175D3DCCD1}">
-                    <a14:hiddenFill xmlns="" xmlns:a14="http://schemas.microsoft.com/office/drawing/2010/main">
+                    <a14:hiddenFill xmlns:a14="http://schemas.microsoft.com/office/drawing/2010/main" xmlns="">
                       <a:noFill/>
                     </a14:hiddenFill>
                   </a:ext>
                   <a:ext uri="{AF507438-7753-43e0-B8FC-AC1667EBCBE1}">
-                    <a14:hiddenEffects xmlns="" xmlns:a14="http://schemas.microsoft.com/office/drawing/2010/main">
+                    <a14:hiddenEffects xmlns:a14="http://schemas.microsoft.com/office/drawing/2010/main" xmlns="">
                       <a:effectLst>
                         <a:outerShdw blurRad="63500" dist="38099" dir="2700000" algn="ctr" rotWithShape="0">
                           <a:schemeClr val="bg2">
@@ -13757,12 +13757,12 @@
                 <a:effectLst/>
                 <a:extLst>
                   <a:ext uri="{909E8E84-426E-40dd-AFC4-6F175D3DCCD1}">
-                    <a14:hiddenFill xmlns="" xmlns:a14="http://schemas.microsoft.com/office/drawing/2010/main">
+                    <a14:hiddenFill xmlns:a14="http://schemas.microsoft.com/office/drawing/2010/main" xmlns="">
                       <a:noFill/>
                     </a14:hiddenFill>
                   </a:ext>
                   <a:ext uri="{AF507438-7753-43e0-B8FC-AC1667EBCBE1}">
-                    <a14:hiddenEffects xmlns="" xmlns:a14="http://schemas.microsoft.com/office/drawing/2010/main">
+                    <a14:hiddenEffects xmlns:a14="http://schemas.microsoft.com/office/drawing/2010/main" xmlns="">
                       <a:effectLst>
                         <a:outerShdw blurRad="63500" dist="38099" dir="2700000" algn="ctr" rotWithShape="0">
                           <a:schemeClr val="bg2">
@@ -13815,12 +13815,12 @@
                 <a:effectLst/>
                 <a:extLst>
                   <a:ext uri="{909E8E84-426E-40dd-AFC4-6F175D3DCCD1}">
-                    <a14:hiddenFill xmlns="" xmlns:a14="http://schemas.microsoft.com/office/drawing/2010/main">
+                    <a14:hiddenFill xmlns:a14="http://schemas.microsoft.com/office/drawing/2010/main" xmlns="">
                       <a:noFill/>
                     </a14:hiddenFill>
                   </a:ext>
                   <a:ext uri="{AF507438-7753-43e0-B8FC-AC1667EBCBE1}">
-                    <a14:hiddenEffects xmlns="" xmlns:a14="http://schemas.microsoft.com/office/drawing/2010/main">
+                    <a14:hiddenEffects xmlns:a14="http://schemas.microsoft.com/office/drawing/2010/main" xmlns="">
                       <a:effectLst>
                         <a:outerShdw blurRad="63500" dist="38099" dir="2700000" algn="ctr" rotWithShape="0">
                           <a:schemeClr val="bg2">
@@ -13873,12 +13873,12 @@
                 <a:effectLst/>
                 <a:extLst>
                   <a:ext uri="{909E8E84-426E-40dd-AFC4-6F175D3DCCD1}">
-                    <a14:hiddenFill xmlns="" xmlns:a14="http://schemas.microsoft.com/office/drawing/2010/main">
+                    <a14:hiddenFill xmlns:a14="http://schemas.microsoft.com/office/drawing/2010/main" xmlns="">
                       <a:noFill/>
                     </a14:hiddenFill>
                   </a:ext>
                   <a:ext uri="{AF507438-7753-43e0-B8FC-AC1667EBCBE1}">
-                    <a14:hiddenEffects xmlns="" xmlns:a14="http://schemas.microsoft.com/office/drawing/2010/main">
+                    <a14:hiddenEffects xmlns:a14="http://schemas.microsoft.com/office/drawing/2010/main" xmlns="">
                       <a:effectLst>
                         <a:outerShdw blurRad="63500" dist="38099" dir="2700000" algn="ctr" rotWithShape="0">
                           <a:schemeClr val="bg2">
@@ -13931,12 +13931,12 @@
                 <a:effectLst/>
                 <a:extLst>
                   <a:ext uri="{909E8E84-426E-40dd-AFC4-6F175D3DCCD1}">
-                    <a14:hiddenFill xmlns="" xmlns:a14="http://schemas.microsoft.com/office/drawing/2010/main">
+                    <a14:hiddenFill xmlns:a14="http://schemas.microsoft.com/office/drawing/2010/main" xmlns="">
                       <a:noFill/>
                     </a14:hiddenFill>
                   </a:ext>
                   <a:ext uri="{AF507438-7753-43e0-B8FC-AC1667EBCBE1}">
-                    <a14:hiddenEffects xmlns="" xmlns:a14="http://schemas.microsoft.com/office/drawing/2010/main">
+                    <a14:hiddenEffects xmlns:a14="http://schemas.microsoft.com/office/drawing/2010/main" xmlns="">
                       <a:effectLst>
                         <a:outerShdw blurRad="63500" dist="38099" dir="2700000" algn="ctr" rotWithShape="0">
                           <a:schemeClr val="bg2">
@@ -13989,12 +13989,12 @@
                 <a:effectLst/>
                 <a:extLst>
                   <a:ext uri="{909E8E84-426E-40dd-AFC4-6F175D3DCCD1}">
-                    <a14:hiddenFill xmlns="" xmlns:a14="http://schemas.microsoft.com/office/drawing/2010/main">
+                    <a14:hiddenFill xmlns:a14="http://schemas.microsoft.com/office/drawing/2010/main" xmlns="">
                       <a:noFill/>
                     </a14:hiddenFill>
                   </a:ext>
                   <a:ext uri="{AF507438-7753-43e0-B8FC-AC1667EBCBE1}">
-                    <a14:hiddenEffects xmlns="" xmlns:a14="http://schemas.microsoft.com/office/drawing/2010/main">
+                    <a14:hiddenEffects xmlns:a14="http://schemas.microsoft.com/office/drawing/2010/main" xmlns="">
                       <a:effectLst>
                         <a:outerShdw blurRad="63500" dist="38099" dir="2700000" algn="ctr" rotWithShape="0">
                           <a:schemeClr val="bg2">
@@ -14047,12 +14047,12 @@
                 <a:effectLst/>
                 <a:extLst>
                   <a:ext uri="{909E8E84-426E-40dd-AFC4-6F175D3DCCD1}">
-                    <a14:hiddenFill xmlns="" xmlns:a14="http://schemas.microsoft.com/office/drawing/2010/main">
+                    <a14:hiddenFill xmlns:a14="http://schemas.microsoft.com/office/drawing/2010/main" xmlns="">
                       <a:noFill/>
                     </a14:hiddenFill>
                   </a:ext>
                   <a:ext uri="{AF507438-7753-43e0-B8FC-AC1667EBCBE1}">
-                    <a14:hiddenEffects xmlns="" xmlns:a14="http://schemas.microsoft.com/office/drawing/2010/main">
+                    <a14:hiddenEffects xmlns:a14="http://schemas.microsoft.com/office/drawing/2010/main" xmlns="">
                       <a:effectLst>
                         <a:outerShdw blurRad="63500" dist="38099" dir="2700000" algn="ctr" rotWithShape="0">
                           <a:schemeClr val="bg2">
@@ -14105,12 +14105,12 @@
                 <a:effectLst/>
                 <a:extLst>
                   <a:ext uri="{909E8E84-426E-40dd-AFC4-6F175D3DCCD1}">
-                    <a14:hiddenFill xmlns="" xmlns:a14="http://schemas.microsoft.com/office/drawing/2010/main">
+                    <a14:hiddenFill xmlns:a14="http://schemas.microsoft.com/office/drawing/2010/main" xmlns="">
                       <a:noFill/>
                     </a14:hiddenFill>
                   </a:ext>
                   <a:ext uri="{AF507438-7753-43e0-B8FC-AC1667EBCBE1}">
-                    <a14:hiddenEffects xmlns="" xmlns:a14="http://schemas.microsoft.com/office/drawing/2010/main">
+                    <a14:hiddenEffects xmlns:a14="http://schemas.microsoft.com/office/drawing/2010/main" xmlns="">
                       <a:effectLst>
                         <a:outerShdw blurRad="63500" dist="38099" dir="2700000" algn="ctr" rotWithShape="0">
                           <a:schemeClr val="bg2">
@@ -14163,12 +14163,12 @@
                 <a:effectLst/>
                 <a:extLst>
                   <a:ext uri="{909E8E84-426E-40dd-AFC4-6F175D3DCCD1}">
-                    <a14:hiddenFill xmlns="" xmlns:a14="http://schemas.microsoft.com/office/drawing/2010/main">
+                    <a14:hiddenFill xmlns:a14="http://schemas.microsoft.com/office/drawing/2010/main" xmlns="">
                       <a:noFill/>
                     </a14:hiddenFill>
                   </a:ext>
                   <a:ext uri="{AF507438-7753-43e0-B8FC-AC1667EBCBE1}">
-                    <a14:hiddenEffects xmlns="" xmlns:a14="http://schemas.microsoft.com/office/drawing/2010/main">
+                    <a14:hiddenEffects xmlns:a14="http://schemas.microsoft.com/office/drawing/2010/main" xmlns="">
                       <a:effectLst>
                         <a:outerShdw blurRad="63500" dist="38099" dir="2700000" algn="ctr" rotWithShape="0">
                           <a:schemeClr val="bg2">
@@ -14221,12 +14221,12 @@
                 <a:effectLst/>
                 <a:extLst>
                   <a:ext uri="{909E8E84-426E-40dd-AFC4-6F175D3DCCD1}">
-                    <a14:hiddenFill xmlns="" xmlns:a14="http://schemas.microsoft.com/office/drawing/2010/main">
+                    <a14:hiddenFill xmlns:a14="http://schemas.microsoft.com/office/drawing/2010/main" xmlns="">
                       <a:noFill/>
                     </a14:hiddenFill>
                   </a:ext>
                   <a:ext uri="{AF507438-7753-43e0-B8FC-AC1667EBCBE1}">
-                    <a14:hiddenEffects xmlns="" xmlns:a14="http://schemas.microsoft.com/office/drawing/2010/main">
+                    <a14:hiddenEffects xmlns:a14="http://schemas.microsoft.com/office/drawing/2010/main" xmlns="">
                       <a:effectLst>
                         <a:outerShdw blurRad="63500" dist="38099" dir="2700000" algn="ctr" rotWithShape="0">
                           <a:schemeClr val="bg2">
@@ -14279,12 +14279,12 @@
                 <a:effectLst/>
                 <a:extLst>
                   <a:ext uri="{909E8E84-426E-40dd-AFC4-6F175D3DCCD1}">
-                    <a14:hiddenFill xmlns="" xmlns:a14="http://schemas.microsoft.com/office/drawing/2010/main">
+                    <a14:hiddenFill xmlns:a14="http://schemas.microsoft.com/office/drawing/2010/main" xmlns="">
                       <a:noFill/>
                     </a14:hiddenFill>
                   </a:ext>
                   <a:ext uri="{AF507438-7753-43e0-B8FC-AC1667EBCBE1}">
-                    <a14:hiddenEffects xmlns="" xmlns:a14="http://schemas.microsoft.com/office/drawing/2010/main">
+                    <a14:hiddenEffects xmlns:a14="http://schemas.microsoft.com/office/drawing/2010/main" xmlns="">
                       <a:effectLst>
                         <a:outerShdw blurRad="63500" dist="38099" dir="2700000" algn="ctr" rotWithShape="0">
                           <a:schemeClr val="bg2">
@@ -14337,12 +14337,12 @@
                 <a:effectLst/>
                 <a:extLst>
                   <a:ext uri="{909E8E84-426E-40dd-AFC4-6F175D3DCCD1}">
-                    <a14:hiddenFill xmlns="" xmlns:a14="http://schemas.microsoft.com/office/drawing/2010/main">
+                    <a14:hiddenFill xmlns:a14="http://schemas.microsoft.com/office/drawing/2010/main" xmlns="">
                       <a:noFill/>
                     </a14:hiddenFill>
                   </a:ext>
                   <a:ext uri="{AF507438-7753-43e0-B8FC-AC1667EBCBE1}">
-                    <a14:hiddenEffects xmlns="" xmlns:a14="http://schemas.microsoft.com/office/drawing/2010/main">
+                    <a14:hiddenEffects xmlns:a14="http://schemas.microsoft.com/office/drawing/2010/main" xmlns="">
                       <a:effectLst>
                         <a:outerShdw blurRad="63500" dist="38099" dir="2700000" algn="ctr" rotWithShape="0">
                           <a:schemeClr val="bg2">
@@ -14395,12 +14395,12 @@
                 <a:effectLst/>
                 <a:extLst>
                   <a:ext uri="{909E8E84-426E-40dd-AFC4-6F175D3DCCD1}">
-                    <a14:hiddenFill xmlns="" xmlns:a14="http://schemas.microsoft.com/office/drawing/2010/main">
+                    <a14:hiddenFill xmlns:a14="http://schemas.microsoft.com/office/drawing/2010/main" xmlns="">
                       <a:noFill/>
                     </a14:hiddenFill>
                   </a:ext>
                   <a:ext uri="{AF507438-7753-43e0-B8FC-AC1667EBCBE1}">
-                    <a14:hiddenEffects xmlns="" xmlns:a14="http://schemas.microsoft.com/office/drawing/2010/main">
+                    <a14:hiddenEffects xmlns:a14="http://schemas.microsoft.com/office/drawing/2010/main" xmlns="">
                       <a:effectLst>
                         <a:outerShdw blurRad="63500" dist="38099" dir="2700000" algn="ctr" rotWithShape="0">
                           <a:schemeClr val="bg2">
@@ -14453,12 +14453,12 @@
                 <a:effectLst/>
                 <a:extLst>
                   <a:ext uri="{909E8E84-426E-40dd-AFC4-6F175D3DCCD1}">
-                    <a14:hiddenFill xmlns="" xmlns:a14="http://schemas.microsoft.com/office/drawing/2010/main">
+                    <a14:hiddenFill xmlns:a14="http://schemas.microsoft.com/office/drawing/2010/main" xmlns="">
                       <a:noFill/>
                     </a14:hiddenFill>
                   </a:ext>
                   <a:ext uri="{AF507438-7753-43e0-B8FC-AC1667EBCBE1}">
-                    <a14:hiddenEffects xmlns="" xmlns:a14="http://schemas.microsoft.com/office/drawing/2010/main">
+                    <a14:hiddenEffects xmlns:a14="http://schemas.microsoft.com/office/drawing/2010/main" xmlns="">
                       <a:effectLst>
                         <a:outerShdw blurRad="63500" dist="38099" dir="2700000" algn="ctr" rotWithShape="0">
                           <a:schemeClr val="bg2">
@@ -14511,12 +14511,12 @@
                 <a:effectLst/>
                 <a:extLst>
                   <a:ext uri="{909E8E84-426E-40dd-AFC4-6F175D3DCCD1}">
-                    <a14:hiddenFill xmlns="" xmlns:a14="http://schemas.microsoft.com/office/drawing/2010/main">
+                    <a14:hiddenFill xmlns:a14="http://schemas.microsoft.com/office/drawing/2010/main" xmlns="">
                       <a:noFill/>
                     </a14:hiddenFill>
                   </a:ext>
                   <a:ext uri="{AF507438-7753-43e0-B8FC-AC1667EBCBE1}">
-                    <a14:hiddenEffects xmlns="" xmlns:a14="http://schemas.microsoft.com/office/drawing/2010/main">
+                    <a14:hiddenEffects xmlns:a14="http://schemas.microsoft.com/office/drawing/2010/main" xmlns="">
                       <a:effectLst>
                         <a:outerShdw blurRad="63500" dist="38099" dir="2700000" algn="ctr" rotWithShape="0">
                           <a:schemeClr val="bg2">
@@ -14586,12 +14586,12 @@
                 <a:effectLst/>
                 <a:extLst>
                   <a:ext uri="{909E8E84-426E-40dd-AFC4-6F175D3DCCD1}">
-                    <a14:hiddenFill xmlns="" xmlns:a14="http://schemas.microsoft.com/office/drawing/2010/main">
+                    <a14:hiddenFill xmlns:a14="http://schemas.microsoft.com/office/drawing/2010/main" xmlns="">
                       <a:noFill/>
                     </a14:hiddenFill>
                   </a:ext>
                   <a:ext uri="{AF507438-7753-43e0-B8FC-AC1667EBCBE1}">
-                    <a14:hiddenEffects xmlns="" xmlns:a14="http://schemas.microsoft.com/office/drawing/2010/main">
+                    <a14:hiddenEffects xmlns:a14="http://schemas.microsoft.com/office/drawing/2010/main" xmlns="">
                       <a:effectLst>
                         <a:outerShdw blurRad="63500" dist="38099" dir="2700000" algn="ctr" rotWithShape="0">
                           <a:schemeClr val="bg2">
@@ -14644,12 +14644,12 @@
                 <a:effectLst/>
                 <a:extLst>
                   <a:ext uri="{909E8E84-426E-40dd-AFC4-6F175D3DCCD1}">
-                    <a14:hiddenFill xmlns="" xmlns:a14="http://schemas.microsoft.com/office/drawing/2010/main">
+                    <a14:hiddenFill xmlns:a14="http://schemas.microsoft.com/office/drawing/2010/main" xmlns="">
                       <a:noFill/>
                     </a14:hiddenFill>
                   </a:ext>
                   <a:ext uri="{AF507438-7753-43e0-B8FC-AC1667EBCBE1}">
-                    <a14:hiddenEffects xmlns="" xmlns:a14="http://schemas.microsoft.com/office/drawing/2010/main">
+                    <a14:hiddenEffects xmlns:a14="http://schemas.microsoft.com/office/drawing/2010/main" xmlns="">
                       <a:effectLst>
                         <a:outerShdw blurRad="63500" dist="38099" dir="2700000" algn="ctr" rotWithShape="0">
                           <a:schemeClr val="bg2">
@@ -14702,12 +14702,12 @@
                 <a:effectLst/>
                 <a:extLst>
                   <a:ext uri="{909E8E84-426E-40dd-AFC4-6F175D3DCCD1}">
-                    <a14:hiddenFill xmlns="" xmlns:a14="http://schemas.microsoft.com/office/drawing/2010/main">
+                    <a14:hiddenFill xmlns:a14="http://schemas.microsoft.com/office/drawing/2010/main" xmlns="">
                       <a:noFill/>
                     </a14:hiddenFill>
                   </a:ext>
                   <a:ext uri="{AF507438-7753-43e0-B8FC-AC1667EBCBE1}">
-                    <a14:hiddenEffects xmlns="" xmlns:a14="http://schemas.microsoft.com/office/drawing/2010/main">
+                    <a14:hiddenEffects xmlns:a14="http://schemas.microsoft.com/office/drawing/2010/main" xmlns="">
                       <a:effectLst>
                         <a:outerShdw blurRad="63500" dist="38099" dir="2700000" algn="ctr" rotWithShape="0">
                           <a:schemeClr val="bg2">
@@ -14760,12 +14760,12 @@
                 <a:effectLst/>
                 <a:extLst>
                   <a:ext uri="{909E8E84-426E-40dd-AFC4-6F175D3DCCD1}">
-                    <a14:hiddenFill xmlns="" xmlns:a14="http://schemas.microsoft.com/office/drawing/2010/main">
+                    <a14:hiddenFill xmlns:a14="http://schemas.microsoft.com/office/drawing/2010/main" xmlns="">
                       <a:noFill/>
                     </a14:hiddenFill>
                   </a:ext>
                   <a:ext uri="{AF507438-7753-43e0-B8FC-AC1667EBCBE1}">
-                    <a14:hiddenEffects xmlns="" xmlns:a14="http://schemas.microsoft.com/office/drawing/2010/main">
+                    <a14:hiddenEffects xmlns:a14="http://schemas.microsoft.com/office/drawing/2010/main" xmlns="">
                       <a:effectLst>
                         <a:outerShdw blurRad="63500" dist="38099" dir="2700000" algn="ctr" rotWithShape="0">
                           <a:schemeClr val="bg2">
@@ -14818,12 +14818,12 @@
                 <a:effectLst/>
                 <a:extLst>
                   <a:ext uri="{909E8E84-426E-40dd-AFC4-6F175D3DCCD1}">
-                    <a14:hiddenFill xmlns="" xmlns:a14="http://schemas.microsoft.com/office/drawing/2010/main">
+                    <a14:hiddenFill xmlns:a14="http://schemas.microsoft.com/office/drawing/2010/main" xmlns="">
                       <a:noFill/>
                     </a14:hiddenFill>
                   </a:ext>
                   <a:ext uri="{AF507438-7753-43e0-B8FC-AC1667EBCBE1}">
-                    <a14:hiddenEffects xmlns="" xmlns:a14="http://schemas.microsoft.com/office/drawing/2010/main">
+                    <a14:hiddenEffects xmlns:a14="http://schemas.microsoft.com/office/drawing/2010/main" xmlns="">
                       <a:effectLst>
                         <a:outerShdw blurRad="63500" dist="38099" dir="2700000" algn="ctr" rotWithShape="0">
                           <a:schemeClr val="bg2">
@@ -14876,12 +14876,12 @@
                 <a:effectLst/>
                 <a:extLst>
                   <a:ext uri="{909E8E84-426E-40dd-AFC4-6F175D3DCCD1}">
-                    <a14:hiddenFill xmlns="" xmlns:a14="http://schemas.microsoft.com/office/drawing/2010/main">
+                    <a14:hiddenFill xmlns:a14="http://schemas.microsoft.com/office/drawing/2010/main" xmlns="">
                       <a:noFill/>
                     </a14:hiddenFill>
                   </a:ext>
                   <a:ext uri="{AF507438-7753-43e0-B8FC-AC1667EBCBE1}">
-                    <a14:hiddenEffects xmlns="" xmlns:a14="http://schemas.microsoft.com/office/drawing/2010/main">
+                    <a14:hiddenEffects xmlns:a14="http://schemas.microsoft.com/office/drawing/2010/main" xmlns="">
                       <a:effectLst>
                         <a:outerShdw blurRad="63500" dist="38099" dir="2700000" algn="ctr" rotWithShape="0">
                           <a:schemeClr val="bg2">
@@ -14934,12 +14934,12 @@
                 <a:effectLst/>
                 <a:extLst>
                   <a:ext uri="{909E8E84-426E-40dd-AFC4-6F175D3DCCD1}">
-                    <a14:hiddenFill xmlns="" xmlns:a14="http://schemas.microsoft.com/office/drawing/2010/main">
+                    <a14:hiddenFill xmlns:a14="http://schemas.microsoft.com/office/drawing/2010/main" xmlns="">
                       <a:noFill/>
                     </a14:hiddenFill>
                   </a:ext>
                   <a:ext uri="{AF507438-7753-43e0-B8FC-AC1667EBCBE1}">
-                    <a14:hiddenEffects xmlns="" xmlns:a14="http://schemas.microsoft.com/office/drawing/2010/main">
+                    <a14:hiddenEffects xmlns:a14="http://schemas.microsoft.com/office/drawing/2010/main" xmlns="">
                       <a:effectLst>
                         <a:outerShdw blurRad="63500" dist="38099" dir="2700000" algn="ctr" rotWithShape="0">
                           <a:schemeClr val="bg2">
@@ -14992,12 +14992,12 @@
                 <a:effectLst/>
                 <a:extLst>
                   <a:ext uri="{909E8E84-426E-40dd-AFC4-6F175D3DCCD1}">
-                    <a14:hiddenFill xmlns="" xmlns:a14="http://schemas.microsoft.com/office/drawing/2010/main">
+                    <a14:hiddenFill xmlns:a14="http://schemas.microsoft.com/office/drawing/2010/main" xmlns="">
                       <a:noFill/>
                     </a14:hiddenFill>
                   </a:ext>
                   <a:ext uri="{AF507438-7753-43e0-B8FC-AC1667EBCBE1}">
-                    <a14:hiddenEffects xmlns="" xmlns:a14="http://schemas.microsoft.com/office/drawing/2010/main">
+                    <a14:hiddenEffects xmlns:a14="http://schemas.microsoft.com/office/drawing/2010/main" xmlns="">
                       <a:effectLst>
                         <a:outerShdw blurRad="63500" dist="38099" dir="2700000" algn="ctr" rotWithShape="0">
                           <a:schemeClr val="bg2">
@@ -15050,12 +15050,12 @@
                 <a:effectLst/>
                 <a:extLst>
                   <a:ext uri="{909E8E84-426E-40dd-AFC4-6F175D3DCCD1}">
-                    <a14:hiddenFill xmlns="" xmlns:a14="http://schemas.microsoft.com/office/drawing/2010/main">
+                    <a14:hiddenFill xmlns:a14="http://schemas.microsoft.com/office/drawing/2010/main" xmlns="">
                       <a:noFill/>
                     </a14:hiddenFill>
                   </a:ext>
                   <a:ext uri="{AF507438-7753-43e0-B8FC-AC1667EBCBE1}">
-                    <a14:hiddenEffects xmlns="" xmlns:a14="http://schemas.microsoft.com/office/drawing/2010/main">
+                    <a14:hiddenEffects xmlns:a14="http://schemas.microsoft.com/office/drawing/2010/main" xmlns="">
                       <a:effectLst>
                         <a:outerShdw blurRad="63500" dist="38099" dir="2700000" algn="ctr" rotWithShape="0">
                           <a:schemeClr val="bg2">
@@ -15108,12 +15108,12 @@
                 <a:effectLst/>
                 <a:extLst>
                   <a:ext uri="{909E8E84-426E-40dd-AFC4-6F175D3DCCD1}">
-                    <a14:hiddenFill xmlns="" xmlns:a14="http://schemas.microsoft.com/office/drawing/2010/main">
+                    <a14:hiddenFill xmlns:a14="http://schemas.microsoft.com/office/drawing/2010/main" xmlns="">
                       <a:noFill/>
                     </a14:hiddenFill>
                   </a:ext>
                   <a:ext uri="{AF507438-7753-43e0-B8FC-AC1667EBCBE1}">
-                    <a14:hiddenEffects xmlns="" xmlns:a14="http://schemas.microsoft.com/office/drawing/2010/main">
+                    <a14:hiddenEffects xmlns:a14="http://schemas.microsoft.com/office/drawing/2010/main" xmlns="">
                       <a:effectLst>
                         <a:outerShdw blurRad="63500" dist="38099" dir="2700000" algn="ctr" rotWithShape="0">
                           <a:schemeClr val="bg2">
@@ -15166,12 +15166,12 @@
                 <a:effectLst/>
                 <a:extLst>
                   <a:ext uri="{909E8E84-426E-40dd-AFC4-6F175D3DCCD1}">
-                    <a14:hiddenFill xmlns="" xmlns:a14="http://schemas.microsoft.com/office/drawing/2010/main">
+                    <a14:hiddenFill xmlns:a14="http://schemas.microsoft.com/office/drawing/2010/main" xmlns="">
                       <a:noFill/>
                     </a14:hiddenFill>
                   </a:ext>
                   <a:ext uri="{AF507438-7753-43e0-B8FC-AC1667EBCBE1}">
-                    <a14:hiddenEffects xmlns="" xmlns:a14="http://schemas.microsoft.com/office/drawing/2010/main">
+                    <a14:hiddenEffects xmlns:a14="http://schemas.microsoft.com/office/drawing/2010/main" xmlns="">
                       <a:effectLst>
                         <a:outerShdw blurRad="63500" dist="38099" dir="2700000" algn="ctr" rotWithShape="0">
                           <a:schemeClr val="bg2">
@@ -15224,12 +15224,12 @@
                 <a:effectLst/>
                 <a:extLst>
                   <a:ext uri="{909E8E84-426E-40dd-AFC4-6F175D3DCCD1}">
-                    <a14:hiddenFill xmlns="" xmlns:a14="http://schemas.microsoft.com/office/drawing/2010/main">
+                    <a14:hiddenFill xmlns:a14="http://schemas.microsoft.com/office/drawing/2010/main" xmlns="">
                       <a:noFill/>
                     </a14:hiddenFill>
                   </a:ext>
                   <a:ext uri="{AF507438-7753-43e0-B8FC-AC1667EBCBE1}">
-                    <a14:hiddenEffects xmlns="" xmlns:a14="http://schemas.microsoft.com/office/drawing/2010/main">
+                    <a14:hiddenEffects xmlns:a14="http://schemas.microsoft.com/office/drawing/2010/main" xmlns="">
                       <a:effectLst>
                         <a:outerShdw blurRad="63500" dist="38099" dir="2700000" algn="ctr" rotWithShape="0">
                           <a:schemeClr val="bg2">
@@ -15282,12 +15282,12 @@
                 <a:effectLst/>
                 <a:extLst>
                   <a:ext uri="{909E8E84-426E-40dd-AFC4-6F175D3DCCD1}">
-                    <a14:hiddenFill xmlns="" xmlns:a14="http://schemas.microsoft.com/office/drawing/2010/main">
+                    <a14:hiddenFill xmlns:a14="http://schemas.microsoft.com/office/drawing/2010/main" xmlns="">
                       <a:noFill/>
                     </a14:hiddenFill>
                   </a:ext>
                   <a:ext uri="{AF507438-7753-43e0-B8FC-AC1667EBCBE1}">
-                    <a14:hiddenEffects xmlns="" xmlns:a14="http://schemas.microsoft.com/office/drawing/2010/main">
+                    <a14:hiddenEffects xmlns:a14="http://schemas.microsoft.com/office/drawing/2010/main" xmlns="">
                       <a:effectLst>
                         <a:outerShdw blurRad="63500" dist="38099" dir="2700000" algn="ctr" rotWithShape="0">
                           <a:schemeClr val="bg2">
@@ -15340,12 +15340,12 @@
                 <a:effectLst/>
                 <a:extLst>
                   <a:ext uri="{909E8E84-426E-40dd-AFC4-6F175D3DCCD1}">
-                    <a14:hiddenFill xmlns="" xmlns:a14="http://schemas.microsoft.com/office/drawing/2010/main">
+                    <a14:hiddenFill xmlns:a14="http://schemas.microsoft.com/office/drawing/2010/main" xmlns="">
                       <a:noFill/>
                     </a14:hiddenFill>
                   </a:ext>
                   <a:ext uri="{AF507438-7753-43e0-B8FC-AC1667EBCBE1}">
-                    <a14:hiddenEffects xmlns="" xmlns:a14="http://schemas.microsoft.com/office/drawing/2010/main">
+                    <a14:hiddenEffects xmlns:a14="http://schemas.microsoft.com/office/drawing/2010/main" xmlns="">
                       <a:effectLst>
                         <a:outerShdw blurRad="63500" dist="38099" dir="2700000" algn="ctr" rotWithShape="0">
                           <a:schemeClr val="bg2">
@@ -15398,12 +15398,12 @@
                 <a:effectLst/>
                 <a:extLst>
                   <a:ext uri="{909E8E84-426E-40dd-AFC4-6F175D3DCCD1}">
-                    <a14:hiddenFill xmlns="" xmlns:a14="http://schemas.microsoft.com/office/drawing/2010/main">
+                    <a14:hiddenFill xmlns:a14="http://schemas.microsoft.com/office/drawing/2010/main" xmlns="">
                       <a:noFill/>
                     </a14:hiddenFill>
                   </a:ext>
                   <a:ext uri="{AF507438-7753-43e0-B8FC-AC1667EBCBE1}">
-                    <a14:hiddenEffects xmlns="" xmlns:a14="http://schemas.microsoft.com/office/drawing/2010/main">
+                    <a14:hiddenEffects xmlns:a14="http://schemas.microsoft.com/office/drawing/2010/main" xmlns="">
                       <a:effectLst>
                         <a:outerShdw blurRad="63500" dist="38099" dir="2700000" algn="ctr" rotWithShape="0">
                           <a:schemeClr val="bg2">
@@ -15456,12 +15456,12 @@
                 <a:effectLst/>
                 <a:extLst>
                   <a:ext uri="{909E8E84-426E-40dd-AFC4-6F175D3DCCD1}">
-                    <a14:hiddenFill xmlns="" xmlns:a14="http://schemas.microsoft.com/office/drawing/2010/main">
+                    <a14:hiddenFill xmlns:a14="http://schemas.microsoft.com/office/drawing/2010/main" xmlns="">
                       <a:noFill/>
                     </a14:hiddenFill>
                   </a:ext>
                   <a:ext uri="{AF507438-7753-43e0-B8FC-AC1667EBCBE1}">
-                    <a14:hiddenEffects xmlns="" xmlns:a14="http://schemas.microsoft.com/office/drawing/2010/main">
+                    <a14:hiddenEffects xmlns:a14="http://schemas.microsoft.com/office/drawing/2010/main" xmlns="">
                       <a:effectLst>
                         <a:outerShdw blurRad="63500" dist="38099" dir="2700000" algn="ctr" rotWithShape="0">
                           <a:schemeClr val="bg2">
@@ -15514,12 +15514,12 @@
                 <a:effectLst/>
                 <a:extLst>
                   <a:ext uri="{909E8E84-426E-40dd-AFC4-6F175D3DCCD1}">
-                    <a14:hiddenFill xmlns="" xmlns:a14="http://schemas.microsoft.com/office/drawing/2010/main">
+                    <a14:hiddenFill xmlns:a14="http://schemas.microsoft.com/office/drawing/2010/main" xmlns="">
                       <a:noFill/>
                     </a14:hiddenFill>
                   </a:ext>
                   <a:ext uri="{AF507438-7753-43e0-B8FC-AC1667EBCBE1}">
-                    <a14:hiddenEffects xmlns="" xmlns:a14="http://schemas.microsoft.com/office/drawing/2010/main">
+                    <a14:hiddenEffects xmlns:a14="http://schemas.microsoft.com/office/drawing/2010/main" xmlns="">
                       <a:effectLst>
                         <a:outerShdw blurRad="63500" dist="38099" dir="2700000" algn="ctr" rotWithShape="0">
                           <a:schemeClr val="bg2">
@@ -15572,12 +15572,12 @@
                 <a:effectLst/>
                 <a:extLst>
                   <a:ext uri="{909E8E84-426E-40dd-AFC4-6F175D3DCCD1}">
-                    <a14:hiddenFill xmlns="" xmlns:a14="http://schemas.microsoft.com/office/drawing/2010/main">
+                    <a14:hiddenFill xmlns:a14="http://schemas.microsoft.com/office/drawing/2010/main" xmlns="">
                       <a:noFill/>
                     </a14:hiddenFill>
                   </a:ext>
                   <a:ext uri="{AF507438-7753-43e0-B8FC-AC1667EBCBE1}">
-                    <a14:hiddenEffects xmlns="" xmlns:a14="http://schemas.microsoft.com/office/drawing/2010/main">
+                    <a14:hiddenEffects xmlns:a14="http://schemas.microsoft.com/office/drawing/2010/main" xmlns="">
                       <a:effectLst>
                         <a:outerShdw blurRad="63500" dist="38099" dir="2700000" algn="ctr" rotWithShape="0">
                           <a:schemeClr val="bg2">
@@ -15630,12 +15630,12 @@
                 <a:effectLst/>
                 <a:extLst>
                   <a:ext uri="{909E8E84-426E-40dd-AFC4-6F175D3DCCD1}">
-                    <a14:hiddenFill xmlns="" xmlns:a14="http://schemas.microsoft.com/office/drawing/2010/main">
+                    <a14:hiddenFill xmlns:a14="http://schemas.microsoft.com/office/drawing/2010/main" xmlns="">
                       <a:noFill/>
                     </a14:hiddenFill>
                   </a:ext>
                   <a:ext uri="{AF507438-7753-43e0-B8FC-AC1667EBCBE1}">
-                    <a14:hiddenEffects xmlns="" xmlns:a14="http://schemas.microsoft.com/office/drawing/2010/main">
+                    <a14:hiddenEffects xmlns:a14="http://schemas.microsoft.com/office/drawing/2010/main" xmlns="">
                       <a:effectLst>
                         <a:outerShdw blurRad="63500" dist="38099" dir="2700000" algn="ctr" rotWithShape="0">
                           <a:schemeClr val="bg2">
@@ -15688,12 +15688,12 @@
                 <a:effectLst/>
                 <a:extLst>
                   <a:ext uri="{909E8E84-426E-40dd-AFC4-6F175D3DCCD1}">
-                    <a14:hiddenFill xmlns="" xmlns:a14="http://schemas.microsoft.com/office/drawing/2010/main">
+                    <a14:hiddenFill xmlns:a14="http://schemas.microsoft.com/office/drawing/2010/main" xmlns="">
                       <a:noFill/>
                     </a14:hiddenFill>
                   </a:ext>
                   <a:ext uri="{AF507438-7753-43e0-B8FC-AC1667EBCBE1}">
-                    <a14:hiddenEffects xmlns="" xmlns:a14="http://schemas.microsoft.com/office/drawing/2010/main">
+                    <a14:hiddenEffects xmlns:a14="http://schemas.microsoft.com/office/drawing/2010/main" xmlns="">
                       <a:effectLst>
                         <a:outerShdw blurRad="63500" dist="38099" dir="2700000" algn="ctr" rotWithShape="0">
                           <a:schemeClr val="bg2">
@@ -15746,12 +15746,12 @@
                 <a:effectLst/>
                 <a:extLst>
                   <a:ext uri="{909E8E84-426E-40dd-AFC4-6F175D3DCCD1}">
-                    <a14:hiddenFill xmlns="" xmlns:a14="http://schemas.microsoft.com/office/drawing/2010/main">
+                    <a14:hiddenFill xmlns:a14="http://schemas.microsoft.com/office/drawing/2010/main" xmlns="">
                       <a:noFill/>
                     </a14:hiddenFill>
                   </a:ext>
                   <a:ext uri="{AF507438-7753-43e0-B8FC-AC1667EBCBE1}">
-                    <a14:hiddenEffects xmlns="" xmlns:a14="http://schemas.microsoft.com/office/drawing/2010/main">
+                    <a14:hiddenEffects xmlns:a14="http://schemas.microsoft.com/office/drawing/2010/main" xmlns="">
                       <a:effectLst>
                         <a:outerShdw blurRad="63500" dist="38099" dir="2700000" algn="ctr" rotWithShape="0">
                           <a:schemeClr val="bg2">
@@ -15804,12 +15804,12 @@
                 <a:effectLst/>
                 <a:extLst>
                   <a:ext uri="{909E8E84-426E-40dd-AFC4-6F175D3DCCD1}">
-                    <a14:hiddenFill xmlns="" xmlns:a14="http://schemas.microsoft.com/office/drawing/2010/main">
+                    <a14:hiddenFill xmlns:a14="http://schemas.microsoft.com/office/drawing/2010/main" xmlns="">
                       <a:noFill/>
                     </a14:hiddenFill>
                   </a:ext>
                   <a:ext uri="{AF507438-7753-43e0-B8FC-AC1667EBCBE1}">
-                    <a14:hiddenEffects xmlns="" xmlns:a14="http://schemas.microsoft.com/office/drawing/2010/main">
+                    <a14:hiddenEffects xmlns:a14="http://schemas.microsoft.com/office/drawing/2010/main" xmlns="">
                       <a:effectLst>
                         <a:outerShdw blurRad="63500" dist="38099" dir="2700000" algn="ctr" rotWithShape="0">
                           <a:schemeClr val="bg2">
@@ -15862,12 +15862,12 @@
                 <a:effectLst/>
                 <a:extLst>
                   <a:ext uri="{909E8E84-426E-40dd-AFC4-6F175D3DCCD1}">
-                    <a14:hiddenFill xmlns="" xmlns:a14="http://schemas.microsoft.com/office/drawing/2010/main">
+                    <a14:hiddenFill xmlns:a14="http://schemas.microsoft.com/office/drawing/2010/main" xmlns="">
                       <a:noFill/>
                     </a14:hiddenFill>
                   </a:ext>
                   <a:ext uri="{AF507438-7753-43e0-B8FC-AC1667EBCBE1}">
-                    <a14:hiddenEffects xmlns="" xmlns:a14="http://schemas.microsoft.com/office/drawing/2010/main">
+                    <a14:hiddenEffects xmlns:a14="http://schemas.microsoft.com/office/drawing/2010/main" xmlns="">
                       <a:effectLst>
                         <a:outerShdw blurRad="63500" dist="38099" dir="2700000" algn="ctr" rotWithShape="0">
                           <a:schemeClr val="bg2">
@@ -15920,12 +15920,12 @@
                 <a:effectLst/>
                 <a:extLst>
                   <a:ext uri="{909E8E84-426E-40dd-AFC4-6F175D3DCCD1}">
-                    <a14:hiddenFill xmlns="" xmlns:a14="http://schemas.microsoft.com/office/drawing/2010/main">
+                    <a14:hiddenFill xmlns:a14="http://schemas.microsoft.com/office/drawing/2010/main" xmlns="">
                       <a:noFill/>
                     </a14:hiddenFill>
                   </a:ext>
                   <a:ext uri="{AF507438-7753-43e0-B8FC-AC1667EBCBE1}">
-                    <a14:hiddenEffects xmlns="" xmlns:a14="http://schemas.microsoft.com/office/drawing/2010/main">
+                    <a14:hiddenEffects xmlns:a14="http://schemas.microsoft.com/office/drawing/2010/main" xmlns="">
                       <a:effectLst>
                         <a:outerShdw blurRad="63500" dist="38099" dir="2700000" algn="ctr" rotWithShape="0">
                           <a:schemeClr val="bg2">
@@ -15978,12 +15978,12 @@
                 <a:effectLst/>
                 <a:extLst>
                   <a:ext uri="{909E8E84-426E-40dd-AFC4-6F175D3DCCD1}">
-                    <a14:hiddenFill xmlns="" xmlns:a14="http://schemas.microsoft.com/office/drawing/2010/main">
+                    <a14:hiddenFill xmlns:a14="http://schemas.microsoft.com/office/drawing/2010/main" xmlns="">
                       <a:noFill/>
                     </a14:hiddenFill>
                   </a:ext>
                   <a:ext uri="{AF507438-7753-43e0-B8FC-AC1667EBCBE1}">
-                    <a14:hiddenEffects xmlns="" xmlns:a14="http://schemas.microsoft.com/office/drawing/2010/main">
+                    <a14:hiddenEffects xmlns:a14="http://schemas.microsoft.com/office/drawing/2010/main" xmlns="">
                       <a:effectLst>
                         <a:outerShdw blurRad="63500" dist="38099" dir="2700000" algn="ctr" rotWithShape="0">
                           <a:schemeClr val="bg2">
@@ -16036,12 +16036,12 @@
                 <a:effectLst/>
                 <a:extLst>
                   <a:ext uri="{909E8E84-426E-40dd-AFC4-6F175D3DCCD1}">
-                    <a14:hiddenFill xmlns="" xmlns:a14="http://schemas.microsoft.com/office/drawing/2010/main">
+                    <a14:hiddenFill xmlns:a14="http://schemas.microsoft.com/office/drawing/2010/main" xmlns="">
                       <a:noFill/>
                     </a14:hiddenFill>
                   </a:ext>
                   <a:ext uri="{AF507438-7753-43e0-B8FC-AC1667EBCBE1}">
-                    <a14:hiddenEffects xmlns="" xmlns:a14="http://schemas.microsoft.com/office/drawing/2010/main">
+                    <a14:hiddenEffects xmlns:a14="http://schemas.microsoft.com/office/drawing/2010/main" xmlns="">
                       <a:effectLst>
                         <a:outerShdw blurRad="63500" dist="38099" dir="2700000" algn="ctr" rotWithShape="0">
                           <a:schemeClr val="bg2">
@@ -16094,12 +16094,12 @@
                 <a:effectLst/>
                 <a:extLst>
                   <a:ext uri="{909E8E84-426E-40dd-AFC4-6F175D3DCCD1}">
-                    <a14:hiddenFill xmlns="" xmlns:a14="http://schemas.microsoft.com/office/drawing/2010/main">
+                    <a14:hiddenFill xmlns:a14="http://schemas.microsoft.com/office/drawing/2010/main" xmlns="">
                       <a:noFill/>
                     </a14:hiddenFill>
                   </a:ext>
                   <a:ext uri="{AF507438-7753-43e0-B8FC-AC1667EBCBE1}">
-                    <a14:hiddenEffects xmlns="" xmlns:a14="http://schemas.microsoft.com/office/drawing/2010/main">
+                    <a14:hiddenEffects xmlns:a14="http://schemas.microsoft.com/office/drawing/2010/main" xmlns="">
                       <a:effectLst>
                         <a:outerShdw blurRad="63500" dist="38099" dir="2700000" algn="ctr" rotWithShape="0">
                           <a:schemeClr val="bg2">
@@ -16152,12 +16152,12 @@
                 <a:effectLst/>
                 <a:extLst>
                   <a:ext uri="{909E8E84-426E-40dd-AFC4-6F175D3DCCD1}">
-                    <a14:hiddenFill xmlns="" xmlns:a14="http://schemas.microsoft.com/office/drawing/2010/main">
+                    <a14:hiddenFill xmlns:a14="http://schemas.microsoft.com/office/drawing/2010/main" xmlns="">
                       <a:noFill/>
                     </a14:hiddenFill>
                   </a:ext>
                   <a:ext uri="{AF507438-7753-43e0-B8FC-AC1667EBCBE1}">
-                    <a14:hiddenEffects xmlns="" xmlns:a14="http://schemas.microsoft.com/office/drawing/2010/main">
+                    <a14:hiddenEffects xmlns:a14="http://schemas.microsoft.com/office/drawing/2010/main" xmlns="">
                       <a:effectLst>
                         <a:outerShdw blurRad="63500" dist="38099" dir="2700000" algn="ctr" rotWithShape="0">
                           <a:schemeClr val="bg2">
@@ -16210,12 +16210,12 @@
                 <a:effectLst/>
                 <a:extLst>
                   <a:ext uri="{909E8E84-426E-40dd-AFC4-6F175D3DCCD1}">
-                    <a14:hiddenFill xmlns="" xmlns:a14="http://schemas.microsoft.com/office/drawing/2010/main">
+                    <a14:hiddenFill xmlns:a14="http://schemas.microsoft.com/office/drawing/2010/main" xmlns="">
                       <a:noFill/>
                     </a14:hiddenFill>
                   </a:ext>
                   <a:ext uri="{AF507438-7753-43e0-B8FC-AC1667EBCBE1}">
-                    <a14:hiddenEffects xmlns="" xmlns:a14="http://schemas.microsoft.com/office/drawing/2010/main">
+                    <a14:hiddenEffects xmlns:a14="http://schemas.microsoft.com/office/drawing/2010/main" xmlns="">
                       <a:effectLst>
                         <a:outerShdw blurRad="63500" dist="38099" dir="2700000" algn="ctr" rotWithShape="0">
                           <a:schemeClr val="bg2">
@@ -16267,7 +16267,7 @@
             <a:effectLst/>
             <a:extLst>
               <a:ext uri="{91240B29-F687-4f45-9708-019B960494DF}">
-                <a14:hiddenLine xmlns="" xmlns:a14="http://schemas.microsoft.com/office/drawing/2010/main" w="9525">
+                <a14:hiddenLine xmlns:a14="http://schemas.microsoft.com/office/drawing/2010/main" xmlns="" w="9525">
                   <a:solidFill>
                     <a:schemeClr val="tx1"/>
                   </a:solidFill>
@@ -16277,7 +16277,7 @@
                 </a14:hiddenLine>
               </a:ext>
               <a:ext uri="{AF507438-7753-43e0-B8FC-AC1667EBCBE1}">
-                <a14:hiddenEffects xmlns="" xmlns:a14="http://schemas.microsoft.com/office/drawing/2010/main">
+                <a14:hiddenEffects xmlns:a14="http://schemas.microsoft.com/office/drawing/2010/main" xmlns="">
                   <a:effectLst>
                     <a:outerShdw blurRad="63500" dist="38099" dir="2700000" algn="ctr" rotWithShape="0">
                       <a:schemeClr val="bg2">
@@ -16325,12 +16325,12 @@
             <a:effectLst/>
             <a:extLst>
               <a:ext uri="{909E8E84-426E-40dd-AFC4-6F175D3DCCD1}">
-                <a14:hiddenFill xmlns="" xmlns:a14="http://schemas.microsoft.com/office/drawing/2010/main">
+                <a14:hiddenFill xmlns:a14="http://schemas.microsoft.com/office/drawing/2010/main" xmlns="">
                   <a:noFill/>
                 </a14:hiddenFill>
               </a:ext>
               <a:ext uri="{AF507438-7753-43e0-B8FC-AC1667EBCBE1}">
-                <a14:hiddenEffects xmlns="" xmlns:a14="http://schemas.microsoft.com/office/drawing/2010/main">
+                <a14:hiddenEffects xmlns:a14="http://schemas.microsoft.com/office/drawing/2010/main" xmlns="">
                   <a:effectLst>
                     <a:outerShdw blurRad="63500" dist="38099" dir="2700000" algn="ctr" rotWithShape="0">
                       <a:schemeClr val="bg2">
@@ -16394,12 +16394,12 @@
               <a:effectLst/>
               <a:extLst>
                 <a:ext uri="{909E8E84-426E-40dd-AFC4-6F175D3DCCD1}">
-                  <a14:hiddenFill xmlns="" xmlns:a14="http://schemas.microsoft.com/office/drawing/2010/main">
+                  <a14:hiddenFill xmlns:a14="http://schemas.microsoft.com/office/drawing/2010/main" xmlns="">
                     <a:noFill/>
                   </a14:hiddenFill>
                 </a:ext>
                 <a:ext uri="{AF507438-7753-43e0-B8FC-AC1667EBCBE1}">
-                  <a14:hiddenEffects xmlns="" xmlns:a14="http://schemas.microsoft.com/office/drawing/2010/main">
+                  <a14:hiddenEffects xmlns:a14="http://schemas.microsoft.com/office/drawing/2010/main" xmlns="">
                     <a:effectLst>
                       <a:outerShdw blurRad="63500" dist="38099" dir="2700000" algn="ctr" rotWithShape="0">
                         <a:schemeClr val="bg2">
@@ -16447,12 +16447,12 @@
               <a:effectLst/>
               <a:extLst>
                 <a:ext uri="{909E8E84-426E-40dd-AFC4-6F175D3DCCD1}">
-                  <a14:hiddenFill xmlns="" xmlns:a14="http://schemas.microsoft.com/office/drawing/2010/main">
+                  <a14:hiddenFill xmlns:a14="http://schemas.microsoft.com/office/drawing/2010/main" xmlns="">
                     <a:noFill/>
                   </a14:hiddenFill>
                 </a:ext>
                 <a:ext uri="{AF507438-7753-43e0-B8FC-AC1667EBCBE1}">
-                  <a14:hiddenEffects xmlns="" xmlns:a14="http://schemas.microsoft.com/office/drawing/2010/main">
+                  <a14:hiddenEffects xmlns:a14="http://schemas.microsoft.com/office/drawing/2010/main" xmlns="">
                     <a:effectLst>
                       <a:outerShdw blurRad="63500" dist="38099" dir="2700000" algn="ctr" rotWithShape="0">
                         <a:schemeClr val="bg2">
@@ -16580,14 +16580,14 @@
               <a:effectLst/>
               <a:extLst>
                 <a:ext uri="{909E8E84-426E-40dd-AFC4-6F175D3DCCD1}">
-                  <a14:hiddenFill xmlns="" xmlns:a14="http://schemas.microsoft.com/office/drawing/2010/main">
+                  <a14:hiddenFill xmlns:a14="http://schemas.microsoft.com/office/drawing/2010/main" xmlns="">
                     <a:solidFill>
                       <a:schemeClr val="accent1"/>
                     </a:solidFill>
                   </a14:hiddenFill>
                 </a:ext>
                 <a:ext uri="{AF507438-7753-43e0-B8FC-AC1667EBCBE1}">
-                  <a14:hiddenEffects xmlns="" xmlns:a14="http://schemas.microsoft.com/office/drawing/2010/main">
+                  <a14:hiddenEffects xmlns:a14="http://schemas.microsoft.com/office/drawing/2010/main" xmlns="">
                     <a:effectLst>
                       <a:outerShdw blurRad="63500" dist="38099" dir="2700000" algn="ctr" rotWithShape="0">
                         <a:schemeClr val="bg2">
@@ -16637,14 +16637,14 @@
               <ma14:placeholderFlag xmlns:ma14="http://schemas.microsoft.com/office/mac/drawingml/2011/main" val="1"/>
             </a:ext>
             <a:ext uri="{909E8E84-426E-40dd-AFC4-6F175D3DCCD1}">
-              <a14:hiddenFill xmlns="" xmlns:a14="http://schemas.microsoft.com/office/drawing/2010/main">
+              <a14:hiddenFill xmlns:a14="http://schemas.microsoft.com/office/drawing/2010/main" xmlns="">
                 <a:solidFill>
                   <a:schemeClr val="accent1"/>
                 </a:solidFill>
               </a14:hiddenFill>
             </a:ext>
             <a:ext uri="{91240B29-F687-4f45-9708-019B960494DF}">
-              <a14:hiddenLine xmlns="" xmlns:a14="http://schemas.microsoft.com/office/drawing/2010/main" w="9525">
+              <a14:hiddenLine xmlns:a14="http://schemas.microsoft.com/office/drawing/2010/main" xmlns="" w="9525">
                 <a:solidFill>
                   <a:schemeClr val="tx1"/>
                 </a:solidFill>
@@ -16654,7 +16654,7 @@
               </a14:hiddenLine>
             </a:ext>
             <a:ext uri="{AF507438-7753-43e0-B8FC-AC1667EBCBE1}">
-              <a14:hiddenEffects xmlns="" xmlns:a14="http://schemas.microsoft.com/office/drawing/2010/main">
+              <a14:hiddenEffects xmlns:a14="http://schemas.microsoft.com/office/drawing/2010/main" xmlns="">
                 <a:effectLst>
                   <a:outerShdw blurRad="63500" dist="38099" dir="2700000" algn="ctr" rotWithShape="0">
                     <a:schemeClr val="bg2">
@@ -16710,14 +16710,14 @@
               <ma14:placeholderFlag xmlns:ma14="http://schemas.microsoft.com/office/mac/drawingml/2011/main" val="1"/>
             </a:ext>
             <a:ext uri="{909E8E84-426E-40dd-AFC4-6F175D3DCCD1}">
-              <a14:hiddenFill xmlns="" xmlns:a14="http://schemas.microsoft.com/office/drawing/2010/main">
+              <a14:hiddenFill xmlns:a14="http://schemas.microsoft.com/office/drawing/2010/main" xmlns="">
                 <a:solidFill>
                   <a:schemeClr val="accent1"/>
                 </a:solidFill>
               </a14:hiddenFill>
             </a:ext>
             <a:ext uri="{91240B29-F687-4f45-9708-019B960494DF}">
-              <a14:hiddenLine xmlns="" xmlns:a14="http://schemas.microsoft.com/office/drawing/2010/main" w="9525">
+              <a14:hiddenLine xmlns:a14="http://schemas.microsoft.com/office/drawing/2010/main" xmlns="" w="9525">
                 <a:solidFill>
                   <a:schemeClr val="tx1"/>
                 </a:solidFill>
@@ -16727,7 +16727,7 @@
               </a14:hiddenLine>
             </a:ext>
             <a:ext uri="{AF507438-7753-43e0-B8FC-AC1667EBCBE1}">
-              <a14:hiddenEffects xmlns="" xmlns:a14="http://schemas.microsoft.com/office/drawing/2010/main">
+              <a14:hiddenEffects xmlns:a14="http://schemas.microsoft.com/office/drawing/2010/main" xmlns="">
                 <a:effectLst>
                   <a:outerShdw blurRad="63500" dist="38099" dir="2700000" algn="ctr" rotWithShape="0">
                     <a:schemeClr val="bg2">
@@ -16811,14 +16811,14 @@
               <ma14:placeholderFlag xmlns:ma14="http://schemas.microsoft.com/office/mac/drawingml/2011/main" val="1"/>
             </a:ext>
             <a:ext uri="{909E8E84-426E-40dd-AFC4-6F175D3DCCD1}">
-              <a14:hiddenFill xmlns="" xmlns:a14="http://schemas.microsoft.com/office/drawing/2010/main">
+              <a14:hiddenFill xmlns:a14="http://schemas.microsoft.com/office/drawing/2010/main" xmlns="">
                 <a:solidFill>
                   <a:schemeClr val="accent1"/>
                 </a:solidFill>
               </a14:hiddenFill>
             </a:ext>
             <a:ext uri="{91240B29-F687-4f45-9708-019B960494DF}">
-              <a14:hiddenLine xmlns="" xmlns:a14="http://schemas.microsoft.com/office/drawing/2010/main" w="9525">
+              <a14:hiddenLine xmlns:a14="http://schemas.microsoft.com/office/drawing/2010/main" xmlns="" w="9525">
                 <a:solidFill>
                   <a:schemeClr val="tx1"/>
                 </a:solidFill>
@@ -16828,7 +16828,7 @@
               </a14:hiddenLine>
             </a:ext>
             <a:ext uri="{AF507438-7753-43e0-B8FC-AC1667EBCBE1}">
-              <a14:hiddenEffects xmlns="" xmlns:a14="http://schemas.microsoft.com/office/drawing/2010/main">
+              <a14:hiddenEffects xmlns:a14="http://schemas.microsoft.com/office/drawing/2010/main" xmlns="">
                 <a:effectLst>
                   <a:outerShdw blurRad="63500" dist="38099" dir="2700000" algn="ctr" rotWithShape="0">
                     <a:schemeClr val="bg2">
@@ -16884,14 +16884,14 @@
               <ma14:placeholderFlag xmlns:ma14="http://schemas.microsoft.com/office/mac/drawingml/2011/main" val="1"/>
             </a:ext>
             <a:ext uri="{909E8E84-426E-40dd-AFC4-6F175D3DCCD1}">
-              <a14:hiddenFill xmlns="" xmlns:a14="http://schemas.microsoft.com/office/drawing/2010/main">
+              <a14:hiddenFill xmlns:a14="http://schemas.microsoft.com/office/drawing/2010/main" xmlns="">
                 <a:solidFill>
                   <a:schemeClr val="accent1"/>
                 </a:solidFill>
               </a14:hiddenFill>
             </a:ext>
             <a:ext uri="{91240B29-F687-4f45-9708-019B960494DF}">
-              <a14:hiddenLine xmlns="" xmlns:a14="http://schemas.microsoft.com/office/drawing/2010/main" w="9525">
+              <a14:hiddenLine xmlns:a14="http://schemas.microsoft.com/office/drawing/2010/main" xmlns="" w="9525">
                 <a:solidFill>
                   <a:schemeClr val="tx1"/>
                 </a:solidFill>
@@ -16901,7 +16901,7 @@
               </a14:hiddenLine>
             </a:ext>
             <a:ext uri="{AF507438-7753-43e0-B8FC-AC1667EBCBE1}">
-              <a14:hiddenEffects xmlns="" xmlns:a14="http://schemas.microsoft.com/office/drawing/2010/main">
+              <a14:hiddenEffects xmlns:a14="http://schemas.microsoft.com/office/drawing/2010/main" xmlns="">
                 <a:effectLst>
                   <a:outerShdw blurRad="63500" dist="38099" dir="2700000" algn="ctr" rotWithShape="0">
                     <a:schemeClr val="bg2">
@@ -17901,7 +17901,7 @@
           <a:effectLst/>
           <a:extLst>
             <a:ext uri="{AF507438-7753-43e0-B8FC-AC1667EBCBE1}">
-              <a14:hiddenEffects xmlns="" xmlns:a14="http://schemas.microsoft.com/office/drawing/2010/main">
+              <a14:hiddenEffects xmlns:a14="http://schemas.microsoft.com/office/drawing/2010/main" xmlns="">
                 <a:effectLst>
                   <a:outerShdw blurRad="63500" dist="38099" dir="2700000" algn="ctr" rotWithShape="0">
                     <a:schemeClr val="bg2">
@@ -17955,7 +17955,7 @@
           <a:effectLst/>
           <a:extLst>
             <a:ext uri="{AF507438-7753-43e0-B8FC-AC1667EBCBE1}">
-              <a14:hiddenEffects xmlns="" xmlns:a14="http://schemas.microsoft.com/office/drawing/2010/main">
+              <a14:hiddenEffects xmlns:a14="http://schemas.microsoft.com/office/drawing/2010/main" xmlns="">
                 <a:effectLst>
                   <a:outerShdw blurRad="63500" dist="38099" dir="2700000" algn="ctr" rotWithShape="0">
                     <a:schemeClr val="bg2">
@@ -18009,7 +18009,7 @@
           <a:effectLst/>
           <a:extLst>
             <a:ext uri="{AF507438-7753-43e0-B8FC-AC1667EBCBE1}">
-              <a14:hiddenEffects xmlns="" xmlns:a14="http://schemas.microsoft.com/office/drawing/2010/main">
+              <a14:hiddenEffects xmlns:a14="http://schemas.microsoft.com/office/drawing/2010/main" xmlns="">
                 <a:effectLst>
                   <a:outerShdw blurRad="63500" dist="38099" dir="2700000" algn="ctr" rotWithShape="0">
                     <a:schemeClr val="bg2">
@@ -18063,7 +18063,7 @@
           <a:effectLst/>
           <a:extLst>
             <a:ext uri="{AF507438-7753-43e0-B8FC-AC1667EBCBE1}">
-              <a14:hiddenEffects xmlns="" xmlns:a14="http://schemas.microsoft.com/office/drawing/2010/main">
+              <a14:hiddenEffects xmlns:a14="http://schemas.microsoft.com/office/drawing/2010/main" xmlns="">
                 <a:effectLst>
                   <a:outerShdw blurRad="63500" dist="38099" dir="2700000" algn="ctr" rotWithShape="0">
                     <a:schemeClr val="bg2">
@@ -18117,7 +18117,7 @@
           <a:effectLst/>
           <a:extLst>
             <a:ext uri="{AF507438-7753-43e0-B8FC-AC1667EBCBE1}">
-              <a14:hiddenEffects xmlns="" xmlns:a14="http://schemas.microsoft.com/office/drawing/2010/main">
+              <a14:hiddenEffects xmlns:a14="http://schemas.microsoft.com/office/drawing/2010/main" xmlns="">
                 <a:effectLst>
                   <a:outerShdw blurRad="63500" dist="38099" dir="2700000" algn="ctr" rotWithShape="0">
                     <a:schemeClr val="bg2">
@@ -18171,7 +18171,7 @@
           <a:effectLst/>
           <a:extLst>
             <a:ext uri="{AF507438-7753-43e0-B8FC-AC1667EBCBE1}">
-              <a14:hiddenEffects xmlns="" xmlns:a14="http://schemas.microsoft.com/office/drawing/2010/main">
+              <a14:hiddenEffects xmlns:a14="http://schemas.microsoft.com/office/drawing/2010/main" xmlns="">
                 <a:effectLst>
                   <a:outerShdw blurRad="63500" dist="38099" dir="2700000" algn="ctr" rotWithShape="0">
                     <a:schemeClr val="bg2">
@@ -18225,7 +18225,7 @@
           <a:effectLst/>
           <a:extLst>
             <a:ext uri="{AF507438-7753-43e0-B8FC-AC1667EBCBE1}">
-              <a14:hiddenEffects xmlns="" xmlns:a14="http://schemas.microsoft.com/office/drawing/2010/main">
+              <a14:hiddenEffects xmlns:a14="http://schemas.microsoft.com/office/drawing/2010/main" xmlns="">
                 <a:effectLst>
                   <a:outerShdw blurRad="63500" dist="38099" dir="2700000" algn="ctr" rotWithShape="0">
                     <a:schemeClr val="bg2">
@@ -18279,7 +18279,7 @@
           <a:effectLst/>
           <a:extLst>
             <a:ext uri="{AF507438-7753-43e0-B8FC-AC1667EBCBE1}">
-              <a14:hiddenEffects xmlns="" xmlns:a14="http://schemas.microsoft.com/office/drawing/2010/main">
+              <a14:hiddenEffects xmlns:a14="http://schemas.microsoft.com/office/drawing/2010/main" xmlns="">
                 <a:effectLst>
                   <a:outerShdw blurRad="63500" dist="38099" dir="2700000" algn="ctr" rotWithShape="0">
                     <a:schemeClr val="bg2">
@@ -18333,7 +18333,7 @@
           <a:effectLst/>
           <a:extLst>
             <a:ext uri="{AF507438-7753-43e0-B8FC-AC1667EBCBE1}">
-              <a14:hiddenEffects xmlns="" xmlns:a14="http://schemas.microsoft.com/office/drawing/2010/main">
+              <a14:hiddenEffects xmlns:a14="http://schemas.microsoft.com/office/drawing/2010/main" xmlns="">
                 <a:effectLst>
                   <a:outerShdw blurRad="63500" dist="38099" dir="2700000" algn="ctr" rotWithShape="0">
                     <a:schemeClr val="bg2">
@@ -18419,14 +18419,14 @@
           <a:effectLst/>
           <a:extLst>
             <a:ext uri="{909E8E84-426E-40dd-AFC4-6F175D3DCCD1}">
-              <a14:hiddenFill xmlns="" xmlns:a14="http://schemas.microsoft.com/office/drawing/2010/main">
+              <a14:hiddenFill xmlns:a14="http://schemas.microsoft.com/office/drawing/2010/main" xmlns="">
                 <a:solidFill>
                   <a:schemeClr val="accent1"/>
                 </a:solidFill>
               </a14:hiddenFill>
             </a:ext>
             <a:ext uri="{AF507438-7753-43e0-B8FC-AC1667EBCBE1}">
-              <a14:hiddenEffects xmlns="" xmlns:a14="http://schemas.microsoft.com/office/drawing/2010/main">
+              <a14:hiddenEffects xmlns:a14="http://schemas.microsoft.com/office/drawing/2010/main" xmlns="">
                 <a:effectLst>
                   <a:outerShdw blurRad="63500" dist="38099" dir="2700000" algn="ctr" rotWithShape="0">
                     <a:schemeClr val="bg2">
@@ -18508,14 +18508,14 @@
           <a:effectLst/>
           <a:extLst>
             <a:ext uri="{909E8E84-426E-40dd-AFC4-6F175D3DCCD1}">
-              <a14:hiddenFill xmlns="" xmlns:a14="http://schemas.microsoft.com/office/drawing/2010/main">
+              <a14:hiddenFill xmlns:a14="http://schemas.microsoft.com/office/drawing/2010/main" xmlns="">
                 <a:solidFill>
                   <a:schemeClr val="accent1"/>
                 </a:solidFill>
               </a14:hiddenFill>
             </a:ext>
             <a:ext uri="{AF507438-7753-43e0-B8FC-AC1667EBCBE1}">
-              <a14:hiddenEffects xmlns="" xmlns:a14="http://schemas.microsoft.com/office/drawing/2010/main">
+              <a14:hiddenEffects xmlns:a14="http://schemas.microsoft.com/office/drawing/2010/main" xmlns="">
                 <a:effectLst>
                   <a:outerShdw blurRad="63500" dist="38099" dir="2700000" algn="ctr" rotWithShape="0">
                     <a:schemeClr val="bg2">
@@ -18597,14 +18597,14 @@
           <a:effectLst/>
           <a:extLst>
             <a:ext uri="{909E8E84-426E-40dd-AFC4-6F175D3DCCD1}">
-              <a14:hiddenFill xmlns="" xmlns:a14="http://schemas.microsoft.com/office/drawing/2010/main">
+              <a14:hiddenFill xmlns:a14="http://schemas.microsoft.com/office/drawing/2010/main" xmlns="">
                 <a:solidFill>
                   <a:schemeClr val="accent1"/>
                 </a:solidFill>
               </a14:hiddenFill>
             </a:ext>
             <a:ext uri="{AF507438-7753-43e0-B8FC-AC1667EBCBE1}">
-              <a14:hiddenEffects xmlns="" xmlns:a14="http://schemas.microsoft.com/office/drawing/2010/main">
+              <a14:hiddenEffects xmlns:a14="http://schemas.microsoft.com/office/drawing/2010/main" xmlns="">
                 <a:effectLst>
                   <a:outerShdw blurRad="63500" dist="38099" dir="2700000" algn="ctr" rotWithShape="0">
                     <a:schemeClr val="bg2">
@@ -18686,14 +18686,14 @@
           <a:effectLst/>
           <a:extLst>
             <a:ext uri="{909E8E84-426E-40dd-AFC4-6F175D3DCCD1}">
-              <a14:hiddenFill xmlns="" xmlns:a14="http://schemas.microsoft.com/office/drawing/2010/main">
+              <a14:hiddenFill xmlns:a14="http://schemas.microsoft.com/office/drawing/2010/main" xmlns="">
                 <a:solidFill>
                   <a:schemeClr val="accent1"/>
                 </a:solidFill>
               </a14:hiddenFill>
             </a:ext>
             <a:ext uri="{AF507438-7753-43e0-B8FC-AC1667EBCBE1}">
-              <a14:hiddenEffects xmlns="" xmlns:a14="http://schemas.microsoft.com/office/drawing/2010/main">
+              <a14:hiddenEffects xmlns:a14="http://schemas.microsoft.com/office/drawing/2010/main" xmlns="">
                 <a:effectLst>
                   <a:outerShdw blurRad="63500" dist="38099" dir="2700000" algn="ctr" rotWithShape="0">
                     <a:schemeClr val="bg2">
@@ -18775,14 +18775,14 @@
           <a:effectLst/>
           <a:extLst>
             <a:ext uri="{909E8E84-426E-40dd-AFC4-6F175D3DCCD1}">
-              <a14:hiddenFill xmlns="" xmlns:a14="http://schemas.microsoft.com/office/drawing/2010/main">
+              <a14:hiddenFill xmlns:a14="http://schemas.microsoft.com/office/drawing/2010/main" xmlns="">
                 <a:solidFill>
                   <a:schemeClr val="accent1"/>
                 </a:solidFill>
               </a14:hiddenFill>
             </a:ext>
             <a:ext uri="{AF507438-7753-43e0-B8FC-AC1667EBCBE1}">
-              <a14:hiddenEffects xmlns="" xmlns:a14="http://schemas.microsoft.com/office/drawing/2010/main">
+              <a14:hiddenEffects xmlns:a14="http://schemas.microsoft.com/office/drawing/2010/main" xmlns="">
                 <a:effectLst>
                   <a:outerShdw blurRad="63500" dist="38099" dir="2700000" algn="ctr" rotWithShape="0">
                     <a:schemeClr val="bg2">
@@ -18864,14 +18864,14 @@
           <a:effectLst/>
           <a:extLst>
             <a:ext uri="{909E8E84-426E-40dd-AFC4-6F175D3DCCD1}">
-              <a14:hiddenFill xmlns="" xmlns:a14="http://schemas.microsoft.com/office/drawing/2010/main">
+              <a14:hiddenFill xmlns:a14="http://schemas.microsoft.com/office/drawing/2010/main" xmlns="">
                 <a:solidFill>
                   <a:schemeClr val="accent1"/>
                 </a:solidFill>
               </a14:hiddenFill>
             </a:ext>
             <a:ext uri="{AF507438-7753-43e0-B8FC-AC1667EBCBE1}">
-              <a14:hiddenEffects xmlns="" xmlns:a14="http://schemas.microsoft.com/office/drawing/2010/main">
+              <a14:hiddenEffects xmlns:a14="http://schemas.microsoft.com/office/drawing/2010/main" xmlns="">
                 <a:effectLst>
                   <a:outerShdw blurRad="63500" dist="38099" dir="2700000" algn="ctr" rotWithShape="0">
                     <a:schemeClr val="bg2">
@@ -18953,14 +18953,14 @@
           <a:effectLst/>
           <a:extLst>
             <a:ext uri="{909E8E84-426E-40dd-AFC4-6F175D3DCCD1}">
-              <a14:hiddenFill xmlns="" xmlns:a14="http://schemas.microsoft.com/office/drawing/2010/main">
+              <a14:hiddenFill xmlns:a14="http://schemas.microsoft.com/office/drawing/2010/main" xmlns="">
                 <a:solidFill>
                   <a:schemeClr val="accent1"/>
                 </a:solidFill>
               </a14:hiddenFill>
             </a:ext>
             <a:ext uri="{AF507438-7753-43e0-B8FC-AC1667EBCBE1}">
-              <a14:hiddenEffects xmlns="" xmlns:a14="http://schemas.microsoft.com/office/drawing/2010/main">
+              <a14:hiddenEffects xmlns:a14="http://schemas.microsoft.com/office/drawing/2010/main" xmlns="">
                 <a:effectLst>
                   <a:outerShdw blurRad="63500" dist="38099" dir="2700000" algn="ctr" rotWithShape="0">
                     <a:schemeClr val="bg2">
@@ -19042,14 +19042,14 @@
           <a:effectLst/>
           <a:extLst>
             <a:ext uri="{909E8E84-426E-40dd-AFC4-6F175D3DCCD1}">
-              <a14:hiddenFill xmlns="" xmlns:a14="http://schemas.microsoft.com/office/drawing/2010/main">
+              <a14:hiddenFill xmlns:a14="http://schemas.microsoft.com/office/drawing/2010/main" xmlns="">
                 <a:solidFill>
                   <a:schemeClr val="accent1"/>
                 </a:solidFill>
               </a14:hiddenFill>
             </a:ext>
             <a:ext uri="{AF507438-7753-43e0-B8FC-AC1667EBCBE1}">
-              <a14:hiddenEffects xmlns="" xmlns:a14="http://schemas.microsoft.com/office/drawing/2010/main">
+              <a14:hiddenEffects xmlns:a14="http://schemas.microsoft.com/office/drawing/2010/main" xmlns="">
                 <a:effectLst>
                   <a:outerShdw blurRad="63500" dist="38099" dir="2700000" algn="ctr" rotWithShape="0">
                     <a:schemeClr val="bg2">
@@ -19198,7 +19198,7 @@
           <a:effectLst/>
           <a:extLst>
             <a:ext uri="{AF507438-7753-43e0-B8FC-AC1667EBCBE1}">
-              <a14:hiddenEffects xmlns="" xmlns:a14="http://schemas.microsoft.com/office/drawing/2010/main">
+              <a14:hiddenEffects xmlns:a14="http://schemas.microsoft.com/office/drawing/2010/main" xmlns="">
                 <a:effectLst>
                   <a:outerShdw blurRad="63500" dist="38099" dir="2700000" algn="ctr" rotWithShape="0">
                     <a:schemeClr val="bg2">
@@ -19252,7 +19252,7 @@
           <a:effectLst/>
           <a:extLst>
             <a:ext uri="{AF507438-7753-43e0-B8FC-AC1667EBCBE1}">
-              <a14:hiddenEffects xmlns="" xmlns:a14="http://schemas.microsoft.com/office/drawing/2010/main">
+              <a14:hiddenEffects xmlns:a14="http://schemas.microsoft.com/office/drawing/2010/main" xmlns="">
                 <a:effectLst>
                   <a:outerShdw blurRad="63500" dist="38099" dir="2700000" algn="ctr" rotWithShape="0">
                     <a:schemeClr val="bg2">
@@ -19306,7 +19306,7 @@
           <a:effectLst/>
           <a:extLst>
             <a:ext uri="{AF507438-7753-43e0-B8FC-AC1667EBCBE1}">
-              <a14:hiddenEffects xmlns="" xmlns:a14="http://schemas.microsoft.com/office/drawing/2010/main">
+              <a14:hiddenEffects xmlns:a14="http://schemas.microsoft.com/office/drawing/2010/main" xmlns="">
                 <a:effectLst>
                   <a:outerShdw blurRad="63500" dist="38099" dir="2700000" algn="ctr" rotWithShape="0">
                     <a:schemeClr val="bg2">
@@ -19360,7 +19360,7 @@
           <a:effectLst/>
           <a:extLst>
             <a:ext uri="{AF507438-7753-43e0-B8FC-AC1667EBCBE1}">
-              <a14:hiddenEffects xmlns="" xmlns:a14="http://schemas.microsoft.com/office/drawing/2010/main">
+              <a14:hiddenEffects xmlns:a14="http://schemas.microsoft.com/office/drawing/2010/main" xmlns="">
                 <a:effectLst>
                   <a:outerShdw blurRad="63500" dist="38099" dir="2700000" algn="ctr" rotWithShape="0">
                     <a:schemeClr val="bg2">
@@ -19414,7 +19414,7 @@
           <a:effectLst/>
           <a:extLst>
             <a:ext uri="{AF507438-7753-43e0-B8FC-AC1667EBCBE1}">
-              <a14:hiddenEffects xmlns="" xmlns:a14="http://schemas.microsoft.com/office/drawing/2010/main">
+              <a14:hiddenEffects xmlns:a14="http://schemas.microsoft.com/office/drawing/2010/main" xmlns="">
                 <a:effectLst>
                   <a:outerShdw blurRad="63500" dist="38099" dir="2700000" algn="ctr" rotWithShape="0">
                     <a:schemeClr val="bg2">
@@ -19468,7 +19468,7 @@
           <a:effectLst/>
           <a:extLst>
             <a:ext uri="{AF507438-7753-43e0-B8FC-AC1667EBCBE1}">
-              <a14:hiddenEffects xmlns="" xmlns:a14="http://schemas.microsoft.com/office/drawing/2010/main">
+              <a14:hiddenEffects xmlns:a14="http://schemas.microsoft.com/office/drawing/2010/main" xmlns="">
                 <a:effectLst>
                   <a:outerShdw blurRad="63500" dist="38099" dir="2700000" algn="ctr" rotWithShape="0">
                     <a:schemeClr val="bg2">
@@ -19522,7 +19522,7 @@
           <a:effectLst/>
           <a:extLst>
             <a:ext uri="{AF507438-7753-43e0-B8FC-AC1667EBCBE1}">
-              <a14:hiddenEffects xmlns="" xmlns:a14="http://schemas.microsoft.com/office/drawing/2010/main">
+              <a14:hiddenEffects xmlns:a14="http://schemas.microsoft.com/office/drawing/2010/main" xmlns="">
                 <a:effectLst>
                   <a:outerShdw blurRad="63500" dist="38099" dir="2700000" algn="ctr" rotWithShape="0">
                     <a:schemeClr val="bg2">
@@ -19576,7 +19576,7 @@
           <a:effectLst/>
           <a:extLst>
             <a:ext uri="{AF507438-7753-43e0-B8FC-AC1667EBCBE1}">
-              <a14:hiddenEffects xmlns="" xmlns:a14="http://schemas.microsoft.com/office/drawing/2010/main">
+              <a14:hiddenEffects xmlns:a14="http://schemas.microsoft.com/office/drawing/2010/main" xmlns="">
                 <a:effectLst>
                   <a:outerShdw blurRad="63500" dist="38099" dir="2700000" algn="ctr" rotWithShape="0">
                     <a:schemeClr val="bg2">
@@ -19630,7 +19630,7 @@
           <a:effectLst/>
           <a:extLst>
             <a:ext uri="{AF507438-7753-43e0-B8FC-AC1667EBCBE1}">
-              <a14:hiddenEffects xmlns="" xmlns:a14="http://schemas.microsoft.com/office/drawing/2010/main">
+              <a14:hiddenEffects xmlns:a14="http://schemas.microsoft.com/office/drawing/2010/main" xmlns="">
                 <a:effectLst>
                   <a:outerShdw blurRad="63500" dist="38099" dir="2700000" algn="ctr" rotWithShape="0">
                     <a:schemeClr val="bg2">
@@ -19716,14 +19716,14 @@
           <a:effectLst/>
           <a:extLst>
             <a:ext uri="{909E8E84-426E-40dd-AFC4-6F175D3DCCD1}">
-              <a14:hiddenFill xmlns="" xmlns:a14="http://schemas.microsoft.com/office/drawing/2010/main">
+              <a14:hiddenFill xmlns:a14="http://schemas.microsoft.com/office/drawing/2010/main" xmlns="">
                 <a:solidFill>
                   <a:schemeClr val="accent1"/>
                 </a:solidFill>
               </a14:hiddenFill>
             </a:ext>
             <a:ext uri="{AF507438-7753-43e0-B8FC-AC1667EBCBE1}">
-              <a14:hiddenEffects xmlns="" xmlns:a14="http://schemas.microsoft.com/office/drawing/2010/main">
+              <a14:hiddenEffects xmlns:a14="http://schemas.microsoft.com/office/drawing/2010/main" xmlns="">
                 <a:effectLst>
                   <a:outerShdw blurRad="63500" dist="38099" dir="2700000" algn="ctr" rotWithShape="0">
                     <a:schemeClr val="bg2">
@@ -19805,14 +19805,14 @@
           <a:effectLst/>
           <a:extLst>
             <a:ext uri="{909E8E84-426E-40dd-AFC4-6F175D3DCCD1}">
-              <a14:hiddenFill xmlns="" xmlns:a14="http://schemas.microsoft.com/office/drawing/2010/main">
+              <a14:hiddenFill xmlns:a14="http://schemas.microsoft.com/office/drawing/2010/main" xmlns="">
                 <a:solidFill>
                   <a:schemeClr val="accent1"/>
                 </a:solidFill>
               </a14:hiddenFill>
             </a:ext>
             <a:ext uri="{AF507438-7753-43e0-B8FC-AC1667EBCBE1}">
-              <a14:hiddenEffects xmlns="" xmlns:a14="http://schemas.microsoft.com/office/drawing/2010/main">
+              <a14:hiddenEffects xmlns:a14="http://schemas.microsoft.com/office/drawing/2010/main" xmlns="">
                 <a:effectLst>
                   <a:outerShdw blurRad="63500" dist="38099" dir="2700000" algn="ctr" rotWithShape="0">
                     <a:schemeClr val="bg2">
@@ -19894,14 +19894,14 @@
           <a:effectLst/>
           <a:extLst>
             <a:ext uri="{909E8E84-426E-40dd-AFC4-6F175D3DCCD1}">
-              <a14:hiddenFill xmlns="" xmlns:a14="http://schemas.microsoft.com/office/drawing/2010/main">
+              <a14:hiddenFill xmlns:a14="http://schemas.microsoft.com/office/drawing/2010/main" xmlns="">
                 <a:solidFill>
                   <a:schemeClr val="accent1"/>
                 </a:solidFill>
               </a14:hiddenFill>
             </a:ext>
             <a:ext uri="{AF507438-7753-43e0-B8FC-AC1667EBCBE1}">
-              <a14:hiddenEffects xmlns="" xmlns:a14="http://schemas.microsoft.com/office/drawing/2010/main">
+              <a14:hiddenEffects xmlns:a14="http://schemas.microsoft.com/office/drawing/2010/main" xmlns="">
                 <a:effectLst>
                   <a:outerShdw blurRad="63500" dist="38099" dir="2700000" algn="ctr" rotWithShape="0">
                     <a:schemeClr val="bg2">
@@ -19983,14 +19983,14 @@
           <a:effectLst/>
           <a:extLst>
             <a:ext uri="{909E8E84-426E-40dd-AFC4-6F175D3DCCD1}">
-              <a14:hiddenFill xmlns="" xmlns:a14="http://schemas.microsoft.com/office/drawing/2010/main">
+              <a14:hiddenFill xmlns:a14="http://schemas.microsoft.com/office/drawing/2010/main" xmlns="">
                 <a:solidFill>
                   <a:schemeClr val="accent1"/>
                 </a:solidFill>
               </a14:hiddenFill>
             </a:ext>
             <a:ext uri="{AF507438-7753-43e0-B8FC-AC1667EBCBE1}">
-              <a14:hiddenEffects xmlns="" xmlns:a14="http://schemas.microsoft.com/office/drawing/2010/main">
+              <a14:hiddenEffects xmlns:a14="http://schemas.microsoft.com/office/drawing/2010/main" xmlns="">
                 <a:effectLst>
                   <a:outerShdw blurRad="63500" dist="38099" dir="2700000" algn="ctr" rotWithShape="0">
                     <a:schemeClr val="bg2">
@@ -20072,14 +20072,14 @@
           <a:effectLst/>
           <a:extLst>
             <a:ext uri="{909E8E84-426E-40dd-AFC4-6F175D3DCCD1}">
-              <a14:hiddenFill xmlns="" xmlns:a14="http://schemas.microsoft.com/office/drawing/2010/main">
+              <a14:hiddenFill xmlns:a14="http://schemas.microsoft.com/office/drawing/2010/main" xmlns="">
                 <a:solidFill>
                   <a:schemeClr val="accent1"/>
                 </a:solidFill>
               </a14:hiddenFill>
             </a:ext>
             <a:ext uri="{AF507438-7753-43e0-B8FC-AC1667EBCBE1}">
-              <a14:hiddenEffects xmlns="" xmlns:a14="http://schemas.microsoft.com/office/drawing/2010/main">
+              <a14:hiddenEffects xmlns:a14="http://schemas.microsoft.com/office/drawing/2010/main" xmlns="">
                 <a:effectLst>
                   <a:outerShdw blurRad="63500" dist="38099" dir="2700000" algn="ctr" rotWithShape="0">
                     <a:schemeClr val="bg2">
@@ -20161,14 +20161,14 @@
           <a:effectLst/>
           <a:extLst>
             <a:ext uri="{909E8E84-426E-40dd-AFC4-6F175D3DCCD1}">
-              <a14:hiddenFill xmlns="" xmlns:a14="http://schemas.microsoft.com/office/drawing/2010/main">
+              <a14:hiddenFill xmlns:a14="http://schemas.microsoft.com/office/drawing/2010/main" xmlns="">
                 <a:solidFill>
                   <a:schemeClr val="accent1"/>
                 </a:solidFill>
               </a14:hiddenFill>
             </a:ext>
             <a:ext uri="{AF507438-7753-43e0-B8FC-AC1667EBCBE1}">
-              <a14:hiddenEffects xmlns="" xmlns:a14="http://schemas.microsoft.com/office/drawing/2010/main">
+              <a14:hiddenEffects xmlns:a14="http://schemas.microsoft.com/office/drawing/2010/main" xmlns="">
                 <a:effectLst>
                   <a:outerShdw blurRad="63500" dist="38099" dir="2700000" algn="ctr" rotWithShape="0">
                     <a:schemeClr val="bg2">
@@ -20250,14 +20250,14 @@
           <a:effectLst/>
           <a:extLst>
             <a:ext uri="{909E8E84-426E-40dd-AFC4-6F175D3DCCD1}">
-              <a14:hiddenFill xmlns="" xmlns:a14="http://schemas.microsoft.com/office/drawing/2010/main">
+              <a14:hiddenFill xmlns:a14="http://schemas.microsoft.com/office/drawing/2010/main" xmlns="">
                 <a:solidFill>
                   <a:schemeClr val="accent1"/>
                 </a:solidFill>
               </a14:hiddenFill>
             </a:ext>
             <a:ext uri="{AF507438-7753-43e0-B8FC-AC1667EBCBE1}">
-              <a14:hiddenEffects xmlns="" xmlns:a14="http://schemas.microsoft.com/office/drawing/2010/main">
+              <a14:hiddenEffects xmlns:a14="http://schemas.microsoft.com/office/drawing/2010/main" xmlns="">
                 <a:effectLst>
                   <a:outerShdw blurRad="63500" dist="38099" dir="2700000" algn="ctr" rotWithShape="0">
                     <a:schemeClr val="bg2">
@@ -20339,14 +20339,14 @@
           <a:effectLst/>
           <a:extLst>
             <a:ext uri="{909E8E84-426E-40dd-AFC4-6F175D3DCCD1}">
-              <a14:hiddenFill xmlns="" xmlns:a14="http://schemas.microsoft.com/office/drawing/2010/main">
+              <a14:hiddenFill xmlns:a14="http://schemas.microsoft.com/office/drawing/2010/main" xmlns="">
                 <a:solidFill>
                   <a:schemeClr val="accent1"/>
                 </a:solidFill>
               </a14:hiddenFill>
             </a:ext>
             <a:ext uri="{AF507438-7753-43e0-B8FC-AC1667EBCBE1}">
-              <a14:hiddenEffects xmlns="" xmlns:a14="http://schemas.microsoft.com/office/drawing/2010/main">
+              <a14:hiddenEffects xmlns:a14="http://schemas.microsoft.com/office/drawing/2010/main" xmlns="">
                 <a:effectLst>
                   <a:outerShdw blurRad="63500" dist="38099" dir="2700000" algn="ctr" rotWithShape="0">
                     <a:schemeClr val="bg2">
@@ -20389,14 +20389,14 @@
           <a:effectLst/>
           <a:extLst>
             <a:ext uri="{909E8E84-426E-40dd-AFC4-6F175D3DCCD1}">
-              <a14:hiddenFill xmlns="" xmlns:a14="http://schemas.microsoft.com/office/drawing/2010/main">
+              <a14:hiddenFill xmlns:a14="http://schemas.microsoft.com/office/drawing/2010/main" xmlns="">
                 <a:solidFill>
                   <a:schemeClr val="accent1"/>
                 </a:solidFill>
               </a14:hiddenFill>
             </a:ext>
             <a:ext uri="{91240B29-F687-4f45-9708-019B960494DF}">
-              <a14:hiddenLine xmlns="" xmlns:a14="http://schemas.microsoft.com/office/drawing/2010/main" w="9525">
+              <a14:hiddenLine xmlns:a14="http://schemas.microsoft.com/office/drawing/2010/main" xmlns="" w="9525">
                 <a:solidFill>
                   <a:schemeClr val="tx1"/>
                 </a:solidFill>
@@ -20406,7 +20406,7 @@
               </a14:hiddenLine>
             </a:ext>
             <a:ext uri="{AF507438-7753-43e0-B8FC-AC1667EBCBE1}">
-              <a14:hiddenEffects xmlns="" xmlns:a14="http://schemas.microsoft.com/office/drawing/2010/main">
+              <a14:hiddenEffects xmlns:a14="http://schemas.microsoft.com/office/drawing/2010/main" xmlns="">
                 <a:effectLst>
                   <a:outerShdw blurRad="63500" dist="38099" dir="2700000" algn="ctr" rotWithShape="0">
                     <a:schemeClr val="bg2">
@@ -20479,14 +20479,14 @@
           <a:effectLst/>
           <a:extLst>
             <a:ext uri="{909E8E84-426E-40dd-AFC4-6F175D3DCCD1}">
-              <a14:hiddenFill xmlns="" xmlns:a14="http://schemas.microsoft.com/office/drawing/2010/main">
+              <a14:hiddenFill xmlns:a14="http://schemas.microsoft.com/office/drawing/2010/main" xmlns="">
                 <a:solidFill>
                   <a:schemeClr val="accent1"/>
                 </a:solidFill>
               </a14:hiddenFill>
             </a:ext>
             <a:ext uri="{91240B29-F687-4f45-9708-019B960494DF}">
-              <a14:hiddenLine xmlns="" xmlns:a14="http://schemas.microsoft.com/office/drawing/2010/main" w="9525">
+              <a14:hiddenLine xmlns:a14="http://schemas.microsoft.com/office/drawing/2010/main" xmlns="" w="9525">
                 <a:solidFill>
                   <a:schemeClr val="tx1"/>
                 </a:solidFill>
@@ -20496,7 +20496,7 @@
               </a14:hiddenLine>
             </a:ext>
             <a:ext uri="{AF507438-7753-43e0-B8FC-AC1667EBCBE1}">
-              <a14:hiddenEffects xmlns="" xmlns:a14="http://schemas.microsoft.com/office/drawing/2010/main">
+              <a14:hiddenEffects xmlns:a14="http://schemas.microsoft.com/office/drawing/2010/main" xmlns="">
                 <a:effectLst>
                   <a:outerShdw blurRad="63500" dist="38099" dir="2700000" algn="ctr" rotWithShape="0">
                     <a:schemeClr val="bg2">
@@ -20575,12 +20575,12 @@
           <a:effectLst/>
           <a:extLst>
             <a:ext uri="{909E8E84-426E-40dd-AFC4-6F175D3DCCD1}">
-              <a14:hiddenFill xmlns="" xmlns:a14="http://schemas.microsoft.com/office/drawing/2010/main">
+              <a14:hiddenFill xmlns:a14="http://schemas.microsoft.com/office/drawing/2010/main" xmlns="">
                 <a:noFill/>
               </a14:hiddenFill>
             </a:ext>
             <a:ext uri="{AF507438-7753-43e0-B8FC-AC1667EBCBE1}">
-              <a14:hiddenEffects xmlns="" xmlns:a14="http://schemas.microsoft.com/office/drawing/2010/main">
+              <a14:hiddenEffects xmlns:a14="http://schemas.microsoft.com/office/drawing/2010/main" xmlns="">
                 <a:effectLst>
                   <a:outerShdw blurRad="63500" dist="38099" dir="2700000" algn="ctr" rotWithShape="0">
                     <a:schemeClr val="bg2">
@@ -20819,14 +20819,14 @@
           <a:effectLst/>
           <a:extLst>
             <a:ext uri="{909E8E84-426E-40dd-AFC4-6F175D3DCCD1}">
-              <a14:hiddenFill xmlns="" xmlns:a14="http://schemas.microsoft.com/office/drawing/2010/main">
+              <a14:hiddenFill xmlns:a14="http://schemas.microsoft.com/office/drawing/2010/main" xmlns="">
                 <a:solidFill>
                   <a:schemeClr val="accent1"/>
                 </a:solidFill>
               </a14:hiddenFill>
             </a:ext>
             <a:ext uri="{91240B29-F687-4f45-9708-019B960494DF}">
-              <a14:hiddenLine xmlns="" xmlns:a14="http://schemas.microsoft.com/office/drawing/2010/main" w="9525">
+              <a14:hiddenLine xmlns:a14="http://schemas.microsoft.com/office/drawing/2010/main" xmlns="" w="9525">
                 <a:solidFill>
                   <a:schemeClr val="tx1"/>
                 </a:solidFill>
@@ -20836,7 +20836,7 @@
               </a14:hiddenLine>
             </a:ext>
             <a:ext uri="{AF507438-7753-43e0-B8FC-AC1667EBCBE1}">
-              <a14:hiddenEffects xmlns="" xmlns:a14="http://schemas.microsoft.com/office/drawing/2010/main">
+              <a14:hiddenEffects xmlns:a14="http://schemas.microsoft.com/office/drawing/2010/main" xmlns="">
                 <a:effectLst>
                   <a:outerShdw blurRad="63500" dist="38099" dir="2700000" algn="ctr" rotWithShape="0">
                     <a:schemeClr val="bg2">
@@ -21053,14 +21053,14 @@
               <ma14:placeholderFlag xmlns:ma14="http://schemas.microsoft.com/office/mac/drawingml/2011/main" val="1"/>
             </a:ext>
             <a:ext uri="{909E8E84-426E-40dd-AFC4-6F175D3DCCD1}">
-              <a14:hiddenFill xmlns="" xmlns:a14="http://schemas.microsoft.com/office/drawing/2010/main">
+              <a14:hiddenFill xmlns:a14="http://schemas.microsoft.com/office/drawing/2010/main" xmlns="">
                 <a:solidFill>
                   <a:schemeClr val="accent1"/>
                 </a:solidFill>
               </a14:hiddenFill>
             </a:ext>
             <a:ext uri="{91240B29-F687-4f45-9708-019B960494DF}">
-              <a14:hiddenLine xmlns="" xmlns:a14="http://schemas.microsoft.com/office/drawing/2010/main" w="9525">
+              <a14:hiddenLine xmlns:a14="http://schemas.microsoft.com/office/drawing/2010/main" xmlns="" w="9525">
                 <a:solidFill>
                   <a:schemeClr val="tx1"/>
                 </a:solidFill>
@@ -21070,7 +21070,7 @@
               </a14:hiddenLine>
             </a:ext>
             <a:ext uri="{AF507438-7753-43e0-B8FC-AC1667EBCBE1}">
-              <a14:hiddenEffects xmlns="" xmlns:a14="http://schemas.microsoft.com/office/drawing/2010/main">
+              <a14:hiddenEffects xmlns:a14="http://schemas.microsoft.com/office/drawing/2010/main" xmlns="">
                 <a:effectLst>
                   <a:outerShdw blurRad="63500" dist="38099" dir="2700000" algn="ctr" rotWithShape="0">
                     <a:schemeClr val="bg2">
@@ -21378,14 +21378,14 @@
               <ma14:placeholderFlag xmlns:ma14="http://schemas.microsoft.com/office/mac/drawingml/2011/main" val="1"/>
             </a:ext>
             <a:ext uri="{909E8E84-426E-40dd-AFC4-6F175D3DCCD1}">
-              <a14:hiddenFill xmlns="" xmlns:a14="http://schemas.microsoft.com/office/drawing/2010/main">
+              <a14:hiddenFill xmlns:a14="http://schemas.microsoft.com/office/drawing/2010/main" xmlns="">
                 <a:solidFill>
                   <a:schemeClr val="accent1"/>
                 </a:solidFill>
               </a14:hiddenFill>
             </a:ext>
             <a:ext uri="{91240B29-F687-4f45-9708-019B960494DF}">
-              <a14:hiddenLine xmlns="" xmlns:a14="http://schemas.microsoft.com/office/drawing/2010/main" w="9525">
+              <a14:hiddenLine xmlns:a14="http://schemas.microsoft.com/office/drawing/2010/main" xmlns="" w="9525">
                 <a:solidFill>
                   <a:schemeClr val="tx1"/>
                 </a:solidFill>
@@ -21395,7 +21395,7 @@
               </a14:hiddenLine>
             </a:ext>
             <a:ext uri="{AF507438-7753-43e0-B8FC-AC1667EBCBE1}">
-              <a14:hiddenEffects xmlns="" xmlns:a14="http://schemas.microsoft.com/office/drawing/2010/main">
+              <a14:hiddenEffects xmlns:a14="http://schemas.microsoft.com/office/drawing/2010/main" xmlns="">
                 <a:effectLst>
                   <a:outerShdw blurRad="63500" dist="38099" dir="2700000" algn="ctr" rotWithShape="0">
                     <a:schemeClr val="bg2">
@@ -21763,14 +21763,14 @@
               <ma14:placeholderFlag xmlns:ma14="http://schemas.microsoft.com/office/mac/drawingml/2011/main" val="1"/>
             </a:ext>
             <a:ext uri="{909E8E84-426E-40dd-AFC4-6F175D3DCCD1}">
-              <a14:hiddenFill xmlns="" xmlns:a14="http://schemas.microsoft.com/office/drawing/2010/main">
+              <a14:hiddenFill xmlns:a14="http://schemas.microsoft.com/office/drawing/2010/main" xmlns="">
                 <a:solidFill>
                   <a:schemeClr val="accent1"/>
                 </a:solidFill>
               </a14:hiddenFill>
             </a:ext>
             <a:ext uri="{91240B29-F687-4f45-9708-019B960494DF}">
-              <a14:hiddenLine xmlns="" xmlns:a14="http://schemas.microsoft.com/office/drawing/2010/main" w="9525">
+              <a14:hiddenLine xmlns:a14="http://schemas.microsoft.com/office/drawing/2010/main" xmlns="" w="9525">
                 <a:solidFill>
                   <a:schemeClr val="tx1"/>
                 </a:solidFill>
@@ -21780,7 +21780,7 @@
               </a14:hiddenLine>
             </a:ext>
             <a:ext uri="{AF507438-7753-43e0-B8FC-AC1667EBCBE1}">
-              <a14:hiddenEffects xmlns="" xmlns:a14="http://schemas.microsoft.com/office/drawing/2010/main">
+              <a14:hiddenEffects xmlns:a14="http://schemas.microsoft.com/office/drawing/2010/main" xmlns="">
                 <a:effectLst>
                   <a:outerShdw blurRad="63500" dist="38099" dir="2700000" algn="ctr" rotWithShape="0">
                     <a:schemeClr val="bg2">
@@ -22067,14 +22067,14 @@
               <ma14:placeholderFlag xmlns:ma14="http://schemas.microsoft.com/office/mac/drawingml/2011/main" val="1"/>
             </a:ext>
             <a:ext uri="{909E8E84-426E-40dd-AFC4-6F175D3DCCD1}">
-              <a14:hiddenFill xmlns="" xmlns:a14="http://schemas.microsoft.com/office/drawing/2010/main">
+              <a14:hiddenFill xmlns:a14="http://schemas.microsoft.com/office/drawing/2010/main" xmlns="">
                 <a:solidFill>
                   <a:schemeClr val="accent1"/>
                 </a:solidFill>
               </a14:hiddenFill>
             </a:ext>
             <a:ext uri="{91240B29-F687-4f45-9708-019B960494DF}">
-              <a14:hiddenLine xmlns="" xmlns:a14="http://schemas.microsoft.com/office/drawing/2010/main" w="9525">
+              <a14:hiddenLine xmlns:a14="http://schemas.microsoft.com/office/drawing/2010/main" xmlns="" w="9525">
                 <a:solidFill>
                   <a:schemeClr val="tx1"/>
                 </a:solidFill>
@@ -22084,7 +22084,7 @@
               </a14:hiddenLine>
             </a:ext>
             <a:ext uri="{AF507438-7753-43e0-B8FC-AC1667EBCBE1}">
-              <a14:hiddenEffects xmlns="" xmlns:a14="http://schemas.microsoft.com/office/drawing/2010/main">
+              <a14:hiddenEffects xmlns:a14="http://schemas.microsoft.com/office/drawing/2010/main" xmlns="">
                 <a:effectLst>
                   <a:outerShdw blurRad="63500" dist="38099" dir="2700000" algn="ctr" rotWithShape="0">
                     <a:schemeClr val="bg2">
@@ -22230,14 +22230,14 @@
               <ma14:placeholderFlag xmlns:ma14="http://schemas.microsoft.com/office/mac/drawingml/2011/main" val="1"/>
             </a:ext>
             <a:ext uri="{909E8E84-426E-40dd-AFC4-6F175D3DCCD1}">
-              <a14:hiddenFill xmlns="" xmlns:a14="http://schemas.microsoft.com/office/drawing/2010/main">
+              <a14:hiddenFill xmlns:a14="http://schemas.microsoft.com/office/drawing/2010/main" xmlns="">
                 <a:solidFill>
                   <a:schemeClr val="accent1"/>
                 </a:solidFill>
               </a14:hiddenFill>
             </a:ext>
             <a:ext uri="{91240B29-F687-4f45-9708-019B960494DF}">
-              <a14:hiddenLine xmlns="" xmlns:a14="http://schemas.microsoft.com/office/drawing/2010/main" w="9525">
+              <a14:hiddenLine xmlns:a14="http://schemas.microsoft.com/office/drawing/2010/main" xmlns="" w="9525">
                 <a:solidFill>
                   <a:schemeClr val="tx1"/>
                 </a:solidFill>
@@ -22247,7 +22247,7 @@
               </a14:hiddenLine>
             </a:ext>
             <a:ext uri="{AF507438-7753-43e0-B8FC-AC1667EBCBE1}">
-              <a14:hiddenEffects xmlns="" xmlns:a14="http://schemas.microsoft.com/office/drawing/2010/main">
+              <a14:hiddenEffects xmlns:a14="http://schemas.microsoft.com/office/drawing/2010/main" xmlns="">
                 <a:effectLst>
                   <a:outerShdw blurRad="63500" dist="38099" dir="2700000" algn="ctr" rotWithShape="0">
                     <a:schemeClr val="bg2">
@@ -22572,14 +22572,14 @@
               <ma14:placeholderFlag xmlns:ma14="http://schemas.microsoft.com/office/mac/drawingml/2011/main" val="1"/>
             </a:ext>
             <a:ext uri="{909E8E84-426E-40dd-AFC4-6F175D3DCCD1}">
-              <a14:hiddenFill xmlns="" xmlns:a14="http://schemas.microsoft.com/office/drawing/2010/main">
+              <a14:hiddenFill xmlns:a14="http://schemas.microsoft.com/office/drawing/2010/main" xmlns="">
                 <a:solidFill>
                   <a:schemeClr val="accent1"/>
                 </a:solidFill>
               </a14:hiddenFill>
             </a:ext>
             <a:ext uri="{91240B29-F687-4f45-9708-019B960494DF}">
-              <a14:hiddenLine xmlns="" xmlns:a14="http://schemas.microsoft.com/office/drawing/2010/main" w="9525">
+              <a14:hiddenLine xmlns:a14="http://schemas.microsoft.com/office/drawing/2010/main" xmlns="" w="9525">
                 <a:solidFill>
                   <a:schemeClr val="tx1"/>
                 </a:solidFill>
@@ -22589,7 +22589,7 @@
               </a14:hiddenLine>
             </a:ext>
             <a:ext uri="{AF507438-7753-43e0-B8FC-AC1667EBCBE1}">
-              <a14:hiddenEffects xmlns="" xmlns:a14="http://schemas.microsoft.com/office/drawing/2010/main">
+              <a14:hiddenEffects xmlns:a14="http://schemas.microsoft.com/office/drawing/2010/main" xmlns="">
                 <a:effectLst>
                   <a:outerShdw blurRad="63500" dist="38099" dir="2700000" algn="ctr" rotWithShape="0">
                     <a:schemeClr val="bg2">
@@ -22949,7 +22949,7 @@
           <a:effectLst/>
           <a:extLst>
             <a:ext uri="{AF507438-7753-43e0-B8FC-AC1667EBCBE1}">
-              <a14:hiddenEffects xmlns="" xmlns:a14="http://schemas.microsoft.com/office/drawing/2010/main">
+              <a14:hiddenEffects xmlns:a14="http://schemas.microsoft.com/office/drawing/2010/main" xmlns="">
                 <a:effectLst>
                   <a:outerShdw blurRad="63500" dist="38099" dir="2700000" algn="ctr" rotWithShape="0">
                     <a:schemeClr val="bg2">
@@ -23003,7 +23003,7 @@
           <a:effectLst/>
           <a:extLst>
             <a:ext uri="{AF507438-7753-43e0-B8FC-AC1667EBCBE1}">
-              <a14:hiddenEffects xmlns="" xmlns:a14="http://schemas.microsoft.com/office/drawing/2010/main">
+              <a14:hiddenEffects xmlns:a14="http://schemas.microsoft.com/office/drawing/2010/main" xmlns="">
                 <a:effectLst>
                   <a:outerShdw blurRad="63500" dist="38099" dir="2700000" algn="ctr" rotWithShape="0">
                     <a:schemeClr val="bg2">
@@ -23057,7 +23057,7 @@
           <a:effectLst/>
           <a:extLst>
             <a:ext uri="{AF507438-7753-43e0-B8FC-AC1667EBCBE1}">
-              <a14:hiddenEffects xmlns="" xmlns:a14="http://schemas.microsoft.com/office/drawing/2010/main">
+              <a14:hiddenEffects xmlns:a14="http://schemas.microsoft.com/office/drawing/2010/main" xmlns="">
                 <a:effectLst>
                   <a:outerShdw blurRad="63500" dist="38099" dir="2700000" algn="ctr" rotWithShape="0">
                     <a:schemeClr val="bg2">
@@ -23111,7 +23111,7 @@
           <a:effectLst/>
           <a:extLst>
             <a:ext uri="{AF507438-7753-43e0-B8FC-AC1667EBCBE1}">
-              <a14:hiddenEffects xmlns="" xmlns:a14="http://schemas.microsoft.com/office/drawing/2010/main">
+              <a14:hiddenEffects xmlns:a14="http://schemas.microsoft.com/office/drawing/2010/main" xmlns="">
                 <a:effectLst>
                   <a:outerShdw blurRad="63500" dist="38099" dir="2700000" algn="ctr" rotWithShape="0">
                     <a:schemeClr val="bg2">
@@ -23165,7 +23165,7 @@
           <a:effectLst/>
           <a:extLst>
             <a:ext uri="{AF507438-7753-43e0-B8FC-AC1667EBCBE1}">
-              <a14:hiddenEffects xmlns="" xmlns:a14="http://schemas.microsoft.com/office/drawing/2010/main">
+              <a14:hiddenEffects xmlns:a14="http://schemas.microsoft.com/office/drawing/2010/main" xmlns="">
                 <a:effectLst>
                   <a:outerShdw blurRad="63500" dist="38099" dir="2700000" algn="ctr" rotWithShape="0">
                     <a:schemeClr val="bg2">
@@ -23226,14 +23226,14 @@
           <a:effectLst/>
           <a:extLst>
             <a:ext uri="{909E8E84-426E-40dd-AFC4-6F175D3DCCD1}">
-              <a14:hiddenFill xmlns="" xmlns:a14="http://schemas.microsoft.com/office/drawing/2010/main">
+              <a14:hiddenFill xmlns:a14="http://schemas.microsoft.com/office/drawing/2010/main" xmlns="">
                 <a:solidFill>
                   <a:schemeClr val="accent1"/>
                 </a:solidFill>
               </a14:hiddenFill>
             </a:ext>
             <a:ext uri="{91240B29-F687-4f45-9708-019B960494DF}">
-              <a14:hiddenLine xmlns="" xmlns:a14="http://schemas.microsoft.com/office/drawing/2010/main" w="9525">
+              <a14:hiddenLine xmlns:a14="http://schemas.microsoft.com/office/drawing/2010/main" xmlns="" w="9525">
                 <a:solidFill>
                   <a:schemeClr val="tx1"/>
                 </a:solidFill>
@@ -23243,7 +23243,7 @@
               </a14:hiddenLine>
             </a:ext>
             <a:ext uri="{AF507438-7753-43e0-B8FC-AC1667EBCBE1}">
-              <a14:hiddenEffects xmlns="" xmlns:a14="http://schemas.microsoft.com/office/drawing/2010/main">
+              <a14:hiddenEffects xmlns:a14="http://schemas.microsoft.com/office/drawing/2010/main" xmlns="">
                 <a:effectLst>
                   <a:outerShdw blurRad="63500" dist="38099" dir="2700000" algn="ctr" rotWithShape="0">
                     <a:schemeClr val="bg2">
@@ -23338,14 +23338,14 @@
               <ma14:placeholderFlag xmlns:ma14="http://schemas.microsoft.com/office/mac/drawingml/2011/main" val="1"/>
             </a:ext>
             <a:ext uri="{909E8E84-426E-40dd-AFC4-6F175D3DCCD1}">
-              <a14:hiddenFill xmlns="" xmlns:a14="http://schemas.microsoft.com/office/drawing/2010/main">
+              <a14:hiddenFill xmlns:a14="http://schemas.microsoft.com/office/drawing/2010/main" xmlns="">
                 <a:solidFill>
                   <a:schemeClr val="accent1"/>
                 </a:solidFill>
               </a14:hiddenFill>
             </a:ext>
             <a:ext uri="{91240B29-F687-4f45-9708-019B960494DF}">
-              <a14:hiddenLine xmlns="" xmlns:a14="http://schemas.microsoft.com/office/drawing/2010/main" w="9525">
+              <a14:hiddenLine xmlns:a14="http://schemas.microsoft.com/office/drawing/2010/main" xmlns="" w="9525">
                 <a:solidFill>
                   <a:schemeClr val="tx1"/>
                 </a:solidFill>
@@ -23355,7 +23355,7 @@
               </a14:hiddenLine>
             </a:ext>
             <a:ext uri="{AF507438-7753-43e0-B8FC-AC1667EBCBE1}">
-              <a14:hiddenEffects xmlns="" xmlns:a14="http://schemas.microsoft.com/office/drawing/2010/main">
+              <a14:hiddenEffects xmlns:a14="http://schemas.microsoft.com/office/drawing/2010/main" xmlns="">
                 <a:effectLst>
                   <a:outerShdw blurRad="63500" dist="38099" dir="2700000" algn="ctr" rotWithShape="0">
                     <a:schemeClr val="bg2">
@@ -23619,14 +23619,14 @@
               <ma14:placeholderFlag xmlns:ma14="http://schemas.microsoft.com/office/mac/drawingml/2011/main" val="1"/>
             </a:ext>
             <a:ext uri="{909E8E84-426E-40dd-AFC4-6F175D3DCCD1}">
-              <a14:hiddenFill xmlns="" xmlns:a14="http://schemas.microsoft.com/office/drawing/2010/main">
+              <a14:hiddenFill xmlns:a14="http://schemas.microsoft.com/office/drawing/2010/main" xmlns="">
                 <a:solidFill>
                   <a:schemeClr val="accent1"/>
                 </a:solidFill>
               </a14:hiddenFill>
             </a:ext>
             <a:ext uri="{91240B29-F687-4f45-9708-019B960494DF}">
-              <a14:hiddenLine xmlns="" xmlns:a14="http://schemas.microsoft.com/office/drawing/2010/main" w="9525">
+              <a14:hiddenLine xmlns:a14="http://schemas.microsoft.com/office/drawing/2010/main" xmlns="" w="9525">
                 <a:solidFill>
                   <a:schemeClr val="tx1"/>
                 </a:solidFill>
@@ -23636,7 +23636,7 @@
               </a14:hiddenLine>
             </a:ext>
             <a:ext uri="{AF507438-7753-43e0-B8FC-AC1667EBCBE1}">
-              <a14:hiddenEffects xmlns="" xmlns:a14="http://schemas.microsoft.com/office/drawing/2010/main">
+              <a14:hiddenEffects xmlns:a14="http://schemas.microsoft.com/office/drawing/2010/main" xmlns="">
                 <a:effectLst>
                   <a:outerShdw blurRad="63500" dist="38099" dir="2700000" algn="ctr" rotWithShape="0">
                     <a:schemeClr val="bg2">
@@ -23985,14 +23985,14 @@
               <ma14:placeholderFlag xmlns:ma14="http://schemas.microsoft.com/office/mac/drawingml/2011/main" val="1"/>
             </a:ext>
             <a:ext uri="{909E8E84-426E-40dd-AFC4-6F175D3DCCD1}">
-              <a14:hiddenFill xmlns="" xmlns:a14="http://schemas.microsoft.com/office/drawing/2010/main">
+              <a14:hiddenFill xmlns:a14="http://schemas.microsoft.com/office/drawing/2010/main" xmlns="">
                 <a:solidFill>
                   <a:schemeClr val="accent1"/>
                 </a:solidFill>
               </a14:hiddenFill>
             </a:ext>
             <a:ext uri="{91240B29-F687-4f45-9708-019B960494DF}">
-              <a14:hiddenLine xmlns="" xmlns:a14="http://schemas.microsoft.com/office/drawing/2010/main" w="9525">
+              <a14:hiddenLine xmlns:a14="http://schemas.microsoft.com/office/drawing/2010/main" xmlns="" w="9525">
                 <a:solidFill>
                   <a:schemeClr val="tx1"/>
                 </a:solidFill>
@@ -24002,7 +24002,7 @@
               </a14:hiddenLine>
             </a:ext>
             <a:ext uri="{AF507438-7753-43e0-B8FC-AC1667EBCBE1}">
-              <a14:hiddenEffects xmlns="" xmlns:a14="http://schemas.microsoft.com/office/drawing/2010/main">
+              <a14:hiddenEffects xmlns:a14="http://schemas.microsoft.com/office/drawing/2010/main" xmlns="">
                 <a:effectLst>
                   <a:outerShdw blurRad="63500" dist="38099" dir="2700000" algn="ctr" rotWithShape="0">
                     <a:schemeClr val="bg2">
@@ -24249,14 +24249,14 @@
               <ma14:placeholderFlag xmlns:ma14="http://schemas.microsoft.com/office/mac/drawingml/2011/main" val="1"/>
             </a:ext>
             <a:ext uri="{909E8E84-426E-40dd-AFC4-6F175D3DCCD1}">
-              <a14:hiddenFill xmlns="" xmlns:a14="http://schemas.microsoft.com/office/drawing/2010/main">
+              <a14:hiddenFill xmlns:a14="http://schemas.microsoft.com/office/drawing/2010/main" xmlns="">
                 <a:solidFill>
                   <a:schemeClr val="accent1"/>
                 </a:solidFill>
               </a14:hiddenFill>
             </a:ext>
             <a:ext uri="{91240B29-F687-4f45-9708-019B960494DF}">
-              <a14:hiddenLine xmlns="" xmlns:a14="http://schemas.microsoft.com/office/drawing/2010/main" w="9525">
+              <a14:hiddenLine xmlns:a14="http://schemas.microsoft.com/office/drawing/2010/main" xmlns="" w="9525">
                 <a:solidFill>
                   <a:schemeClr val="tx1"/>
                 </a:solidFill>
@@ -24266,7 +24266,7 @@
               </a14:hiddenLine>
             </a:ext>
             <a:ext uri="{AF507438-7753-43e0-B8FC-AC1667EBCBE1}">
-              <a14:hiddenEffects xmlns="" xmlns:a14="http://schemas.microsoft.com/office/drawing/2010/main">
+              <a14:hiddenEffects xmlns:a14="http://schemas.microsoft.com/office/drawing/2010/main" xmlns="">
                 <a:effectLst>
                   <a:outerShdw blurRad="63500" dist="38099" dir="2700000" algn="ctr" rotWithShape="0">
                     <a:schemeClr val="bg2">
@@ -24705,14 +24705,14 @@
               <ma14:placeholderFlag xmlns:ma14="http://schemas.microsoft.com/office/mac/drawingml/2011/main" val="1"/>
             </a:ext>
             <a:ext uri="{909E8E84-426E-40dd-AFC4-6F175D3DCCD1}">
-              <a14:hiddenFill xmlns="" xmlns:a14="http://schemas.microsoft.com/office/drawing/2010/main">
+              <a14:hiddenFill xmlns:a14="http://schemas.microsoft.com/office/drawing/2010/main" xmlns="">
                 <a:solidFill>
                   <a:schemeClr val="accent1"/>
                 </a:solidFill>
               </a14:hiddenFill>
             </a:ext>
             <a:ext uri="{91240B29-F687-4f45-9708-019B960494DF}">
-              <a14:hiddenLine xmlns="" xmlns:a14="http://schemas.microsoft.com/office/drawing/2010/main" w="9525">
+              <a14:hiddenLine xmlns:a14="http://schemas.microsoft.com/office/drawing/2010/main" xmlns="" w="9525">
                 <a:solidFill>
                   <a:schemeClr val="tx1"/>
                 </a:solidFill>
@@ -24722,7 +24722,7 @@
               </a14:hiddenLine>
             </a:ext>
             <a:ext uri="{AF507438-7753-43e0-B8FC-AC1667EBCBE1}">
-              <a14:hiddenEffects xmlns="" xmlns:a14="http://schemas.microsoft.com/office/drawing/2010/main">
+              <a14:hiddenEffects xmlns:a14="http://schemas.microsoft.com/office/drawing/2010/main" xmlns="">
                 <a:effectLst>
                   <a:outerShdw blurRad="63500" dist="38099" dir="2700000" algn="ctr" rotWithShape="0">
                     <a:schemeClr val="bg2">
@@ -25121,14 +25121,14 @@
               <ma14:placeholderFlag xmlns:ma14="http://schemas.microsoft.com/office/mac/drawingml/2011/main" val="1"/>
             </a:ext>
             <a:ext uri="{909E8E84-426E-40dd-AFC4-6F175D3DCCD1}">
-              <a14:hiddenFill xmlns="" xmlns:a14="http://schemas.microsoft.com/office/drawing/2010/main">
+              <a14:hiddenFill xmlns:a14="http://schemas.microsoft.com/office/drawing/2010/main" xmlns="">
                 <a:solidFill>
                   <a:schemeClr val="accent1"/>
                 </a:solidFill>
               </a14:hiddenFill>
             </a:ext>
             <a:ext uri="{91240B29-F687-4f45-9708-019B960494DF}">
-              <a14:hiddenLine xmlns="" xmlns:a14="http://schemas.microsoft.com/office/drawing/2010/main" w="9525">
+              <a14:hiddenLine xmlns:a14="http://schemas.microsoft.com/office/drawing/2010/main" xmlns="" w="9525">
                 <a:solidFill>
                   <a:schemeClr val="tx1"/>
                 </a:solidFill>
@@ -25138,7 +25138,7 @@
               </a14:hiddenLine>
             </a:ext>
             <a:ext uri="{AF507438-7753-43e0-B8FC-AC1667EBCBE1}">
-              <a14:hiddenEffects xmlns="" xmlns:a14="http://schemas.microsoft.com/office/drawing/2010/main">
+              <a14:hiddenEffects xmlns:a14="http://schemas.microsoft.com/office/drawing/2010/main" xmlns="">
                 <a:effectLst>
                   <a:outerShdw blurRad="63500" dist="38099" dir="2700000" algn="ctr" rotWithShape="0">
                     <a:schemeClr val="bg2">
@@ -25476,14 +25476,14 @@
               <ma14:placeholderFlag xmlns:ma14="http://schemas.microsoft.com/office/mac/drawingml/2011/main" val="1"/>
             </a:ext>
             <a:ext uri="{909E8E84-426E-40dd-AFC4-6F175D3DCCD1}">
-              <a14:hiddenFill xmlns="" xmlns:a14="http://schemas.microsoft.com/office/drawing/2010/main">
+              <a14:hiddenFill xmlns:a14="http://schemas.microsoft.com/office/drawing/2010/main" xmlns="">
                 <a:solidFill>
                   <a:schemeClr val="accent1"/>
                 </a:solidFill>
               </a14:hiddenFill>
             </a:ext>
             <a:ext uri="{91240B29-F687-4f45-9708-019B960494DF}">
-              <a14:hiddenLine xmlns="" xmlns:a14="http://schemas.microsoft.com/office/drawing/2010/main" w="9525">
+              <a14:hiddenLine xmlns:a14="http://schemas.microsoft.com/office/drawing/2010/main" xmlns="" w="9525">
                 <a:solidFill>
                   <a:schemeClr val="tx1"/>
                 </a:solidFill>
@@ -25493,7 +25493,7 @@
               </a14:hiddenLine>
             </a:ext>
             <a:ext uri="{AF507438-7753-43e0-B8FC-AC1667EBCBE1}">
-              <a14:hiddenEffects xmlns="" xmlns:a14="http://schemas.microsoft.com/office/drawing/2010/main">
+              <a14:hiddenEffects xmlns:a14="http://schemas.microsoft.com/office/drawing/2010/main" xmlns="">
                 <a:effectLst>
                   <a:outerShdw blurRad="63500" dist="38099" dir="2700000" algn="ctr" rotWithShape="0">
                     <a:schemeClr val="bg2">
@@ -25856,14 +25856,14 @@
               <ma14:placeholderFlag xmlns:ma14="http://schemas.microsoft.com/office/mac/drawingml/2011/main" val="1"/>
             </a:ext>
             <a:ext uri="{909E8E84-426E-40dd-AFC4-6F175D3DCCD1}">
-              <a14:hiddenFill xmlns="" xmlns:a14="http://schemas.microsoft.com/office/drawing/2010/main">
+              <a14:hiddenFill xmlns:a14="http://schemas.microsoft.com/office/drawing/2010/main" xmlns="">
                 <a:solidFill>
                   <a:schemeClr val="accent1"/>
                 </a:solidFill>
               </a14:hiddenFill>
             </a:ext>
             <a:ext uri="{91240B29-F687-4f45-9708-019B960494DF}">
-              <a14:hiddenLine xmlns="" xmlns:a14="http://schemas.microsoft.com/office/drawing/2010/main" w="9525">
+              <a14:hiddenLine xmlns:a14="http://schemas.microsoft.com/office/drawing/2010/main" xmlns="" w="9525">
                 <a:solidFill>
                   <a:schemeClr val="tx1"/>
                 </a:solidFill>
@@ -25873,7 +25873,7 @@
               </a14:hiddenLine>
             </a:ext>
             <a:ext uri="{AF507438-7753-43e0-B8FC-AC1667EBCBE1}">
-              <a14:hiddenEffects xmlns="" xmlns:a14="http://schemas.microsoft.com/office/drawing/2010/main">
+              <a14:hiddenEffects xmlns:a14="http://schemas.microsoft.com/office/drawing/2010/main" xmlns="">
                 <a:effectLst>
                   <a:outerShdw blurRad="63500" dist="38099" dir="2700000" algn="ctr" rotWithShape="0">
                     <a:schemeClr val="bg2">
@@ -26181,14 +26181,14 @@
               <ma14:placeholderFlag xmlns:ma14="http://schemas.microsoft.com/office/mac/drawingml/2011/main" val="1"/>
             </a:ext>
             <a:ext uri="{909E8E84-426E-40dd-AFC4-6F175D3DCCD1}">
-              <a14:hiddenFill xmlns="" xmlns:a14="http://schemas.microsoft.com/office/drawing/2010/main">
+              <a14:hiddenFill xmlns:a14="http://schemas.microsoft.com/office/drawing/2010/main" xmlns="">
                 <a:solidFill>
                   <a:schemeClr val="accent1"/>
                 </a:solidFill>
               </a14:hiddenFill>
             </a:ext>
             <a:ext uri="{91240B29-F687-4f45-9708-019B960494DF}">
-              <a14:hiddenLine xmlns="" xmlns:a14="http://schemas.microsoft.com/office/drawing/2010/main" w="9525">
+              <a14:hiddenLine xmlns:a14="http://schemas.microsoft.com/office/drawing/2010/main" xmlns="" w="9525">
                 <a:solidFill>
                   <a:schemeClr val="tx1"/>
                 </a:solidFill>
@@ -26198,7 +26198,7 @@
               </a14:hiddenLine>
             </a:ext>
             <a:ext uri="{AF507438-7753-43e0-B8FC-AC1667EBCBE1}">
-              <a14:hiddenEffects xmlns="" xmlns:a14="http://schemas.microsoft.com/office/drawing/2010/main">
+              <a14:hiddenEffects xmlns:a14="http://schemas.microsoft.com/office/drawing/2010/main" xmlns="">
                 <a:effectLst>
                   <a:outerShdw blurRad="63500" dist="38099" dir="2700000" algn="ctr" rotWithShape="0">
                     <a:schemeClr val="bg2">
@@ -27277,14 +27277,14 @@
           <a:effectLst/>
           <a:extLst>
             <a:ext uri="{909E8E84-426E-40dd-AFC4-6F175D3DCCD1}">
-              <a14:hiddenFill xmlns="" xmlns:a14="http://schemas.microsoft.com/office/drawing/2010/main">
+              <a14:hiddenFill xmlns:a14="http://schemas.microsoft.com/office/drawing/2010/main" xmlns="">
                 <a:solidFill>
                   <a:schemeClr val="accent1"/>
                 </a:solidFill>
               </a14:hiddenFill>
             </a:ext>
             <a:ext uri="{91240B29-F687-4f45-9708-019B960494DF}">
-              <a14:hiddenLine xmlns="" xmlns:a14="http://schemas.microsoft.com/office/drawing/2010/main" w="9525">
+              <a14:hiddenLine xmlns:a14="http://schemas.microsoft.com/office/drawing/2010/main" xmlns="" w="9525">
                 <a:solidFill>
                   <a:schemeClr val="tx1"/>
                 </a:solidFill>
@@ -27294,7 +27294,7 @@
               </a14:hiddenLine>
             </a:ext>
             <a:ext uri="{AF507438-7753-43e0-B8FC-AC1667EBCBE1}">
-              <a14:hiddenEffects xmlns="" xmlns:a14="http://schemas.microsoft.com/office/drawing/2010/main">
+              <a14:hiddenEffects xmlns:a14="http://schemas.microsoft.com/office/drawing/2010/main" xmlns="">
                 <a:effectLst>
                   <a:outerShdw blurRad="63500" dist="38099" dir="2700000" algn="ctr" rotWithShape="0">
                     <a:schemeClr val="bg2">
@@ -27382,14 +27382,14 @@
               <ma14:placeholderFlag xmlns:ma14="http://schemas.microsoft.com/office/mac/drawingml/2011/main" val="1"/>
             </a:ext>
             <a:ext uri="{909E8E84-426E-40dd-AFC4-6F175D3DCCD1}">
-              <a14:hiddenFill xmlns="" xmlns:a14="http://schemas.microsoft.com/office/drawing/2010/main">
+              <a14:hiddenFill xmlns:a14="http://schemas.microsoft.com/office/drawing/2010/main" xmlns="">
                 <a:solidFill>
                   <a:schemeClr val="accent1"/>
                 </a:solidFill>
               </a14:hiddenFill>
             </a:ext>
             <a:ext uri="{91240B29-F687-4f45-9708-019B960494DF}">
-              <a14:hiddenLine xmlns="" xmlns:a14="http://schemas.microsoft.com/office/drawing/2010/main" w="9525">
+              <a14:hiddenLine xmlns:a14="http://schemas.microsoft.com/office/drawing/2010/main" xmlns="" w="9525">
                 <a:solidFill>
                   <a:schemeClr val="tx1"/>
                 </a:solidFill>
@@ -27399,7 +27399,7 @@
               </a14:hiddenLine>
             </a:ext>
             <a:ext uri="{AF507438-7753-43e0-B8FC-AC1667EBCBE1}">
-              <a14:hiddenEffects xmlns="" xmlns:a14="http://schemas.microsoft.com/office/drawing/2010/main">
+              <a14:hiddenEffects xmlns:a14="http://schemas.microsoft.com/office/drawing/2010/main" xmlns="">
                 <a:effectLst>
                   <a:outerShdw blurRad="63500" dist="38099" dir="2700000" algn="ctr" rotWithShape="0">
                     <a:schemeClr val="bg2">
@@ -32561,8 +32561,12 @@
           <a:p>
             <a:pPr lvl="1"/>
             <a:r>
+              <a:rPr lang="en-US" sz="2400" smtClean="0"/>
+              <a:t>How </a:t>
+            </a:r>
+            <a:r>
               <a:rPr lang="en-US" sz="2400" dirty="0" smtClean="0"/>
-              <a:t>Hoe much investment will constructing the software take</a:t>
+              <a:t>much investment will constructing the software take</a:t>
             </a:r>
           </a:p>
           <a:p>
@@ -33215,7 +33219,7 @@
           <a:noFill/>
           <a:extLst>
             <a:ext uri="{909E8E84-426E-40dd-AFC4-6F175D3DCCD1}">
-              <a14:hiddenFill xmlns="" xmlns:a14="http://schemas.microsoft.com/office/drawing/2010/main">
+              <a14:hiddenFill xmlns:a14="http://schemas.microsoft.com/office/drawing/2010/main" xmlns="">
                 <a:solidFill>
                   <a:srgbClr val="FFFFFF"/>
                 </a:solidFill>
@@ -33266,7 +33270,7 @@
           <a:noFill/>
           <a:extLst>
             <a:ext uri="{909E8E84-426E-40dd-AFC4-6F175D3DCCD1}">
-              <a14:hiddenFill xmlns="" xmlns:a14="http://schemas.microsoft.com/office/drawing/2010/main">
+              <a14:hiddenFill xmlns:a14="http://schemas.microsoft.com/office/drawing/2010/main" xmlns="">
                 <a:solidFill>
                   <a:srgbClr val="FFFFFF"/>
                 </a:solidFill>
@@ -33298,14 +33302,14 @@
           <a:effectLst/>
           <a:extLst>
             <a:ext uri="{909E8E84-426E-40dd-AFC4-6F175D3DCCD1}">
-              <a14:hiddenFill xmlns="" xmlns:a14="http://schemas.microsoft.com/office/drawing/2010/main">
+              <a14:hiddenFill xmlns:a14="http://schemas.microsoft.com/office/drawing/2010/main" xmlns="">
                 <a:solidFill>
                   <a:schemeClr val="accent1"/>
                 </a:solidFill>
               </a14:hiddenFill>
             </a:ext>
             <a:ext uri="{91240B29-F687-4f45-9708-019B960494DF}">
-              <a14:hiddenLine xmlns="" xmlns:a14="http://schemas.microsoft.com/office/drawing/2010/main" w="9525">
+              <a14:hiddenLine xmlns:a14="http://schemas.microsoft.com/office/drawing/2010/main" xmlns="" w="9525">
                 <a:solidFill>
                   <a:schemeClr val="tx1"/>
                 </a:solidFill>
@@ -33315,7 +33319,7 @@
               </a14:hiddenLine>
             </a:ext>
             <a:ext uri="{AF507438-7753-43e0-B8FC-AC1667EBCBE1}">
-              <a14:hiddenEffects xmlns="" xmlns:a14="http://schemas.microsoft.com/office/drawing/2010/main">
+              <a14:hiddenEffects xmlns:a14="http://schemas.microsoft.com/office/drawing/2010/main" xmlns="">
                 <a:effectLst>
                   <a:outerShdw blurRad="63500" dist="38099" dir="2700000" algn="ctr" rotWithShape="0">
                     <a:schemeClr val="bg2">
@@ -33365,14 +33369,14 @@
           <a:effectLst/>
           <a:extLst>
             <a:ext uri="{909E8E84-426E-40dd-AFC4-6F175D3DCCD1}">
-              <a14:hiddenFill xmlns="" xmlns:a14="http://schemas.microsoft.com/office/drawing/2010/main">
+              <a14:hiddenFill xmlns:a14="http://schemas.microsoft.com/office/drawing/2010/main" xmlns="">
                 <a:solidFill>
                   <a:schemeClr val="accent1"/>
                 </a:solidFill>
               </a14:hiddenFill>
             </a:ext>
             <a:ext uri="{91240B29-F687-4f45-9708-019B960494DF}">
-              <a14:hiddenLine xmlns="" xmlns:a14="http://schemas.microsoft.com/office/drawing/2010/main" w="9525">
+              <a14:hiddenLine xmlns:a14="http://schemas.microsoft.com/office/drawing/2010/main" xmlns="" w="9525">
                 <a:solidFill>
                   <a:schemeClr val="tx1"/>
                 </a:solidFill>
@@ -33382,7 +33386,7 @@
               </a14:hiddenLine>
             </a:ext>
             <a:ext uri="{AF507438-7753-43e0-B8FC-AC1667EBCBE1}">
-              <a14:hiddenEffects xmlns="" xmlns:a14="http://schemas.microsoft.com/office/drawing/2010/main">
+              <a14:hiddenEffects xmlns:a14="http://schemas.microsoft.com/office/drawing/2010/main" xmlns="">
                 <a:effectLst>
                   <a:outerShdw blurRad="63500" dist="38099" dir="2700000" algn="ctr" rotWithShape="0">
                     <a:schemeClr val="bg2">
@@ -33431,14 +33435,14 @@
           <a:effectLst/>
           <a:extLst>
             <a:ext uri="{909E8E84-426E-40dd-AFC4-6F175D3DCCD1}">
-              <a14:hiddenFill xmlns="" xmlns:a14="http://schemas.microsoft.com/office/drawing/2010/main">
+              <a14:hiddenFill xmlns:a14="http://schemas.microsoft.com/office/drawing/2010/main" xmlns="">
                 <a:solidFill>
                   <a:schemeClr val="accent1"/>
                 </a:solidFill>
               </a14:hiddenFill>
             </a:ext>
             <a:ext uri="{91240B29-F687-4f45-9708-019B960494DF}">
-              <a14:hiddenLine xmlns="" xmlns:a14="http://schemas.microsoft.com/office/drawing/2010/main" w="9525">
+              <a14:hiddenLine xmlns:a14="http://schemas.microsoft.com/office/drawing/2010/main" xmlns="" w="9525">
                 <a:solidFill>
                   <a:schemeClr val="tx1"/>
                 </a:solidFill>
@@ -33448,7 +33452,7 @@
               </a14:hiddenLine>
             </a:ext>
             <a:ext uri="{AF507438-7753-43e0-B8FC-AC1667EBCBE1}">
-              <a14:hiddenEffects xmlns="" xmlns:a14="http://schemas.microsoft.com/office/drawing/2010/main">
+              <a14:hiddenEffects xmlns:a14="http://schemas.microsoft.com/office/drawing/2010/main" xmlns="">
                 <a:effectLst>
                   <a:outerShdw blurRad="63500" dist="38099" dir="2700000" algn="ctr" rotWithShape="0">
                     <a:schemeClr val="bg2">
@@ -33605,14 +33609,14 @@
           <a:effectLst/>
           <a:extLst>
             <a:ext uri="{909E8E84-426E-40dd-AFC4-6F175D3DCCD1}">
-              <a14:hiddenFill xmlns="" xmlns:a14="http://schemas.microsoft.com/office/drawing/2010/main">
+              <a14:hiddenFill xmlns:a14="http://schemas.microsoft.com/office/drawing/2010/main" xmlns="">
                 <a:solidFill>
                   <a:schemeClr val="accent1"/>
                 </a:solidFill>
               </a14:hiddenFill>
             </a:ext>
             <a:ext uri="{AF507438-7753-43e0-B8FC-AC1667EBCBE1}">
-              <a14:hiddenEffects xmlns="" xmlns:a14="http://schemas.microsoft.com/office/drawing/2010/main">
+              <a14:hiddenEffects xmlns:a14="http://schemas.microsoft.com/office/drawing/2010/main" xmlns="">
                 <a:effectLst>
                   <a:outerShdw blurRad="63500" dist="38099" dir="2700000" algn="ctr" rotWithShape="0">
                     <a:schemeClr val="bg2">
@@ -33672,14 +33676,14 @@
           <a:effectLst/>
           <a:extLst>
             <a:ext uri="{909E8E84-426E-40dd-AFC4-6F175D3DCCD1}">
-              <a14:hiddenFill xmlns="" xmlns:a14="http://schemas.microsoft.com/office/drawing/2010/main">
+              <a14:hiddenFill xmlns:a14="http://schemas.microsoft.com/office/drawing/2010/main" xmlns="">
                 <a:solidFill>
                   <a:schemeClr val="accent1"/>
                 </a:solidFill>
               </a14:hiddenFill>
             </a:ext>
             <a:ext uri="{91240B29-F687-4f45-9708-019B960494DF}">
-              <a14:hiddenLine xmlns="" xmlns:a14="http://schemas.microsoft.com/office/drawing/2010/main" w="9525">
+              <a14:hiddenLine xmlns:a14="http://schemas.microsoft.com/office/drawing/2010/main" xmlns="" w="9525">
                 <a:solidFill>
                   <a:schemeClr val="tx1"/>
                 </a:solidFill>
@@ -33689,7 +33693,7 @@
               </a14:hiddenLine>
             </a:ext>
             <a:ext uri="{AF507438-7753-43e0-B8FC-AC1667EBCBE1}">
-              <a14:hiddenEffects xmlns="" xmlns:a14="http://schemas.microsoft.com/office/drawing/2010/main">
+              <a14:hiddenEffects xmlns:a14="http://schemas.microsoft.com/office/drawing/2010/main" xmlns="">
                 <a:effectLst>
                   <a:outerShdw blurRad="63500" dist="38099" dir="2700000" algn="ctr" rotWithShape="0">
                     <a:schemeClr val="bg2">
@@ -33768,14 +33772,14 @@
           <a:effectLst/>
           <a:extLst>
             <a:ext uri="{909E8E84-426E-40dd-AFC4-6F175D3DCCD1}">
-              <a14:hiddenFill xmlns="" xmlns:a14="http://schemas.microsoft.com/office/drawing/2010/main">
+              <a14:hiddenFill xmlns:a14="http://schemas.microsoft.com/office/drawing/2010/main" xmlns="">
                 <a:solidFill>
                   <a:schemeClr val="accent1"/>
                 </a:solidFill>
               </a14:hiddenFill>
             </a:ext>
             <a:ext uri="{AF507438-7753-43e0-B8FC-AC1667EBCBE1}">
-              <a14:hiddenEffects xmlns="" xmlns:a14="http://schemas.microsoft.com/office/drawing/2010/main">
+              <a14:hiddenEffects xmlns:a14="http://schemas.microsoft.com/office/drawing/2010/main" xmlns="">
                 <a:effectLst>
                   <a:outerShdw blurRad="63500" dist="38099" dir="2700000" algn="ctr" rotWithShape="0">
                     <a:schemeClr val="bg2">
@@ -33818,14 +33822,14 @@
           <a:effectLst/>
           <a:extLst>
             <a:ext uri="{909E8E84-426E-40dd-AFC4-6F175D3DCCD1}">
-              <a14:hiddenFill xmlns="" xmlns:a14="http://schemas.microsoft.com/office/drawing/2010/main">
+              <a14:hiddenFill xmlns:a14="http://schemas.microsoft.com/office/drawing/2010/main" xmlns="">
                 <a:solidFill>
                   <a:schemeClr val="accent1"/>
                 </a:solidFill>
               </a14:hiddenFill>
             </a:ext>
             <a:ext uri="{91240B29-F687-4f45-9708-019B960494DF}">
-              <a14:hiddenLine xmlns="" xmlns:a14="http://schemas.microsoft.com/office/drawing/2010/main" w="9525">
+              <a14:hiddenLine xmlns:a14="http://schemas.microsoft.com/office/drawing/2010/main" xmlns="" w="9525">
                 <a:solidFill>
                   <a:schemeClr val="tx1"/>
                 </a:solidFill>
@@ -33835,7 +33839,7 @@
               </a14:hiddenLine>
             </a:ext>
             <a:ext uri="{AF507438-7753-43e0-B8FC-AC1667EBCBE1}">
-              <a14:hiddenEffects xmlns="" xmlns:a14="http://schemas.microsoft.com/office/drawing/2010/main">
+              <a14:hiddenEffects xmlns:a14="http://schemas.microsoft.com/office/drawing/2010/main" xmlns="">
                 <a:effectLst>
                   <a:outerShdw blurRad="63500" dist="38099" dir="2700000" algn="ctr" rotWithShape="0">
                     <a:schemeClr val="bg2">
@@ -33951,14 +33955,14 @@
           <a:effectLst/>
           <a:extLst>
             <a:ext uri="{909E8E84-426E-40dd-AFC4-6F175D3DCCD1}">
-              <a14:hiddenFill xmlns="" xmlns:a14="http://schemas.microsoft.com/office/drawing/2010/main">
+              <a14:hiddenFill xmlns:a14="http://schemas.microsoft.com/office/drawing/2010/main" xmlns="">
                 <a:solidFill>
                   <a:schemeClr val="accent1"/>
                 </a:solidFill>
               </a14:hiddenFill>
             </a:ext>
             <a:ext uri="{AF507438-7753-43e0-B8FC-AC1667EBCBE1}">
-              <a14:hiddenEffects xmlns="" xmlns:a14="http://schemas.microsoft.com/office/drawing/2010/main">
+              <a14:hiddenEffects xmlns:a14="http://schemas.microsoft.com/office/drawing/2010/main" xmlns="">
                 <a:effectLst>
                   <a:outerShdw blurRad="63500" dist="38099" dir="2700000" algn="ctr" rotWithShape="0">
                     <a:schemeClr val="bg2">
@@ -34001,14 +34005,14 @@
           <a:effectLst/>
           <a:extLst>
             <a:ext uri="{909E8E84-426E-40dd-AFC4-6F175D3DCCD1}">
-              <a14:hiddenFill xmlns="" xmlns:a14="http://schemas.microsoft.com/office/drawing/2010/main">
+              <a14:hiddenFill xmlns:a14="http://schemas.microsoft.com/office/drawing/2010/main" xmlns="">
                 <a:solidFill>
                   <a:schemeClr val="accent1"/>
                 </a:solidFill>
               </a14:hiddenFill>
             </a:ext>
             <a:ext uri="{91240B29-F687-4f45-9708-019B960494DF}">
-              <a14:hiddenLine xmlns="" xmlns:a14="http://schemas.microsoft.com/office/drawing/2010/main" w="9525">
+              <a14:hiddenLine xmlns:a14="http://schemas.microsoft.com/office/drawing/2010/main" xmlns="" w="9525">
                 <a:solidFill>
                   <a:schemeClr val="tx1"/>
                 </a:solidFill>
@@ -34018,7 +34022,7 @@
               </a14:hiddenLine>
             </a:ext>
             <a:ext uri="{AF507438-7753-43e0-B8FC-AC1667EBCBE1}">
-              <a14:hiddenEffects xmlns="" xmlns:a14="http://schemas.microsoft.com/office/drawing/2010/main">
+              <a14:hiddenEffects xmlns:a14="http://schemas.microsoft.com/office/drawing/2010/main" xmlns="">
                 <a:effectLst>
                   <a:outerShdw blurRad="63500" dist="38099" dir="2700000" algn="ctr" rotWithShape="0">
                     <a:schemeClr val="bg2">
@@ -34131,14 +34135,14 @@
           <a:effectLst/>
           <a:extLst>
             <a:ext uri="{909E8E84-426E-40dd-AFC4-6F175D3DCCD1}">
-              <a14:hiddenFill xmlns="" xmlns:a14="http://schemas.microsoft.com/office/drawing/2010/main">
+              <a14:hiddenFill xmlns:a14="http://schemas.microsoft.com/office/drawing/2010/main" xmlns="">
                 <a:solidFill>
                   <a:schemeClr val="accent1"/>
                 </a:solidFill>
               </a14:hiddenFill>
             </a:ext>
             <a:ext uri="{AF507438-7753-43e0-B8FC-AC1667EBCBE1}">
-              <a14:hiddenEffects xmlns="" xmlns:a14="http://schemas.microsoft.com/office/drawing/2010/main">
+              <a14:hiddenEffects xmlns:a14="http://schemas.microsoft.com/office/drawing/2010/main" xmlns="">
                 <a:effectLst>
                   <a:outerShdw blurRad="63500" dist="38099" dir="2700000" algn="ctr" rotWithShape="0">
                     <a:schemeClr val="bg2">
@@ -34228,14 +34232,14 @@
           <a:effectLst/>
           <a:extLst>
             <a:ext uri="{909E8E84-426E-40dd-AFC4-6F175D3DCCD1}">
-              <a14:hiddenFill xmlns="" xmlns:a14="http://schemas.microsoft.com/office/drawing/2010/main">
+              <a14:hiddenFill xmlns:a14="http://schemas.microsoft.com/office/drawing/2010/main" xmlns="">
                 <a:solidFill>
                   <a:schemeClr val="accent1"/>
                 </a:solidFill>
               </a14:hiddenFill>
             </a:ext>
             <a:ext uri="{91240B29-F687-4f45-9708-019B960494DF}">
-              <a14:hiddenLine xmlns="" xmlns:a14="http://schemas.microsoft.com/office/drawing/2010/main" w="9525">
+              <a14:hiddenLine xmlns:a14="http://schemas.microsoft.com/office/drawing/2010/main" xmlns="" w="9525">
                 <a:solidFill>
                   <a:schemeClr val="tx1"/>
                 </a:solidFill>
@@ -34245,7 +34249,7 @@
               </a14:hiddenLine>
             </a:ext>
             <a:ext uri="{AF507438-7753-43e0-B8FC-AC1667EBCBE1}">
-              <a14:hiddenEffects xmlns="" xmlns:a14="http://schemas.microsoft.com/office/drawing/2010/main">
+              <a14:hiddenEffects xmlns:a14="http://schemas.microsoft.com/office/drawing/2010/main" xmlns="">
                 <a:effectLst>
                   <a:outerShdw blurRad="63500" dist="38099" dir="2700000" algn="ctr" rotWithShape="0">
                     <a:schemeClr val="bg2">
@@ -34608,14 +34612,14 @@
               <a:effectLst/>
               <a:extLst>
                 <a:ext uri="{909E8E84-426E-40dd-AFC4-6F175D3DCCD1}">
-                  <a14:hiddenFill xmlns="" xmlns:a14="http://schemas.microsoft.com/office/drawing/2010/main">
+                  <a14:hiddenFill xmlns:a14="http://schemas.microsoft.com/office/drawing/2010/main" xmlns="">
                     <a:solidFill>
                       <a:schemeClr val="accent1"/>
                     </a:solidFill>
                   </a14:hiddenFill>
                 </a:ext>
                 <a:ext uri="{AF507438-7753-43e0-B8FC-AC1667EBCBE1}">
-                  <a14:hiddenEffects xmlns="" xmlns:a14="http://schemas.microsoft.com/office/drawing/2010/main">
+                  <a14:hiddenEffects xmlns:a14="http://schemas.microsoft.com/office/drawing/2010/main" xmlns="">
                     <a:effectLst>
                       <a:outerShdw blurRad="63500" dist="38099" dir="2700000" algn="ctr" rotWithShape="0">
                         <a:schemeClr val="bg2">
@@ -34697,14 +34701,14 @@
               <a:effectLst/>
               <a:extLst>
                 <a:ext uri="{909E8E84-426E-40dd-AFC4-6F175D3DCCD1}">
-                  <a14:hiddenFill xmlns="" xmlns:a14="http://schemas.microsoft.com/office/drawing/2010/main">
+                  <a14:hiddenFill xmlns:a14="http://schemas.microsoft.com/office/drawing/2010/main" xmlns="">
                     <a:solidFill>
                       <a:schemeClr val="accent1"/>
                     </a:solidFill>
                   </a14:hiddenFill>
                 </a:ext>
                 <a:ext uri="{AF507438-7753-43e0-B8FC-AC1667EBCBE1}">
-                  <a14:hiddenEffects xmlns="" xmlns:a14="http://schemas.microsoft.com/office/drawing/2010/main">
+                  <a14:hiddenEffects xmlns:a14="http://schemas.microsoft.com/office/drawing/2010/main" xmlns="">
                     <a:effectLst>
                       <a:outerShdw blurRad="63500" dist="38099" dir="2700000" algn="ctr" rotWithShape="0">
                         <a:schemeClr val="bg2">
@@ -34786,14 +34790,14 @@
               <a:effectLst/>
               <a:extLst>
                 <a:ext uri="{909E8E84-426E-40dd-AFC4-6F175D3DCCD1}">
-                  <a14:hiddenFill xmlns="" xmlns:a14="http://schemas.microsoft.com/office/drawing/2010/main">
+                  <a14:hiddenFill xmlns:a14="http://schemas.microsoft.com/office/drawing/2010/main" xmlns="">
                     <a:solidFill>
                       <a:schemeClr val="accent1"/>
                     </a:solidFill>
                   </a14:hiddenFill>
                 </a:ext>
                 <a:ext uri="{AF507438-7753-43e0-B8FC-AC1667EBCBE1}">
-                  <a14:hiddenEffects xmlns="" xmlns:a14="http://schemas.microsoft.com/office/drawing/2010/main">
+                  <a14:hiddenEffects xmlns:a14="http://schemas.microsoft.com/office/drawing/2010/main" xmlns="">
                     <a:effectLst>
                       <a:outerShdw blurRad="63500" dist="38099" dir="2700000" algn="ctr" rotWithShape="0">
                         <a:schemeClr val="bg2">
@@ -34875,14 +34879,14 @@
               <a:effectLst/>
               <a:extLst>
                 <a:ext uri="{909E8E84-426E-40dd-AFC4-6F175D3DCCD1}">
-                  <a14:hiddenFill xmlns="" xmlns:a14="http://schemas.microsoft.com/office/drawing/2010/main">
+                  <a14:hiddenFill xmlns:a14="http://schemas.microsoft.com/office/drawing/2010/main" xmlns="">
                     <a:solidFill>
                       <a:schemeClr val="accent1"/>
                     </a:solidFill>
                   </a14:hiddenFill>
                 </a:ext>
                 <a:ext uri="{AF507438-7753-43e0-B8FC-AC1667EBCBE1}">
-                  <a14:hiddenEffects xmlns="" xmlns:a14="http://schemas.microsoft.com/office/drawing/2010/main">
+                  <a14:hiddenEffects xmlns:a14="http://schemas.microsoft.com/office/drawing/2010/main" xmlns="">
                     <a:effectLst>
                       <a:outerShdw blurRad="63500" dist="38099" dir="2700000" algn="ctr" rotWithShape="0">
                         <a:schemeClr val="bg2">
@@ -34964,14 +34968,14 @@
               <a:effectLst/>
               <a:extLst>
                 <a:ext uri="{909E8E84-426E-40dd-AFC4-6F175D3DCCD1}">
-                  <a14:hiddenFill xmlns="" xmlns:a14="http://schemas.microsoft.com/office/drawing/2010/main">
+                  <a14:hiddenFill xmlns:a14="http://schemas.microsoft.com/office/drawing/2010/main" xmlns="">
                     <a:solidFill>
                       <a:schemeClr val="accent1"/>
                     </a:solidFill>
                   </a14:hiddenFill>
                 </a:ext>
                 <a:ext uri="{AF507438-7753-43e0-B8FC-AC1667EBCBE1}">
-                  <a14:hiddenEffects xmlns="" xmlns:a14="http://schemas.microsoft.com/office/drawing/2010/main">
+                  <a14:hiddenEffects xmlns:a14="http://schemas.microsoft.com/office/drawing/2010/main" xmlns="">
                     <a:effectLst>
                       <a:outerShdw blurRad="63500" dist="38099" dir="2700000" algn="ctr" rotWithShape="0">
                         <a:schemeClr val="bg2">
@@ -35053,14 +35057,14 @@
               <a:effectLst/>
               <a:extLst>
                 <a:ext uri="{909E8E84-426E-40dd-AFC4-6F175D3DCCD1}">
-                  <a14:hiddenFill xmlns="" xmlns:a14="http://schemas.microsoft.com/office/drawing/2010/main">
+                  <a14:hiddenFill xmlns:a14="http://schemas.microsoft.com/office/drawing/2010/main" xmlns="">
                     <a:solidFill>
                       <a:schemeClr val="accent1"/>
                     </a:solidFill>
                   </a14:hiddenFill>
                 </a:ext>
                 <a:ext uri="{AF507438-7753-43e0-B8FC-AC1667EBCBE1}">
-                  <a14:hiddenEffects xmlns="" xmlns:a14="http://schemas.microsoft.com/office/drawing/2010/main">
+                  <a14:hiddenEffects xmlns:a14="http://schemas.microsoft.com/office/drawing/2010/main" xmlns="">
                     <a:effectLst>
                       <a:outerShdw blurRad="63500" dist="38099" dir="2700000" algn="ctr" rotWithShape="0">
                         <a:schemeClr val="bg2">
@@ -35142,14 +35146,14 @@
               <a:effectLst/>
               <a:extLst>
                 <a:ext uri="{909E8E84-426E-40dd-AFC4-6F175D3DCCD1}">
-                  <a14:hiddenFill xmlns="" xmlns:a14="http://schemas.microsoft.com/office/drawing/2010/main">
+                  <a14:hiddenFill xmlns:a14="http://schemas.microsoft.com/office/drawing/2010/main" xmlns="">
                     <a:solidFill>
                       <a:schemeClr val="accent1"/>
                     </a:solidFill>
                   </a14:hiddenFill>
                 </a:ext>
                 <a:ext uri="{AF507438-7753-43e0-B8FC-AC1667EBCBE1}">
-                  <a14:hiddenEffects xmlns="" xmlns:a14="http://schemas.microsoft.com/office/drawing/2010/main">
+                  <a14:hiddenEffects xmlns:a14="http://schemas.microsoft.com/office/drawing/2010/main" xmlns="">
                     <a:effectLst>
                       <a:outerShdw blurRad="63500" dist="38099" dir="2700000" algn="ctr" rotWithShape="0">
                         <a:schemeClr val="bg2">
@@ -35231,14 +35235,14 @@
               <a:effectLst/>
               <a:extLst>
                 <a:ext uri="{909E8E84-426E-40dd-AFC4-6F175D3DCCD1}">
-                  <a14:hiddenFill xmlns="" xmlns:a14="http://schemas.microsoft.com/office/drawing/2010/main">
+                  <a14:hiddenFill xmlns:a14="http://schemas.microsoft.com/office/drawing/2010/main" xmlns="">
                     <a:solidFill>
                       <a:schemeClr val="accent1"/>
                     </a:solidFill>
                   </a14:hiddenFill>
                 </a:ext>
                 <a:ext uri="{AF507438-7753-43e0-B8FC-AC1667EBCBE1}">
-                  <a14:hiddenEffects xmlns="" xmlns:a14="http://schemas.microsoft.com/office/drawing/2010/main">
+                  <a14:hiddenEffects xmlns:a14="http://schemas.microsoft.com/office/drawing/2010/main" xmlns="">
                     <a:effectLst>
                       <a:outerShdw blurRad="63500" dist="38099" dir="2700000" algn="ctr" rotWithShape="0">
                         <a:schemeClr val="bg2">
@@ -35320,14 +35324,14 @@
               <a:effectLst/>
               <a:extLst>
                 <a:ext uri="{909E8E84-426E-40dd-AFC4-6F175D3DCCD1}">
-                  <a14:hiddenFill xmlns="" xmlns:a14="http://schemas.microsoft.com/office/drawing/2010/main">
+                  <a14:hiddenFill xmlns:a14="http://schemas.microsoft.com/office/drawing/2010/main" xmlns="">
                     <a:solidFill>
                       <a:schemeClr val="accent1"/>
                     </a:solidFill>
                   </a14:hiddenFill>
                 </a:ext>
                 <a:ext uri="{AF507438-7753-43e0-B8FC-AC1667EBCBE1}">
-                  <a14:hiddenEffects xmlns="" xmlns:a14="http://schemas.microsoft.com/office/drawing/2010/main">
+                  <a14:hiddenEffects xmlns:a14="http://schemas.microsoft.com/office/drawing/2010/main" xmlns="">
                     <a:effectLst>
                       <a:outerShdw blurRad="63500" dist="38099" dir="2700000" algn="ctr" rotWithShape="0">
                         <a:schemeClr val="bg2">
@@ -35409,14 +35413,14 @@
               <a:effectLst/>
               <a:extLst>
                 <a:ext uri="{909E8E84-426E-40dd-AFC4-6F175D3DCCD1}">
-                  <a14:hiddenFill xmlns="" xmlns:a14="http://schemas.microsoft.com/office/drawing/2010/main">
+                  <a14:hiddenFill xmlns:a14="http://schemas.microsoft.com/office/drawing/2010/main" xmlns="">
                     <a:solidFill>
                       <a:schemeClr val="accent1"/>
                     </a:solidFill>
                   </a14:hiddenFill>
                 </a:ext>
                 <a:ext uri="{AF507438-7753-43e0-B8FC-AC1667EBCBE1}">
-                  <a14:hiddenEffects xmlns="" xmlns:a14="http://schemas.microsoft.com/office/drawing/2010/main">
+                  <a14:hiddenEffects xmlns:a14="http://schemas.microsoft.com/office/drawing/2010/main" xmlns="">
                     <a:effectLst>
                       <a:outerShdw blurRad="63500" dist="38099" dir="2700000" algn="ctr" rotWithShape="0">
                         <a:schemeClr val="bg2">
@@ -35498,14 +35502,14 @@
               <a:effectLst/>
               <a:extLst>
                 <a:ext uri="{909E8E84-426E-40dd-AFC4-6F175D3DCCD1}">
-                  <a14:hiddenFill xmlns="" xmlns:a14="http://schemas.microsoft.com/office/drawing/2010/main">
+                  <a14:hiddenFill xmlns:a14="http://schemas.microsoft.com/office/drawing/2010/main" xmlns="">
                     <a:solidFill>
                       <a:schemeClr val="accent1"/>
                     </a:solidFill>
                   </a14:hiddenFill>
                 </a:ext>
                 <a:ext uri="{AF507438-7753-43e0-B8FC-AC1667EBCBE1}">
-                  <a14:hiddenEffects xmlns="" xmlns:a14="http://schemas.microsoft.com/office/drawing/2010/main">
+                  <a14:hiddenEffects xmlns:a14="http://schemas.microsoft.com/office/drawing/2010/main" xmlns="">
                     <a:effectLst>
                       <a:outerShdw blurRad="63500" dist="38099" dir="2700000" algn="ctr" rotWithShape="0">
                         <a:schemeClr val="bg2">
@@ -35587,14 +35591,14 @@
               <a:effectLst/>
               <a:extLst>
                 <a:ext uri="{909E8E84-426E-40dd-AFC4-6F175D3DCCD1}">
-                  <a14:hiddenFill xmlns="" xmlns:a14="http://schemas.microsoft.com/office/drawing/2010/main">
+                  <a14:hiddenFill xmlns:a14="http://schemas.microsoft.com/office/drawing/2010/main" xmlns="">
                     <a:solidFill>
                       <a:schemeClr val="accent1"/>
                     </a:solidFill>
                   </a14:hiddenFill>
                 </a:ext>
                 <a:ext uri="{AF507438-7753-43e0-B8FC-AC1667EBCBE1}">
-                  <a14:hiddenEffects xmlns="" xmlns:a14="http://schemas.microsoft.com/office/drawing/2010/main">
+                  <a14:hiddenEffects xmlns:a14="http://schemas.microsoft.com/office/drawing/2010/main" xmlns="">
                     <a:effectLst>
                       <a:outerShdw blurRad="63500" dist="38099" dir="2700000" algn="ctr" rotWithShape="0">
                         <a:schemeClr val="bg2">
@@ -35676,14 +35680,14 @@
               <a:effectLst/>
               <a:extLst>
                 <a:ext uri="{909E8E84-426E-40dd-AFC4-6F175D3DCCD1}">
-                  <a14:hiddenFill xmlns="" xmlns:a14="http://schemas.microsoft.com/office/drawing/2010/main">
+                  <a14:hiddenFill xmlns:a14="http://schemas.microsoft.com/office/drawing/2010/main" xmlns="">
                     <a:solidFill>
                       <a:schemeClr val="accent1"/>
                     </a:solidFill>
                   </a14:hiddenFill>
                 </a:ext>
                 <a:ext uri="{AF507438-7753-43e0-B8FC-AC1667EBCBE1}">
-                  <a14:hiddenEffects xmlns="" xmlns:a14="http://schemas.microsoft.com/office/drawing/2010/main">
+                  <a14:hiddenEffects xmlns:a14="http://schemas.microsoft.com/office/drawing/2010/main" xmlns="">
                     <a:effectLst>
                       <a:outerShdw blurRad="63500" dist="38099" dir="2700000" algn="ctr" rotWithShape="0">
                         <a:schemeClr val="bg2">
@@ -35765,14 +35769,14 @@
               <a:effectLst/>
               <a:extLst>
                 <a:ext uri="{909E8E84-426E-40dd-AFC4-6F175D3DCCD1}">
-                  <a14:hiddenFill xmlns="" xmlns:a14="http://schemas.microsoft.com/office/drawing/2010/main">
+                  <a14:hiddenFill xmlns:a14="http://schemas.microsoft.com/office/drawing/2010/main" xmlns="">
                     <a:solidFill>
                       <a:schemeClr val="accent1"/>
                     </a:solidFill>
                   </a14:hiddenFill>
                 </a:ext>
                 <a:ext uri="{AF507438-7753-43e0-B8FC-AC1667EBCBE1}">
-                  <a14:hiddenEffects xmlns="" xmlns:a14="http://schemas.microsoft.com/office/drawing/2010/main">
+                  <a14:hiddenEffects xmlns:a14="http://schemas.microsoft.com/office/drawing/2010/main" xmlns="">
                     <a:effectLst>
                       <a:outerShdw blurRad="63500" dist="38099" dir="2700000" algn="ctr" rotWithShape="0">
                         <a:schemeClr val="bg2">
@@ -35854,14 +35858,14 @@
               <a:effectLst/>
               <a:extLst>
                 <a:ext uri="{909E8E84-426E-40dd-AFC4-6F175D3DCCD1}">
-                  <a14:hiddenFill xmlns="" xmlns:a14="http://schemas.microsoft.com/office/drawing/2010/main">
+                  <a14:hiddenFill xmlns:a14="http://schemas.microsoft.com/office/drawing/2010/main" xmlns="">
                     <a:solidFill>
                       <a:schemeClr val="accent1"/>
                     </a:solidFill>
                   </a14:hiddenFill>
                 </a:ext>
                 <a:ext uri="{AF507438-7753-43e0-B8FC-AC1667EBCBE1}">
-                  <a14:hiddenEffects xmlns="" xmlns:a14="http://schemas.microsoft.com/office/drawing/2010/main">
+                  <a14:hiddenEffects xmlns:a14="http://schemas.microsoft.com/office/drawing/2010/main" xmlns="">
                     <a:effectLst>
                       <a:outerShdw blurRad="63500" dist="38099" dir="2700000" algn="ctr" rotWithShape="0">
                         <a:schemeClr val="bg2">
@@ -35943,14 +35947,14 @@
               <a:effectLst/>
               <a:extLst>
                 <a:ext uri="{909E8E84-426E-40dd-AFC4-6F175D3DCCD1}">
-                  <a14:hiddenFill xmlns="" xmlns:a14="http://schemas.microsoft.com/office/drawing/2010/main">
+                  <a14:hiddenFill xmlns:a14="http://schemas.microsoft.com/office/drawing/2010/main" xmlns="">
                     <a:solidFill>
                       <a:schemeClr val="accent1"/>
                     </a:solidFill>
                   </a14:hiddenFill>
                 </a:ext>
                 <a:ext uri="{AF507438-7753-43e0-B8FC-AC1667EBCBE1}">
-                  <a14:hiddenEffects xmlns="" xmlns:a14="http://schemas.microsoft.com/office/drawing/2010/main">
+                  <a14:hiddenEffects xmlns:a14="http://schemas.microsoft.com/office/drawing/2010/main" xmlns="">
                     <a:effectLst>
                       <a:outerShdw blurRad="63500" dist="38099" dir="2700000" algn="ctr" rotWithShape="0">
                         <a:schemeClr val="bg2">
@@ -36032,14 +36036,14 @@
               <a:effectLst/>
               <a:extLst>
                 <a:ext uri="{909E8E84-426E-40dd-AFC4-6F175D3DCCD1}">
-                  <a14:hiddenFill xmlns="" xmlns:a14="http://schemas.microsoft.com/office/drawing/2010/main">
+                  <a14:hiddenFill xmlns:a14="http://schemas.microsoft.com/office/drawing/2010/main" xmlns="">
                     <a:solidFill>
                       <a:schemeClr val="accent1"/>
                     </a:solidFill>
                   </a14:hiddenFill>
                 </a:ext>
                 <a:ext uri="{AF507438-7753-43e0-B8FC-AC1667EBCBE1}">
-                  <a14:hiddenEffects xmlns="" xmlns:a14="http://schemas.microsoft.com/office/drawing/2010/main">
+                  <a14:hiddenEffects xmlns:a14="http://schemas.microsoft.com/office/drawing/2010/main" xmlns="">
                     <a:effectLst>
                       <a:outerShdw blurRad="63500" dist="38099" dir="2700000" algn="ctr" rotWithShape="0">
                         <a:schemeClr val="bg2">
@@ -36121,14 +36125,14 @@
               <a:effectLst/>
               <a:extLst>
                 <a:ext uri="{909E8E84-426E-40dd-AFC4-6F175D3DCCD1}">
-                  <a14:hiddenFill xmlns="" xmlns:a14="http://schemas.microsoft.com/office/drawing/2010/main">
+                  <a14:hiddenFill xmlns:a14="http://schemas.microsoft.com/office/drawing/2010/main" xmlns="">
                     <a:solidFill>
                       <a:schemeClr val="accent1"/>
                     </a:solidFill>
                   </a14:hiddenFill>
                 </a:ext>
                 <a:ext uri="{AF507438-7753-43e0-B8FC-AC1667EBCBE1}">
-                  <a14:hiddenEffects xmlns="" xmlns:a14="http://schemas.microsoft.com/office/drawing/2010/main">
+                  <a14:hiddenEffects xmlns:a14="http://schemas.microsoft.com/office/drawing/2010/main" xmlns="">
                     <a:effectLst>
                       <a:outerShdw blurRad="63500" dist="38099" dir="2700000" algn="ctr" rotWithShape="0">
                         <a:schemeClr val="bg2">
@@ -36210,14 +36214,14 @@
               <a:effectLst/>
               <a:extLst>
                 <a:ext uri="{909E8E84-426E-40dd-AFC4-6F175D3DCCD1}">
-                  <a14:hiddenFill xmlns="" xmlns:a14="http://schemas.microsoft.com/office/drawing/2010/main">
+                  <a14:hiddenFill xmlns:a14="http://schemas.microsoft.com/office/drawing/2010/main" xmlns="">
                     <a:solidFill>
                       <a:schemeClr val="accent1"/>
                     </a:solidFill>
                   </a14:hiddenFill>
                 </a:ext>
                 <a:ext uri="{AF507438-7753-43e0-B8FC-AC1667EBCBE1}">
-                  <a14:hiddenEffects xmlns="" xmlns:a14="http://schemas.microsoft.com/office/drawing/2010/main">
+                  <a14:hiddenEffects xmlns:a14="http://schemas.microsoft.com/office/drawing/2010/main" xmlns="">
                     <a:effectLst>
                       <a:outerShdw blurRad="63500" dist="38099" dir="2700000" algn="ctr" rotWithShape="0">
                         <a:schemeClr val="bg2">
@@ -36299,14 +36303,14 @@
               <a:effectLst/>
               <a:extLst>
                 <a:ext uri="{909E8E84-426E-40dd-AFC4-6F175D3DCCD1}">
-                  <a14:hiddenFill xmlns="" xmlns:a14="http://schemas.microsoft.com/office/drawing/2010/main">
+                  <a14:hiddenFill xmlns:a14="http://schemas.microsoft.com/office/drawing/2010/main" xmlns="">
                     <a:solidFill>
                       <a:schemeClr val="accent1"/>
                     </a:solidFill>
                   </a14:hiddenFill>
                 </a:ext>
                 <a:ext uri="{AF507438-7753-43e0-B8FC-AC1667EBCBE1}">
-                  <a14:hiddenEffects xmlns="" xmlns:a14="http://schemas.microsoft.com/office/drawing/2010/main">
+                  <a14:hiddenEffects xmlns:a14="http://schemas.microsoft.com/office/drawing/2010/main" xmlns="">
                     <a:effectLst>
                       <a:outerShdw blurRad="63500" dist="38099" dir="2700000" algn="ctr" rotWithShape="0">
                         <a:schemeClr val="bg2">
@@ -36388,14 +36392,14 @@
               <a:effectLst/>
               <a:extLst>
                 <a:ext uri="{909E8E84-426E-40dd-AFC4-6F175D3DCCD1}">
-                  <a14:hiddenFill xmlns="" xmlns:a14="http://schemas.microsoft.com/office/drawing/2010/main">
+                  <a14:hiddenFill xmlns:a14="http://schemas.microsoft.com/office/drawing/2010/main" xmlns="">
                     <a:solidFill>
                       <a:schemeClr val="accent1"/>
                     </a:solidFill>
                   </a14:hiddenFill>
                 </a:ext>
                 <a:ext uri="{AF507438-7753-43e0-B8FC-AC1667EBCBE1}">
-                  <a14:hiddenEffects xmlns="" xmlns:a14="http://schemas.microsoft.com/office/drawing/2010/main">
+                  <a14:hiddenEffects xmlns:a14="http://schemas.microsoft.com/office/drawing/2010/main" xmlns="">
                     <a:effectLst>
                       <a:outerShdw blurRad="63500" dist="38099" dir="2700000" algn="ctr" rotWithShape="0">
                         <a:schemeClr val="bg2">
@@ -36477,14 +36481,14 @@
               <a:effectLst/>
               <a:extLst>
                 <a:ext uri="{909E8E84-426E-40dd-AFC4-6F175D3DCCD1}">
-                  <a14:hiddenFill xmlns="" xmlns:a14="http://schemas.microsoft.com/office/drawing/2010/main">
+                  <a14:hiddenFill xmlns:a14="http://schemas.microsoft.com/office/drawing/2010/main" xmlns="">
                     <a:solidFill>
                       <a:schemeClr val="accent1"/>
                     </a:solidFill>
                   </a14:hiddenFill>
                 </a:ext>
                 <a:ext uri="{AF507438-7753-43e0-B8FC-AC1667EBCBE1}">
-                  <a14:hiddenEffects xmlns="" xmlns:a14="http://schemas.microsoft.com/office/drawing/2010/main">
+                  <a14:hiddenEffects xmlns:a14="http://schemas.microsoft.com/office/drawing/2010/main" xmlns="">
                     <a:effectLst>
                       <a:outerShdw blurRad="63500" dist="38099" dir="2700000" algn="ctr" rotWithShape="0">
                         <a:schemeClr val="bg2">
@@ -36566,14 +36570,14 @@
               <a:effectLst/>
               <a:extLst>
                 <a:ext uri="{909E8E84-426E-40dd-AFC4-6F175D3DCCD1}">
-                  <a14:hiddenFill xmlns="" xmlns:a14="http://schemas.microsoft.com/office/drawing/2010/main">
+                  <a14:hiddenFill xmlns:a14="http://schemas.microsoft.com/office/drawing/2010/main" xmlns="">
                     <a:solidFill>
                       <a:schemeClr val="accent1"/>
                     </a:solidFill>
                   </a14:hiddenFill>
                 </a:ext>
                 <a:ext uri="{AF507438-7753-43e0-B8FC-AC1667EBCBE1}">
-                  <a14:hiddenEffects xmlns="" xmlns:a14="http://schemas.microsoft.com/office/drawing/2010/main">
+                  <a14:hiddenEffects xmlns:a14="http://schemas.microsoft.com/office/drawing/2010/main" xmlns="">
                     <a:effectLst>
                       <a:outerShdw blurRad="63500" dist="38099" dir="2700000" algn="ctr" rotWithShape="0">
                         <a:schemeClr val="bg2">
@@ -36622,12 +36626,12 @@
             <a:effectLst/>
             <a:extLst>
               <a:ext uri="{909E8E84-426E-40dd-AFC4-6F175D3DCCD1}">
-                <a14:hiddenFill xmlns="" xmlns:a14="http://schemas.microsoft.com/office/drawing/2010/main">
+                <a14:hiddenFill xmlns:a14="http://schemas.microsoft.com/office/drawing/2010/main" xmlns="">
                   <a:noFill/>
                 </a14:hiddenFill>
               </a:ext>
               <a:ext uri="{AF507438-7753-43e0-B8FC-AC1667EBCBE1}">
-                <a14:hiddenEffects xmlns="" xmlns:a14="http://schemas.microsoft.com/office/drawing/2010/main">
+                <a14:hiddenEffects xmlns:a14="http://schemas.microsoft.com/office/drawing/2010/main" xmlns="">
                   <a:effectLst>
                     <a:outerShdw blurRad="63500" dist="38099" dir="2700000" algn="ctr" rotWithShape="0">
                       <a:schemeClr val="bg2">
@@ -36675,12 +36679,12 @@
             <a:effectLst/>
             <a:extLst>
               <a:ext uri="{909E8E84-426E-40dd-AFC4-6F175D3DCCD1}">
-                <a14:hiddenFill xmlns="" xmlns:a14="http://schemas.microsoft.com/office/drawing/2010/main">
+                <a14:hiddenFill xmlns:a14="http://schemas.microsoft.com/office/drawing/2010/main" xmlns="">
                   <a:noFill/>
                 </a14:hiddenFill>
               </a:ext>
               <a:ext uri="{AF507438-7753-43e0-B8FC-AC1667EBCBE1}">
-                <a14:hiddenEffects xmlns="" xmlns:a14="http://schemas.microsoft.com/office/drawing/2010/main">
+                <a14:hiddenEffects xmlns:a14="http://schemas.microsoft.com/office/drawing/2010/main" xmlns="">
                   <a:effectLst>
                     <a:outerShdw blurRad="63500" dist="38099" dir="2700000" algn="ctr" rotWithShape="0">
                       <a:schemeClr val="bg2">
@@ -36728,12 +36732,12 @@
             <a:effectLst/>
             <a:extLst>
               <a:ext uri="{909E8E84-426E-40dd-AFC4-6F175D3DCCD1}">
-                <a14:hiddenFill xmlns="" xmlns:a14="http://schemas.microsoft.com/office/drawing/2010/main">
+                <a14:hiddenFill xmlns:a14="http://schemas.microsoft.com/office/drawing/2010/main" xmlns="">
                   <a:noFill/>
                 </a14:hiddenFill>
               </a:ext>
               <a:ext uri="{AF507438-7753-43e0-B8FC-AC1667EBCBE1}">
-                <a14:hiddenEffects xmlns="" xmlns:a14="http://schemas.microsoft.com/office/drawing/2010/main">
+                <a14:hiddenEffects xmlns:a14="http://schemas.microsoft.com/office/drawing/2010/main" xmlns="">
                   <a:effectLst>
                     <a:outerShdw blurRad="63500" dist="38099" dir="2700000" algn="ctr" rotWithShape="0">
                       <a:schemeClr val="bg2">
@@ -37133,14 +37137,14 @@
           <a:effectLst/>
           <a:extLst>
             <a:ext uri="{909E8E84-426E-40dd-AFC4-6F175D3DCCD1}">
-              <a14:hiddenFill xmlns="" xmlns:a14="http://schemas.microsoft.com/office/drawing/2010/main">
+              <a14:hiddenFill xmlns:a14="http://schemas.microsoft.com/office/drawing/2010/main" xmlns="">
                 <a:solidFill>
                   <a:schemeClr val="accent1"/>
                 </a:solidFill>
               </a14:hiddenFill>
             </a:ext>
             <a:ext uri="{91240B29-F687-4f45-9708-019B960494DF}">
-              <a14:hiddenLine xmlns="" xmlns:a14="http://schemas.microsoft.com/office/drawing/2010/main" w="9525">
+              <a14:hiddenLine xmlns:a14="http://schemas.microsoft.com/office/drawing/2010/main" xmlns="" w="9525">
                 <a:solidFill>
                   <a:schemeClr val="tx1"/>
                 </a:solidFill>
@@ -37150,7 +37154,7 @@
               </a14:hiddenLine>
             </a:ext>
             <a:ext uri="{AF507438-7753-43e0-B8FC-AC1667EBCBE1}">
-              <a14:hiddenEffects xmlns="" xmlns:a14="http://schemas.microsoft.com/office/drawing/2010/main">
+              <a14:hiddenEffects xmlns:a14="http://schemas.microsoft.com/office/drawing/2010/main" xmlns="">
                 <a:effectLst>
                   <a:outerShdw blurRad="63500" dist="38099" dir="2700000" algn="ctr" rotWithShape="0">
                     <a:schemeClr val="bg2">
@@ -37562,14 +37566,14 @@
           <a:effectLst/>
           <a:extLst>
             <a:ext uri="{909E8E84-426E-40dd-AFC4-6F175D3DCCD1}">
-              <a14:hiddenFill xmlns="" xmlns:a14="http://schemas.microsoft.com/office/drawing/2010/main">
+              <a14:hiddenFill xmlns:a14="http://schemas.microsoft.com/office/drawing/2010/main" xmlns="">
                 <a:solidFill>
                   <a:schemeClr val="accent1"/>
                 </a:solidFill>
               </a14:hiddenFill>
             </a:ext>
             <a:ext uri="{91240B29-F687-4f45-9708-019B960494DF}">
-              <a14:hiddenLine xmlns="" xmlns:a14="http://schemas.microsoft.com/office/drawing/2010/main" w="9525">
+              <a14:hiddenLine xmlns:a14="http://schemas.microsoft.com/office/drawing/2010/main" xmlns="" w="9525">
                 <a:solidFill>
                   <a:schemeClr val="tx1"/>
                 </a:solidFill>
@@ -37579,7 +37583,7 @@
               </a14:hiddenLine>
             </a:ext>
             <a:ext uri="{AF507438-7753-43e0-B8FC-AC1667EBCBE1}">
-              <a14:hiddenEffects xmlns="" xmlns:a14="http://schemas.microsoft.com/office/drawing/2010/main">
+              <a14:hiddenEffects xmlns:a14="http://schemas.microsoft.com/office/drawing/2010/main" xmlns="">
                 <a:effectLst>
                   <a:outerShdw blurRad="63500" dist="38099" dir="2700000" algn="ctr" rotWithShape="0">
                     <a:schemeClr val="bg2">
@@ -37991,14 +37995,14 @@
           <a:effectLst/>
           <a:extLst>
             <a:ext uri="{909E8E84-426E-40dd-AFC4-6F175D3DCCD1}">
-              <a14:hiddenFill xmlns="" xmlns:a14="http://schemas.microsoft.com/office/drawing/2010/main">
+              <a14:hiddenFill xmlns:a14="http://schemas.microsoft.com/office/drawing/2010/main" xmlns="">
                 <a:solidFill>
                   <a:schemeClr val="accent1"/>
                 </a:solidFill>
               </a14:hiddenFill>
             </a:ext>
             <a:ext uri="{91240B29-F687-4f45-9708-019B960494DF}">
-              <a14:hiddenLine xmlns="" xmlns:a14="http://schemas.microsoft.com/office/drawing/2010/main" w="9525">
+              <a14:hiddenLine xmlns:a14="http://schemas.microsoft.com/office/drawing/2010/main" xmlns="" w="9525">
                 <a:solidFill>
                   <a:schemeClr val="tx1"/>
                 </a:solidFill>
@@ -38008,7 +38012,7 @@
               </a14:hiddenLine>
             </a:ext>
             <a:ext uri="{AF507438-7753-43e0-B8FC-AC1667EBCBE1}">
-              <a14:hiddenEffects xmlns="" xmlns:a14="http://schemas.microsoft.com/office/drawing/2010/main">
+              <a14:hiddenEffects xmlns:a14="http://schemas.microsoft.com/office/drawing/2010/main" xmlns="">
                 <a:effectLst>
                   <a:outerShdw blurRad="63500" dist="38099" dir="2700000" algn="ctr" rotWithShape="0">
                     <a:schemeClr val="bg2">
@@ -38064,14 +38068,14 @@
           <a:effectLst/>
           <a:extLst>
             <a:ext uri="{909E8E84-426E-40dd-AFC4-6F175D3DCCD1}">
-              <a14:hiddenFill xmlns="" xmlns:a14="http://schemas.microsoft.com/office/drawing/2010/main">
+              <a14:hiddenFill xmlns:a14="http://schemas.microsoft.com/office/drawing/2010/main" xmlns="">
                 <a:solidFill>
                   <a:schemeClr val="accent1"/>
                 </a:solidFill>
               </a14:hiddenFill>
             </a:ext>
             <a:ext uri="{91240B29-F687-4f45-9708-019B960494DF}">
-              <a14:hiddenLine xmlns="" xmlns:a14="http://schemas.microsoft.com/office/drawing/2010/main" w="9525">
+              <a14:hiddenLine xmlns:a14="http://schemas.microsoft.com/office/drawing/2010/main" xmlns="" w="9525">
                 <a:solidFill>
                   <a:schemeClr val="tx1"/>
                 </a:solidFill>
@@ -38081,7 +38085,7 @@
               </a14:hiddenLine>
             </a:ext>
             <a:ext uri="{AF507438-7753-43e0-B8FC-AC1667EBCBE1}">
-              <a14:hiddenEffects xmlns="" xmlns:a14="http://schemas.microsoft.com/office/drawing/2010/main">
+              <a14:hiddenEffects xmlns:a14="http://schemas.microsoft.com/office/drawing/2010/main" xmlns="">
                 <a:effectLst>
                   <a:outerShdw blurRad="63500" dist="38099" dir="2700000" algn="ctr" rotWithShape="0">
                     <a:schemeClr val="bg2">
@@ -38129,14 +38133,14 @@
           <a:effectLst/>
           <a:extLst>
             <a:ext uri="{909E8E84-426E-40dd-AFC4-6F175D3DCCD1}">
-              <a14:hiddenFill xmlns="" xmlns:a14="http://schemas.microsoft.com/office/drawing/2010/main">
+              <a14:hiddenFill xmlns:a14="http://schemas.microsoft.com/office/drawing/2010/main" xmlns="">
                 <a:solidFill>
                   <a:schemeClr val="accent1"/>
                 </a:solidFill>
               </a14:hiddenFill>
             </a:ext>
             <a:ext uri="{91240B29-F687-4f45-9708-019B960494DF}">
-              <a14:hiddenLine xmlns="" xmlns:a14="http://schemas.microsoft.com/office/drawing/2010/main" w="9525">
+              <a14:hiddenLine xmlns:a14="http://schemas.microsoft.com/office/drawing/2010/main" xmlns="" w="9525">
                 <a:solidFill>
                   <a:schemeClr val="tx1"/>
                 </a:solidFill>
@@ -38146,7 +38150,7 @@
               </a14:hiddenLine>
             </a:ext>
             <a:ext uri="{AF507438-7753-43e0-B8FC-AC1667EBCBE1}">
-              <a14:hiddenEffects xmlns="" xmlns:a14="http://schemas.microsoft.com/office/drawing/2010/main">
+              <a14:hiddenEffects xmlns:a14="http://schemas.microsoft.com/office/drawing/2010/main" xmlns="">
                 <a:effectLst>
                   <a:outerShdw blurRad="63500" dist="38099" dir="2700000" algn="ctr" rotWithShape="0">
                     <a:schemeClr val="bg2">
@@ -38194,14 +38198,14 @@
           <a:effectLst/>
           <a:extLst>
             <a:ext uri="{909E8E84-426E-40dd-AFC4-6F175D3DCCD1}">
-              <a14:hiddenFill xmlns="" xmlns:a14="http://schemas.microsoft.com/office/drawing/2010/main">
+              <a14:hiddenFill xmlns:a14="http://schemas.microsoft.com/office/drawing/2010/main" xmlns="">
                 <a:solidFill>
                   <a:schemeClr val="accent1"/>
                 </a:solidFill>
               </a14:hiddenFill>
             </a:ext>
             <a:ext uri="{91240B29-F687-4f45-9708-019B960494DF}">
-              <a14:hiddenLine xmlns="" xmlns:a14="http://schemas.microsoft.com/office/drawing/2010/main" w="9525">
+              <a14:hiddenLine xmlns:a14="http://schemas.microsoft.com/office/drawing/2010/main" xmlns="" w="9525">
                 <a:solidFill>
                   <a:schemeClr val="tx1"/>
                 </a:solidFill>
@@ -38211,7 +38215,7 @@
               </a14:hiddenLine>
             </a:ext>
             <a:ext uri="{AF507438-7753-43e0-B8FC-AC1667EBCBE1}">
-              <a14:hiddenEffects xmlns="" xmlns:a14="http://schemas.microsoft.com/office/drawing/2010/main">
+              <a14:hiddenEffects xmlns:a14="http://schemas.microsoft.com/office/drawing/2010/main" xmlns="">
                 <a:effectLst>
                   <a:outerShdw blurRad="63500" dist="38099" dir="2700000" algn="ctr" rotWithShape="0">
                     <a:schemeClr val="bg2">
@@ -38347,7 +38351,7 @@
           <a:noFill/>
           <a:extLst>
             <a:ext uri="{909E8E84-426E-40dd-AFC4-6F175D3DCCD1}">
-              <a14:hiddenFill xmlns="" xmlns:a14="http://schemas.microsoft.com/office/drawing/2010/main">
+              <a14:hiddenFill xmlns:a14="http://schemas.microsoft.com/office/drawing/2010/main" xmlns="">
                 <a:solidFill>
                   <a:srgbClr val="FFFFFF"/>
                 </a:solidFill>
@@ -38388,7 +38392,7 @@
           <a:noFill/>
           <a:extLst>
             <a:ext uri="{909E8E84-426E-40dd-AFC4-6F175D3DCCD1}">
-              <a14:hiddenFill xmlns="" xmlns:a14="http://schemas.microsoft.com/office/drawing/2010/main">
+              <a14:hiddenFill xmlns:a14="http://schemas.microsoft.com/office/drawing/2010/main" xmlns="">
                 <a:solidFill>
                   <a:srgbClr val="FFFFFF"/>
                 </a:solidFill>
@@ -38429,7 +38433,7 @@
           <a:noFill/>
           <a:extLst>
             <a:ext uri="{909E8E84-426E-40dd-AFC4-6F175D3DCCD1}">
-              <a14:hiddenFill xmlns="" xmlns:a14="http://schemas.microsoft.com/office/drawing/2010/main">
+              <a14:hiddenFill xmlns:a14="http://schemas.microsoft.com/office/drawing/2010/main" xmlns="">
                 <a:solidFill>
                   <a:srgbClr val="FFFFFF"/>
                 </a:solidFill>
@@ -38461,14 +38465,14 @@
           <a:effectLst/>
           <a:extLst>
             <a:ext uri="{909E8E84-426E-40dd-AFC4-6F175D3DCCD1}">
-              <a14:hiddenFill xmlns="" xmlns:a14="http://schemas.microsoft.com/office/drawing/2010/main">
+              <a14:hiddenFill xmlns:a14="http://schemas.microsoft.com/office/drawing/2010/main" xmlns="">
                 <a:solidFill>
                   <a:schemeClr val="accent1"/>
                 </a:solidFill>
               </a14:hiddenFill>
             </a:ext>
             <a:ext uri="{91240B29-F687-4f45-9708-019B960494DF}">
-              <a14:hiddenLine xmlns="" xmlns:a14="http://schemas.microsoft.com/office/drawing/2010/main" w="9525">
+              <a14:hiddenLine xmlns:a14="http://schemas.microsoft.com/office/drawing/2010/main" xmlns="" w="9525">
                 <a:solidFill>
                   <a:schemeClr val="tx1"/>
                 </a:solidFill>
@@ -38478,7 +38482,7 @@
               </a14:hiddenLine>
             </a:ext>
             <a:ext uri="{AF507438-7753-43e0-B8FC-AC1667EBCBE1}">
-              <a14:hiddenEffects xmlns="" xmlns:a14="http://schemas.microsoft.com/office/drawing/2010/main">
+              <a14:hiddenEffects xmlns:a14="http://schemas.microsoft.com/office/drawing/2010/main" xmlns="">
                 <a:effectLst>
                   <a:outerShdw blurRad="63500" dist="38099" dir="2700000" algn="ctr" rotWithShape="0">
                     <a:schemeClr val="bg2">
@@ -38611,7 +38615,7 @@
           <a:effectLst/>
           <a:extLst>
             <a:ext uri="{91240B29-F687-4f45-9708-019B960494DF}">
-              <a14:hiddenLine xmlns="" xmlns:a14="http://schemas.microsoft.com/office/drawing/2010/main" w="9525">
+              <a14:hiddenLine xmlns:a14="http://schemas.microsoft.com/office/drawing/2010/main" xmlns="" w="9525">
                 <a:solidFill>
                   <a:schemeClr val="tx1"/>
                 </a:solidFill>
@@ -38621,7 +38625,7 @@
               </a14:hiddenLine>
             </a:ext>
             <a:ext uri="{AF507438-7753-43e0-B8FC-AC1667EBCBE1}">
-              <a14:hiddenEffects xmlns="" xmlns:a14="http://schemas.microsoft.com/office/drawing/2010/main">
+              <a14:hiddenEffects xmlns:a14="http://schemas.microsoft.com/office/drawing/2010/main" xmlns="">
                 <a:effectLst>
                   <a:outerShdw blurRad="63500" dist="38099" dir="2700000" algn="ctr" rotWithShape="0">
                     <a:schemeClr val="bg2">
@@ -38673,12 +38677,12 @@
           <a:effectLst/>
           <a:extLst>
             <a:ext uri="{909E8E84-426E-40dd-AFC4-6F175D3DCCD1}">
-              <a14:hiddenFill xmlns="" xmlns:a14="http://schemas.microsoft.com/office/drawing/2010/main">
+              <a14:hiddenFill xmlns:a14="http://schemas.microsoft.com/office/drawing/2010/main" xmlns="">
                 <a:noFill/>
               </a14:hiddenFill>
             </a:ext>
             <a:ext uri="{AF507438-7753-43e0-B8FC-AC1667EBCBE1}">
-              <a14:hiddenEffects xmlns="" xmlns:a14="http://schemas.microsoft.com/office/drawing/2010/main">
+              <a14:hiddenEffects xmlns:a14="http://schemas.microsoft.com/office/drawing/2010/main" xmlns="">
                 <a:effectLst>
                   <a:outerShdw blurRad="63500" dist="38099" dir="2700000" algn="ctr" rotWithShape="0">
                     <a:schemeClr val="bg2">
@@ -38726,12 +38730,12 @@
           <a:effectLst/>
           <a:extLst>
             <a:ext uri="{909E8E84-426E-40dd-AFC4-6F175D3DCCD1}">
-              <a14:hiddenFill xmlns="" xmlns:a14="http://schemas.microsoft.com/office/drawing/2010/main">
+              <a14:hiddenFill xmlns:a14="http://schemas.microsoft.com/office/drawing/2010/main" xmlns="">
                 <a:noFill/>
               </a14:hiddenFill>
             </a:ext>
             <a:ext uri="{AF507438-7753-43e0-B8FC-AC1667EBCBE1}">
-              <a14:hiddenEffects xmlns="" xmlns:a14="http://schemas.microsoft.com/office/drawing/2010/main">
+              <a14:hiddenEffects xmlns:a14="http://schemas.microsoft.com/office/drawing/2010/main" xmlns="">
                 <a:effectLst>
                   <a:outerShdw blurRad="63500" dist="38099" dir="2700000" algn="ctr" rotWithShape="0">
                     <a:schemeClr val="bg2">
@@ -39674,14 +39678,14 @@
               <ma14:placeholderFlag xmlns:ma14="http://schemas.microsoft.com/office/mac/drawingml/2011/main" val="1"/>
             </a:ext>
             <a:ext uri="{909E8E84-426E-40dd-AFC4-6F175D3DCCD1}">
-              <a14:hiddenFill xmlns="" xmlns:a14="http://schemas.microsoft.com/office/drawing/2010/main">
+              <a14:hiddenFill xmlns:a14="http://schemas.microsoft.com/office/drawing/2010/main" xmlns="">
                 <a:solidFill>
                   <a:schemeClr val="accent1"/>
                 </a:solidFill>
               </a14:hiddenFill>
             </a:ext>
             <a:ext uri="{91240B29-F687-4f45-9708-019B960494DF}">
-              <a14:hiddenLine xmlns="" xmlns:a14="http://schemas.microsoft.com/office/drawing/2010/main" w="9525">
+              <a14:hiddenLine xmlns:a14="http://schemas.microsoft.com/office/drawing/2010/main" xmlns="" w="9525">
                 <a:solidFill>
                   <a:schemeClr val="tx1"/>
                 </a:solidFill>
@@ -39691,7 +39695,7 @@
               </a14:hiddenLine>
             </a:ext>
             <a:ext uri="{AF507438-7753-43e0-B8FC-AC1667EBCBE1}">
-              <a14:hiddenEffects xmlns="" xmlns:a14="http://schemas.microsoft.com/office/drawing/2010/main">
+              <a14:hiddenEffects xmlns:a14="http://schemas.microsoft.com/office/drawing/2010/main" xmlns="">
                 <a:effectLst>
                   <a:outerShdw blurRad="63500" dist="38099" dir="2700000" algn="ctr" rotWithShape="0">
                     <a:schemeClr val="bg2">
@@ -40456,14 +40460,14 @@
           <a:effectLst/>
           <a:extLst>
             <a:ext uri="{909E8E84-426E-40dd-AFC4-6F175D3DCCD1}">
-              <a14:hiddenFill xmlns="" xmlns:a14="http://schemas.microsoft.com/office/drawing/2010/main">
+              <a14:hiddenFill xmlns:a14="http://schemas.microsoft.com/office/drawing/2010/main" xmlns="">
                 <a:solidFill>
                   <a:schemeClr val="accent1"/>
                 </a:solidFill>
               </a14:hiddenFill>
             </a:ext>
             <a:ext uri="{AF507438-7753-43e0-B8FC-AC1667EBCBE1}">
-              <a14:hiddenEffects xmlns="" xmlns:a14="http://schemas.microsoft.com/office/drawing/2010/main">
+              <a14:hiddenEffects xmlns:a14="http://schemas.microsoft.com/office/drawing/2010/main" xmlns="">
                 <a:effectLst>
                   <a:outerShdw blurRad="63500" dist="38099" dir="2700000" algn="ctr" rotWithShape="0">
                     <a:schemeClr val="bg2">
@@ -40523,14 +40527,14 @@
           <a:effectLst/>
           <a:extLst>
             <a:ext uri="{909E8E84-426E-40dd-AFC4-6F175D3DCCD1}">
-              <a14:hiddenFill xmlns="" xmlns:a14="http://schemas.microsoft.com/office/drawing/2010/main">
+              <a14:hiddenFill xmlns:a14="http://schemas.microsoft.com/office/drawing/2010/main" xmlns="">
                 <a:solidFill>
                   <a:schemeClr val="accent1"/>
                 </a:solidFill>
               </a14:hiddenFill>
             </a:ext>
             <a:ext uri="{91240B29-F687-4f45-9708-019B960494DF}">
-              <a14:hiddenLine xmlns="" xmlns:a14="http://schemas.microsoft.com/office/drawing/2010/main" w="9525">
+              <a14:hiddenLine xmlns:a14="http://schemas.microsoft.com/office/drawing/2010/main" xmlns="" w="9525">
                 <a:solidFill>
                   <a:schemeClr val="tx1"/>
                 </a:solidFill>
@@ -40540,7 +40544,7 @@
               </a14:hiddenLine>
             </a:ext>
             <a:ext uri="{AF507438-7753-43e0-B8FC-AC1667EBCBE1}">
-              <a14:hiddenEffects xmlns="" xmlns:a14="http://schemas.microsoft.com/office/drawing/2010/main">
+              <a14:hiddenEffects xmlns:a14="http://schemas.microsoft.com/office/drawing/2010/main" xmlns="">
                 <a:effectLst>
                   <a:outerShdw blurRad="63500" dist="38099" dir="2700000" algn="ctr" rotWithShape="0">
                     <a:schemeClr val="bg2">
@@ -40619,14 +40623,14 @@
           <a:effectLst/>
           <a:extLst>
             <a:ext uri="{909E8E84-426E-40dd-AFC4-6F175D3DCCD1}">
-              <a14:hiddenFill xmlns="" xmlns:a14="http://schemas.microsoft.com/office/drawing/2010/main">
+              <a14:hiddenFill xmlns:a14="http://schemas.microsoft.com/office/drawing/2010/main" xmlns="">
                 <a:solidFill>
                   <a:schemeClr val="accent1"/>
                 </a:solidFill>
               </a14:hiddenFill>
             </a:ext>
             <a:ext uri="{AF507438-7753-43e0-B8FC-AC1667EBCBE1}">
-              <a14:hiddenEffects xmlns="" xmlns:a14="http://schemas.microsoft.com/office/drawing/2010/main">
+              <a14:hiddenEffects xmlns:a14="http://schemas.microsoft.com/office/drawing/2010/main" xmlns="">
                 <a:effectLst>
                   <a:outerShdw blurRad="63500" dist="38099" dir="2700000" algn="ctr" rotWithShape="0">
                     <a:schemeClr val="bg2">
@@ -40669,14 +40673,14 @@
           <a:effectLst/>
           <a:extLst>
             <a:ext uri="{909E8E84-426E-40dd-AFC4-6F175D3DCCD1}">
-              <a14:hiddenFill xmlns="" xmlns:a14="http://schemas.microsoft.com/office/drawing/2010/main">
+              <a14:hiddenFill xmlns:a14="http://schemas.microsoft.com/office/drawing/2010/main" xmlns="">
                 <a:solidFill>
                   <a:schemeClr val="accent1"/>
                 </a:solidFill>
               </a14:hiddenFill>
             </a:ext>
             <a:ext uri="{91240B29-F687-4f45-9708-019B960494DF}">
-              <a14:hiddenLine xmlns="" xmlns:a14="http://schemas.microsoft.com/office/drawing/2010/main" w="9525">
+              <a14:hiddenLine xmlns:a14="http://schemas.microsoft.com/office/drawing/2010/main" xmlns="" w="9525">
                 <a:solidFill>
                   <a:schemeClr val="tx1"/>
                 </a:solidFill>
@@ -40686,7 +40690,7 @@
               </a14:hiddenLine>
             </a:ext>
             <a:ext uri="{AF507438-7753-43e0-B8FC-AC1667EBCBE1}">
-              <a14:hiddenEffects xmlns="" xmlns:a14="http://schemas.microsoft.com/office/drawing/2010/main">
+              <a14:hiddenEffects xmlns:a14="http://schemas.microsoft.com/office/drawing/2010/main" xmlns="">
                 <a:effectLst>
                   <a:outerShdw blurRad="63500" dist="38099" dir="2700000" algn="ctr" rotWithShape="0">
                     <a:schemeClr val="bg2">
@@ -40802,14 +40806,14 @@
           <a:effectLst/>
           <a:extLst>
             <a:ext uri="{909E8E84-426E-40dd-AFC4-6F175D3DCCD1}">
-              <a14:hiddenFill xmlns="" xmlns:a14="http://schemas.microsoft.com/office/drawing/2010/main">
+              <a14:hiddenFill xmlns:a14="http://schemas.microsoft.com/office/drawing/2010/main" xmlns="">
                 <a:solidFill>
                   <a:schemeClr val="accent1"/>
                 </a:solidFill>
               </a14:hiddenFill>
             </a:ext>
             <a:ext uri="{AF507438-7753-43e0-B8FC-AC1667EBCBE1}">
-              <a14:hiddenEffects xmlns="" xmlns:a14="http://schemas.microsoft.com/office/drawing/2010/main">
+              <a14:hiddenEffects xmlns:a14="http://schemas.microsoft.com/office/drawing/2010/main" xmlns="">
                 <a:effectLst>
                   <a:outerShdw blurRad="63500" dist="38099" dir="2700000" algn="ctr" rotWithShape="0">
                     <a:schemeClr val="bg2">
@@ -40852,14 +40856,14 @@
           <a:effectLst/>
           <a:extLst>
             <a:ext uri="{909E8E84-426E-40dd-AFC4-6F175D3DCCD1}">
-              <a14:hiddenFill xmlns="" xmlns:a14="http://schemas.microsoft.com/office/drawing/2010/main">
+              <a14:hiddenFill xmlns:a14="http://schemas.microsoft.com/office/drawing/2010/main" xmlns="">
                 <a:solidFill>
                   <a:schemeClr val="accent1"/>
                 </a:solidFill>
               </a14:hiddenFill>
             </a:ext>
             <a:ext uri="{91240B29-F687-4f45-9708-019B960494DF}">
-              <a14:hiddenLine xmlns="" xmlns:a14="http://schemas.microsoft.com/office/drawing/2010/main" w="9525">
+              <a14:hiddenLine xmlns:a14="http://schemas.microsoft.com/office/drawing/2010/main" xmlns="" w="9525">
                 <a:solidFill>
                   <a:schemeClr val="tx1"/>
                 </a:solidFill>
@@ -40869,7 +40873,7 @@
               </a14:hiddenLine>
             </a:ext>
             <a:ext uri="{AF507438-7753-43e0-B8FC-AC1667EBCBE1}">
-              <a14:hiddenEffects xmlns="" xmlns:a14="http://schemas.microsoft.com/office/drawing/2010/main">
+              <a14:hiddenEffects xmlns:a14="http://schemas.microsoft.com/office/drawing/2010/main" xmlns="">
                 <a:effectLst>
                   <a:outerShdw blurRad="63500" dist="38099" dir="2700000" algn="ctr" rotWithShape="0">
                     <a:schemeClr val="bg2">
@@ -40965,14 +40969,14 @@
           <a:effectLst/>
           <a:extLst>
             <a:ext uri="{909E8E84-426E-40dd-AFC4-6F175D3DCCD1}">
-              <a14:hiddenFill xmlns="" xmlns:a14="http://schemas.microsoft.com/office/drawing/2010/main">
+              <a14:hiddenFill xmlns:a14="http://schemas.microsoft.com/office/drawing/2010/main" xmlns="">
                 <a:solidFill>
                   <a:schemeClr val="accent1"/>
                 </a:solidFill>
               </a14:hiddenFill>
             </a:ext>
             <a:ext uri="{AF507438-7753-43e0-B8FC-AC1667EBCBE1}">
-              <a14:hiddenEffects xmlns="" xmlns:a14="http://schemas.microsoft.com/office/drawing/2010/main">
+              <a14:hiddenEffects xmlns:a14="http://schemas.microsoft.com/office/drawing/2010/main" xmlns="">
                 <a:effectLst>
                   <a:outerShdw blurRad="63500" dist="38099" dir="2700000" algn="ctr" rotWithShape="0">
                     <a:schemeClr val="bg2">
@@ -41062,14 +41066,14 @@
           <a:effectLst/>
           <a:extLst>
             <a:ext uri="{909E8E84-426E-40dd-AFC4-6F175D3DCCD1}">
-              <a14:hiddenFill xmlns="" xmlns:a14="http://schemas.microsoft.com/office/drawing/2010/main">
+              <a14:hiddenFill xmlns:a14="http://schemas.microsoft.com/office/drawing/2010/main" xmlns="">
                 <a:solidFill>
                   <a:schemeClr val="accent1"/>
                 </a:solidFill>
               </a14:hiddenFill>
             </a:ext>
             <a:ext uri="{91240B29-F687-4f45-9708-019B960494DF}">
-              <a14:hiddenLine xmlns="" xmlns:a14="http://schemas.microsoft.com/office/drawing/2010/main" w="9525">
+              <a14:hiddenLine xmlns:a14="http://schemas.microsoft.com/office/drawing/2010/main" xmlns="" w="9525">
                 <a:solidFill>
                   <a:schemeClr val="tx1"/>
                 </a:solidFill>
@@ -41079,7 +41083,7 @@
               </a14:hiddenLine>
             </a:ext>
             <a:ext uri="{AF507438-7753-43e0-B8FC-AC1667EBCBE1}">
-              <a14:hiddenEffects xmlns="" xmlns:a14="http://schemas.microsoft.com/office/drawing/2010/main">
+              <a14:hiddenEffects xmlns:a14="http://schemas.microsoft.com/office/drawing/2010/main" xmlns="">
                 <a:effectLst>
                   <a:outerShdw blurRad="63500" dist="38099" dir="2700000" algn="ctr" rotWithShape="0">
                     <a:schemeClr val="bg2">
@@ -41159,7 +41163,7 @@
           <a:noFill/>
           <a:extLst>
             <a:ext uri="{909E8E84-426E-40dd-AFC4-6F175D3DCCD1}">
-              <a14:hiddenFill xmlns="" xmlns:a14="http://schemas.microsoft.com/office/drawing/2010/main">
+              <a14:hiddenFill xmlns:a14="http://schemas.microsoft.com/office/drawing/2010/main" xmlns="">
                 <a:solidFill>
                   <a:srgbClr val="FFFFFF"/>
                 </a:solidFill>
@@ -41196,12 +41200,12 @@
           <a:effectLst/>
           <a:extLst>
             <a:ext uri="{909E8E84-426E-40dd-AFC4-6F175D3DCCD1}">
-              <a14:hiddenFill xmlns="" xmlns:a14="http://schemas.microsoft.com/office/drawing/2010/main">
+              <a14:hiddenFill xmlns:a14="http://schemas.microsoft.com/office/drawing/2010/main" xmlns="">
                 <a:noFill/>
               </a14:hiddenFill>
             </a:ext>
             <a:ext uri="{AF507438-7753-43e0-B8FC-AC1667EBCBE1}">
-              <a14:hiddenEffects xmlns="" xmlns:a14="http://schemas.microsoft.com/office/drawing/2010/main">
+              <a14:hiddenEffects xmlns:a14="http://schemas.microsoft.com/office/drawing/2010/main" xmlns="">
                 <a:effectLst>
                   <a:outerShdw blurRad="63500" dist="38099" dir="2700000" algn="ctr" rotWithShape="0">
                     <a:schemeClr val="bg2">
@@ -41244,14 +41248,14 @@
           <a:effectLst/>
           <a:extLst>
             <a:ext uri="{909E8E84-426E-40dd-AFC4-6F175D3DCCD1}">
-              <a14:hiddenFill xmlns="" xmlns:a14="http://schemas.microsoft.com/office/drawing/2010/main">
+              <a14:hiddenFill xmlns:a14="http://schemas.microsoft.com/office/drawing/2010/main" xmlns="">
                 <a:solidFill>
                   <a:schemeClr val="accent1"/>
                 </a:solidFill>
               </a14:hiddenFill>
             </a:ext>
             <a:ext uri="{91240B29-F687-4f45-9708-019B960494DF}">
-              <a14:hiddenLine xmlns="" xmlns:a14="http://schemas.microsoft.com/office/drawing/2010/main" w="9525">
+              <a14:hiddenLine xmlns:a14="http://schemas.microsoft.com/office/drawing/2010/main" xmlns="" w="9525">
                 <a:solidFill>
                   <a:schemeClr val="tx1"/>
                 </a:solidFill>
@@ -41261,7 +41265,7 @@
               </a14:hiddenLine>
             </a:ext>
             <a:ext uri="{AF507438-7753-43e0-B8FC-AC1667EBCBE1}">
-              <a14:hiddenEffects xmlns="" xmlns:a14="http://schemas.microsoft.com/office/drawing/2010/main">
+              <a14:hiddenEffects xmlns:a14="http://schemas.microsoft.com/office/drawing/2010/main" xmlns="">
                 <a:effectLst>
                   <a:outerShdw blurRad="63500" dist="38099" dir="2700000" algn="ctr" rotWithShape="0">
                     <a:schemeClr val="bg2">
@@ -42805,7 +42809,7 @@
           <a:effectLst/>
           <a:extLst>
             <a:ext uri="{AF507438-7753-43e0-B8FC-AC1667EBCBE1}">
-              <a14:hiddenEffects xmlns="" xmlns:a14="http://schemas.microsoft.com/office/drawing/2010/main">
+              <a14:hiddenEffects xmlns:a14="http://schemas.microsoft.com/office/drawing/2010/main" xmlns="">
                 <a:effectLst>
                   <a:outerShdw blurRad="63500" dist="38099" dir="2700000" algn="ctr" rotWithShape="0">
                     <a:schemeClr val="bg2">
@@ -42886,7 +42890,7 @@
           <a:effectLst/>
           <a:extLst>
             <a:ext uri="{AF507438-7753-43e0-B8FC-AC1667EBCBE1}">
-              <a14:hiddenEffects xmlns="" xmlns:a14="http://schemas.microsoft.com/office/drawing/2010/main">
+              <a14:hiddenEffects xmlns:a14="http://schemas.microsoft.com/office/drawing/2010/main" xmlns="">
                 <a:effectLst>
                   <a:outerShdw blurRad="63500" dist="38099" dir="2700000" algn="ctr" rotWithShape="0">
                     <a:schemeClr val="bg2">
@@ -42967,7 +42971,7 @@
           <a:effectLst/>
           <a:extLst>
             <a:ext uri="{AF507438-7753-43e0-B8FC-AC1667EBCBE1}">
-              <a14:hiddenEffects xmlns="" xmlns:a14="http://schemas.microsoft.com/office/drawing/2010/main">
+              <a14:hiddenEffects xmlns:a14="http://schemas.microsoft.com/office/drawing/2010/main" xmlns="">
                 <a:effectLst>
                   <a:outerShdw blurRad="63500" dist="38099" dir="2700000" algn="ctr" rotWithShape="0">
                     <a:schemeClr val="bg2">
@@ -43048,7 +43052,7 @@
           <a:effectLst/>
           <a:extLst>
             <a:ext uri="{AF507438-7753-43e0-B8FC-AC1667EBCBE1}">
-              <a14:hiddenEffects xmlns="" xmlns:a14="http://schemas.microsoft.com/office/drawing/2010/main">
+              <a14:hiddenEffects xmlns:a14="http://schemas.microsoft.com/office/drawing/2010/main" xmlns="">
                 <a:effectLst>
                   <a:outerShdw blurRad="63500" dist="38099" dir="2700000" algn="ctr" rotWithShape="0">
                     <a:schemeClr val="bg2">
@@ -43132,7 +43136,7 @@
           <a:effectLst/>
           <a:extLst>
             <a:ext uri="{AF507438-7753-43e0-B8FC-AC1667EBCBE1}">
-              <a14:hiddenEffects xmlns="" xmlns:a14="http://schemas.microsoft.com/office/drawing/2010/main">
+              <a14:hiddenEffects xmlns:a14="http://schemas.microsoft.com/office/drawing/2010/main" xmlns="">
                 <a:effectLst>
                   <a:outerShdw blurRad="63500" dist="38099" dir="2700000" algn="ctr" rotWithShape="0">
                     <a:schemeClr val="bg2">
@@ -43177,7 +43181,7 @@
           <a:effectLst/>
           <a:extLst>
             <a:ext uri="{AF507438-7753-43e0-B8FC-AC1667EBCBE1}">
-              <a14:hiddenEffects xmlns="" xmlns:a14="http://schemas.microsoft.com/office/drawing/2010/main">
+              <a14:hiddenEffects xmlns:a14="http://schemas.microsoft.com/office/drawing/2010/main" xmlns="">
                 <a:effectLst>
                   <a:outerShdw blurRad="63500" dist="38099" dir="2700000" algn="ctr" rotWithShape="0">
                     <a:schemeClr val="bg2">
@@ -43219,7 +43223,7 @@
           <a:effectLst/>
           <a:extLst>
             <a:ext uri="{AF507438-7753-43e0-B8FC-AC1667EBCBE1}">
-              <a14:hiddenEffects xmlns="" xmlns:a14="http://schemas.microsoft.com/office/drawing/2010/main">
+              <a14:hiddenEffects xmlns:a14="http://schemas.microsoft.com/office/drawing/2010/main" xmlns="">
                 <a:effectLst>
                   <a:outerShdw blurRad="63500" dist="38099" dir="2700000" algn="ctr" rotWithShape="0">
                     <a:schemeClr val="bg2">
@@ -43300,7 +43304,7 @@
           <a:effectLst/>
           <a:extLst>
             <a:ext uri="{AF507438-7753-43e0-B8FC-AC1667EBCBE1}">
-              <a14:hiddenEffects xmlns="" xmlns:a14="http://schemas.microsoft.com/office/drawing/2010/main">
+              <a14:hiddenEffects xmlns:a14="http://schemas.microsoft.com/office/drawing/2010/main" xmlns="">
                 <a:effectLst>
                   <a:outerShdw blurRad="63500" dist="38099" dir="2700000" algn="ctr" rotWithShape="0">
                     <a:schemeClr val="bg2">
@@ -43381,7 +43385,7 @@
           <a:effectLst/>
           <a:extLst>
             <a:ext uri="{AF507438-7753-43e0-B8FC-AC1667EBCBE1}">
-              <a14:hiddenEffects xmlns="" xmlns:a14="http://schemas.microsoft.com/office/drawing/2010/main">
+              <a14:hiddenEffects xmlns:a14="http://schemas.microsoft.com/office/drawing/2010/main" xmlns="">
                 <a:effectLst>
                   <a:outerShdw blurRad="63500" dist="38099" dir="2700000" algn="ctr" rotWithShape="0">
                     <a:schemeClr val="bg2">
@@ -43462,7 +43466,7 @@
           <a:effectLst/>
           <a:extLst>
             <a:ext uri="{AF507438-7753-43e0-B8FC-AC1667EBCBE1}">
-              <a14:hiddenEffects xmlns="" xmlns:a14="http://schemas.microsoft.com/office/drawing/2010/main">
+              <a14:hiddenEffects xmlns:a14="http://schemas.microsoft.com/office/drawing/2010/main" xmlns="">
                 <a:effectLst>
                   <a:outerShdw blurRad="63500" dist="38099" dir="2700000" algn="ctr" rotWithShape="0">
                     <a:schemeClr val="bg2">
@@ -43546,7 +43550,7 @@
           <a:effectLst/>
           <a:extLst>
             <a:ext uri="{AF507438-7753-43e0-B8FC-AC1667EBCBE1}">
-              <a14:hiddenEffects xmlns="" xmlns:a14="http://schemas.microsoft.com/office/drawing/2010/main">
+              <a14:hiddenEffects xmlns:a14="http://schemas.microsoft.com/office/drawing/2010/main" xmlns="">
                 <a:effectLst>
                   <a:outerShdw blurRad="63500" dist="38099" dir="2700000" algn="ctr" rotWithShape="0">
                     <a:schemeClr val="bg2">
@@ -43591,7 +43595,7 @@
           <a:effectLst/>
           <a:extLst>
             <a:ext uri="{AF507438-7753-43e0-B8FC-AC1667EBCBE1}">
-              <a14:hiddenEffects xmlns="" xmlns:a14="http://schemas.microsoft.com/office/drawing/2010/main">
+              <a14:hiddenEffects xmlns:a14="http://schemas.microsoft.com/office/drawing/2010/main" xmlns="">
                 <a:effectLst>
                   <a:outerShdw blurRad="63500" dist="38099" dir="2700000" algn="ctr" rotWithShape="0">
                     <a:schemeClr val="bg2">
@@ -43635,7 +43639,7 @@
           <a:effectLst/>
           <a:extLst>
             <a:ext uri="{AF507438-7753-43e0-B8FC-AC1667EBCBE1}">
-              <a14:hiddenEffects xmlns="" xmlns:a14="http://schemas.microsoft.com/office/drawing/2010/main">
+              <a14:hiddenEffects xmlns:a14="http://schemas.microsoft.com/office/drawing/2010/main" xmlns="">
                 <a:effectLst>
                   <a:outerShdw blurRad="63500" dist="38099" dir="2700000" algn="ctr" rotWithShape="0">
                     <a:schemeClr val="bg2">
@@ -43680,7 +43684,7 @@
           <a:effectLst/>
           <a:extLst>
             <a:ext uri="{AF507438-7753-43e0-B8FC-AC1667EBCBE1}">
-              <a14:hiddenEffects xmlns="" xmlns:a14="http://schemas.microsoft.com/office/drawing/2010/main">
+              <a14:hiddenEffects xmlns:a14="http://schemas.microsoft.com/office/drawing/2010/main" xmlns="">
                 <a:effectLst>
                   <a:outerShdw blurRad="63500" dist="38099" dir="2700000" algn="ctr" rotWithShape="0">
                     <a:schemeClr val="bg2">
@@ -43724,7 +43728,7 @@
           <a:effectLst/>
           <a:extLst>
             <a:ext uri="{AF507438-7753-43e0-B8FC-AC1667EBCBE1}">
-              <a14:hiddenEffects xmlns="" xmlns:a14="http://schemas.microsoft.com/office/drawing/2010/main">
+              <a14:hiddenEffects xmlns:a14="http://schemas.microsoft.com/office/drawing/2010/main" xmlns="">
                 <a:effectLst>
                   <a:outerShdw blurRad="63500" dist="38099" dir="2700000" algn="ctr" rotWithShape="0">
                     <a:schemeClr val="bg2">
@@ -43981,7 +43985,7 @@
           <a:noFill/>
           <a:extLst>
             <a:ext uri="{909E8E84-426E-40dd-AFC4-6F175D3DCCD1}">
-              <a14:hiddenFill xmlns="" xmlns:a14="http://schemas.microsoft.com/office/drawing/2010/main">
+              <a14:hiddenFill xmlns:a14="http://schemas.microsoft.com/office/drawing/2010/main" xmlns="">
                 <a:solidFill>
                   <a:srgbClr val="FFFFFF"/>
                 </a:solidFill>
@@ -44200,7 +44204,7 @@
           <a:noFill/>
           <a:extLst>
             <a:ext uri="{909E8E84-426E-40dd-AFC4-6F175D3DCCD1}">
-              <a14:hiddenFill xmlns="" xmlns:a14="http://schemas.microsoft.com/office/drawing/2010/main">
+              <a14:hiddenFill xmlns:a14="http://schemas.microsoft.com/office/drawing/2010/main" xmlns="">
                 <a:solidFill>
                   <a:srgbClr val="FFFFFF"/>
                 </a:solidFill>
@@ -44232,14 +44236,14 @@
           <a:effectLst/>
           <a:extLst>
             <a:ext uri="{909E8E84-426E-40dd-AFC4-6F175D3DCCD1}">
-              <a14:hiddenFill xmlns="" xmlns:a14="http://schemas.microsoft.com/office/drawing/2010/main">
+              <a14:hiddenFill xmlns:a14="http://schemas.microsoft.com/office/drawing/2010/main" xmlns="">
                 <a:solidFill>
                   <a:schemeClr val="accent1"/>
                 </a:solidFill>
               </a14:hiddenFill>
             </a:ext>
             <a:ext uri="{91240B29-F687-4f45-9708-019B960494DF}">
-              <a14:hiddenLine xmlns="" xmlns:a14="http://schemas.microsoft.com/office/drawing/2010/main" w="9525">
+              <a14:hiddenLine xmlns:a14="http://schemas.microsoft.com/office/drawing/2010/main" xmlns="" w="9525">
                 <a:solidFill>
                   <a:schemeClr val="tx1"/>
                 </a:solidFill>
@@ -44249,7 +44253,7 @@
               </a14:hiddenLine>
             </a:ext>
             <a:ext uri="{AF507438-7753-43e0-B8FC-AC1667EBCBE1}">
-              <a14:hiddenEffects xmlns="" xmlns:a14="http://schemas.microsoft.com/office/drawing/2010/main">
+              <a14:hiddenEffects xmlns:a14="http://schemas.microsoft.com/office/drawing/2010/main" xmlns="">
                 <a:effectLst>
                   <a:outerShdw blurRad="63500" dist="38099" dir="2700000" algn="ctr" rotWithShape="0">
                     <a:schemeClr val="bg2">
@@ -44353,7 +44357,7 @@
           <a:noFill/>
           <a:extLst>
             <a:ext uri="{909E8E84-426E-40dd-AFC4-6F175D3DCCD1}">
-              <a14:hiddenFill xmlns="" xmlns:a14="http://schemas.microsoft.com/office/drawing/2010/main">
+              <a14:hiddenFill xmlns:a14="http://schemas.microsoft.com/office/drawing/2010/main" xmlns="">
                 <a:solidFill>
                   <a:srgbClr val="FFFFFF"/>
                 </a:solidFill>
@@ -44402,7 +44406,7 @@
           </a:ln>
           <a:extLst>
             <a:ext uri="{909E8E84-426E-40dd-AFC4-6F175D3DCCD1}">
-              <a14:hiddenFill xmlns="" xmlns:a14="http://schemas.microsoft.com/office/drawing/2010/main">
+              <a14:hiddenFill xmlns:a14="http://schemas.microsoft.com/office/drawing/2010/main" xmlns="">
                 <a:solidFill>
                   <a:srgbClr val="FFFFFF"/>
                 </a:solidFill>
@@ -44434,14 +44438,14 @@
           <a:effectLst/>
           <a:extLst>
             <a:ext uri="{909E8E84-426E-40dd-AFC4-6F175D3DCCD1}">
-              <a14:hiddenFill xmlns="" xmlns:a14="http://schemas.microsoft.com/office/drawing/2010/main">
+              <a14:hiddenFill xmlns:a14="http://schemas.microsoft.com/office/drawing/2010/main" xmlns="">
                 <a:solidFill>
                   <a:schemeClr val="accent1"/>
                 </a:solidFill>
               </a14:hiddenFill>
             </a:ext>
             <a:ext uri="{91240B29-F687-4f45-9708-019B960494DF}">
-              <a14:hiddenLine xmlns="" xmlns:a14="http://schemas.microsoft.com/office/drawing/2010/main" w="9525">
+              <a14:hiddenLine xmlns:a14="http://schemas.microsoft.com/office/drawing/2010/main" xmlns="" w="9525">
                 <a:solidFill>
                   <a:schemeClr val="tx1"/>
                 </a:solidFill>
@@ -44451,7 +44455,7 @@
               </a14:hiddenLine>
             </a:ext>
             <a:ext uri="{AF507438-7753-43e0-B8FC-AC1667EBCBE1}">
-              <a14:hiddenEffects xmlns="" xmlns:a14="http://schemas.microsoft.com/office/drawing/2010/main">
+              <a14:hiddenEffects xmlns:a14="http://schemas.microsoft.com/office/drawing/2010/main" xmlns="">
                 <a:effectLst>
                   <a:outerShdw blurRad="63500" dist="38099" dir="2700000" algn="ctr" rotWithShape="0">
                     <a:schemeClr val="bg2">
@@ -44506,7 +44510,7 @@
           <a:effectLst/>
           <a:extLst>
             <a:ext uri="{AF507438-7753-43e0-B8FC-AC1667EBCBE1}">
-              <a14:hiddenEffects xmlns="" xmlns:a14="http://schemas.microsoft.com/office/drawing/2010/main">
+              <a14:hiddenEffects xmlns:a14="http://schemas.microsoft.com/office/drawing/2010/main" xmlns="">
                 <a:effectLst>
                   <a:outerShdw blurRad="63500" dist="38099" dir="2700000" algn="ctr" rotWithShape="0">
                     <a:schemeClr val="bg2">
@@ -44565,12 +44569,12 @@
           <a:effectLst/>
           <a:extLst>
             <a:ext uri="{909E8E84-426E-40dd-AFC4-6F175D3DCCD1}">
-              <a14:hiddenFill xmlns="" xmlns:a14="http://schemas.microsoft.com/office/drawing/2010/main">
+              <a14:hiddenFill xmlns:a14="http://schemas.microsoft.com/office/drawing/2010/main" xmlns="">
                 <a:noFill/>
               </a14:hiddenFill>
             </a:ext>
             <a:ext uri="{AF507438-7753-43e0-B8FC-AC1667EBCBE1}">
-              <a14:hiddenEffects xmlns="" xmlns:a14="http://schemas.microsoft.com/office/drawing/2010/main">
+              <a14:hiddenEffects xmlns:a14="http://schemas.microsoft.com/office/drawing/2010/main" xmlns="">
                 <a:effectLst>
                   <a:outerShdw blurRad="63500" dist="38099" dir="2700000" algn="ctr" rotWithShape="0">
                     <a:schemeClr val="bg2">
@@ -44618,12 +44622,12 @@
           <a:effectLst/>
           <a:extLst>
             <a:ext uri="{909E8E84-426E-40dd-AFC4-6F175D3DCCD1}">
-              <a14:hiddenFill xmlns="" xmlns:a14="http://schemas.microsoft.com/office/drawing/2010/main">
+              <a14:hiddenFill xmlns:a14="http://schemas.microsoft.com/office/drawing/2010/main" xmlns="">
                 <a:noFill/>
               </a14:hiddenFill>
             </a:ext>
             <a:ext uri="{AF507438-7753-43e0-B8FC-AC1667EBCBE1}">
-              <a14:hiddenEffects xmlns="" xmlns:a14="http://schemas.microsoft.com/office/drawing/2010/main">
+              <a14:hiddenEffects xmlns:a14="http://schemas.microsoft.com/office/drawing/2010/main" xmlns="">
                 <a:effectLst>
                   <a:outerShdw blurRad="63500" dist="38099" dir="2700000" algn="ctr" rotWithShape="0">
                     <a:schemeClr val="bg2">
@@ -44666,14 +44670,14 @@
           <a:effectLst/>
           <a:extLst>
             <a:ext uri="{909E8E84-426E-40dd-AFC4-6F175D3DCCD1}">
-              <a14:hiddenFill xmlns="" xmlns:a14="http://schemas.microsoft.com/office/drawing/2010/main">
+              <a14:hiddenFill xmlns:a14="http://schemas.microsoft.com/office/drawing/2010/main" xmlns="">
                 <a:solidFill>
                   <a:schemeClr val="accent1"/>
                 </a:solidFill>
               </a14:hiddenFill>
             </a:ext>
             <a:ext uri="{91240B29-F687-4f45-9708-019B960494DF}">
-              <a14:hiddenLine xmlns="" xmlns:a14="http://schemas.microsoft.com/office/drawing/2010/main" w="9525">
+              <a14:hiddenLine xmlns:a14="http://schemas.microsoft.com/office/drawing/2010/main" xmlns="" w="9525">
                 <a:solidFill>
                   <a:schemeClr val="tx1"/>
                 </a:solidFill>
@@ -44683,7 +44687,7 @@
               </a14:hiddenLine>
             </a:ext>
             <a:ext uri="{AF507438-7753-43e0-B8FC-AC1667EBCBE1}">
-              <a14:hiddenEffects xmlns="" xmlns:a14="http://schemas.microsoft.com/office/drawing/2010/main">
+              <a14:hiddenEffects xmlns:a14="http://schemas.microsoft.com/office/drawing/2010/main" xmlns="">
                 <a:effectLst>
                   <a:outerShdw blurRad="63500" dist="38099" dir="2700000" algn="ctr" rotWithShape="0">
                     <a:schemeClr val="bg2">
@@ -44860,7 +44864,7 @@
           <a:noFill/>
           <a:extLst>
             <a:ext uri="{909E8E84-426E-40dd-AFC4-6F175D3DCCD1}">
-              <a14:hiddenFill xmlns="" xmlns:a14="http://schemas.microsoft.com/office/drawing/2010/main">
+              <a14:hiddenFill xmlns:a14="http://schemas.microsoft.com/office/drawing/2010/main" xmlns="">
                 <a:solidFill>
                   <a:srgbClr val="FFFFFF"/>
                 </a:solidFill>
@@ -44892,14 +44896,14 @@
           <a:effectLst/>
           <a:extLst>
             <a:ext uri="{909E8E84-426E-40dd-AFC4-6F175D3DCCD1}">
-              <a14:hiddenFill xmlns="" xmlns:a14="http://schemas.microsoft.com/office/drawing/2010/main">
+              <a14:hiddenFill xmlns:a14="http://schemas.microsoft.com/office/drawing/2010/main" xmlns="">
                 <a:solidFill>
                   <a:schemeClr val="accent1"/>
                 </a:solidFill>
               </a14:hiddenFill>
             </a:ext>
             <a:ext uri="{91240B29-F687-4f45-9708-019B960494DF}">
-              <a14:hiddenLine xmlns="" xmlns:a14="http://schemas.microsoft.com/office/drawing/2010/main" w="9525">
+              <a14:hiddenLine xmlns:a14="http://schemas.microsoft.com/office/drawing/2010/main" xmlns="" w="9525">
                 <a:solidFill>
                   <a:schemeClr val="tx1"/>
                 </a:solidFill>
@@ -44909,7 +44913,7 @@
               </a14:hiddenLine>
             </a:ext>
             <a:ext uri="{AF507438-7753-43e0-B8FC-AC1667EBCBE1}">
-              <a14:hiddenEffects xmlns="" xmlns:a14="http://schemas.microsoft.com/office/drawing/2010/main">
+              <a14:hiddenEffects xmlns:a14="http://schemas.microsoft.com/office/drawing/2010/main" xmlns="">
                 <a:effectLst>
                   <a:outerShdw blurRad="63500" dist="38099" dir="2700000" algn="ctr" rotWithShape="0">
                     <a:schemeClr val="bg2">
@@ -45237,7 +45241,7 @@
           <a:noFill/>
           <a:extLst>
             <a:ext uri="{909E8E84-426E-40dd-AFC4-6F175D3DCCD1}">
-              <a14:hiddenFill xmlns="" xmlns:a14="http://schemas.microsoft.com/office/drawing/2010/main">
+              <a14:hiddenFill xmlns:a14="http://schemas.microsoft.com/office/drawing/2010/main" xmlns="">
                 <a:solidFill>
                   <a:srgbClr val="FFFFFF"/>
                 </a:solidFill>
@@ -45414,7 +45418,7 @@
           <a:noFill/>
           <a:extLst>
             <a:ext uri="{909E8E84-426E-40dd-AFC4-6F175D3DCCD1}">
-              <a14:hiddenFill xmlns="" xmlns:a14="http://schemas.microsoft.com/office/drawing/2010/main">
+              <a14:hiddenFill xmlns:a14="http://schemas.microsoft.com/office/drawing/2010/main" xmlns="">
                 <a:solidFill>
                   <a:srgbClr val="FFFFFF"/>
                 </a:solidFill>
@@ -45446,14 +45450,14 @@
           <a:effectLst/>
           <a:extLst>
             <a:ext uri="{909E8E84-426E-40dd-AFC4-6F175D3DCCD1}">
-              <a14:hiddenFill xmlns="" xmlns:a14="http://schemas.microsoft.com/office/drawing/2010/main">
+              <a14:hiddenFill xmlns:a14="http://schemas.microsoft.com/office/drawing/2010/main" xmlns="">
                 <a:solidFill>
                   <a:schemeClr val="accent1"/>
                 </a:solidFill>
               </a14:hiddenFill>
             </a:ext>
             <a:ext uri="{91240B29-F687-4f45-9708-019B960494DF}">
-              <a14:hiddenLine xmlns="" xmlns:a14="http://schemas.microsoft.com/office/drawing/2010/main" w="9525">
+              <a14:hiddenLine xmlns:a14="http://schemas.microsoft.com/office/drawing/2010/main" xmlns="" w="9525">
                 <a:solidFill>
                   <a:schemeClr val="tx1"/>
                 </a:solidFill>
@@ -45463,7 +45467,7 @@
               </a14:hiddenLine>
             </a:ext>
             <a:ext uri="{AF507438-7753-43e0-B8FC-AC1667EBCBE1}">
-              <a14:hiddenEffects xmlns="" xmlns:a14="http://schemas.microsoft.com/office/drawing/2010/main">
+              <a14:hiddenEffects xmlns:a14="http://schemas.microsoft.com/office/drawing/2010/main" xmlns="">
                 <a:effectLst>
                   <a:outerShdw blurRad="63500" dist="38099" dir="2700000" algn="ctr" rotWithShape="0">
                     <a:schemeClr val="bg2">
@@ -46242,7 +46246,7 @@
           </a:ln>
           <a:extLst>
             <a:ext uri="{909E8E84-426E-40dd-AFC4-6F175D3DCCD1}">
-              <a14:hiddenFill xmlns="" xmlns:a14="http://schemas.microsoft.com/office/drawing/2010/main">
+              <a14:hiddenFill xmlns:a14="http://schemas.microsoft.com/office/drawing/2010/main" xmlns="">
                 <a:solidFill>
                   <a:srgbClr val="FFFFFF"/>
                 </a:solidFill>
@@ -46274,14 +46278,14 @@
           <a:effectLst/>
           <a:extLst>
             <a:ext uri="{909E8E84-426E-40dd-AFC4-6F175D3DCCD1}">
-              <a14:hiddenFill xmlns="" xmlns:a14="http://schemas.microsoft.com/office/drawing/2010/main">
+              <a14:hiddenFill xmlns:a14="http://schemas.microsoft.com/office/drawing/2010/main" xmlns="">
                 <a:solidFill>
                   <a:schemeClr val="accent1"/>
                 </a:solidFill>
               </a14:hiddenFill>
             </a:ext>
             <a:ext uri="{91240B29-F687-4f45-9708-019B960494DF}">
-              <a14:hiddenLine xmlns="" xmlns:a14="http://schemas.microsoft.com/office/drawing/2010/main" w="9525">
+              <a14:hiddenLine xmlns:a14="http://schemas.microsoft.com/office/drawing/2010/main" xmlns="" w="9525">
                 <a:solidFill>
                   <a:schemeClr val="tx1"/>
                 </a:solidFill>
@@ -46291,7 +46295,7 @@
               </a14:hiddenLine>
             </a:ext>
             <a:ext uri="{AF507438-7753-43e0-B8FC-AC1667EBCBE1}">
-              <a14:hiddenEffects xmlns="" xmlns:a14="http://schemas.microsoft.com/office/drawing/2010/main">
+              <a14:hiddenEffects xmlns:a14="http://schemas.microsoft.com/office/drawing/2010/main" xmlns="">
                 <a:effectLst>
                   <a:outerShdw blurRad="63500" dist="38099" dir="2700000" algn="ctr" rotWithShape="0">
                     <a:schemeClr val="bg2">
@@ -46473,14 +46477,14 @@
           <a:effectLst/>
           <a:extLst>
             <a:ext uri="{909E8E84-426E-40dd-AFC4-6F175D3DCCD1}">
-              <a14:hiddenFill xmlns="" xmlns:a14="http://schemas.microsoft.com/office/drawing/2010/main">
+              <a14:hiddenFill xmlns:a14="http://schemas.microsoft.com/office/drawing/2010/main" xmlns="">
                 <a:solidFill>
                   <a:schemeClr val="accent1"/>
                 </a:solidFill>
               </a14:hiddenFill>
             </a:ext>
             <a:ext uri="{91240B29-F687-4f45-9708-019B960494DF}">
-              <a14:hiddenLine xmlns="" xmlns:a14="http://schemas.microsoft.com/office/drawing/2010/main" w="9525">
+              <a14:hiddenLine xmlns:a14="http://schemas.microsoft.com/office/drawing/2010/main" xmlns="" w="9525">
                 <a:solidFill>
                   <a:schemeClr val="tx1"/>
                 </a:solidFill>
@@ -46490,7 +46494,7 @@
               </a14:hiddenLine>
             </a:ext>
             <a:ext uri="{AF507438-7753-43e0-B8FC-AC1667EBCBE1}">
-              <a14:hiddenEffects xmlns="" xmlns:a14="http://schemas.microsoft.com/office/drawing/2010/main">
+              <a14:hiddenEffects xmlns:a14="http://schemas.microsoft.com/office/drawing/2010/main" xmlns="">
                 <a:effectLst>
                   <a:outerShdw blurRad="63500" dist="38099" dir="2700000" algn="ctr" rotWithShape="0">
                     <a:schemeClr val="bg2">
@@ -46543,12 +46547,12 @@
           <a:effectLst/>
           <a:extLst>
             <a:ext uri="{909E8E84-426E-40dd-AFC4-6F175D3DCCD1}">
-              <a14:hiddenFill xmlns="" xmlns:a14="http://schemas.microsoft.com/office/drawing/2010/main">
+              <a14:hiddenFill xmlns:a14="http://schemas.microsoft.com/office/drawing/2010/main" xmlns="">
                 <a:noFill/>
               </a14:hiddenFill>
             </a:ext>
             <a:ext uri="{AF507438-7753-43e0-B8FC-AC1667EBCBE1}">
-              <a14:hiddenEffects xmlns="" xmlns:a14="http://schemas.microsoft.com/office/drawing/2010/main">
+              <a14:hiddenEffects xmlns:a14="http://schemas.microsoft.com/office/drawing/2010/main" xmlns="">
                 <a:effectLst>
                   <a:outerShdw blurRad="63500" dist="38099" dir="2700000" algn="ctr" rotWithShape="0">
                     <a:schemeClr val="bg2">
@@ -46596,12 +46600,12 @@
           <a:effectLst/>
           <a:extLst>
             <a:ext uri="{909E8E84-426E-40dd-AFC4-6F175D3DCCD1}">
-              <a14:hiddenFill xmlns="" xmlns:a14="http://schemas.microsoft.com/office/drawing/2010/main">
+              <a14:hiddenFill xmlns:a14="http://schemas.microsoft.com/office/drawing/2010/main" xmlns="">
                 <a:noFill/>
               </a14:hiddenFill>
             </a:ext>
             <a:ext uri="{AF507438-7753-43e0-B8FC-AC1667EBCBE1}">
-              <a14:hiddenEffects xmlns="" xmlns:a14="http://schemas.microsoft.com/office/drawing/2010/main">
+              <a14:hiddenEffects xmlns:a14="http://schemas.microsoft.com/office/drawing/2010/main" xmlns="">
                 <a:effectLst>
                   <a:outerShdw blurRad="63500" dist="38099" dir="2700000" algn="ctr" rotWithShape="0">
                     <a:schemeClr val="bg2">
@@ -46644,14 +46648,14 @@
           <a:effectLst/>
           <a:extLst>
             <a:ext uri="{909E8E84-426E-40dd-AFC4-6F175D3DCCD1}">
-              <a14:hiddenFill xmlns="" xmlns:a14="http://schemas.microsoft.com/office/drawing/2010/main">
+              <a14:hiddenFill xmlns:a14="http://schemas.microsoft.com/office/drawing/2010/main" xmlns="">
                 <a:solidFill>
                   <a:schemeClr val="accent1"/>
                 </a:solidFill>
               </a14:hiddenFill>
             </a:ext>
             <a:ext uri="{91240B29-F687-4f45-9708-019B960494DF}">
-              <a14:hiddenLine xmlns="" xmlns:a14="http://schemas.microsoft.com/office/drawing/2010/main" w="9525">
+              <a14:hiddenLine xmlns:a14="http://schemas.microsoft.com/office/drawing/2010/main" xmlns="" w="9525">
                 <a:solidFill>
                   <a:schemeClr val="tx1"/>
                 </a:solidFill>
@@ -46661,7 +46665,7 @@
               </a14:hiddenLine>
             </a:ext>
             <a:ext uri="{AF507438-7753-43e0-B8FC-AC1667EBCBE1}">
-              <a14:hiddenEffects xmlns="" xmlns:a14="http://schemas.microsoft.com/office/drawing/2010/main">
+              <a14:hiddenEffects xmlns:a14="http://schemas.microsoft.com/office/drawing/2010/main" xmlns="">
                 <a:effectLst>
                   <a:outerShdw blurRad="63500" dist="38099" dir="2700000" algn="ctr" rotWithShape="0">
                     <a:schemeClr val="bg2">
@@ -46771,14 +46775,14 @@
           <a:effectLst/>
           <a:extLst>
             <a:ext uri="{909E8E84-426E-40dd-AFC4-6F175D3DCCD1}">
-              <a14:hiddenFill xmlns="" xmlns:a14="http://schemas.microsoft.com/office/drawing/2010/main">
+              <a14:hiddenFill xmlns:a14="http://schemas.microsoft.com/office/drawing/2010/main" xmlns="">
                 <a:solidFill>
                   <a:schemeClr val="accent1"/>
                 </a:solidFill>
               </a14:hiddenFill>
             </a:ext>
             <a:ext uri="{91240B29-F687-4f45-9708-019B960494DF}">
-              <a14:hiddenLine xmlns="" xmlns:a14="http://schemas.microsoft.com/office/drawing/2010/main" w="9525">
+              <a14:hiddenLine xmlns:a14="http://schemas.microsoft.com/office/drawing/2010/main" xmlns="" w="9525">
                 <a:solidFill>
                   <a:schemeClr val="tx1"/>
                 </a:solidFill>
@@ -46788,7 +46792,7 @@
               </a14:hiddenLine>
             </a:ext>
             <a:ext uri="{AF507438-7753-43e0-B8FC-AC1667EBCBE1}">
-              <a14:hiddenEffects xmlns="" xmlns:a14="http://schemas.microsoft.com/office/drawing/2010/main">
+              <a14:hiddenEffects xmlns:a14="http://schemas.microsoft.com/office/drawing/2010/main" xmlns="">
                 <a:effectLst>
                   <a:outerShdw blurRad="63500" dist="38099" dir="2700000" algn="ctr" rotWithShape="0">
                     <a:schemeClr val="bg2">
@@ -46841,12 +46845,12 @@
           <a:effectLst/>
           <a:extLst>
             <a:ext uri="{909E8E84-426E-40dd-AFC4-6F175D3DCCD1}">
-              <a14:hiddenFill xmlns="" xmlns:a14="http://schemas.microsoft.com/office/drawing/2010/main">
+              <a14:hiddenFill xmlns:a14="http://schemas.microsoft.com/office/drawing/2010/main" xmlns="">
                 <a:noFill/>
               </a14:hiddenFill>
             </a:ext>
             <a:ext uri="{AF507438-7753-43e0-B8FC-AC1667EBCBE1}">
-              <a14:hiddenEffects xmlns="" xmlns:a14="http://schemas.microsoft.com/office/drawing/2010/main">
+              <a14:hiddenEffects xmlns:a14="http://schemas.microsoft.com/office/drawing/2010/main" xmlns="">
                 <a:effectLst>
                   <a:outerShdw blurRad="63500" dist="38099" dir="2700000" algn="ctr" rotWithShape="0">
                     <a:schemeClr val="bg2">
@@ -46894,12 +46898,12 @@
           <a:effectLst/>
           <a:extLst>
             <a:ext uri="{909E8E84-426E-40dd-AFC4-6F175D3DCCD1}">
-              <a14:hiddenFill xmlns="" xmlns:a14="http://schemas.microsoft.com/office/drawing/2010/main">
+              <a14:hiddenFill xmlns:a14="http://schemas.microsoft.com/office/drawing/2010/main" xmlns="">
                 <a:noFill/>
               </a14:hiddenFill>
             </a:ext>
             <a:ext uri="{AF507438-7753-43e0-B8FC-AC1667EBCBE1}">
-              <a14:hiddenEffects xmlns="" xmlns:a14="http://schemas.microsoft.com/office/drawing/2010/main">
+              <a14:hiddenEffects xmlns:a14="http://schemas.microsoft.com/office/drawing/2010/main" xmlns="">
                 <a:effectLst>
                   <a:outerShdw blurRad="63500" dist="38099" dir="2700000" algn="ctr" rotWithShape="0">
                     <a:schemeClr val="bg2">
@@ -46942,14 +46946,14 @@
           <a:effectLst/>
           <a:extLst>
             <a:ext uri="{909E8E84-426E-40dd-AFC4-6F175D3DCCD1}">
-              <a14:hiddenFill xmlns="" xmlns:a14="http://schemas.microsoft.com/office/drawing/2010/main">
+              <a14:hiddenFill xmlns:a14="http://schemas.microsoft.com/office/drawing/2010/main" xmlns="">
                 <a:solidFill>
                   <a:schemeClr val="accent1"/>
                 </a:solidFill>
               </a14:hiddenFill>
             </a:ext>
             <a:ext uri="{91240B29-F687-4f45-9708-019B960494DF}">
-              <a14:hiddenLine xmlns="" xmlns:a14="http://schemas.microsoft.com/office/drawing/2010/main" w="9525">
+              <a14:hiddenLine xmlns:a14="http://schemas.microsoft.com/office/drawing/2010/main" xmlns="" w="9525">
                 <a:solidFill>
                   <a:schemeClr val="tx1"/>
                 </a:solidFill>
@@ -46959,7 +46963,7 @@
               </a14:hiddenLine>
             </a:ext>
             <a:ext uri="{AF507438-7753-43e0-B8FC-AC1667EBCBE1}">
-              <a14:hiddenEffects xmlns="" xmlns:a14="http://schemas.microsoft.com/office/drawing/2010/main">
+              <a14:hiddenEffects xmlns:a14="http://schemas.microsoft.com/office/drawing/2010/main" xmlns="">
                 <a:effectLst>
                   <a:outerShdw blurRad="63500" dist="38099" dir="2700000" algn="ctr" rotWithShape="0">
                     <a:schemeClr val="bg2">
@@ -47069,14 +47073,14 @@
           <a:effectLst/>
           <a:extLst>
             <a:ext uri="{909E8E84-426E-40dd-AFC4-6F175D3DCCD1}">
-              <a14:hiddenFill xmlns="" xmlns:a14="http://schemas.microsoft.com/office/drawing/2010/main">
+              <a14:hiddenFill xmlns:a14="http://schemas.microsoft.com/office/drawing/2010/main" xmlns="">
                 <a:solidFill>
                   <a:schemeClr val="accent1"/>
                 </a:solidFill>
               </a14:hiddenFill>
             </a:ext>
             <a:ext uri="{91240B29-F687-4f45-9708-019B960494DF}">
-              <a14:hiddenLine xmlns="" xmlns:a14="http://schemas.microsoft.com/office/drawing/2010/main" w="9525">
+              <a14:hiddenLine xmlns:a14="http://schemas.microsoft.com/office/drawing/2010/main" xmlns="" w="9525">
                 <a:solidFill>
                   <a:schemeClr val="tx1"/>
                 </a:solidFill>
@@ -47086,7 +47090,7 @@
               </a14:hiddenLine>
             </a:ext>
             <a:ext uri="{AF507438-7753-43e0-B8FC-AC1667EBCBE1}">
-              <a14:hiddenEffects xmlns="" xmlns:a14="http://schemas.microsoft.com/office/drawing/2010/main">
+              <a14:hiddenEffects xmlns:a14="http://schemas.microsoft.com/office/drawing/2010/main" xmlns="">
                 <a:effectLst>
                   <a:outerShdw blurRad="63500" dist="38099" dir="2700000" algn="ctr" rotWithShape="0">
                     <a:schemeClr val="bg2">
@@ -47139,12 +47143,12 @@
           <a:effectLst/>
           <a:extLst>
             <a:ext uri="{909E8E84-426E-40dd-AFC4-6F175D3DCCD1}">
-              <a14:hiddenFill xmlns="" xmlns:a14="http://schemas.microsoft.com/office/drawing/2010/main">
+              <a14:hiddenFill xmlns:a14="http://schemas.microsoft.com/office/drawing/2010/main" xmlns="">
                 <a:noFill/>
               </a14:hiddenFill>
             </a:ext>
             <a:ext uri="{AF507438-7753-43e0-B8FC-AC1667EBCBE1}">
-              <a14:hiddenEffects xmlns="" xmlns:a14="http://schemas.microsoft.com/office/drawing/2010/main">
+              <a14:hiddenEffects xmlns:a14="http://schemas.microsoft.com/office/drawing/2010/main" xmlns="">
                 <a:effectLst>
                   <a:outerShdw blurRad="63500" dist="38099" dir="2700000" algn="ctr" rotWithShape="0">
                     <a:schemeClr val="bg2">
@@ -47192,12 +47196,12 @@
           <a:effectLst/>
           <a:extLst>
             <a:ext uri="{909E8E84-426E-40dd-AFC4-6F175D3DCCD1}">
-              <a14:hiddenFill xmlns="" xmlns:a14="http://schemas.microsoft.com/office/drawing/2010/main">
+              <a14:hiddenFill xmlns:a14="http://schemas.microsoft.com/office/drawing/2010/main" xmlns="">
                 <a:noFill/>
               </a14:hiddenFill>
             </a:ext>
             <a:ext uri="{AF507438-7753-43e0-B8FC-AC1667EBCBE1}">
-              <a14:hiddenEffects xmlns="" xmlns:a14="http://schemas.microsoft.com/office/drawing/2010/main">
+              <a14:hiddenEffects xmlns:a14="http://schemas.microsoft.com/office/drawing/2010/main" xmlns="">
                 <a:effectLst>
                   <a:outerShdw blurRad="63500" dist="38099" dir="2700000" algn="ctr" rotWithShape="0">
                     <a:schemeClr val="bg2">
@@ -47240,14 +47244,14 @@
           <a:effectLst/>
           <a:extLst>
             <a:ext uri="{909E8E84-426E-40dd-AFC4-6F175D3DCCD1}">
-              <a14:hiddenFill xmlns="" xmlns:a14="http://schemas.microsoft.com/office/drawing/2010/main">
+              <a14:hiddenFill xmlns:a14="http://schemas.microsoft.com/office/drawing/2010/main" xmlns="">
                 <a:solidFill>
                   <a:schemeClr val="accent1"/>
                 </a:solidFill>
               </a14:hiddenFill>
             </a:ext>
             <a:ext uri="{91240B29-F687-4f45-9708-019B960494DF}">
-              <a14:hiddenLine xmlns="" xmlns:a14="http://schemas.microsoft.com/office/drawing/2010/main" w="9525">
+              <a14:hiddenLine xmlns:a14="http://schemas.microsoft.com/office/drawing/2010/main" xmlns="" w="9525">
                 <a:solidFill>
                   <a:schemeClr val="tx1"/>
                 </a:solidFill>
@@ -47257,7 +47261,7 @@
               </a14:hiddenLine>
             </a:ext>
             <a:ext uri="{AF507438-7753-43e0-B8FC-AC1667EBCBE1}">
-              <a14:hiddenEffects xmlns="" xmlns:a14="http://schemas.microsoft.com/office/drawing/2010/main">
+              <a14:hiddenEffects xmlns:a14="http://schemas.microsoft.com/office/drawing/2010/main" xmlns="">
                 <a:effectLst>
                   <a:outerShdw blurRad="63500" dist="38099" dir="2700000" algn="ctr" rotWithShape="0">
                     <a:schemeClr val="bg2">
@@ -47348,14 +47352,14 @@
           <a:effectLst/>
           <a:extLst>
             <a:ext uri="{909E8E84-426E-40dd-AFC4-6F175D3DCCD1}">
-              <a14:hiddenFill xmlns="" xmlns:a14="http://schemas.microsoft.com/office/drawing/2010/main">
+              <a14:hiddenFill xmlns:a14="http://schemas.microsoft.com/office/drawing/2010/main" xmlns="">
                 <a:solidFill>
                   <a:schemeClr val="accent1"/>
                 </a:solidFill>
               </a14:hiddenFill>
             </a:ext>
             <a:ext uri="{91240B29-F687-4f45-9708-019B960494DF}">
-              <a14:hiddenLine xmlns="" xmlns:a14="http://schemas.microsoft.com/office/drawing/2010/main" w="9525">
+              <a14:hiddenLine xmlns:a14="http://schemas.microsoft.com/office/drawing/2010/main" xmlns="" w="9525">
                 <a:solidFill>
                   <a:schemeClr val="tx1"/>
                 </a:solidFill>
@@ -47365,7 +47369,7 @@
               </a14:hiddenLine>
             </a:ext>
             <a:ext uri="{AF507438-7753-43e0-B8FC-AC1667EBCBE1}">
-              <a14:hiddenEffects xmlns="" xmlns:a14="http://schemas.microsoft.com/office/drawing/2010/main">
+              <a14:hiddenEffects xmlns:a14="http://schemas.microsoft.com/office/drawing/2010/main" xmlns="">
                 <a:effectLst>
                   <a:outerShdw blurRad="63500" dist="38099" dir="2700000" algn="ctr" rotWithShape="0">
                     <a:schemeClr val="bg2">
@@ -47418,12 +47422,12 @@
           <a:effectLst/>
           <a:extLst>
             <a:ext uri="{909E8E84-426E-40dd-AFC4-6F175D3DCCD1}">
-              <a14:hiddenFill xmlns="" xmlns:a14="http://schemas.microsoft.com/office/drawing/2010/main">
+              <a14:hiddenFill xmlns:a14="http://schemas.microsoft.com/office/drawing/2010/main" xmlns="">
                 <a:noFill/>
               </a14:hiddenFill>
             </a:ext>
             <a:ext uri="{AF507438-7753-43e0-B8FC-AC1667EBCBE1}">
-              <a14:hiddenEffects xmlns="" xmlns:a14="http://schemas.microsoft.com/office/drawing/2010/main">
+              <a14:hiddenEffects xmlns:a14="http://schemas.microsoft.com/office/drawing/2010/main" xmlns="">
                 <a:effectLst>
                   <a:outerShdw blurRad="63500" dist="38099" dir="2700000" algn="ctr" rotWithShape="0">
                     <a:schemeClr val="bg2">
@@ -47471,12 +47475,12 @@
           <a:effectLst/>
           <a:extLst>
             <a:ext uri="{909E8E84-426E-40dd-AFC4-6F175D3DCCD1}">
-              <a14:hiddenFill xmlns="" xmlns:a14="http://schemas.microsoft.com/office/drawing/2010/main">
+              <a14:hiddenFill xmlns:a14="http://schemas.microsoft.com/office/drawing/2010/main" xmlns="">
                 <a:noFill/>
               </a14:hiddenFill>
             </a:ext>
             <a:ext uri="{AF507438-7753-43e0-B8FC-AC1667EBCBE1}">
-              <a14:hiddenEffects xmlns="" xmlns:a14="http://schemas.microsoft.com/office/drawing/2010/main">
+              <a14:hiddenEffects xmlns:a14="http://schemas.microsoft.com/office/drawing/2010/main" xmlns="">
                 <a:effectLst>
                   <a:outerShdw blurRad="63500" dist="38099" dir="2700000" algn="ctr" rotWithShape="0">
                     <a:schemeClr val="bg2">
@@ -47519,14 +47523,14 @@
           <a:effectLst/>
           <a:extLst>
             <a:ext uri="{909E8E84-426E-40dd-AFC4-6F175D3DCCD1}">
-              <a14:hiddenFill xmlns="" xmlns:a14="http://schemas.microsoft.com/office/drawing/2010/main">
+              <a14:hiddenFill xmlns:a14="http://schemas.microsoft.com/office/drawing/2010/main" xmlns="">
                 <a:solidFill>
                   <a:schemeClr val="accent1"/>
                 </a:solidFill>
               </a14:hiddenFill>
             </a:ext>
             <a:ext uri="{91240B29-F687-4f45-9708-019B960494DF}">
-              <a14:hiddenLine xmlns="" xmlns:a14="http://schemas.microsoft.com/office/drawing/2010/main" w="9525">
+              <a14:hiddenLine xmlns:a14="http://schemas.microsoft.com/office/drawing/2010/main" xmlns="" w="9525">
                 <a:solidFill>
                   <a:schemeClr val="tx1"/>
                 </a:solidFill>
@@ -47536,7 +47540,7 @@
               </a14:hiddenLine>
             </a:ext>
             <a:ext uri="{AF507438-7753-43e0-B8FC-AC1667EBCBE1}">
-              <a14:hiddenEffects xmlns="" xmlns:a14="http://schemas.microsoft.com/office/drawing/2010/main">
+              <a14:hiddenEffects xmlns:a14="http://schemas.microsoft.com/office/drawing/2010/main" xmlns="">
                 <a:effectLst>
                   <a:outerShdw blurRad="63500" dist="38099" dir="2700000" algn="ctr" rotWithShape="0">
                     <a:schemeClr val="bg2">
@@ -47591,7 +47595,7 @@
           <a:effectLst/>
           <a:extLst>
             <a:ext uri="{AF507438-7753-43e0-B8FC-AC1667EBCBE1}">
-              <a14:hiddenEffects xmlns="" xmlns:a14="http://schemas.microsoft.com/office/drawing/2010/main">
+              <a14:hiddenEffects xmlns:a14="http://schemas.microsoft.com/office/drawing/2010/main" xmlns="">
                 <a:effectLst>
                   <a:outerShdw blurRad="63500" dist="38099" dir="2700000" algn="ctr" rotWithShape="0">
                     <a:schemeClr val="bg2">
@@ -47681,14 +47685,14 @@
           <a:effectLst/>
           <a:extLst>
             <a:ext uri="{909E8E84-426E-40dd-AFC4-6F175D3DCCD1}">
-              <a14:hiddenFill xmlns="" xmlns:a14="http://schemas.microsoft.com/office/drawing/2010/main">
+              <a14:hiddenFill xmlns:a14="http://schemas.microsoft.com/office/drawing/2010/main" xmlns="">
                 <a:solidFill>
                   <a:schemeClr val="accent1"/>
                 </a:solidFill>
               </a14:hiddenFill>
             </a:ext>
             <a:ext uri="{AF507438-7753-43e0-B8FC-AC1667EBCBE1}">
-              <a14:hiddenEffects xmlns="" xmlns:a14="http://schemas.microsoft.com/office/drawing/2010/main">
+              <a14:hiddenEffects xmlns:a14="http://schemas.microsoft.com/office/drawing/2010/main" xmlns="">
                 <a:effectLst>
                   <a:outerShdw blurRad="63500" dist="38099" dir="2700000" algn="ctr" rotWithShape="0">
                     <a:schemeClr val="bg2">
@@ -47736,12 +47740,12 @@
           <a:effectLst/>
           <a:extLst>
             <a:ext uri="{909E8E84-426E-40dd-AFC4-6F175D3DCCD1}">
-              <a14:hiddenFill xmlns="" xmlns:a14="http://schemas.microsoft.com/office/drawing/2010/main">
+              <a14:hiddenFill xmlns:a14="http://schemas.microsoft.com/office/drawing/2010/main" xmlns="">
                 <a:noFill/>
               </a14:hiddenFill>
             </a:ext>
             <a:ext uri="{AF507438-7753-43e0-B8FC-AC1667EBCBE1}">
-              <a14:hiddenEffects xmlns="" xmlns:a14="http://schemas.microsoft.com/office/drawing/2010/main">
+              <a14:hiddenEffects xmlns:a14="http://schemas.microsoft.com/office/drawing/2010/main" xmlns="">
                 <a:effectLst>
                   <a:outerShdw blurRad="63500" dist="38099" dir="2700000" algn="ctr" rotWithShape="0">
                     <a:schemeClr val="bg2">
@@ -47784,14 +47788,14 @@
           <a:effectLst/>
           <a:extLst>
             <a:ext uri="{909E8E84-426E-40dd-AFC4-6F175D3DCCD1}">
-              <a14:hiddenFill xmlns="" xmlns:a14="http://schemas.microsoft.com/office/drawing/2010/main">
+              <a14:hiddenFill xmlns:a14="http://schemas.microsoft.com/office/drawing/2010/main" xmlns="">
                 <a:solidFill>
                   <a:schemeClr val="accent1"/>
                 </a:solidFill>
               </a14:hiddenFill>
             </a:ext>
             <a:ext uri="{91240B29-F687-4f45-9708-019B960494DF}">
-              <a14:hiddenLine xmlns="" xmlns:a14="http://schemas.microsoft.com/office/drawing/2010/main" w="9525">
+              <a14:hiddenLine xmlns:a14="http://schemas.microsoft.com/office/drawing/2010/main" xmlns="" w="9525">
                 <a:solidFill>
                   <a:schemeClr val="tx1"/>
                 </a:solidFill>
@@ -47801,7 +47805,7 @@
               </a14:hiddenLine>
             </a:ext>
             <a:ext uri="{AF507438-7753-43e0-B8FC-AC1667EBCBE1}">
-              <a14:hiddenEffects xmlns="" xmlns:a14="http://schemas.microsoft.com/office/drawing/2010/main">
+              <a14:hiddenEffects xmlns:a14="http://schemas.microsoft.com/office/drawing/2010/main" xmlns="">
                 <a:effectLst>
                   <a:outerShdw blurRad="63500" dist="38099" dir="2700000" algn="ctr" rotWithShape="0">
                     <a:schemeClr val="bg2">
@@ -47854,14 +47858,14 @@
           <a:effectLst/>
           <a:extLst>
             <a:ext uri="{909E8E84-426E-40dd-AFC4-6F175D3DCCD1}">
-              <a14:hiddenFill xmlns="" xmlns:a14="http://schemas.microsoft.com/office/drawing/2010/main">
+              <a14:hiddenFill xmlns:a14="http://schemas.microsoft.com/office/drawing/2010/main" xmlns="">
                 <a:solidFill>
                   <a:schemeClr val="accent1"/>
                 </a:solidFill>
               </a14:hiddenFill>
             </a:ext>
             <a:ext uri="{91240B29-F687-4f45-9708-019B960494DF}">
-              <a14:hiddenLine xmlns="" xmlns:a14="http://schemas.microsoft.com/office/drawing/2010/main" w="9525">
+              <a14:hiddenLine xmlns:a14="http://schemas.microsoft.com/office/drawing/2010/main" xmlns="" w="9525">
                 <a:solidFill>
                   <a:schemeClr val="tx1"/>
                 </a:solidFill>
@@ -47871,7 +47875,7 @@
               </a14:hiddenLine>
             </a:ext>
             <a:ext uri="{AF507438-7753-43e0-B8FC-AC1667EBCBE1}">
-              <a14:hiddenEffects xmlns="" xmlns:a14="http://schemas.microsoft.com/office/drawing/2010/main">
+              <a14:hiddenEffects xmlns:a14="http://schemas.microsoft.com/office/drawing/2010/main" xmlns="">
                 <a:effectLst>
                   <a:outerShdw blurRad="63500" dist="38099" dir="2700000" algn="ctr" rotWithShape="0">
                     <a:schemeClr val="bg2">
@@ -47924,14 +47928,14 @@
           <a:effectLst/>
           <a:extLst>
             <a:ext uri="{909E8E84-426E-40dd-AFC4-6F175D3DCCD1}">
-              <a14:hiddenFill xmlns="" xmlns:a14="http://schemas.microsoft.com/office/drawing/2010/main">
+              <a14:hiddenFill xmlns:a14="http://schemas.microsoft.com/office/drawing/2010/main" xmlns="">
                 <a:solidFill>
                   <a:schemeClr val="accent1"/>
                 </a:solidFill>
               </a14:hiddenFill>
             </a:ext>
             <a:ext uri="{91240B29-F687-4f45-9708-019B960494DF}">
-              <a14:hiddenLine xmlns="" xmlns:a14="http://schemas.microsoft.com/office/drawing/2010/main" w="9525">
+              <a14:hiddenLine xmlns:a14="http://schemas.microsoft.com/office/drawing/2010/main" xmlns="" w="9525">
                 <a:solidFill>
                   <a:schemeClr val="tx1"/>
                 </a:solidFill>
@@ -47941,7 +47945,7 @@
               </a14:hiddenLine>
             </a:ext>
             <a:ext uri="{AF507438-7753-43e0-B8FC-AC1667EBCBE1}">
-              <a14:hiddenEffects xmlns="" xmlns:a14="http://schemas.microsoft.com/office/drawing/2010/main">
+              <a14:hiddenEffects xmlns:a14="http://schemas.microsoft.com/office/drawing/2010/main" xmlns="">
                 <a:effectLst>
                   <a:outerShdw blurRad="63500" dist="38099" dir="2700000" algn="ctr" rotWithShape="0">
                     <a:schemeClr val="bg2">
@@ -48158,14 +48162,14 @@
           <a:effectLst/>
           <a:extLst>
             <a:ext uri="{909E8E84-426E-40dd-AFC4-6F175D3DCCD1}">
-              <a14:hiddenFill xmlns="" xmlns:a14="http://schemas.microsoft.com/office/drawing/2010/main">
+              <a14:hiddenFill xmlns:a14="http://schemas.microsoft.com/office/drawing/2010/main" xmlns="">
                 <a:solidFill>
                   <a:schemeClr val="accent1"/>
                 </a:solidFill>
               </a14:hiddenFill>
             </a:ext>
             <a:ext uri="{91240B29-F687-4f45-9708-019B960494DF}">
-              <a14:hiddenLine xmlns="" xmlns:a14="http://schemas.microsoft.com/office/drawing/2010/main" w="9525">
+              <a14:hiddenLine xmlns:a14="http://schemas.microsoft.com/office/drawing/2010/main" xmlns="" w="9525">
                 <a:solidFill>
                   <a:schemeClr val="tx1"/>
                 </a:solidFill>
@@ -48175,7 +48179,7 @@
               </a14:hiddenLine>
             </a:ext>
             <a:ext uri="{AF507438-7753-43e0-B8FC-AC1667EBCBE1}">
-              <a14:hiddenEffects xmlns="" xmlns:a14="http://schemas.microsoft.com/office/drawing/2010/main">
+              <a14:hiddenEffects xmlns:a14="http://schemas.microsoft.com/office/drawing/2010/main" xmlns="">
                 <a:effectLst>
                   <a:outerShdw blurRad="63500" dist="38099" dir="2700000" algn="ctr" rotWithShape="0">
                     <a:schemeClr val="bg2">
@@ -48436,14 +48440,14 @@
           <a:effectLst/>
           <a:extLst>
             <a:ext uri="{909E8E84-426E-40dd-AFC4-6F175D3DCCD1}">
-              <a14:hiddenFill xmlns="" xmlns:a14="http://schemas.microsoft.com/office/drawing/2010/main">
+              <a14:hiddenFill xmlns:a14="http://schemas.microsoft.com/office/drawing/2010/main" xmlns="">
                 <a:solidFill>
                   <a:schemeClr val="accent1"/>
                 </a:solidFill>
               </a14:hiddenFill>
             </a:ext>
             <a:ext uri="{91240B29-F687-4f45-9708-019B960494DF}">
-              <a14:hiddenLine xmlns="" xmlns:a14="http://schemas.microsoft.com/office/drawing/2010/main" w="9525">
+              <a14:hiddenLine xmlns:a14="http://schemas.microsoft.com/office/drawing/2010/main" xmlns="" w="9525">
                 <a:solidFill>
                   <a:schemeClr val="tx1"/>
                 </a:solidFill>
@@ -48453,7 +48457,7 @@
               </a14:hiddenLine>
             </a:ext>
             <a:ext uri="{AF507438-7753-43e0-B8FC-AC1667EBCBE1}">
-              <a14:hiddenEffects xmlns="" xmlns:a14="http://schemas.microsoft.com/office/drawing/2010/main">
+              <a14:hiddenEffects xmlns:a14="http://schemas.microsoft.com/office/drawing/2010/main" xmlns="">
                 <a:effectLst>
                   <a:outerShdw blurRad="63500" dist="38099" dir="2700000" algn="ctr" rotWithShape="0">
                     <a:schemeClr val="bg2">
@@ -48591,7 +48595,7 @@
           <a:effectLst/>
           <a:extLst>
             <a:ext uri="{AF507438-7753-43e0-B8FC-AC1667EBCBE1}">
-              <a14:hiddenEffects xmlns="" xmlns:a14="http://schemas.microsoft.com/office/drawing/2010/main">
+              <a14:hiddenEffects xmlns:a14="http://schemas.microsoft.com/office/drawing/2010/main" xmlns="">
                 <a:effectLst>
                   <a:outerShdw blurRad="63500" dist="38099" dir="2700000" algn="ctr" rotWithShape="0">
                     <a:schemeClr val="bg2">
@@ -48644,7 +48648,7 @@
           <a:effectLst/>
           <a:extLst>
             <a:ext uri="{AF507438-7753-43e0-B8FC-AC1667EBCBE1}">
-              <a14:hiddenEffects xmlns="" xmlns:a14="http://schemas.microsoft.com/office/drawing/2010/main">
+              <a14:hiddenEffects xmlns:a14="http://schemas.microsoft.com/office/drawing/2010/main" xmlns="">
                 <a:effectLst>
                   <a:outerShdw blurRad="63500" dist="38099" dir="2700000" algn="ctr" rotWithShape="0">
                     <a:schemeClr val="bg2">
@@ -48698,7 +48702,7 @@
           <a:effectLst/>
           <a:extLst>
             <a:ext uri="{AF507438-7753-43e0-B8FC-AC1667EBCBE1}">
-              <a14:hiddenEffects xmlns="" xmlns:a14="http://schemas.microsoft.com/office/drawing/2010/main">
+              <a14:hiddenEffects xmlns:a14="http://schemas.microsoft.com/office/drawing/2010/main" xmlns="">
                 <a:effectLst>
                   <a:outerShdw blurRad="63500" dist="38099" dir="2700000" algn="ctr" rotWithShape="0">
                     <a:schemeClr val="bg2">
@@ -48751,7 +48755,7 @@
           <a:effectLst/>
           <a:extLst>
             <a:ext uri="{AF507438-7753-43e0-B8FC-AC1667EBCBE1}">
-              <a14:hiddenEffects xmlns="" xmlns:a14="http://schemas.microsoft.com/office/drawing/2010/main">
+              <a14:hiddenEffects xmlns:a14="http://schemas.microsoft.com/office/drawing/2010/main" xmlns="">
                 <a:effectLst>
                   <a:outerShdw blurRad="63500" dist="38099" dir="2700000" algn="ctr" rotWithShape="0">
                     <a:schemeClr val="bg2">
@@ -48812,7 +48816,7 @@
           <a:effectLst/>
           <a:extLst>
             <a:ext uri="{AF507438-7753-43e0-B8FC-AC1667EBCBE1}">
-              <a14:hiddenEffects xmlns="" xmlns:a14="http://schemas.microsoft.com/office/drawing/2010/main">
+              <a14:hiddenEffects xmlns:a14="http://schemas.microsoft.com/office/drawing/2010/main" xmlns="">
                 <a:effectLst>
                   <a:outerShdw blurRad="63500" dist="38099" dir="2700000" algn="ctr" rotWithShape="0">
                     <a:schemeClr val="bg2">
@@ -48873,14 +48877,14 @@
           <a:effectLst/>
           <a:extLst>
             <a:ext uri="{909E8E84-426E-40dd-AFC4-6F175D3DCCD1}">
-              <a14:hiddenFill xmlns="" xmlns:a14="http://schemas.microsoft.com/office/drawing/2010/main">
+              <a14:hiddenFill xmlns:a14="http://schemas.microsoft.com/office/drawing/2010/main" xmlns="">
                 <a:solidFill>
                   <a:schemeClr val="accent1"/>
                 </a:solidFill>
               </a14:hiddenFill>
             </a:ext>
             <a:ext uri="{91240B29-F687-4f45-9708-019B960494DF}">
-              <a14:hiddenLine xmlns="" xmlns:a14="http://schemas.microsoft.com/office/drawing/2010/main" w="9525">
+              <a14:hiddenLine xmlns:a14="http://schemas.microsoft.com/office/drawing/2010/main" xmlns="" w="9525">
                 <a:solidFill>
                   <a:schemeClr val="tx1"/>
                 </a:solidFill>
@@ -48890,7 +48894,7 @@
               </a14:hiddenLine>
             </a:ext>
             <a:ext uri="{AF507438-7753-43e0-B8FC-AC1667EBCBE1}">
-              <a14:hiddenEffects xmlns="" xmlns:a14="http://schemas.microsoft.com/office/drawing/2010/main">
+              <a14:hiddenEffects xmlns:a14="http://schemas.microsoft.com/office/drawing/2010/main" xmlns="">
                 <a:effectLst>
                   <a:outerShdw blurRad="63500" dist="38099" dir="2700000" algn="ctr" rotWithShape="0">
                     <a:schemeClr val="bg2">
@@ -48943,14 +48947,14 @@
           <a:effectLst/>
           <a:extLst>
             <a:ext uri="{909E8E84-426E-40dd-AFC4-6F175D3DCCD1}">
-              <a14:hiddenFill xmlns="" xmlns:a14="http://schemas.microsoft.com/office/drawing/2010/main">
+              <a14:hiddenFill xmlns:a14="http://schemas.microsoft.com/office/drawing/2010/main" xmlns="">
                 <a:solidFill>
                   <a:schemeClr val="accent1"/>
                 </a:solidFill>
               </a14:hiddenFill>
             </a:ext>
             <a:ext uri="{91240B29-F687-4f45-9708-019B960494DF}">
-              <a14:hiddenLine xmlns="" xmlns:a14="http://schemas.microsoft.com/office/drawing/2010/main" w="9525">
+              <a14:hiddenLine xmlns:a14="http://schemas.microsoft.com/office/drawing/2010/main" xmlns="" w="9525">
                 <a:solidFill>
                   <a:schemeClr val="tx1"/>
                 </a:solidFill>
@@ -48960,7 +48964,7 @@
               </a14:hiddenLine>
             </a:ext>
             <a:ext uri="{AF507438-7753-43e0-B8FC-AC1667EBCBE1}">
-              <a14:hiddenEffects xmlns="" xmlns:a14="http://schemas.microsoft.com/office/drawing/2010/main">
+              <a14:hiddenEffects xmlns:a14="http://schemas.microsoft.com/office/drawing/2010/main" xmlns="">
                 <a:effectLst>
                   <a:outerShdw blurRad="63500" dist="38099" dir="2700000" algn="ctr" rotWithShape="0">
                     <a:schemeClr val="bg2">
@@ -49013,14 +49017,14 @@
           <a:effectLst/>
           <a:extLst>
             <a:ext uri="{909E8E84-426E-40dd-AFC4-6F175D3DCCD1}">
-              <a14:hiddenFill xmlns="" xmlns:a14="http://schemas.microsoft.com/office/drawing/2010/main">
+              <a14:hiddenFill xmlns:a14="http://schemas.microsoft.com/office/drawing/2010/main" xmlns="">
                 <a:solidFill>
                   <a:schemeClr val="accent1"/>
                 </a:solidFill>
               </a14:hiddenFill>
             </a:ext>
             <a:ext uri="{91240B29-F687-4f45-9708-019B960494DF}">
-              <a14:hiddenLine xmlns="" xmlns:a14="http://schemas.microsoft.com/office/drawing/2010/main" w="9525">
+              <a14:hiddenLine xmlns:a14="http://schemas.microsoft.com/office/drawing/2010/main" xmlns="" w="9525">
                 <a:solidFill>
                   <a:schemeClr val="tx1"/>
                 </a:solidFill>
@@ -49030,7 +49034,7 @@
               </a14:hiddenLine>
             </a:ext>
             <a:ext uri="{AF507438-7753-43e0-B8FC-AC1667EBCBE1}">
-              <a14:hiddenEffects xmlns="" xmlns:a14="http://schemas.microsoft.com/office/drawing/2010/main">
+              <a14:hiddenEffects xmlns:a14="http://schemas.microsoft.com/office/drawing/2010/main" xmlns="">
                 <a:effectLst>
                   <a:outerShdw blurRad="63500" dist="38099" dir="2700000" algn="ctr" rotWithShape="0">
                     <a:schemeClr val="bg2">
@@ -49128,14 +49132,14 @@
           <a:effectLst/>
           <a:extLst>
             <a:ext uri="{909E8E84-426E-40dd-AFC4-6F175D3DCCD1}">
-              <a14:hiddenFill xmlns="" xmlns:a14="http://schemas.microsoft.com/office/drawing/2010/main">
+              <a14:hiddenFill xmlns:a14="http://schemas.microsoft.com/office/drawing/2010/main" xmlns="">
                 <a:solidFill>
                   <a:schemeClr val="accent1"/>
                 </a:solidFill>
               </a14:hiddenFill>
             </a:ext>
             <a:ext uri="{91240B29-F687-4f45-9708-019B960494DF}">
-              <a14:hiddenLine xmlns="" xmlns:a14="http://schemas.microsoft.com/office/drawing/2010/main" w="9525">
+              <a14:hiddenLine xmlns:a14="http://schemas.microsoft.com/office/drawing/2010/main" xmlns="" w="9525">
                 <a:solidFill>
                   <a:schemeClr val="tx1"/>
                 </a:solidFill>
@@ -49145,7 +49149,7 @@
               </a14:hiddenLine>
             </a:ext>
             <a:ext uri="{AF507438-7753-43e0-B8FC-AC1667EBCBE1}">
-              <a14:hiddenEffects xmlns="" xmlns:a14="http://schemas.microsoft.com/office/drawing/2010/main">
+              <a14:hiddenEffects xmlns:a14="http://schemas.microsoft.com/office/drawing/2010/main" xmlns="">
                 <a:effectLst>
                   <a:outerShdw blurRad="63500" dist="38099" dir="2700000" algn="ctr" rotWithShape="0">
                     <a:schemeClr val="bg2">
@@ -49209,14 +49213,14 @@
           <a:effectLst/>
           <a:extLst>
             <a:ext uri="{909E8E84-426E-40dd-AFC4-6F175D3DCCD1}">
-              <a14:hiddenFill xmlns="" xmlns:a14="http://schemas.microsoft.com/office/drawing/2010/main">
+              <a14:hiddenFill xmlns:a14="http://schemas.microsoft.com/office/drawing/2010/main" xmlns="">
                 <a:solidFill>
                   <a:schemeClr val="accent1"/>
                 </a:solidFill>
               </a14:hiddenFill>
             </a:ext>
             <a:ext uri="{91240B29-F687-4f45-9708-019B960494DF}">
-              <a14:hiddenLine xmlns="" xmlns:a14="http://schemas.microsoft.com/office/drawing/2010/main" w="9525">
+              <a14:hiddenLine xmlns:a14="http://schemas.microsoft.com/office/drawing/2010/main" xmlns="" w="9525">
                 <a:solidFill>
                   <a:schemeClr val="tx1"/>
                 </a:solidFill>
@@ -49226,7 +49230,7 @@
               </a14:hiddenLine>
             </a:ext>
             <a:ext uri="{AF507438-7753-43e0-B8FC-AC1667EBCBE1}">
-              <a14:hiddenEffects xmlns="" xmlns:a14="http://schemas.microsoft.com/office/drawing/2010/main">
+              <a14:hiddenEffects xmlns:a14="http://schemas.microsoft.com/office/drawing/2010/main" xmlns="">
                 <a:effectLst>
                   <a:outerShdw blurRad="63500" dist="38099" dir="2700000" algn="ctr" rotWithShape="0">
                     <a:schemeClr val="bg2">
@@ -49288,7 +49292,7 @@
           <a:noFill/>
           <a:extLst>
             <a:ext uri="{909E8E84-426E-40dd-AFC4-6F175D3DCCD1}">
-              <a14:hiddenFill xmlns="" xmlns:a14="http://schemas.microsoft.com/office/drawing/2010/main">
+              <a14:hiddenFill xmlns:a14="http://schemas.microsoft.com/office/drawing/2010/main" xmlns="">
                 <a:solidFill>
                   <a:srgbClr val="FFFFFF"/>
                 </a:solidFill>
@@ -49418,7 +49422,7 @@
           <a:noFill/>
           <a:extLst>
             <a:ext uri="{909E8E84-426E-40dd-AFC4-6F175D3DCCD1}">
-              <a14:hiddenFill xmlns="" xmlns:a14="http://schemas.microsoft.com/office/drawing/2010/main">
+              <a14:hiddenFill xmlns:a14="http://schemas.microsoft.com/office/drawing/2010/main" xmlns="">
                 <a:solidFill>
                   <a:srgbClr val="FFFFFF"/>
                 </a:solidFill>
@@ -49450,14 +49454,14 @@
           <a:effectLst/>
           <a:extLst>
             <a:ext uri="{909E8E84-426E-40dd-AFC4-6F175D3DCCD1}">
-              <a14:hiddenFill xmlns="" xmlns:a14="http://schemas.microsoft.com/office/drawing/2010/main">
+              <a14:hiddenFill xmlns:a14="http://schemas.microsoft.com/office/drawing/2010/main" xmlns="">
                 <a:solidFill>
                   <a:schemeClr val="accent1"/>
                 </a:solidFill>
               </a14:hiddenFill>
             </a:ext>
             <a:ext uri="{91240B29-F687-4f45-9708-019B960494DF}">
-              <a14:hiddenLine xmlns="" xmlns:a14="http://schemas.microsoft.com/office/drawing/2010/main" w="9525">
+              <a14:hiddenLine xmlns:a14="http://schemas.microsoft.com/office/drawing/2010/main" xmlns="" w="9525">
                 <a:solidFill>
                   <a:schemeClr val="tx1"/>
                 </a:solidFill>
@@ -49467,7 +49471,7 @@
               </a14:hiddenLine>
             </a:ext>
             <a:ext uri="{AF507438-7753-43e0-B8FC-AC1667EBCBE1}">
-              <a14:hiddenEffects xmlns="" xmlns:a14="http://schemas.microsoft.com/office/drawing/2010/main">
+              <a14:hiddenEffects xmlns:a14="http://schemas.microsoft.com/office/drawing/2010/main" xmlns="">
                 <a:effectLst>
                   <a:outerShdw blurRad="63500" dist="38099" dir="2700000" algn="ctr" rotWithShape="0">
                     <a:schemeClr val="bg2">
@@ -49740,14 +49744,14 @@
           <a:effectLst/>
           <a:extLst>
             <a:ext uri="{909E8E84-426E-40dd-AFC4-6F175D3DCCD1}">
-              <a14:hiddenFill xmlns="" xmlns:a14="http://schemas.microsoft.com/office/drawing/2010/main">
+              <a14:hiddenFill xmlns:a14="http://schemas.microsoft.com/office/drawing/2010/main" xmlns="">
                 <a:solidFill>
                   <a:schemeClr val="accent1"/>
                 </a:solidFill>
               </a14:hiddenFill>
             </a:ext>
             <a:ext uri="{91240B29-F687-4f45-9708-019B960494DF}">
-              <a14:hiddenLine xmlns="" xmlns:a14="http://schemas.microsoft.com/office/drawing/2010/main" w="9525">
+              <a14:hiddenLine xmlns:a14="http://schemas.microsoft.com/office/drawing/2010/main" xmlns="" w="9525">
                 <a:solidFill>
                   <a:schemeClr val="tx1"/>
                 </a:solidFill>
@@ -49757,7 +49761,7 @@
               </a14:hiddenLine>
             </a:ext>
             <a:ext uri="{AF507438-7753-43e0-B8FC-AC1667EBCBE1}">
-              <a14:hiddenEffects xmlns="" xmlns:a14="http://schemas.microsoft.com/office/drawing/2010/main">
+              <a14:hiddenEffects xmlns:a14="http://schemas.microsoft.com/office/drawing/2010/main" xmlns="">
                 <a:effectLst>
                   <a:outerShdw blurRad="63500" dist="38099" dir="2700000" algn="ctr" rotWithShape="0">
                     <a:schemeClr val="bg2">
@@ -50972,7 +50976,7 @@
         <a:effectLst/>
         <a:extLst>
           <a:ext uri="{AF507438-7753-43e0-B8FC-AC1667EBCBE1}">
-            <a14:hiddenEffects xmlns="" xmlns:a14="http://schemas.microsoft.com/office/drawing/2010/main">
+            <a14:hiddenEffects xmlns:a14="http://schemas.microsoft.com/office/drawing/2010/main" xmlns="">
               <a:effectLst>
                 <a:outerShdw blurRad="63500" dist="38099" dir="2700000" algn="ctr" rotWithShape="0">
                   <a:schemeClr val="bg2">
@@ -51048,7 +51052,7 @@
         <a:effectLst/>
         <a:extLst>
           <a:ext uri="{AF507438-7753-43e0-B8FC-AC1667EBCBE1}">
-            <a14:hiddenEffects xmlns="" xmlns:a14="http://schemas.microsoft.com/office/drawing/2010/main">
+            <a14:hiddenEffects xmlns:a14="http://schemas.microsoft.com/office/drawing/2010/main" xmlns="">
               <a:effectLst>
                 <a:outerShdw blurRad="63500" dist="38099" dir="2700000" algn="ctr" rotWithShape="0">
                   <a:schemeClr val="bg2">
